--- a/Output/Cyr_Thesis_AOPUTC_Poster.pptx
+++ b/Output/Cyr_Thesis_AOPUTC_Poster.pptx
@@ -104,13 +104,18 @@
       </a:defRPr>
     </a:lvl9pPr>
   </p:defaultTextStyle>
+  <p:extLst>
+    <p:ext uri="{EFAFB233-063F-42B5-8137-9DF3F51BA10A}">
+      <p15:sldGuideLst xmlns:p15="http://schemas.microsoft.com/office/powerpoint/2012/main"/>
+    </p:ext>
+  </p:extLst>
 </p:presentation>
 </file>
 
 <file path=ppt/revisionInfo.xml><?xml version="1.0" encoding="utf-8"?>
 <p1510:revInfo xmlns:a="http://schemas.openxmlformats.org/drawingml/2006/main" xmlns:r="http://schemas.openxmlformats.org/officeDocument/2006/relationships" xmlns:p1510="http://schemas.microsoft.com/office/powerpoint/2015/10/main">
   <p1510:revLst>
-    <p1510:client id="{A2D9BF99-1A77-4E77-BCCB-F05B896ACBD8}" v="17" dt="2021-06-03T00:13:10.214"/>
+    <p1510:client id="{A2D9BF99-1A77-4E77-BCCB-F05B896ACBD8}" v="93" dt="2021-06-03T01:40:01.350"/>
   </p1510:revLst>
 </p1510:revInfo>
 </file>
@@ -119,19 +124,19 @@
 <pc:chgInfo xmlns:a="http://schemas.openxmlformats.org/drawingml/2006/main" xmlns:r="http://schemas.openxmlformats.org/officeDocument/2006/relationships" xmlns:ac="http://schemas.microsoft.com/office/drawing/2013/main/command" xmlns:pc="http://schemas.microsoft.com/office/powerpoint/2013/main/command">
   <pc:docChgLst>
     <pc:chgData name="Elizabeth Marks" userId="23c45164968f2109" providerId="LiveId" clId="{A2D9BF99-1A77-4E77-BCCB-F05B896ACBD8}"/>
-    <pc:docChg chg="custSel modSld">
-      <pc:chgData name="Elizabeth Marks" userId="23c45164968f2109" providerId="LiveId" clId="{A2D9BF99-1A77-4E77-BCCB-F05B896ACBD8}" dt="2021-06-03T00:15:32.174" v="286" actId="207"/>
+    <pc:docChg chg="undo redo custSel modSld">
+      <pc:chgData name="Elizabeth Marks" userId="23c45164968f2109" providerId="LiveId" clId="{A2D9BF99-1A77-4E77-BCCB-F05B896ACBD8}" dt="2021-06-03T01:40:46.366" v="1925" actId="1076"/>
       <pc:docMkLst>
         <pc:docMk/>
       </pc:docMkLst>
-      <pc:sldChg chg="addSp modSp mod">
-        <pc:chgData name="Elizabeth Marks" userId="23c45164968f2109" providerId="LiveId" clId="{A2D9BF99-1A77-4E77-BCCB-F05B896ACBD8}" dt="2021-06-03T00:15:32.174" v="286" actId="207"/>
+      <pc:sldChg chg="addSp delSp modSp mod delAnim modAnim">
+        <pc:chgData name="Elizabeth Marks" userId="23c45164968f2109" providerId="LiveId" clId="{A2D9BF99-1A77-4E77-BCCB-F05B896ACBD8}" dt="2021-06-03T01:40:46.366" v="1925" actId="1076"/>
         <pc:sldMkLst>
           <pc:docMk/>
           <pc:sldMk cId="4250069135" sldId="256"/>
         </pc:sldMkLst>
         <pc:spChg chg="mod">
-          <ac:chgData name="Elizabeth Marks" userId="23c45164968f2109" providerId="LiveId" clId="{A2D9BF99-1A77-4E77-BCCB-F05B896ACBD8}" dt="2021-06-03T00:15:03.138" v="285" actId="207"/>
+          <ac:chgData name="Elizabeth Marks" userId="23c45164968f2109" providerId="LiveId" clId="{A2D9BF99-1A77-4E77-BCCB-F05B896ACBD8}" dt="2021-06-03T00:39:10.481" v="402" actId="1076"/>
           <ac:spMkLst>
             <pc:docMk/>
             <pc:sldMk cId="4250069135" sldId="256"/>
@@ -139,7 +144,7 @@
           </ac:spMkLst>
         </pc:spChg>
         <pc:spChg chg="add mod">
-          <ac:chgData name="Elizabeth Marks" userId="23c45164968f2109" providerId="LiveId" clId="{A2D9BF99-1A77-4E77-BCCB-F05B896ACBD8}" dt="2021-06-03T00:08:48.653" v="37" actId="2085"/>
+          <ac:chgData name="Elizabeth Marks" userId="23c45164968f2109" providerId="LiveId" clId="{A2D9BF99-1A77-4E77-BCCB-F05B896ACBD8}" dt="2021-06-03T00:42:12.398" v="409" actId="207"/>
           <ac:spMkLst>
             <pc:docMk/>
             <pc:sldMk cId="4250069135" sldId="256"/>
@@ -147,63 +152,63 @@
           </ac:spMkLst>
         </pc:spChg>
         <pc:spChg chg="add mod">
-          <ac:chgData name="Elizabeth Marks" userId="23c45164968f2109" providerId="LiveId" clId="{A2D9BF99-1A77-4E77-BCCB-F05B896ACBD8}" dt="2021-06-03T00:08:48.653" v="37" actId="2085"/>
+          <ac:chgData name="Elizabeth Marks" userId="23c45164968f2109" providerId="LiveId" clId="{A2D9BF99-1A77-4E77-BCCB-F05B896ACBD8}" dt="2021-06-03T00:57:36.904" v="450" actId="14100"/>
           <ac:spMkLst>
             <pc:docMk/>
             <pc:sldMk cId="4250069135" sldId="256"/>
             <ac:spMk id="8" creationId="{C9A10B6C-F6F2-4148-999F-1DB682C453ED}"/>
           </ac:spMkLst>
         </pc:spChg>
+        <pc:spChg chg="add del mod">
+          <ac:chgData name="Elizabeth Marks" userId="23c45164968f2109" providerId="LiveId" clId="{A2D9BF99-1A77-4E77-BCCB-F05B896ACBD8}" dt="2021-06-03T00:58:08.236" v="451" actId="478"/>
+          <ac:spMkLst>
+            <pc:docMk/>
+            <pc:sldMk cId="4250069135" sldId="256"/>
+            <ac:spMk id="9" creationId="{8495D2AE-BDBD-4196-BFD1-B6438992FDA9}"/>
+          </ac:spMkLst>
+        </pc:spChg>
+        <pc:spChg chg="add del mod">
+          <ac:chgData name="Elizabeth Marks" userId="23c45164968f2109" providerId="LiveId" clId="{A2D9BF99-1A77-4E77-BCCB-F05B896ACBD8}" dt="2021-06-03T01:25:11.322" v="1695" actId="478"/>
+          <ac:spMkLst>
+            <pc:docMk/>
+            <pc:sldMk cId="4250069135" sldId="256"/>
+            <ac:spMk id="10" creationId="{27B50F44-9912-4C07-A63B-16AC0FFAF222}"/>
+          </ac:spMkLst>
+        </pc:spChg>
         <pc:spChg chg="add mod">
-          <ac:chgData name="Elizabeth Marks" userId="23c45164968f2109" providerId="LiveId" clId="{A2D9BF99-1A77-4E77-BCCB-F05B896ACBD8}" dt="2021-06-03T00:08:48.653" v="37" actId="2085"/>
-          <ac:spMkLst>
-            <pc:docMk/>
-            <pc:sldMk cId="4250069135" sldId="256"/>
-            <ac:spMk id="9" creationId="{8495D2AE-BDBD-4196-BFD1-B6438992FDA9}"/>
+          <ac:chgData name="Elizabeth Marks" userId="23c45164968f2109" providerId="LiveId" clId="{A2D9BF99-1A77-4E77-BCCB-F05B896ACBD8}" dt="2021-06-03T00:42:12.398" v="409" actId="207"/>
+          <ac:spMkLst>
+            <pc:docMk/>
+            <pc:sldMk cId="4250069135" sldId="256"/>
+            <ac:spMk id="11" creationId="{4C199662-F517-43F0-8412-DF0A52EFE55C}"/>
           </ac:spMkLst>
         </pc:spChg>
         <pc:spChg chg="add mod">
-          <ac:chgData name="Elizabeth Marks" userId="23c45164968f2109" providerId="LiveId" clId="{A2D9BF99-1A77-4E77-BCCB-F05B896ACBD8}" dt="2021-06-03T00:08:48.653" v="37" actId="2085"/>
-          <ac:spMkLst>
-            <pc:docMk/>
-            <pc:sldMk cId="4250069135" sldId="256"/>
-            <ac:spMk id="10" creationId="{27B50F44-9912-4C07-A63B-16AC0FFAF222}"/>
+          <ac:chgData name="Elizabeth Marks" userId="23c45164968f2109" providerId="LiveId" clId="{A2D9BF99-1A77-4E77-BCCB-F05B896ACBD8}" dt="2021-06-03T00:42:12.398" v="409" actId="207"/>
+          <ac:spMkLst>
+            <pc:docMk/>
+            <pc:sldMk cId="4250069135" sldId="256"/>
+            <ac:spMk id="12" creationId="{68287413-5FDC-47CD-874E-C43CD33FE846}"/>
           </ac:spMkLst>
         </pc:spChg>
         <pc:spChg chg="add mod">
-          <ac:chgData name="Elizabeth Marks" userId="23c45164968f2109" providerId="LiveId" clId="{A2D9BF99-1A77-4E77-BCCB-F05B896ACBD8}" dt="2021-06-03T00:08:48.653" v="37" actId="2085"/>
-          <ac:spMkLst>
-            <pc:docMk/>
-            <pc:sldMk cId="4250069135" sldId="256"/>
-            <ac:spMk id="11" creationId="{4C199662-F517-43F0-8412-DF0A52EFE55C}"/>
+          <ac:chgData name="Elizabeth Marks" userId="23c45164968f2109" providerId="LiveId" clId="{A2D9BF99-1A77-4E77-BCCB-F05B896ACBD8}" dt="2021-06-03T00:42:12.398" v="409" actId="207"/>
+          <ac:spMkLst>
+            <pc:docMk/>
+            <pc:sldMk cId="4250069135" sldId="256"/>
+            <ac:spMk id="13" creationId="{BB84C534-CD96-4724-972D-E52DD19E78A9}"/>
           </ac:spMkLst>
         </pc:spChg>
         <pc:spChg chg="add mod">
-          <ac:chgData name="Elizabeth Marks" userId="23c45164968f2109" providerId="LiveId" clId="{A2D9BF99-1A77-4E77-BCCB-F05B896ACBD8}" dt="2021-06-03T00:08:48.653" v="37" actId="2085"/>
-          <ac:spMkLst>
-            <pc:docMk/>
-            <pc:sldMk cId="4250069135" sldId="256"/>
-            <ac:spMk id="12" creationId="{68287413-5FDC-47CD-874E-C43CD33FE846}"/>
+          <ac:chgData name="Elizabeth Marks" userId="23c45164968f2109" providerId="LiveId" clId="{A2D9BF99-1A77-4E77-BCCB-F05B896ACBD8}" dt="2021-06-03T00:42:12.398" v="409" actId="207"/>
+          <ac:spMkLst>
+            <pc:docMk/>
+            <pc:sldMk cId="4250069135" sldId="256"/>
+            <ac:spMk id="14" creationId="{F7BDBAE5-DAAF-4D9C-9248-6ADCB25B284D}"/>
           </ac:spMkLst>
         </pc:spChg>
         <pc:spChg chg="add mod">
-          <ac:chgData name="Elizabeth Marks" userId="23c45164968f2109" providerId="LiveId" clId="{A2D9BF99-1A77-4E77-BCCB-F05B896ACBD8}" dt="2021-06-03T00:08:48.653" v="37" actId="2085"/>
-          <ac:spMkLst>
-            <pc:docMk/>
-            <pc:sldMk cId="4250069135" sldId="256"/>
-            <ac:spMk id="13" creationId="{BB84C534-CD96-4724-972D-E52DD19E78A9}"/>
-          </ac:spMkLst>
-        </pc:spChg>
-        <pc:spChg chg="add mod">
-          <ac:chgData name="Elizabeth Marks" userId="23c45164968f2109" providerId="LiveId" clId="{A2D9BF99-1A77-4E77-BCCB-F05B896ACBD8}" dt="2021-06-03T00:08:48.653" v="37" actId="2085"/>
-          <ac:spMkLst>
-            <pc:docMk/>
-            <pc:sldMk cId="4250069135" sldId="256"/>
-            <ac:spMk id="14" creationId="{F7BDBAE5-DAAF-4D9C-9248-6ADCB25B284D}"/>
-          </ac:spMkLst>
-        </pc:spChg>
-        <pc:spChg chg="add mod">
-          <ac:chgData name="Elizabeth Marks" userId="23c45164968f2109" providerId="LiveId" clId="{A2D9BF99-1A77-4E77-BCCB-F05B896ACBD8}" dt="2021-06-03T00:08:48.653" v="37" actId="2085"/>
+          <ac:chgData name="Elizabeth Marks" userId="23c45164968f2109" providerId="LiveId" clId="{A2D9BF99-1A77-4E77-BCCB-F05B896ACBD8}" dt="2021-06-03T00:42:12.398" v="409" actId="207"/>
           <ac:spMkLst>
             <pc:docMk/>
             <pc:sldMk cId="4250069135" sldId="256"/>
@@ -219,7 +224,7 @@
           </ac:spMkLst>
         </pc:spChg>
         <pc:spChg chg="add mod">
-          <ac:chgData name="Elizabeth Marks" userId="23c45164968f2109" providerId="LiveId" clId="{A2D9BF99-1A77-4E77-BCCB-F05B896ACBD8}" dt="2021-06-03T00:15:32.174" v="286" actId="207"/>
+          <ac:chgData name="Elizabeth Marks" userId="23c45164968f2109" providerId="LiveId" clId="{A2D9BF99-1A77-4E77-BCCB-F05B896ACBD8}" dt="2021-06-03T00:37:12.430" v="394" actId="1076"/>
           <ac:spMkLst>
             <pc:docMk/>
             <pc:sldMk cId="4250069135" sldId="256"/>
@@ -275,7 +280,7 @@
           </ac:spMkLst>
         </pc:spChg>
         <pc:spChg chg="add mod">
-          <ac:chgData name="Elizabeth Marks" userId="23c45164968f2109" providerId="LiveId" clId="{A2D9BF99-1A77-4E77-BCCB-F05B896ACBD8}" dt="2021-06-03T00:15:32.174" v="286" actId="207"/>
+          <ac:chgData name="Elizabeth Marks" userId="23c45164968f2109" providerId="LiveId" clId="{A2D9BF99-1A77-4E77-BCCB-F05B896ACBD8}" dt="2021-06-03T01:37:49.207" v="1911" actId="1076"/>
           <ac:spMkLst>
             <pc:docMk/>
             <pc:sldMk cId="4250069135" sldId="256"/>
@@ -283,17 +288,3772 @@
           </ac:spMkLst>
         </pc:spChg>
         <pc:spChg chg="add mod">
-          <ac:chgData name="Elizabeth Marks" userId="23c45164968f2109" providerId="LiveId" clId="{A2D9BF99-1A77-4E77-BCCB-F05B896ACBD8}" dt="2021-06-03T00:15:32.174" v="286" actId="207"/>
+          <ac:chgData name="Elizabeth Marks" userId="23c45164968f2109" providerId="LiveId" clId="{A2D9BF99-1A77-4E77-BCCB-F05B896ACBD8}" dt="2021-06-03T01:11:05.784" v="1201" actId="1076"/>
           <ac:spMkLst>
             <pc:docMk/>
             <pc:sldMk cId="4250069135" sldId="256"/>
             <ac:spMk id="25" creationId="{F72BEBA2-F451-4C22-9346-323BC19F1C86}"/>
           </ac:spMkLst>
         </pc:spChg>
+        <pc:spChg chg="add mod">
+          <ac:chgData name="Elizabeth Marks" userId="23c45164968f2109" providerId="LiveId" clId="{A2D9BF99-1A77-4E77-BCCB-F05B896ACBD8}" dt="2021-06-03T00:56:29.689" v="443" actId="14100"/>
+          <ac:spMkLst>
+            <pc:docMk/>
+            <pc:sldMk cId="4250069135" sldId="256"/>
+            <ac:spMk id="26" creationId="{649B140F-DEBA-4287-8639-EB3B749FAB95}"/>
+          </ac:spMkLst>
+        </pc:spChg>
+        <pc:spChg chg="add del mod">
+          <ac:chgData name="Elizabeth Marks" userId="23c45164968f2109" providerId="LiveId" clId="{A2D9BF99-1A77-4E77-BCCB-F05B896ACBD8}" dt="2021-06-03T00:20:43.841" v="294"/>
+          <ac:spMkLst>
+            <pc:docMk/>
+            <pc:sldMk cId="4250069135" sldId="256"/>
+            <ac:spMk id="27" creationId="{CE161840-F2D5-4EAB-937A-8BFBE23D8562}"/>
+          </ac:spMkLst>
+        </pc:spChg>
+        <pc:spChg chg="add del mod">
+          <ac:chgData name="Elizabeth Marks" userId="23c45164968f2109" providerId="LiveId" clId="{A2D9BF99-1A77-4E77-BCCB-F05B896ACBD8}" dt="2021-06-03T00:20:43.841" v="294"/>
+          <ac:spMkLst>
+            <pc:docMk/>
+            <pc:sldMk cId="4250069135" sldId="256"/>
+            <ac:spMk id="28" creationId="{AD0300B6-2404-4E5A-A4A4-4683B885C6BE}"/>
+          </ac:spMkLst>
+        </pc:spChg>
+        <pc:spChg chg="add del mod">
+          <ac:chgData name="Elizabeth Marks" userId="23c45164968f2109" providerId="LiveId" clId="{A2D9BF99-1A77-4E77-BCCB-F05B896ACBD8}" dt="2021-06-03T00:20:43.841" v="294"/>
+          <ac:spMkLst>
+            <pc:docMk/>
+            <pc:sldMk cId="4250069135" sldId="256"/>
+            <ac:spMk id="31" creationId="{5A9AF13A-F845-4D7F-B9BB-8616875AD5CB}"/>
+          </ac:spMkLst>
+        </pc:spChg>
+        <pc:spChg chg="add del mod">
+          <ac:chgData name="Elizabeth Marks" userId="23c45164968f2109" providerId="LiveId" clId="{A2D9BF99-1A77-4E77-BCCB-F05B896ACBD8}" dt="2021-06-03T00:20:43.841" v="294"/>
+          <ac:spMkLst>
+            <pc:docMk/>
+            <pc:sldMk cId="4250069135" sldId="256"/>
+            <ac:spMk id="32" creationId="{2E885521-9E57-49C3-86CB-97074D080AD7}"/>
+          </ac:spMkLst>
+        </pc:spChg>
+        <pc:spChg chg="add del mod">
+          <ac:chgData name="Elizabeth Marks" userId="23c45164968f2109" providerId="LiveId" clId="{A2D9BF99-1A77-4E77-BCCB-F05B896ACBD8}" dt="2021-06-03T00:20:43.841" v="294"/>
+          <ac:spMkLst>
+            <pc:docMk/>
+            <pc:sldMk cId="4250069135" sldId="256"/>
+            <ac:spMk id="33" creationId="{DC161DA5-716B-4DA2-8734-EBB44CFF4C33}"/>
+          </ac:spMkLst>
+        </pc:spChg>
+        <pc:spChg chg="add del mod">
+          <ac:chgData name="Elizabeth Marks" userId="23c45164968f2109" providerId="LiveId" clId="{A2D9BF99-1A77-4E77-BCCB-F05B896ACBD8}" dt="2021-06-03T00:20:43.841" v="294"/>
+          <ac:spMkLst>
+            <pc:docMk/>
+            <pc:sldMk cId="4250069135" sldId="256"/>
+            <ac:spMk id="34" creationId="{644BB15E-AFFF-4759-9349-66A637E316A3}"/>
+          </ac:spMkLst>
+        </pc:spChg>
+        <pc:spChg chg="add del mod">
+          <ac:chgData name="Elizabeth Marks" userId="23c45164968f2109" providerId="LiveId" clId="{A2D9BF99-1A77-4E77-BCCB-F05B896ACBD8}" dt="2021-06-03T00:20:43.841" v="294"/>
+          <ac:spMkLst>
+            <pc:docMk/>
+            <pc:sldMk cId="4250069135" sldId="256"/>
+            <ac:spMk id="35" creationId="{F322D92D-7B33-4DD3-BE6B-BC5C46F5701F}"/>
+          </ac:spMkLst>
+        </pc:spChg>
+        <pc:spChg chg="add del mod">
+          <ac:chgData name="Elizabeth Marks" userId="23c45164968f2109" providerId="LiveId" clId="{A2D9BF99-1A77-4E77-BCCB-F05B896ACBD8}" dt="2021-06-03T00:20:43.841" v="294"/>
+          <ac:spMkLst>
+            <pc:docMk/>
+            <pc:sldMk cId="4250069135" sldId="256"/>
+            <ac:spMk id="36" creationId="{3A2473B1-F9E9-47C3-9888-26FB7E4A8A46}"/>
+          </ac:spMkLst>
+        </pc:spChg>
+        <pc:spChg chg="add del mod">
+          <ac:chgData name="Elizabeth Marks" userId="23c45164968f2109" providerId="LiveId" clId="{A2D9BF99-1A77-4E77-BCCB-F05B896ACBD8}" dt="2021-06-03T00:20:43.841" v="294"/>
+          <ac:spMkLst>
+            <pc:docMk/>
+            <pc:sldMk cId="4250069135" sldId="256"/>
+            <ac:spMk id="37" creationId="{B028935E-E3C5-4578-974D-40D241EC7395}"/>
+          </ac:spMkLst>
+        </pc:spChg>
+        <pc:spChg chg="add del mod">
+          <ac:chgData name="Elizabeth Marks" userId="23c45164968f2109" providerId="LiveId" clId="{A2D9BF99-1A77-4E77-BCCB-F05B896ACBD8}" dt="2021-06-03T00:20:43.841" v="294"/>
+          <ac:spMkLst>
+            <pc:docMk/>
+            <pc:sldMk cId="4250069135" sldId="256"/>
+            <ac:spMk id="38" creationId="{A38DED57-1316-4E78-A3C8-F816E32128F8}"/>
+          </ac:spMkLst>
+        </pc:spChg>
+        <pc:spChg chg="add del mod">
+          <ac:chgData name="Elizabeth Marks" userId="23c45164968f2109" providerId="LiveId" clId="{A2D9BF99-1A77-4E77-BCCB-F05B896ACBD8}" dt="2021-06-03T00:20:50.010" v="296"/>
+          <ac:spMkLst>
+            <pc:docMk/>
+            <pc:sldMk cId="4250069135" sldId="256"/>
+            <ac:spMk id="39" creationId="{56112F9E-DAD8-49CB-8F54-22B09799A090}"/>
+          </ac:spMkLst>
+        </pc:spChg>
+        <pc:spChg chg="add del mod">
+          <ac:chgData name="Elizabeth Marks" userId="23c45164968f2109" providerId="LiveId" clId="{A2D9BF99-1A77-4E77-BCCB-F05B896ACBD8}" dt="2021-06-03T00:20:50.010" v="296"/>
+          <ac:spMkLst>
+            <pc:docMk/>
+            <pc:sldMk cId="4250069135" sldId="256"/>
+            <ac:spMk id="40" creationId="{4B0EB87B-E352-4B03-99CC-4323EC2CF38F}"/>
+          </ac:spMkLst>
+        </pc:spChg>
+        <pc:spChg chg="add del mod">
+          <ac:chgData name="Elizabeth Marks" userId="23c45164968f2109" providerId="LiveId" clId="{A2D9BF99-1A77-4E77-BCCB-F05B896ACBD8}" dt="2021-06-03T00:20:50.010" v="296"/>
+          <ac:spMkLst>
+            <pc:docMk/>
+            <pc:sldMk cId="4250069135" sldId="256"/>
+            <ac:spMk id="43" creationId="{BEF8BC42-A69E-405F-BE2F-76C5514AA4E8}"/>
+          </ac:spMkLst>
+        </pc:spChg>
+        <pc:spChg chg="add del mod">
+          <ac:chgData name="Elizabeth Marks" userId="23c45164968f2109" providerId="LiveId" clId="{A2D9BF99-1A77-4E77-BCCB-F05B896ACBD8}" dt="2021-06-03T00:20:50.010" v="296"/>
+          <ac:spMkLst>
+            <pc:docMk/>
+            <pc:sldMk cId="4250069135" sldId="256"/>
+            <ac:spMk id="44" creationId="{EF2C3636-10EC-4F5A-83A8-A195DB39F8CA}"/>
+          </ac:spMkLst>
+        </pc:spChg>
+        <pc:spChg chg="add del mod">
+          <ac:chgData name="Elizabeth Marks" userId="23c45164968f2109" providerId="LiveId" clId="{A2D9BF99-1A77-4E77-BCCB-F05B896ACBD8}" dt="2021-06-03T00:20:50.010" v="296"/>
+          <ac:spMkLst>
+            <pc:docMk/>
+            <pc:sldMk cId="4250069135" sldId="256"/>
+            <ac:spMk id="45" creationId="{0E8AD07D-04C2-444F-B3E5-1800EE267A1C}"/>
+          </ac:spMkLst>
+        </pc:spChg>
+        <pc:spChg chg="add del mod">
+          <ac:chgData name="Elizabeth Marks" userId="23c45164968f2109" providerId="LiveId" clId="{A2D9BF99-1A77-4E77-BCCB-F05B896ACBD8}" dt="2021-06-03T00:20:50.010" v="296"/>
+          <ac:spMkLst>
+            <pc:docMk/>
+            <pc:sldMk cId="4250069135" sldId="256"/>
+            <ac:spMk id="46" creationId="{88DFFA2E-2E37-4A54-8E0A-8C09E85A1DBD}"/>
+          </ac:spMkLst>
+        </pc:spChg>
+        <pc:spChg chg="add del mod">
+          <ac:chgData name="Elizabeth Marks" userId="23c45164968f2109" providerId="LiveId" clId="{A2D9BF99-1A77-4E77-BCCB-F05B896ACBD8}" dt="2021-06-03T00:20:50.010" v="296"/>
+          <ac:spMkLst>
+            <pc:docMk/>
+            <pc:sldMk cId="4250069135" sldId="256"/>
+            <ac:spMk id="47" creationId="{A7055E40-11DA-4A0C-BACD-CF89DB90F0FD}"/>
+          </ac:spMkLst>
+        </pc:spChg>
+        <pc:spChg chg="add del mod">
+          <ac:chgData name="Elizabeth Marks" userId="23c45164968f2109" providerId="LiveId" clId="{A2D9BF99-1A77-4E77-BCCB-F05B896ACBD8}" dt="2021-06-03T00:20:50.010" v="296"/>
+          <ac:spMkLst>
+            <pc:docMk/>
+            <pc:sldMk cId="4250069135" sldId="256"/>
+            <ac:spMk id="48" creationId="{FA9E7DA9-517D-49C2-9E5C-55CFAABDB0DD}"/>
+          </ac:spMkLst>
+        </pc:spChg>
+        <pc:spChg chg="add del mod">
+          <ac:chgData name="Elizabeth Marks" userId="23c45164968f2109" providerId="LiveId" clId="{A2D9BF99-1A77-4E77-BCCB-F05B896ACBD8}" dt="2021-06-03T00:20:50.010" v="296"/>
+          <ac:spMkLst>
+            <pc:docMk/>
+            <pc:sldMk cId="4250069135" sldId="256"/>
+            <ac:spMk id="49" creationId="{1088D5B9-FEEB-4C34-9344-2CE4CD637D3B}"/>
+          </ac:spMkLst>
+        </pc:spChg>
+        <pc:spChg chg="add del mod">
+          <ac:chgData name="Elizabeth Marks" userId="23c45164968f2109" providerId="LiveId" clId="{A2D9BF99-1A77-4E77-BCCB-F05B896ACBD8}" dt="2021-06-03T00:20:50.010" v="296"/>
+          <ac:spMkLst>
+            <pc:docMk/>
+            <pc:sldMk cId="4250069135" sldId="256"/>
+            <ac:spMk id="50" creationId="{D1D2E5A6-1B08-4A10-A144-5C9B85FAD56C}"/>
+          </ac:spMkLst>
+        </pc:spChg>
+        <pc:spChg chg="add mod">
+          <ac:chgData name="Elizabeth Marks" userId="23c45164968f2109" providerId="LiveId" clId="{A2D9BF99-1A77-4E77-BCCB-F05B896ACBD8}" dt="2021-06-03T00:56:46.617" v="448" actId="113"/>
+          <ac:spMkLst>
+            <pc:docMk/>
+            <pc:sldMk cId="4250069135" sldId="256"/>
+            <ac:spMk id="51" creationId="{6C56C80F-55C6-4C55-A2B5-B6CAC7A8906F}"/>
+          </ac:spMkLst>
+        </pc:spChg>
+        <pc:spChg chg="add mod">
+          <ac:chgData name="Elizabeth Marks" userId="23c45164968f2109" providerId="LiveId" clId="{A2D9BF99-1A77-4E77-BCCB-F05B896ACBD8}" dt="2021-06-03T00:56:46.617" v="448" actId="113"/>
+          <ac:spMkLst>
+            <pc:docMk/>
+            <pc:sldMk cId="4250069135" sldId="256"/>
+            <ac:spMk id="52" creationId="{BAC394F0-BECF-44E9-9334-F1EC622AA49C}"/>
+          </ac:spMkLst>
+        </pc:spChg>
+        <pc:spChg chg="add mod">
+          <ac:chgData name="Elizabeth Marks" userId="23c45164968f2109" providerId="LiveId" clId="{A2D9BF99-1A77-4E77-BCCB-F05B896ACBD8}" dt="2021-06-03T00:56:46.617" v="448" actId="113"/>
+          <ac:spMkLst>
+            <pc:docMk/>
+            <pc:sldMk cId="4250069135" sldId="256"/>
+            <ac:spMk id="55" creationId="{2CAD622E-A02F-4E8D-AB23-150E8D84FBD3}"/>
+          </ac:spMkLst>
+        </pc:spChg>
+        <pc:spChg chg="add mod">
+          <ac:chgData name="Elizabeth Marks" userId="23c45164968f2109" providerId="LiveId" clId="{A2D9BF99-1A77-4E77-BCCB-F05B896ACBD8}" dt="2021-06-03T00:56:46.617" v="448" actId="113"/>
+          <ac:spMkLst>
+            <pc:docMk/>
+            <pc:sldMk cId="4250069135" sldId="256"/>
+            <ac:spMk id="56" creationId="{BD21040B-334E-4C60-B3DC-59A1E03697BE}"/>
+          </ac:spMkLst>
+        </pc:spChg>
+        <pc:spChg chg="add mod">
+          <ac:chgData name="Elizabeth Marks" userId="23c45164968f2109" providerId="LiveId" clId="{A2D9BF99-1A77-4E77-BCCB-F05B896ACBD8}" dt="2021-06-03T00:56:46.617" v="448" actId="113"/>
+          <ac:spMkLst>
+            <pc:docMk/>
+            <pc:sldMk cId="4250069135" sldId="256"/>
+            <ac:spMk id="57" creationId="{09D84186-0115-4D62-BEC1-AA49FCAB3A3B}"/>
+          </ac:spMkLst>
+        </pc:spChg>
+        <pc:spChg chg="add mod">
+          <ac:chgData name="Elizabeth Marks" userId="23c45164968f2109" providerId="LiveId" clId="{A2D9BF99-1A77-4E77-BCCB-F05B896ACBD8}" dt="2021-06-03T00:56:46.617" v="448" actId="113"/>
+          <ac:spMkLst>
+            <pc:docMk/>
+            <pc:sldMk cId="4250069135" sldId="256"/>
+            <ac:spMk id="58" creationId="{234E0974-AF97-4F85-8888-24DD2E622EA3}"/>
+          </ac:spMkLst>
+        </pc:spChg>
+        <pc:spChg chg="add mod">
+          <ac:chgData name="Elizabeth Marks" userId="23c45164968f2109" providerId="LiveId" clId="{A2D9BF99-1A77-4E77-BCCB-F05B896ACBD8}" dt="2021-06-03T00:57:25.776" v="449" actId="122"/>
+          <ac:spMkLst>
+            <pc:docMk/>
+            <pc:sldMk cId="4250069135" sldId="256"/>
+            <ac:spMk id="59" creationId="{5460DA3B-4F86-4B89-A737-2653546C5C08}"/>
+          </ac:spMkLst>
+        </pc:spChg>
+        <pc:spChg chg="add mod">
+          <ac:chgData name="Elizabeth Marks" userId="23c45164968f2109" providerId="LiveId" clId="{A2D9BF99-1A77-4E77-BCCB-F05B896ACBD8}" dt="2021-06-03T00:56:46.617" v="448" actId="113"/>
+          <ac:spMkLst>
+            <pc:docMk/>
+            <pc:sldMk cId="4250069135" sldId="256"/>
+            <ac:spMk id="60" creationId="{5FEF9E06-74EC-4CFD-890C-85EC49D0FBC6}"/>
+          </ac:spMkLst>
+        </pc:spChg>
+        <pc:spChg chg="add mod">
+          <ac:chgData name="Elizabeth Marks" userId="23c45164968f2109" providerId="LiveId" clId="{A2D9BF99-1A77-4E77-BCCB-F05B896ACBD8}" dt="2021-06-03T00:56:46.617" v="448" actId="113"/>
+          <ac:spMkLst>
+            <pc:docMk/>
+            <pc:sldMk cId="4250069135" sldId="256"/>
+            <ac:spMk id="61" creationId="{7E9B14FC-4D44-4BFF-BCB4-43D7EC401B9E}"/>
+          </ac:spMkLst>
+        </pc:spChg>
+        <pc:spChg chg="add mod">
+          <ac:chgData name="Elizabeth Marks" userId="23c45164968f2109" providerId="LiveId" clId="{A2D9BF99-1A77-4E77-BCCB-F05B896ACBD8}" dt="2021-06-03T00:56:46.617" v="448" actId="113"/>
+          <ac:spMkLst>
+            <pc:docMk/>
+            <pc:sldMk cId="4250069135" sldId="256"/>
+            <ac:spMk id="62" creationId="{F98B4E60-0D74-459F-97CD-C5CDC7185379}"/>
+          </ac:spMkLst>
+        </pc:spChg>
+        <pc:spChg chg="mod">
+          <ac:chgData name="Elizabeth Marks" userId="23c45164968f2109" providerId="LiveId" clId="{A2D9BF99-1A77-4E77-BCCB-F05B896ACBD8}" dt="2021-06-03T00:38:56.659" v="398"/>
+          <ac:spMkLst>
+            <pc:docMk/>
+            <pc:sldMk cId="4250069135" sldId="256"/>
+            <ac:spMk id="64" creationId="{82807AEB-B6DB-42BA-BAC9-DD99B79D242D}"/>
+          </ac:spMkLst>
+        </pc:spChg>
+        <pc:spChg chg="mod">
+          <ac:chgData name="Elizabeth Marks" userId="23c45164968f2109" providerId="LiveId" clId="{A2D9BF99-1A77-4E77-BCCB-F05B896ACBD8}" dt="2021-06-03T00:38:56.659" v="398"/>
+          <ac:spMkLst>
+            <pc:docMk/>
+            <pc:sldMk cId="4250069135" sldId="256"/>
+            <ac:spMk id="65" creationId="{4567964F-98B5-4EF7-9E2F-B078B4942BFE}"/>
+          </ac:spMkLst>
+        </pc:spChg>
+        <pc:spChg chg="mod">
+          <ac:chgData name="Elizabeth Marks" userId="23c45164968f2109" providerId="LiveId" clId="{A2D9BF99-1A77-4E77-BCCB-F05B896ACBD8}" dt="2021-06-03T00:38:56.659" v="398"/>
+          <ac:spMkLst>
+            <pc:docMk/>
+            <pc:sldMk cId="4250069135" sldId="256"/>
+            <ac:spMk id="66" creationId="{8F2453F7-82DB-4E74-8FE1-609B010C73DE}"/>
+          </ac:spMkLst>
+        </pc:spChg>
+        <pc:spChg chg="mod">
+          <ac:chgData name="Elizabeth Marks" userId="23c45164968f2109" providerId="LiveId" clId="{A2D9BF99-1A77-4E77-BCCB-F05B896ACBD8}" dt="2021-06-03T00:38:56.659" v="398"/>
+          <ac:spMkLst>
+            <pc:docMk/>
+            <pc:sldMk cId="4250069135" sldId="256"/>
+            <ac:spMk id="68" creationId="{499A9C93-9EC0-4446-AD3B-2084E890B387}"/>
+          </ac:spMkLst>
+        </pc:spChg>
+        <pc:spChg chg="mod">
+          <ac:chgData name="Elizabeth Marks" userId="23c45164968f2109" providerId="LiveId" clId="{A2D9BF99-1A77-4E77-BCCB-F05B896ACBD8}" dt="2021-06-03T00:38:56.659" v="398"/>
+          <ac:spMkLst>
+            <pc:docMk/>
+            <pc:sldMk cId="4250069135" sldId="256"/>
+            <ac:spMk id="70" creationId="{3C805EAD-73A0-424E-B75A-C356200F67D3}"/>
+          </ac:spMkLst>
+        </pc:spChg>
+        <pc:spChg chg="mod">
+          <ac:chgData name="Elizabeth Marks" userId="23c45164968f2109" providerId="LiveId" clId="{A2D9BF99-1A77-4E77-BCCB-F05B896ACBD8}" dt="2021-06-03T00:38:56.659" v="398"/>
+          <ac:spMkLst>
+            <pc:docMk/>
+            <pc:sldMk cId="4250069135" sldId="256"/>
+            <ac:spMk id="71" creationId="{207DBABC-B5AC-49A7-AFF9-CE60B33EB58D}"/>
+          </ac:spMkLst>
+        </pc:spChg>
+        <pc:spChg chg="mod">
+          <ac:chgData name="Elizabeth Marks" userId="23c45164968f2109" providerId="LiveId" clId="{A2D9BF99-1A77-4E77-BCCB-F05B896ACBD8}" dt="2021-06-03T00:38:56.659" v="398"/>
+          <ac:spMkLst>
+            <pc:docMk/>
+            <pc:sldMk cId="4250069135" sldId="256"/>
+            <ac:spMk id="72" creationId="{420467BE-F725-4E64-8D0A-09F1F002FD89}"/>
+          </ac:spMkLst>
+        </pc:spChg>
+        <pc:spChg chg="mod">
+          <ac:chgData name="Elizabeth Marks" userId="23c45164968f2109" providerId="LiveId" clId="{A2D9BF99-1A77-4E77-BCCB-F05B896ACBD8}" dt="2021-06-03T00:38:56.659" v="398"/>
+          <ac:spMkLst>
+            <pc:docMk/>
+            <pc:sldMk cId="4250069135" sldId="256"/>
+            <ac:spMk id="73" creationId="{63B49C63-CC01-4FDB-90C0-EC2D6866E9E2}"/>
+          </ac:spMkLst>
+        </pc:spChg>
+        <pc:spChg chg="mod">
+          <ac:chgData name="Elizabeth Marks" userId="23c45164968f2109" providerId="LiveId" clId="{A2D9BF99-1A77-4E77-BCCB-F05B896ACBD8}" dt="2021-06-03T00:38:56.659" v="398"/>
+          <ac:spMkLst>
+            <pc:docMk/>
+            <pc:sldMk cId="4250069135" sldId="256"/>
+            <ac:spMk id="74" creationId="{7A9846BD-83CB-4845-8720-5EF33A1AA5BF}"/>
+          </ac:spMkLst>
+        </pc:spChg>
+        <pc:spChg chg="mod">
+          <ac:chgData name="Elizabeth Marks" userId="23c45164968f2109" providerId="LiveId" clId="{A2D9BF99-1A77-4E77-BCCB-F05B896ACBD8}" dt="2021-06-03T00:38:56.659" v="398"/>
+          <ac:spMkLst>
+            <pc:docMk/>
+            <pc:sldMk cId="4250069135" sldId="256"/>
+            <ac:spMk id="75" creationId="{A096372A-466B-4C33-9DBB-888B0A048352}"/>
+          </ac:spMkLst>
+        </pc:spChg>
+        <pc:spChg chg="mod">
+          <ac:chgData name="Elizabeth Marks" userId="23c45164968f2109" providerId="LiveId" clId="{A2D9BF99-1A77-4E77-BCCB-F05B896ACBD8}" dt="2021-06-03T00:39:05.457" v="400"/>
+          <ac:spMkLst>
+            <pc:docMk/>
+            <pc:sldMk cId="4250069135" sldId="256"/>
+            <ac:spMk id="77" creationId="{6FD5843F-DD2E-467D-B18A-F0EFDB2EC9F2}"/>
+          </ac:spMkLst>
+        </pc:spChg>
+        <pc:spChg chg="mod">
+          <ac:chgData name="Elizabeth Marks" userId="23c45164968f2109" providerId="LiveId" clId="{A2D9BF99-1A77-4E77-BCCB-F05B896ACBD8}" dt="2021-06-03T00:39:05.457" v="400"/>
+          <ac:spMkLst>
+            <pc:docMk/>
+            <pc:sldMk cId="4250069135" sldId="256"/>
+            <ac:spMk id="78" creationId="{06771736-154D-476D-B69A-666A25D467EF}"/>
+          </ac:spMkLst>
+        </pc:spChg>
+        <pc:spChg chg="mod">
+          <ac:chgData name="Elizabeth Marks" userId="23c45164968f2109" providerId="LiveId" clId="{A2D9BF99-1A77-4E77-BCCB-F05B896ACBD8}" dt="2021-06-03T00:39:05.457" v="400"/>
+          <ac:spMkLst>
+            <pc:docMk/>
+            <pc:sldMk cId="4250069135" sldId="256"/>
+            <ac:spMk id="79" creationId="{264C6006-5D20-4EDB-BCC5-79204A60C5DF}"/>
+          </ac:spMkLst>
+        </pc:spChg>
+        <pc:spChg chg="mod">
+          <ac:chgData name="Elizabeth Marks" userId="23c45164968f2109" providerId="LiveId" clId="{A2D9BF99-1A77-4E77-BCCB-F05B896ACBD8}" dt="2021-06-03T00:39:05.457" v="400"/>
+          <ac:spMkLst>
+            <pc:docMk/>
+            <pc:sldMk cId="4250069135" sldId="256"/>
+            <ac:spMk id="81" creationId="{D031F755-B0C9-457F-82B2-5D7E4E5D500F}"/>
+          </ac:spMkLst>
+        </pc:spChg>
+        <pc:spChg chg="mod">
+          <ac:chgData name="Elizabeth Marks" userId="23c45164968f2109" providerId="LiveId" clId="{A2D9BF99-1A77-4E77-BCCB-F05B896ACBD8}" dt="2021-06-03T00:39:05.457" v="400"/>
+          <ac:spMkLst>
+            <pc:docMk/>
+            <pc:sldMk cId="4250069135" sldId="256"/>
+            <ac:spMk id="83" creationId="{E0B34811-E565-4C88-A527-4CC619476A6D}"/>
+          </ac:spMkLst>
+        </pc:spChg>
+        <pc:spChg chg="mod">
+          <ac:chgData name="Elizabeth Marks" userId="23c45164968f2109" providerId="LiveId" clId="{A2D9BF99-1A77-4E77-BCCB-F05B896ACBD8}" dt="2021-06-03T00:59:20.931" v="465" actId="1076"/>
+          <ac:spMkLst>
+            <pc:docMk/>
+            <pc:sldMk cId="4250069135" sldId="256"/>
+            <ac:spMk id="84" creationId="{E75BD494-D2CF-49DF-B5FF-FDA4B8FB30D1}"/>
+          </ac:spMkLst>
+        </pc:spChg>
+        <pc:spChg chg="mod">
+          <ac:chgData name="Elizabeth Marks" userId="23c45164968f2109" providerId="LiveId" clId="{A2D9BF99-1A77-4E77-BCCB-F05B896ACBD8}" dt="2021-06-03T00:39:05.457" v="400"/>
+          <ac:spMkLst>
+            <pc:docMk/>
+            <pc:sldMk cId="4250069135" sldId="256"/>
+            <ac:spMk id="85" creationId="{16B6F3D1-686F-44AA-9A78-9E44ABB89099}"/>
+          </ac:spMkLst>
+        </pc:spChg>
+        <pc:spChg chg="mod">
+          <ac:chgData name="Elizabeth Marks" userId="23c45164968f2109" providerId="LiveId" clId="{A2D9BF99-1A77-4E77-BCCB-F05B896ACBD8}" dt="2021-06-03T00:59:25.819" v="466" actId="14100"/>
+          <ac:spMkLst>
+            <pc:docMk/>
+            <pc:sldMk cId="4250069135" sldId="256"/>
+            <ac:spMk id="86" creationId="{2C364B84-41B2-41E1-8728-6C46B9EA54AF}"/>
+          </ac:spMkLst>
+        </pc:spChg>
+        <pc:spChg chg="mod">
+          <ac:chgData name="Elizabeth Marks" userId="23c45164968f2109" providerId="LiveId" clId="{A2D9BF99-1A77-4E77-BCCB-F05B896ACBD8}" dt="2021-06-03T00:39:05.457" v="400"/>
+          <ac:spMkLst>
+            <pc:docMk/>
+            <pc:sldMk cId="4250069135" sldId="256"/>
+            <ac:spMk id="87" creationId="{E63198CF-B6C9-48DD-9F6C-ECB6A5B58215}"/>
+          </ac:spMkLst>
+        </pc:spChg>
+        <pc:spChg chg="mod">
+          <ac:chgData name="Elizabeth Marks" userId="23c45164968f2109" providerId="LiveId" clId="{A2D9BF99-1A77-4E77-BCCB-F05B896ACBD8}" dt="2021-06-03T00:39:05.457" v="400"/>
+          <ac:spMkLst>
+            <pc:docMk/>
+            <pc:sldMk cId="4250069135" sldId="256"/>
+            <ac:spMk id="88" creationId="{68E1BA0B-C739-4CCE-918B-DACABB8BC656}"/>
+          </ac:spMkLst>
+        </pc:spChg>
+        <pc:spChg chg="add del mod">
+          <ac:chgData name="Elizabeth Marks" userId="23c45164968f2109" providerId="LiveId" clId="{A2D9BF99-1A77-4E77-BCCB-F05B896ACBD8}" dt="2021-06-03T01:11:15.426" v="1202" actId="478"/>
+          <ac:spMkLst>
+            <pc:docMk/>
+            <pc:sldMk cId="4250069135" sldId="256"/>
+            <ac:spMk id="89" creationId="{E718C104-7350-4BA5-B0D0-608DE78A0C2B}"/>
+          </ac:spMkLst>
+        </pc:spChg>
+        <pc:spChg chg="mod">
+          <ac:chgData name="Elizabeth Marks" userId="23c45164968f2109" providerId="LiveId" clId="{A2D9BF99-1A77-4E77-BCCB-F05B896ACBD8}" dt="2021-06-03T00:59:53.988" v="467"/>
+          <ac:spMkLst>
+            <pc:docMk/>
+            <pc:sldMk cId="4250069135" sldId="256"/>
+            <ac:spMk id="91" creationId="{47D23E66-FB28-420A-B334-7B2C340753E7}"/>
+          </ac:spMkLst>
+        </pc:spChg>
+        <pc:spChg chg="mod">
+          <ac:chgData name="Elizabeth Marks" userId="23c45164968f2109" providerId="LiveId" clId="{A2D9BF99-1A77-4E77-BCCB-F05B896ACBD8}" dt="2021-06-03T00:59:53.988" v="467"/>
+          <ac:spMkLst>
+            <pc:docMk/>
+            <pc:sldMk cId="4250069135" sldId="256"/>
+            <ac:spMk id="92" creationId="{D8FF142A-00C4-42AB-BFB6-4035F9F2D315}"/>
+          </ac:spMkLst>
+        </pc:spChg>
+        <pc:spChg chg="mod">
+          <ac:chgData name="Elizabeth Marks" userId="23c45164968f2109" providerId="LiveId" clId="{A2D9BF99-1A77-4E77-BCCB-F05B896ACBD8}" dt="2021-06-03T00:59:53.988" v="467"/>
+          <ac:spMkLst>
+            <pc:docMk/>
+            <pc:sldMk cId="4250069135" sldId="256"/>
+            <ac:spMk id="93" creationId="{A89C4E98-68C8-44B0-A72E-5F7C24324B56}"/>
+          </ac:spMkLst>
+        </pc:spChg>
+        <pc:spChg chg="mod">
+          <ac:chgData name="Elizabeth Marks" userId="23c45164968f2109" providerId="LiveId" clId="{A2D9BF99-1A77-4E77-BCCB-F05B896ACBD8}" dt="2021-06-03T00:59:53.988" v="467"/>
+          <ac:spMkLst>
+            <pc:docMk/>
+            <pc:sldMk cId="4250069135" sldId="256"/>
+            <ac:spMk id="95" creationId="{F014E403-C4C7-40A3-9899-A8FF9818DE12}"/>
+          </ac:spMkLst>
+        </pc:spChg>
+        <pc:spChg chg="mod">
+          <ac:chgData name="Elizabeth Marks" userId="23c45164968f2109" providerId="LiveId" clId="{A2D9BF99-1A77-4E77-BCCB-F05B896ACBD8}" dt="2021-06-03T00:59:53.988" v="467"/>
+          <ac:spMkLst>
+            <pc:docMk/>
+            <pc:sldMk cId="4250069135" sldId="256"/>
+            <ac:spMk id="97" creationId="{48477755-B7C1-474A-8F29-90B2D174940A}"/>
+          </ac:spMkLst>
+        </pc:spChg>
+        <pc:spChg chg="mod">
+          <ac:chgData name="Elizabeth Marks" userId="23c45164968f2109" providerId="LiveId" clId="{A2D9BF99-1A77-4E77-BCCB-F05B896ACBD8}" dt="2021-06-03T00:59:53.988" v="467"/>
+          <ac:spMkLst>
+            <pc:docMk/>
+            <pc:sldMk cId="4250069135" sldId="256"/>
+            <ac:spMk id="98" creationId="{4E21B37E-70EA-43F2-9CFD-2E3FA3A6F93D}"/>
+          </ac:spMkLst>
+        </pc:spChg>
+        <pc:spChg chg="mod">
+          <ac:chgData name="Elizabeth Marks" userId="23c45164968f2109" providerId="LiveId" clId="{A2D9BF99-1A77-4E77-BCCB-F05B896ACBD8}" dt="2021-06-03T00:59:53.988" v="467"/>
+          <ac:spMkLst>
+            <pc:docMk/>
+            <pc:sldMk cId="4250069135" sldId="256"/>
+            <ac:spMk id="99" creationId="{512CBCC4-D98D-4001-B705-2966C8FEFAE3}"/>
+          </ac:spMkLst>
+        </pc:spChg>
+        <pc:spChg chg="mod">
+          <ac:chgData name="Elizabeth Marks" userId="23c45164968f2109" providerId="LiveId" clId="{A2D9BF99-1A77-4E77-BCCB-F05B896ACBD8}" dt="2021-06-03T00:59:53.988" v="467"/>
+          <ac:spMkLst>
+            <pc:docMk/>
+            <pc:sldMk cId="4250069135" sldId="256"/>
+            <ac:spMk id="100" creationId="{F0A37635-90A1-46BB-B420-4DCE454652F1}"/>
+          </ac:spMkLst>
+        </pc:spChg>
+        <pc:spChg chg="mod">
+          <ac:chgData name="Elizabeth Marks" userId="23c45164968f2109" providerId="LiveId" clId="{A2D9BF99-1A77-4E77-BCCB-F05B896ACBD8}" dt="2021-06-03T00:59:53.988" v="467"/>
+          <ac:spMkLst>
+            <pc:docMk/>
+            <pc:sldMk cId="4250069135" sldId="256"/>
+            <ac:spMk id="101" creationId="{1F4FF3C6-2DE2-4F8B-8DC2-53123FA20EBE}"/>
+          </ac:spMkLst>
+        </pc:spChg>
+        <pc:spChg chg="mod">
+          <ac:chgData name="Elizabeth Marks" userId="23c45164968f2109" providerId="LiveId" clId="{A2D9BF99-1A77-4E77-BCCB-F05B896ACBD8}" dt="2021-06-03T00:59:53.988" v="467"/>
+          <ac:spMkLst>
+            <pc:docMk/>
+            <pc:sldMk cId="4250069135" sldId="256"/>
+            <ac:spMk id="102" creationId="{93F40D52-1B13-462A-8113-6864E6A3ED42}"/>
+          </ac:spMkLst>
+        </pc:spChg>
+        <pc:spChg chg="mod">
+          <ac:chgData name="Elizabeth Marks" userId="23c45164968f2109" providerId="LiveId" clId="{A2D9BF99-1A77-4E77-BCCB-F05B896ACBD8}" dt="2021-06-03T01:00:01.387" v="469"/>
+          <ac:spMkLst>
+            <pc:docMk/>
+            <pc:sldMk cId="4250069135" sldId="256"/>
+            <ac:spMk id="104" creationId="{45AE423F-2533-4967-A8CA-3142550AF0DC}"/>
+          </ac:spMkLst>
+        </pc:spChg>
+        <pc:spChg chg="mod">
+          <ac:chgData name="Elizabeth Marks" userId="23c45164968f2109" providerId="LiveId" clId="{A2D9BF99-1A77-4E77-BCCB-F05B896ACBD8}" dt="2021-06-03T01:00:01.387" v="469"/>
+          <ac:spMkLst>
+            <pc:docMk/>
+            <pc:sldMk cId="4250069135" sldId="256"/>
+            <ac:spMk id="105" creationId="{0D0313E1-266B-4EEF-A853-0000AFBFC575}"/>
+          </ac:spMkLst>
+        </pc:spChg>
+        <pc:spChg chg="mod">
+          <ac:chgData name="Elizabeth Marks" userId="23c45164968f2109" providerId="LiveId" clId="{A2D9BF99-1A77-4E77-BCCB-F05B896ACBD8}" dt="2021-06-03T01:00:01.387" v="469"/>
+          <ac:spMkLst>
+            <pc:docMk/>
+            <pc:sldMk cId="4250069135" sldId="256"/>
+            <ac:spMk id="106" creationId="{A05C31F1-4074-4E0C-A59F-6F42962ABD8C}"/>
+          </ac:spMkLst>
+        </pc:spChg>
+        <pc:spChg chg="mod">
+          <ac:chgData name="Elizabeth Marks" userId="23c45164968f2109" providerId="LiveId" clId="{A2D9BF99-1A77-4E77-BCCB-F05B896ACBD8}" dt="2021-06-03T01:00:01.387" v="469"/>
+          <ac:spMkLst>
+            <pc:docMk/>
+            <pc:sldMk cId="4250069135" sldId="256"/>
+            <ac:spMk id="108" creationId="{A8B1B148-5D55-4891-AA27-AC19887B2285}"/>
+          </ac:spMkLst>
+        </pc:spChg>
+        <pc:spChg chg="mod">
+          <ac:chgData name="Elizabeth Marks" userId="23c45164968f2109" providerId="LiveId" clId="{A2D9BF99-1A77-4E77-BCCB-F05B896ACBD8}" dt="2021-06-03T01:00:01.387" v="469"/>
+          <ac:spMkLst>
+            <pc:docMk/>
+            <pc:sldMk cId="4250069135" sldId="256"/>
+            <ac:spMk id="110" creationId="{8A4FD6A5-F5E2-4473-98E5-A12E66BACE8B}"/>
+          </ac:spMkLst>
+        </pc:spChg>
+        <pc:spChg chg="mod">
+          <ac:chgData name="Elizabeth Marks" userId="23c45164968f2109" providerId="LiveId" clId="{A2D9BF99-1A77-4E77-BCCB-F05B896ACBD8}" dt="2021-06-03T01:01:48.116" v="623" actId="1076"/>
+          <ac:spMkLst>
+            <pc:docMk/>
+            <pc:sldMk cId="4250069135" sldId="256"/>
+            <ac:spMk id="111" creationId="{B85B4EA9-D433-429B-B23A-88FC528F00BF}"/>
+          </ac:spMkLst>
+        </pc:spChg>
+        <pc:spChg chg="mod">
+          <ac:chgData name="Elizabeth Marks" userId="23c45164968f2109" providerId="LiveId" clId="{A2D9BF99-1A77-4E77-BCCB-F05B896ACBD8}" dt="2021-06-03T01:00:01.387" v="469"/>
+          <ac:spMkLst>
+            <pc:docMk/>
+            <pc:sldMk cId="4250069135" sldId="256"/>
+            <ac:spMk id="112" creationId="{CD13B40E-065C-4F94-8D53-B32DB48B77B4}"/>
+          </ac:spMkLst>
+        </pc:spChg>
+        <pc:spChg chg="mod">
+          <ac:chgData name="Elizabeth Marks" userId="23c45164968f2109" providerId="LiveId" clId="{A2D9BF99-1A77-4E77-BCCB-F05B896ACBD8}" dt="2021-06-03T01:02:07.624" v="625" actId="14100"/>
+          <ac:spMkLst>
+            <pc:docMk/>
+            <pc:sldMk cId="4250069135" sldId="256"/>
+            <ac:spMk id="113" creationId="{A84A6839-5912-404F-A38A-7082FC60CD09}"/>
+          </ac:spMkLst>
+        </pc:spChg>
+        <pc:spChg chg="mod">
+          <ac:chgData name="Elizabeth Marks" userId="23c45164968f2109" providerId="LiveId" clId="{A2D9BF99-1A77-4E77-BCCB-F05B896ACBD8}" dt="2021-06-03T01:00:01.387" v="469"/>
+          <ac:spMkLst>
+            <pc:docMk/>
+            <pc:sldMk cId="4250069135" sldId="256"/>
+            <ac:spMk id="114" creationId="{67E96128-B938-4525-ABC8-8739E3B9A2BE}"/>
+          </ac:spMkLst>
+        </pc:spChg>
+        <pc:spChg chg="mod">
+          <ac:chgData name="Elizabeth Marks" userId="23c45164968f2109" providerId="LiveId" clId="{A2D9BF99-1A77-4E77-BCCB-F05B896ACBD8}" dt="2021-06-03T01:00:01.387" v="469"/>
+          <ac:spMkLst>
+            <pc:docMk/>
+            <pc:sldMk cId="4250069135" sldId="256"/>
+            <ac:spMk id="115" creationId="{492F7EF8-A829-404F-9FF5-5447B099E292}"/>
+          </ac:spMkLst>
+        </pc:spChg>
+        <pc:spChg chg="mod">
+          <ac:chgData name="Elizabeth Marks" userId="23c45164968f2109" providerId="LiveId" clId="{A2D9BF99-1A77-4E77-BCCB-F05B896ACBD8}" dt="2021-06-03T01:00:36.190" v="473"/>
+          <ac:spMkLst>
+            <pc:docMk/>
+            <pc:sldMk cId="4250069135" sldId="256"/>
+            <ac:spMk id="117" creationId="{A0E46D71-EF0D-4474-9F80-463B1830BFC0}"/>
+          </ac:spMkLst>
+        </pc:spChg>
+        <pc:spChg chg="mod">
+          <ac:chgData name="Elizabeth Marks" userId="23c45164968f2109" providerId="LiveId" clId="{A2D9BF99-1A77-4E77-BCCB-F05B896ACBD8}" dt="2021-06-03T01:00:36.190" v="473"/>
+          <ac:spMkLst>
+            <pc:docMk/>
+            <pc:sldMk cId="4250069135" sldId="256"/>
+            <ac:spMk id="118" creationId="{3D33A764-DAAA-4DE3-8D55-8CC71CF12F11}"/>
+          </ac:spMkLst>
+        </pc:spChg>
+        <pc:spChg chg="mod">
+          <ac:chgData name="Elizabeth Marks" userId="23c45164968f2109" providerId="LiveId" clId="{A2D9BF99-1A77-4E77-BCCB-F05B896ACBD8}" dt="2021-06-03T01:00:36.190" v="473"/>
+          <ac:spMkLst>
+            <pc:docMk/>
+            <pc:sldMk cId="4250069135" sldId="256"/>
+            <ac:spMk id="119" creationId="{3AA0BDAE-AF41-431B-BFBF-5D88A15F9096}"/>
+          </ac:spMkLst>
+        </pc:spChg>
+        <pc:spChg chg="mod">
+          <ac:chgData name="Elizabeth Marks" userId="23c45164968f2109" providerId="LiveId" clId="{A2D9BF99-1A77-4E77-BCCB-F05B896ACBD8}" dt="2021-06-03T01:00:36.190" v="473"/>
+          <ac:spMkLst>
+            <pc:docMk/>
+            <pc:sldMk cId="4250069135" sldId="256"/>
+            <ac:spMk id="121" creationId="{E53D64AE-AAEF-4797-8C78-00E68B75F72B}"/>
+          </ac:spMkLst>
+        </pc:spChg>
+        <pc:spChg chg="mod">
+          <ac:chgData name="Elizabeth Marks" userId="23c45164968f2109" providerId="LiveId" clId="{A2D9BF99-1A77-4E77-BCCB-F05B896ACBD8}" dt="2021-06-03T01:00:36.190" v="473"/>
+          <ac:spMkLst>
+            <pc:docMk/>
+            <pc:sldMk cId="4250069135" sldId="256"/>
+            <ac:spMk id="123" creationId="{CED49C49-BBA4-4E2E-9333-C64DEF3CF33A}"/>
+          </ac:spMkLst>
+        </pc:spChg>
+        <pc:spChg chg="mod">
+          <ac:chgData name="Elizabeth Marks" userId="23c45164968f2109" providerId="LiveId" clId="{A2D9BF99-1A77-4E77-BCCB-F05B896ACBD8}" dt="2021-06-03T01:01:55.204" v="624" actId="1076"/>
+          <ac:spMkLst>
+            <pc:docMk/>
+            <pc:sldMk cId="4250069135" sldId="256"/>
+            <ac:spMk id="124" creationId="{71939A8D-BF7F-4D4C-A179-295E6EE9DF4E}"/>
+          </ac:spMkLst>
+        </pc:spChg>
+        <pc:spChg chg="mod">
+          <ac:chgData name="Elizabeth Marks" userId="23c45164968f2109" providerId="LiveId" clId="{A2D9BF99-1A77-4E77-BCCB-F05B896ACBD8}" dt="2021-06-03T01:00:36.190" v="473"/>
+          <ac:spMkLst>
+            <pc:docMk/>
+            <pc:sldMk cId="4250069135" sldId="256"/>
+            <ac:spMk id="125" creationId="{C9B7EDF4-E9FE-4008-8B83-EBEBD9FB57C4}"/>
+          </ac:spMkLst>
+        </pc:spChg>
+        <pc:spChg chg="mod">
+          <ac:chgData name="Elizabeth Marks" userId="23c45164968f2109" providerId="LiveId" clId="{A2D9BF99-1A77-4E77-BCCB-F05B896ACBD8}" dt="2021-06-03T01:02:18.654" v="626" actId="14100"/>
+          <ac:spMkLst>
+            <pc:docMk/>
+            <pc:sldMk cId="4250069135" sldId="256"/>
+            <ac:spMk id="126" creationId="{4386123F-C6FF-4B36-9AAD-17F49808818D}"/>
+          </ac:spMkLst>
+        </pc:spChg>
+        <pc:spChg chg="mod">
+          <ac:chgData name="Elizabeth Marks" userId="23c45164968f2109" providerId="LiveId" clId="{A2D9BF99-1A77-4E77-BCCB-F05B896ACBD8}" dt="2021-06-03T01:00:36.190" v="473"/>
+          <ac:spMkLst>
+            <pc:docMk/>
+            <pc:sldMk cId="4250069135" sldId="256"/>
+            <ac:spMk id="127" creationId="{29F58E16-1311-4D60-9E53-F52CD148B55A}"/>
+          </ac:spMkLst>
+        </pc:spChg>
+        <pc:spChg chg="mod">
+          <ac:chgData name="Elizabeth Marks" userId="23c45164968f2109" providerId="LiveId" clId="{A2D9BF99-1A77-4E77-BCCB-F05B896ACBD8}" dt="2021-06-03T01:00:36.190" v="473"/>
+          <ac:spMkLst>
+            <pc:docMk/>
+            <pc:sldMk cId="4250069135" sldId="256"/>
+            <ac:spMk id="128" creationId="{94B24553-E819-4073-B85A-96DA990127C3}"/>
+          </ac:spMkLst>
+        </pc:spChg>
+        <pc:spChg chg="add mod">
+          <ac:chgData name="Elizabeth Marks" userId="23c45164968f2109" providerId="LiveId" clId="{A2D9BF99-1A77-4E77-BCCB-F05B896ACBD8}" dt="2021-06-03T01:40:21.860" v="1923" actId="14100"/>
+          <ac:spMkLst>
+            <pc:docMk/>
+            <pc:sldMk cId="4250069135" sldId="256"/>
+            <ac:spMk id="129" creationId="{6F8DCF07-394A-4A45-AA13-250B179B35E4}"/>
+          </ac:spMkLst>
+        </pc:spChg>
+        <pc:spChg chg="del mod topLvl">
+          <ac:chgData name="Elizabeth Marks" userId="23c45164968f2109" providerId="LiveId" clId="{A2D9BF99-1A77-4E77-BCCB-F05B896ACBD8}" dt="2021-06-03T01:20:05.713" v="1345" actId="478"/>
+          <ac:spMkLst>
+            <pc:docMk/>
+            <pc:sldMk cId="4250069135" sldId="256"/>
+            <ac:spMk id="131" creationId="{AA44A590-FAEC-47DC-8667-03E9F1CED102}"/>
+          </ac:spMkLst>
+        </pc:spChg>
+        <pc:spChg chg="del mod topLvl">
+          <ac:chgData name="Elizabeth Marks" userId="23c45164968f2109" providerId="LiveId" clId="{A2D9BF99-1A77-4E77-BCCB-F05B896ACBD8}" dt="2021-06-03T01:20:03.947" v="1344" actId="478"/>
+          <ac:spMkLst>
+            <pc:docMk/>
+            <pc:sldMk cId="4250069135" sldId="256"/>
+            <ac:spMk id="132" creationId="{83C74E3C-1303-44EA-BFCE-C553DD2A9205}"/>
+          </ac:spMkLst>
+        </pc:spChg>
+        <pc:spChg chg="del mod topLvl">
+          <ac:chgData name="Elizabeth Marks" userId="23c45164968f2109" providerId="LiveId" clId="{A2D9BF99-1A77-4E77-BCCB-F05B896ACBD8}" dt="2021-06-03T01:21:21.437" v="1433" actId="478"/>
+          <ac:spMkLst>
+            <pc:docMk/>
+            <pc:sldMk cId="4250069135" sldId="256"/>
+            <ac:spMk id="134" creationId="{70AF1CA2-2156-4A65-BE8C-6D929851DC54}"/>
+          </ac:spMkLst>
+        </pc:spChg>
+        <pc:spChg chg="del mod topLvl">
+          <ac:chgData name="Elizabeth Marks" userId="23c45164968f2109" providerId="LiveId" clId="{A2D9BF99-1A77-4E77-BCCB-F05B896ACBD8}" dt="2021-06-03T01:21:19.361" v="1432" actId="478"/>
+          <ac:spMkLst>
+            <pc:docMk/>
+            <pc:sldMk cId="4250069135" sldId="256"/>
+            <ac:spMk id="135" creationId="{902D09D0-4891-496B-94C0-CFBA28F0AA7E}"/>
+          </ac:spMkLst>
+        </pc:spChg>
+        <pc:spChg chg="mod">
+          <ac:chgData name="Elizabeth Marks" userId="23c45164968f2109" providerId="LiveId" clId="{A2D9BF99-1A77-4E77-BCCB-F05B896ACBD8}" dt="2021-06-03T01:10:18.445" v="1193"/>
+          <ac:spMkLst>
+            <pc:docMk/>
+            <pc:sldMk cId="4250069135" sldId="256"/>
+            <ac:spMk id="137" creationId="{420DFF1A-EF7C-4111-B67A-EE796C9779E3}"/>
+          </ac:spMkLst>
+        </pc:spChg>
+        <pc:spChg chg="mod">
+          <ac:chgData name="Elizabeth Marks" userId="23c45164968f2109" providerId="LiveId" clId="{A2D9BF99-1A77-4E77-BCCB-F05B896ACBD8}" dt="2021-06-03T01:10:18.445" v="1193"/>
+          <ac:spMkLst>
+            <pc:docMk/>
+            <pc:sldMk cId="4250069135" sldId="256"/>
+            <ac:spMk id="138" creationId="{354BF9B5-3F06-49D4-8460-8A3FF9D3A933}"/>
+          </ac:spMkLst>
+        </pc:spChg>
+        <pc:spChg chg="mod">
+          <ac:chgData name="Elizabeth Marks" userId="23c45164968f2109" providerId="LiveId" clId="{A2D9BF99-1A77-4E77-BCCB-F05B896ACBD8}" dt="2021-06-03T01:10:18.445" v="1193"/>
+          <ac:spMkLst>
+            <pc:docMk/>
+            <pc:sldMk cId="4250069135" sldId="256"/>
+            <ac:spMk id="140" creationId="{C3E4FAE8-46E7-46EB-8FEA-CE96D2EB9FFE}"/>
+          </ac:spMkLst>
+        </pc:spChg>
+        <pc:spChg chg="mod">
+          <ac:chgData name="Elizabeth Marks" userId="23c45164968f2109" providerId="LiveId" clId="{A2D9BF99-1A77-4E77-BCCB-F05B896ACBD8}" dt="2021-06-03T01:10:18.445" v="1193"/>
+          <ac:spMkLst>
+            <pc:docMk/>
+            <pc:sldMk cId="4250069135" sldId="256"/>
+            <ac:spMk id="141" creationId="{E0EFF78F-3D6D-4652-8F87-393ED66EC45B}"/>
+          </ac:spMkLst>
+        </pc:spChg>
+        <pc:spChg chg="mod">
+          <ac:chgData name="Elizabeth Marks" userId="23c45164968f2109" providerId="LiveId" clId="{A2D9BF99-1A77-4E77-BCCB-F05B896ACBD8}" dt="2021-06-03T01:10:21.934" v="1195"/>
+          <ac:spMkLst>
+            <pc:docMk/>
+            <pc:sldMk cId="4250069135" sldId="256"/>
+            <ac:spMk id="143" creationId="{00A682AD-79CA-49C4-B455-505D24D0D437}"/>
+          </ac:spMkLst>
+        </pc:spChg>
+        <pc:spChg chg="mod">
+          <ac:chgData name="Elizabeth Marks" userId="23c45164968f2109" providerId="LiveId" clId="{A2D9BF99-1A77-4E77-BCCB-F05B896ACBD8}" dt="2021-06-03T01:10:21.934" v="1195"/>
+          <ac:spMkLst>
+            <pc:docMk/>
+            <pc:sldMk cId="4250069135" sldId="256"/>
+            <ac:spMk id="144" creationId="{237ACE2F-2E46-4C52-87DC-2FDF90814CD8}"/>
+          </ac:spMkLst>
+        </pc:spChg>
+        <pc:spChg chg="mod">
+          <ac:chgData name="Elizabeth Marks" userId="23c45164968f2109" providerId="LiveId" clId="{A2D9BF99-1A77-4E77-BCCB-F05B896ACBD8}" dt="2021-06-03T01:10:21.934" v="1195"/>
+          <ac:spMkLst>
+            <pc:docMk/>
+            <pc:sldMk cId="4250069135" sldId="256"/>
+            <ac:spMk id="146" creationId="{3118B604-AD39-4465-B7EE-1D4BABAEA2D3}"/>
+          </ac:spMkLst>
+        </pc:spChg>
+        <pc:spChg chg="mod">
+          <ac:chgData name="Elizabeth Marks" userId="23c45164968f2109" providerId="LiveId" clId="{A2D9BF99-1A77-4E77-BCCB-F05B896ACBD8}" dt="2021-06-03T01:10:21.934" v="1195"/>
+          <ac:spMkLst>
+            <pc:docMk/>
+            <pc:sldMk cId="4250069135" sldId="256"/>
+            <ac:spMk id="147" creationId="{1AAE87AE-7863-4845-8B02-2D81104F3AC7}"/>
+          </ac:spMkLst>
+        </pc:spChg>
+        <pc:spChg chg="add mod">
+          <ac:chgData name="Elizabeth Marks" userId="23c45164968f2109" providerId="LiveId" clId="{A2D9BF99-1A77-4E77-BCCB-F05B896ACBD8}" dt="2021-06-03T01:11:19.964" v="1203" actId="1076"/>
+          <ac:spMkLst>
+            <pc:docMk/>
+            <pc:sldMk cId="4250069135" sldId="256"/>
+            <ac:spMk id="148" creationId="{D72997FF-9740-42C1-99D6-01EFBF1BF9BC}"/>
+          </ac:spMkLst>
+        </pc:spChg>
+        <pc:spChg chg="add del mod">
+          <ac:chgData name="Elizabeth Marks" userId="23c45164968f2109" providerId="LiveId" clId="{A2D9BF99-1A77-4E77-BCCB-F05B896ACBD8}" dt="2021-06-03T01:23:59.650" v="1449"/>
+          <ac:spMkLst>
+            <pc:docMk/>
+            <pc:sldMk cId="4250069135" sldId="256"/>
+            <ac:spMk id="150" creationId="{53573FCD-2CDD-4716-8BFB-5162F3990048}"/>
+          </ac:spMkLst>
+        </pc:spChg>
+        <pc:spChg chg="add del mod">
+          <ac:chgData name="Elizabeth Marks" userId="23c45164968f2109" providerId="LiveId" clId="{A2D9BF99-1A77-4E77-BCCB-F05B896ACBD8}" dt="2021-06-03T01:23:59.650" v="1449"/>
+          <ac:spMkLst>
+            <pc:docMk/>
+            <pc:sldMk cId="4250069135" sldId="256"/>
+            <ac:spMk id="152" creationId="{EFD99FEC-A3A7-4A29-9D22-2604822477D1}"/>
+          </ac:spMkLst>
+        </pc:spChg>
+        <pc:spChg chg="add del mod">
+          <ac:chgData name="Elizabeth Marks" userId="23c45164968f2109" providerId="LiveId" clId="{A2D9BF99-1A77-4E77-BCCB-F05B896ACBD8}" dt="2021-06-03T01:23:59.650" v="1449"/>
+          <ac:spMkLst>
+            <pc:docMk/>
+            <pc:sldMk cId="4250069135" sldId="256"/>
+            <ac:spMk id="154" creationId="{E89CE037-2917-4089-98DD-DB1380DEDA16}"/>
+          </ac:spMkLst>
+        </pc:spChg>
+        <pc:spChg chg="add del mod">
+          <ac:chgData name="Elizabeth Marks" userId="23c45164968f2109" providerId="LiveId" clId="{A2D9BF99-1A77-4E77-BCCB-F05B896ACBD8}" dt="2021-06-03T01:23:59.650" v="1449"/>
+          <ac:spMkLst>
+            <pc:docMk/>
+            <pc:sldMk cId="4250069135" sldId="256"/>
+            <ac:spMk id="155" creationId="{67B45E45-C7C2-45F3-BB10-EC7A1057231D}"/>
+          </ac:spMkLst>
+        </pc:spChg>
+        <pc:spChg chg="add del mod">
+          <ac:chgData name="Elizabeth Marks" userId="23c45164968f2109" providerId="LiveId" clId="{A2D9BF99-1A77-4E77-BCCB-F05B896ACBD8}" dt="2021-06-03T01:23:59.650" v="1449"/>
+          <ac:spMkLst>
+            <pc:docMk/>
+            <pc:sldMk cId="4250069135" sldId="256"/>
+            <ac:spMk id="161" creationId="{5B003E2B-0D90-48C1-97CF-2E106ABBF512}"/>
+          </ac:spMkLst>
+        </pc:spChg>
+        <pc:spChg chg="add del mod">
+          <ac:chgData name="Elizabeth Marks" userId="23c45164968f2109" providerId="LiveId" clId="{A2D9BF99-1A77-4E77-BCCB-F05B896ACBD8}" dt="2021-06-03T01:23:59.650" v="1449"/>
+          <ac:spMkLst>
+            <pc:docMk/>
+            <pc:sldMk cId="4250069135" sldId="256"/>
+            <ac:spMk id="162" creationId="{867AD4D4-535F-42A6-851C-B327DB67924D}"/>
+          </ac:spMkLst>
+        </pc:spChg>
+        <pc:spChg chg="add del mod">
+          <ac:chgData name="Elizabeth Marks" userId="23c45164968f2109" providerId="LiveId" clId="{A2D9BF99-1A77-4E77-BCCB-F05B896ACBD8}" dt="2021-06-03T01:23:59.650" v="1449"/>
+          <ac:spMkLst>
+            <pc:docMk/>
+            <pc:sldMk cId="4250069135" sldId="256"/>
+            <ac:spMk id="163" creationId="{152EC08C-A6A6-4655-989E-D596DC94FC00}"/>
+          </ac:spMkLst>
+        </pc:spChg>
+        <pc:spChg chg="add del mod">
+          <ac:chgData name="Elizabeth Marks" userId="23c45164968f2109" providerId="LiveId" clId="{A2D9BF99-1A77-4E77-BCCB-F05B896ACBD8}" dt="2021-06-03T01:23:59.650" v="1449"/>
+          <ac:spMkLst>
+            <pc:docMk/>
+            <pc:sldMk cId="4250069135" sldId="256"/>
+            <ac:spMk id="164" creationId="{7F416F27-C784-4000-A55A-680AFD5C1333}"/>
+          </ac:spMkLst>
+        </pc:spChg>
+        <pc:spChg chg="add del mod">
+          <ac:chgData name="Elizabeth Marks" userId="23c45164968f2109" providerId="LiveId" clId="{A2D9BF99-1A77-4E77-BCCB-F05B896ACBD8}" dt="2021-06-03T01:27:38.169" v="1717" actId="478"/>
+          <ac:spMkLst>
+            <pc:docMk/>
+            <pc:sldMk cId="4250069135" sldId="256"/>
+            <ac:spMk id="165" creationId="{2ED4D51A-AC17-47BB-B7A5-4851C42E4F34}"/>
+          </ac:spMkLst>
+        </pc:spChg>
+        <pc:spChg chg="add del mod">
+          <ac:chgData name="Elizabeth Marks" userId="23c45164968f2109" providerId="LiveId" clId="{A2D9BF99-1A77-4E77-BCCB-F05B896ACBD8}" dt="2021-06-03T01:26:47.635" v="1707"/>
+          <ac:spMkLst>
+            <pc:docMk/>
+            <pc:sldMk cId="4250069135" sldId="256"/>
+            <ac:spMk id="167" creationId="{46F8C4E1-390D-4AD5-94DA-94841CAC216B}"/>
+          </ac:spMkLst>
+        </pc:spChg>
+        <pc:spChg chg="add del mod">
+          <ac:chgData name="Elizabeth Marks" userId="23c45164968f2109" providerId="LiveId" clId="{A2D9BF99-1A77-4E77-BCCB-F05B896ACBD8}" dt="2021-06-03T01:28:21.632" v="1726" actId="478"/>
+          <ac:spMkLst>
+            <pc:docMk/>
+            <pc:sldMk cId="4250069135" sldId="256"/>
+            <ac:spMk id="169" creationId="{365CFCE2-4F1F-4595-9519-52BA9AE9FB5E}"/>
+          </ac:spMkLst>
+        </pc:spChg>
+        <pc:spChg chg="add del mod">
+          <ac:chgData name="Elizabeth Marks" userId="23c45164968f2109" providerId="LiveId" clId="{A2D9BF99-1A77-4E77-BCCB-F05B896ACBD8}" dt="2021-06-03T01:28:23.456" v="1727" actId="478"/>
+          <ac:spMkLst>
+            <pc:docMk/>
+            <pc:sldMk cId="4250069135" sldId="256"/>
+            <ac:spMk id="170" creationId="{4BA28B68-D243-47F7-8651-7C3F651AC2CB}"/>
+          </ac:spMkLst>
+        </pc:spChg>
+        <pc:spChg chg="add del mod">
+          <ac:chgData name="Elizabeth Marks" userId="23c45164968f2109" providerId="LiveId" clId="{A2D9BF99-1A77-4E77-BCCB-F05B896ACBD8}" dt="2021-06-03T01:31:36.483" v="1839" actId="478"/>
+          <ac:spMkLst>
+            <pc:docMk/>
+            <pc:sldMk cId="4250069135" sldId="256"/>
+            <ac:spMk id="176" creationId="{44546EBC-12A3-4041-804B-31AD148957BF}"/>
+          </ac:spMkLst>
+        </pc:spChg>
+        <pc:spChg chg="add del mod">
+          <ac:chgData name="Elizabeth Marks" userId="23c45164968f2109" providerId="LiveId" clId="{A2D9BF99-1A77-4E77-BCCB-F05B896ACBD8}" dt="2021-06-03T01:31:39.237" v="1840" actId="478"/>
+          <ac:spMkLst>
+            <pc:docMk/>
+            <pc:sldMk cId="4250069135" sldId="256"/>
+            <ac:spMk id="177" creationId="{BCD705BC-594F-4D41-8F09-D65CB5EB02D1}"/>
+          </ac:spMkLst>
+        </pc:spChg>
+        <pc:spChg chg="add mod">
+          <ac:chgData name="Elizabeth Marks" userId="23c45164968f2109" providerId="LiveId" clId="{A2D9BF99-1A77-4E77-BCCB-F05B896ACBD8}" dt="2021-06-03T01:32:47.340" v="1864" actId="20577"/>
+          <ac:spMkLst>
+            <pc:docMk/>
+            <pc:sldMk cId="4250069135" sldId="256"/>
+            <ac:spMk id="178" creationId="{B036D36D-F0E8-4298-AA98-C9BBAB38B654}"/>
+          </ac:spMkLst>
+        </pc:spChg>
+        <pc:spChg chg="add del mod">
+          <ac:chgData name="Elizabeth Marks" userId="23c45164968f2109" providerId="LiveId" clId="{A2D9BF99-1A77-4E77-BCCB-F05B896ACBD8}" dt="2021-06-03T01:33:14.104" v="1880" actId="478"/>
+          <ac:spMkLst>
+            <pc:docMk/>
+            <pc:sldMk cId="4250069135" sldId="256"/>
+            <ac:spMk id="179" creationId="{9B19613B-1B59-4133-B3B1-7355F5472D2A}"/>
+          </ac:spMkLst>
+        </pc:spChg>
+        <pc:spChg chg="add mod">
+          <ac:chgData name="Elizabeth Marks" userId="23c45164968f2109" providerId="LiveId" clId="{A2D9BF99-1A77-4E77-BCCB-F05B896ACBD8}" dt="2021-06-03T01:38:13.619" v="1913" actId="164"/>
+          <ac:spMkLst>
+            <pc:docMk/>
+            <pc:sldMk cId="4250069135" sldId="256"/>
+            <ac:spMk id="180" creationId="{5727EBBF-D6D9-4B3B-B76C-1938B325488A}"/>
+          </ac:spMkLst>
+        </pc:spChg>
+        <pc:spChg chg="add mod">
+          <ac:chgData name="Elizabeth Marks" userId="23c45164968f2109" providerId="LiveId" clId="{A2D9BF99-1A77-4E77-BCCB-F05B896ACBD8}" dt="2021-06-03T01:38:13.619" v="1913" actId="164"/>
+          <ac:spMkLst>
+            <pc:docMk/>
+            <pc:sldMk cId="4250069135" sldId="256"/>
+            <ac:spMk id="181" creationId="{F0269A77-B220-47F2-909F-8040B009F23D}"/>
+          </ac:spMkLst>
+        </pc:spChg>
+        <pc:spChg chg="add mod">
+          <ac:chgData name="Elizabeth Marks" userId="23c45164968f2109" providerId="LiveId" clId="{A2D9BF99-1A77-4E77-BCCB-F05B896ACBD8}" dt="2021-06-03T01:38:13.619" v="1913" actId="164"/>
+          <ac:spMkLst>
+            <pc:docMk/>
+            <pc:sldMk cId="4250069135" sldId="256"/>
+            <ac:spMk id="182" creationId="{148DCBD9-50C5-4D3A-925F-2D971000F4E3}"/>
+          </ac:spMkLst>
+        </pc:spChg>
+        <pc:spChg chg="add mod">
+          <ac:chgData name="Elizabeth Marks" userId="23c45164968f2109" providerId="LiveId" clId="{A2D9BF99-1A77-4E77-BCCB-F05B896ACBD8}" dt="2021-06-03T01:38:13.619" v="1913" actId="164"/>
+          <ac:spMkLst>
+            <pc:docMk/>
+            <pc:sldMk cId="4250069135" sldId="256"/>
+            <ac:spMk id="183" creationId="{B7783D0B-E976-4623-95A3-4FDE616C452B}"/>
+          </ac:spMkLst>
+        </pc:spChg>
+        <pc:spChg chg="add mod">
+          <ac:chgData name="Elizabeth Marks" userId="23c45164968f2109" providerId="LiveId" clId="{A2D9BF99-1A77-4E77-BCCB-F05B896ACBD8}" dt="2021-06-03T01:38:13.619" v="1913" actId="164"/>
+          <ac:spMkLst>
+            <pc:docMk/>
+            <pc:sldMk cId="4250069135" sldId="256"/>
+            <ac:spMk id="185" creationId="{97F19BAD-453E-48C3-A9A1-205A228CC853}"/>
+          </ac:spMkLst>
+        </pc:spChg>
+        <pc:spChg chg="add mod">
+          <ac:chgData name="Elizabeth Marks" userId="23c45164968f2109" providerId="LiveId" clId="{A2D9BF99-1A77-4E77-BCCB-F05B896ACBD8}" dt="2021-06-03T01:38:13.619" v="1913" actId="164"/>
+          <ac:spMkLst>
+            <pc:docMk/>
+            <pc:sldMk cId="4250069135" sldId="256"/>
+            <ac:spMk id="186" creationId="{DA570AE2-C061-44A4-A96C-04D358F9E5AA}"/>
+          </ac:spMkLst>
+        </pc:spChg>
+        <pc:spChg chg="add mod">
+          <ac:chgData name="Elizabeth Marks" userId="23c45164968f2109" providerId="LiveId" clId="{A2D9BF99-1A77-4E77-BCCB-F05B896ACBD8}" dt="2021-06-03T01:38:13.619" v="1913" actId="164"/>
+          <ac:spMkLst>
+            <pc:docMk/>
+            <pc:sldMk cId="4250069135" sldId="256"/>
+            <ac:spMk id="187" creationId="{2FFD9B3A-E9E8-4511-AB5C-BD0C5957FB81}"/>
+          </ac:spMkLst>
+        </pc:spChg>
+        <pc:spChg chg="add mod">
+          <ac:chgData name="Elizabeth Marks" userId="23c45164968f2109" providerId="LiveId" clId="{A2D9BF99-1A77-4E77-BCCB-F05B896ACBD8}" dt="2021-06-03T01:40:11.634" v="1922" actId="207"/>
+          <ac:spMkLst>
+            <pc:docMk/>
+            <pc:sldMk cId="4250069135" sldId="256"/>
+            <ac:spMk id="188" creationId="{05A80C48-B6B2-45E5-A457-3C2D69E28EBF}"/>
+          </ac:spMkLst>
+        </pc:spChg>
+        <pc:grpChg chg="add mod">
+          <ac:chgData name="Elizabeth Marks" userId="23c45164968f2109" providerId="LiveId" clId="{A2D9BF99-1A77-4E77-BCCB-F05B896ACBD8}" dt="2021-06-03T00:56:46.617" v="448" actId="113"/>
+          <ac:grpSpMkLst>
+            <pc:docMk/>
+            <pc:sldMk cId="4250069135" sldId="256"/>
+            <ac:grpSpMk id="2" creationId="{2ECA07AA-DD48-4439-8D09-643F26CD48B5}"/>
+          </ac:grpSpMkLst>
+        </pc:grpChg>
+        <pc:grpChg chg="add del mod">
+          <ac:chgData name="Elizabeth Marks" userId="23c45164968f2109" providerId="LiveId" clId="{A2D9BF99-1A77-4E77-BCCB-F05B896ACBD8}" dt="2021-06-03T00:38:59.028" v="399"/>
+          <ac:grpSpMkLst>
+            <pc:docMk/>
+            <pc:sldMk cId="4250069135" sldId="256"/>
+            <ac:grpSpMk id="63" creationId="{53BD5192-4531-4CDB-9A01-D10D1BF2B221}"/>
+          </ac:grpSpMkLst>
+        </pc:grpChg>
+        <pc:grpChg chg="mod">
+          <ac:chgData name="Elizabeth Marks" userId="23c45164968f2109" providerId="LiveId" clId="{A2D9BF99-1A77-4E77-BCCB-F05B896ACBD8}" dt="2021-06-03T00:38:56.659" v="398"/>
+          <ac:grpSpMkLst>
+            <pc:docMk/>
+            <pc:sldMk cId="4250069135" sldId="256"/>
+            <ac:grpSpMk id="67" creationId="{D578973A-6F46-4D17-89C4-9204C787D6D9}"/>
+          </ac:grpSpMkLst>
+        </pc:grpChg>
+        <pc:grpChg chg="add mod">
+          <ac:chgData name="Elizabeth Marks" userId="23c45164968f2109" providerId="LiveId" clId="{A2D9BF99-1A77-4E77-BCCB-F05B896ACBD8}" dt="2021-06-03T00:39:24.817" v="403" actId="1076"/>
+          <ac:grpSpMkLst>
+            <pc:docMk/>
+            <pc:sldMk cId="4250069135" sldId="256"/>
+            <ac:grpSpMk id="76" creationId="{AD32B919-4F17-41C0-B73B-5C80D509199E}"/>
+          </ac:grpSpMkLst>
+        </pc:grpChg>
+        <pc:grpChg chg="mod">
+          <ac:chgData name="Elizabeth Marks" userId="23c45164968f2109" providerId="LiveId" clId="{A2D9BF99-1A77-4E77-BCCB-F05B896ACBD8}" dt="2021-06-03T00:39:05.457" v="400"/>
+          <ac:grpSpMkLst>
+            <pc:docMk/>
+            <pc:sldMk cId="4250069135" sldId="256"/>
+            <ac:grpSpMk id="80" creationId="{C95138E5-60D4-4159-862A-4129D7CB6ED3}"/>
+          </ac:grpSpMkLst>
+        </pc:grpChg>
+        <pc:grpChg chg="add del mod">
+          <ac:chgData name="Elizabeth Marks" userId="23c45164968f2109" providerId="LiveId" clId="{A2D9BF99-1A77-4E77-BCCB-F05B896ACBD8}" dt="2021-06-03T00:59:55.831" v="468"/>
+          <ac:grpSpMkLst>
+            <pc:docMk/>
+            <pc:sldMk cId="4250069135" sldId="256"/>
+            <ac:grpSpMk id="90" creationId="{B1919DE0-E011-4E6F-B57C-A0740E0C2C62}"/>
+          </ac:grpSpMkLst>
+        </pc:grpChg>
+        <pc:grpChg chg="mod">
+          <ac:chgData name="Elizabeth Marks" userId="23c45164968f2109" providerId="LiveId" clId="{A2D9BF99-1A77-4E77-BCCB-F05B896ACBD8}" dt="2021-06-03T00:59:53.988" v="467"/>
+          <ac:grpSpMkLst>
+            <pc:docMk/>
+            <pc:sldMk cId="4250069135" sldId="256"/>
+            <ac:grpSpMk id="94" creationId="{EC478E18-51C7-464B-9BA0-A985BDF8CB82}"/>
+          </ac:grpSpMkLst>
+        </pc:grpChg>
+        <pc:grpChg chg="add mod">
+          <ac:chgData name="Elizabeth Marks" userId="23c45164968f2109" providerId="LiveId" clId="{A2D9BF99-1A77-4E77-BCCB-F05B896ACBD8}" dt="2021-06-03T01:00:19.980" v="472" actId="1076"/>
+          <ac:grpSpMkLst>
+            <pc:docMk/>
+            <pc:sldMk cId="4250069135" sldId="256"/>
+            <ac:grpSpMk id="103" creationId="{A0387F42-F72E-4277-8B8D-E5B7E59BD697}"/>
+          </ac:grpSpMkLst>
+        </pc:grpChg>
+        <pc:grpChg chg="mod">
+          <ac:chgData name="Elizabeth Marks" userId="23c45164968f2109" providerId="LiveId" clId="{A2D9BF99-1A77-4E77-BCCB-F05B896ACBD8}" dt="2021-06-03T01:00:01.387" v="469"/>
+          <ac:grpSpMkLst>
+            <pc:docMk/>
+            <pc:sldMk cId="4250069135" sldId="256"/>
+            <ac:grpSpMk id="107" creationId="{2CE241F5-C5AE-44CD-849C-A96E5831760A}"/>
+          </ac:grpSpMkLst>
+        </pc:grpChg>
+        <pc:grpChg chg="add mod">
+          <ac:chgData name="Elizabeth Marks" userId="23c45164968f2109" providerId="LiveId" clId="{A2D9BF99-1A77-4E77-BCCB-F05B896ACBD8}" dt="2021-06-03T01:01:39.507" v="622" actId="14100"/>
+          <ac:grpSpMkLst>
+            <pc:docMk/>
+            <pc:sldMk cId="4250069135" sldId="256"/>
+            <ac:grpSpMk id="116" creationId="{79EC7C8A-4229-4695-994E-4023B7A061D1}"/>
+          </ac:grpSpMkLst>
+        </pc:grpChg>
+        <pc:grpChg chg="mod">
+          <ac:chgData name="Elizabeth Marks" userId="23c45164968f2109" providerId="LiveId" clId="{A2D9BF99-1A77-4E77-BCCB-F05B896ACBD8}" dt="2021-06-03T01:00:36.190" v="473"/>
+          <ac:grpSpMkLst>
+            <pc:docMk/>
+            <pc:sldMk cId="4250069135" sldId="256"/>
+            <ac:grpSpMk id="120" creationId="{B2B9DB1C-0B67-4BFB-9977-D53283620187}"/>
+          </ac:grpSpMkLst>
+        </pc:grpChg>
+        <pc:grpChg chg="add del mod">
+          <ac:chgData name="Elizabeth Marks" userId="23c45164968f2109" providerId="LiveId" clId="{A2D9BF99-1A77-4E77-BCCB-F05B896ACBD8}" dt="2021-06-03T01:20:03.947" v="1344" actId="478"/>
+          <ac:grpSpMkLst>
+            <pc:docMk/>
+            <pc:sldMk cId="4250069135" sldId="256"/>
+            <ac:grpSpMk id="130" creationId="{203453A0-054A-4D91-8649-6E491E103711}"/>
+          </ac:grpSpMkLst>
+        </pc:grpChg>
+        <pc:grpChg chg="add del mod">
+          <ac:chgData name="Elizabeth Marks" userId="23c45164968f2109" providerId="LiveId" clId="{A2D9BF99-1A77-4E77-BCCB-F05B896ACBD8}" dt="2021-06-03T01:21:19.361" v="1432" actId="478"/>
+          <ac:grpSpMkLst>
+            <pc:docMk/>
+            <pc:sldMk cId="4250069135" sldId="256"/>
+            <ac:grpSpMk id="133" creationId="{CDA9D8CF-7A55-4A55-B66E-4059F7CD7C33}"/>
+          </ac:grpSpMkLst>
+        </pc:grpChg>
+        <pc:grpChg chg="add del mod">
+          <ac:chgData name="Elizabeth Marks" userId="23c45164968f2109" providerId="LiveId" clId="{A2D9BF99-1A77-4E77-BCCB-F05B896ACBD8}" dt="2021-06-03T01:10:19.785" v="1194"/>
+          <ac:grpSpMkLst>
+            <pc:docMk/>
+            <pc:sldMk cId="4250069135" sldId="256"/>
+            <ac:grpSpMk id="136" creationId="{354985B6-7F7D-47A8-8EA2-A4BE2C2F6AE1}"/>
+          </ac:grpSpMkLst>
+        </pc:grpChg>
+        <pc:grpChg chg="add del mod">
+          <ac:chgData name="Elizabeth Marks" userId="23c45164968f2109" providerId="LiveId" clId="{A2D9BF99-1A77-4E77-BCCB-F05B896ACBD8}" dt="2021-06-03T01:10:19.785" v="1194"/>
+          <ac:grpSpMkLst>
+            <pc:docMk/>
+            <pc:sldMk cId="4250069135" sldId="256"/>
+            <ac:grpSpMk id="139" creationId="{A2093F59-18EC-465D-B0AD-B7E2FE17F627}"/>
+          </ac:grpSpMkLst>
+        </pc:grpChg>
+        <pc:grpChg chg="add del mod">
+          <ac:chgData name="Elizabeth Marks" userId="23c45164968f2109" providerId="LiveId" clId="{A2D9BF99-1A77-4E77-BCCB-F05B896ACBD8}" dt="2021-06-03T01:10:23.116" v="1196"/>
+          <ac:grpSpMkLst>
+            <pc:docMk/>
+            <pc:sldMk cId="4250069135" sldId="256"/>
+            <ac:grpSpMk id="142" creationId="{FF9F7F14-7EC9-4682-ABD5-F17F242C8C93}"/>
+          </ac:grpSpMkLst>
+        </pc:grpChg>
+        <pc:grpChg chg="add del mod">
+          <ac:chgData name="Elizabeth Marks" userId="23c45164968f2109" providerId="LiveId" clId="{A2D9BF99-1A77-4E77-BCCB-F05B896ACBD8}" dt="2021-06-03T01:10:23.116" v="1196"/>
+          <ac:grpSpMkLst>
+            <pc:docMk/>
+            <pc:sldMk cId="4250069135" sldId="256"/>
+            <ac:grpSpMk id="145" creationId="{1F442C38-FD48-4BBF-BF69-D65D52126872}"/>
+          </ac:grpSpMkLst>
+        </pc:grpChg>
+        <pc:grpChg chg="add mod">
+          <ac:chgData name="Elizabeth Marks" userId="23c45164968f2109" providerId="LiveId" clId="{A2D9BF99-1A77-4E77-BCCB-F05B896ACBD8}" dt="2021-06-03T01:40:46.366" v="1925" actId="1076"/>
+          <ac:grpSpMkLst>
+            <pc:docMk/>
+            <pc:sldMk cId="4250069135" sldId="256"/>
+            <ac:grpSpMk id="184" creationId="{C4327F4C-F6C1-453F-A862-25D5AB7A37C8}"/>
+          </ac:grpSpMkLst>
+        </pc:grpChg>
+        <pc:grpChg chg="add mod">
+          <ac:chgData name="Elizabeth Marks" userId="23c45164968f2109" providerId="LiveId" clId="{A2D9BF99-1A77-4E77-BCCB-F05B896ACBD8}" dt="2021-06-03T01:38:42.505" v="1917" actId="1076"/>
+          <ac:grpSpMkLst>
+            <pc:docMk/>
+            <pc:sldMk cId="4250069135" sldId="256"/>
+            <ac:grpSpMk id="189" creationId="{7623E564-5B64-4827-926D-5D7C7ED1B026}"/>
+          </ac:grpSpMkLst>
+        </pc:grpChg>
+        <pc:graphicFrameChg chg="add del mod">
+          <ac:chgData name="Elizabeth Marks" userId="23c45164968f2109" providerId="LiveId" clId="{A2D9BF99-1A77-4E77-BCCB-F05B896ACBD8}" dt="2021-06-03T01:23:59.650" v="1449"/>
+          <ac:graphicFrameMkLst>
+            <pc:docMk/>
+            <pc:sldMk cId="4250069135" sldId="256"/>
+            <ac:graphicFrameMk id="151" creationId="{61C64D7E-7284-4171-80F5-1D34AB3ABAAE}"/>
+          </ac:graphicFrameMkLst>
+        </pc:graphicFrameChg>
+        <pc:graphicFrameChg chg="add del mod">
+          <ac:chgData name="Elizabeth Marks" userId="23c45164968f2109" providerId="LiveId" clId="{A2D9BF99-1A77-4E77-BCCB-F05B896ACBD8}" dt="2021-06-03T01:23:59.650" v="1449"/>
+          <ac:graphicFrameMkLst>
+            <pc:docMk/>
+            <pc:sldMk cId="4250069135" sldId="256"/>
+            <ac:graphicFrameMk id="153" creationId="{4D3D8162-A469-4C44-BECF-C06D750680D5}"/>
+          </ac:graphicFrameMkLst>
+        </pc:graphicFrameChg>
+        <pc:graphicFrameChg chg="add del mod">
+          <ac:chgData name="Elizabeth Marks" userId="23c45164968f2109" providerId="LiveId" clId="{A2D9BF99-1A77-4E77-BCCB-F05B896ACBD8}" dt="2021-06-03T01:23:59.650" v="1449"/>
+          <ac:graphicFrameMkLst>
+            <pc:docMk/>
+            <pc:sldMk cId="4250069135" sldId="256"/>
+            <ac:graphicFrameMk id="160" creationId="{28167CB5-C418-4730-8207-B90A95E4124C}"/>
+          </ac:graphicFrameMkLst>
+        </pc:graphicFrameChg>
+        <pc:graphicFrameChg chg="add del mod">
+          <ac:chgData name="Elizabeth Marks" userId="23c45164968f2109" providerId="LiveId" clId="{A2D9BF99-1A77-4E77-BCCB-F05B896ACBD8}" dt="2021-06-03T01:38:49.672" v="1919" actId="1076"/>
+          <ac:graphicFrameMkLst>
+            <pc:docMk/>
+            <pc:sldMk cId="4250069135" sldId="256"/>
+            <ac:graphicFrameMk id="166" creationId="{8B4CFC0F-B7C6-4BFB-8451-E5D9D1C6B043}"/>
+          </ac:graphicFrameMkLst>
+        </pc:graphicFrameChg>
+        <pc:graphicFrameChg chg="add mod">
+          <ac:chgData name="Elizabeth Marks" userId="23c45164968f2109" providerId="LiveId" clId="{A2D9BF99-1A77-4E77-BCCB-F05B896ACBD8}" dt="2021-06-03T01:29:19.951" v="1738" actId="164"/>
+          <ac:graphicFrameMkLst>
+            <pc:docMk/>
+            <pc:sldMk cId="4250069135" sldId="256"/>
+            <ac:graphicFrameMk id="168" creationId="{9595F540-82ED-4992-AB8E-043D990221B9}"/>
+          </ac:graphicFrameMkLst>
+        </pc:graphicFrameChg>
+        <pc:graphicFrameChg chg="add mod">
+          <ac:chgData name="Elizabeth Marks" userId="23c45164968f2109" providerId="LiveId" clId="{A2D9BF99-1A77-4E77-BCCB-F05B896ACBD8}" dt="2021-06-03T01:39:37.798" v="1921" actId="207"/>
+          <ac:graphicFrameMkLst>
+            <pc:docMk/>
+            <pc:sldMk cId="4250069135" sldId="256"/>
+            <ac:graphicFrameMk id="175" creationId="{4864A11F-FA78-4E68-A523-7154171C1248}"/>
+          </ac:graphicFrameMkLst>
+        </pc:graphicFrameChg>
+        <pc:cxnChg chg="add mod">
+          <ac:chgData name="Elizabeth Marks" userId="23c45164968f2109" providerId="LiveId" clId="{A2D9BF99-1A77-4E77-BCCB-F05B896ACBD8}" dt="2021-06-03T01:23:35.199" v="1447" actId="1076"/>
+          <ac:cxnSpMkLst>
+            <pc:docMk/>
+            <pc:sldMk cId="4250069135" sldId="256"/>
+            <ac:cxnSpMk id="6" creationId="{7CBB837E-260F-4AC5-BE85-D1BA29D5A772}"/>
+          </ac:cxnSpMkLst>
+        </pc:cxnChg>
+        <pc:cxnChg chg="add del mod">
+          <ac:chgData name="Elizabeth Marks" userId="23c45164968f2109" providerId="LiveId" clId="{A2D9BF99-1A77-4E77-BCCB-F05B896ACBD8}" dt="2021-06-03T00:20:43.841" v="294"/>
+          <ac:cxnSpMkLst>
+            <pc:docMk/>
+            <pc:sldMk cId="4250069135" sldId="256"/>
+            <ac:cxnSpMk id="29" creationId="{4863C50A-87B7-44CD-A9EF-8FD728F65927}"/>
+          </ac:cxnSpMkLst>
+        </pc:cxnChg>
+        <pc:cxnChg chg="add del mod">
+          <ac:chgData name="Elizabeth Marks" userId="23c45164968f2109" providerId="LiveId" clId="{A2D9BF99-1A77-4E77-BCCB-F05B896ACBD8}" dt="2021-06-03T00:20:43.841" v="294"/>
+          <ac:cxnSpMkLst>
+            <pc:docMk/>
+            <pc:sldMk cId="4250069135" sldId="256"/>
+            <ac:cxnSpMk id="30" creationId="{A5FEC232-8FE8-4D5E-9B45-DF91DAE3CB50}"/>
+          </ac:cxnSpMkLst>
+        </pc:cxnChg>
+        <pc:cxnChg chg="add del mod">
+          <ac:chgData name="Elizabeth Marks" userId="23c45164968f2109" providerId="LiveId" clId="{A2D9BF99-1A77-4E77-BCCB-F05B896ACBD8}" dt="2021-06-03T00:20:50.010" v="296"/>
+          <ac:cxnSpMkLst>
+            <pc:docMk/>
+            <pc:sldMk cId="4250069135" sldId="256"/>
+            <ac:cxnSpMk id="41" creationId="{312DC640-D137-40EB-A966-60DB6646859A}"/>
+          </ac:cxnSpMkLst>
+        </pc:cxnChg>
+        <pc:cxnChg chg="add del mod">
+          <ac:chgData name="Elizabeth Marks" userId="23c45164968f2109" providerId="LiveId" clId="{A2D9BF99-1A77-4E77-BCCB-F05B896ACBD8}" dt="2021-06-03T00:20:50.010" v="296"/>
+          <ac:cxnSpMkLst>
+            <pc:docMk/>
+            <pc:sldMk cId="4250069135" sldId="256"/>
+            <ac:cxnSpMk id="42" creationId="{0E7FD326-7382-422C-9ECB-1FEBA9AF1660}"/>
+          </ac:cxnSpMkLst>
+        </pc:cxnChg>
+        <pc:cxnChg chg="add mod">
+          <ac:chgData name="Elizabeth Marks" userId="23c45164968f2109" providerId="LiveId" clId="{A2D9BF99-1A77-4E77-BCCB-F05B896ACBD8}" dt="2021-06-03T00:56:46.617" v="448" actId="113"/>
+          <ac:cxnSpMkLst>
+            <pc:docMk/>
+            <pc:sldMk cId="4250069135" sldId="256"/>
+            <ac:cxnSpMk id="53" creationId="{798B67EF-693E-45F8-8D84-0A4113741AB0}"/>
+          </ac:cxnSpMkLst>
+        </pc:cxnChg>
+        <pc:cxnChg chg="add mod">
+          <ac:chgData name="Elizabeth Marks" userId="23c45164968f2109" providerId="LiveId" clId="{A2D9BF99-1A77-4E77-BCCB-F05B896ACBD8}" dt="2021-06-03T00:56:46.617" v="448" actId="113"/>
+          <ac:cxnSpMkLst>
+            <pc:docMk/>
+            <pc:sldMk cId="4250069135" sldId="256"/>
+            <ac:cxnSpMk id="54" creationId="{FDEA252B-9EC3-40F4-9A00-43174F95E9CB}"/>
+          </ac:cxnSpMkLst>
+        </pc:cxnChg>
+        <pc:cxnChg chg="mod">
+          <ac:chgData name="Elizabeth Marks" userId="23c45164968f2109" providerId="LiveId" clId="{A2D9BF99-1A77-4E77-BCCB-F05B896ACBD8}" dt="2021-06-03T00:38:56.659" v="398"/>
+          <ac:cxnSpMkLst>
+            <pc:docMk/>
+            <pc:sldMk cId="4250069135" sldId="256"/>
+            <ac:cxnSpMk id="69" creationId="{749A94C1-41CE-4CB1-8415-229D9558B49D}"/>
+          </ac:cxnSpMkLst>
+        </pc:cxnChg>
+        <pc:cxnChg chg="mod">
+          <ac:chgData name="Elizabeth Marks" userId="23c45164968f2109" providerId="LiveId" clId="{A2D9BF99-1A77-4E77-BCCB-F05B896ACBD8}" dt="2021-06-03T00:39:05.457" v="400"/>
+          <ac:cxnSpMkLst>
+            <pc:docMk/>
+            <pc:sldMk cId="4250069135" sldId="256"/>
+            <ac:cxnSpMk id="82" creationId="{8BF75C01-7025-47F5-BDD0-290BE8D4797C}"/>
+          </ac:cxnSpMkLst>
+        </pc:cxnChg>
+        <pc:cxnChg chg="mod">
+          <ac:chgData name="Elizabeth Marks" userId="23c45164968f2109" providerId="LiveId" clId="{A2D9BF99-1A77-4E77-BCCB-F05B896ACBD8}" dt="2021-06-03T00:59:53.988" v="467"/>
+          <ac:cxnSpMkLst>
+            <pc:docMk/>
+            <pc:sldMk cId="4250069135" sldId="256"/>
+            <ac:cxnSpMk id="96" creationId="{C2DC10DD-E310-48CF-BB3A-BAB862E35B24}"/>
+          </ac:cxnSpMkLst>
+        </pc:cxnChg>
+        <pc:cxnChg chg="mod">
+          <ac:chgData name="Elizabeth Marks" userId="23c45164968f2109" providerId="LiveId" clId="{A2D9BF99-1A77-4E77-BCCB-F05B896ACBD8}" dt="2021-06-03T01:00:01.387" v="469"/>
+          <ac:cxnSpMkLst>
+            <pc:docMk/>
+            <pc:sldMk cId="4250069135" sldId="256"/>
+            <ac:cxnSpMk id="109" creationId="{8A05DDCB-6344-4018-9FDB-F9B1026C4DDD}"/>
+          </ac:cxnSpMkLst>
+        </pc:cxnChg>
+        <pc:cxnChg chg="mod">
+          <ac:chgData name="Elizabeth Marks" userId="23c45164968f2109" providerId="LiveId" clId="{A2D9BF99-1A77-4E77-BCCB-F05B896ACBD8}" dt="2021-06-03T01:00:36.190" v="473"/>
+          <ac:cxnSpMkLst>
+            <pc:docMk/>
+            <pc:sldMk cId="4250069135" sldId="256"/>
+            <ac:cxnSpMk id="122" creationId="{6DD41279-82E0-4938-AC70-EE8F02185863}"/>
+          </ac:cxnSpMkLst>
+        </pc:cxnChg>
+        <pc:cxnChg chg="add del mod">
+          <ac:chgData name="Elizabeth Marks" userId="23c45164968f2109" providerId="LiveId" clId="{A2D9BF99-1A77-4E77-BCCB-F05B896ACBD8}" dt="2021-06-03T01:17:35.477" v="1297" actId="478"/>
+          <ac:cxnSpMkLst>
+            <pc:docMk/>
+            <pc:sldMk cId="4250069135" sldId="256"/>
+            <ac:cxnSpMk id="149" creationId="{61B9E485-690B-40EA-9A01-6FA4D6F51CD9}"/>
+          </ac:cxnSpMkLst>
+        </pc:cxnChg>
+        <pc:cxnChg chg="add del mod">
+          <ac:chgData name="Elizabeth Marks" userId="23c45164968f2109" providerId="LiveId" clId="{A2D9BF99-1A77-4E77-BCCB-F05B896ACBD8}" dt="2021-06-03T01:23:59.650" v="1449"/>
+          <ac:cxnSpMkLst>
+            <pc:docMk/>
+            <pc:sldMk cId="4250069135" sldId="256"/>
+            <ac:cxnSpMk id="156" creationId="{4220015D-26B0-413C-BE5E-4CFEAE03DDA6}"/>
+          </ac:cxnSpMkLst>
+        </pc:cxnChg>
+        <pc:cxnChg chg="add del mod">
+          <ac:chgData name="Elizabeth Marks" userId="23c45164968f2109" providerId="LiveId" clId="{A2D9BF99-1A77-4E77-BCCB-F05B896ACBD8}" dt="2021-06-03T01:23:59.650" v="1449"/>
+          <ac:cxnSpMkLst>
+            <pc:docMk/>
+            <pc:sldMk cId="4250069135" sldId="256"/>
+            <ac:cxnSpMk id="157" creationId="{4D8D66CF-1325-411C-8BD2-DE0A5B8CC204}"/>
+          </ac:cxnSpMkLst>
+        </pc:cxnChg>
+        <pc:cxnChg chg="add del mod">
+          <ac:chgData name="Elizabeth Marks" userId="23c45164968f2109" providerId="LiveId" clId="{A2D9BF99-1A77-4E77-BCCB-F05B896ACBD8}" dt="2021-06-03T01:23:59.650" v="1449"/>
+          <ac:cxnSpMkLst>
+            <pc:docMk/>
+            <pc:sldMk cId="4250069135" sldId="256"/>
+            <ac:cxnSpMk id="158" creationId="{C2A33A12-FFE6-4662-B6E9-A1A2BFB41B87}"/>
+          </ac:cxnSpMkLst>
+        </pc:cxnChg>
+        <pc:cxnChg chg="add del mod">
+          <ac:chgData name="Elizabeth Marks" userId="23c45164968f2109" providerId="LiveId" clId="{A2D9BF99-1A77-4E77-BCCB-F05B896ACBD8}" dt="2021-06-03T01:23:59.650" v="1449"/>
+          <ac:cxnSpMkLst>
+            <pc:docMk/>
+            <pc:sldMk cId="4250069135" sldId="256"/>
+            <ac:cxnSpMk id="159" creationId="{70CD5486-1F74-424B-A3A6-9E9D6CE3F683}"/>
+          </ac:cxnSpMkLst>
+        </pc:cxnChg>
+        <pc:cxnChg chg="add del mod">
+          <ac:chgData name="Elizabeth Marks" userId="23c45164968f2109" providerId="LiveId" clId="{A2D9BF99-1A77-4E77-BCCB-F05B896ACBD8}" dt="2021-06-03T01:26:47.631" v="1705" actId="478"/>
+          <ac:cxnSpMkLst>
+            <pc:docMk/>
+            <pc:sldMk cId="4250069135" sldId="256"/>
+            <ac:cxnSpMk id="171" creationId="{17C62D8E-837E-45C5-9BDD-FD247F871B64}"/>
+          </ac:cxnSpMkLst>
+        </pc:cxnChg>
+        <pc:cxnChg chg="add del mod">
+          <ac:chgData name="Elizabeth Marks" userId="23c45164968f2109" providerId="LiveId" clId="{A2D9BF99-1A77-4E77-BCCB-F05B896ACBD8}" dt="2021-06-03T01:28:25.535" v="1729" actId="478"/>
+          <ac:cxnSpMkLst>
+            <pc:docMk/>
+            <pc:sldMk cId="4250069135" sldId="256"/>
+            <ac:cxnSpMk id="172" creationId="{F4CCC6B4-40D2-4CB4-B30D-AB8A0D1A5594}"/>
+          </ac:cxnSpMkLst>
+        </pc:cxnChg>
+        <pc:cxnChg chg="add del mod">
+          <ac:chgData name="Elizabeth Marks" userId="23c45164968f2109" providerId="LiveId" clId="{A2D9BF99-1A77-4E77-BCCB-F05B896ACBD8}" dt="2021-06-03T01:28:24.468" v="1728" actId="478"/>
+          <ac:cxnSpMkLst>
+            <pc:docMk/>
+            <pc:sldMk cId="4250069135" sldId="256"/>
+            <ac:cxnSpMk id="173" creationId="{F7AA0729-C906-4108-ACF4-9D1E1B1BB90F}"/>
+          </ac:cxnSpMkLst>
+        </pc:cxnChg>
+        <pc:cxnChg chg="add del mod">
+          <ac:chgData name="Elizabeth Marks" userId="23c45164968f2109" providerId="LiveId" clId="{A2D9BF99-1A77-4E77-BCCB-F05B896ACBD8}" dt="2021-06-03T01:27:39.182" v="1718" actId="478"/>
+          <ac:cxnSpMkLst>
+            <pc:docMk/>
+            <pc:sldMk cId="4250069135" sldId="256"/>
+            <ac:cxnSpMk id="174" creationId="{B2E7C189-A809-4FAB-83A6-A58A29E2A59B}"/>
+          </ac:cxnSpMkLst>
+        </pc:cxnChg>
       </pc:sldChg>
     </pc:docChg>
   </pc:docChgLst>
 </pc:chgInfo>
+</file>
+
+<file path=ppt/charts/chart1.xml><?xml version="1.0" encoding="utf-8"?>
+<c:chartSpace xmlns:c="http://schemas.openxmlformats.org/drawingml/2006/chart" xmlns:a="http://schemas.openxmlformats.org/drawingml/2006/main" xmlns:r="http://schemas.openxmlformats.org/officeDocument/2006/relationships" xmlns:c16r2="http://schemas.microsoft.com/office/drawing/2015/06/chart">
+  <c:date1904 val="0"/>
+  <c:lang val="en-US"/>
+  <c:roundedCorners val="0"/>
+  <mc:AlternateContent xmlns:mc="http://schemas.openxmlformats.org/markup-compatibility/2006">
+    <mc:Choice xmlns:c14="http://schemas.microsoft.com/office/drawing/2007/8/2/chart" Requires="c14">
+      <c14:style val="102"/>
+    </mc:Choice>
+    <mc:Fallback>
+      <c:style val="2"/>
+    </mc:Fallback>
+  </mc:AlternateContent>
+  <c:clrMapOvr bg1="lt1" tx1="dk1" bg2="lt2" tx2="dk2" accent1="accent1" accent2="accent2" accent3="accent3" accent4="accent4" accent5="accent5" accent6="accent6" hlink="hlink" folHlink="folHlink"/>
+  <c:chart>
+    <c:autoTitleDeleted val="1"/>
+    <c:plotArea>
+      <c:layout>
+        <c:manualLayout>
+          <c:layoutTarget val="inner"/>
+          <c:xMode val="edge"/>
+          <c:yMode val="edge"/>
+          <c:x val="0.16571892466897456"/>
+          <c:y val="3.135218081726987E-2"/>
+          <c:w val="0.68876807592755507"/>
+          <c:h val="0.93147728498974858"/>
+        </c:manualLayout>
+      </c:layout>
+      <c:doughnutChart>
+        <c:varyColors val="1"/>
+        <c:ser>
+          <c:idx val="0"/>
+          <c:order val="0"/>
+          <c:tx>
+            <c:strRef>
+              <c:f>Sheet1!$B$1</c:f>
+              <c:strCache>
+                <c:ptCount val="1"/>
+                <c:pt idx="0">
+                  <c:v>Faculty</c:v>
+                </c:pt>
+              </c:strCache>
+            </c:strRef>
+          </c:tx>
+          <c:dPt>
+            <c:idx val="0"/>
+            <c:bubble3D val="0"/>
+            <c:spPr>
+              <a:solidFill>
+                <a:schemeClr val="accent1">
+                  <a:lumMod val="20000"/>
+                  <a:lumOff val="80000"/>
+                </a:schemeClr>
+              </a:solidFill>
+              <a:ln w="19050">
+                <a:solidFill>
+                  <a:schemeClr val="lt1"/>
+                </a:solidFill>
+              </a:ln>
+              <a:effectLst/>
+            </c:spPr>
+            <c:extLst>
+              <c:ext xmlns:c16="http://schemas.microsoft.com/office/drawing/2014/chart" uri="{C3380CC4-5D6E-409C-BE32-E72D297353CC}">
+                <c16:uniqueId val="{00000001-CE5F-4181-9A0C-F98CC93D12FC}"/>
+              </c:ext>
+            </c:extLst>
+          </c:dPt>
+          <c:dPt>
+            <c:idx val="1"/>
+            <c:bubble3D val="0"/>
+            <c:spPr>
+              <a:solidFill>
+                <a:schemeClr val="accent1">
+                  <a:lumMod val="40000"/>
+                  <a:lumOff val="60000"/>
+                </a:schemeClr>
+              </a:solidFill>
+              <a:ln w="19050">
+                <a:solidFill>
+                  <a:schemeClr val="lt1"/>
+                </a:solidFill>
+              </a:ln>
+              <a:effectLst/>
+            </c:spPr>
+            <c:extLst>
+              <c:ext xmlns:c16="http://schemas.microsoft.com/office/drawing/2014/chart" uri="{C3380CC4-5D6E-409C-BE32-E72D297353CC}">
+                <c16:uniqueId val="{00000003-CE5F-4181-9A0C-F98CC93D12FC}"/>
+              </c:ext>
+            </c:extLst>
+          </c:dPt>
+          <c:dPt>
+            <c:idx val="2"/>
+            <c:bubble3D val="0"/>
+            <c:spPr>
+              <a:solidFill>
+                <a:schemeClr val="accent1">
+                  <a:lumMod val="60000"/>
+                  <a:lumOff val="40000"/>
+                </a:schemeClr>
+              </a:solidFill>
+              <a:ln w="19050">
+                <a:solidFill>
+                  <a:schemeClr val="lt1"/>
+                </a:solidFill>
+              </a:ln>
+              <a:effectLst/>
+            </c:spPr>
+            <c:extLst>
+              <c:ext xmlns:c16="http://schemas.microsoft.com/office/drawing/2014/chart" uri="{C3380CC4-5D6E-409C-BE32-E72D297353CC}">
+                <c16:uniqueId val="{00000005-CE5F-4181-9A0C-F98CC93D12FC}"/>
+              </c:ext>
+            </c:extLst>
+          </c:dPt>
+          <c:dPt>
+            <c:idx val="3"/>
+            <c:bubble3D val="0"/>
+            <c:spPr>
+              <a:solidFill>
+                <a:srgbClr val="E98F8F"/>
+              </a:solidFill>
+              <a:ln w="19050">
+                <a:solidFill>
+                  <a:schemeClr val="lt1"/>
+                </a:solidFill>
+              </a:ln>
+              <a:effectLst/>
+            </c:spPr>
+            <c:extLst>
+              <c:ext xmlns:c16="http://schemas.microsoft.com/office/drawing/2014/chart" uri="{C3380CC4-5D6E-409C-BE32-E72D297353CC}">
+                <c16:uniqueId val="{00000007-CE5F-4181-9A0C-F98CC93D12FC}"/>
+              </c:ext>
+            </c:extLst>
+          </c:dPt>
+          <c:dPt>
+            <c:idx val="4"/>
+            <c:bubble3D val="0"/>
+            <c:spPr>
+              <a:solidFill>
+                <a:srgbClr val="C96969"/>
+              </a:solidFill>
+              <a:ln w="19050">
+                <a:solidFill>
+                  <a:schemeClr val="lt1"/>
+                </a:solidFill>
+              </a:ln>
+              <a:effectLst/>
+            </c:spPr>
+            <c:extLst>
+              <c:ext xmlns:c16="http://schemas.microsoft.com/office/drawing/2014/chart" uri="{C3380CC4-5D6E-409C-BE32-E72D297353CC}">
+                <c16:uniqueId val="{00000009-CE5F-4181-9A0C-F98CC93D12FC}"/>
+              </c:ext>
+            </c:extLst>
+          </c:dPt>
+          <c:dPt>
+            <c:idx val="5"/>
+            <c:bubble3D val="0"/>
+            <c:spPr>
+              <a:solidFill>
+                <a:srgbClr val="8E4848"/>
+              </a:solidFill>
+              <a:ln w="19050">
+                <a:solidFill>
+                  <a:schemeClr val="lt1"/>
+                </a:solidFill>
+              </a:ln>
+              <a:effectLst/>
+            </c:spPr>
+            <c:extLst>
+              <c:ext xmlns:c16="http://schemas.microsoft.com/office/drawing/2014/chart" uri="{C3380CC4-5D6E-409C-BE32-E72D297353CC}">
+                <c16:uniqueId val="{0000000B-CE5F-4181-9A0C-F98CC93D12FC}"/>
+              </c:ext>
+            </c:extLst>
+          </c:dPt>
+          <c:dPt>
+            <c:idx val="6"/>
+            <c:bubble3D val="0"/>
+            <c:spPr>
+              <a:solidFill>
+                <a:srgbClr val="6C3636"/>
+              </a:solidFill>
+              <a:ln w="19050">
+                <a:solidFill>
+                  <a:schemeClr val="lt1"/>
+                </a:solidFill>
+              </a:ln>
+              <a:effectLst/>
+            </c:spPr>
+            <c:extLst>
+              <c:ext xmlns:c16="http://schemas.microsoft.com/office/drawing/2014/chart" uri="{C3380CC4-5D6E-409C-BE32-E72D297353CC}">
+                <c16:uniqueId val="{0000000D-CE5F-4181-9A0C-F98CC93D12FC}"/>
+              </c:ext>
+            </c:extLst>
+          </c:dPt>
+          <c:cat>
+            <c:strRef>
+              <c:f>Sheet1!$A$2:$A$8</c:f>
+              <c:strCache>
+                <c:ptCount val="7"/>
+                <c:pt idx="0">
+                  <c:v>Social Sciences </c:v>
+                </c:pt>
+                <c:pt idx="1">
+                  <c:v>Health Sciences</c:v>
+                </c:pt>
+                <c:pt idx="2">
+                  <c:v>Education</c:v>
+                </c:pt>
+                <c:pt idx="3">
+                  <c:v>Mathematics and Science</c:v>
+                </c:pt>
+                <c:pt idx="4">
+                  <c:v>Humanities</c:v>
+                </c:pt>
+                <c:pt idx="5">
+                  <c:v>Other</c:v>
+                </c:pt>
+                <c:pt idx="6">
+                  <c:v>Business</c:v>
+                </c:pt>
+              </c:strCache>
+            </c:strRef>
+          </c:cat>
+          <c:val>
+            <c:numRef>
+              <c:f>Sheet1!$B$2:$B$8</c:f>
+              <c:numCache>
+                <c:formatCode>General</c:formatCode>
+                <c:ptCount val="7"/>
+                <c:pt idx="0">
+                  <c:v>58</c:v>
+                </c:pt>
+                <c:pt idx="1">
+                  <c:v>53</c:v>
+                </c:pt>
+                <c:pt idx="2">
+                  <c:v>30</c:v>
+                </c:pt>
+                <c:pt idx="3">
+                  <c:v>8</c:v>
+                </c:pt>
+                <c:pt idx="4">
+                  <c:v>6</c:v>
+                </c:pt>
+                <c:pt idx="5">
+                  <c:v>6</c:v>
+                </c:pt>
+                <c:pt idx="6">
+                  <c:v>4</c:v>
+                </c:pt>
+              </c:numCache>
+            </c:numRef>
+          </c:val>
+          <c:extLst>
+            <c:ext xmlns:c16="http://schemas.microsoft.com/office/drawing/2014/chart" uri="{C3380CC4-5D6E-409C-BE32-E72D297353CC}">
+              <c16:uniqueId val="{0000000E-CE5F-4181-9A0C-F98CC93D12FC}"/>
+            </c:ext>
+          </c:extLst>
+        </c:ser>
+        <c:dLbls>
+          <c:showLegendKey val="0"/>
+          <c:showVal val="0"/>
+          <c:showCatName val="0"/>
+          <c:showSerName val="0"/>
+          <c:showPercent val="0"/>
+          <c:showBubbleSize val="0"/>
+          <c:showLeaderLines val="1"/>
+        </c:dLbls>
+        <c:firstSliceAng val="360"/>
+        <c:holeSize val="79"/>
+      </c:doughnutChart>
+      <c:spPr>
+        <a:noFill/>
+        <a:ln>
+          <a:noFill/>
+        </a:ln>
+        <a:effectLst/>
+      </c:spPr>
+    </c:plotArea>
+    <c:plotVisOnly val="1"/>
+    <c:dispBlanksAs val="gap"/>
+    <c:extLst>
+      <c:ext xmlns:c16r3="http://schemas.microsoft.com/office/drawing/2017/03/chart" uri="{56B9EC1D-385E-4148-901F-78D8002777C0}">
+        <c16r3:dataDisplayOptions16>
+          <c16r3:dispNaAsBlank val="1"/>
+        </c16r3:dataDisplayOptions16>
+      </c:ext>
+    </c:extLst>
+    <c:showDLblsOverMax val="0"/>
+  </c:chart>
+  <c:spPr>
+    <a:noFill/>
+    <a:ln>
+      <a:noFill/>
+    </a:ln>
+    <a:effectLst/>
+  </c:spPr>
+  <c:txPr>
+    <a:bodyPr/>
+    <a:lstStyle/>
+    <a:p>
+      <a:pPr>
+        <a:defRPr/>
+      </a:pPr>
+      <a:endParaRPr lang="en-US"/>
+    </a:p>
+  </c:txPr>
+  <c:externalData r:id="rId4">
+    <c:autoUpdate val="0"/>
+  </c:externalData>
+  <c:userShapes r:id="rId5"/>
+</c:chartSpace>
+</file>
+
+<file path=ppt/charts/chart2.xml><?xml version="1.0" encoding="utf-8"?>
+<c:chartSpace xmlns:c="http://schemas.openxmlformats.org/drawingml/2006/chart" xmlns:a="http://schemas.openxmlformats.org/drawingml/2006/main" xmlns:r="http://schemas.openxmlformats.org/officeDocument/2006/relationships" xmlns:c16r2="http://schemas.microsoft.com/office/drawing/2015/06/chart">
+  <c:date1904 val="0"/>
+  <c:lang val="en-US"/>
+  <c:roundedCorners val="0"/>
+  <mc:AlternateContent xmlns:mc="http://schemas.openxmlformats.org/markup-compatibility/2006">
+    <mc:Choice xmlns:c14="http://schemas.microsoft.com/office/drawing/2007/8/2/chart" Requires="c14">
+      <c14:style val="102"/>
+    </mc:Choice>
+    <mc:Fallback>
+      <c:style val="2"/>
+    </mc:Fallback>
+  </mc:AlternateContent>
+  <c:clrMapOvr bg1="lt1" tx1="dk1" bg2="lt2" tx2="dk2" accent1="accent1" accent2="accent2" accent3="accent3" accent4="accent4" accent5="accent5" accent6="accent6" hlink="hlink" folHlink="folHlink"/>
+  <c:chart>
+    <c:autoTitleDeleted val="1"/>
+    <c:plotArea>
+      <c:layout/>
+      <c:doughnutChart>
+        <c:varyColors val="1"/>
+        <c:ser>
+          <c:idx val="0"/>
+          <c:order val="0"/>
+          <c:tx>
+            <c:strRef>
+              <c:f>Sheet1!$B$1</c:f>
+              <c:strCache>
+                <c:ptCount val="1"/>
+                <c:pt idx="0">
+                  <c:v>Age</c:v>
+                </c:pt>
+              </c:strCache>
+            </c:strRef>
+          </c:tx>
+          <c:dPt>
+            <c:idx val="0"/>
+            <c:bubble3D val="0"/>
+            <c:spPr>
+              <a:solidFill>
+                <a:schemeClr val="accent2">
+                  <a:lumMod val="40000"/>
+                  <a:lumOff val="60000"/>
+                </a:schemeClr>
+              </a:solidFill>
+              <a:ln w="19050">
+                <a:solidFill>
+                  <a:schemeClr val="lt1"/>
+                </a:solidFill>
+              </a:ln>
+              <a:effectLst/>
+            </c:spPr>
+            <c:extLst>
+              <c:ext xmlns:c16="http://schemas.microsoft.com/office/drawing/2014/chart" uri="{C3380CC4-5D6E-409C-BE32-E72D297353CC}">
+                <c16:uniqueId val="{00000001-B960-411B-9CE2-A4C48A2A9475}"/>
+              </c:ext>
+            </c:extLst>
+          </c:dPt>
+          <c:dPt>
+            <c:idx val="1"/>
+            <c:bubble3D val="0"/>
+            <c:spPr>
+              <a:solidFill>
+                <a:schemeClr val="accent2"/>
+              </a:solidFill>
+              <a:ln w="19050">
+                <a:solidFill>
+                  <a:schemeClr val="lt1"/>
+                </a:solidFill>
+              </a:ln>
+              <a:effectLst/>
+            </c:spPr>
+            <c:extLst>
+              <c:ext xmlns:c16="http://schemas.microsoft.com/office/drawing/2014/chart" uri="{C3380CC4-5D6E-409C-BE32-E72D297353CC}">
+                <c16:uniqueId val="{00000003-B960-411B-9CE2-A4C48A2A9475}"/>
+              </c:ext>
+            </c:extLst>
+          </c:dPt>
+          <c:dPt>
+            <c:idx val="2"/>
+            <c:bubble3D val="0"/>
+            <c:spPr>
+              <a:solidFill>
+                <a:schemeClr val="accent2">
+                  <a:lumMod val="50000"/>
+                </a:schemeClr>
+              </a:solidFill>
+              <a:ln w="19050">
+                <a:solidFill>
+                  <a:schemeClr val="lt1"/>
+                </a:solidFill>
+              </a:ln>
+              <a:effectLst/>
+            </c:spPr>
+            <c:extLst>
+              <c:ext xmlns:c16="http://schemas.microsoft.com/office/drawing/2014/chart" uri="{C3380CC4-5D6E-409C-BE32-E72D297353CC}">
+                <c16:uniqueId val="{00000005-B960-411B-9CE2-A4C48A2A9475}"/>
+              </c:ext>
+            </c:extLst>
+          </c:dPt>
+          <c:dPt>
+            <c:idx val="3"/>
+            <c:bubble3D val="0"/>
+            <c:spPr>
+              <a:solidFill>
+                <a:schemeClr val="accent4"/>
+              </a:solidFill>
+              <a:ln w="19050">
+                <a:solidFill>
+                  <a:schemeClr val="lt1"/>
+                </a:solidFill>
+              </a:ln>
+              <a:effectLst/>
+            </c:spPr>
+            <c:extLst>
+              <c:ext xmlns:c16="http://schemas.microsoft.com/office/drawing/2014/chart" uri="{C3380CC4-5D6E-409C-BE32-E72D297353CC}">
+                <c16:uniqueId val="{00000007-B960-411B-9CE2-A4C48A2A9475}"/>
+              </c:ext>
+            </c:extLst>
+          </c:dPt>
+          <c:cat>
+            <c:strRef>
+              <c:f>Sheet1!$A$2:$A$5</c:f>
+              <c:strCache>
+                <c:ptCount val="3"/>
+                <c:pt idx="0">
+                  <c:v>&lt;20</c:v>
+                </c:pt>
+                <c:pt idx="1">
+                  <c:v>20-25</c:v>
+                </c:pt>
+                <c:pt idx="2">
+                  <c:v>&lt;25</c:v>
+                </c:pt>
+              </c:strCache>
+            </c:strRef>
+          </c:cat>
+          <c:val>
+            <c:numRef>
+              <c:f>Sheet1!$B$2:$B$5</c:f>
+              <c:numCache>
+                <c:formatCode>General</c:formatCode>
+                <c:ptCount val="4"/>
+                <c:pt idx="0">
+                  <c:v>112</c:v>
+                </c:pt>
+                <c:pt idx="1">
+                  <c:v>49</c:v>
+                </c:pt>
+                <c:pt idx="2">
+                  <c:v>4</c:v>
+                </c:pt>
+              </c:numCache>
+            </c:numRef>
+          </c:val>
+          <c:extLst>
+            <c:ext xmlns:c16="http://schemas.microsoft.com/office/drawing/2014/chart" uri="{C3380CC4-5D6E-409C-BE32-E72D297353CC}">
+              <c16:uniqueId val="{00000008-B960-411B-9CE2-A4C48A2A9475}"/>
+            </c:ext>
+          </c:extLst>
+        </c:ser>
+        <c:dLbls>
+          <c:showLegendKey val="0"/>
+          <c:showVal val="0"/>
+          <c:showCatName val="0"/>
+          <c:showSerName val="0"/>
+          <c:showPercent val="0"/>
+          <c:showBubbleSize val="0"/>
+          <c:showLeaderLines val="1"/>
+        </c:dLbls>
+        <c:firstSliceAng val="360"/>
+        <c:holeSize val="57"/>
+      </c:doughnutChart>
+      <c:spPr>
+        <a:noFill/>
+        <a:ln>
+          <a:noFill/>
+        </a:ln>
+        <a:effectLst/>
+      </c:spPr>
+    </c:plotArea>
+    <c:plotVisOnly val="1"/>
+    <c:dispBlanksAs val="gap"/>
+    <c:extLst>
+      <c:ext xmlns:c16r3="http://schemas.microsoft.com/office/drawing/2017/03/chart" uri="{56B9EC1D-385E-4148-901F-78D8002777C0}">
+        <c16r3:dataDisplayOptions16>
+          <c16r3:dispNaAsBlank val="1"/>
+        </c16r3:dataDisplayOptions16>
+      </c:ext>
+    </c:extLst>
+    <c:showDLblsOverMax val="0"/>
+  </c:chart>
+  <c:spPr>
+    <a:noFill/>
+    <a:ln>
+      <a:noFill/>
+    </a:ln>
+    <a:effectLst/>
+  </c:spPr>
+  <c:txPr>
+    <a:bodyPr/>
+    <a:lstStyle/>
+    <a:p>
+      <a:pPr>
+        <a:defRPr/>
+      </a:pPr>
+      <a:endParaRPr lang="en-US"/>
+    </a:p>
+  </c:txPr>
+  <c:externalData r:id="rId4">
+    <c:autoUpdate val="0"/>
+  </c:externalData>
+</c:chartSpace>
+</file>
+
+<file path=ppt/charts/chart3.xml><?xml version="1.0" encoding="utf-8"?>
+<c:chartSpace xmlns:c="http://schemas.openxmlformats.org/drawingml/2006/chart" xmlns:a="http://schemas.openxmlformats.org/drawingml/2006/main" xmlns:r="http://schemas.openxmlformats.org/officeDocument/2006/relationships" xmlns:c16r2="http://schemas.microsoft.com/office/drawing/2015/06/chart">
+  <c:date1904 val="0"/>
+  <c:lang val="en-US"/>
+  <c:roundedCorners val="0"/>
+  <mc:AlternateContent xmlns:mc="http://schemas.openxmlformats.org/markup-compatibility/2006">
+    <mc:Choice xmlns:c14="http://schemas.microsoft.com/office/drawing/2007/8/2/chart" Requires="c14">
+      <c14:style val="102"/>
+    </mc:Choice>
+    <mc:Fallback>
+      <c:style val="2"/>
+    </mc:Fallback>
+  </mc:AlternateContent>
+  <c:clrMapOvr bg1="lt1" tx1="dk1" bg2="lt2" tx2="dk2" accent1="accent1" accent2="accent2" accent3="accent3" accent4="accent4" accent5="accent5" accent6="accent6" hlink="hlink" folHlink="folHlink"/>
+  <c:chart>
+    <c:autoTitleDeleted val="1"/>
+    <c:plotArea>
+      <c:layout>
+        <c:manualLayout>
+          <c:layoutTarget val="inner"/>
+          <c:xMode val="edge"/>
+          <c:yMode val="edge"/>
+          <c:x val="0.17712692056924972"/>
+          <c:y val="5.0433395531269461E-3"/>
+          <c:w val="0.68396586991318253"/>
+          <c:h val="0.75980507913968343"/>
+        </c:manualLayout>
+      </c:layout>
+      <c:pieChart>
+        <c:varyColors val="1"/>
+        <c:ser>
+          <c:idx val="0"/>
+          <c:order val="0"/>
+          <c:tx>
+            <c:strRef>
+              <c:f>Sheet1!$B$1</c:f>
+              <c:strCache>
+                <c:ptCount val="1"/>
+                <c:pt idx="0">
+                  <c:v>Sales</c:v>
+                </c:pt>
+              </c:strCache>
+            </c:strRef>
+          </c:tx>
+          <c:spPr>
+            <a:solidFill>
+              <a:srgbClr val="FECFCF"/>
+            </a:solidFill>
+          </c:spPr>
+          <c:dPt>
+            <c:idx val="0"/>
+            <c:bubble3D val="0"/>
+            <c:spPr>
+              <a:solidFill>
+                <a:srgbClr val="8D96B9"/>
+              </a:solidFill>
+              <a:ln w="19050">
+                <a:solidFill>
+                  <a:schemeClr val="lt1"/>
+                </a:solidFill>
+              </a:ln>
+              <a:effectLst/>
+            </c:spPr>
+            <c:extLst>
+              <c:ext xmlns:c16="http://schemas.microsoft.com/office/drawing/2014/chart" uri="{C3380CC4-5D6E-409C-BE32-E72D297353CC}">
+                <c16:uniqueId val="{00000001-61C4-4266-991E-FA71E7C13AC0}"/>
+              </c:ext>
+            </c:extLst>
+          </c:dPt>
+          <c:dPt>
+            <c:idx val="1"/>
+            <c:bubble3D val="0"/>
+            <c:spPr>
+              <a:solidFill>
+                <a:schemeClr val="accent3">
+                  <a:lumMod val="40000"/>
+                  <a:lumOff val="60000"/>
+                </a:schemeClr>
+              </a:solidFill>
+              <a:ln w="19050">
+                <a:solidFill>
+                  <a:schemeClr val="lt1"/>
+                </a:solidFill>
+              </a:ln>
+              <a:effectLst/>
+            </c:spPr>
+            <c:extLst>
+              <c:ext xmlns:c16="http://schemas.microsoft.com/office/drawing/2014/chart" uri="{C3380CC4-5D6E-409C-BE32-E72D297353CC}">
+                <c16:uniqueId val="{00000003-61C4-4266-991E-FA71E7C13AC0}"/>
+              </c:ext>
+            </c:extLst>
+          </c:dPt>
+          <c:cat>
+            <c:strRef>
+              <c:f>Sheet1!$A$2:$A$3</c:f>
+              <c:strCache>
+                <c:ptCount val="2"/>
+                <c:pt idx="0">
+                  <c:v>Male</c:v>
+                </c:pt>
+                <c:pt idx="1">
+                  <c:v>Female</c:v>
+                </c:pt>
+              </c:strCache>
+            </c:strRef>
+          </c:cat>
+          <c:val>
+            <c:numRef>
+              <c:f>Sheet1!$B$2:$B$3</c:f>
+              <c:numCache>
+                <c:formatCode>General</c:formatCode>
+                <c:ptCount val="2"/>
+                <c:pt idx="0">
+                  <c:v>27</c:v>
+                </c:pt>
+                <c:pt idx="1">
+                  <c:v>138</c:v>
+                </c:pt>
+              </c:numCache>
+            </c:numRef>
+          </c:val>
+          <c:extLst>
+            <c:ext xmlns:c16="http://schemas.microsoft.com/office/drawing/2014/chart" uri="{C3380CC4-5D6E-409C-BE32-E72D297353CC}">
+              <c16:uniqueId val="{00000004-61C4-4266-991E-FA71E7C13AC0}"/>
+            </c:ext>
+          </c:extLst>
+        </c:ser>
+        <c:dLbls>
+          <c:showLegendKey val="0"/>
+          <c:showVal val="0"/>
+          <c:showCatName val="0"/>
+          <c:showSerName val="0"/>
+          <c:showPercent val="0"/>
+          <c:showBubbleSize val="0"/>
+          <c:showLeaderLines val="1"/>
+        </c:dLbls>
+        <c:firstSliceAng val="301"/>
+      </c:pieChart>
+      <c:spPr>
+        <a:noFill/>
+        <a:ln>
+          <a:noFill/>
+        </a:ln>
+        <a:effectLst/>
+      </c:spPr>
+    </c:plotArea>
+    <c:plotVisOnly val="1"/>
+    <c:dispBlanksAs val="gap"/>
+    <c:extLst>
+      <c:ext xmlns:c16r3="http://schemas.microsoft.com/office/drawing/2017/03/chart" uri="{56B9EC1D-385E-4148-901F-78D8002777C0}">
+        <c16r3:dataDisplayOptions16>
+          <c16r3:dispNaAsBlank val="1"/>
+        </c16r3:dataDisplayOptions16>
+      </c:ext>
+    </c:extLst>
+    <c:showDLblsOverMax val="0"/>
+  </c:chart>
+  <c:spPr>
+    <a:noFill/>
+    <a:ln>
+      <a:noFill/>
+    </a:ln>
+    <a:effectLst/>
+  </c:spPr>
+  <c:txPr>
+    <a:bodyPr/>
+    <a:lstStyle/>
+    <a:p>
+      <a:pPr>
+        <a:defRPr/>
+      </a:pPr>
+      <a:endParaRPr lang="en-US"/>
+    </a:p>
+  </c:txPr>
+  <c:externalData r:id="rId4">
+    <c:autoUpdate val="0"/>
+  </c:externalData>
+</c:chartSpace>
+</file>
+
+<file path=ppt/charts/colors1.xml><?xml version="1.0" encoding="utf-8"?>
+<cs:colorStyle xmlns:cs="http://schemas.microsoft.com/office/drawing/2012/chartStyle" xmlns:a="http://schemas.openxmlformats.org/drawingml/2006/main" meth="cycle" id="10">
+  <a:schemeClr val="accent1"/>
+  <a:schemeClr val="accent2"/>
+  <a:schemeClr val="accent3"/>
+  <a:schemeClr val="accent4"/>
+  <a:schemeClr val="accent5"/>
+  <a:schemeClr val="accent6"/>
+  <cs:variation/>
+  <cs:variation>
+    <a:lumMod val="60000"/>
+  </cs:variation>
+  <cs:variation>
+    <a:lumMod val="80000"/>
+    <a:lumOff val="20000"/>
+  </cs:variation>
+  <cs:variation>
+    <a:lumMod val="80000"/>
+  </cs:variation>
+  <cs:variation>
+    <a:lumMod val="60000"/>
+    <a:lumOff val="40000"/>
+  </cs:variation>
+  <cs:variation>
+    <a:lumMod val="50000"/>
+  </cs:variation>
+  <cs:variation>
+    <a:lumMod val="70000"/>
+    <a:lumOff val="30000"/>
+  </cs:variation>
+  <cs:variation>
+    <a:lumMod val="70000"/>
+  </cs:variation>
+  <cs:variation>
+    <a:lumMod val="50000"/>
+    <a:lumOff val="50000"/>
+  </cs:variation>
+</cs:colorStyle>
+</file>
+
+<file path=ppt/charts/colors2.xml><?xml version="1.0" encoding="utf-8"?>
+<cs:colorStyle xmlns:cs="http://schemas.microsoft.com/office/drawing/2012/chartStyle" xmlns:a="http://schemas.openxmlformats.org/drawingml/2006/main" meth="cycle" id="10">
+  <a:schemeClr val="accent1"/>
+  <a:schemeClr val="accent2"/>
+  <a:schemeClr val="accent3"/>
+  <a:schemeClr val="accent4"/>
+  <a:schemeClr val="accent5"/>
+  <a:schemeClr val="accent6"/>
+  <cs:variation/>
+  <cs:variation>
+    <a:lumMod val="60000"/>
+  </cs:variation>
+  <cs:variation>
+    <a:lumMod val="80000"/>
+    <a:lumOff val="20000"/>
+  </cs:variation>
+  <cs:variation>
+    <a:lumMod val="80000"/>
+  </cs:variation>
+  <cs:variation>
+    <a:lumMod val="60000"/>
+    <a:lumOff val="40000"/>
+  </cs:variation>
+  <cs:variation>
+    <a:lumMod val="50000"/>
+  </cs:variation>
+  <cs:variation>
+    <a:lumMod val="70000"/>
+    <a:lumOff val="30000"/>
+  </cs:variation>
+  <cs:variation>
+    <a:lumMod val="70000"/>
+  </cs:variation>
+  <cs:variation>
+    <a:lumMod val="50000"/>
+    <a:lumOff val="50000"/>
+  </cs:variation>
+</cs:colorStyle>
+</file>
+
+<file path=ppt/charts/colors3.xml><?xml version="1.0" encoding="utf-8"?>
+<cs:colorStyle xmlns:cs="http://schemas.microsoft.com/office/drawing/2012/chartStyle" xmlns:a="http://schemas.openxmlformats.org/drawingml/2006/main" meth="cycle" id="10">
+  <a:schemeClr val="accent1"/>
+  <a:schemeClr val="accent2"/>
+  <a:schemeClr val="accent3"/>
+  <a:schemeClr val="accent4"/>
+  <a:schemeClr val="accent5"/>
+  <a:schemeClr val="accent6"/>
+  <cs:variation/>
+  <cs:variation>
+    <a:lumMod val="60000"/>
+  </cs:variation>
+  <cs:variation>
+    <a:lumMod val="80000"/>
+    <a:lumOff val="20000"/>
+  </cs:variation>
+  <cs:variation>
+    <a:lumMod val="80000"/>
+  </cs:variation>
+  <cs:variation>
+    <a:lumMod val="60000"/>
+    <a:lumOff val="40000"/>
+  </cs:variation>
+  <cs:variation>
+    <a:lumMod val="50000"/>
+  </cs:variation>
+  <cs:variation>
+    <a:lumMod val="70000"/>
+    <a:lumOff val="30000"/>
+  </cs:variation>
+  <cs:variation>
+    <a:lumMod val="70000"/>
+  </cs:variation>
+  <cs:variation>
+    <a:lumMod val="50000"/>
+    <a:lumOff val="50000"/>
+  </cs:variation>
+</cs:colorStyle>
+</file>
+
+<file path=ppt/charts/style1.xml><?xml version="1.0" encoding="utf-8"?>
+<cs:chartStyle xmlns:cs="http://schemas.microsoft.com/office/drawing/2012/chartStyle" xmlns:a="http://schemas.openxmlformats.org/drawingml/2006/main" id="251">
+  <cs:axisTitle>
+    <cs:lnRef idx="0"/>
+    <cs:fillRef idx="0"/>
+    <cs:effectRef idx="0"/>
+    <cs:fontRef idx="minor">
+      <a:schemeClr val="tx1">
+        <a:lumMod val="65000"/>
+        <a:lumOff val="35000"/>
+      </a:schemeClr>
+    </cs:fontRef>
+    <cs:defRPr sz="1330" kern="1200"/>
+  </cs:axisTitle>
+  <cs:categoryAxis>
+    <cs:lnRef idx="0"/>
+    <cs:fillRef idx="0"/>
+    <cs:effectRef idx="0"/>
+    <cs:fontRef idx="minor">
+      <a:schemeClr val="tx1">
+        <a:lumMod val="65000"/>
+        <a:lumOff val="35000"/>
+      </a:schemeClr>
+    </cs:fontRef>
+    <cs:spPr>
+      <a:ln w="9525" cap="flat" cmpd="sng" algn="ctr">
+        <a:solidFill>
+          <a:schemeClr val="tx1">
+            <a:lumMod val="15000"/>
+            <a:lumOff val="85000"/>
+          </a:schemeClr>
+        </a:solidFill>
+        <a:round/>
+      </a:ln>
+    </cs:spPr>
+    <cs:defRPr sz="1197" kern="1200"/>
+  </cs:categoryAxis>
+  <cs:chartArea mods="allowNoFillOverride allowNoLineOverride">
+    <cs:lnRef idx="0"/>
+    <cs:fillRef idx="0"/>
+    <cs:effectRef idx="0"/>
+    <cs:fontRef idx="minor">
+      <a:schemeClr val="tx1"/>
+    </cs:fontRef>
+    <cs:spPr>
+      <a:solidFill>
+        <a:schemeClr val="bg1"/>
+      </a:solidFill>
+      <a:ln w="9525" cap="flat" cmpd="sng" algn="ctr">
+        <a:solidFill>
+          <a:schemeClr val="tx1">
+            <a:lumMod val="15000"/>
+            <a:lumOff val="85000"/>
+          </a:schemeClr>
+        </a:solidFill>
+        <a:round/>
+      </a:ln>
+    </cs:spPr>
+    <cs:defRPr sz="1197" kern="1200"/>
+  </cs:chartArea>
+  <cs:dataLabel>
+    <cs:lnRef idx="0"/>
+    <cs:fillRef idx="0"/>
+    <cs:effectRef idx="0"/>
+    <cs:fontRef idx="minor">
+      <a:schemeClr val="tx1">
+        <a:lumMod val="75000"/>
+        <a:lumOff val="25000"/>
+      </a:schemeClr>
+    </cs:fontRef>
+    <cs:defRPr sz="1197" kern="1200"/>
+  </cs:dataLabel>
+  <cs:dataLabelCallout>
+    <cs:lnRef idx="0"/>
+    <cs:fillRef idx="0"/>
+    <cs:effectRef idx="0"/>
+    <cs:fontRef idx="minor">
+      <a:schemeClr val="dk1">
+        <a:lumMod val="65000"/>
+        <a:lumOff val="35000"/>
+      </a:schemeClr>
+    </cs:fontRef>
+    <cs:spPr>
+      <a:solidFill>
+        <a:schemeClr val="lt1"/>
+      </a:solidFill>
+      <a:ln>
+        <a:solidFill>
+          <a:schemeClr val="dk1">
+            <a:lumMod val="25000"/>
+            <a:lumOff val="75000"/>
+          </a:schemeClr>
+        </a:solidFill>
+      </a:ln>
+    </cs:spPr>
+    <cs:defRPr sz="1197" kern="1200"/>
+    <cs:bodyPr rot="0" spcFirstLastPara="1" vertOverflow="clip" horzOverflow="clip" vert="horz" wrap="square" lIns="36576" tIns="18288" rIns="36576" bIns="18288" anchor="ctr" anchorCtr="1">
+      <a:spAutoFit/>
+    </cs:bodyPr>
+  </cs:dataLabelCallout>
+  <cs:dataPoint>
+    <cs:lnRef idx="0"/>
+    <cs:fillRef idx="1">
+      <cs:styleClr val="auto"/>
+    </cs:fillRef>
+    <cs:effectRef idx="0"/>
+    <cs:fontRef idx="minor">
+      <a:schemeClr val="tx1"/>
+    </cs:fontRef>
+    <cs:spPr>
+      <a:ln w="19050">
+        <a:solidFill>
+          <a:schemeClr val="lt1"/>
+        </a:solidFill>
+      </a:ln>
+    </cs:spPr>
+  </cs:dataPoint>
+  <cs:dataPoint3D>
+    <cs:lnRef idx="0"/>
+    <cs:fillRef idx="1">
+      <cs:styleClr val="auto"/>
+    </cs:fillRef>
+    <cs:effectRef idx="0"/>
+    <cs:fontRef idx="minor">
+      <a:schemeClr val="tx1"/>
+    </cs:fontRef>
+    <cs:spPr>
+      <a:ln w="25400">
+        <a:solidFill>
+          <a:schemeClr val="lt1"/>
+        </a:solidFill>
+      </a:ln>
+    </cs:spPr>
+  </cs:dataPoint3D>
+  <cs:dataPointLine>
+    <cs:lnRef idx="0">
+      <cs:styleClr val="auto"/>
+    </cs:lnRef>
+    <cs:fillRef idx="0"/>
+    <cs:effectRef idx="0"/>
+    <cs:fontRef idx="minor">
+      <a:schemeClr val="tx1"/>
+    </cs:fontRef>
+    <cs:spPr>
+      <a:ln w="28575" cap="rnd">
+        <a:solidFill>
+          <a:schemeClr val="phClr"/>
+        </a:solidFill>
+        <a:round/>
+      </a:ln>
+    </cs:spPr>
+  </cs:dataPointLine>
+  <cs:dataPointMarker>
+    <cs:lnRef idx="0">
+      <cs:styleClr val="auto"/>
+    </cs:lnRef>
+    <cs:fillRef idx="1">
+      <cs:styleClr val="auto"/>
+    </cs:fillRef>
+    <cs:effectRef idx="0"/>
+    <cs:fontRef idx="minor">
+      <a:schemeClr val="tx1"/>
+    </cs:fontRef>
+    <cs:spPr>
+      <a:ln w="9525">
+        <a:solidFill>
+          <a:schemeClr val="phClr"/>
+        </a:solidFill>
+      </a:ln>
+    </cs:spPr>
+  </cs:dataPointMarker>
+  <cs:dataPointMarkerLayout symbol="circle" size="5"/>
+  <cs:dataPointWireframe>
+    <cs:lnRef idx="0">
+      <cs:styleClr val="auto"/>
+    </cs:lnRef>
+    <cs:fillRef idx="0"/>
+    <cs:effectRef idx="0"/>
+    <cs:fontRef idx="minor">
+      <a:schemeClr val="tx1"/>
+    </cs:fontRef>
+    <cs:spPr>
+      <a:ln w="9525" cap="rnd">
+        <a:solidFill>
+          <a:schemeClr val="phClr"/>
+        </a:solidFill>
+        <a:round/>
+      </a:ln>
+    </cs:spPr>
+  </cs:dataPointWireframe>
+  <cs:dataTable>
+    <cs:lnRef idx="0"/>
+    <cs:fillRef idx="0"/>
+    <cs:effectRef idx="0"/>
+    <cs:fontRef idx="minor">
+      <a:schemeClr val="tx1">
+        <a:lumMod val="65000"/>
+        <a:lumOff val="35000"/>
+      </a:schemeClr>
+    </cs:fontRef>
+    <cs:spPr>
+      <a:noFill/>
+      <a:ln w="9525" cap="flat" cmpd="sng" algn="ctr">
+        <a:solidFill>
+          <a:schemeClr val="tx1">
+            <a:lumMod val="15000"/>
+            <a:lumOff val="85000"/>
+          </a:schemeClr>
+        </a:solidFill>
+        <a:round/>
+      </a:ln>
+    </cs:spPr>
+    <cs:defRPr sz="1197" kern="1200"/>
+  </cs:dataTable>
+  <cs:downBar>
+    <cs:lnRef idx="0"/>
+    <cs:fillRef idx="0"/>
+    <cs:effectRef idx="0"/>
+    <cs:fontRef idx="minor">
+      <a:schemeClr val="tx1"/>
+    </cs:fontRef>
+    <cs:spPr>
+      <a:solidFill>
+        <a:schemeClr val="dk1">
+          <a:lumMod val="75000"/>
+          <a:lumOff val="25000"/>
+        </a:schemeClr>
+      </a:solidFill>
+      <a:ln w="9525" cap="flat" cmpd="sng" algn="ctr">
+        <a:solidFill>
+          <a:schemeClr val="tx1">
+            <a:lumMod val="65000"/>
+            <a:lumOff val="35000"/>
+          </a:schemeClr>
+        </a:solidFill>
+        <a:round/>
+      </a:ln>
+    </cs:spPr>
+  </cs:downBar>
+  <cs:dropLine>
+    <cs:lnRef idx="0"/>
+    <cs:fillRef idx="0"/>
+    <cs:effectRef idx="0"/>
+    <cs:fontRef idx="minor">
+      <a:schemeClr val="tx1"/>
+    </cs:fontRef>
+    <cs:spPr>
+      <a:ln w="9525" cap="flat" cmpd="sng" algn="ctr">
+        <a:solidFill>
+          <a:schemeClr val="tx1">
+            <a:lumMod val="35000"/>
+            <a:lumOff val="65000"/>
+          </a:schemeClr>
+        </a:solidFill>
+        <a:round/>
+      </a:ln>
+    </cs:spPr>
+  </cs:dropLine>
+  <cs:errorBar>
+    <cs:lnRef idx="0"/>
+    <cs:fillRef idx="0"/>
+    <cs:effectRef idx="0"/>
+    <cs:fontRef idx="minor">
+      <a:schemeClr val="tx1"/>
+    </cs:fontRef>
+    <cs:spPr>
+      <a:ln w="9525" cap="flat" cmpd="sng" algn="ctr">
+        <a:solidFill>
+          <a:schemeClr val="tx1">
+            <a:lumMod val="65000"/>
+            <a:lumOff val="35000"/>
+          </a:schemeClr>
+        </a:solidFill>
+        <a:round/>
+      </a:ln>
+    </cs:spPr>
+  </cs:errorBar>
+  <cs:floor>
+    <cs:lnRef idx="0"/>
+    <cs:fillRef idx="0"/>
+    <cs:effectRef idx="0"/>
+    <cs:fontRef idx="minor">
+      <a:schemeClr val="tx1"/>
+    </cs:fontRef>
+    <cs:spPr>
+      <a:noFill/>
+      <a:ln>
+        <a:noFill/>
+      </a:ln>
+    </cs:spPr>
+  </cs:floor>
+  <cs:gridlineMajor>
+    <cs:lnRef idx="0"/>
+    <cs:fillRef idx="0"/>
+    <cs:effectRef idx="0"/>
+    <cs:fontRef idx="minor">
+      <a:schemeClr val="tx1"/>
+    </cs:fontRef>
+    <cs:spPr>
+      <a:ln w="9525" cap="flat" cmpd="sng" algn="ctr">
+        <a:solidFill>
+          <a:schemeClr val="tx1">
+            <a:lumMod val="15000"/>
+            <a:lumOff val="85000"/>
+          </a:schemeClr>
+        </a:solidFill>
+        <a:round/>
+      </a:ln>
+    </cs:spPr>
+  </cs:gridlineMajor>
+  <cs:gridlineMinor>
+    <cs:lnRef idx="0"/>
+    <cs:fillRef idx="0"/>
+    <cs:effectRef idx="0"/>
+    <cs:fontRef idx="minor">
+      <a:schemeClr val="tx1"/>
+    </cs:fontRef>
+    <cs:spPr>
+      <a:ln w="9525" cap="flat" cmpd="sng" algn="ctr">
+        <a:solidFill>
+          <a:schemeClr val="tx1">
+            <a:lumMod val="5000"/>
+            <a:lumOff val="95000"/>
+          </a:schemeClr>
+        </a:solidFill>
+        <a:round/>
+      </a:ln>
+    </cs:spPr>
+  </cs:gridlineMinor>
+  <cs:hiLoLine>
+    <cs:lnRef idx="0"/>
+    <cs:fillRef idx="0"/>
+    <cs:effectRef idx="0"/>
+    <cs:fontRef idx="minor">
+      <a:schemeClr val="tx1"/>
+    </cs:fontRef>
+    <cs:spPr>
+      <a:ln w="9525" cap="flat" cmpd="sng" algn="ctr">
+        <a:solidFill>
+          <a:schemeClr val="tx1">
+            <a:lumMod val="50000"/>
+            <a:lumOff val="50000"/>
+          </a:schemeClr>
+        </a:solidFill>
+        <a:round/>
+      </a:ln>
+    </cs:spPr>
+  </cs:hiLoLine>
+  <cs:leaderLine>
+    <cs:lnRef idx="0"/>
+    <cs:fillRef idx="0"/>
+    <cs:effectRef idx="0"/>
+    <cs:fontRef idx="minor">
+      <a:schemeClr val="tx1"/>
+    </cs:fontRef>
+    <cs:spPr>
+      <a:ln w="9525" cap="flat" cmpd="sng" algn="ctr">
+        <a:solidFill>
+          <a:schemeClr val="tx1">
+            <a:lumMod val="35000"/>
+            <a:lumOff val="65000"/>
+          </a:schemeClr>
+        </a:solidFill>
+        <a:round/>
+      </a:ln>
+    </cs:spPr>
+  </cs:leaderLine>
+  <cs:legend>
+    <cs:lnRef idx="0"/>
+    <cs:fillRef idx="0"/>
+    <cs:effectRef idx="0"/>
+    <cs:fontRef idx="minor">
+      <a:schemeClr val="tx1">
+        <a:lumMod val="65000"/>
+        <a:lumOff val="35000"/>
+      </a:schemeClr>
+    </cs:fontRef>
+    <cs:defRPr sz="1197" kern="1200"/>
+  </cs:legend>
+  <cs:plotArea mods="allowNoFillOverride allowNoLineOverride">
+    <cs:lnRef idx="0"/>
+    <cs:fillRef idx="0"/>
+    <cs:effectRef idx="0"/>
+    <cs:fontRef idx="minor">
+      <a:schemeClr val="tx1"/>
+    </cs:fontRef>
+  </cs:plotArea>
+  <cs:plotArea3D mods="allowNoFillOverride allowNoLineOverride">
+    <cs:lnRef idx="0"/>
+    <cs:fillRef idx="0"/>
+    <cs:effectRef idx="0"/>
+    <cs:fontRef idx="minor">
+      <a:schemeClr val="tx1"/>
+    </cs:fontRef>
+  </cs:plotArea3D>
+  <cs:seriesAxis>
+    <cs:lnRef idx="0"/>
+    <cs:fillRef idx="0"/>
+    <cs:effectRef idx="0"/>
+    <cs:fontRef idx="minor">
+      <a:schemeClr val="tx1">
+        <a:lumMod val="65000"/>
+        <a:lumOff val="35000"/>
+      </a:schemeClr>
+    </cs:fontRef>
+    <cs:defRPr sz="1197" kern="1200"/>
+  </cs:seriesAxis>
+  <cs:seriesLine>
+    <cs:lnRef idx="0"/>
+    <cs:fillRef idx="0"/>
+    <cs:effectRef idx="0"/>
+    <cs:fontRef idx="minor">
+      <a:schemeClr val="tx1"/>
+    </cs:fontRef>
+    <cs:spPr>
+      <a:ln w="9525" cap="flat" cmpd="sng" algn="ctr">
+        <a:solidFill>
+          <a:schemeClr val="tx1">
+            <a:lumMod val="35000"/>
+            <a:lumOff val="65000"/>
+          </a:schemeClr>
+        </a:solidFill>
+        <a:round/>
+      </a:ln>
+    </cs:spPr>
+  </cs:seriesLine>
+  <cs:title>
+    <cs:lnRef idx="0"/>
+    <cs:fillRef idx="0"/>
+    <cs:effectRef idx="0"/>
+    <cs:fontRef idx="minor">
+      <a:schemeClr val="tx1">
+        <a:lumMod val="65000"/>
+        <a:lumOff val="35000"/>
+      </a:schemeClr>
+    </cs:fontRef>
+    <cs:defRPr sz="1862" b="0" kern="1200" spc="0" baseline="0"/>
+  </cs:title>
+  <cs:trendline>
+    <cs:lnRef idx="0">
+      <cs:styleClr val="auto"/>
+    </cs:lnRef>
+    <cs:fillRef idx="0"/>
+    <cs:effectRef idx="0"/>
+    <cs:fontRef idx="minor">
+      <a:schemeClr val="tx1"/>
+    </cs:fontRef>
+    <cs:spPr>
+      <a:ln w="19050" cap="rnd">
+        <a:solidFill>
+          <a:schemeClr val="phClr"/>
+        </a:solidFill>
+        <a:prstDash val="sysDot"/>
+      </a:ln>
+    </cs:spPr>
+  </cs:trendline>
+  <cs:trendlineLabel>
+    <cs:lnRef idx="0"/>
+    <cs:fillRef idx="0"/>
+    <cs:effectRef idx="0"/>
+    <cs:fontRef idx="minor">
+      <a:schemeClr val="tx1">
+        <a:lumMod val="65000"/>
+        <a:lumOff val="35000"/>
+      </a:schemeClr>
+    </cs:fontRef>
+    <cs:defRPr sz="1197" kern="1200"/>
+  </cs:trendlineLabel>
+  <cs:upBar>
+    <cs:lnRef idx="0"/>
+    <cs:fillRef idx="0"/>
+    <cs:effectRef idx="0"/>
+    <cs:fontRef idx="minor">
+      <a:schemeClr val="tx1"/>
+    </cs:fontRef>
+    <cs:spPr>
+      <a:solidFill>
+        <a:schemeClr val="lt1"/>
+      </a:solidFill>
+      <a:ln w="9525" cap="flat" cmpd="sng" algn="ctr">
+        <a:solidFill>
+          <a:schemeClr val="tx1">
+            <a:lumMod val="65000"/>
+            <a:lumOff val="35000"/>
+          </a:schemeClr>
+        </a:solidFill>
+        <a:round/>
+      </a:ln>
+    </cs:spPr>
+  </cs:upBar>
+  <cs:valueAxis>
+    <cs:lnRef idx="0"/>
+    <cs:fillRef idx="0"/>
+    <cs:effectRef idx="0"/>
+    <cs:fontRef idx="minor">
+      <a:schemeClr val="tx1">
+        <a:lumMod val="65000"/>
+        <a:lumOff val="35000"/>
+      </a:schemeClr>
+    </cs:fontRef>
+    <cs:defRPr sz="1197" kern="1200"/>
+  </cs:valueAxis>
+  <cs:wall>
+    <cs:lnRef idx="0"/>
+    <cs:fillRef idx="0"/>
+    <cs:effectRef idx="0"/>
+    <cs:fontRef idx="minor">
+      <a:schemeClr val="tx1"/>
+    </cs:fontRef>
+    <cs:spPr>
+      <a:noFill/>
+      <a:ln>
+        <a:noFill/>
+      </a:ln>
+    </cs:spPr>
+  </cs:wall>
+</cs:chartStyle>
+</file>
+
+<file path=ppt/charts/style2.xml><?xml version="1.0" encoding="utf-8"?>
+<cs:chartStyle xmlns:cs="http://schemas.microsoft.com/office/drawing/2012/chartStyle" xmlns:a="http://schemas.openxmlformats.org/drawingml/2006/main" id="251">
+  <cs:axisTitle>
+    <cs:lnRef idx="0"/>
+    <cs:fillRef idx="0"/>
+    <cs:effectRef idx="0"/>
+    <cs:fontRef idx="minor">
+      <a:schemeClr val="tx1">
+        <a:lumMod val="65000"/>
+        <a:lumOff val="35000"/>
+      </a:schemeClr>
+    </cs:fontRef>
+    <cs:defRPr sz="1330" kern="1200"/>
+  </cs:axisTitle>
+  <cs:categoryAxis>
+    <cs:lnRef idx="0"/>
+    <cs:fillRef idx="0"/>
+    <cs:effectRef idx="0"/>
+    <cs:fontRef idx="minor">
+      <a:schemeClr val="tx1">
+        <a:lumMod val="65000"/>
+        <a:lumOff val="35000"/>
+      </a:schemeClr>
+    </cs:fontRef>
+    <cs:spPr>
+      <a:ln w="9525" cap="flat" cmpd="sng" algn="ctr">
+        <a:solidFill>
+          <a:schemeClr val="tx1">
+            <a:lumMod val="15000"/>
+            <a:lumOff val="85000"/>
+          </a:schemeClr>
+        </a:solidFill>
+        <a:round/>
+      </a:ln>
+    </cs:spPr>
+    <cs:defRPr sz="1197" kern="1200"/>
+  </cs:categoryAxis>
+  <cs:chartArea mods="allowNoFillOverride allowNoLineOverride">
+    <cs:lnRef idx="0"/>
+    <cs:fillRef idx="0"/>
+    <cs:effectRef idx="0"/>
+    <cs:fontRef idx="minor">
+      <a:schemeClr val="tx1"/>
+    </cs:fontRef>
+    <cs:spPr>
+      <a:solidFill>
+        <a:schemeClr val="bg1"/>
+      </a:solidFill>
+      <a:ln w="9525" cap="flat" cmpd="sng" algn="ctr">
+        <a:solidFill>
+          <a:schemeClr val="tx1">
+            <a:lumMod val="15000"/>
+            <a:lumOff val="85000"/>
+          </a:schemeClr>
+        </a:solidFill>
+        <a:round/>
+      </a:ln>
+    </cs:spPr>
+    <cs:defRPr sz="1197" kern="1200"/>
+  </cs:chartArea>
+  <cs:dataLabel>
+    <cs:lnRef idx="0"/>
+    <cs:fillRef idx="0"/>
+    <cs:effectRef idx="0"/>
+    <cs:fontRef idx="minor">
+      <a:schemeClr val="tx1">
+        <a:lumMod val="75000"/>
+        <a:lumOff val="25000"/>
+      </a:schemeClr>
+    </cs:fontRef>
+    <cs:defRPr sz="1197" kern="1200"/>
+  </cs:dataLabel>
+  <cs:dataLabelCallout>
+    <cs:lnRef idx="0"/>
+    <cs:fillRef idx="0"/>
+    <cs:effectRef idx="0"/>
+    <cs:fontRef idx="minor">
+      <a:schemeClr val="dk1">
+        <a:lumMod val="65000"/>
+        <a:lumOff val="35000"/>
+      </a:schemeClr>
+    </cs:fontRef>
+    <cs:spPr>
+      <a:solidFill>
+        <a:schemeClr val="lt1"/>
+      </a:solidFill>
+      <a:ln>
+        <a:solidFill>
+          <a:schemeClr val="dk1">
+            <a:lumMod val="25000"/>
+            <a:lumOff val="75000"/>
+          </a:schemeClr>
+        </a:solidFill>
+      </a:ln>
+    </cs:spPr>
+    <cs:defRPr sz="1197" kern="1200"/>
+    <cs:bodyPr rot="0" spcFirstLastPara="1" vertOverflow="clip" horzOverflow="clip" vert="horz" wrap="square" lIns="36576" tIns="18288" rIns="36576" bIns="18288" anchor="ctr" anchorCtr="1">
+      <a:spAutoFit/>
+    </cs:bodyPr>
+  </cs:dataLabelCallout>
+  <cs:dataPoint>
+    <cs:lnRef idx="0"/>
+    <cs:fillRef idx="1">
+      <cs:styleClr val="auto"/>
+    </cs:fillRef>
+    <cs:effectRef idx="0"/>
+    <cs:fontRef idx="minor">
+      <a:schemeClr val="tx1"/>
+    </cs:fontRef>
+    <cs:spPr>
+      <a:ln w="19050">
+        <a:solidFill>
+          <a:schemeClr val="lt1"/>
+        </a:solidFill>
+      </a:ln>
+    </cs:spPr>
+  </cs:dataPoint>
+  <cs:dataPoint3D>
+    <cs:lnRef idx="0"/>
+    <cs:fillRef idx="1">
+      <cs:styleClr val="auto"/>
+    </cs:fillRef>
+    <cs:effectRef idx="0"/>
+    <cs:fontRef idx="minor">
+      <a:schemeClr val="tx1"/>
+    </cs:fontRef>
+    <cs:spPr>
+      <a:ln w="25400">
+        <a:solidFill>
+          <a:schemeClr val="lt1"/>
+        </a:solidFill>
+      </a:ln>
+    </cs:spPr>
+  </cs:dataPoint3D>
+  <cs:dataPointLine>
+    <cs:lnRef idx="0">
+      <cs:styleClr val="auto"/>
+    </cs:lnRef>
+    <cs:fillRef idx="0"/>
+    <cs:effectRef idx="0"/>
+    <cs:fontRef idx="minor">
+      <a:schemeClr val="tx1"/>
+    </cs:fontRef>
+    <cs:spPr>
+      <a:ln w="28575" cap="rnd">
+        <a:solidFill>
+          <a:schemeClr val="phClr"/>
+        </a:solidFill>
+        <a:round/>
+      </a:ln>
+    </cs:spPr>
+  </cs:dataPointLine>
+  <cs:dataPointMarker>
+    <cs:lnRef idx="0">
+      <cs:styleClr val="auto"/>
+    </cs:lnRef>
+    <cs:fillRef idx="1">
+      <cs:styleClr val="auto"/>
+    </cs:fillRef>
+    <cs:effectRef idx="0"/>
+    <cs:fontRef idx="minor">
+      <a:schemeClr val="tx1"/>
+    </cs:fontRef>
+    <cs:spPr>
+      <a:ln w="9525">
+        <a:solidFill>
+          <a:schemeClr val="phClr"/>
+        </a:solidFill>
+      </a:ln>
+    </cs:spPr>
+  </cs:dataPointMarker>
+  <cs:dataPointMarkerLayout symbol="circle" size="5"/>
+  <cs:dataPointWireframe>
+    <cs:lnRef idx="0">
+      <cs:styleClr val="auto"/>
+    </cs:lnRef>
+    <cs:fillRef idx="0"/>
+    <cs:effectRef idx="0"/>
+    <cs:fontRef idx="minor">
+      <a:schemeClr val="tx1"/>
+    </cs:fontRef>
+    <cs:spPr>
+      <a:ln w="9525" cap="rnd">
+        <a:solidFill>
+          <a:schemeClr val="phClr"/>
+        </a:solidFill>
+        <a:round/>
+      </a:ln>
+    </cs:spPr>
+  </cs:dataPointWireframe>
+  <cs:dataTable>
+    <cs:lnRef idx="0"/>
+    <cs:fillRef idx="0"/>
+    <cs:effectRef idx="0"/>
+    <cs:fontRef idx="minor">
+      <a:schemeClr val="tx1">
+        <a:lumMod val="65000"/>
+        <a:lumOff val="35000"/>
+      </a:schemeClr>
+    </cs:fontRef>
+    <cs:spPr>
+      <a:noFill/>
+      <a:ln w="9525" cap="flat" cmpd="sng" algn="ctr">
+        <a:solidFill>
+          <a:schemeClr val="tx1">
+            <a:lumMod val="15000"/>
+            <a:lumOff val="85000"/>
+          </a:schemeClr>
+        </a:solidFill>
+        <a:round/>
+      </a:ln>
+    </cs:spPr>
+    <cs:defRPr sz="1197" kern="1200"/>
+  </cs:dataTable>
+  <cs:downBar>
+    <cs:lnRef idx="0"/>
+    <cs:fillRef idx="0"/>
+    <cs:effectRef idx="0"/>
+    <cs:fontRef idx="minor">
+      <a:schemeClr val="tx1"/>
+    </cs:fontRef>
+    <cs:spPr>
+      <a:solidFill>
+        <a:schemeClr val="dk1">
+          <a:lumMod val="75000"/>
+          <a:lumOff val="25000"/>
+        </a:schemeClr>
+      </a:solidFill>
+      <a:ln w="9525" cap="flat" cmpd="sng" algn="ctr">
+        <a:solidFill>
+          <a:schemeClr val="tx1">
+            <a:lumMod val="65000"/>
+            <a:lumOff val="35000"/>
+          </a:schemeClr>
+        </a:solidFill>
+        <a:round/>
+      </a:ln>
+    </cs:spPr>
+  </cs:downBar>
+  <cs:dropLine>
+    <cs:lnRef idx="0"/>
+    <cs:fillRef idx="0"/>
+    <cs:effectRef idx="0"/>
+    <cs:fontRef idx="minor">
+      <a:schemeClr val="tx1"/>
+    </cs:fontRef>
+    <cs:spPr>
+      <a:ln w="9525" cap="flat" cmpd="sng" algn="ctr">
+        <a:solidFill>
+          <a:schemeClr val="tx1">
+            <a:lumMod val="35000"/>
+            <a:lumOff val="65000"/>
+          </a:schemeClr>
+        </a:solidFill>
+        <a:round/>
+      </a:ln>
+    </cs:spPr>
+  </cs:dropLine>
+  <cs:errorBar>
+    <cs:lnRef idx="0"/>
+    <cs:fillRef idx="0"/>
+    <cs:effectRef idx="0"/>
+    <cs:fontRef idx="minor">
+      <a:schemeClr val="tx1"/>
+    </cs:fontRef>
+    <cs:spPr>
+      <a:ln w="9525" cap="flat" cmpd="sng" algn="ctr">
+        <a:solidFill>
+          <a:schemeClr val="tx1">
+            <a:lumMod val="65000"/>
+            <a:lumOff val="35000"/>
+          </a:schemeClr>
+        </a:solidFill>
+        <a:round/>
+      </a:ln>
+    </cs:spPr>
+  </cs:errorBar>
+  <cs:floor>
+    <cs:lnRef idx="0"/>
+    <cs:fillRef idx="0"/>
+    <cs:effectRef idx="0"/>
+    <cs:fontRef idx="minor">
+      <a:schemeClr val="tx1"/>
+    </cs:fontRef>
+    <cs:spPr>
+      <a:noFill/>
+      <a:ln>
+        <a:noFill/>
+      </a:ln>
+    </cs:spPr>
+  </cs:floor>
+  <cs:gridlineMajor>
+    <cs:lnRef idx="0"/>
+    <cs:fillRef idx="0"/>
+    <cs:effectRef idx="0"/>
+    <cs:fontRef idx="minor">
+      <a:schemeClr val="tx1"/>
+    </cs:fontRef>
+    <cs:spPr>
+      <a:ln w="9525" cap="flat" cmpd="sng" algn="ctr">
+        <a:solidFill>
+          <a:schemeClr val="tx1">
+            <a:lumMod val="15000"/>
+            <a:lumOff val="85000"/>
+          </a:schemeClr>
+        </a:solidFill>
+        <a:round/>
+      </a:ln>
+    </cs:spPr>
+  </cs:gridlineMajor>
+  <cs:gridlineMinor>
+    <cs:lnRef idx="0"/>
+    <cs:fillRef idx="0"/>
+    <cs:effectRef idx="0"/>
+    <cs:fontRef idx="minor">
+      <a:schemeClr val="tx1"/>
+    </cs:fontRef>
+    <cs:spPr>
+      <a:ln w="9525" cap="flat" cmpd="sng" algn="ctr">
+        <a:solidFill>
+          <a:schemeClr val="tx1">
+            <a:lumMod val="5000"/>
+            <a:lumOff val="95000"/>
+          </a:schemeClr>
+        </a:solidFill>
+        <a:round/>
+      </a:ln>
+    </cs:spPr>
+  </cs:gridlineMinor>
+  <cs:hiLoLine>
+    <cs:lnRef idx="0"/>
+    <cs:fillRef idx="0"/>
+    <cs:effectRef idx="0"/>
+    <cs:fontRef idx="minor">
+      <a:schemeClr val="tx1"/>
+    </cs:fontRef>
+    <cs:spPr>
+      <a:ln w="9525" cap="flat" cmpd="sng" algn="ctr">
+        <a:solidFill>
+          <a:schemeClr val="tx1">
+            <a:lumMod val="50000"/>
+            <a:lumOff val="50000"/>
+          </a:schemeClr>
+        </a:solidFill>
+        <a:round/>
+      </a:ln>
+    </cs:spPr>
+  </cs:hiLoLine>
+  <cs:leaderLine>
+    <cs:lnRef idx="0"/>
+    <cs:fillRef idx="0"/>
+    <cs:effectRef idx="0"/>
+    <cs:fontRef idx="minor">
+      <a:schemeClr val="tx1"/>
+    </cs:fontRef>
+    <cs:spPr>
+      <a:ln w="9525" cap="flat" cmpd="sng" algn="ctr">
+        <a:solidFill>
+          <a:schemeClr val="tx1">
+            <a:lumMod val="35000"/>
+            <a:lumOff val="65000"/>
+          </a:schemeClr>
+        </a:solidFill>
+        <a:round/>
+      </a:ln>
+    </cs:spPr>
+  </cs:leaderLine>
+  <cs:legend>
+    <cs:lnRef idx="0"/>
+    <cs:fillRef idx="0"/>
+    <cs:effectRef idx="0"/>
+    <cs:fontRef idx="minor">
+      <a:schemeClr val="tx1">
+        <a:lumMod val="65000"/>
+        <a:lumOff val="35000"/>
+      </a:schemeClr>
+    </cs:fontRef>
+    <cs:defRPr sz="1197" kern="1200"/>
+  </cs:legend>
+  <cs:plotArea mods="allowNoFillOverride allowNoLineOverride">
+    <cs:lnRef idx="0"/>
+    <cs:fillRef idx="0"/>
+    <cs:effectRef idx="0"/>
+    <cs:fontRef idx="minor">
+      <a:schemeClr val="tx1"/>
+    </cs:fontRef>
+  </cs:plotArea>
+  <cs:plotArea3D mods="allowNoFillOverride allowNoLineOverride">
+    <cs:lnRef idx="0"/>
+    <cs:fillRef idx="0"/>
+    <cs:effectRef idx="0"/>
+    <cs:fontRef idx="minor">
+      <a:schemeClr val="tx1"/>
+    </cs:fontRef>
+  </cs:plotArea3D>
+  <cs:seriesAxis>
+    <cs:lnRef idx="0"/>
+    <cs:fillRef idx="0"/>
+    <cs:effectRef idx="0"/>
+    <cs:fontRef idx="minor">
+      <a:schemeClr val="tx1">
+        <a:lumMod val="65000"/>
+        <a:lumOff val="35000"/>
+      </a:schemeClr>
+    </cs:fontRef>
+    <cs:defRPr sz="1197" kern="1200"/>
+  </cs:seriesAxis>
+  <cs:seriesLine>
+    <cs:lnRef idx="0"/>
+    <cs:fillRef idx="0"/>
+    <cs:effectRef idx="0"/>
+    <cs:fontRef idx="minor">
+      <a:schemeClr val="tx1"/>
+    </cs:fontRef>
+    <cs:spPr>
+      <a:ln w="9525" cap="flat" cmpd="sng" algn="ctr">
+        <a:solidFill>
+          <a:schemeClr val="tx1">
+            <a:lumMod val="35000"/>
+            <a:lumOff val="65000"/>
+          </a:schemeClr>
+        </a:solidFill>
+        <a:round/>
+      </a:ln>
+    </cs:spPr>
+  </cs:seriesLine>
+  <cs:title>
+    <cs:lnRef idx="0"/>
+    <cs:fillRef idx="0"/>
+    <cs:effectRef idx="0"/>
+    <cs:fontRef idx="minor">
+      <a:schemeClr val="tx1">
+        <a:lumMod val="65000"/>
+        <a:lumOff val="35000"/>
+      </a:schemeClr>
+    </cs:fontRef>
+    <cs:defRPr sz="1862" b="0" kern="1200" spc="0" baseline="0"/>
+  </cs:title>
+  <cs:trendline>
+    <cs:lnRef idx="0">
+      <cs:styleClr val="auto"/>
+    </cs:lnRef>
+    <cs:fillRef idx="0"/>
+    <cs:effectRef idx="0"/>
+    <cs:fontRef idx="minor">
+      <a:schemeClr val="tx1"/>
+    </cs:fontRef>
+    <cs:spPr>
+      <a:ln w="19050" cap="rnd">
+        <a:solidFill>
+          <a:schemeClr val="phClr"/>
+        </a:solidFill>
+        <a:prstDash val="sysDot"/>
+      </a:ln>
+    </cs:spPr>
+  </cs:trendline>
+  <cs:trendlineLabel>
+    <cs:lnRef idx="0"/>
+    <cs:fillRef idx="0"/>
+    <cs:effectRef idx="0"/>
+    <cs:fontRef idx="minor">
+      <a:schemeClr val="tx1">
+        <a:lumMod val="65000"/>
+        <a:lumOff val="35000"/>
+      </a:schemeClr>
+    </cs:fontRef>
+    <cs:defRPr sz="1197" kern="1200"/>
+  </cs:trendlineLabel>
+  <cs:upBar>
+    <cs:lnRef idx="0"/>
+    <cs:fillRef idx="0"/>
+    <cs:effectRef idx="0"/>
+    <cs:fontRef idx="minor">
+      <a:schemeClr val="tx1"/>
+    </cs:fontRef>
+    <cs:spPr>
+      <a:solidFill>
+        <a:schemeClr val="lt1"/>
+      </a:solidFill>
+      <a:ln w="9525" cap="flat" cmpd="sng" algn="ctr">
+        <a:solidFill>
+          <a:schemeClr val="tx1">
+            <a:lumMod val="65000"/>
+            <a:lumOff val="35000"/>
+          </a:schemeClr>
+        </a:solidFill>
+        <a:round/>
+      </a:ln>
+    </cs:spPr>
+  </cs:upBar>
+  <cs:valueAxis>
+    <cs:lnRef idx="0"/>
+    <cs:fillRef idx="0"/>
+    <cs:effectRef idx="0"/>
+    <cs:fontRef idx="minor">
+      <a:schemeClr val="tx1">
+        <a:lumMod val="65000"/>
+        <a:lumOff val="35000"/>
+      </a:schemeClr>
+    </cs:fontRef>
+    <cs:defRPr sz="1197" kern="1200"/>
+  </cs:valueAxis>
+  <cs:wall>
+    <cs:lnRef idx="0"/>
+    <cs:fillRef idx="0"/>
+    <cs:effectRef idx="0"/>
+    <cs:fontRef idx="minor">
+      <a:schemeClr val="tx1"/>
+    </cs:fontRef>
+    <cs:spPr>
+      <a:noFill/>
+      <a:ln>
+        <a:noFill/>
+      </a:ln>
+    </cs:spPr>
+  </cs:wall>
+</cs:chartStyle>
+</file>
+
+<file path=ppt/charts/style3.xml><?xml version="1.0" encoding="utf-8"?>
+<cs:chartStyle xmlns:cs="http://schemas.microsoft.com/office/drawing/2012/chartStyle" xmlns:a="http://schemas.openxmlformats.org/drawingml/2006/main" id="251">
+  <cs:axisTitle>
+    <cs:lnRef idx="0"/>
+    <cs:fillRef idx="0"/>
+    <cs:effectRef idx="0"/>
+    <cs:fontRef idx="minor">
+      <a:schemeClr val="tx1">
+        <a:lumMod val="65000"/>
+        <a:lumOff val="35000"/>
+      </a:schemeClr>
+    </cs:fontRef>
+    <cs:defRPr sz="1330" kern="1200"/>
+  </cs:axisTitle>
+  <cs:categoryAxis>
+    <cs:lnRef idx="0"/>
+    <cs:fillRef idx="0"/>
+    <cs:effectRef idx="0"/>
+    <cs:fontRef idx="minor">
+      <a:schemeClr val="tx1">
+        <a:lumMod val="65000"/>
+        <a:lumOff val="35000"/>
+      </a:schemeClr>
+    </cs:fontRef>
+    <cs:spPr>
+      <a:ln w="9525" cap="flat" cmpd="sng" algn="ctr">
+        <a:solidFill>
+          <a:schemeClr val="tx1">
+            <a:lumMod val="15000"/>
+            <a:lumOff val="85000"/>
+          </a:schemeClr>
+        </a:solidFill>
+        <a:round/>
+      </a:ln>
+    </cs:spPr>
+    <cs:defRPr sz="1197" kern="1200"/>
+  </cs:categoryAxis>
+  <cs:chartArea mods="allowNoFillOverride allowNoLineOverride">
+    <cs:lnRef idx="0"/>
+    <cs:fillRef idx="0"/>
+    <cs:effectRef idx="0"/>
+    <cs:fontRef idx="minor">
+      <a:schemeClr val="tx1"/>
+    </cs:fontRef>
+    <cs:spPr>
+      <a:solidFill>
+        <a:schemeClr val="bg1"/>
+      </a:solidFill>
+      <a:ln w="9525" cap="flat" cmpd="sng" algn="ctr">
+        <a:solidFill>
+          <a:schemeClr val="tx1">
+            <a:lumMod val="15000"/>
+            <a:lumOff val="85000"/>
+          </a:schemeClr>
+        </a:solidFill>
+        <a:round/>
+      </a:ln>
+    </cs:spPr>
+    <cs:defRPr sz="1197" kern="1200"/>
+  </cs:chartArea>
+  <cs:dataLabel>
+    <cs:lnRef idx="0"/>
+    <cs:fillRef idx="0"/>
+    <cs:effectRef idx="0"/>
+    <cs:fontRef idx="minor">
+      <a:schemeClr val="tx1">
+        <a:lumMod val="75000"/>
+        <a:lumOff val="25000"/>
+      </a:schemeClr>
+    </cs:fontRef>
+    <cs:defRPr sz="1197" kern="1200"/>
+  </cs:dataLabel>
+  <cs:dataLabelCallout>
+    <cs:lnRef idx="0"/>
+    <cs:fillRef idx="0"/>
+    <cs:effectRef idx="0"/>
+    <cs:fontRef idx="minor">
+      <a:schemeClr val="dk1">
+        <a:lumMod val="65000"/>
+        <a:lumOff val="35000"/>
+      </a:schemeClr>
+    </cs:fontRef>
+    <cs:spPr>
+      <a:solidFill>
+        <a:schemeClr val="lt1"/>
+      </a:solidFill>
+      <a:ln>
+        <a:solidFill>
+          <a:schemeClr val="dk1">
+            <a:lumMod val="25000"/>
+            <a:lumOff val="75000"/>
+          </a:schemeClr>
+        </a:solidFill>
+      </a:ln>
+    </cs:spPr>
+    <cs:defRPr sz="1197" kern="1200"/>
+    <cs:bodyPr rot="0" spcFirstLastPara="1" vertOverflow="clip" horzOverflow="clip" vert="horz" wrap="square" lIns="36576" tIns="18288" rIns="36576" bIns="18288" anchor="ctr" anchorCtr="1">
+      <a:spAutoFit/>
+    </cs:bodyPr>
+  </cs:dataLabelCallout>
+  <cs:dataPoint>
+    <cs:lnRef idx="0"/>
+    <cs:fillRef idx="1">
+      <cs:styleClr val="auto"/>
+    </cs:fillRef>
+    <cs:effectRef idx="0"/>
+    <cs:fontRef idx="minor">
+      <a:schemeClr val="tx1"/>
+    </cs:fontRef>
+    <cs:spPr>
+      <a:ln w="19050">
+        <a:solidFill>
+          <a:schemeClr val="lt1"/>
+        </a:solidFill>
+      </a:ln>
+    </cs:spPr>
+  </cs:dataPoint>
+  <cs:dataPoint3D>
+    <cs:lnRef idx="0"/>
+    <cs:fillRef idx="1">
+      <cs:styleClr val="auto"/>
+    </cs:fillRef>
+    <cs:effectRef idx="0"/>
+    <cs:fontRef idx="minor">
+      <a:schemeClr val="tx1"/>
+    </cs:fontRef>
+    <cs:spPr>
+      <a:ln w="25400">
+        <a:solidFill>
+          <a:schemeClr val="lt1"/>
+        </a:solidFill>
+      </a:ln>
+    </cs:spPr>
+  </cs:dataPoint3D>
+  <cs:dataPointLine>
+    <cs:lnRef idx="0">
+      <cs:styleClr val="auto"/>
+    </cs:lnRef>
+    <cs:fillRef idx="0"/>
+    <cs:effectRef idx="0"/>
+    <cs:fontRef idx="minor">
+      <a:schemeClr val="tx1"/>
+    </cs:fontRef>
+    <cs:spPr>
+      <a:ln w="28575" cap="rnd">
+        <a:solidFill>
+          <a:schemeClr val="phClr"/>
+        </a:solidFill>
+        <a:round/>
+      </a:ln>
+    </cs:spPr>
+  </cs:dataPointLine>
+  <cs:dataPointMarker>
+    <cs:lnRef idx="0">
+      <cs:styleClr val="auto"/>
+    </cs:lnRef>
+    <cs:fillRef idx="1">
+      <cs:styleClr val="auto"/>
+    </cs:fillRef>
+    <cs:effectRef idx="0"/>
+    <cs:fontRef idx="minor">
+      <a:schemeClr val="tx1"/>
+    </cs:fontRef>
+    <cs:spPr>
+      <a:ln w="9525">
+        <a:solidFill>
+          <a:schemeClr val="phClr"/>
+        </a:solidFill>
+      </a:ln>
+    </cs:spPr>
+  </cs:dataPointMarker>
+  <cs:dataPointMarkerLayout symbol="circle" size="5"/>
+  <cs:dataPointWireframe>
+    <cs:lnRef idx="0">
+      <cs:styleClr val="auto"/>
+    </cs:lnRef>
+    <cs:fillRef idx="0"/>
+    <cs:effectRef idx="0"/>
+    <cs:fontRef idx="minor">
+      <a:schemeClr val="tx1"/>
+    </cs:fontRef>
+    <cs:spPr>
+      <a:ln w="9525" cap="rnd">
+        <a:solidFill>
+          <a:schemeClr val="phClr"/>
+        </a:solidFill>
+        <a:round/>
+      </a:ln>
+    </cs:spPr>
+  </cs:dataPointWireframe>
+  <cs:dataTable>
+    <cs:lnRef idx="0"/>
+    <cs:fillRef idx="0"/>
+    <cs:effectRef idx="0"/>
+    <cs:fontRef idx="minor">
+      <a:schemeClr val="tx1">
+        <a:lumMod val="65000"/>
+        <a:lumOff val="35000"/>
+      </a:schemeClr>
+    </cs:fontRef>
+    <cs:spPr>
+      <a:noFill/>
+      <a:ln w="9525" cap="flat" cmpd="sng" algn="ctr">
+        <a:solidFill>
+          <a:schemeClr val="tx1">
+            <a:lumMod val="15000"/>
+            <a:lumOff val="85000"/>
+          </a:schemeClr>
+        </a:solidFill>
+        <a:round/>
+      </a:ln>
+    </cs:spPr>
+    <cs:defRPr sz="1197" kern="1200"/>
+  </cs:dataTable>
+  <cs:downBar>
+    <cs:lnRef idx="0"/>
+    <cs:fillRef idx="0"/>
+    <cs:effectRef idx="0"/>
+    <cs:fontRef idx="minor">
+      <a:schemeClr val="tx1"/>
+    </cs:fontRef>
+    <cs:spPr>
+      <a:solidFill>
+        <a:schemeClr val="dk1">
+          <a:lumMod val="75000"/>
+          <a:lumOff val="25000"/>
+        </a:schemeClr>
+      </a:solidFill>
+      <a:ln w="9525" cap="flat" cmpd="sng" algn="ctr">
+        <a:solidFill>
+          <a:schemeClr val="tx1">
+            <a:lumMod val="65000"/>
+            <a:lumOff val="35000"/>
+          </a:schemeClr>
+        </a:solidFill>
+        <a:round/>
+      </a:ln>
+    </cs:spPr>
+  </cs:downBar>
+  <cs:dropLine>
+    <cs:lnRef idx="0"/>
+    <cs:fillRef idx="0"/>
+    <cs:effectRef idx="0"/>
+    <cs:fontRef idx="minor">
+      <a:schemeClr val="tx1"/>
+    </cs:fontRef>
+    <cs:spPr>
+      <a:ln w="9525" cap="flat" cmpd="sng" algn="ctr">
+        <a:solidFill>
+          <a:schemeClr val="tx1">
+            <a:lumMod val="35000"/>
+            <a:lumOff val="65000"/>
+          </a:schemeClr>
+        </a:solidFill>
+        <a:round/>
+      </a:ln>
+    </cs:spPr>
+  </cs:dropLine>
+  <cs:errorBar>
+    <cs:lnRef idx="0"/>
+    <cs:fillRef idx="0"/>
+    <cs:effectRef idx="0"/>
+    <cs:fontRef idx="minor">
+      <a:schemeClr val="tx1"/>
+    </cs:fontRef>
+    <cs:spPr>
+      <a:ln w="9525" cap="flat" cmpd="sng" algn="ctr">
+        <a:solidFill>
+          <a:schemeClr val="tx1">
+            <a:lumMod val="65000"/>
+            <a:lumOff val="35000"/>
+          </a:schemeClr>
+        </a:solidFill>
+        <a:round/>
+      </a:ln>
+    </cs:spPr>
+  </cs:errorBar>
+  <cs:floor>
+    <cs:lnRef idx="0"/>
+    <cs:fillRef idx="0"/>
+    <cs:effectRef idx="0"/>
+    <cs:fontRef idx="minor">
+      <a:schemeClr val="tx1"/>
+    </cs:fontRef>
+    <cs:spPr>
+      <a:noFill/>
+      <a:ln>
+        <a:noFill/>
+      </a:ln>
+    </cs:spPr>
+  </cs:floor>
+  <cs:gridlineMajor>
+    <cs:lnRef idx="0"/>
+    <cs:fillRef idx="0"/>
+    <cs:effectRef idx="0"/>
+    <cs:fontRef idx="minor">
+      <a:schemeClr val="tx1"/>
+    </cs:fontRef>
+    <cs:spPr>
+      <a:ln w="9525" cap="flat" cmpd="sng" algn="ctr">
+        <a:solidFill>
+          <a:schemeClr val="tx1">
+            <a:lumMod val="15000"/>
+            <a:lumOff val="85000"/>
+          </a:schemeClr>
+        </a:solidFill>
+        <a:round/>
+      </a:ln>
+    </cs:spPr>
+  </cs:gridlineMajor>
+  <cs:gridlineMinor>
+    <cs:lnRef idx="0"/>
+    <cs:fillRef idx="0"/>
+    <cs:effectRef idx="0"/>
+    <cs:fontRef idx="minor">
+      <a:schemeClr val="tx1"/>
+    </cs:fontRef>
+    <cs:spPr>
+      <a:ln w="9525" cap="flat" cmpd="sng" algn="ctr">
+        <a:solidFill>
+          <a:schemeClr val="tx1">
+            <a:lumMod val="5000"/>
+            <a:lumOff val="95000"/>
+          </a:schemeClr>
+        </a:solidFill>
+        <a:round/>
+      </a:ln>
+    </cs:spPr>
+  </cs:gridlineMinor>
+  <cs:hiLoLine>
+    <cs:lnRef idx="0"/>
+    <cs:fillRef idx="0"/>
+    <cs:effectRef idx="0"/>
+    <cs:fontRef idx="minor">
+      <a:schemeClr val="tx1"/>
+    </cs:fontRef>
+    <cs:spPr>
+      <a:ln w="9525" cap="flat" cmpd="sng" algn="ctr">
+        <a:solidFill>
+          <a:schemeClr val="tx1">
+            <a:lumMod val="50000"/>
+            <a:lumOff val="50000"/>
+          </a:schemeClr>
+        </a:solidFill>
+        <a:round/>
+      </a:ln>
+    </cs:spPr>
+  </cs:hiLoLine>
+  <cs:leaderLine>
+    <cs:lnRef idx="0"/>
+    <cs:fillRef idx="0"/>
+    <cs:effectRef idx="0"/>
+    <cs:fontRef idx="minor">
+      <a:schemeClr val="tx1"/>
+    </cs:fontRef>
+    <cs:spPr>
+      <a:ln w="9525" cap="flat" cmpd="sng" algn="ctr">
+        <a:solidFill>
+          <a:schemeClr val="tx1">
+            <a:lumMod val="35000"/>
+            <a:lumOff val="65000"/>
+          </a:schemeClr>
+        </a:solidFill>
+        <a:round/>
+      </a:ln>
+    </cs:spPr>
+  </cs:leaderLine>
+  <cs:legend>
+    <cs:lnRef idx="0"/>
+    <cs:fillRef idx="0"/>
+    <cs:effectRef idx="0"/>
+    <cs:fontRef idx="minor">
+      <a:schemeClr val="tx1">
+        <a:lumMod val="65000"/>
+        <a:lumOff val="35000"/>
+      </a:schemeClr>
+    </cs:fontRef>
+    <cs:defRPr sz="1197" kern="1200"/>
+  </cs:legend>
+  <cs:plotArea mods="allowNoFillOverride allowNoLineOverride">
+    <cs:lnRef idx="0"/>
+    <cs:fillRef idx="0"/>
+    <cs:effectRef idx="0"/>
+    <cs:fontRef idx="minor">
+      <a:schemeClr val="tx1"/>
+    </cs:fontRef>
+  </cs:plotArea>
+  <cs:plotArea3D mods="allowNoFillOverride allowNoLineOverride">
+    <cs:lnRef idx="0"/>
+    <cs:fillRef idx="0"/>
+    <cs:effectRef idx="0"/>
+    <cs:fontRef idx="minor">
+      <a:schemeClr val="tx1"/>
+    </cs:fontRef>
+  </cs:plotArea3D>
+  <cs:seriesAxis>
+    <cs:lnRef idx="0"/>
+    <cs:fillRef idx="0"/>
+    <cs:effectRef idx="0"/>
+    <cs:fontRef idx="minor">
+      <a:schemeClr val="tx1">
+        <a:lumMod val="65000"/>
+        <a:lumOff val="35000"/>
+      </a:schemeClr>
+    </cs:fontRef>
+    <cs:defRPr sz="1197" kern="1200"/>
+  </cs:seriesAxis>
+  <cs:seriesLine>
+    <cs:lnRef idx="0"/>
+    <cs:fillRef idx="0"/>
+    <cs:effectRef idx="0"/>
+    <cs:fontRef idx="minor">
+      <a:schemeClr val="tx1"/>
+    </cs:fontRef>
+    <cs:spPr>
+      <a:ln w="9525" cap="flat" cmpd="sng" algn="ctr">
+        <a:solidFill>
+          <a:schemeClr val="tx1">
+            <a:lumMod val="35000"/>
+            <a:lumOff val="65000"/>
+          </a:schemeClr>
+        </a:solidFill>
+        <a:round/>
+      </a:ln>
+    </cs:spPr>
+  </cs:seriesLine>
+  <cs:title>
+    <cs:lnRef idx="0"/>
+    <cs:fillRef idx="0"/>
+    <cs:effectRef idx="0"/>
+    <cs:fontRef idx="minor">
+      <a:schemeClr val="tx1">
+        <a:lumMod val="65000"/>
+        <a:lumOff val="35000"/>
+      </a:schemeClr>
+    </cs:fontRef>
+    <cs:defRPr sz="1862" b="0" kern="1200" spc="0" baseline="0"/>
+  </cs:title>
+  <cs:trendline>
+    <cs:lnRef idx="0">
+      <cs:styleClr val="auto"/>
+    </cs:lnRef>
+    <cs:fillRef idx="0"/>
+    <cs:effectRef idx="0"/>
+    <cs:fontRef idx="minor">
+      <a:schemeClr val="tx1"/>
+    </cs:fontRef>
+    <cs:spPr>
+      <a:ln w="19050" cap="rnd">
+        <a:solidFill>
+          <a:schemeClr val="phClr"/>
+        </a:solidFill>
+        <a:prstDash val="sysDot"/>
+      </a:ln>
+    </cs:spPr>
+  </cs:trendline>
+  <cs:trendlineLabel>
+    <cs:lnRef idx="0"/>
+    <cs:fillRef idx="0"/>
+    <cs:effectRef idx="0"/>
+    <cs:fontRef idx="minor">
+      <a:schemeClr val="tx1">
+        <a:lumMod val="65000"/>
+        <a:lumOff val="35000"/>
+      </a:schemeClr>
+    </cs:fontRef>
+    <cs:defRPr sz="1197" kern="1200"/>
+  </cs:trendlineLabel>
+  <cs:upBar>
+    <cs:lnRef idx="0"/>
+    <cs:fillRef idx="0"/>
+    <cs:effectRef idx="0"/>
+    <cs:fontRef idx="minor">
+      <a:schemeClr val="tx1"/>
+    </cs:fontRef>
+    <cs:spPr>
+      <a:solidFill>
+        <a:schemeClr val="lt1"/>
+      </a:solidFill>
+      <a:ln w="9525" cap="flat" cmpd="sng" algn="ctr">
+        <a:solidFill>
+          <a:schemeClr val="tx1">
+            <a:lumMod val="65000"/>
+            <a:lumOff val="35000"/>
+          </a:schemeClr>
+        </a:solidFill>
+        <a:round/>
+      </a:ln>
+    </cs:spPr>
+  </cs:upBar>
+  <cs:valueAxis>
+    <cs:lnRef idx="0"/>
+    <cs:fillRef idx="0"/>
+    <cs:effectRef idx="0"/>
+    <cs:fontRef idx="minor">
+      <a:schemeClr val="tx1">
+        <a:lumMod val="65000"/>
+        <a:lumOff val="35000"/>
+      </a:schemeClr>
+    </cs:fontRef>
+    <cs:defRPr sz="1197" kern="1200"/>
+  </cs:valueAxis>
+  <cs:wall>
+    <cs:lnRef idx="0"/>
+    <cs:fillRef idx="0"/>
+    <cs:effectRef idx="0"/>
+    <cs:fontRef idx="minor">
+      <a:schemeClr val="tx1"/>
+    </cs:fontRef>
+    <cs:spPr>
+      <a:noFill/>
+      <a:ln>
+        <a:noFill/>
+      </a:ln>
+    </cs:spPr>
+  </cs:wall>
+</cs:chartStyle>
+</file>
+
+<file path=ppt/drawings/drawing1.xml><?xml version="1.0" encoding="utf-8"?>
+<c:userShapes xmlns:c="http://schemas.openxmlformats.org/drawingml/2006/chart">
+  <cdr:relSizeAnchor xmlns:cdr="http://schemas.openxmlformats.org/drawingml/2006/chartDrawing">
+    <cdr:from>
+      <cdr:x>0.14077</cdr:x>
+      <cdr:y>0.83125</cdr:y>
+    </cdr:from>
+    <cdr:to>
+      <cdr:x>0.25327</cdr:x>
+      <cdr:y>1</cdr:y>
+    </cdr:to>
+    <cdr:sp macro="" textlink="">
+      <cdr:nvSpPr>
+        <cdr:cNvPr id="2" name="TextBox 1">
+          <a:extLst xmlns:a="http://schemas.openxmlformats.org/drawingml/2006/main">
+            <a:ext uri="{FF2B5EF4-FFF2-40B4-BE49-F238E27FC236}">
+              <a16:creationId xmlns:a16="http://schemas.microsoft.com/office/drawing/2014/main" id="{0604F1ED-B053-4A37-82BD-F7C08509FD3F}"/>
+            </a:ext>
+          </a:extLst>
+        </cdr:cNvPr>
+        <cdr:cNvSpPr txBox="1"/>
+      </cdr:nvSpPr>
+      <cdr:spPr>
+        <a:xfrm xmlns:a="http://schemas.openxmlformats.org/drawingml/2006/main">
+          <a:off x="1144151" y="5344489"/>
+          <a:ext cx="914400" cy="914400"/>
+        </a:xfrm>
+        <a:prstGeom xmlns:a="http://schemas.openxmlformats.org/drawingml/2006/main" prst="rect">
+          <a:avLst/>
+        </a:prstGeom>
+      </cdr:spPr>
+      <cdr:txBody>
+        <a:bodyPr xmlns:a="http://schemas.openxmlformats.org/drawingml/2006/main" vertOverflow="clip" wrap="none" rtlCol="0"/>
+        <a:lstStyle xmlns:a="http://schemas.openxmlformats.org/drawingml/2006/main"/>
+        <a:p xmlns:a="http://schemas.openxmlformats.org/drawingml/2006/main">
+          <a:endParaRPr lang="en-CA" sz="1100" dirty="0"/>
+        </a:p>
+      </cdr:txBody>
+    </cdr:sp>
+  </cdr:relSizeAnchor>
+</c:userShapes>
 </file>
 
 <file path=ppt/slideLayouts/slideLayout1.xml><?xml version="1.0" encoding="utf-8"?>
@@ -3419,14 +7179,14 @@
         </p:nvSpPr>
         <p:spPr>
           <a:xfrm>
-            <a:off x="256032" y="3108960"/>
-            <a:ext cx="11484864" cy="4023360"/>
+            <a:off x="256032" y="3652464"/>
+            <a:ext cx="11484864" cy="2028458"/>
           </a:xfrm>
           <a:prstGeom prst="rect">
             <a:avLst/>
           </a:prstGeom>
           <a:solidFill>
-            <a:srgbClr val="EBEBFF"/>
+            <a:srgbClr val="E9EBF1"/>
           </a:solidFill>
           <a:ln>
             <a:noFill/>
@@ -3453,7 +7213,15 @@
           <a:lstStyle/>
           <a:p>
             <a:pPr algn="ctr"/>
-            <a:endParaRPr lang="en-CA"/>
+            <a:r>
+              <a:rPr lang="en-US" sz="3600" dirty="0">
+                <a:solidFill>
+                  <a:srgbClr val="2E344C"/>
+                </a:solidFill>
+              </a:rPr>
+              <a:t>When an outsider thinks a company is more fun to work at, they are more likely to justify unfair treatment of employees within that company</a:t>
+            </a:r>
+            <a:endParaRPr lang="en-CA" sz="2000" dirty="0"/>
           </a:p>
         </p:txBody>
       </p:sp>
@@ -3471,14 +7239,14 @@
         </p:nvSpPr>
         <p:spPr>
           <a:xfrm>
-            <a:off x="256032" y="7424928"/>
-            <a:ext cx="11484864" cy="9326880"/>
+            <a:off x="256032" y="6602577"/>
+            <a:ext cx="5557310" cy="5225477"/>
           </a:xfrm>
           <a:prstGeom prst="rect">
             <a:avLst/>
           </a:prstGeom>
           <a:solidFill>
-            <a:srgbClr val="EBEBFF"/>
+            <a:srgbClr val="E9EBF1"/>
           </a:solidFill>
           <a:ln>
             <a:noFill/>
@@ -3505,111 +7273,7 @@
           <a:lstStyle/>
           <a:p>
             <a:pPr algn="ctr"/>
-            <a:endParaRPr lang="en-CA"/>
-          </a:p>
-        </p:txBody>
-      </p:sp>
-      <p:sp>
-        <p:nvSpPr>
-          <p:cNvPr id="9" name="Rectangle 8">
-            <a:extLst>
-              <a:ext uri="{FF2B5EF4-FFF2-40B4-BE49-F238E27FC236}">
-                <a16:creationId xmlns:a16="http://schemas.microsoft.com/office/drawing/2014/main" id="{8495D2AE-BDBD-4196-BFD1-B6438992FDA9}"/>
-              </a:ext>
-            </a:extLst>
-          </p:cNvPr>
-          <p:cNvSpPr/>
-          <p:nvPr/>
-        </p:nvSpPr>
-        <p:spPr>
-          <a:xfrm>
-            <a:off x="256032" y="17007841"/>
-            <a:ext cx="11484864" cy="8180832"/>
-          </a:xfrm>
-          <a:prstGeom prst="rect">
-            <a:avLst/>
-          </a:prstGeom>
-          <a:solidFill>
-            <a:srgbClr val="EBEBFF"/>
-          </a:solidFill>
-          <a:ln>
-            <a:noFill/>
-          </a:ln>
-        </p:spPr>
-        <p:style>
-          <a:lnRef idx="2">
-            <a:schemeClr val="accent1">
-              <a:shade val="50000"/>
-            </a:schemeClr>
-          </a:lnRef>
-          <a:fillRef idx="1">
-            <a:schemeClr val="accent1"/>
-          </a:fillRef>
-          <a:effectRef idx="0">
-            <a:schemeClr val="accent1"/>
-          </a:effectRef>
-          <a:fontRef idx="minor">
-            <a:schemeClr val="lt1"/>
-          </a:fontRef>
-        </p:style>
-        <p:txBody>
-          <a:bodyPr rtlCol="0" anchor="ctr"/>
-          <a:lstStyle/>
-          <a:p>
-            <a:pPr algn="ctr"/>
-            <a:endParaRPr lang="en-CA"/>
-          </a:p>
-        </p:txBody>
-      </p:sp>
-      <p:sp>
-        <p:nvSpPr>
-          <p:cNvPr id="10" name="Rectangle 9">
-            <a:extLst>
-              <a:ext uri="{FF2B5EF4-FFF2-40B4-BE49-F238E27FC236}">
-                <a16:creationId xmlns:a16="http://schemas.microsoft.com/office/drawing/2014/main" id="{27B50F44-9912-4C07-A63B-16AC0FFAF222}"/>
-              </a:ext>
-            </a:extLst>
-          </p:cNvPr>
-          <p:cNvSpPr/>
-          <p:nvPr/>
-        </p:nvSpPr>
-        <p:spPr>
-          <a:xfrm>
-            <a:off x="256032" y="25456896"/>
-            <a:ext cx="11484864" cy="7028688"/>
-          </a:xfrm>
-          <a:prstGeom prst="rect">
-            <a:avLst/>
-          </a:prstGeom>
-          <a:solidFill>
-            <a:srgbClr val="EBEBFF"/>
-          </a:solidFill>
-          <a:ln>
-            <a:noFill/>
-          </a:ln>
-        </p:spPr>
-        <p:style>
-          <a:lnRef idx="2">
-            <a:schemeClr val="accent1">
-              <a:shade val="50000"/>
-            </a:schemeClr>
-          </a:lnRef>
-          <a:fillRef idx="1">
-            <a:schemeClr val="accent1"/>
-          </a:fillRef>
-          <a:effectRef idx="0">
-            <a:schemeClr val="accent1"/>
-          </a:effectRef>
-          <a:fontRef idx="minor">
-            <a:schemeClr val="lt1"/>
-          </a:fontRef>
-        </p:style>
-        <p:txBody>
-          <a:bodyPr rtlCol="0" anchor="ctr"/>
-          <a:lstStyle/>
-          <a:p>
-            <a:pPr algn="ctr"/>
-            <a:endParaRPr lang="en-CA"/>
+            <a:endParaRPr lang="en-CA" dirty="0"/>
           </a:p>
         </p:txBody>
       </p:sp>
@@ -3634,7 +7298,7 @@
             <a:avLst/>
           </a:prstGeom>
           <a:solidFill>
-            <a:srgbClr val="EBEBFF"/>
+            <a:srgbClr val="E9EBF1"/>
           </a:solidFill>
           <a:ln>
             <a:noFill/>
@@ -3686,7 +7350,7 @@
             <a:avLst/>
           </a:prstGeom>
           <a:solidFill>
-            <a:srgbClr val="EBEBFF"/>
+            <a:srgbClr val="E9EBF1"/>
           </a:solidFill>
           <a:ln>
             <a:noFill/>
@@ -3738,7 +7402,7 @@
             <a:avLst/>
           </a:prstGeom>
           <a:solidFill>
-            <a:srgbClr val="EBEBFF"/>
+            <a:srgbClr val="E9EBF1"/>
           </a:solidFill>
           <a:ln>
             <a:noFill/>
@@ -3790,7 +7454,7 @@
             <a:avLst/>
           </a:prstGeom>
           <a:solidFill>
-            <a:srgbClr val="EBEBFF"/>
+            <a:srgbClr val="E9EBF1"/>
           </a:solidFill>
           <a:ln>
             <a:noFill/>
@@ -3842,7 +7506,7 @@
             <a:avLst/>
           </a:prstGeom>
           <a:solidFill>
-            <a:srgbClr val="EBEBFF"/>
+            <a:srgbClr val="E9EBF1"/>
           </a:solidFill>
           <a:ln>
             <a:noFill/>
@@ -3943,7 +7607,7 @@
         </p:nvSpPr>
         <p:spPr>
           <a:xfrm>
-            <a:off x="256032" y="7424928"/>
+            <a:off x="256032" y="5983600"/>
             <a:ext cx="11484864" cy="618978"/>
           </a:xfrm>
           <a:prstGeom prst="rect">
@@ -4335,7 +7999,7 @@
         </p:nvSpPr>
         <p:spPr>
           <a:xfrm>
-            <a:off x="256032" y="25456896"/>
+            <a:off x="256032" y="25357489"/>
             <a:ext cx="11484864" cy="618978"/>
           </a:xfrm>
           <a:prstGeom prst="rect">
@@ -4391,7 +8055,7 @@
         </p:nvSpPr>
         <p:spPr>
           <a:xfrm>
-            <a:off x="256032" y="22726383"/>
+            <a:off x="256032" y="22506564"/>
             <a:ext cx="11484864" cy="618978"/>
           </a:xfrm>
           <a:prstGeom prst="rect">
@@ -4433,6 +8097,4329 @@
           </a:p>
         </p:txBody>
       </p:sp>
+      <p:sp>
+        <p:nvSpPr>
+          <p:cNvPr id="26" name="Rectangle 25">
+            <a:extLst>
+              <a:ext uri="{FF2B5EF4-FFF2-40B4-BE49-F238E27FC236}">
+                <a16:creationId xmlns:a16="http://schemas.microsoft.com/office/drawing/2014/main" id="{649B140F-DEBA-4287-8639-EB3B749FAB95}"/>
+              </a:ext>
+            </a:extLst>
+          </p:cNvPr>
+          <p:cNvSpPr/>
+          <p:nvPr/>
+        </p:nvSpPr>
+        <p:spPr>
+          <a:xfrm>
+            <a:off x="256032" y="12477132"/>
+            <a:ext cx="11484864" cy="4169664"/>
+          </a:xfrm>
+          <a:prstGeom prst="rect">
+            <a:avLst/>
+          </a:prstGeom>
+          <a:solidFill>
+            <a:srgbClr val="E9EBF1"/>
+          </a:solidFill>
+          <a:ln>
+            <a:noFill/>
+          </a:ln>
+        </p:spPr>
+        <p:style>
+          <a:lnRef idx="2">
+            <a:schemeClr val="accent1">
+              <a:shade val="50000"/>
+            </a:schemeClr>
+          </a:lnRef>
+          <a:fillRef idx="1">
+            <a:schemeClr val="accent1"/>
+          </a:fillRef>
+          <a:effectRef idx="0">
+            <a:schemeClr val="accent1"/>
+          </a:effectRef>
+          <a:fontRef idx="minor">
+            <a:schemeClr val="lt1"/>
+          </a:fontRef>
+        </p:style>
+        <p:txBody>
+          <a:bodyPr rtlCol="0" anchor="ctr"/>
+          <a:lstStyle/>
+          <a:p>
+            <a:pPr algn="ctr"/>
+            <a:endParaRPr lang="en-CA"/>
+          </a:p>
+        </p:txBody>
+      </p:sp>
+      <p:grpSp>
+        <p:nvGrpSpPr>
+          <p:cNvPr id="2" name="Group 1">
+            <a:extLst>
+              <a:ext uri="{FF2B5EF4-FFF2-40B4-BE49-F238E27FC236}">
+                <a16:creationId xmlns:a16="http://schemas.microsoft.com/office/drawing/2014/main" id="{2ECA07AA-DD48-4439-8D09-643F26CD48B5}"/>
+              </a:ext>
+            </a:extLst>
+          </p:cNvPr>
+          <p:cNvGrpSpPr/>
+          <p:nvPr/>
+        </p:nvGrpSpPr>
+        <p:grpSpPr>
+          <a:xfrm>
+            <a:off x="6417234" y="6805949"/>
+            <a:ext cx="5055049" cy="5022106"/>
+            <a:chOff x="6428491" y="1555634"/>
+            <a:chExt cx="5055049" cy="5022106"/>
+          </a:xfrm>
+        </p:grpSpPr>
+        <p:sp>
+          <p:nvSpPr>
+            <p:cNvPr id="51" name="Rectangle 50">
+              <a:extLst>
+                <a:ext uri="{FF2B5EF4-FFF2-40B4-BE49-F238E27FC236}">
+                  <a16:creationId xmlns:a16="http://schemas.microsoft.com/office/drawing/2014/main" id="{6C56C80F-55C6-4C55-A2B5-B6CAC7A8906F}"/>
+                </a:ext>
+              </a:extLst>
+            </p:cNvPr>
+            <p:cNvSpPr/>
+            <p:nvPr/>
+          </p:nvSpPr>
+          <p:spPr>
+            <a:xfrm>
+              <a:off x="7114000" y="2157973"/>
+              <a:ext cx="3745981" cy="1858386"/>
+            </a:xfrm>
+            <a:prstGeom prst="rect">
+              <a:avLst/>
+            </a:prstGeom>
+            <a:solidFill>
+              <a:srgbClr val="8F99BB">
+                <a:lumMod val="40000"/>
+                <a:lumOff val="60000"/>
+              </a:srgbClr>
+            </a:solidFill>
+            <a:ln w="12700" cap="flat" cmpd="sng" algn="ctr">
+              <a:solidFill>
+                <a:srgbClr val="FD8686">
+                  <a:shade val="50000"/>
+                </a:srgbClr>
+              </a:solidFill>
+              <a:prstDash val="solid"/>
+              <a:miter lim="800000"/>
+            </a:ln>
+            <a:effectLst/>
+          </p:spPr>
+          <p:txBody>
+            <a:bodyPr rtlCol="0" anchor="ctr"/>
+            <a:lstStyle/>
+            <a:p>
+              <a:pPr marL="0" marR="0" lvl="0" indent="0" algn="ctr" defTabSz="914400" eaLnBrk="1" fontAlgn="auto" latinLnBrk="0" hangingPunct="1">
+                <a:lnSpc>
+                  <a:spcPct val="100000"/>
+                </a:lnSpc>
+                <a:spcBef>
+                  <a:spcPts val="0"/>
+                </a:spcBef>
+                <a:spcAft>
+                  <a:spcPts val="0"/>
+                </a:spcAft>
+                <a:buClrTx/>
+                <a:buSzTx/>
+                <a:buFontTx/>
+                <a:buNone/>
+                <a:tabLst/>
+                <a:defRPr/>
+              </a:pPr>
+              <a:endParaRPr kumimoji="0" lang="en-CA" sz="1800" b="0" i="0" u="none" strike="noStrike" kern="0" cap="none" spc="0" normalizeH="0" baseline="0" noProof="0">
+                <a:ln>
+                  <a:noFill/>
+                </a:ln>
+                <a:solidFill>
+                  <a:prstClr val="white"/>
+                </a:solidFill>
+                <a:effectLst/>
+                <a:uLnTx/>
+                <a:uFillTx/>
+                <a:latin typeface="Avenir Next LT Pro"/>
+                <a:ea typeface="+mn-ea"/>
+                <a:cs typeface="+mn-cs"/>
+              </a:endParaRPr>
+            </a:p>
+          </p:txBody>
+        </p:sp>
+        <p:sp>
+          <p:nvSpPr>
+            <p:cNvPr id="52" name="Rectangle 51">
+              <a:extLst>
+                <a:ext uri="{FF2B5EF4-FFF2-40B4-BE49-F238E27FC236}">
+                  <a16:creationId xmlns:a16="http://schemas.microsoft.com/office/drawing/2014/main" id="{BAC394F0-BECF-44E9-9334-F1EC622AA49C}"/>
+                </a:ext>
+              </a:extLst>
+            </p:cNvPr>
+            <p:cNvSpPr/>
+            <p:nvPr/>
+          </p:nvSpPr>
+          <p:spPr>
+            <a:xfrm>
+              <a:off x="7101536" y="2139717"/>
+              <a:ext cx="3736092" cy="3736092"/>
+            </a:xfrm>
+            <a:prstGeom prst="rect">
+              <a:avLst/>
+            </a:prstGeom>
+            <a:noFill/>
+            <a:ln w="28575" cap="flat" cmpd="sng" algn="ctr">
+              <a:solidFill>
+                <a:srgbClr val="FD8686"/>
+              </a:solidFill>
+              <a:prstDash val="solid"/>
+              <a:miter lim="800000"/>
+            </a:ln>
+            <a:effectLst/>
+          </p:spPr>
+          <p:txBody>
+            <a:bodyPr rtlCol="0" anchor="ctr"/>
+            <a:lstStyle/>
+            <a:p>
+              <a:pPr marL="0" marR="0" lvl="0" indent="0" algn="ctr" defTabSz="914400" eaLnBrk="1" fontAlgn="auto" latinLnBrk="0" hangingPunct="1">
+                <a:lnSpc>
+                  <a:spcPct val="100000"/>
+                </a:lnSpc>
+                <a:spcBef>
+                  <a:spcPts val="0"/>
+                </a:spcBef>
+                <a:spcAft>
+                  <a:spcPts val="0"/>
+                </a:spcAft>
+                <a:buClrTx/>
+                <a:buSzTx/>
+                <a:buFontTx/>
+                <a:buNone/>
+                <a:tabLst/>
+                <a:defRPr/>
+              </a:pPr>
+              <a:endParaRPr kumimoji="0" lang="en-CA" sz="1800" b="0" i="0" u="none" strike="noStrike" kern="0" cap="none" spc="0" normalizeH="0" baseline="0" noProof="0" dirty="0">
+                <a:ln>
+                  <a:solidFill>
+                    <a:srgbClr val="12154E"/>
+                  </a:solidFill>
+                </a:ln>
+                <a:solidFill>
+                  <a:srgbClr val="12154E"/>
+                </a:solidFill>
+                <a:effectLst/>
+                <a:uLnTx/>
+                <a:uFillTx/>
+                <a:latin typeface="Avenir Next LT Pro"/>
+                <a:ea typeface="+mn-ea"/>
+                <a:cs typeface="+mn-cs"/>
+              </a:endParaRPr>
+            </a:p>
+          </p:txBody>
+        </p:sp>
+        <p:cxnSp>
+          <p:nvCxnSpPr>
+            <p:cNvPr id="53" name="Straight Arrow Connector 52">
+              <a:extLst>
+                <a:ext uri="{FF2B5EF4-FFF2-40B4-BE49-F238E27FC236}">
+                  <a16:creationId xmlns:a16="http://schemas.microsoft.com/office/drawing/2014/main" id="{798B67EF-693E-45F8-8D84-0A4113741AB0}"/>
+                </a:ext>
+              </a:extLst>
+            </p:cNvPr>
+            <p:cNvCxnSpPr>
+              <a:cxnSpLocks/>
+            </p:cNvCxnSpPr>
+            <p:nvPr/>
+          </p:nvCxnSpPr>
+          <p:spPr>
+            <a:xfrm flipH="1" flipV="1">
+              <a:off x="8966619" y="1903624"/>
+              <a:ext cx="2963" cy="4225470"/>
+            </a:xfrm>
+            <a:prstGeom prst="straightConnector1">
+              <a:avLst/>
+            </a:prstGeom>
+            <a:noFill/>
+            <a:ln w="28575" cap="flat" cmpd="sng" algn="ctr">
+              <a:solidFill>
+                <a:srgbClr val="FD8686"/>
+              </a:solidFill>
+              <a:prstDash val="solid"/>
+              <a:round/>
+              <a:headEnd type="arrow" w="med" len="med"/>
+              <a:tailEnd type="arrow" w="med" len="med"/>
+            </a:ln>
+            <a:effectLst/>
+          </p:spPr>
+        </p:cxnSp>
+        <p:cxnSp>
+          <p:nvCxnSpPr>
+            <p:cNvPr id="54" name="Straight Arrow Connector 53">
+              <a:extLst>
+                <a:ext uri="{FF2B5EF4-FFF2-40B4-BE49-F238E27FC236}">
+                  <a16:creationId xmlns:a16="http://schemas.microsoft.com/office/drawing/2014/main" id="{FDEA252B-9EC3-40F4-9A00-43174F95E9CB}"/>
+                </a:ext>
+              </a:extLst>
+            </p:cNvPr>
+            <p:cNvCxnSpPr>
+              <a:cxnSpLocks/>
+            </p:cNvCxnSpPr>
+            <p:nvPr/>
+          </p:nvCxnSpPr>
+          <p:spPr>
+            <a:xfrm rot="5400000" flipH="1" flipV="1">
+              <a:off x="8965138" y="1887362"/>
+              <a:ext cx="2963" cy="4225470"/>
+            </a:xfrm>
+            <a:prstGeom prst="straightConnector1">
+              <a:avLst/>
+            </a:prstGeom>
+            <a:noFill/>
+            <a:ln w="28575" cap="flat" cmpd="sng" algn="ctr">
+              <a:solidFill>
+                <a:srgbClr val="FD8686"/>
+              </a:solidFill>
+              <a:prstDash val="solid"/>
+              <a:round/>
+              <a:headEnd type="arrow" w="med" len="med"/>
+              <a:tailEnd type="arrow" w="med" len="med"/>
+            </a:ln>
+            <a:effectLst/>
+          </p:spPr>
+        </p:cxnSp>
+        <p:sp>
+          <p:nvSpPr>
+            <p:cNvPr id="55" name="TextBox 54">
+              <a:extLst>
+                <a:ext uri="{FF2B5EF4-FFF2-40B4-BE49-F238E27FC236}">
+                  <a16:creationId xmlns:a16="http://schemas.microsoft.com/office/drawing/2014/main" id="{2CAD622E-A02F-4E8D-AB23-150E8D84FBD3}"/>
+                </a:ext>
+              </a:extLst>
+            </p:cNvPr>
+            <p:cNvSpPr txBox="1"/>
+            <p:nvPr/>
+          </p:nvSpPr>
+          <p:spPr>
+            <a:xfrm>
+              <a:off x="8211542" y="1555634"/>
+              <a:ext cx="1510157" cy="461665"/>
+            </a:xfrm>
+            <a:prstGeom prst="rect">
+              <a:avLst/>
+            </a:prstGeom>
+            <a:noFill/>
+          </p:spPr>
+          <p:txBody>
+            <a:bodyPr wrap="none" rtlCol="0">
+              <a:spAutoFit/>
+            </a:bodyPr>
+            <a:lstStyle/>
+            <a:p>
+              <a:pPr algn="ctr" defTabSz="914400"/>
+              <a:r>
+                <a:rPr lang="en-US" sz="2400" dirty="0">
+                  <a:solidFill>
+                    <a:srgbClr val="1A1D2C"/>
+                  </a:solidFill>
+                  <a:latin typeface="Avenir Next LT Pro"/>
+                </a:rPr>
+                <a:t>Flexibility</a:t>
+              </a:r>
+              <a:endParaRPr lang="en-CA" sz="2400" dirty="0">
+                <a:solidFill>
+                  <a:srgbClr val="1A1D2C"/>
+                </a:solidFill>
+                <a:latin typeface="Avenir Next LT Pro"/>
+              </a:endParaRPr>
+            </a:p>
+          </p:txBody>
+        </p:sp>
+        <p:sp>
+          <p:nvSpPr>
+            <p:cNvPr id="56" name="TextBox 55">
+              <a:extLst>
+                <a:ext uri="{FF2B5EF4-FFF2-40B4-BE49-F238E27FC236}">
+                  <a16:creationId xmlns:a16="http://schemas.microsoft.com/office/drawing/2014/main" id="{BD21040B-334E-4C60-B3DC-59A1E03697BE}"/>
+                </a:ext>
+              </a:extLst>
+            </p:cNvPr>
+            <p:cNvSpPr txBox="1"/>
+            <p:nvPr/>
+          </p:nvSpPr>
+          <p:spPr>
+            <a:xfrm>
+              <a:off x="8340115" y="6116075"/>
+              <a:ext cx="1293752" cy="461665"/>
+            </a:xfrm>
+            <a:prstGeom prst="rect">
+              <a:avLst/>
+            </a:prstGeom>
+            <a:noFill/>
+          </p:spPr>
+          <p:txBody>
+            <a:bodyPr wrap="none" rtlCol="0">
+              <a:spAutoFit/>
+            </a:bodyPr>
+            <a:lstStyle/>
+            <a:p>
+              <a:pPr algn="ctr" defTabSz="914400"/>
+              <a:r>
+                <a:rPr lang="en-US" sz="2400" dirty="0">
+                  <a:solidFill>
+                    <a:srgbClr val="1A1D2C"/>
+                  </a:solidFill>
+                  <a:latin typeface="Avenir Next LT Pro"/>
+                </a:rPr>
+                <a:t>Stability</a:t>
+              </a:r>
+              <a:endParaRPr lang="en-CA" sz="2400" dirty="0">
+                <a:solidFill>
+                  <a:srgbClr val="1A1D2C"/>
+                </a:solidFill>
+                <a:latin typeface="Avenir Next LT Pro"/>
+              </a:endParaRPr>
+            </a:p>
+          </p:txBody>
+        </p:sp>
+        <p:sp>
+          <p:nvSpPr>
+            <p:cNvPr id="57" name="TextBox 56">
+              <a:extLst>
+                <a:ext uri="{FF2B5EF4-FFF2-40B4-BE49-F238E27FC236}">
+                  <a16:creationId xmlns:a16="http://schemas.microsoft.com/office/drawing/2014/main" id="{09D84186-0115-4D62-BEC1-AA49FCAB3A3B}"/>
+                </a:ext>
+              </a:extLst>
+            </p:cNvPr>
+            <p:cNvSpPr txBox="1"/>
+            <p:nvPr/>
+          </p:nvSpPr>
+          <p:spPr>
+            <a:xfrm rot="16200000">
+              <a:off x="5587717" y="3776931"/>
+              <a:ext cx="2143214" cy="461665"/>
+            </a:xfrm>
+            <a:prstGeom prst="rect">
+              <a:avLst/>
+            </a:prstGeom>
+            <a:noFill/>
+          </p:spPr>
+          <p:txBody>
+            <a:bodyPr wrap="none" rtlCol="0">
+              <a:spAutoFit/>
+            </a:bodyPr>
+            <a:lstStyle/>
+            <a:p>
+              <a:pPr algn="ctr" defTabSz="914400"/>
+              <a:r>
+                <a:rPr lang="en-US" sz="2400" dirty="0">
+                  <a:solidFill>
+                    <a:srgbClr val="1A1D2C"/>
+                  </a:solidFill>
+                  <a:latin typeface="Avenir Next LT Pro"/>
+                </a:rPr>
+                <a:t>Internal Focus</a:t>
+              </a:r>
+              <a:endParaRPr lang="en-CA" sz="2400" dirty="0">
+                <a:solidFill>
+                  <a:srgbClr val="1A1D2C"/>
+                </a:solidFill>
+                <a:latin typeface="Avenir Next LT Pro"/>
+              </a:endParaRPr>
+            </a:p>
+          </p:txBody>
+        </p:sp>
+        <p:sp>
+          <p:nvSpPr>
+            <p:cNvPr id="58" name="TextBox 57">
+              <a:extLst>
+                <a:ext uri="{FF2B5EF4-FFF2-40B4-BE49-F238E27FC236}">
+                  <a16:creationId xmlns:a16="http://schemas.microsoft.com/office/drawing/2014/main" id="{234E0974-AF97-4F85-8888-24DD2E622EA3}"/>
+                </a:ext>
+              </a:extLst>
+            </p:cNvPr>
+            <p:cNvSpPr txBox="1"/>
+            <p:nvPr/>
+          </p:nvSpPr>
+          <p:spPr>
+            <a:xfrm rot="5400000">
+              <a:off x="10145033" y="3785527"/>
+              <a:ext cx="2215350" cy="461665"/>
+            </a:xfrm>
+            <a:prstGeom prst="rect">
+              <a:avLst/>
+            </a:prstGeom>
+            <a:noFill/>
+          </p:spPr>
+          <p:txBody>
+            <a:bodyPr wrap="none" rtlCol="0">
+              <a:spAutoFit/>
+            </a:bodyPr>
+            <a:lstStyle/>
+            <a:p>
+              <a:pPr algn="ctr" defTabSz="914400"/>
+              <a:r>
+                <a:rPr lang="en-US" sz="2400" dirty="0">
+                  <a:solidFill>
+                    <a:srgbClr val="1A1D2C"/>
+                  </a:solidFill>
+                  <a:latin typeface="Avenir Next LT Pro"/>
+                </a:rPr>
+                <a:t>External Focus</a:t>
+              </a:r>
+              <a:endParaRPr lang="en-CA" sz="2400" dirty="0">
+                <a:solidFill>
+                  <a:srgbClr val="1A1D2C"/>
+                </a:solidFill>
+                <a:latin typeface="Avenir Next LT Pro"/>
+              </a:endParaRPr>
+            </a:p>
+          </p:txBody>
+        </p:sp>
+        <p:sp>
+          <p:nvSpPr>
+            <p:cNvPr id="59" name="TextBox 58">
+              <a:extLst>
+                <a:ext uri="{FF2B5EF4-FFF2-40B4-BE49-F238E27FC236}">
+                  <a16:creationId xmlns:a16="http://schemas.microsoft.com/office/drawing/2014/main" id="{5460DA3B-4F86-4B89-A737-2653546C5C08}"/>
+                </a:ext>
+              </a:extLst>
+            </p:cNvPr>
+            <p:cNvSpPr txBox="1"/>
+            <p:nvPr/>
+          </p:nvSpPr>
+          <p:spPr>
+            <a:xfrm flipH="1">
+              <a:off x="8929069" y="2915904"/>
+              <a:ext cx="1858659" cy="400110"/>
+            </a:xfrm>
+            <a:prstGeom prst="rect">
+              <a:avLst/>
+            </a:prstGeom>
+            <a:noFill/>
+          </p:spPr>
+          <p:txBody>
+            <a:bodyPr wrap="square" rtlCol="0">
+              <a:spAutoFit/>
+            </a:bodyPr>
+            <a:lstStyle/>
+            <a:p>
+              <a:pPr algn="ctr" defTabSz="914400"/>
+              <a:r>
+                <a:rPr lang="en-US" sz="2000" dirty="0">
+                  <a:solidFill>
+                    <a:srgbClr val="1A1D2C"/>
+                  </a:solidFill>
+                  <a:latin typeface="Avenir Next LT Pro"/>
+                </a:rPr>
+                <a:t>ADHOCRACY</a:t>
+              </a:r>
+              <a:endParaRPr lang="en-CA" sz="2000" dirty="0">
+                <a:solidFill>
+                  <a:srgbClr val="1A1D2C"/>
+                </a:solidFill>
+                <a:latin typeface="Avenir Next LT Pro"/>
+              </a:endParaRPr>
+            </a:p>
+          </p:txBody>
+        </p:sp>
+        <p:sp>
+          <p:nvSpPr>
+            <p:cNvPr id="60" name="TextBox 59">
+              <a:extLst>
+                <a:ext uri="{FF2B5EF4-FFF2-40B4-BE49-F238E27FC236}">
+                  <a16:creationId xmlns:a16="http://schemas.microsoft.com/office/drawing/2014/main" id="{5FEF9E06-74EC-4CFD-890C-85EC49D0FBC6}"/>
+                </a:ext>
+              </a:extLst>
+            </p:cNvPr>
+            <p:cNvSpPr txBox="1"/>
+            <p:nvPr/>
+          </p:nvSpPr>
+          <p:spPr>
+            <a:xfrm flipH="1">
+              <a:off x="7136836" y="2905257"/>
+              <a:ext cx="1792785" cy="400110"/>
+            </a:xfrm>
+            <a:prstGeom prst="rect">
+              <a:avLst/>
+            </a:prstGeom>
+            <a:noFill/>
+          </p:spPr>
+          <p:txBody>
+            <a:bodyPr wrap="square" rtlCol="0">
+              <a:spAutoFit/>
+            </a:bodyPr>
+            <a:lstStyle/>
+            <a:p>
+              <a:pPr algn="ctr" defTabSz="914400"/>
+              <a:r>
+                <a:rPr lang="en-US" sz="2000" dirty="0">
+                  <a:solidFill>
+                    <a:srgbClr val="1A1D2C"/>
+                  </a:solidFill>
+                  <a:latin typeface="Avenir Next LT Pro"/>
+                </a:rPr>
+                <a:t>CLAN</a:t>
+              </a:r>
+              <a:endParaRPr lang="en-CA" sz="3200" dirty="0">
+                <a:solidFill>
+                  <a:srgbClr val="1A1D2C"/>
+                </a:solidFill>
+                <a:latin typeface="Avenir Next LT Pro"/>
+              </a:endParaRPr>
+            </a:p>
+          </p:txBody>
+        </p:sp>
+        <p:sp>
+          <p:nvSpPr>
+            <p:cNvPr id="61" name="TextBox 60">
+              <a:extLst>
+                <a:ext uri="{FF2B5EF4-FFF2-40B4-BE49-F238E27FC236}">
+                  <a16:creationId xmlns:a16="http://schemas.microsoft.com/office/drawing/2014/main" id="{7E9B14FC-4D44-4BFF-BCB4-43D7EC401B9E}"/>
+                </a:ext>
+              </a:extLst>
+            </p:cNvPr>
+            <p:cNvSpPr txBox="1"/>
+            <p:nvPr/>
+          </p:nvSpPr>
+          <p:spPr>
+            <a:xfrm flipH="1">
+              <a:off x="7142339" y="4703180"/>
+              <a:ext cx="1792785" cy="400110"/>
+            </a:xfrm>
+            <a:prstGeom prst="rect">
+              <a:avLst/>
+            </a:prstGeom>
+            <a:noFill/>
+          </p:spPr>
+          <p:txBody>
+            <a:bodyPr wrap="square" rtlCol="0">
+              <a:spAutoFit/>
+            </a:bodyPr>
+            <a:lstStyle/>
+            <a:p>
+              <a:pPr algn="ctr" defTabSz="914400"/>
+              <a:r>
+                <a:rPr lang="en-US" sz="2000" dirty="0">
+                  <a:solidFill>
+                    <a:srgbClr val="1A1D2C"/>
+                  </a:solidFill>
+                  <a:latin typeface="Avenir Next LT Pro"/>
+                </a:rPr>
+                <a:t>HIERARCHY</a:t>
+              </a:r>
+              <a:endParaRPr lang="en-CA" sz="2000" dirty="0">
+                <a:solidFill>
+                  <a:srgbClr val="1A1D2C"/>
+                </a:solidFill>
+                <a:latin typeface="Avenir Next LT Pro"/>
+              </a:endParaRPr>
+            </a:p>
+          </p:txBody>
+        </p:sp>
+        <p:sp>
+          <p:nvSpPr>
+            <p:cNvPr id="62" name="TextBox 61">
+              <a:extLst>
+                <a:ext uri="{FF2B5EF4-FFF2-40B4-BE49-F238E27FC236}">
+                  <a16:creationId xmlns:a16="http://schemas.microsoft.com/office/drawing/2014/main" id="{F98B4E60-0D74-459F-97CD-C5CDC7185379}"/>
+                </a:ext>
+              </a:extLst>
+            </p:cNvPr>
+            <p:cNvSpPr txBox="1"/>
+            <p:nvPr/>
+          </p:nvSpPr>
+          <p:spPr>
+            <a:xfrm flipH="1">
+              <a:off x="9007132" y="4707776"/>
+              <a:ext cx="1792785" cy="400110"/>
+            </a:xfrm>
+            <a:prstGeom prst="rect">
+              <a:avLst/>
+            </a:prstGeom>
+            <a:noFill/>
+          </p:spPr>
+          <p:txBody>
+            <a:bodyPr wrap="square" rtlCol="0">
+              <a:spAutoFit/>
+            </a:bodyPr>
+            <a:lstStyle/>
+            <a:p>
+              <a:pPr algn="ctr" defTabSz="914400"/>
+              <a:r>
+                <a:rPr lang="en-US" sz="2000" dirty="0">
+                  <a:solidFill>
+                    <a:srgbClr val="1A1D2C"/>
+                  </a:solidFill>
+                  <a:latin typeface="Avenir Next LT Pro"/>
+                </a:rPr>
+                <a:t>MARKET</a:t>
+              </a:r>
+              <a:endParaRPr lang="en-CA" sz="2000" dirty="0">
+                <a:solidFill>
+                  <a:srgbClr val="1A1D2C"/>
+                </a:solidFill>
+                <a:latin typeface="Avenir Next LT Pro"/>
+              </a:endParaRPr>
+            </a:p>
+          </p:txBody>
+        </p:sp>
+      </p:grpSp>
+      <p:grpSp>
+        <p:nvGrpSpPr>
+          <p:cNvPr id="76" name="Group 75">
+            <a:extLst>
+              <a:ext uri="{FF2B5EF4-FFF2-40B4-BE49-F238E27FC236}">
+                <a16:creationId xmlns:a16="http://schemas.microsoft.com/office/drawing/2014/main" id="{AD32B919-4F17-41C0-B73B-5C80D509199E}"/>
+              </a:ext>
+            </a:extLst>
+          </p:cNvPr>
+          <p:cNvGrpSpPr/>
+          <p:nvPr/>
+        </p:nvGrpSpPr>
+        <p:grpSpPr>
+          <a:xfrm>
+            <a:off x="211687" y="17752117"/>
+            <a:ext cx="18367495" cy="1008239"/>
+            <a:chOff x="575336" y="1773674"/>
+            <a:chExt cx="18367495" cy="1008239"/>
+          </a:xfrm>
+        </p:grpSpPr>
+        <p:sp>
+          <p:nvSpPr>
+            <p:cNvPr id="77" name="Arrow: Chevron 76">
+              <a:extLst>
+                <a:ext uri="{FF2B5EF4-FFF2-40B4-BE49-F238E27FC236}">
+                  <a16:creationId xmlns:a16="http://schemas.microsoft.com/office/drawing/2014/main" id="{6FD5843F-DD2E-467D-B18A-F0EFDB2EC9F2}"/>
+                </a:ext>
+              </a:extLst>
+            </p:cNvPr>
+            <p:cNvSpPr/>
+            <p:nvPr/>
+          </p:nvSpPr>
+          <p:spPr>
+            <a:xfrm>
+              <a:off x="5678323" y="1793582"/>
+              <a:ext cx="1065867" cy="978437"/>
+            </a:xfrm>
+            <a:prstGeom prst="chevron">
+              <a:avLst/>
+            </a:prstGeom>
+            <a:solidFill>
+              <a:srgbClr val="8F99BB">
+                <a:lumMod val="60000"/>
+                <a:lumOff val="40000"/>
+              </a:srgbClr>
+            </a:solidFill>
+            <a:ln w="12700" cap="flat" cmpd="sng" algn="ctr">
+              <a:noFill/>
+              <a:prstDash val="solid"/>
+              <a:miter lim="800000"/>
+            </a:ln>
+            <a:effectLst/>
+          </p:spPr>
+          <p:txBody>
+            <a:bodyPr rtlCol="0" anchor="ctr"/>
+            <a:lstStyle/>
+            <a:p>
+              <a:pPr marL="0" marR="0" lvl="0" indent="0" algn="ctr" defTabSz="914400" eaLnBrk="1" fontAlgn="auto" latinLnBrk="0" hangingPunct="1">
+                <a:lnSpc>
+                  <a:spcPct val="100000"/>
+                </a:lnSpc>
+                <a:spcBef>
+                  <a:spcPts val="0"/>
+                </a:spcBef>
+                <a:spcAft>
+                  <a:spcPts val="0"/>
+                </a:spcAft>
+                <a:buClrTx/>
+                <a:buSzTx/>
+                <a:buFontTx/>
+                <a:buNone/>
+                <a:tabLst/>
+                <a:defRPr/>
+              </a:pPr>
+              <a:endParaRPr kumimoji="0" lang="en-CA" sz="1800" b="0" i="0" u="none" strike="noStrike" kern="0" cap="none" spc="0" normalizeH="0" baseline="0" noProof="0">
+                <a:ln>
+                  <a:noFill/>
+                </a:ln>
+                <a:solidFill>
+                  <a:prstClr val="black"/>
+                </a:solidFill>
+                <a:effectLst/>
+                <a:uLnTx/>
+                <a:uFillTx/>
+                <a:latin typeface="Avenir Next LT Pro"/>
+                <a:ea typeface="+mn-ea"/>
+                <a:cs typeface="+mn-cs"/>
+              </a:endParaRPr>
+            </a:p>
+          </p:txBody>
+        </p:sp>
+        <p:sp>
+          <p:nvSpPr>
+            <p:cNvPr id="78" name="Rectangle 77">
+              <a:extLst>
+                <a:ext uri="{FF2B5EF4-FFF2-40B4-BE49-F238E27FC236}">
+                  <a16:creationId xmlns:a16="http://schemas.microsoft.com/office/drawing/2014/main" id="{06771736-154D-476D-B69A-666A25D467EF}"/>
+                </a:ext>
+              </a:extLst>
+            </p:cNvPr>
+            <p:cNvSpPr/>
+            <p:nvPr/>
+          </p:nvSpPr>
+          <p:spPr>
+            <a:xfrm>
+              <a:off x="575336" y="1790881"/>
+              <a:ext cx="1309051" cy="978441"/>
+            </a:xfrm>
+            <a:prstGeom prst="rect">
+              <a:avLst/>
+            </a:prstGeom>
+            <a:solidFill>
+              <a:srgbClr val="8F99BB">
+                <a:lumMod val="75000"/>
+              </a:srgbClr>
+            </a:solidFill>
+            <a:ln w="12700" cap="flat" cmpd="sng" algn="ctr">
+              <a:noFill/>
+              <a:prstDash val="solid"/>
+              <a:miter lim="800000"/>
+            </a:ln>
+            <a:effectLst/>
+          </p:spPr>
+          <p:txBody>
+            <a:bodyPr rtlCol="0" anchor="ctr"/>
+            <a:lstStyle/>
+            <a:p>
+              <a:pPr marL="0" marR="0" lvl="0" indent="0" algn="ctr" defTabSz="914400" eaLnBrk="1" fontAlgn="auto" latinLnBrk="0" hangingPunct="1">
+                <a:lnSpc>
+                  <a:spcPct val="100000"/>
+                </a:lnSpc>
+                <a:spcBef>
+                  <a:spcPts val="0"/>
+                </a:spcBef>
+                <a:spcAft>
+                  <a:spcPts val="0"/>
+                </a:spcAft>
+                <a:buClrTx/>
+                <a:buSzTx/>
+                <a:buFontTx/>
+                <a:buNone/>
+                <a:tabLst/>
+                <a:defRPr/>
+              </a:pPr>
+              <a:r>
+                <a:rPr kumimoji="0" lang="en-US" sz="2800" b="1" i="0" u="none" strike="noStrike" kern="0" cap="none" spc="0" normalizeH="0" baseline="0" noProof="0" dirty="0">
+                  <a:ln>
+                    <a:noFill/>
+                  </a:ln>
+                  <a:solidFill>
+                    <a:prstClr val="white"/>
+                  </a:solidFill>
+                  <a:effectLst/>
+                  <a:uLnTx/>
+                  <a:uFillTx/>
+                  <a:latin typeface="Avenir Next LT Pro"/>
+                  <a:ea typeface="+mn-ea"/>
+                  <a:cs typeface="+mn-cs"/>
+                </a:rPr>
+                <a:t>H1</a:t>
+              </a:r>
+              <a:endParaRPr kumimoji="0" lang="en-CA" sz="2800" b="1" i="0" u="none" strike="noStrike" kern="0" cap="none" spc="0" normalizeH="0" baseline="0" noProof="0" dirty="0">
+                <a:ln>
+                  <a:noFill/>
+                </a:ln>
+                <a:solidFill>
+                  <a:prstClr val="white"/>
+                </a:solidFill>
+                <a:effectLst/>
+                <a:uLnTx/>
+                <a:uFillTx/>
+                <a:latin typeface="Avenir Next LT Pro"/>
+                <a:ea typeface="+mn-ea"/>
+                <a:cs typeface="+mn-cs"/>
+              </a:endParaRPr>
+            </a:p>
+          </p:txBody>
+        </p:sp>
+        <p:sp>
+          <p:nvSpPr>
+            <p:cNvPr id="79" name="Arrow: Pentagon 78">
+              <a:extLst>
+                <a:ext uri="{FF2B5EF4-FFF2-40B4-BE49-F238E27FC236}">
+                  <a16:creationId xmlns:a16="http://schemas.microsoft.com/office/drawing/2014/main" id="{264C6006-5D20-4EDB-BCC5-79204A60C5DF}"/>
+                </a:ext>
+              </a:extLst>
+            </p:cNvPr>
+            <p:cNvSpPr/>
+            <p:nvPr/>
+          </p:nvSpPr>
+          <p:spPr>
+            <a:xfrm>
+              <a:off x="1869918" y="1790883"/>
+              <a:ext cx="4744338" cy="981136"/>
+            </a:xfrm>
+            <a:prstGeom prst="homePlate">
+              <a:avLst/>
+            </a:prstGeom>
+            <a:solidFill>
+              <a:srgbClr val="8F99BB">
+                <a:lumMod val="20000"/>
+                <a:lumOff val="80000"/>
+              </a:srgbClr>
+            </a:solidFill>
+            <a:ln w="12700" cap="flat" cmpd="sng" algn="ctr">
+              <a:noFill/>
+              <a:prstDash val="solid"/>
+              <a:miter lim="800000"/>
+            </a:ln>
+            <a:effectLst/>
+          </p:spPr>
+          <p:txBody>
+            <a:bodyPr rtlCol="0" anchor="ctr"/>
+            <a:lstStyle/>
+            <a:p>
+              <a:pPr marL="0" marR="0" lvl="0" indent="0" algn="ctr" defTabSz="914400" eaLnBrk="1" fontAlgn="auto" latinLnBrk="0" hangingPunct="1">
+                <a:lnSpc>
+                  <a:spcPct val="100000"/>
+                </a:lnSpc>
+                <a:spcBef>
+                  <a:spcPts val="0"/>
+                </a:spcBef>
+                <a:spcAft>
+                  <a:spcPts val="0"/>
+                </a:spcAft>
+                <a:buClrTx/>
+                <a:buSzTx/>
+                <a:buFontTx/>
+                <a:buNone/>
+                <a:tabLst/>
+                <a:defRPr/>
+              </a:pPr>
+              <a:r>
+                <a:rPr kumimoji="0" lang="en-US" sz="2400" b="0" i="0" u="none" strike="noStrike" kern="0" cap="none" spc="0" normalizeH="0" baseline="0" noProof="0" dirty="0">
+                  <a:ln>
+                    <a:noFill/>
+                  </a:ln>
+                  <a:solidFill>
+                    <a:srgbClr val="8F99BB">
+                      <a:lumMod val="75000"/>
+                    </a:srgbClr>
+                  </a:solidFill>
+                  <a:effectLst/>
+                  <a:uLnTx/>
+                  <a:uFillTx/>
+                  <a:latin typeface="Posterama"/>
+                  <a:ea typeface="+mn-ea"/>
+                  <a:cs typeface="+mn-cs"/>
+                </a:rPr>
+                <a:t>Presence of clan culture perks</a:t>
+              </a:r>
+              <a:endParaRPr kumimoji="0" lang="en-CA" sz="2400" b="0" i="0" u="none" strike="noStrike" kern="0" cap="none" spc="0" normalizeH="0" baseline="0" noProof="0" dirty="0">
+                <a:ln>
+                  <a:noFill/>
+                </a:ln>
+                <a:solidFill>
+                  <a:srgbClr val="8F99BB">
+                    <a:lumMod val="75000"/>
+                  </a:srgbClr>
+                </a:solidFill>
+                <a:effectLst/>
+                <a:uLnTx/>
+                <a:uFillTx/>
+                <a:latin typeface="Posterama"/>
+                <a:ea typeface="+mn-ea"/>
+                <a:cs typeface="+mn-cs"/>
+              </a:endParaRPr>
+            </a:p>
+          </p:txBody>
+        </p:sp>
+        <p:grpSp>
+          <p:nvGrpSpPr>
+            <p:cNvPr id="80" name="Group 79">
+              <a:extLst>
+                <a:ext uri="{FF2B5EF4-FFF2-40B4-BE49-F238E27FC236}">
+                  <a16:creationId xmlns:a16="http://schemas.microsoft.com/office/drawing/2014/main" id="{C95138E5-60D4-4159-862A-4129D7CB6ED3}"/>
+                </a:ext>
+              </a:extLst>
+            </p:cNvPr>
+            <p:cNvGrpSpPr/>
+            <p:nvPr/>
+          </p:nvGrpSpPr>
+          <p:grpSpPr>
+            <a:xfrm rot="16200000">
+              <a:off x="8736330" y="-586300"/>
+              <a:ext cx="986372" cy="5750053"/>
+              <a:chOff x="-2323679" y="4754614"/>
+              <a:chExt cx="2647649" cy="1970212"/>
+            </a:xfrm>
+          </p:grpSpPr>
+          <p:sp>
+            <p:nvSpPr>
+              <p:cNvPr id="85" name="Arrow: Chevron 84">
+                <a:extLst>
+                  <a:ext uri="{FF2B5EF4-FFF2-40B4-BE49-F238E27FC236}">
+                    <a16:creationId xmlns:a16="http://schemas.microsoft.com/office/drawing/2014/main" id="{16B6F3D1-686F-44AA-9A78-9E44ABB89099}"/>
+                  </a:ext>
+                </a:extLst>
+              </p:cNvPr>
+              <p:cNvSpPr/>
+              <p:nvPr/>
+            </p:nvSpPr>
+            <p:spPr>
+              <a:xfrm rot="5400000">
+                <a:off x="-1856350" y="4287286"/>
+                <a:ext cx="1712728" cy="2647383"/>
+              </a:xfrm>
+              <a:prstGeom prst="chevron">
+                <a:avLst>
+                  <a:gd name="adj" fmla="val 51037"/>
+                </a:avLst>
+              </a:prstGeom>
+              <a:solidFill>
+                <a:srgbClr val="8F99BB">
+                  <a:lumMod val="20000"/>
+                  <a:lumOff val="80000"/>
+                </a:srgbClr>
+              </a:solidFill>
+              <a:ln w="12700" cap="flat" cmpd="sng" algn="ctr">
+                <a:noFill/>
+                <a:prstDash val="solid"/>
+                <a:miter lim="800000"/>
+              </a:ln>
+              <a:effectLst/>
+            </p:spPr>
+            <p:txBody>
+              <a:bodyPr rtlCol="0" anchor="ctr"/>
+              <a:lstStyle/>
+              <a:p>
+                <a:pPr marL="0" marR="0" lvl="0" indent="0" algn="ctr" defTabSz="914400" eaLnBrk="1" fontAlgn="auto" latinLnBrk="0" hangingPunct="1">
+                  <a:lnSpc>
+                    <a:spcPct val="100000"/>
+                  </a:lnSpc>
+                  <a:spcBef>
+                    <a:spcPts val="0"/>
+                  </a:spcBef>
+                  <a:spcAft>
+                    <a:spcPts val="0"/>
+                  </a:spcAft>
+                  <a:buClrTx/>
+                  <a:buSzTx/>
+                  <a:buFontTx/>
+                  <a:buNone/>
+                  <a:tabLst/>
+                  <a:defRPr/>
+                </a:pPr>
+                <a:endParaRPr kumimoji="0" lang="en-CA" sz="1800" b="0" i="0" u="none" strike="noStrike" kern="0" cap="none" spc="0" normalizeH="0" baseline="0" noProof="0" dirty="0">
+                  <a:ln>
+                    <a:noFill/>
+                  </a:ln>
+                  <a:solidFill>
+                    <a:prstClr val="black"/>
+                  </a:solidFill>
+                  <a:effectLst/>
+                  <a:uLnTx/>
+                  <a:uFillTx/>
+                  <a:latin typeface="Avenir Next LT Pro"/>
+                  <a:ea typeface="+mn-ea"/>
+                  <a:cs typeface="+mn-cs"/>
+                </a:endParaRPr>
+              </a:p>
+            </p:txBody>
+          </p:sp>
+          <p:sp>
+            <p:nvSpPr>
+              <p:cNvPr id="86" name="Rectangle 85">
+                <a:extLst>
+                  <a:ext uri="{FF2B5EF4-FFF2-40B4-BE49-F238E27FC236}">
+                    <a16:creationId xmlns:a16="http://schemas.microsoft.com/office/drawing/2014/main" id="{2C364B84-41B2-41E1-8728-6C46B9EA54AF}"/>
+                  </a:ext>
+                </a:extLst>
+              </p:cNvPr>
+              <p:cNvSpPr/>
+              <p:nvPr/>
+            </p:nvSpPr>
+            <p:spPr>
+              <a:xfrm>
+                <a:off x="-2323679" y="5743614"/>
+                <a:ext cx="2647649" cy="981212"/>
+              </a:xfrm>
+              <a:prstGeom prst="rect">
+                <a:avLst/>
+              </a:prstGeom>
+              <a:solidFill>
+                <a:srgbClr val="8F99BB">
+                  <a:lumMod val="20000"/>
+                  <a:lumOff val="80000"/>
+                </a:srgbClr>
+              </a:solidFill>
+              <a:ln w="12700" cap="flat" cmpd="sng" algn="ctr">
+                <a:noFill/>
+                <a:prstDash val="solid"/>
+                <a:miter lim="800000"/>
+              </a:ln>
+              <a:effectLst/>
+            </p:spPr>
+            <p:txBody>
+              <a:bodyPr rtlCol="0" anchor="ctr"/>
+              <a:lstStyle/>
+              <a:p>
+                <a:pPr marL="0" marR="0" lvl="0" indent="0" algn="ctr" defTabSz="914400" eaLnBrk="1" fontAlgn="auto" latinLnBrk="0" hangingPunct="1">
+                  <a:lnSpc>
+                    <a:spcPct val="100000"/>
+                  </a:lnSpc>
+                  <a:spcBef>
+                    <a:spcPts val="0"/>
+                  </a:spcBef>
+                  <a:spcAft>
+                    <a:spcPts val="0"/>
+                  </a:spcAft>
+                  <a:buClrTx/>
+                  <a:buSzTx/>
+                  <a:buFontTx/>
+                  <a:buNone/>
+                  <a:tabLst/>
+                  <a:defRPr/>
+                </a:pPr>
+                <a:endParaRPr kumimoji="0" lang="en-CA" sz="1800" b="0" i="0" u="none" strike="noStrike" kern="0" cap="none" spc="0" normalizeH="0" baseline="0" noProof="0" dirty="0">
+                  <a:ln>
+                    <a:noFill/>
+                  </a:ln>
+                  <a:solidFill>
+                    <a:prstClr val="white"/>
+                  </a:solidFill>
+                  <a:effectLst/>
+                  <a:uLnTx/>
+                  <a:uFillTx/>
+                  <a:latin typeface="Avenir Next LT Pro"/>
+                  <a:ea typeface="+mn-ea"/>
+                  <a:cs typeface="+mn-cs"/>
+                </a:endParaRPr>
+              </a:p>
+            </p:txBody>
+          </p:sp>
+          <p:sp>
+            <p:nvSpPr>
+              <p:cNvPr id="87" name="Rectangle 86">
+                <a:extLst>
+                  <a:ext uri="{FF2B5EF4-FFF2-40B4-BE49-F238E27FC236}">
+                    <a16:creationId xmlns:a16="http://schemas.microsoft.com/office/drawing/2014/main" id="{E63198CF-B6C9-48DD-9F6C-ECB6A5B58215}"/>
+                  </a:ext>
+                </a:extLst>
+              </p:cNvPr>
+              <p:cNvSpPr/>
+              <p:nvPr/>
+            </p:nvSpPr>
+            <p:spPr>
+              <a:xfrm>
+                <a:off x="-2322750" y="5471802"/>
+                <a:ext cx="616201" cy="1085807"/>
+              </a:xfrm>
+              <a:prstGeom prst="rect">
+                <a:avLst/>
+              </a:prstGeom>
+              <a:solidFill>
+                <a:srgbClr val="8F99BB">
+                  <a:lumMod val="20000"/>
+                  <a:lumOff val="80000"/>
+                </a:srgbClr>
+              </a:solidFill>
+              <a:ln w="12700" cap="flat" cmpd="sng" algn="ctr">
+                <a:noFill/>
+                <a:prstDash val="solid"/>
+                <a:miter lim="800000"/>
+              </a:ln>
+              <a:effectLst/>
+            </p:spPr>
+            <p:txBody>
+              <a:bodyPr rtlCol="0" anchor="ctr"/>
+              <a:lstStyle/>
+              <a:p>
+                <a:pPr marL="0" marR="0" lvl="0" indent="0" algn="ctr" defTabSz="914400" eaLnBrk="1" fontAlgn="auto" latinLnBrk="0" hangingPunct="1">
+                  <a:lnSpc>
+                    <a:spcPct val="100000"/>
+                  </a:lnSpc>
+                  <a:spcBef>
+                    <a:spcPts val="0"/>
+                  </a:spcBef>
+                  <a:spcAft>
+                    <a:spcPts val="0"/>
+                  </a:spcAft>
+                  <a:buClrTx/>
+                  <a:buSzTx/>
+                  <a:buFontTx/>
+                  <a:buNone/>
+                  <a:tabLst/>
+                  <a:defRPr/>
+                </a:pPr>
+                <a:endParaRPr kumimoji="0" lang="en-CA" sz="1800" b="0" i="0" u="none" strike="noStrike" kern="0" cap="none" spc="0" normalizeH="0" baseline="0" noProof="0">
+                  <a:ln>
+                    <a:noFill/>
+                  </a:ln>
+                  <a:solidFill>
+                    <a:prstClr val="white"/>
+                  </a:solidFill>
+                  <a:effectLst/>
+                  <a:uLnTx/>
+                  <a:uFillTx/>
+                  <a:latin typeface="Avenir Next LT Pro"/>
+                  <a:ea typeface="+mn-ea"/>
+                  <a:cs typeface="+mn-cs"/>
+                </a:endParaRPr>
+              </a:p>
+            </p:txBody>
+          </p:sp>
+          <p:sp>
+            <p:nvSpPr>
+              <p:cNvPr id="88" name="Rectangle 87">
+                <a:extLst>
+                  <a:ext uri="{FF2B5EF4-FFF2-40B4-BE49-F238E27FC236}">
+                    <a16:creationId xmlns:a16="http://schemas.microsoft.com/office/drawing/2014/main" id="{68E1BA0B-C739-4CCE-918B-DACABB8BC656}"/>
+                  </a:ext>
+                </a:extLst>
+              </p:cNvPr>
+              <p:cNvSpPr/>
+              <p:nvPr/>
+            </p:nvSpPr>
+            <p:spPr>
+              <a:xfrm>
+                <a:off x="-298706" y="5439513"/>
+                <a:ext cx="622048" cy="1085807"/>
+              </a:xfrm>
+              <a:prstGeom prst="rect">
+                <a:avLst/>
+              </a:prstGeom>
+              <a:solidFill>
+                <a:srgbClr val="8F99BB">
+                  <a:lumMod val="20000"/>
+                  <a:lumOff val="80000"/>
+                </a:srgbClr>
+              </a:solidFill>
+              <a:ln w="12700" cap="flat" cmpd="sng" algn="ctr">
+                <a:noFill/>
+                <a:prstDash val="solid"/>
+                <a:miter lim="800000"/>
+              </a:ln>
+              <a:effectLst/>
+            </p:spPr>
+            <p:txBody>
+              <a:bodyPr rtlCol="0" anchor="ctr"/>
+              <a:lstStyle/>
+              <a:p>
+                <a:pPr marL="0" marR="0" lvl="0" indent="0" algn="ctr" defTabSz="914400" eaLnBrk="1" fontAlgn="auto" latinLnBrk="0" hangingPunct="1">
+                  <a:lnSpc>
+                    <a:spcPct val="100000"/>
+                  </a:lnSpc>
+                  <a:spcBef>
+                    <a:spcPts val="0"/>
+                  </a:spcBef>
+                  <a:spcAft>
+                    <a:spcPts val="0"/>
+                  </a:spcAft>
+                  <a:buClrTx/>
+                  <a:buSzTx/>
+                  <a:buFontTx/>
+                  <a:buNone/>
+                  <a:tabLst/>
+                  <a:defRPr/>
+                </a:pPr>
+                <a:endParaRPr kumimoji="0" lang="en-CA" sz="1800" b="0" i="0" u="none" strike="noStrike" kern="0" cap="none" spc="0" normalizeH="0" baseline="0" noProof="0">
+                  <a:ln>
+                    <a:noFill/>
+                  </a:ln>
+                  <a:solidFill>
+                    <a:prstClr val="white"/>
+                  </a:solidFill>
+                  <a:effectLst/>
+                  <a:uLnTx/>
+                  <a:uFillTx/>
+                  <a:latin typeface="Avenir Next LT Pro"/>
+                  <a:ea typeface="+mn-ea"/>
+                  <a:cs typeface="+mn-cs"/>
+                </a:endParaRPr>
+              </a:p>
+            </p:txBody>
+          </p:sp>
+        </p:grpSp>
+        <p:sp>
+          <p:nvSpPr>
+            <p:cNvPr id="81" name="TextBox 80">
+              <a:extLst>
+                <a:ext uri="{FF2B5EF4-FFF2-40B4-BE49-F238E27FC236}">
+                  <a16:creationId xmlns:a16="http://schemas.microsoft.com/office/drawing/2014/main" id="{D031F755-B0C9-457F-82B2-5D7E4E5D500F}"/>
+                </a:ext>
+              </a:extLst>
+            </p:cNvPr>
+            <p:cNvSpPr txBox="1"/>
+            <p:nvPr/>
+          </p:nvSpPr>
+          <p:spPr>
+            <a:xfrm>
+              <a:off x="6751584" y="2040475"/>
+              <a:ext cx="3101091" cy="461665"/>
+            </a:xfrm>
+            <a:prstGeom prst="rect">
+              <a:avLst/>
+            </a:prstGeom>
+            <a:noFill/>
+          </p:spPr>
+          <p:txBody>
+            <a:bodyPr wrap="square" rtlCol="0">
+              <a:spAutoFit/>
+            </a:bodyPr>
+            <a:lstStyle/>
+            <a:p>
+              <a:pPr marL="0" marR="0" lvl="0" indent="0" algn="ctr" defTabSz="914400" eaLnBrk="1" fontAlgn="auto" latinLnBrk="0" hangingPunct="1">
+                <a:lnSpc>
+                  <a:spcPct val="100000"/>
+                </a:lnSpc>
+                <a:spcBef>
+                  <a:spcPts val="0"/>
+                </a:spcBef>
+                <a:spcAft>
+                  <a:spcPts val="0"/>
+                </a:spcAft>
+                <a:buClrTx/>
+                <a:buSzTx/>
+                <a:buFontTx/>
+                <a:buNone/>
+                <a:tabLst/>
+                <a:defRPr/>
+              </a:pPr>
+              <a:r>
+                <a:rPr kumimoji="0" lang="en-US" sz="1800" b="0" i="0" u="none" strike="noStrike" kern="0" cap="none" spc="0" normalizeH="0" baseline="0" noProof="0" dirty="0">
+                  <a:ln>
+                    <a:noFill/>
+                  </a:ln>
+                  <a:solidFill>
+                    <a:srgbClr val="8F99BB">
+                      <a:lumMod val="75000"/>
+                    </a:srgbClr>
+                  </a:solidFill>
+                  <a:effectLst/>
+                  <a:uLnTx/>
+                  <a:uFillTx/>
+                  <a:latin typeface="Avenir Next LT Pro"/>
+                </a:rPr>
+                <a:t>     </a:t>
+              </a:r>
+              <a:r>
+                <a:rPr kumimoji="0" lang="en-US" sz="2400" b="0" i="0" u="none" strike="noStrike" kern="0" cap="none" spc="0" normalizeH="0" baseline="0" noProof="0" dirty="0">
+                  <a:ln>
+                    <a:noFill/>
+                  </a:ln>
+                  <a:solidFill>
+                    <a:srgbClr val="8F99BB">
+                      <a:lumMod val="75000"/>
+                    </a:srgbClr>
+                  </a:solidFill>
+                  <a:effectLst/>
+                  <a:uLnTx/>
+                  <a:uFillTx/>
+                  <a:latin typeface="Posterama"/>
+                </a:rPr>
+                <a:t>Exploitation</a:t>
+              </a:r>
+              <a:endParaRPr kumimoji="0" lang="en-CA" sz="1800" b="0" i="0" u="none" strike="noStrike" kern="0" cap="none" spc="0" normalizeH="0" baseline="0" noProof="0" dirty="0">
+                <a:ln>
+                  <a:noFill/>
+                </a:ln>
+                <a:solidFill>
+                  <a:srgbClr val="8F99BB">
+                    <a:lumMod val="75000"/>
+                  </a:srgbClr>
+                </a:solidFill>
+                <a:effectLst/>
+                <a:uLnTx/>
+                <a:uFillTx/>
+                <a:latin typeface="Posterama"/>
+              </a:endParaRPr>
+            </a:p>
+          </p:txBody>
+        </p:sp>
+        <p:cxnSp>
+          <p:nvCxnSpPr>
+            <p:cNvPr id="82" name="Straight Arrow Connector 81">
+              <a:extLst>
+                <a:ext uri="{FF2B5EF4-FFF2-40B4-BE49-F238E27FC236}">
+                  <a16:creationId xmlns:a16="http://schemas.microsoft.com/office/drawing/2014/main" id="{8BF75C01-7025-47F5-BDD0-290BE8D4797C}"/>
+                </a:ext>
+              </a:extLst>
+            </p:cNvPr>
+            <p:cNvCxnSpPr/>
+            <p:nvPr/>
+          </p:nvCxnSpPr>
+          <p:spPr>
+            <a:xfrm flipV="1">
+              <a:off x="7462703" y="2027516"/>
+              <a:ext cx="0" cy="413902"/>
+            </a:xfrm>
+            <a:prstGeom prst="straightConnector1">
+              <a:avLst/>
+            </a:prstGeom>
+            <a:noFill/>
+            <a:ln w="38100" cap="flat" cmpd="sng" algn="ctr">
+              <a:solidFill>
+                <a:srgbClr val="8F99BB">
+                  <a:lumMod val="75000"/>
+                </a:srgbClr>
+              </a:solidFill>
+              <a:prstDash val="solid"/>
+              <a:miter lim="800000"/>
+              <a:headEnd type="none" w="med" len="med"/>
+              <a:tailEnd type="arrow" w="med" len="med"/>
+            </a:ln>
+            <a:effectLst/>
+          </p:spPr>
+        </p:cxnSp>
+        <p:sp>
+          <p:nvSpPr>
+            <p:cNvPr id="83" name="TextBox 82">
+              <a:extLst>
+                <a:ext uri="{FF2B5EF4-FFF2-40B4-BE49-F238E27FC236}">
+                  <a16:creationId xmlns:a16="http://schemas.microsoft.com/office/drawing/2014/main" id="{E0B34811-E565-4C88-A527-4CC619476A6D}"/>
+                </a:ext>
+              </a:extLst>
+            </p:cNvPr>
+            <p:cNvSpPr txBox="1"/>
+            <p:nvPr/>
+          </p:nvSpPr>
+          <p:spPr>
+            <a:xfrm>
+              <a:off x="8909773" y="2035691"/>
+              <a:ext cx="2475510" cy="461665"/>
+            </a:xfrm>
+            <a:prstGeom prst="rect">
+              <a:avLst/>
+            </a:prstGeom>
+            <a:noFill/>
+          </p:spPr>
+          <p:txBody>
+            <a:bodyPr wrap="square" rtlCol="0">
+              <a:spAutoFit/>
+            </a:bodyPr>
+            <a:lstStyle/>
+            <a:p>
+              <a:pPr marL="0" marR="0" lvl="0" indent="0" algn="ctr" defTabSz="914400" eaLnBrk="1" fontAlgn="auto" latinLnBrk="0" hangingPunct="1">
+                <a:lnSpc>
+                  <a:spcPct val="100000"/>
+                </a:lnSpc>
+                <a:spcBef>
+                  <a:spcPts val="0"/>
+                </a:spcBef>
+                <a:spcAft>
+                  <a:spcPts val="0"/>
+                </a:spcAft>
+                <a:buClrTx/>
+                <a:buSzTx/>
+                <a:buFontTx/>
+                <a:buNone/>
+                <a:tabLst/>
+                <a:defRPr/>
+              </a:pPr>
+              <a:r>
+                <a:rPr kumimoji="0" lang="en-US" sz="1800" b="0" i="0" u="none" strike="noStrike" kern="0" cap="none" spc="0" normalizeH="0" baseline="0" noProof="0" dirty="0">
+                  <a:ln>
+                    <a:noFill/>
+                  </a:ln>
+                  <a:solidFill>
+                    <a:srgbClr val="8F99BB">
+                      <a:lumMod val="75000"/>
+                    </a:srgbClr>
+                  </a:solidFill>
+                  <a:effectLst/>
+                  <a:uLnTx/>
+                  <a:uFillTx/>
+                  <a:latin typeface="Avenir Next LT Pro"/>
+                </a:rPr>
+                <a:t> </a:t>
+              </a:r>
+              <a:r>
+                <a:rPr kumimoji="0" lang="en-US" sz="2400" b="0" i="0" u="none" strike="noStrike" kern="0" cap="none" spc="0" normalizeH="0" baseline="0" noProof="0" dirty="0">
+                  <a:ln>
+                    <a:noFill/>
+                  </a:ln>
+                  <a:solidFill>
+                    <a:srgbClr val="8F99BB">
+                      <a:lumMod val="75000"/>
+                    </a:srgbClr>
+                  </a:solidFill>
+                  <a:effectLst/>
+                  <a:uLnTx/>
+                  <a:uFillTx/>
+                  <a:latin typeface="Posterama"/>
+                </a:rPr>
+                <a:t>Justification</a:t>
+              </a:r>
+              <a:endParaRPr kumimoji="0" lang="en-CA" sz="1800" b="0" i="0" u="none" strike="noStrike" kern="0" cap="none" spc="0" normalizeH="0" baseline="0" noProof="0" dirty="0">
+                <a:ln>
+                  <a:noFill/>
+                </a:ln>
+                <a:solidFill>
+                  <a:srgbClr val="8F99BB">
+                    <a:lumMod val="75000"/>
+                  </a:srgbClr>
+                </a:solidFill>
+                <a:effectLst/>
+                <a:uLnTx/>
+                <a:uFillTx/>
+                <a:latin typeface="Posterama"/>
+              </a:endParaRPr>
+            </a:p>
+          </p:txBody>
+        </p:sp>
+        <p:sp>
+          <p:nvSpPr>
+            <p:cNvPr id="84" name="TextBox 83">
+              <a:extLst>
+                <a:ext uri="{FF2B5EF4-FFF2-40B4-BE49-F238E27FC236}">
+                  <a16:creationId xmlns:a16="http://schemas.microsoft.com/office/drawing/2014/main" id="{E75BD494-D2CF-49DF-B5FF-FDA4B8FB30D1}"/>
+                </a:ext>
+              </a:extLst>
+            </p:cNvPr>
+            <p:cNvSpPr txBox="1"/>
+            <p:nvPr/>
+          </p:nvSpPr>
+          <p:spPr>
+            <a:xfrm>
+              <a:off x="14786463" y="1773674"/>
+              <a:ext cx="4156368" cy="830997"/>
+            </a:xfrm>
+            <a:prstGeom prst="rect">
+              <a:avLst/>
+            </a:prstGeom>
+            <a:noFill/>
+          </p:spPr>
+          <p:txBody>
+            <a:bodyPr wrap="square" rtlCol="0">
+              <a:spAutoFit/>
+            </a:bodyPr>
+            <a:lstStyle/>
+            <a:p>
+              <a:pPr marL="0" marR="0" lvl="0" indent="0" algn="ctr" defTabSz="914400" eaLnBrk="1" fontAlgn="auto" latinLnBrk="0" hangingPunct="1">
+                <a:lnSpc>
+                  <a:spcPct val="100000"/>
+                </a:lnSpc>
+                <a:spcBef>
+                  <a:spcPts val="0"/>
+                </a:spcBef>
+                <a:spcAft>
+                  <a:spcPts val="0"/>
+                </a:spcAft>
+                <a:buClrTx/>
+                <a:buSzTx/>
+                <a:buFontTx/>
+                <a:buNone/>
+                <a:tabLst/>
+                <a:defRPr/>
+              </a:pPr>
+              <a:r>
+                <a:rPr kumimoji="0" lang="en-US" sz="1800" b="0" i="0" u="none" strike="noStrike" kern="0" cap="none" spc="0" normalizeH="0" baseline="0" noProof="0" dirty="0">
+                  <a:ln>
+                    <a:noFill/>
+                  </a:ln>
+                  <a:solidFill>
+                    <a:srgbClr val="8F99BB">
+                      <a:lumMod val="75000"/>
+                    </a:srgbClr>
+                  </a:solidFill>
+                  <a:effectLst/>
+                  <a:uLnTx/>
+                  <a:uFillTx/>
+                  <a:latin typeface="Avenir Next LT Pro"/>
+                </a:rPr>
+                <a:t> </a:t>
+              </a:r>
+              <a:r>
+                <a:rPr kumimoji="0" lang="en-US" sz="2400" b="0" i="0" u="none" strike="noStrike" kern="0" cap="none" spc="0" normalizeH="0" baseline="0" noProof="0" dirty="0">
+                  <a:ln>
+                    <a:noFill/>
+                  </a:ln>
+                  <a:solidFill>
+                    <a:srgbClr val="8F99BB">
+                      <a:lumMod val="75000"/>
+                    </a:srgbClr>
+                  </a:solidFill>
+                  <a:effectLst/>
+                  <a:uLnTx/>
+                  <a:uFillTx/>
+                  <a:latin typeface="Posterama"/>
+                </a:rPr>
+                <a:t>Unfairly compensated tasks and/or beyond job scope</a:t>
+              </a:r>
+              <a:endParaRPr kumimoji="0" lang="en-CA" sz="1800" b="0" i="0" u="none" strike="noStrike" kern="0" cap="none" spc="0" normalizeH="0" baseline="0" noProof="0" dirty="0">
+                <a:ln>
+                  <a:noFill/>
+                </a:ln>
+                <a:solidFill>
+                  <a:srgbClr val="8F99BB">
+                    <a:lumMod val="75000"/>
+                  </a:srgbClr>
+                </a:solidFill>
+                <a:effectLst/>
+                <a:uLnTx/>
+                <a:uFillTx/>
+                <a:latin typeface="Posterama"/>
+              </a:endParaRPr>
+            </a:p>
+          </p:txBody>
+        </p:sp>
+      </p:grpSp>
+      <p:grpSp>
+        <p:nvGrpSpPr>
+          <p:cNvPr id="103" name="Group 102">
+            <a:extLst>
+              <a:ext uri="{FF2B5EF4-FFF2-40B4-BE49-F238E27FC236}">
+                <a16:creationId xmlns:a16="http://schemas.microsoft.com/office/drawing/2014/main" id="{A0387F42-F72E-4277-8B8D-E5B7E59BD697}"/>
+              </a:ext>
+            </a:extLst>
+          </p:cNvPr>
+          <p:cNvGrpSpPr/>
+          <p:nvPr/>
+        </p:nvGrpSpPr>
+        <p:grpSpPr>
+          <a:xfrm>
+            <a:off x="211687" y="19017372"/>
+            <a:ext cx="16915789" cy="1067632"/>
+            <a:chOff x="575336" y="3057332"/>
+            <a:chExt cx="16915789" cy="1067632"/>
+          </a:xfrm>
+        </p:grpSpPr>
+        <p:sp>
+          <p:nvSpPr>
+            <p:cNvPr id="104" name="Arrow: Chevron 103">
+              <a:extLst>
+                <a:ext uri="{FF2B5EF4-FFF2-40B4-BE49-F238E27FC236}">
+                  <a16:creationId xmlns:a16="http://schemas.microsoft.com/office/drawing/2014/main" id="{45AE423F-2533-4967-A8CA-3142550AF0DC}"/>
+                </a:ext>
+              </a:extLst>
+            </p:cNvPr>
+            <p:cNvSpPr/>
+            <p:nvPr/>
+          </p:nvSpPr>
+          <p:spPr>
+            <a:xfrm>
+              <a:off x="5685715" y="3066361"/>
+              <a:ext cx="1065867" cy="978437"/>
+            </a:xfrm>
+            <a:prstGeom prst="chevron">
+              <a:avLst/>
+            </a:prstGeom>
+            <a:solidFill>
+              <a:srgbClr val="8F99BB">
+                <a:lumMod val="60000"/>
+                <a:lumOff val="40000"/>
+              </a:srgbClr>
+            </a:solidFill>
+            <a:ln w="12700" cap="flat" cmpd="sng" algn="ctr">
+              <a:noFill/>
+              <a:prstDash val="solid"/>
+              <a:miter lim="800000"/>
+            </a:ln>
+            <a:effectLst/>
+          </p:spPr>
+          <p:txBody>
+            <a:bodyPr rtlCol="0" anchor="ctr"/>
+            <a:lstStyle/>
+            <a:p>
+              <a:pPr marL="0" marR="0" lvl="0" indent="0" algn="ctr" defTabSz="914400" eaLnBrk="1" fontAlgn="auto" latinLnBrk="0" hangingPunct="1">
+                <a:lnSpc>
+                  <a:spcPct val="100000"/>
+                </a:lnSpc>
+                <a:spcBef>
+                  <a:spcPts val="0"/>
+                </a:spcBef>
+                <a:spcAft>
+                  <a:spcPts val="0"/>
+                </a:spcAft>
+                <a:buClrTx/>
+                <a:buSzTx/>
+                <a:buFontTx/>
+                <a:buNone/>
+                <a:tabLst/>
+                <a:defRPr/>
+              </a:pPr>
+              <a:endParaRPr kumimoji="0" lang="en-CA" sz="1800" b="0" i="0" u="none" strike="noStrike" kern="0" cap="none" spc="0" normalizeH="0" baseline="0" noProof="0">
+                <a:ln>
+                  <a:noFill/>
+                </a:ln>
+                <a:solidFill>
+                  <a:prstClr val="black"/>
+                </a:solidFill>
+                <a:effectLst/>
+                <a:uLnTx/>
+                <a:uFillTx/>
+                <a:latin typeface="Avenir Next LT Pro"/>
+                <a:ea typeface="+mn-ea"/>
+                <a:cs typeface="+mn-cs"/>
+              </a:endParaRPr>
+            </a:p>
+          </p:txBody>
+        </p:sp>
+        <p:sp>
+          <p:nvSpPr>
+            <p:cNvPr id="105" name="Rectangle 104">
+              <a:extLst>
+                <a:ext uri="{FF2B5EF4-FFF2-40B4-BE49-F238E27FC236}">
+                  <a16:creationId xmlns:a16="http://schemas.microsoft.com/office/drawing/2014/main" id="{0D0313E1-266B-4EEF-A853-0000AFBFC575}"/>
+                </a:ext>
+              </a:extLst>
+            </p:cNvPr>
+            <p:cNvSpPr/>
+            <p:nvPr/>
+          </p:nvSpPr>
+          <p:spPr>
+            <a:xfrm>
+              <a:off x="575336" y="3057332"/>
+              <a:ext cx="1309051" cy="978441"/>
+            </a:xfrm>
+            <a:prstGeom prst="rect">
+              <a:avLst/>
+            </a:prstGeom>
+            <a:solidFill>
+              <a:srgbClr val="8F99BB">
+                <a:lumMod val="75000"/>
+              </a:srgbClr>
+            </a:solidFill>
+            <a:ln w="12700" cap="flat" cmpd="sng" algn="ctr">
+              <a:noFill/>
+              <a:prstDash val="solid"/>
+              <a:miter lim="800000"/>
+            </a:ln>
+            <a:effectLst/>
+          </p:spPr>
+          <p:txBody>
+            <a:bodyPr rtlCol="0" anchor="ctr"/>
+            <a:lstStyle/>
+            <a:p>
+              <a:pPr marL="0" marR="0" lvl="0" indent="0" algn="ctr" defTabSz="914400" eaLnBrk="1" fontAlgn="auto" latinLnBrk="0" hangingPunct="1">
+                <a:lnSpc>
+                  <a:spcPct val="100000"/>
+                </a:lnSpc>
+                <a:spcBef>
+                  <a:spcPts val="0"/>
+                </a:spcBef>
+                <a:spcAft>
+                  <a:spcPts val="0"/>
+                </a:spcAft>
+                <a:buClrTx/>
+                <a:buSzTx/>
+                <a:buFontTx/>
+                <a:buNone/>
+                <a:tabLst/>
+                <a:defRPr/>
+              </a:pPr>
+              <a:r>
+                <a:rPr kumimoji="0" lang="en-US" sz="2800" b="1" i="0" u="none" strike="noStrike" kern="0" cap="none" spc="0" normalizeH="0" baseline="0" noProof="0" dirty="0">
+                  <a:ln>
+                    <a:noFill/>
+                  </a:ln>
+                  <a:solidFill>
+                    <a:prstClr val="white"/>
+                  </a:solidFill>
+                  <a:effectLst/>
+                  <a:uLnTx/>
+                  <a:uFillTx/>
+                  <a:latin typeface="Avenir Next LT Pro"/>
+                  <a:ea typeface="+mn-ea"/>
+                  <a:cs typeface="+mn-cs"/>
+                </a:rPr>
+                <a:t>H2</a:t>
+              </a:r>
+              <a:endParaRPr kumimoji="0" lang="en-CA" sz="2800" b="1" i="0" u="none" strike="noStrike" kern="0" cap="none" spc="0" normalizeH="0" baseline="0" noProof="0" dirty="0">
+                <a:ln>
+                  <a:noFill/>
+                </a:ln>
+                <a:solidFill>
+                  <a:prstClr val="white"/>
+                </a:solidFill>
+                <a:effectLst/>
+                <a:uLnTx/>
+                <a:uFillTx/>
+                <a:latin typeface="Avenir Next LT Pro"/>
+                <a:ea typeface="+mn-ea"/>
+                <a:cs typeface="+mn-cs"/>
+              </a:endParaRPr>
+            </a:p>
+          </p:txBody>
+        </p:sp>
+        <p:sp>
+          <p:nvSpPr>
+            <p:cNvPr id="106" name="Arrow: Pentagon 105">
+              <a:extLst>
+                <a:ext uri="{FF2B5EF4-FFF2-40B4-BE49-F238E27FC236}">
+                  <a16:creationId xmlns:a16="http://schemas.microsoft.com/office/drawing/2014/main" id="{A05C31F1-4074-4E0C-A59F-6F42962ABD8C}"/>
+                </a:ext>
+              </a:extLst>
+            </p:cNvPr>
+            <p:cNvSpPr/>
+            <p:nvPr/>
+          </p:nvSpPr>
+          <p:spPr>
+            <a:xfrm>
+              <a:off x="1869918" y="3057334"/>
+              <a:ext cx="4744338" cy="991030"/>
+            </a:xfrm>
+            <a:prstGeom prst="homePlate">
+              <a:avLst/>
+            </a:prstGeom>
+            <a:solidFill>
+              <a:srgbClr val="8F99BB">
+                <a:lumMod val="20000"/>
+                <a:lumOff val="80000"/>
+              </a:srgbClr>
+            </a:solidFill>
+            <a:ln w="12700" cap="flat" cmpd="sng" algn="ctr">
+              <a:noFill/>
+              <a:prstDash val="solid"/>
+              <a:miter lim="800000"/>
+            </a:ln>
+            <a:effectLst/>
+          </p:spPr>
+          <p:txBody>
+            <a:bodyPr rtlCol="0" anchor="ctr"/>
+            <a:lstStyle/>
+            <a:p>
+              <a:pPr marL="0" marR="0" lvl="0" indent="0" algn="ctr" defTabSz="914400" eaLnBrk="1" fontAlgn="auto" latinLnBrk="0" hangingPunct="1">
+                <a:lnSpc>
+                  <a:spcPct val="100000"/>
+                </a:lnSpc>
+                <a:spcBef>
+                  <a:spcPts val="0"/>
+                </a:spcBef>
+                <a:spcAft>
+                  <a:spcPts val="0"/>
+                </a:spcAft>
+                <a:buClrTx/>
+                <a:buSzTx/>
+                <a:buFontTx/>
+                <a:buNone/>
+                <a:tabLst/>
+                <a:defRPr/>
+              </a:pPr>
+              <a:r>
+                <a:rPr kumimoji="0" lang="en-US" sz="2400" b="0" i="0" u="none" strike="noStrike" kern="0" cap="none" spc="0" normalizeH="0" baseline="0" noProof="0" dirty="0">
+                  <a:ln>
+                    <a:noFill/>
+                  </a:ln>
+                  <a:solidFill>
+                    <a:srgbClr val="8F99BB">
+                      <a:lumMod val="75000"/>
+                    </a:srgbClr>
+                  </a:solidFill>
+                  <a:effectLst/>
+                  <a:uLnTx/>
+                  <a:uFillTx/>
+                  <a:latin typeface="Posterama"/>
+                  <a:ea typeface="+mn-ea"/>
+                  <a:cs typeface="+mn-cs"/>
+                </a:rPr>
+                <a:t>Presence of clan culture perks</a:t>
+              </a:r>
+              <a:endParaRPr kumimoji="0" lang="en-CA" sz="2400" b="0" i="0" u="none" strike="noStrike" kern="0" cap="none" spc="0" normalizeH="0" baseline="0" noProof="0" dirty="0">
+                <a:ln>
+                  <a:noFill/>
+                </a:ln>
+                <a:solidFill>
+                  <a:srgbClr val="8F99BB">
+                    <a:lumMod val="75000"/>
+                  </a:srgbClr>
+                </a:solidFill>
+                <a:effectLst/>
+                <a:uLnTx/>
+                <a:uFillTx/>
+                <a:latin typeface="Posterama"/>
+                <a:ea typeface="+mn-ea"/>
+                <a:cs typeface="+mn-cs"/>
+              </a:endParaRPr>
+            </a:p>
+          </p:txBody>
+        </p:sp>
+        <p:grpSp>
+          <p:nvGrpSpPr>
+            <p:cNvPr id="107" name="Group 106">
+              <a:extLst>
+                <a:ext uri="{FF2B5EF4-FFF2-40B4-BE49-F238E27FC236}">
+                  <a16:creationId xmlns:a16="http://schemas.microsoft.com/office/drawing/2014/main" id="{2CE241F5-C5AE-44CD-849C-A96E5831760A}"/>
+                </a:ext>
+              </a:extLst>
+            </p:cNvPr>
+            <p:cNvGrpSpPr/>
+            <p:nvPr/>
+          </p:nvGrpSpPr>
+          <p:grpSpPr>
+            <a:xfrm rot="16200000">
+              <a:off x="8736329" y="680153"/>
+              <a:ext cx="986372" cy="5750050"/>
+              <a:chOff x="-2323680" y="4754614"/>
+              <a:chExt cx="2647649" cy="1970211"/>
+            </a:xfrm>
+          </p:grpSpPr>
+          <p:sp>
+            <p:nvSpPr>
+              <p:cNvPr id="112" name="Arrow: Chevron 111">
+                <a:extLst>
+                  <a:ext uri="{FF2B5EF4-FFF2-40B4-BE49-F238E27FC236}">
+                    <a16:creationId xmlns:a16="http://schemas.microsoft.com/office/drawing/2014/main" id="{CD13B40E-065C-4F94-8D53-B32DB48B77B4}"/>
+                  </a:ext>
+                </a:extLst>
+              </p:cNvPr>
+              <p:cNvSpPr/>
+              <p:nvPr/>
+            </p:nvSpPr>
+            <p:spPr>
+              <a:xfrm rot="5400000">
+                <a:off x="-1856350" y="4287286"/>
+                <a:ext cx="1712728" cy="2647383"/>
+              </a:xfrm>
+              <a:prstGeom prst="chevron">
+                <a:avLst>
+                  <a:gd name="adj" fmla="val 51037"/>
+                </a:avLst>
+              </a:prstGeom>
+              <a:solidFill>
+                <a:srgbClr val="8F99BB">
+                  <a:lumMod val="20000"/>
+                  <a:lumOff val="80000"/>
+                </a:srgbClr>
+              </a:solidFill>
+              <a:ln w="12700" cap="flat" cmpd="sng" algn="ctr">
+                <a:noFill/>
+                <a:prstDash val="solid"/>
+                <a:miter lim="800000"/>
+              </a:ln>
+              <a:effectLst/>
+            </p:spPr>
+            <p:txBody>
+              <a:bodyPr rtlCol="0" anchor="ctr"/>
+              <a:lstStyle/>
+              <a:p>
+                <a:pPr marL="0" marR="0" lvl="0" indent="0" algn="ctr" defTabSz="914400" eaLnBrk="1" fontAlgn="auto" latinLnBrk="0" hangingPunct="1">
+                  <a:lnSpc>
+                    <a:spcPct val="100000"/>
+                  </a:lnSpc>
+                  <a:spcBef>
+                    <a:spcPts val="0"/>
+                  </a:spcBef>
+                  <a:spcAft>
+                    <a:spcPts val="0"/>
+                  </a:spcAft>
+                  <a:buClrTx/>
+                  <a:buSzTx/>
+                  <a:buFontTx/>
+                  <a:buNone/>
+                  <a:tabLst/>
+                  <a:defRPr/>
+                </a:pPr>
+                <a:endParaRPr kumimoji="0" lang="en-CA" sz="1800" b="0" i="0" u="none" strike="noStrike" kern="0" cap="none" spc="0" normalizeH="0" baseline="0" noProof="0" dirty="0">
+                  <a:ln>
+                    <a:noFill/>
+                  </a:ln>
+                  <a:solidFill>
+                    <a:srgbClr val="8F99BB">
+                      <a:lumMod val="75000"/>
+                    </a:srgbClr>
+                  </a:solidFill>
+                  <a:effectLst/>
+                  <a:uLnTx/>
+                  <a:uFillTx/>
+                  <a:latin typeface="Avenir Next LT Pro"/>
+                  <a:ea typeface="+mn-ea"/>
+                  <a:cs typeface="+mn-cs"/>
+                </a:endParaRPr>
+              </a:p>
+            </p:txBody>
+          </p:sp>
+          <p:sp>
+            <p:nvSpPr>
+              <p:cNvPr id="113" name="Rectangle 112">
+                <a:extLst>
+                  <a:ext uri="{FF2B5EF4-FFF2-40B4-BE49-F238E27FC236}">
+                    <a16:creationId xmlns:a16="http://schemas.microsoft.com/office/drawing/2014/main" id="{A84A6839-5912-404F-A38A-7082FC60CD09}"/>
+                  </a:ext>
+                </a:extLst>
+              </p:cNvPr>
+              <p:cNvSpPr/>
+              <p:nvPr/>
+            </p:nvSpPr>
+            <p:spPr>
+              <a:xfrm>
+                <a:off x="-2323680" y="5743614"/>
+                <a:ext cx="2647649" cy="981211"/>
+              </a:xfrm>
+              <a:prstGeom prst="rect">
+                <a:avLst/>
+              </a:prstGeom>
+              <a:solidFill>
+                <a:srgbClr val="8F99BB">
+                  <a:lumMod val="20000"/>
+                  <a:lumOff val="80000"/>
+                </a:srgbClr>
+              </a:solidFill>
+              <a:ln w="12700" cap="flat" cmpd="sng" algn="ctr">
+                <a:noFill/>
+                <a:prstDash val="solid"/>
+                <a:miter lim="800000"/>
+              </a:ln>
+              <a:effectLst/>
+            </p:spPr>
+            <p:txBody>
+              <a:bodyPr rtlCol="0" anchor="ctr"/>
+              <a:lstStyle/>
+              <a:p>
+                <a:pPr marL="0" marR="0" lvl="0" indent="0" algn="ctr" defTabSz="914400" eaLnBrk="1" fontAlgn="auto" latinLnBrk="0" hangingPunct="1">
+                  <a:lnSpc>
+                    <a:spcPct val="100000"/>
+                  </a:lnSpc>
+                  <a:spcBef>
+                    <a:spcPts val="0"/>
+                  </a:spcBef>
+                  <a:spcAft>
+                    <a:spcPts val="0"/>
+                  </a:spcAft>
+                  <a:buClrTx/>
+                  <a:buSzTx/>
+                  <a:buFontTx/>
+                  <a:buNone/>
+                  <a:tabLst/>
+                  <a:defRPr/>
+                </a:pPr>
+                <a:endParaRPr kumimoji="0" lang="en-CA" sz="1800" b="0" i="0" u="none" strike="noStrike" kern="0" cap="none" spc="0" normalizeH="0" baseline="0" noProof="0" dirty="0">
+                  <a:ln>
+                    <a:noFill/>
+                  </a:ln>
+                  <a:solidFill>
+                    <a:srgbClr val="8F99BB">
+                      <a:lumMod val="75000"/>
+                    </a:srgbClr>
+                  </a:solidFill>
+                  <a:effectLst/>
+                  <a:uLnTx/>
+                  <a:uFillTx/>
+                  <a:latin typeface="Avenir Next LT Pro"/>
+                  <a:ea typeface="+mn-ea"/>
+                  <a:cs typeface="+mn-cs"/>
+                </a:endParaRPr>
+              </a:p>
+            </p:txBody>
+          </p:sp>
+          <p:sp>
+            <p:nvSpPr>
+              <p:cNvPr id="114" name="Rectangle 113">
+                <a:extLst>
+                  <a:ext uri="{FF2B5EF4-FFF2-40B4-BE49-F238E27FC236}">
+                    <a16:creationId xmlns:a16="http://schemas.microsoft.com/office/drawing/2014/main" id="{67E96128-B938-4525-ABC8-8739E3B9A2BE}"/>
+                  </a:ext>
+                </a:extLst>
+              </p:cNvPr>
+              <p:cNvSpPr/>
+              <p:nvPr/>
+            </p:nvSpPr>
+            <p:spPr>
+              <a:xfrm>
+                <a:off x="-2322750" y="5471802"/>
+                <a:ext cx="616201" cy="1085807"/>
+              </a:xfrm>
+              <a:prstGeom prst="rect">
+                <a:avLst/>
+              </a:prstGeom>
+              <a:solidFill>
+                <a:srgbClr val="8F99BB">
+                  <a:lumMod val="20000"/>
+                  <a:lumOff val="80000"/>
+                </a:srgbClr>
+              </a:solidFill>
+              <a:ln w="12700" cap="flat" cmpd="sng" algn="ctr">
+                <a:noFill/>
+                <a:prstDash val="solid"/>
+                <a:miter lim="800000"/>
+              </a:ln>
+              <a:effectLst/>
+            </p:spPr>
+            <p:txBody>
+              <a:bodyPr rtlCol="0" anchor="ctr"/>
+              <a:lstStyle/>
+              <a:p>
+                <a:pPr marL="0" marR="0" lvl="0" indent="0" algn="ctr" defTabSz="914400" eaLnBrk="1" fontAlgn="auto" latinLnBrk="0" hangingPunct="1">
+                  <a:lnSpc>
+                    <a:spcPct val="100000"/>
+                  </a:lnSpc>
+                  <a:spcBef>
+                    <a:spcPts val="0"/>
+                  </a:spcBef>
+                  <a:spcAft>
+                    <a:spcPts val="0"/>
+                  </a:spcAft>
+                  <a:buClrTx/>
+                  <a:buSzTx/>
+                  <a:buFontTx/>
+                  <a:buNone/>
+                  <a:tabLst/>
+                  <a:defRPr/>
+                </a:pPr>
+                <a:endParaRPr kumimoji="0" lang="en-CA" sz="1800" b="0" i="0" u="none" strike="noStrike" kern="0" cap="none" spc="0" normalizeH="0" baseline="0" noProof="0">
+                  <a:ln>
+                    <a:noFill/>
+                  </a:ln>
+                  <a:solidFill>
+                    <a:prstClr val="white"/>
+                  </a:solidFill>
+                  <a:effectLst/>
+                  <a:uLnTx/>
+                  <a:uFillTx/>
+                  <a:latin typeface="Avenir Next LT Pro"/>
+                  <a:ea typeface="+mn-ea"/>
+                  <a:cs typeface="+mn-cs"/>
+                </a:endParaRPr>
+              </a:p>
+            </p:txBody>
+          </p:sp>
+          <p:sp>
+            <p:nvSpPr>
+              <p:cNvPr id="115" name="Rectangle 114">
+                <a:extLst>
+                  <a:ext uri="{FF2B5EF4-FFF2-40B4-BE49-F238E27FC236}">
+                    <a16:creationId xmlns:a16="http://schemas.microsoft.com/office/drawing/2014/main" id="{492F7EF8-A829-404F-9FF5-5447B099E292}"/>
+                  </a:ext>
+                </a:extLst>
+              </p:cNvPr>
+              <p:cNvSpPr/>
+              <p:nvPr/>
+            </p:nvSpPr>
+            <p:spPr>
+              <a:xfrm>
+                <a:off x="-298706" y="5439513"/>
+                <a:ext cx="622048" cy="1085807"/>
+              </a:xfrm>
+              <a:prstGeom prst="rect">
+                <a:avLst/>
+              </a:prstGeom>
+              <a:solidFill>
+                <a:srgbClr val="8F99BB">
+                  <a:lumMod val="20000"/>
+                  <a:lumOff val="80000"/>
+                </a:srgbClr>
+              </a:solidFill>
+              <a:ln w="12700" cap="flat" cmpd="sng" algn="ctr">
+                <a:noFill/>
+                <a:prstDash val="solid"/>
+                <a:miter lim="800000"/>
+              </a:ln>
+              <a:effectLst/>
+            </p:spPr>
+            <p:txBody>
+              <a:bodyPr rtlCol="0" anchor="ctr"/>
+              <a:lstStyle/>
+              <a:p>
+                <a:pPr marL="0" marR="0" lvl="0" indent="0" algn="ctr" defTabSz="914400" eaLnBrk="1" fontAlgn="auto" latinLnBrk="0" hangingPunct="1">
+                  <a:lnSpc>
+                    <a:spcPct val="100000"/>
+                  </a:lnSpc>
+                  <a:spcBef>
+                    <a:spcPts val="0"/>
+                  </a:spcBef>
+                  <a:spcAft>
+                    <a:spcPts val="0"/>
+                  </a:spcAft>
+                  <a:buClrTx/>
+                  <a:buSzTx/>
+                  <a:buFontTx/>
+                  <a:buNone/>
+                  <a:tabLst/>
+                  <a:defRPr/>
+                </a:pPr>
+                <a:endParaRPr kumimoji="0" lang="en-CA" sz="1800" b="0" i="0" u="none" strike="noStrike" kern="0" cap="none" spc="0" normalizeH="0" baseline="0" noProof="0">
+                  <a:ln>
+                    <a:noFill/>
+                  </a:ln>
+                  <a:solidFill>
+                    <a:prstClr val="white"/>
+                  </a:solidFill>
+                  <a:effectLst/>
+                  <a:uLnTx/>
+                  <a:uFillTx/>
+                  <a:latin typeface="Avenir Next LT Pro"/>
+                  <a:ea typeface="+mn-ea"/>
+                  <a:cs typeface="+mn-cs"/>
+                </a:endParaRPr>
+              </a:p>
+            </p:txBody>
+          </p:sp>
+        </p:grpSp>
+        <p:sp>
+          <p:nvSpPr>
+            <p:cNvPr id="108" name="TextBox 107">
+              <a:extLst>
+                <a:ext uri="{FF2B5EF4-FFF2-40B4-BE49-F238E27FC236}">
+                  <a16:creationId xmlns:a16="http://schemas.microsoft.com/office/drawing/2014/main" id="{A8B1B148-5D55-4891-AA27-AC19887B2285}"/>
+                </a:ext>
+              </a:extLst>
+            </p:cNvPr>
+            <p:cNvSpPr txBox="1"/>
+            <p:nvPr/>
+          </p:nvSpPr>
+          <p:spPr>
+            <a:xfrm>
+              <a:off x="6751585" y="3306926"/>
+              <a:ext cx="3101094" cy="461665"/>
+            </a:xfrm>
+            <a:prstGeom prst="rect">
+              <a:avLst/>
+            </a:prstGeom>
+            <a:noFill/>
+          </p:spPr>
+          <p:txBody>
+            <a:bodyPr wrap="square" rtlCol="0">
+              <a:spAutoFit/>
+            </a:bodyPr>
+            <a:lstStyle/>
+            <a:p>
+              <a:pPr marL="0" marR="0" lvl="0" indent="0" algn="ctr" defTabSz="914400" eaLnBrk="1" fontAlgn="auto" latinLnBrk="0" hangingPunct="1">
+                <a:lnSpc>
+                  <a:spcPct val="100000"/>
+                </a:lnSpc>
+                <a:spcBef>
+                  <a:spcPts val="0"/>
+                </a:spcBef>
+                <a:spcAft>
+                  <a:spcPts val="0"/>
+                </a:spcAft>
+                <a:buClrTx/>
+                <a:buSzTx/>
+                <a:buFontTx/>
+                <a:buNone/>
+                <a:tabLst/>
+                <a:defRPr/>
+              </a:pPr>
+              <a:r>
+                <a:rPr kumimoji="0" lang="en-US" sz="1800" b="0" i="0" u="none" strike="noStrike" kern="0" cap="none" spc="0" normalizeH="0" baseline="0" noProof="0" dirty="0">
+                  <a:ln>
+                    <a:noFill/>
+                  </a:ln>
+                  <a:solidFill>
+                    <a:srgbClr val="8F99BB">
+                      <a:lumMod val="75000"/>
+                    </a:srgbClr>
+                  </a:solidFill>
+                  <a:effectLst/>
+                  <a:uLnTx/>
+                  <a:uFillTx/>
+                  <a:latin typeface="Avenir Next LT Pro"/>
+                </a:rPr>
+                <a:t>     </a:t>
+              </a:r>
+              <a:r>
+                <a:rPr kumimoji="0" lang="en-US" sz="2400" b="0" i="0" u="none" strike="noStrike" kern="0" cap="none" spc="0" normalizeH="0" baseline="0" noProof="0" dirty="0">
+                  <a:ln>
+                    <a:noFill/>
+                  </a:ln>
+                  <a:solidFill>
+                    <a:srgbClr val="8F99BB">
+                      <a:lumMod val="75000"/>
+                    </a:srgbClr>
+                  </a:solidFill>
+                  <a:effectLst/>
+                  <a:uLnTx/>
+                  <a:uFillTx/>
+                  <a:latin typeface="Posterama"/>
+                </a:rPr>
+                <a:t>Mistreatment</a:t>
+              </a:r>
+              <a:endParaRPr kumimoji="0" lang="en-CA" sz="1800" b="0" i="0" u="none" strike="noStrike" kern="0" cap="none" spc="0" normalizeH="0" baseline="0" noProof="0" dirty="0">
+                <a:ln>
+                  <a:noFill/>
+                </a:ln>
+                <a:solidFill>
+                  <a:srgbClr val="8F99BB">
+                    <a:lumMod val="75000"/>
+                  </a:srgbClr>
+                </a:solidFill>
+                <a:effectLst/>
+                <a:uLnTx/>
+                <a:uFillTx/>
+                <a:latin typeface="Posterama"/>
+              </a:endParaRPr>
+            </a:p>
+          </p:txBody>
+        </p:sp>
+        <p:cxnSp>
+          <p:nvCxnSpPr>
+            <p:cNvPr id="109" name="Straight Arrow Connector 108">
+              <a:extLst>
+                <a:ext uri="{FF2B5EF4-FFF2-40B4-BE49-F238E27FC236}">
+                  <a16:creationId xmlns:a16="http://schemas.microsoft.com/office/drawing/2014/main" id="{8A05DDCB-6344-4018-9FDB-F9B1026C4DDD}"/>
+                </a:ext>
+              </a:extLst>
+            </p:cNvPr>
+            <p:cNvCxnSpPr/>
+            <p:nvPr/>
+          </p:nvCxnSpPr>
+          <p:spPr>
+            <a:xfrm flipV="1">
+              <a:off x="7340706" y="3306926"/>
+              <a:ext cx="0" cy="413902"/>
+            </a:xfrm>
+            <a:prstGeom prst="straightConnector1">
+              <a:avLst/>
+            </a:prstGeom>
+            <a:noFill/>
+            <a:ln w="38100" cap="flat" cmpd="sng" algn="ctr">
+              <a:solidFill>
+                <a:srgbClr val="8F99BB">
+                  <a:lumMod val="75000"/>
+                </a:srgbClr>
+              </a:solidFill>
+              <a:prstDash val="solid"/>
+              <a:miter lim="800000"/>
+              <a:headEnd type="none" w="med" len="med"/>
+              <a:tailEnd type="arrow" w="med" len="med"/>
+            </a:ln>
+            <a:effectLst/>
+          </p:spPr>
+        </p:cxnSp>
+        <p:sp>
+          <p:nvSpPr>
+            <p:cNvPr id="110" name="TextBox 109">
+              <a:extLst>
+                <a:ext uri="{FF2B5EF4-FFF2-40B4-BE49-F238E27FC236}">
+                  <a16:creationId xmlns:a16="http://schemas.microsoft.com/office/drawing/2014/main" id="{8A4FD6A5-F5E2-4473-98E5-A12E66BACE8B}"/>
+                </a:ext>
+              </a:extLst>
+            </p:cNvPr>
+            <p:cNvSpPr txBox="1"/>
+            <p:nvPr/>
+          </p:nvSpPr>
+          <p:spPr>
+            <a:xfrm>
+              <a:off x="9041694" y="3307970"/>
+              <a:ext cx="2475510" cy="461665"/>
+            </a:xfrm>
+            <a:prstGeom prst="rect">
+              <a:avLst/>
+            </a:prstGeom>
+            <a:noFill/>
+          </p:spPr>
+          <p:txBody>
+            <a:bodyPr wrap="square" rtlCol="0">
+              <a:spAutoFit/>
+            </a:bodyPr>
+            <a:lstStyle/>
+            <a:p>
+              <a:pPr marL="0" marR="0" lvl="0" indent="0" algn="ctr" defTabSz="914400" eaLnBrk="1" fontAlgn="auto" latinLnBrk="0" hangingPunct="1">
+                <a:lnSpc>
+                  <a:spcPct val="100000"/>
+                </a:lnSpc>
+                <a:spcBef>
+                  <a:spcPts val="0"/>
+                </a:spcBef>
+                <a:spcAft>
+                  <a:spcPts val="0"/>
+                </a:spcAft>
+                <a:buClrTx/>
+                <a:buSzTx/>
+                <a:buFontTx/>
+                <a:buNone/>
+                <a:tabLst/>
+                <a:defRPr/>
+              </a:pPr>
+              <a:r>
+                <a:rPr kumimoji="0" lang="en-US" sz="1800" b="0" i="0" u="none" strike="noStrike" kern="0" cap="none" spc="0" normalizeH="0" baseline="0" noProof="0" dirty="0">
+                  <a:ln>
+                    <a:noFill/>
+                  </a:ln>
+                  <a:solidFill>
+                    <a:srgbClr val="8F99BB">
+                      <a:lumMod val="75000"/>
+                    </a:srgbClr>
+                  </a:solidFill>
+                  <a:effectLst/>
+                  <a:uLnTx/>
+                  <a:uFillTx/>
+                  <a:latin typeface="Avenir Next LT Pro"/>
+                </a:rPr>
+                <a:t> </a:t>
+              </a:r>
+              <a:r>
+                <a:rPr kumimoji="0" lang="en-US" sz="2400" b="0" i="0" u="none" strike="noStrike" kern="0" cap="none" spc="0" normalizeH="0" baseline="0" noProof="0" dirty="0">
+                  <a:ln>
+                    <a:noFill/>
+                  </a:ln>
+                  <a:solidFill>
+                    <a:srgbClr val="8F99BB">
+                      <a:lumMod val="75000"/>
+                    </a:srgbClr>
+                  </a:solidFill>
+                  <a:effectLst/>
+                  <a:uLnTx/>
+                  <a:uFillTx/>
+                  <a:latin typeface="Posterama"/>
+                </a:rPr>
+                <a:t>Justification</a:t>
+              </a:r>
+              <a:endParaRPr kumimoji="0" lang="en-CA" sz="1800" b="0" i="0" u="none" strike="noStrike" kern="0" cap="none" spc="0" normalizeH="0" baseline="0" noProof="0" dirty="0">
+                <a:ln>
+                  <a:noFill/>
+                </a:ln>
+                <a:solidFill>
+                  <a:srgbClr val="8F99BB">
+                    <a:lumMod val="75000"/>
+                  </a:srgbClr>
+                </a:solidFill>
+                <a:effectLst/>
+                <a:uLnTx/>
+                <a:uFillTx/>
+                <a:latin typeface="Posterama"/>
+              </a:endParaRPr>
+            </a:p>
+          </p:txBody>
+        </p:sp>
+        <p:sp>
+          <p:nvSpPr>
+            <p:cNvPr id="111" name="TextBox 110">
+              <a:extLst>
+                <a:ext uri="{FF2B5EF4-FFF2-40B4-BE49-F238E27FC236}">
+                  <a16:creationId xmlns:a16="http://schemas.microsoft.com/office/drawing/2014/main" id="{B85B4EA9-D433-429B-B23A-88FC528F00BF}"/>
+                </a:ext>
+              </a:extLst>
+            </p:cNvPr>
+            <p:cNvSpPr txBox="1"/>
+            <p:nvPr/>
+          </p:nvSpPr>
+          <p:spPr>
+            <a:xfrm>
+              <a:off x="13727112" y="3293967"/>
+              <a:ext cx="3764013" cy="830997"/>
+            </a:xfrm>
+            <a:prstGeom prst="rect">
+              <a:avLst/>
+            </a:prstGeom>
+            <a:noFill/>
+          </p:spPr>
+          <p:txBody>
+            <a:bodyPr wrap="square" rtlCol="0">
+              <a:spAutoFit/>
+            </a:bodyPr>
+            <a:lstStyle/>
+            <a:p>
+              <a:pPr marL="0" marR="0" lvl="0" indent="0" algn="ctr" defTabSz="914400" eaLnBrk="1" fontAlgn="auto" latinLnBrk="0" hangingPunct="1">
+                <a:lnSpc>
+                  <a:spcPct val="100000"/>
+                </a:lnSpc>
+                <a:spcBef>
+                  <a:spcPts val="0"/>
+                </a:spcBef>
+                <a:spcAft>
+                  <a:spcPts val="0"/>
+                </a:spcAft>
+                <a:buClrTx/>
+                <a:buSzTx/>
+                <a:buFontTx/>
+                <a:buNone/>
+                <a:tabLst/>
+                <a:defRPr/>
+              </a:pPr>
+              <a:r>
+                <a:rPr kumimoji="0" lang="en-US" sz="1800" b="0" i="0" u="none" strike="noStrike" kern="0" cap="none" spc="0" normalizeH="0" baseline="0" noProof="0" dirty="0">
+                  <a:ln>
+                    <a:noFill/>
+                  </a:ln>
+                  <a:solidFill>
+                    <a:srgbClr val="8F99BB">
+                      <a:lumMod val="75000"/>
+                    </a:srgbClr>
+                  </a:solidFill>
+                  <a:effectLst/>
+                  <a:uLnTx/>
+                  <a:uFillTx/>
+                  <a:latin typeface="Avenir Next LT Pro"/>
+                </a:rPr>
+                <a:t> </a:t>
+              </a:r>
+              <a:r>
+                <a:rPr kumimoji="0" lang="en-US" sz="2400" b="0" i="0" u="none" strike="noStrike" kern="0" cap="none" spc="0" normalizeH="0" baseline="0" noProof="0" dirty="0">
+                  <a:ln>
+                    <a:noFill/>
+                  </a:ln>
+                  <a:solidFill>
+                    <a:srgbClr val="8F99BB">
+                      <a:lumMod val="75000"/>
+                    </a:srgbClr>
+                  </a:solidFill>
+                  <a:effectLst/>
+                  <a:uLnTx/>
+                  <a:uFillTx/>
+                  <a:latin typeface="Posterama"/>
+                </a:rPr>
+                <a:t>Unfair or demeaning treatment from superior</a:t>
+              </a:r>
+              <a:endParaRPr kumimoji="0" lang="en-CA" sz="1800" b="0" i="0" u="none" strike="noStrike" kern="0" cap="none" spc="0" normalizeH="0" baseline="0" noProof="0" dirty="0">
+                <a:ln>
+                  <a:noFill/>
+                </a:ln>
+                <a:solidFill>
+                  <a:srgbClr val="8F99BB">
+                    <a:lumMod val="75000"/>
+                  </a:srgbClr>
+                </a:solidFill>
+                <a:effectLst/>
+                <a:uLnTx/>
+                <a:uFillTx/>
+                <a:latin typeface="Posterama"/>
+              </a:endParaRPr>
+            </a:p>
+          </p:txBody>
+        </p:sp>
+      </p:grpSp>
+      <p:grpSp>
+        <p:nvGrpSpPr>
+          <p:cNvPr id="116" name="Group 115">
+            <a:extLst>
+              <a:ext uri="{FF2B5EF4-FFF2-40B4-BE49-F238E27FC236}">
+                <a16:creationId xmlns:a16="http://schemas.microsoft.com/office/drawing/2014/main" id="{79EC7C8A-4229-4695-994E-4023B7A061D1}"/>
+              </a:ext>
+            </a:extLst>
+          </p:cNvPr>
+          <p:cNvGrpSpPr/>
+          <p:nvPr/>
+        </p:nvGrpSpPr>
+        <p:grpSpPr>
+          <a:xfrm>
+            <a:off x="211687" y="20914817"/>
+            <a:ext cx="16289311" cy="1006299"/>
+            <a:chOff x="586055" y="4353342"/>
+            <a:chExt cx="16289311" cy="1006299"/>
+          </a:xfrm>
+        </p:grpSpPr>
+        <p:sp>
+          <p:nvSpPr>
+            <p:cNvPr id="117" name="Arrow: Chevron 116">
+              <a:extLst>
+                <a:ext uri="{FF2B5EF4-FFF2-40B4-BE49-F238E27FC236}">
+                  <a16:creationId xmlns:a16="http://schemas.microsoft.com/office/drawing/2014/main" id="{A0E46D71-EF0D-4474-9F80-463B1830BFC0}"/>
+                </a:ext>
+              </a:extLst>
+            </p:cNvPr>
+            <p:cNvSpPr/>
+            <p:nvPr/>
+          </p:nvSpPr>
+          <p:spPr>
+            <a:xfrm>
+              <a:off x="5682293" y="4368609"/>
+              <a:ext cx="1065867" cy="978437"/>
+            </a:xfrm>
+            <a:prstGeom prst="chevron">
+              <a:avLst/>
+            </a:prstGeom>
+            <a:solidFill>
+              <a:srgbClr val="8F99BB">
+                <a:lumMod val="60000"/>
+                <a:lumOff val="40000"/>
+              </a:srgbClr>
+            </a:solidFill>
+            <a:ln w="12700" cap="flat" cmpd="sng" algn="ctr">
+              <a:noFill/>
+              <a:prstDash val="solid"/>
+              <a:miter lim="800000"/>
+            </a:ln>
+            <a:effectLst/>
+          </p:spPr>
+          <p:txBody>
+            <a:bodyPr rtlCol="0" anchor="ctr"/>
+            <a:lstStyle/>
+            <a:p>
+              <a:pPr marL="0" marR="0" lvl="0" indent="0" algn="ctr" defTabSz="914400" eaLnBrk="1" fontAlgn="auto" latinLnBrk="0" hangingPunct="1">
+                <a:lnSpc>
+                  <a:spcPct val="100000"/>
+                </a:lnSpc>
+                <a:spcBef>
+                  <a:spcPts val="0"/>
+                </a:spcBef>
+                <a:spcAft>
+                  <a:spcPts val="0"/>
+                </a:spcAft>
+                <a:buClrTx/>
+                <a:buSzTx/>
+                <a:buFontTx/>
+                <a:buNone/>
+                <a:tabLst/>
+                <a:defRPr/>
+              </a:pPr>
+              <a:endParaRPr kumimoji="0" lang="en-CA" sz="1800" b="0" i="0" u="none" strike="noStrike" kern="0" cap="none" spc="0" normalizeH="0" baseline="0" noProof="0">
+                <a:ln>
+                  <a:noFill/>
+                </a:ln>
+                <a:solidFill>
+                  <a:prstClr val="black"/>
+                </a:solidFill>
+                <a:effectLst/>
+                <a:uLnTx/>
+                <a:uFillTx/>
+                <a:latin typeface="Avenir Next LT Pro"/>
+                <a:ea typeface="+mn-ea"/>
+                <a:cs typeface="+mn-cs"/>
+              </a:endParaRPr>
+            </a:p>
+          </p:txBody>
+        </p:sp>
+        <p:sp>
+          <p:nvSpPr>
+            <p:cNvPr id="118" name="Rectangle 117">
+              <a:extLst>
+                <a:ext uri="{FF2B5EF4-FFF2-40B4-BE49-F238E27FC236}">
+                  <a16:creationId xmlns:a16="http://schemas.microsoft.com/office/drawing/2014/main" id="{3D33A764-DAAA-4DE3-8D55-8CC71CF12F11}"/>
+                </a:ext>
+              </a:extLst>
+            </p:cNvPr>
+            <p:cNvSpPr/>
+            <p:nvPr/>
+          </p:nvSpPr>
+          <p:spPr>
+            <a:xfrm>
+              <a:off x="586055" y="4368609"/>
+              <a:ext cx="1309051" cy="978441"/>
+            </a:xfrm>
+            <a:prstGeom prst="rect">
+              <a:avLst/>
+            </a:prstGeom>
+            <a:solidFill>
+              <a:srgbClr val="8F99BB">
+                <a:lumMod val="75000"/>
+              </a:srgbClr>
+            </a:solidFill>
+            <a:ln w="12700" cap="flat" cmpd="sng" algn="ctr">
+              <a:noFill/>
+              <a:prstDash val="solid"/>
+              <a:miter lim="800000"/>
+            </a:ln>
+            <a:effectLst/>
+          </p:spPr>
+          <p:txBody>
+            <a:bodyPr rtlCol="0" anchor="ctr"/>
+            <a:lstStyle/>
+            <a:p>
+              <a:pPr marL="0" marR="0" lvl="0" indent="0" algn="ctr" defTabSz="914400" eaLnBrk="1" fontAlgn="auto" latinLnBrk="0" hangingPunct="1">
+                <a:lnSpc>
+                  <a:spcPct val="100000"/>
+                </a:lnSpc>
+                <a:spcBef>
+                  <a:spcPts val="0"/>
+                </a:spcBef>
+                <a:spcAft>
+                  <a:spcPts val="0"/>
+                </a:spcAft>
+                <a:buClrTx/>
+                <a:buSzTx/>
+                <a:buFontTx/>
+                <a:buNone/>
+                <a:tabLst/>
+                <a:defRPr/>
+              </a:pPr>
+              <a:r>
+                <a:rPr kumimoji="0" lang="en-US" sz="2800" b="1" i="0" u="none" strike="noStrike" kern="0" cap="none" spc="0" normalizeH="0" baseline="0" noProof="0" dirty="0">
+                  <a:ln>
+                    <a:noFill/>
+                  </a:ln>
+                  <a:solidFill>
+                    <a:prstClr val="white"/>
+                  </a:solidFill>
+                  <a:effectLst/>
+                  <a:uLnTx/>
+                  <a:uFillTx/>
+                  <a:latin typeface="Avenir Next LT Pro"/>
+                  <a:ea typeface="+mn-ea"/>
+                  <a:cs typeface="+mn-cs"/>
+                </a:rPr>
+                <a:t>H3</a:t>
+              </a:r>
+              <a:endParaRPr kumimoji="0" lang="en-CA" sz="2800" b="1" i="0" u="none" strike="noStrike" kern="0" cap="none" spc="0" normalizeH="0" baseline="0" noProof="0" dirty="0">
+                <a:ln>
+                  <a:noFill/>
+                </a:ln>
+                <a:solidFill>
+                  <a:prstClr val="white"/>
+                </a:solidFill>
+                <a:effectLst/>
+                <a:uLnTx/>
+                <a:uFillTx/>
+                <a:latin typeface="Avenir Next LT Pro"/>
+                <a:ea typeface="+mn-ea"/>
+                <a:cs typeface="+mn-cs"/>
+              </a:endParaRPr>
+            </a:p>
+          </p:txBody>
+        </p:sp>
+        <p:sp>
+          <p:nvSpPr>
+            <p:cNvPr id="119" name="Arrow: Pentagon 118">
+              <a:extLst>
+                <a:ext uri="{FF2B5EF4-FFF2-40B4-BE49-F238E27FC236}">
+                  <a16:creationId xmlns:a16="http://schemas.microsoft.com/office/drawing/2014/main" id="{3AA0BDAE-AF41-431B-BFBF-5D88A15F9096}"/>
+                </a:ext>
+              </a:extLst>
+            </p:cNvPr>
+            <p:cNvSpPr/>
+            <p:nvPr/>
+          </p:nvSpPr>
+          <p:spPr>
+            <a:xfrm>
+              <a:off x="1880637" y="4368611"/>
+              <a:ext cx="4744338" cy="991030"/>
+            </a:xfrm>
+            <a:prstGeom prst="homePlate">
+              <a:avLst/>
+            </a:prstGeom>
+            <a:solidFill>
+              <a:srgbClr val="8F99BB">
+                <a:lumMod val="20000"/>
+                <a:lumOff val="80000"/>
+              </a:srgbClr>
+            </a:solidFill>
+            <a:ln w="12700" cap="flat" cmpd="sng" algn="ctr">
+              <a:noFill/>
+              <a:prstDash val="solid"/>
+              <a:miter lim="800000"/>
+            </a:ln>
+            <a:effectLst/>
+          </p:spPr>
+          <p:txBody>
+            <a:bodyPr rtlCol="0" anchor="ctr"/>
+            <a:lstStyle/>
+            <a:p>
+              <a:pPr marL="0" marR="0" lvl="0" indent="0" algn="ctr" defTabSz="914400" eaLnBrk="1" fontAlgn="auto" latinLnBrk="0" hangingPunct="1">
+                <a:lnSpc>
+                  <a:spcPct val="100000"/>
+                </a:lnSpc>
+                <a:spcBef>
+                  <a:spcPts val="0"/>
+                </a:spcBef>
+                <a:spcAft>
+                  <a:spcPts val="0"/>
+                </a:spcAft>
+                <a:buClrTx/>
+                <a:buSzTx/>
+                <a:buFontTx/>
+                <a:buNone/>
+                <a:tabLst/>
+                <a:defRPr/>
+              </a:pPr>
+              <a:r>
+                <a:rPr kumimoji="0" lang="en-US" sz="2400" b="0" i="0" u="none" strike="noStrike" kern="0" cap="none" spc="0" normalizeH="0" baseline="0" noProof="0" dirty="0">
+                  <a:ln>
+                    <a:noFill/>
+                  </a:ln>
+                  <a:solidFill>
+                    <a:srgbClr val="8F99BB">
+                      <a:lumMod val="75000"/>
+                    </a:srgbClr>
+                  </a:solidFill>
+                  <a:effectLst/>
+                  <a:uLnTx/>
+                  <a:uFillTx/>
+                  <a:latin typeface="Posterama"/>
+                  <a:ea typeface="+mn-ea"/>
+                  <a:cs typeface="+mn-cs"/>
+                </a:rPr>
+                <a:t>Presence of clan culture perks</a:t>
+              </a:r>
+              <a:endParaRPr kumimoji="0" lang="en-CA" sz="2400" b="0" i="0" u="none" strike="noStrike" kern="0" cap="none" spc="0" normalizeH="0" baseline="0" noProof="0" dirty="0">
+                <a:ln>
+                  <a:noFill/>
+                </a:ln>
+                <a:solidFill>
+                  <a:srgbClr val="8F99BB">
+                    <a:lumMod val="75000"/>
+                  </a:srgbClr>
+                </a:solidFill>
+                <a:effectLst/>
+                <a:uLnTx/>
+                <a:uFillTx/>
+                <a:latin typeface="Posterama"/>
+                <a:ea typeface="+mn-ea"/>
+                <a:cs typeface="+mn-cs"/>
+              </a:endParaRPr>
+            </a:p>
+          </p:txBody>
+        </p:sp>
+        <p:grpSp>
+          <p:nvGrpSpPr>
+            <p:cNvPr id="120" name="Group 119">
+              <a:extLst>
+                <a:ext uri="{FF2B5EF4-FFF2-40B4-BE49-F238E27FC236}">
+                  <a16:creationId xmlns:a16="http://schemas.microsoft.com/office/drawing/2014/main" id="{B2B9DB1C-0B67-4BFB-9977-D53283620187}"/>
+                </a:ext>
+              </a:extLst>
+            </p:cNvPr>
+            <p:cNvGrpSpPr/>
+            <p:nvPr/>
+          </p:nvGrpSpPr>
+          <p:grpSpPr>
+            <a:xfrm rot="16200000">
+              <a:off x="8745956" y="1990338"/>
+              <a:ext cx="986372" cy="5752233"/>
+              <a:chOff x="-2323679" y="4753866"/>
+              <a:chExt cx="2647649" cy="1970959"/>
+            </a:xfrm>
+          </p:grpSpPr>
+          <p:sp>
+            <p:nvSpPr>
+              <p:cNvPr id="125" name="Arrow: Chevron 124">
+                <a:extLst>
+                  <a:ext uri="{FF2B5EF4-FFF2-40B4-BE49-F238E27FC236}">
+                    <a16:creationId xmlns:a16="http://schemas.microsoft.com/office/drawing/2014/main" id="{C9B7EDF4-E9FE-4008-8B83-EBEBD9FB57C4}"/>
+                  </a:ext>
+                </a:extLst>
+              </p:cNvPr>
+              <p:cNvSpPr/>
+              <p:nvPr/>
+            </p:nvSpPr>
+            <p:spPr>
+              <a:xfrm rot="5400000">
+                <a:off x="-1856724" y="4286912"/>
+                <a:ext cx="1713475" cy="2647383"/>
+              </a:xfrm>
+              <a:prstGeom prst="chevron">
+                <a:avLst>
+                  <a:gd name="adj" fmla="val 51037"/>
+                </a:avLst>
+              </a:prstGeom>
+              <a:solidFill>
+                <a:srgbClr val="8F99BB">
+                  <a:lumMod val="20000"/>
+                  <a:lumOff val="80000"/>
+                </a:srgbClr>
+              </a:solidFill>
+              <a:ln w="12700" cap="flat" cmpd="sng" algn="ctr">
+                <a:noFill/>
+                <a:prstDash val="solid"/>
+                <a:miter lim="800000"/>
+              </a:ln>
+              <a:effectLst/>
+            </p:spPr>
+            <p:txBody>
+              <a:bodyPr rtlCol="0" anchor="ctr"/>
+              <a:lstStyle/>
+              <a:p>
+                <a:pPr marL="0" marR="0" lvl="0" indent="0" algn="ctr" defTabSz="914400" eaLnBrk="1" fontAlgn="auto" latinLnBrk="0" hangingPunct="1">
+                  <a:lnSpc>
+                    <a:spcPct val="100000"/>
+                  </a:lnSpc>
+                  <a:spcBef>
+                    <a:spcPts val="0"/>
+                  </a:spcBef>
+                  <a:spcAft>
+                    <a:spcPts val="0"/>
+                  </a:spcAft>
+                  <a:buClrTx/>
+                  <a:buSzTx/>
+                  <a:buFontTx/>
+                  <a:buNone/>
+                  <a:tabLst/>
+                  <a:defRPr/>
+                </a:pPr>
+                <a:endParaRPr kumimoji="0" lang="en-CA" sz="1800" b="0" i="0" u="none" strike="noStrike" kern="0" cap="none" spc="0" normalizeH="0" baseline="0" noProof="0" dirty="0">
+                  <a:ln>
+                    <a:noFill/>
+                  </a:ln>
+                  <a:solidFill>
+                    <a:srgbClr val="8F99BB">
+                      <a:lumMod val="75000"/>
+                    </a:srgbClr>
+                  </a:solidFill>
+                  <a:effectLst/>
+                  <a:uLnTx/>
+                  <a:uFillTx/>
+                  <a:latin typeface="Avenir Next LT Pro"/>
+                  <a:ea typeface="+mn-ea"/>
+                  <a:cs typeface="+mn-cs"/>
+                </a:endParaRPr>
+              </a:p>
+            </p:txBody>
+          </p:sp>
+          <p:sp>
+            <p:nvSpPr>
+              <p:cNvPr id="126" name="Rectangle 125">
+                <a:extLst>
+                  <a:ext uri="{FF2B5EF4-FFF2-40B4-BE49-F238E27FC236}">
+                    <a16:creationId xmlns:a16="http://schemas.microsoft.com/office/drawing/2014/main" id="{4386123F-C6FF-4B36-9AAD-17F49808818D}"/>
+                  </a:ext>
+                </a:extLst>
+              </p:cNvPr>
+              <p:cNvSpPr/>
+              <p:nvPr/>
+            </p:nvSpPr>
+            <p:spPr>
+              <a:xfrm>
+                <a:off x="-2323679" y="5743614"/>
+                <a:ext cx="2647649" cy="981211"/>
+              </a:xfrm>
+              <a:prstGeom prst="rect">
+                <a:avLst/>
+              </a:prstGeom>
+              <a:solidFill>
+                <a:srgbClr val="8F99BB">
+                  <a:lumMod val="20000"/>
+                  <a:lumOff val="80000"/>
+                </a:srgbClr>
+              </a:solidFill>
+              <a:ln w="12700" cap="flat" cmpd="sng" algn="ctr">
+                <a:noFill/>
+                <a:prstDash val="solid"/>
+                <a:miter lim="800000"/>
+              </a:ln>
+              <a:effectLst/>
+            </p:spPr>
+            <p:txBody>
+              <a:bodyPr rtlCol="0" anchor="ctr"/>
+              <a:lstStyle/>
+              <a:p>
+                <a:pPr marL="0" marR="0" lvl="0" indent="0" algn="ctr" defTabSz="914400" eaLnBrk="1" fontAlgn="auto" latinLnBrk="0" hangingPunct="1">
+                  <a:lnSpc>
+                    <a:spcPct val="100000"/>
+                  </a:lnSpc>
+                  <a:spcBef>
+                    <a:spcPts val="0"/>
+                  </a:spcBef>
+                  <a:spcAft>
+                    <a:spcPts val="0"/>
+                  </a:spcAft>
+                  <a:buClrTx/>
+                  <a:buSzTx/>
+                  <a:buFontTx/>
+                  <a:buNone/>
+                  <a:tabLst/>
+                  <a:defRPr/>
+                </a:pPr>
+                <a:endParaRPr kumimoji="0" lang="en-CA" sz="1800" b="0" i="0" u="none" strike="noStrike" kern="0" cap="none" spc="0" normalizeH="0" baseline="0" noProof="0" dirty="0">
+                  <a:ln>
+                    <a:noFill/>
+                  </a:ln>
+                  <a:solidFill>
+                    <a:srgbClr val="8F99BB">
+                      <a:lumMod val="75000"/>
+                    </a:srgbClr>
+                  </a:solidFill>
+                  <a:effectLst/>
+                  <a:uLnTx/>
+                  <a:uFillTx/>
+                  <a:latin typeface="Avenir Next LT Pro"/>
+                  <a:ea typeface="+mn-ea"/>
+                  <a:cs typeface="+mn-cs"/>
+                </a:endParaRPr>
+              </a:p>
+            </p:txBody>
+          </p:sp>
+          <p:sp>
+            <p:nvSpPr>
+              <p:cNvPr id="127" name="Rectangle 126">
+                <a:extLst>
+                  <a:ext uri="{FF2B5EF4-FFF2-40B4-BE49-F238E27FC236}">
+                    <a16:creationId xmlns:a16="http://schemas.microsoft.com/office/drawing/2014/main" id="{29F58E16-1311-4D60-9E53-F52CD148B55A}"/>
+                  </a:ext>
+                </a:extLst>
+              </p:cNvPr>
+              <p:cNvSpPr/>
+              <p:nvPr/>
+            </p:nvSpPr>
+            <p:spPr>
+              <a:xfrm>
+                <a:off x="-2322750" y="5471802"/>
+                <a:ext cx="616201" cy="1085807"/>
+              </a:xfrm>
+              <a:prstGeom prst="rect">
+                <a:avLst/>
+              </a:prstGeom>
+              <a:solidFill>
+                <a:srgbClr val="8F99BB">
+                  <a:lumMod val="20000"/>
+                  <a:lumOff val="80000"/>
+                </a:srgbClr>
+              </a:solidFill>
+              <a:ln w="12700" cap="flat" cmpd="sng" algn="ctr">
+                <a:noFill/>
+                <a:prstDash val="solid"/>
+                <a:miter lim="800000"/>
+              </a:ln>
+              <a:effectLst/>
+            </p:spPr>
+            <p:txBody>
+              <a:bodyPr rtlCol="0" anchor="ctr"/>
+              <a:lstStyle/>
+              <a:p>
+                <a:pPr marL="0" marR="0" lvl="0" indent="0" algn="ctr" defTabSz="914400" eaLnBrk="1" fontAlgn="auto" latinLnBrk="0" hangingPunct="1">
+                  <a:lnSpc>
+                    <a:spcPct val="100000"/>
+                  </a:lnSpc>
+                  <a:spcBef>
+                    <a:spcPts val="0"/>
+                  </a:spcBef>
+                  <a:spcAft>
+                    <a:spcPts val="0"/>
+                  </a:spcAft>
+                  <a:buClrTx/>
+                  <a:buSzTx/>
+                  <a:buFontTx/>
+                  <a:buNone/>
+                  <a:tabLst/>
+                  <a:defRPr/>
+                </a:pPr>
+                <a:endParaRPr kumimoji="0" lang="en-CA" sz="1800" b="0" i="0" u="none" strike="noStrike" kern="0" cap="none" spc="0" normalizeH="0" baseline="0" noProof="0">
+                  <a:ln>
+                    <a:noFill/>
+                  </a:ln>
+                  <a:solidFill>
+                    <a:srgbClr val="8F99BB">
+                      <a:lumMod val="75000"/>
+                    </a:srgbClr>
+                  </a:solidFill>
+                  <a:effectLst/>
+                  <a:uLnTx/>
+                  <a:uFillTx/>
+                  <a:latin typeface="Avenir Next LT Pro"/>
+                  <a:ea typeface="+mn-ea"/>
+                  <a:cs typeface="+mn-cs"/>
+                </a:endParaRPr>
+              </a:p>
+            </p:txBody>
+          </p:sp>
+          <p:sp>
+            <p:nvSpPr>
+              <p:cNvPr id="128" name="Rectangle 127">
+                <a:extLst>
+                  <a:ext uri="{FF2B5EF4-FFF2-40B4-BE49-F238E27FC236}">
+                    <a16:creationId xmlns:a16="http://schemas.microsoft.com/office/drawing/2014/main" id="{94B24553-E819-4073-B85A-96DA990127C3}"/>
+                  </a:ext>
+                </a:extLst>
+              </p:cNvPr>
+              <p:cNvSpPr/>
+              <p:nvPr/>
+            </p:nvSpPr>
+            <p:spPr>
+              <a:xfrm>
+                <a:off x="-298706" y="5439513"/>
+                <a:ext cx="622048" cy="1085807"/>
+              </a:xfrm>
+              <a:prstGeom prst="rect">
+                <a:avLst/>
+              </a:prstGeom>
+              <a:solidFill>
+                <a:srgbClr val="8F99BB">
+                  <a:lumMod val="20000"/>
+                  <a:lumOff val="80000"/>
+                </a:srgbClr>
+              </a:solidFill>
+              <a:ln w="12700" cap="flat" cmpd="sng" algn="ctr">
+                <a:noFill/>
+                <a:prstDash val="solid"/>
+                <a:miter lim="800000"/>
+              </a:ln>
+              <a:effectLst/>
+            </p:spPr>
+            <p:txBody>
+              <a:bodyPr rtlCol="0" anchor="ctr"/>
+              <a:lstStyle/>
+              <a:p>
+                <a:pPr marL="0" marR="0" lvl="0" indent="0" algn="ctr" defTabSz="914400" eaLnBrk="1" fontAlgn="auto" latinLnBrk="0" hangingPunct="1">
+                  <a:lnSpc>
+                    <a:spcPct val="100000"/>
+                  </a:lnSpc>
+                  <a:spcBef>
+                    <a:spcPts val="0"/>
+                  </a:spcBef>
+                  <a:spcAft>
+                    <a:spcPts val="0"/>
+                  </a:spcAft>
+                  <a:buClrTx/>
+                  <a:buSzTx/>
+                  <a:buFontTx/>
+                  <a:buNone/>
+                  <a:tabLst/>
+                  <a:defRPr/>
+                </a:pPr>
+                <a:endParaRPr kumimoji="0" lang="en-CA" sz="1800" b="0" i="0" u="none" strike="noStrike" kern="0" cap="none" spc="0" normalizeH="0" baseline="0" noProof="0">
+                  <a:ln>
+                    <a:noFill/>
+                  </a:ln>
+                  <a:solidFill>
+                    <a:srgbClr val="8F99BB">
+                      <a:lumMod val="75000"/>
+                    </a:srgbClr>
+                  </a:solidFill>
+                  <a:effectLst/>
+                  <a:uLnTx/>
+                  <a:uFillTx/>
+                  <a:latin typeface="Avenir Next LT Pro"/>
+                  <a:ea typeface="+mn-ea"/>
+                  <a:cs typeface="+mn-cs"/>
+                </a:endParaRPr>
+              </a:p>
+            </p:txBody>
+          </p:sp>
+        </p:grpSp>
+        <p:sp>
+          <p:nvSpPr>
+            <p:cNvPr id="121" name="TextBox 120">
+              <a:extLst>
+                <a:ext uri="{FF2B5EF4-FFF2-40B4-BE49-F238E27FC236}">
+                  <a16:creationId xmlns:a16="http://schemas.microsoft.com/office/drawing/2014/main" id="{E53D64AE-AAEF-4797-8C78-00E68B75F72B}"/>
+                </a:ext>
+              </a:extLst>
+            </p:cNvPr>
+            <p:cNvSpPr txBox="1"/>
+            <p:nvPr/>
+          </p:nvSpPr>
+          <p:spPr>
+            <a:xfrm>
+              <a:off x="6762303" y="4618203"/>
+              <a:ext cx="2768195" cy="461665"/>
+            </a:xfrm>
+            <a:prstGeom prst="rect">
+              <a:avLst/>
+            </a:prstGeom>
+            <a:noFill/>
+          </p:spPr>
+          <p:txBody>
+            <a:bodyPr wrap="square" rtlCol="0">
+              <a:spAutoFit/>
+            </a:bodyPr>
+            <a:lstStyle/>
+            <a:p>
+              <a:pPr marL="0" marR="0" lvl="0" indent="0" algn="ctr" defTabSz="914400" eaLnBrk="1" fontAlgn="auto" latinLnBrk="0" hangingPunct="1">
+                <a:lnSpc>
+                  <a:spcPct val="100000"/>
+                </a:lnSpc>
+                <a:spcBef>
+                  <a:spcPts val="0"/>
+                </a:spcBef>
+                <a:spcAft>
+                  <a:spcPts val="0"/>
+                </a:spcAft>
+                <a:buClrTx/>
+                <a:buSzTx/>
+                <a:buFontTx/>
+                <a:buNone/>
+                <a:tabLst/>
+                <a:defRPr/>
+              </a:pPr>
+              <a:r>
+                <a:rPr kumimoji="0" lang="en-US" sz="1800" b="0" i="0" u="none" strike="noStrike" kern="0" cap="none" spc="0" normalizeH="0" baseline="0" noProof="0" dirty="0">
+                  <a:ln>
+                    <a:noFill/>
+                  </a:ln>
+                  <a:solidFill>
+                    <a:srgbClr val="8F99BB">
+                      <a:lumMod val="75000"/>
+                    </a:srgbClr>
+                  </a:solidFill>
+                  <a:effectLst/>
+                  <a:uLnTx/>
+                  <a:uFillTx/>
+                  <a:latin typeface="Avenir Next LT Pro"/>
+                </a:rPr>
+                <a:t>     </a:t>
+              </a:r>
+              <a:r>
+                <a:rPr kumimoji="0" lang="en-US" sz="2400" b="0" i="0" u="none" strike="noStrike" kern="0" cap="none" spc="0" normalizeH="0" baseline="0" noProof="0" dirty="0">
+                  <a:ln>
+                    <a:noFill/>
+                  </a:ln>
+                  <a:solidFill>
+                    <a:srgbClr val="8F99BB">
+                      <a:lumMod val="75000"/>
+                    </a:srgbClr>
+                  </a:solidFill>
+                  <a:effectLst/>
+                  <a:uLnTx/>
+                  <a:uFillTx/>
+                  <a:latin typeface="Posterama"/>
+                </a:rPr>
+                <a:t>Expectations of</a:t>
+              </a:r>
+              <a:endParaRPr kumimoji="0" lang="en-CA" sz="1800" b="0" i="0" u="none" strike="noStrike" kern="0" cap="none" spc="0" normalizeH="0" baseline="0" noProof="0" dirty="0">
+                <a:ln>
+                  <a:noFill/>
+                </a:ln>
+                <a:solidFill>
+                  <a:srgbClr val="8F99BB">
+                    <a:lumMod val="75000"/>
+                  </a:srgbClr>
+                </a:solidFill>
+                <a:effectLst/>
+                <a:uLnTx/>
+                <a:uFillTx/>
+                <a:latin typeface="Posterama"/>
+              </a:endParaRPr>
+            </a:p>
+          </p:txBody>
+        </p:sp>
+        <p:cxnSp>
+          <p:nvCxnSpPr>
+            <p:cNvPr id="122" name="Straight Arrow Connector 121">
+              <a:extLst>
+                <a:ext uri="{FF2B5EF4-FFF2-40B4-BE49-F238E27FC236}">
+                  <a16:creationId xmlns:a16="http://schemas.microsoft.com/office/drawing/2014/main" id="{6DD41279-82E0-4938-AC70-EE8F02185863}"/>
+                </a:ext>
+              </a:extLst>
+            </p:cNvPr>
+            <p:cNvCxnSpPr>
+              <a:cxnSpLocks/>
+            </p:cNvCxnSpPr>
+            <p:nvPr/>
+          </p:nvCxnSpPr>
+          <p:spPr>
+            <a:xfrm flipV="1">
+              <a:off x="7072827" y="4657498"/>
+              <a:ext cx="0" cy="413902"/>
+            </a:xfrm>
+            <a:prstGeom prst="straightConnector1">
+              <a:avLst/>
+            </a:prstGeom>
+            <a:noFill/>
+            <a:ln w="38100" cap="flat" cmpd="sng" algn="ctr">
+              <a:solidFill>
+                <a:srgbClr val="8F99BB">
+                  <a:lumMod val="75000"/>
+                </a:srgbClr>
+              </a:solidFill>
+              <a:prstDash val="solid"/>
+              <a:miter lim="800000"/>
+              <a:headEnd type="none" w="med" len="med"/>
+              <a:tailEnd type="arrow" w="med" len="med"/>
+            </a:ln>
+            <a:effectLst/>
+          </p:spPr>
+        </p:cxnSp>
+        <p:sp>
+          <p:nvSpPr>
+            <p:cNvPr id="123" name="TextBox 122">
+              <a:extLst>
+                <a:ext uri="{FF2B5EF4-FFF2-40B4-BE49-F238E27FC236}">
+                  <a16:creationId xmlns:a16="http://schemas.microsoft.com/office/drawing/2014/main" id="{CED49C49-BBA4-4E2E-9333-C64DEF3CF33A}"/>
+                </a:ext>
+              </a:extLst>
+            </p:cNvPr>
+            <p:cNvSpPr txBox="1"/>
+            <p:nvPr/>
+          </p:nvSpPr>
+          <p:spPr>
+            <a:xfrm>
+              <a:off x="9185703" y="4618203"/>
+              <a:ext cx="2544699" cy="461665"/>
+            </a:xfrm>
+            <a:prstGeom prst="rect">
+              <a:avLst/>
+            </a:prstGeom>
+            <a:noFill/>
+          </p:spPr>
+          <p:txBody>
+            <a:bodyPr wrap="square" rtlCol="0">
+              <a:spAutoFit/>
+            </a:bodyPr>
+            <a:lstStyle/>
+            <a:p>
+              <a:pPr marL="0" marR="0" lvl="0" indent="0" algn="ctr" defTabSz="914400" eaLnBrk="1" fontAlgn="auto" latinLnBrk="0" hangingPunct="1">
+                <a:lnSpc>
+                  <a:spcPct val="100000"/>
+                </a:lnSpc>
+                <a:spcBef>
+                  <a:spcPts val="0"/>
+                </a:spcBef>
+                <a:spcAft>
+                  <a:spcPts val="0"/>
+                </a:spcAft>
+                <a:buClrTx/>
+                <a:buSzTx/>
+                <a:buFontTx/>
+                <a:buNone/>
+                <a:tabLst/>
+                <a:defRPr/>
+              </a:pPr>
+              <a:r>
+                <a:rPr kumimoji="0" lang="en-US" sz="2400" b="0" i="0" u="none" strike="noStrike" kern="0" cap="none" spc="0" normalizeH="0" baseline="0" noProof="0" dirty="0">
+                  <a:ln>
+                    <a:noFill/>
+                  </a:ln>
+                  <a:solidFill>
+                    <a:srgbClr val="8F99BB">
+                      <a:lumMod val="75000"/>
+                    </a:srgbClr>
+                  </a:solidFill>
+                  <a:effectLst/>
+                  <a:uLnTx/>
+                  <a:uFillTx/>
+                  <a:latin typeface="Posterama"/>
+                </a:rPr>
+                <a:t>Perfectionism</a:t>
+              </a:r>
+              <a:endParaRPr kumimoji="0" lang="en-CA" sz="1800" b="0" i="0" u="none" strike="noStrike" kern="0" cap="none" spc="0" normalizeH="0" baseline="0" noProof="0" dirty="0">
+                <a:ln>
+                  <a:noFill/>
+                </a:ln>
+                <a:solidFill>
+                  <a:srgbClr val="8F99BB">
+                    <a:lumMod val="75000"/>
+                  </a:srgbClr>
+                </a:solidFill>
+                <a:effectLst/>
+                <a:uLnTx/>
+                <a:uFillTx/>
+                <a:latin typeface="Posterama"/>
+              </a:endParaRPr>
+            </a:p>
+          </p:txBody>
+        </p:sp>
+        <p:sp>
+          <p:nvSpPr>
+            <p:cNvPr id="124" name="TextBox 123">
+              <a:extLst>
+                <a:ext uri="{FF2B5EF4-FFF2-40B4-BE49-F238E27FC236}">
+                  <a16:creationId xmlns:a16="http://schemas.microsoft.com/office/drawing/2014/main" id="{71939A8D-BF7F-4D4C-A179-295E6EE9DF4E}"/>
+                </a:ext>
+              </a:extLst>
+            </p:cNvPr>
+            <p:cNvSpPr txBox="1"/>
+            <p:nvPr/>
+          </p:nvSpPr>
+          <p:spPr>
+            <a:xfrm>
+              <a:off x="13111353" y="4353342"/>
+              <a:ext cx="3764013" cy="830997"/>
+            </a:xfrm>
+            <a:prstGeom prst="rect">
+              <a:avLst/>
+            </a:prstGeom>
+            <a:noFill/>
+          </p:spPr>
+          <p:txBody>
+            <a:bodyPr wrap="square" rtlCol="0">
+              <a:spAutoFit/>
+            </a:bodyPr>
+            <a:lstStyle/>
+            <a:p>
+              <a:pPr marL="0" marR="0" lvl="0" indent="0" algn="ctr" defTabSz="914400" eaLnBrk="1" fontAlgn="auto" latinLnBrk="0" hangingPunct="1">
+                <a:lnSpc>
+                  <a:spcPct val="100000"/>
+                </a:lnSpc>
+                <a:spcBef>
+                  <a:spcPts val="0"/>
+                </a:spcBef>
+                <a:spcAft>
+                  <a:spcPts val="0"/>
+                </a:spcAft>
+                <a:buClrTx/>
+                <a:buSzTx/>
+                <a:buFontTx/>
+                <a:buNone/>
+                <a:tabLst/>
+                <a:defRPr/>
+              </a:pPr>
+              <a:r>
+                <a:rPr kumimoji="0" lang="en-US" sz="1800" b="0" i="0" u="none" strike="noStrike" kern="0" cap="none" spc="0" normalizeH="0" baseline="0" noProof="0" dirty="0">
+                  <a:ln>
+                    <a:noFill/>
+                  </a:ln>
+                  <a:solidFill>
+                    <a:srgbClr val="8F99BB">
+                      <a:lumMod val="75000"/>
+                    </a:srgbClr>
+                  </a:solidFill>
+                  <a:effectLst/>
+                  <a:uLnTx/>
+                  <a:uFillTx/>
+                  <a:latin typeface="Avenir Next LT Pro"/>
+                </a:rPr>
+                <a:t> </a:t>
+              </a:r>
+              <a:r>
+                <a:rPr kumimoji="0" lang="en-US" sz="2400" b="0" i="0" u="none" strike="noStrike" kern="0" cap="none" spc="0" normalizeH="0" baseline="0" noProof="0" dirty="0">
+                  <a:ln>
+                    <a:noFill/>
+                  </a:ln>
+                  <a:solidFill>
+                    <a:srgbClr val="8F99BB">
+                      <a:lumMod val="75000"/>
+                    </a:srgbClr>
+                  </a:solidFill>
+                  <a:effectLst/>
+                  <a:uLnTx/>
+                  <a:uFillTx/>
+                  <a:latin typeface="Posterama"/>
+                </a:rPr>
+                <a:t>Unreasonably high work standards</a:t>
+              </a:r>
+              <a:endParaRPr kumimoji="0" lang="en-CA" sz="1800" b="0" i="0" u="none" strike="noStrike" kern="0" cap="none" spc="0" normalizeH="0" baseline="0" noProof="0" dirty="0">
+                <a:ln>
+                  <a:noFill/>
+                </a:ln>
+                <a:solidFill>
+                  <a:srgbClr val="8F99BB">
+                    <a:lumMod val="75000"/>
+                  </a:srgbClr>
+                </a:solidFill>
+                <a:effectLst/>
+                <a:uLnTx/>
+                <a:uFillTx/>
+                <a:latin typeface="Posterama"/>
+              </a:endParaRPr>
+            </a:p>
+          </p:txBody>
+        </p:sp>
+      </p:grpSp>
+      <p:sp>
+        <p:nvSpPr>
+          <p:cNvPr id="129" name="Rectangle 128">
+            <a:extLst>
+              <a:ext uri="{FF2B5EF4-FFF2-40B4-BE49-F238E27FC236}">
+                <a16:creationId xmlns:a16="http://schemas.microsoft.com/office/drawing/2014/main" id="{6F8DCF07-394A-4A45-AA13-250B179B35E4}"/>
+              </a:ext>
+            </a:extLst>
+          </p:cNvPr>
+          <p:cNvSpPr/>
+          <p:nvPr/>
+        </p:nvSpPr>
+        <p:spPr>
+          <a:xfrm>
+            <a:off x="256032" y="26007743"/>
+            <a:ext cx="4104749" cy="6477841"/>
+          </a:xfrm>
+          <a:prstGeom prst="rect">
+            <a:avLst/>
+          </a:prstGeom>
+          <a:solidFill>
+            <a:srgbClr val="E9EBF1"/>
+          </a:solidFill>
+          <a:ln>
+            <a:noFill/>
+          </a:ln>
+        </p:spPr>
+        <p:style>
+          <a:lnRef idx="2">
+            <a:schemeClr val="accent1">
+              <a:shade val="50000"/>
+            </a:schemeClr>
+          </a:lnRef>
+          <a:fillRef idx="1">
+            <a:schemeClr val="accent1"/>
+          </a:fillRef>
+          <a:effectRef idx="0">
+            <a:schemeClr val="accent1"/>
+          </a:effectRef>
+          <a:fontRef idx="minor">
+            <a:schemeClr val="lt1"/>
+          </a:fontRef>
+        </p:style>
+        <p:txBody>
+          <a:bodyPr rtlCol="0" anchor="ctr"/>
+          <a:lstStyle/>
+          <a:p>
+            <a:pPr algn="ctr">
+              <a:spcAft>
+                <a:spcPts val="600"/>
+              </a:spcAft>
+            </a:pPr>
+            <a:r>
+              <a:rPr lang="en-US" sz="2600" dirty="0">
+                <a:solidFill>
+                  <a:srgbClr val="2E344C"/>
+                </a:solidFill>
+                <a:latin typeface="Avenir Next LT Pro" panose="020B0504020202020204" pitchFamily="34" charset="0"/>
+              </a:rPr>
+              <a:t>165 Brock University students (M</a:t>
+            </a:r>
+            <a:r>
+              <a:rPr lang="en-US" sz="2600" baseline="-25000" dirty="0">
+                <a:solidFill>
+                  <a:srgbClr val="2E344C"/>
+                </a:solidFill>
+                <a:latin typeface="Avenir Next LT Pro" panose="020B0504020202020204" pitchFamily="34" charset="0"/>
+              </a:rPr>
+              <a:t>age</a:t>
+            </a:r>
+            <a:r>
+              <a:rPr lang="en-US" sz="2600" dirty="0">
+                <a:solidFill>
+                  <a:srgbClr val="2E344C"/>
+                </a:solidFill>
+                <a:latin typeface="Avenir Next LT Pro" panose="020B0504020202020204" pitchFamily="34" charset="0"/>
+              </a:rPr>
+              <a:t> = 19.36, SD</a:t>
+            </a:r>
+            <a:r>
+              <a:rPr lang="en-US" sz="2600" baseline="-25000" dirty="0">
+                <a:solidFill>
+                  <a:srgbClr val="2E344C"/>
+                </a:solidFill>
+                <a:latin typeface="Avenir Next LT Pro" panose="020B0504020202020204" pitchFamily="34" charset="0"/>
+              </a:rPr>
+              <a:t>age</a:t>
+            </a:r>
+            <a:r>
+              <a:rPr lang="en-US" sz="2600" dirty="0">
+                <a:solidFill>
+                  <a:srgbClr val="2E344C"/>
+                </a:solidFill>
+                <a:latin typeface="Avenir Next LT Pro" panose="020B0504020202020204" pitchFamily="34" charset="0"/>
+              </a:rPr>
+              <a:t> = 1.99, 82.6% Female), were recruited over SONA and compensated with class credit. The majority of this sample studied Social Science (35%) and Health Science (32%)  </a:t>
+            </a:r>
+          </a:p>
+          <a:p>
+            <a:pPr algn="ctr">
+              <a:spcAft>
+                <a:spcPts val="600"/>
+              </a:spcAft>
+            </a:pPr>
+            <a:endParaRPr lang="en-US" sz="2600" dirty="0">
+              <a:solidFill>
+                <a:srgbClr val="2E344C"/>
+              </a:solidFill>
+              <a:latin typeface="Avenir Next LT Pro" panose="020B0504020202020204" pitchFamily="34" charset="0"/>
+            </a:endParaRPr>
+          </a:p>
+          <a:p>
+            <a:pPr algn="ctr">
+              <a:spcAft>
+                <a:spcPts val="600"/>
+              </a:spcAft>
+            </a:pPr>
+            <a:r>
+              <a:rPr lang="en-US" sz="2600" dirty="0">
+                <a:solidFill>
+                  <a:srgbClr val="2E344C"/>
+                </a:solidFill>
+                <a:latin typeface="Avenir Next LT Pro" panose="020B0504020202020204" pitchFamily="34" charset="0"/>
+              </a:rPr>
+              <a:t>Control: n=82</a:t>
+            </a:r>
+          </a:p>
+          <a:p>
+            <a:pPr algn="ctr">
+              <a:spcAft>
+                <a:spcPts val="600"/>
+              </a:spcAft>
+            </a:pPr>
+            <a:r>
+              <a:rPr lang="en-US" sz="2600" dirty="0">
+                <a:solidFill>
+                  <a:srgbClr val="2E344C"/>
+                </a:solidFill>
+                <a:latin typeface="Avenir Next LT Pro" panose="020B0504020202020204" pitchFamily="34" charset="0"/>
+              </a:rPr>
+              <a:t>Experimental: n=83</a:t>
+            </a:r>
+            <a:endParaRPr lang="en-US" sz="2600" b="1" dirty="0">
+              <a:solidFill>
+                <a:srgbClr val="2E344C"/>
+              </a:solidFill>
+              <a:latin typeface="Avenir Next LT Pro" panose="020B0504020202020204" pitchFamily="34" charset="0"/>
+            </a:endParaRPr>
+          </a:p>
+          <a:p>
+            <a:pPr algn="ctr">
+              <a:spcAft>
+                <a:spcPts val="600"/>
+              </a:spcAft>
+            </a:pPr>
+            <a:endParaRPr lang="en-US" sz="1100" dirty="0">
+              <a:solidFill>
+                <a:srgbClr val="2E344C"/>
+              </a:solidFill>
+              <a:latin typeface="Avenir Next LT Pro" panose="020B0504020202020204" pitchFamily="34" charset="0"/>
+            </a:endParaRPr>
+          </a:p>
+        </p:txBody>
+      </p:sp>
+      <p:sp>
+        <p:nvSpPr>
+          <p:cNvPr id="148" name="Rectangle 147">
+            <a:extLst>
+              <a:ext uri="{FF2B5EF4-FFF2-40B4-BE49-F238E27FC236}">
+                <a16:creationId xmlns:a16="http://schemas.microsoft.com/office/drawing/2014/main" id="{D72997FF-9740-42C1-99D6-01EFBF1BF9BC}"/>
+              </a:ext>
+            </a:extLst>
+          </p:cNvPr>
+          <p:cNvSpPr/>
+          <p:nvPr/>
+        </p:nvSpPr>
+        <p:spPr>
+          <a:xfrm>
+            <a:off x="246225" y="23131803"/>
+            <a:ext cx="11484864" cy="2028458"/>
+          </a:xfrm>
+          <a:prstGeom prst="rect">
+            <a:avLst/>
+          </a:prstGeom>
+          <a:solidFill>
+            <a:srgbClr val="E9EBF1"/>
+          </a:solidFill>
+          <a:ln>
+            <a:noFill/>
+          </a:ln>
+        </p:spPr>
+        <p:style>
+          <a:lnRef idx="2">
+            <a:schemeClr val="accent1">
+              <a:shade val="50000"/>
+            </a:schemeClr>
+          </a:lnRef>
+          <a:fillRef idx="1">
+            <a:schemeClr val="accent1"/>
+          </a:fillRef>
+          <a:effectRef idx="0">
+            <a:schemeClr val="accent1"/>
+          </a:effectRef>
+          <a:fontRef idx="minor">
+            <a:schemeClr val="lt1"/>
+          </a:fontRef>
+        </p:style>
+        <p:txBody>
+          <a:bodyPr rtlCol="0" anchor="ctr"/>
+          <a:lstStyle/>
+          <a:p>
+            <a:pPr algn="ctr"/>
+            <a:r>
+              <a:rPr lang="en-US" sz="3600" dirty="0">
+                <a:solidFill>
+                  <a:srgbClr val="2E344C"/>
+                </a:solidFill>
+              </a:rPr>
+              <a:t>When an outsider thinks a company is more fun to work at, they are more likely to justify unfair treatment of employees within that company</a:t>
+            </a:r>
+            <a:endParaRPr lang="en-CA" sz="2000" dirty="0"/>
+          </a:p>
+        </p:txBody>
+      </p:sp>
+      <p:cxnSp>
+        <p:nvCxnSpPr>
+          <p:cNvPr id="6" name="Straight Connector 5">
+            <a:extLst>
+              <a:ext uri="{FF2B5EF4-FFF2-40B4-BE49-F238E27FC236}">
+                <a16:creationId xmlns:a16="http://schemas.microsoft.com/office/drawing/2014/main" id="{7CBB837E-260F-4AC5-BE85-D1BA29D5A772}"/>
+              </a:ext>
+            </a:extLst>
+          </p:cNvPr>
+          <p:cNvCxnSpPr/>
+          <p:nvPr/>
+        </p:nvCxnSpPr>
+        <p:spPr>
+          <a:xfrm>
+            <a:off x="646989" y="30753235"/>
+            <a:ext cx="3411940" cy="0"/>
+          </a:xfrm>
+          <a:prstGeom prst="line">
+            <a:avLst/>
+          </a:prstGeom>
+          <a:ln w="28575">
+            <a:solidFill>
+              <a:srgbClr val="2E344C"/>
+            </a:solidFill>
+          </a:ln>
+        </p:spPr>
+        <p:style>
+          <a:lnRef idx="1">
+            <a:schemeClr val="accent1"/>
+          </a:lnRef>
+          <a:fillRef idx="0">
+            <a:schemeClr val="accent1"/>
+          </a:fillRef>
+          <a:effectRef idx="0">
+            <a:schemeClr val="accent1"/>
+          </a:effectRef>
+          <a:fontRef idx="minor">
+            <a:schemeClr val="tx1"/>
+          </a:fontRef>
+        </p:style>
+      </p:cxnSp>
+      <p:grpSp>
+        <p:nvGrpSpPr>
+          <p:cNvPr id="184" name="Group 183">
+            <a:extLst>
+              <a:ext uri="{FF2B5EF4-FFF2-40B4-BE49-F238E27FC236}">
+                <a16:creationId xmlns:a16="http://schemas.microsoft.com/office/drawing/2014/main" id="{C4327F4C-F6C1-453F-A862-25D5AB7A37C8}"/>
+              </a:ext>
+            </a:extLst>
+          </p:cNvPr>
+          <p:cNvGrpSpPr/>
+          <p:nvPr/>
+        </p:nvGrpSpPr>
+        <p:grpSpPr>
+          <a:xfrm>
+            <a:off x="5988657" y="26835452"/>
+            <a:ext cx="6769099" cy="5063454"/>
+            <a:chOff x="5331598" y="26921757"/>
+            <a:chExt cx="5959408" cy="4457785"/>
+          </a:xfrm>
+        </p:grpSpPr>
+        <p:graphicFrame>
+          <p:nvGraphicFramePr>
+            <p:cNvPr id="166" name="Chart 165">
+              <a:extLst>
+                <a:ext uri="{FF2B5EF4-FFF2-40B4-BE49-F238E27FC236}">
+                  <a16:creationId xmlns:a16="http://schemas.microsoft.com/office/drawing/2014/main" id="{8B4CFC0F-B7C6-4BFB-8451-E5D9D1C6B043}"/>
+                </a:ext>
+              </a:extLst>
+            </p:cNvPr>
+            <p:cNvGraphicFramePr/>
+            <p:nvPr>
+              <p:extLst>
+                <p:ext uri="{D42A27DB-BD31-4B8C-83A1-F6EECF244321}">
+                  <p14:modId xmlns:p14="http://schemas.microsoft.com/office/powerpoint/2010/main" val="2329299604"/>
+                </p:ext>
+              </p:extLst>
+            </p:nvPr>
+          </p:nvGraphicFramePr>
+          <p:xfrm>
+            <a:off x="5331598" y="26921757"/>
+            <a:ext cx="5959408" cy="4457785"/>
+          </p:xfrm>
+          <a:graphic>
+            <a:graphicData uri="http://schemas.openxmlformats.org/drawingml/2006/chart">
+              <c:chart xmlns:c="http://schemas.openxmlformats.org/drawingml/2006/chart" xmlns:r="http://schemas.openxmlformats.org/officeDocument/2006/relationships" r:id="rId2"/>
+            </a:graphicData>
+          </a:graphic>
+        </p:graphicFrame>
+        <p:graphicFrame>
+          <p:nvGraphicFramePr>
+            <p:cNvPr id="168" name="Chart 167">
+              <a:extLst>
+                <a:ext uri="{FF2B5EF4-FFF2-40B4-BE49-F238E27FC236}">
+                  <a16:creationId xmlns:a16="http://schemas.microsoft.com/office/drawing/2014/main" id="{9595F540-82ED-4992-AB8E-043D990221B9}"/>
+                </a:ext>
+              </a:extLst>
+            </p:cNvPr>
+            <p:cNvGraphicFramePr/>
+            <p:nvPr>
+              <p:extLst>
+                <p:ext uri="{D42A27DB-BD31-4B8C-83A1-F6EECF244321}">
+                  <p14:modId xmlns:p14="http://schemas.microsoft.com/office/powerpoint/2010/main" val="30613958"/>
+                </p:ext>
+              </p:extLst>
+            </p:nvPr>
+          </p:nvGraphicFramePr>
+          <p:xfrm>
+            <a:off x="5614055" y="27370086"/>
+            <a:ext cx="5522279" cy="3540880"/>
+          </p:xfrm>
+          <a:graphic>
+            <a:graphicData uri="http://schemas.openxmlformats.org/drawingml/2006/chart">
+              <c:chart xmlns:c="http://schemas.openxmlformats.org/drawingml/2006/chart" xmlns:r="http://schemas.openxmlformats.org/officeDocument/2006/relationships" r:id="rId3"/>
+            </a:graphicData>
+          </a:graphic>
+        </p:graphicFrame>
+        <p:graphicFrame>
+          <p:nvGraphicFramePr>
+            <p:cNvPr id="175" name="Chart 174">
+              <a:extLst>
+                <a:ext uri="{FF2B5EF4-FFF2-40B4-BE49-F238E27FC236}">
+                  <a16:creationId xmlns:a16="http://schemas.microsoft.com/office/drawing/2014/main" id="{4864A11F-FA78-4E68-A523-7154171C1248}"/>
+                </a:ext>
+              </a:extLst>
+            </p:cNvPr>
+            <p:cNvGraphicFramePr/>
+            <p:nvPr>
+              <p:extLst>
+                <p:ext uri="{D42A27DB-BD31-4B8C-83A1-F6EECF244321}">
+                  <p14:modId xmlns:p14="http://schemas.microsoft.com/office/powerpoint/2010/main" val="3724839384"/>
+                </p:ext>
+              </p:extLst>
+            </p:nvPr>
+          </p:nvGraphicFramePr>
+          <p:xfrm>
+            <a:off x="6853057" y="28150983"/>
+            <a:ext cx="2929470" cy="2562786"/>
+          </p:xfrm>
+          <a:graphic>
+            <a:graphicData uri="http://schemas.openxmlformats.org/drawingml/2006/chart">
+              <c:chart xmlns:c="http://schemas.openxmlformats.org/drawingml/2006/chart" xmlns:r="http://schemas.openxmlformats.org/officeDocument/2006/relationships" r:id="rId4"/>
+            </a:graphicData>
+          </a:graphic>
+        </p:graphicFrame>
+        <p:sp>
+          <p:nvSpPr>
+            <p:cNvPr id="178" name="TextBox 177">
+              <a:extLst>
+                <a:ext uri="{FF2B5EF4-FFF2-40B4-BE49-F238E27FC236}">
+                  <a16:creationId xmlns:a16="http://schemas.microsoft.com/office/drawing/2014/main" id="{B036D36D-F0E8-4298-AA98-C9BBAB38B654}"/>
+                </a:ext>
+              </a:extLst>
+            </p:cNvPr>
+            <p:cNvSpPr txBox="1"/>
+            <p:nvPr/>
+          </p:nvSpPr>
+          <p:spPr>
+            <a:xfrm>
+              <a:off x="8328555" y="29207256"/>
+              <a:ext cx="184731" cy="369332"/>
+            </a:xfrm>
+            <a:prstGeom prst="rect">
+              <a:avLst/>
+            </a:prstGeom>
+            <a:noFill/>
+          </p:spPr>
+          <p:txBody>
+            <a:bodyPr wrap="none" rtlCol="0">
+              <a:spAutoFit/>
+            </a:bodyPr>
+            <a:lstStyle/>
+            <a:p>
+              <a:pPr algn="ctr" defTabSz="914400"/>
+              <a:endParaRPr lang="en-CA" dirty="0">
+                <a:solidFill>
+                  <a:srgbClr val="8F99BB">
+                    <a:lumMod val="50000"/>
+                  </a:srgbClr>
+                </a:solidFill>
+                <a:latin typeface="Avenir Next LT Pro"/>
+              </a:endParaRPr>
+            </a:p>
+          </p:txBody>
+        </p:sp>
+      </p:grpSp>
+      <p:grpSp>
+        <p:nvGrpSpPr>
+          <p:cNvPr id="189" name="Group 188">
+            <a:extLst>
+              <a:ext uri="{FF2B5EF4-FFF2-40B4-BE49-F238E27FC236}">
+                <a16:creationId xmlns:a16="http://schemas.microsoft.com/office/drawing/2014/main" id="{7623E564-5B64-4827-926D-5D7C7ED1B026}"/>
+              </a:ext>
+            </a:extLst>
+          </p:cNvPr>
+          <p:cNvGrpSpPr/>
+          <p:nvPr/>
+        </p:nvGrpSpPr>
+        <p:grpSpPr>
+          <a:xfrm>
+            <a:off x="4351910" y="25976467"/>
+            <a:ext cx="2490717" cy="6509117"/>
+            <a:chOff x="9240370" y="25976467"/>
+            <a:chExt cx="2490717" cy="6509117"/>
+          </a:xfrm>
+        </p:grpSpPr>
+        <p:sp>
+          <p:nvSpPr>
+            <p:cNvPr id="180" name="Rectangle 179">
+              <a:extLst>
+                <a:ext uri="{FF2B5EF4-FFF2-40B4-BE49-F238E27FC236}">
+                  <a16:creationId xmlns:a16="http://schemas.microsoft.com/office/drawing/2014/main" id="{5727EBBF-D6D9-4B3B-B76C-1938B325488A}"/>
+                </a:ext>
+              </a:extLst>
+            </p:cNvPr>
+            <p:cNvSpPr/>
+            <p:nvPr/>
+          </p:nvSpPr>
+          <p:spPr>
+            <a:xfrm>
+              <a:off x="9249241" y="25976467"/>
+              <a:ext cx="2481845" cy="795528"/>
+            </a:xfrm>
+            <a:prstGeom prst="rect">
+              <a:avLst/>
+            </a:prstGeom>
+            <a:solidFill>
+              <a:srgbClr val="FFE7E7"/>
+            </a:solidFill>
+            <a:ln>
+              <a:noFill/>
+            </a:ln>
+          </p:spPr>
+          <p:style>
+            <a:lnRef idx="2">
+              <a:schemeClr val="accent1">
+                <a:shade val="50000"/>
+              </a:schemeClr>
+            </a:lnRef>
+            <a:fillRef idx="1">
+              <a:schemeClr val="accent1"/>
+            </a:fillRef>
+            <a:effectRef idx="0">
+              <a:schemeClr val="accent1"/>
+            </a:effectRef>
+            <a:fontRef idx="minor">
+              <a:schemeClr val="lt1"/>
+            </a:fontRef>
+          </p:style>
+          <p:txBody>
+            <a:bodyPr rtlCol="0" anchor="ctr"/>
+            <a:lstStyle/>
+            <a:p>
+              <a:pPr defTabSz="914400"/>
+              <a:r>
+                <a:rPr lang="en-US" sz="2400" dirty="0">
+                  <a:solidFill>
+                    <a:prstClr val="black"/>
+                  </a:solidFill>
+                  <a:latin typeface="Avenir Next LT Pro"/>
+                </a:rPr>
+                <a:t>Social Sciences (35%)</a:t>
+              </a:r>
+              <a:endParaRPr lang="en-CA" sz="2400" dirty="0">
+                <a:solidFill>
+                  <a:prstClr val="black"/>
+                </a:solidFill>
+                <a:latin typeface="Avenir Next LT Pro"/>
+              </a:endParaRPr>
+            </a:p>
+          </p:txBody>
+        </p:sp>
+        <p:sp>
+          <p:nvSpPr>
+            <p:cNvPr id="181" name="Rectangle 180">
+              <a:extLst>
+                <a:ext uri="{FF2B5EF4-FFF2-40B4-BE49-F238E27FC236}">
+                  <a16:creationId xmlns:a16="http://schemas.microsoft.com/office/drawing/2014/main" id="{F0269A77-B220-47F2-909F-8040B009F23D}"/>
+                </a:ext>
+              </a:extLst>
+            </p:cNvPr>
+            <p:cNvSpPr/>
+            <p:nvPr/>
+          </p:nvSpPr>
+          <p:spPr>
+            <a:xfrm>
+              <a:off x="9249241" y="26876789"/>
+              <a:ext cx="2481845" cy="795528"/>
+            </a:xfrm>
+            <a:prstGeom prst="rect">
+              <a:avLst/>
+            </a:prstGeom>
+            <a:solidFill>
+              <a:srgbClr val="FECFCF"/>
+            </a:solidFill>
+            <a:ln>
+              <a:noFill/>
+            </a:ln>
+          </p:spPr>
+          <p:style>
+            <a:lnRef idx="2">
+              <a:schemeClr val="accent1">
+                <a:shade val="50000"/>
+              </a:schemeClr>
+            </a:lnRef>
+            <a:fillRef idx="1">
+              <a:schemeClr val="accent1"/>
+            </a:fillRef>
+            <a:effectRef idx="0">
+              <a:schemeClr val="accent1"/>
+            </a:effectRef>
+            <a:fontRef idx="minor">
+              <a:schemeClr val="lt1"/>
+            </a:fontRef>
+          </p:style>
+          <p:txBody>
+            <a:bodyPr rtlCol="0" anchor="ctr"/>
+            <a:lstStyle/>
+            <a:p>
+              <a:pPr defTabSz="914400"/>
+              <a:r>
+                <a:rPr lang="en-US" sz="2400" dirty="0">
+                  <a:solidFill>
+                    <a:prstClr val="black"/>
+                  </a:solidFill>
+                  <a:latin typeface="Avenir Next LT Pro"/>
+                </a:rPr>
+                <a:t>Health Sciences (32%)</a:t>
+              </a:r>
+              <a:endParaRPr lang="en-CA" sz="2400" dirty="0">
+                <a:solidFill>
+                  <a:prstClr val="black"/>
+                </a:solidFill>
+                <a:latin typeface="Avenir Next LT Pro"/>
+              </a:endParaRPr>
+            </a:p>
+          </p:txBody>
+        </p:sp>
+        <p:sp>
+          <p:nvSpPr>
+            <p:cNvPr id="182" name="Rectangle 181">
+              <a:extLst>
+                <a:ext uri="{FF2B5EF4-FFF2-40B4-BE49-F238E27FC236}">
+                  <a16:creationId xmlns:a16="http://schemas.microsoft.com/office/drawing/2014/main" id="{148DCBD9-50C5-4D3A-925F-2D971000F4E3}"/>
+                </a:ext>
+              </a:extLst>
+            </p:cNvPr>
+            <p:cNvSpPr/>
+            <p:nvPr/>
+          </p:nvSpPr>
+          <p:spPr>
+            <a:xfrm>
+              <a:off x="9249241" y="27777346"/>
+              <a:ext cx="2481845" cy="466344"/>
+            </a:xfrm>
+            <a:prstGeom prst="rect">
+              <a:avLst/>
+            </a:prstGeom>
+            <a:solidFill>
+              <a:srgbClr val="FEB6B6"/>
+            </a:solidFill>
+            <a:ln>
+              <a:noFill/>
+            </a:ln>
+          </p:spPr>
+          <p:style>
+            <a:lnRef idx="2">
+              <a:schemeClr val="accent1">
+                <a:shade val="50000"/>
+              </a:schemeClr>
+            </a:lnRef>
+            <a:fillRef idx="1">
+              <a:schemeClr val="accent1"/>
+            </a:fillRef>
+            <a:effectRef idx="0">
+              <a:schemeClr val="accent1"/>
+            </a:effectRef>
+            <a:fontRef idx="minor">
+              <a:schemeClr val="lt1"/>
+            </a:fontRef>
+          </p:style>
+          <p:txBody>
+            <a:bodyPr rtlCol="0" anchor="ctr"/>
+            <a:lstStyle/>
+            <a:p>
+              <a:pPr defTabSz="914400"/>
+              <a:r>
+                <a:rPr lang="en-US" sz="2400" dirty="0">
+                  <a:solidFill>
+                    <a:prstClr val="black"/>
+                  </a:solidFill>
+                  <a:latin typeface="Avenir Next LT Pro"/>
+                </a:rPr>
+                <a:t>Education (18%)</a:t>
+              </a:r>
+              <a:endParaRPr lang="en-CA" sz="2400" dirty="0">
+                <a:solidFill>
+                  <a:prstClr val="black"/>
+                </a:solidFill>
+                <a:latin typeface="Avenir Next LT Pro"/>
+              </a:endParaRPr>
+            </a:p>
+          </p:txBody>
+        </p:sp>
+        <p:sp>
+          <p:nvSpPr>
+            <p:cNvPr id="183" name="Rectangle 182">
+              <a:extLst>
+                <a:ext uri="{FF2B5EF4-FFF2-40B4-BE49-F238E27FC236}">
+                  <a16:creationId xmlns:a16="http://schemas.microsoft.com/office/drawing/2014/main" id="{B7783D0B-E976-4623-95A3-4FDE616C452B}"/>
+                </a:ext>
+              </a:extLst>
+            </p:cNvPr>
+            <p:cNvSpPr/>
+            <p:nvPr/>
+          </p:nvSpPr>
+          <p:spPr>
+            <a:xfrm>
+              <a:off x="9249241" y="28352566"/>
+              <a:ext cx="2481845" cy="1150673"/>
+            </a:xfrm>
+            <a:prstGeom prst="rect">
+              <a:avLst/>
+            </a:prstGeom>
+            <a:solidFill>
+              <a:srgbClr val="E98F8F"/>
+            </a:solidFill>
+            <a:ln>
+              <a:noFill/>
+            </a:ln>
+          </p:spPr>
+          <p:style>
+            <a:lnRef idx="2">
+              <a:schemeClr val="accent1">
+                <a:shade val="50000"/>
+              </a:schemeClr>
+            </a:lnRef>
+            <a:fillRef idx="1">
+              <a:schemeClr val="accent1"/>
+            </a:fillRef>
+            <a:effectRef idx="0">
+              <a:schemeClr val="accent1"/>
+            </a:effectRef>
+            <a:fontRef idx="minor">
+              <a:schemeClr val="lt1"/>
+            </a:fontRef>
+          </p:style>
+          <p:txBody>
+            <a:bodyPr rtlCol="0" anchor="ctr"/>
+            <a:lstStyle/>
+            <a:p>
+              <a:pPr defTabSz="914400"/>
+              <a:r>
+                <a:rPr lang="en-US" sz="2400" dirty="0">
+                  <a:solidFill>
+                    <a:prstClr val="black"/>
+                  </a:solidFill>
+                  <a:latin typeface="Avenir Next LT Pro"/>
+                </a:rPr>
+                <a:t>Mathematics and Science (5%)</a:t>
+              </a:r>
+              <a:endParaRPr lang="en-CA" sz="2400" dirty="0">
+                <a:solidFill>
+                  <a:prstClr val="black"/>
+                </a:solidFill>
+                <a:latin typeface="Avenir Next LT Pro"/>
+              </a:endParaRPr>
+            </a:p>
+          </p:txBody>
+        </p:sp>
+        <p:sp>
+          <p:nvSpPr>
+            <p:cNvPr id="185" name="Rectangle 184">
+              <a:extLst>
+                <a:ext uri="{FF2B5EF4-FFF2-40B4-BE49-F238E27FC236}">
+                  <a16:creationId xmlns:a16="http://schemas.microsoft.com/office/drawing/2014/main" id="{97F19BAD-453E-48C3-A9A1-205A228CC853}"/>
+                </a:ext>
+              </a:extLst>
+            </p:cNvPr>
+            <p:cNvSpPr/>
+            <p:nvPr/>
+          </p:nvSpPr>
+          <p:spPr>
+            <a:xfrm>
+              <a:off x="9249241" y="29623125"/>
+              <a:ext cx="2481845" cy="795528"/>
+            </a:xfrm>
+            <a:prstGeom prst="rect">
+              <a:avLst/>
+            </a:prstGeom>
+            <a:solidFill>
+              <a:srgbClr val="E1D5E7"/>
+            </a:solidFill>
+            <a:ln>
+              <a:noFill/>
+            </a:ln>
+          </p:spPr>
+          <p:style>
+            <a:lnRef idx="2">
+              <a:schemeClr val="accent1">
+                <a:shade val="50000"/>
+              </a:schemeClr>
+            </a:lnRef>
+            <a:fillRef idx="1">
+              <a:schemeClr val="accent1"/>
+            </a:fillRef>
+            <a:effectRef idx="0">
+              <a:schemeClr val="accent1"/>
+            </a:effectRef>
+            <a:fontRef idx="minor">
+              <a:schemeClr val="lt1"/>
+            </a:fontRef>
+          </p:style>
+          <p:txBody>
+            <a:bodyPr rtlCol="0" anchor="ctr"/>
+            <a:lstStyle/>
+            <a:p>
+              <a:pPr defTabSz="914400"/>
+              <a:r>
+                <a:rPr lang="en-US" sz="2400" dirty="0">
+                  <a:solidFill>
+                    <a:prstClr val="black"/>
+                  </a:solidFill>
+                  <a:latin typeface="Avenir Next LT Pro"/>
+                </a:rPr>
+                <a:t>&gt;20 years old (69%)</a:t>
+              </a:r>
+              <a:endParaRPr lang="en-CA" sz="2400" dirty="0">
+                <a:solidFill>
+                  <a:prstClr val="black"/>
+                </a:solidFill>
+                <a:latin typeface="Avenir Next LT Pro"/>
+              </a:endParaRPr>
+            </a:p>
+          </p:txBody>
+        </p:sp>
+        <p:sp>
+          <p:nvSpPr>
+            <p:cNvPr id="186" name="Rectangle 185">
+              <a:extLst>
+                <a:ext uri="{FF2B5EF4-FFF2-40B4-BE49-F238E27FC236}">
+                  <a16:creationId xmlns:a16="http://schemas.microsoft.com/office/drawing/2014/main" id="{DA570AE2-C061-44A4-A96C-04D358F9E5AA}"/>
+                </a:ext>
+              </a:extLst>
+            </p:cNvPr>
+            <p:cNvSpPr/>
+            <p:nvPr/>
+          </p:nvSpPr>
+          <p:spPr>
+            <a:xfrm>
+              <a:off x="9249242" y="30538539"/>
+              <a:ext cx="2481845" cy="792684"/>
+            </a:xfrm>
+            <a:prstGeom prst="rect">
+              <a:avLst/>
+            </a:prstGeom>
+            <a:solidFill>
+              <a:srgbClr val="B495C2"/>
+            </a:solidFill>
+            <a:ln>
+              <a:noFill/>
+            </a:ln>
+          </p:spPr>
+          <p:style>
+            <a:lnRef idx="2">
+              <a:schemeClr val="accent1">
+                <a:shade val="50000"/>
+              </a:schemeClr>
+            </a:lnRef>
+            <a:fillRef idx="1">
+              <a:schemeClr val="accent1"/>
+            </a:fillRef>
+            <a:effectRef idx="0">
+              <a:schemeClr val="accent1"/>
+            </a:effectRef>
+            <a:fontRef idx="minor">
+              <a:schemeClr val="lt1"/>
+            </a:fontRef>
+          </p:style>
+          <p:txBody>
+            <a:bodyPr rtlCol="0" anchor="ctr"/>
+            <a:lstStyle/>
+            <a:p>
+              <a:pPr defTabSz="914400"/>
+              <a:r>
+                <a:rPr lang="en-US" sz="2400" dirty="0">
+                  <a:solidFill>
+                    <a:prstClr val="black"/>
+                  </a:solidFill>
+                  <a:latin typeface="Avenir Next LT Pro"/>
+                </a:rPr>
+                <a:t>20-25 years old (31%)</a:t>
+              </a:r>
+              <a:endParaRPr lang="en-CA" sz="2400" dirty="0">
+                <a:solidFill>
+                  <a:prstClr val="black"/>
+                </a:solidFill>
+                <a:latin typeface="Avenir Next LT Pro"/>
+              </a:endParaRPr>
+            </a:p>
+          </p:txBody>
+        </p:sp>
+        <p:sp>
+          <p:nvSpPr>
+            <p:cNvPr id="187" name="Rectangle 186">
+              <a:extLst>
+                <a:ext uri="{FF2B5EF4-FFF2-40B4-BE49-F238E27FC236}">
+                  <a16:creationId xmlns:a16="http://schemas.microsoft.com/office/drawing/2014/main" id="{2FFD9B3A-E9E8-4511-AB5C-BD0C5957FB81}"/>
+                </a:ext>
+              </a:extLst>
+            </p:cNvPr>
+            <p:cNvSpPr/>
+            <p:nvPr/>
+          </p:nvSpPr>
+          <p:spPr>
+            <a:xfrm>
+              <a:off x="9240370" y="31451109"/>
+              <a:ext cx="2481845" cy="469471"/>
+            </a:xfrm>
+            <a:prstGeom prst="rect">
+              <a:avLst/>
+            </a:prstGeom>
+            <a:solidFill>
+              <a:srgbClr val="D2D6E4"/>
+            </a:solidFill>
+            <a:ln>
+              <a:noFill/>
+            </a:ln>
+          </p:spPr>
+          <p:style>
+            <a:lnRef idx="2">
+              <a:schemeClr val="accent1">
+                <a:shade val="50000"/>
+              </a:schemeClr>
+            </a:lnRef>
+            <a:fillRef idx="1">
+              <a:schemeClr val="accent1"/>
+            </a:fillRef>
+            <a:effectRef idx="0">
+              <a:schemeClr val="accent1"/>
+            </a:effectRef>
+            <a:fontRef idx="minor">
+              <a:schemeClr val="lt1"/>
+            </a:fontRef>
+          </p:style>
+          <p:txBody>
+            <a:bodyPr rtlCol="0" anchor="ctr"/>
+            <a:lstStyle/>
+            <a:p>
+              <a:pPr defTabSz="914400"/>
+              <a:r>
+                <a:rPr lang="en-US" sz="2400" dirty="0">
+                  <a:solidFill>
+                    <a:prstClr val="black"/>
+                  </a:solidFill>
+                  <a:latin typeface="Avenir Next LT Pro"/>
+                </a:rPr>
+                <a:t>Female (83%)</a:t>
+              </a:r>
+              <a:endParaRPr lang="en-CA" sz="2400" dirty="0">
+                <a:solidFill>
+                  <a:prstClr val="black"/>
+                </a:solidFill>
+                <a:latin typeface="Avenir Next LT Pro"/>
+              </a:endParaRPr>
+            </a:p>
+          </p:txBody>
+        </p:sp>
+        <p:sp>
+          <p:nvSpPr>
+            <p:cNvPr id="188" name="Rectangle 187">
+              <a:extLst>
+                <a:ext uri="{FF2B5EF4-FFF2-40B4-BE49-F238E27FC236}">
+                  <a16:creationId xmlns:a16="http://schemas.microsoft.com/office/drawing/2014/main" id="{05A80C48-B6B2-45E5-A457-3C2D69E28EBF}"/>
+                </a:ext>
+              </a:extLst>
+            </p:cNvPr>
+            <p:cNvSpPr/>
+            <p:nvPr/>
+          </p:nvSpPr>
+          <p:spPr>
+            <a:xfrm>
+              <a:off x="9246396" y="32016113"/>
+              <a:ext cx="2481845" cy="469471"/>
+            </a:xfrm>
+            <a:prstGeom prst="rect">
+              <a:avLst/>
+            </a:prstGeom>
+            <a:solidFill>
+              <a:srgbClr val="8D96B9"/>
+            </a:solidFill>
+            <a:ln>
+              <a:noFill/>
+            </a:ln>
+          </p:spPr>
+          <p:style>
+            <a:lnRef idx="2">
+              <a:schemeClr val="accent1">
+                <a:shade val="50000"/>
+              </a:schemeClr>
+            </a:lnRef>
+            <a:fillRef idx="1">
+              <a:schemeClr val="accent1"/>
+            </a:fillRef>
+            <a:effectRef idx="0">
+              <a:schemeClr val="accent1"/>
+            </a:effectRef>
+            <a:fontRef idx="minor">
+              <a:schemeClr val="lt1"/>
+            </a:fontRef>
+          </p:style>
+          <p:txBody>
+            <a:bodyPr rtlCol="0" anchor="ctr"/>
+            <a:lstStyle/>
+            <a:p>
+              <a:pPr defTabSz="914400"/>
+              <a:r>
+                <a:rPr lang="en-US" sz="2400" dirty="0">
+                  <a:solidFill>
+                    <a:prstClr val="black"/>
+                  </a:solidFill>
+                  <a:latin typeface="Avenir Next LT Pro"/>
+                </a:rPr>
+                <a:t>Male (17%)</a:t>
+              </a:r>
+              <a:endParaRPr lang="en-CA" sz="2400" dirty="0">
+                <a:solidFill>
+                  <a:prstClr val="black"/>
+                </a:solidFill>
+                <a:latin typeface="Avenir Next LT Pro"/>
+              </a:endParaRPr>
+            </a:p>
+          </p:txBody>
+        </p:sp>
+      </p:grpSp>
     </p:spTree>
     <p:extLst>
       <p:ext uri="{BB962C8B-B14F-4D97-AF65-F5344CB8AC3E}">
@@ -4705,4 +12692,580 @@
     </a:ext>
   </a:extLst>
 </a:theme>
+</file>
+
+<file path=ppt/theme/themeOverride1.xml><?xml version="1.0" encoding="utf-8"?>
+<a:themeOverride xmlns:a="http://schemas.openxmlformats.org/drawingml/2006/main">
+  <a:clrScheme name="Custom 51">
+    <a:dk1>
+      <a:sysClr val="windowText" lastClr="000000"/>
+    </a:dk1>
+    <a:lt1>
+      <a:sysClr val="window" lastClr="FFFFFF"/>
+    </a:lt1>
+    <a:dk2>
+      <a:srgbClr val="12154E"/>
+    </a:dk2>
+    <a:lt2>
+      <a:srgbClr val="EEEEEE"/>
+    </a:lt2>
+    <a:accent1>
+      <a:srgbClr val="FD8686"/>
+    </a:accent1>
+    <a:accent2>
+      <a:srgbClr val="B495C2"/>
+    </a:accent2>
+    <a:accent3>
+      <a:srgbClr val="8F99BB"/>
+    </a:accent3>
+    <a:accent4>
+      <a:srgbClr val="A3A3C1"/>
+    </a:accent4>
+    <a:accent5>
+      <a:srgbClr val="7162FE"/>
+    </a:accent5>
+    <a:accent6>
+      <a:srgbClr val="1EBE9B"/>
+    </a:accent6>
+    <a:hlink>
+      <a:srgbClr val="EF08F7"/>
+    </a:hlink>
+    <a:folHlink>
+      <a:srgbClr val="8477FE"/>
+    </a:folHlink>
+  </a:clrScheme>
+  <a:fontScheme name="Custom 49">
+    <a:majorFont>
+      <a:latin typeface="Posterama"/>
+      <a:ea typeface=""/>
+      <a:cs typeface=""/>
+    </a:majorFont>
+    <a:minorFont>
+      <a:latin typeface="Avenir Next LT Pro"/>
+      <a:ea typeface=""/>
+      <a:cs typeface=""/>
+    </a:minorFont>
+  </a:fontScheme>
+  <a:fmtScheme name="Office">
+    <a:fillStyleLst>
+      <a:solidFill>
+        <a:schemeClr val="phClr"/>
+      </a:solidFill>
+      <a:gradFill rotWithShape="1">
+        <a:gsLst>
+          <a:gs pos="0">
+            <a:schemeClr val="phClr">
+              <a:lumMod val="110000"/>
+              <a:satMod val="105000"/>
+              <a:tint val="67000"/>
+            </a:schemeClr>
+          </a:gs>
+          <a:gs pos="50000">
+            <a:schemeClr val="phClr">
+              <a:lumMod val="105000"/>
+              <a:satMod val="103000"/>
+              <a:tint val="73000"/>
+            </a:schemeClr>
+          </a:gs>
+          <a:gs pos="100000">
+            <a:schemeClr val="phClr">
+              <a:lumMod val="105000"/>
+              <a:satMod val="109000"/>
+              <a:tint val="81000"/>
+            </a:schemeClr>
+          </a:gs>
+        </a:gsLst>
+        <a:lin ang="5400000" scaled="0"/>
+      </a:gradFill>
+      <a:gradFill rotWithShape="1">
+        <a:gsLst>
+          <a:gs pos="0">
+            <a:schemeClr val="phClr">
+              <a:satMod val="103000"/>
+              <a:lumMod val="102000"/>
+              <a:tint val="94000"/>
+            </a:schemeClr>
+          </a:gs>
+          <a:gs pos="50000">
+            <a:schemeClr val="phClr">
+              <a:satMod val="110000"/>
+              <a:lumMod val="100000"/>
+              <a:shade val="100000"/>
+            </a:schemeClr>
+          </a:gs>
+          <a:gs pos="100000">
+            <a:schemeClr val="phClr">
+              <a:lumMod val="99000"/>
+              <a:satMod val="120000"/>
+              <a:shade val="78000"/>
+            </a:schemeClr>
+          </a:gs>
+        </a:gsLst>
+        <a:lin ang="5400000" scaled="0"/>
+      </a:gradFill>
+    </a:fillStyleLst>
+    <a:lnStyleLst>
+      <a:ln w="6350" cap="flat" cmpd="sng" algn="ctr">
+        <a:solidFill>
+          <a:schemeClr val="phClr"/>
+        </a:solidFill>
+        <a:prstDash val="solid"/>
+        <a:miter lim="800000"/>
+      </a:ln>
+      <a:ln w="12700" cap="flat" cmpd="sng" algn="ctr">
+        <a:solidFill>
+          <a:schemeClr val="phClr"/>
+        </a:solidFill>
+        <a:prstDash val="solid"/>
+        <a:miter lim="800000"/>
+      </a:ln>
+      <a:ln w="19050" cap="flat" cmpd="sng" algn="ctr">
+        <a:solidFill>
+          <a:schemeClr val="phClr"/>
+        </a:solidFill>
+        <a:prstDash val="solid"/>
+        <a:miter lim="800000"/>
+      </a:ln>
+    </a:lnStyleLst>
+    <a:effectStyleLst>
+      <a:effectStyle>
+        <a:effectLst/>
+      </a:effectStyle>
+      <a:effectStyle>
+        <a:effectLst/>
+      </a:effectStyle>
+      <a:effectStyle>
+        <a:effectLst>
+          <a:outerShdw blurRad="57150" dist="19050" dir="5400000" algn="ctr" rotWithShape="0">
+            <a:srgbClr val="000000">
+              <a:alpha val="63000"/>
+            </a:srgbClr>
+          </a:outerShdw>
+        </a:effectLst>
+      </a:effectStyle>
+    </a:effectStyleLst>
+    <a:bgFillStyleLst>
+      <a:solidFill>
+        <a:schemeClr val="phClr"/>
+      </a:solidFill>
+      <a:solidFill>
+        <a:schemeClr val="phClr">
+          <a:tint val="95000"/>
+          <a:satMod val="170000"/>
+        </a:schemeClr>
+      </a:solidFill>
+      <a:gradFill rotWithShape="1">
+        <a:gsLst>
+          <a:gs pos="0">
+            <a:schemeClr val="phClr">
+              <a:tint val="93000"/>
+              <a:satMod val="150000"/>
+              <a:shade val="98000"/>
+              <a:lumMod val="102000"/>
+            </a:schemeClr>
+          </a:gs>
+          <a:gs pos="50000">
+            <a:schemeClr val="phClr">
+              <a:tint val="98000"/>
+              <a:satMod val="130000"/>
+              <a:shade val="90000"/>
+              <a:lumMod val="103000"/>
+            </a:schemeClr>
+          </a:gs>
+          <a:gs pos="100000">
+            <a:schemeClr val="phClr">
+              <a:shade val="63000"/>
+              <a:satMod val="120000"/>
+            </a:schemeClr>
+          </a:gs>
+        </a:gsLst>
+        <a:lin ang="5400000" scaled="0"/>
+      </a:gradFill>
+    </a:bgFillStyleLst>
+  </a:fmtScheme>
+</a:themeOverride>
+</file>
+
+<file path=ppt/theme/themeOverride2.xml><?xml version="1.0" encoding="utf-8"?>
+<a:themeOverride xmlns:a="http://schemas.openxmlformats.org/drawingml/2006/main">
+  <a:clrScheme name="Custom 51">
+    <a:dk1>
+      <a:sysClr val="windowText" lastClr="000000"/>
+    </a:dk1>
+    <a:lt1>
+      <a:sysClr val="window" lastClr="FFFFFF"/>
+    </a:lt1>
+    <a:dk2>
+      <a:srgbClr val="12154E"/>
+    </a:dk2>
+    <a:lt2>
+      <a:srgbClr val="EEEEEE"/>
+    </a:lt2>
+    <a:accent1>
+      <a:srgbClr val="FD8686"/>
+    </a:accent1>
+    <a:accent2>
+      <a:srgbClr val="B495C2"/>
+    </a:accent2>
+    <a:accent3>
+      <a:srgbClr val="8F99BB"/>
+    </a:accent3>
+    <a:accent4>
+      <a:srgbClr val="A3A3C1"/>
+    </a:accent4>
+    <a:accent5>
+      <a:srgbClr val="7162FE"/>
+    </a:accent5>
+    <a:accent6>
+      <a:srgbClr val="1EBE9B"/>
+    </a:accent6>
+    <a:hlink>
+      <a:srgbClr val="EF08F7"/>
+    </a:hlink>
+    <a:folHlink>
+      <a:srgbClr val="8477FE"/>
+    </a:folHlink>
+  </a:clrScheme>
+  <a:fontScheme name="Custom 49">
+    <a:majorFont>
+      <a:latin typeface="Posterama"/>
+      <a:ea typeface=""/>
+      <a:cs typeface=""/>
+    </a:majorFont>
+    <a:minorFont>
+      <a:latin typeface="Avenir Next LT Pro"/>
+      <a:ea typeface=""/>
+      <a:cs typeface=""/>
+    </a:minorFont>
+  </a:fontScheme>
+  <a:fmtScheme name="Office">
+    <a:fillStyleLst>
+      <a:solidFill>
+        <a:schemeClr val="phClr"/>
+      </a:solidFill>
+      <a:gradFill rotWithShape="1">
+        <a:gsLst>
+          <a:gs pos="0">
+            <a:schemeClr val="phClr">
+              <a:lumMod val="110000"/>
+              <a:satMod val="105000"/>
+              <a:tint val="67000"/>
+            </a:schemeClr>
+          </a:gs>
+          <a:gs pos="50000">
+            <a:schemeClr val="phClr">
+              <a:lumMod val="105000"/>
+              <a:satMod val="103000"/>
+              <a:tint val="73000"/>
+            </a:schemeClr>
+          </a:gs>
+          <a:gs pos="100000">
+            <a:schemeClr val="phClr">
+              <a:lumMod val="105000"/>
+              <a:satMod val="109000"/>
+              <a:tint val="81000"/>
+            </a:schemeClr>
+          </a:gs>
+        </a:gsLst>
+        <a:lin ang="5400000" scaled="0"/>
+      </a:gradFill>
+      <a:gradFill rotWithShape="1">
+        <a:gsLst>
+          <a:gs pos="0">
+            <a:schemeClr val="phClr">
+              <a:satMod val="103000"/>
+              <a:lumMod val="102000"/>
+              <a:tint val="94000"/>
+            </a:schemeClr>
+          </a:gs>
+          <a:gs pos="50000">
+            <a:schemeClr val="phClr">
+              <a:satMod val="110000"/>
+              <a:lumMod val="100000"/>
+              <a:shade val="100000"/>
+            </a:schemeClr>
+          </a:gs>
+          <a:gs pos="100000">
+            <a:schemeClr val="phClr">
+              <a:lumMod val="99000"/>
+              <a:satMod val="120000"/>
+              <a:shade val="78000"/>
+            </a:schemeClr>
+          </a:gs>
+        </a:gsLst>
+        <a:lin ang="5400000" scaled="0"/>
+      </a:gradFill>
+    </a:fillStyleLst>
+    <a:lnStyleLst>
+      <a:ln w="6350" cap="flat" cmpd="sng" algn="ctr">
+        <a:solidFill>
+          <a:schemeClr val="phClr"/>
+        </a:solidFill>
+        <a:prstDash val="solid"/>
+        <a:miter lim="800000"/>
+      </a:ln>
+      <a:ln w="12700" cap="flat" cmpd="sng" algn="ctr">
+        <a:solidFill>
+          <a:schemeClr val="phClr"/>
+        </a:solidFill>
+        <a:prstDash val="solid"/>
+        <a:miter lim="800000"/>
+      </a:ln>
+      <a:ln w="19050" cap="flat" cmpd="sng" algn="ctr">
+        <a:solidFill>
+          <a:schemeClr val="phClr"/>
+        </a:solidFill>
+        <a:prstDash val="solid"/>
+        <a:miter lim="800000"/>
+      </a:ln>
+    </a:lnStyleLst>
+    <a:effectStyleLst>
+      <a:effectStyle>
+        <a:effectLst/>
+      </a:effectStyle>
+      <a:effectStyle>
+        <a:effectLst/>
+      </a:effectStyle>
+      <a:effectStyle>
+        <a:effectLst>
+          <a:outerShdw blurRad="57150" dist="19050" dir="5400000" algn="ctr" rotWithShape="0">
+            <a:srgbClr val="000000">
+              <a:alpha val="63000"/>
+            </a:srgbClr>
+          </a:outerShdw>
+        </a:effectLst>
+      </a:effectStyle>
+    </a:effectStyleLst>
+    <a:bgFillStyleLst>
+      <a:solidFill>
+        <a:schemeClr val="phClr"/>
+      </a:solidFill>
+      <a:solidFill>
+        <a:schemeClr val="phClr">
+          <a:tint val="95000"/>
+          <a:satMod val="170000"/>
+        </a:schemeClr>
+      </a:solidFill>
+      <a:gradFill rotWithShape="1">
+        <a:gsLst>
+          <a:gs pos="0">
+            <a:schemeClr val="phClr">
+              <a:tint val="93000"/>
+              <a:satMod val="150000"/>
+              <a:shade val="98000"/>
+              <a:lumMod val="102000"/>
+            </a:schemeClr>
+          </a:gs>
+          <a:gs pos="50000">
+            <a:schemeClr val="phClr">
+              <a:tint val="98000"/>
+              <a:satMod val="130000"/>
+              <a:shade val="90000"/>
+              <a:lumMod val="103000"/>
+            </a:schemeClr>
+          </a:gs>
+          <a:gs pos="100000">
+            <a:schemeClr val="phClr">
+              <a:shade val="63000"/>
+              <a:satMod val="120000"/>
+            </a:schemeClr>
+          </a:gs>
+        </a:gsLst>
+        <a:lin ang="5400000" scaled="0"/>
+      </a:gradFill>
+    </a:bgFillStyleLst>
+  </a:fmtScheme>
+</a:themeOverride>
+</file>
+
+<file path=ppt/theme/themeOverride3.xml><?xml version="1.0" encoding="utf-8"?>
+<a:themeOverride xmlns:a="http://schemas.openxmlformats.org/drawingml/2006/main">
+  <a:clrScheme name="Custom 51">
+    <a:dk1>
+      <a:sysClr val="windowText" lastClr="000000"/>
+    </a:dk1>
+    <a:lt1>
+      <a:sysClr val="window" lastClr="FFFFFF"/>
+    </a:lt1>
+    <a:dk2>
+      <a:srgbClr val="12154E"/>
+    </a:dk2>
+    <a:lt2>
+      <a:srgbClr val="EEEEEE"/>
+    </a:lt2>
+    <a:accent1>
+      <a:srgbClr val="FD8686"/>
+    </a:accent1>
+    <a:accent2>
+      <a:srgbClr val="B495C2"/>
+    </a:accent2>
+    <a:accent3>
+      <a:srgbClr val="8F99BB"/>
+    </a:accent3>
+    <a:accent4>
+      <a:srgbClr val="A3A3C1"/>
+    </a:accent4>
+    <a:accent5>
+      <a:srgbClr val="7162FE"/>
+    </a:accent5>
+    <a:accent6>
+      <a:srgbClr val="1EBE9B"/>
+    </a:accent6>
+    <a:hlink>
+      <a:srgbClr val="EF08F7"/>
+    </a:hlink>
+    <a:folHlink>
+      <a:srgbClr val="8477FE"/>
+    </a:folHlink>
+  </a:clrScheme>
+  <a:fontScheme name="Custom 49">
+    <a:majorFont>
+      <a:latin typeface="Posterama"/>
+      <a:ea typeface=""/>
+      <a:cs typeface=""/>
+    </a:majorFont>
+    <a:minorFont>
+      <a:latin typeface="Avenir Next LT Pro"/>
+      <a:ea typeface=""/>
+      <a:cs typeface=""/>
+    </a:minorFont>
+  </a:fontScheme>
+  <a:fmtScheme name="Office">
+    <a:fillStyleLst>
+      <a:solidFill>
+        <a:schemeClr val="phClr"/>
+      </a:solidFill>
+      <a:gradFill rotWithShape="1">
+        <a:gsLst>
+          <a:gs pos="0">
+            <a:schemeClr val="phClr">
+              <a:lumMod val="110000"/>
+              <a:satMod val="105000"/>
+              <a:tint val="67000"/>
+            </a:schemeClr>
+          </a:gs>
+          <a:gs pos="50000">
+            <a:schemeClr val="phClr">
+              <a:lumMod val="105000"/>
+              <a:satMod val="103000"/>
+              <a:tint val="73000"/>
+            </a:schemeClr>
+          </a:gs>
+          <a:gs pos="100000">
+            <a:schemeClr val="phClr">
+              <a:lumMod val="105000"/>
+              <a:satMod val="109000"/>
+              <a:tint val="81000"/>
+            </a:schemeClr>
+          </a:gs>
+        </a:gsLst>
+        <a:lin ang="5400000" scaled="0"/>
+      </a:gradFill>
+      <a:gradFill rotWithShape="1">
+        <a:gsLst>
+          <a:gs pos="0">
+            <a:schemeClr val="phClr">
+              <a:satMod val="103000"/>
+              <a:lumMod val="102000"/>
+              <a:tint val="94000"/>
+            </a:schemeClr>
+          </a:gs>
+          <a:gs pos="50000">
+            <a:schemeClr val="phClr">
+              <a:satMod val="110000"/>
+              <a:lumMod val="100000"/>
+              <a:shade val="100000"/>
+            </a:schemeClr>
+          </a:gs>
+          <a:gs pos="100000">
+            <a:schemeClr val="phClr">
+              <a:lumMod val="99000"/>
+              <a:satMod val="120000"/>
+              <a:shade val="78000"/>
+            </a:schemeClr>
+          </a:gs>
+        </a:gsLst>
+        <a:lin ang="5400000" scaled="0"/>
+      </a:gradFill>
+    </a:fillStyleLst>
+    <a:lnStyleLst>
+      <a:ln w="6350" cap="flat" cmpd="sng" algn="ctr">
+        <a:solidFill>
+          <a:schemeClr val="phClr"/>
+        </a:solidFill>
+        <a:prstDash val="solid"/>
+        <a:miter lim="800000"/>
+      </a:ln>
+      <a:ln w="12700" cap="flat" cmpd="sng" algn="ctr">
+        <a:solidFill>
+          <a:schemeClr val="phClr"/>
+        </a:solidFill>
+        <a:prstDash val="solid"/>
+        <a:miter lim="800000"/>
+      </a:ln>
+      <a:ln w="19050" cap="flat" cmpd="sng" algn="ctr">
+        <a:solidFill>
+          <a:schemeClr val="phClr"/>
+        </a:solidFill>
+        <a:prstDash val="solid"/>
+        <a:miter lim="800000"/>
+      </a:ln>
+    </a:lnStyleLst>
+    <a:effectStyleLst>
+      <a:effectStyle>
+        <a:effectLst/>
+      </a:effectStyle>
+      <a:effectStyle>
+        <a:effectLst/>
+      </a:effectStyle>
+      <a:effectStyle>
+        <a:effectLst>
+          <a:outerShdw blurRad="57150" dist="19050" dir="5400000" algn="ctr" rotWithShape="0">
+            <a:srgbClr val="000000">
+              <a:alpha val="63000"/>
+            </a:srgbClr>
+          </a:outerShdw>
+        </a:effectLst>
+      </a:effectStyle>
+    </a:effectStyleLst>
+    <a:bgFillStyleLst>
+      <a:solidFill>
+        <a:schemeClr val="phClr"/>
+      </a:solidFill>
+      <a:solidFill>
+        <a:schemeClr val="phClr">
+          <a:tint val="95000"/>
+          <a:satMod val="170000"/>
+        </a:schemeClr>
+      </a:solidFill>
+      <a:gradFill rotWithShape="1">
+        <a:gsLst>
+          <a:gs pos="0">
+            <a:schemeClr val="phClr">
+              <a:tint val="93000"/>
+              <a:satMod val="150000"/>
+              <a:shade val="98000"/>
+              <a:lumMod val="102000"/>
+            </a:schemeClr>
+          </a:gs>
+          <a:gs pos="50000">
+            <a:schemeClr val="phClr">
+              <a:tint val="98000"/>
+              <a:satMod val="130000"/>
+              <a:shade val="90000"/>
+              <a:lumMod val="103000"/>
+            </a:schemeClr>
+          </a:gs>
+          <a:gs pos="100000">
+            <a:schemeClr val="phClr">
+              <a:shade val="63000"/>
+              <a:satMod val="120000"/>
+            </a:schemeClr>
+          </a:gs>
+        </a:gsLst>
+        <a:lin ang="5400000" scaled="0"/>
+      </a:gradFill>
+    </a:bgFillStyleLst>
+  </a:fmtScheme>
+</a:themeOverride>
 </file>
--- a/Output/Cyr_Thesis_AOPUTC_Poster.pptx
+++ b/Output/Cyr_Thesis_AOPUTC_Poster.pptx
@@ -115,7 +115,7 @@
 <file path=ppt/revisionInfo.xml><?xml version="1.0" encoding="utf-8"?>
 <p1510:revInfo xmlns:a="http://schemas.openxmlformats.org/drawingml/2006/main" xmlns:r="http://schemas.openxmlformats.org/officeDocument/2006/relationships" xmlns:p1510="http://schemas.microsoft.com/office/powerpoint/2015/10/main">
   <p1510:revLst>
-    <p1510:client id="{A2D9BF99-1A77-4E77-BCCB-F05B896ACBD8}" v="93" dt="2021-06-03T01:40:01.350"/>
+    <p1510:client id="{A2D9BF99-1A77-4E77-BCCB-F05B896ACBD8}" v="740" dt="2021-06-03T04:38:14.923"/>
   </p1510:revLst>
 </p1510:revInfo>
 </file>
@@ -125,18 +125,18 @@
   <pc:docChgLst>
     <pc:chgData name="Elizabeth Marks" userId="23c45164968f2109" providerId="LiveId" clId="{A2D9BF99-1A77-4E77-BCCB-F05B896ACBD8}"/>
     <pc:docChg chg="undo redo custSel modSld">
-      <pc:chgData name="Elizabeth Marks" userId="23c45164968f2109" providerId="LiveId" clId="{A2D9BF99-1A77-4E77-BCCB-F05B896ACBD8}" dt="2021-06-03T01:40:46.366" v="1925" actId="1076"/>
+      <pc:chgData name="Elizabeth Marks" userId="23c45164968f2109" providerId="LiveId" clId="{A2D9BF99-1A77-4E77-BCCB-F05B896ACBD8}" dt="2021-06-03T04:40:11.626" v="5518" actId="1076"/>
       <pc:docMkLst>
         <pc:docMk/>
       </pc:docMkLst>
       <pc:sldChg chg="addSp delSp modSp mod delAnim modAnim">
-        <pc:chgData name="Elizabeth Marks" userId="23c45164968f2109" providerId="LiveId" clId="{A2D9BF99-1A77-4E77-BCCB-F05B896ACBD8}" dt="2021-06-03T01:40:46.366" v="1925" actId="1076"/>
+        <pc:chgData name="Elizabeth Marks" userId="23c45164968f2109" providerId="LiveId" clId="{A2D9BF99-1A77-4E77-BCCB-F05B896ACBD8}" dt="2021-06-03T04:40:11.626" v="5518" actId="1076"/>
         <pc:sldMkLst>
           <pc:docMk/>
           <pc:sldMk cId="4250069135" sldId="256"/>
         </pc:sldMkLst>
         <pc:spChg chg="mod">
-          <ac:chgData name="Elizabeth Marks" userId="23c45164968f2109" providerId="LiveId" clId="{A2D9BF99-1A77-4E77-BCCB-F05B896ACBD8}" dt="2021-06-03T00:39:10.481" v="402" actId="1076"/>
+          <ac:chgData name="Elizabeth Marks" userId="23c45164968f2109" providerId="LiveId" clId="{A2D9BF99-1A77-4E77-BCCB-F05B896ACBD8}" dt="2021-06-03T03:50:18.676" v="3979" actId="14100"/>
           <ac:spMkLst>
             <pc:docMk/>
             <pc:sldMk cId="4250069135" sldId="256"/>
@@ -144,7 +144,7 @@
           </ac:spMkLst>
         </pc:spChg>
         <pc:spChg chg="add mod">
-          <ac:chgData name="Elizabeth Marks" userId="23c45164968f2109" providerId="LiveId" clId="{A2D9BF99-1A77-4E77-BCCB-F05B896ACBD8}" dt="2021-06-03T00:42:12.398" v="409" actId="207"/>
+          <ac:chgData name="Elizabeth Marks" userId="23c45164968f2109" providerId="LiveId" clId="{A2D9BF99-1A77-4E77-BCCB-F05B896ACBD8}" dt="2021-06-03T02:12:33.378" v="3149" actId="14100"/>
           <ac:spMkLst>
             <pc:docMk/>
             <pc:sldMk cId="4250069135" sldId="256"/>
@@ -152,7 +152,7 @@
           </ac:spMkLst>
         </pc:spChg>
         <pc:spChg chg="add mod">
-          <ac:chgData name="Elizabeth Marks" userId="23c45164968f2109" providerId="LiveId" clId="{A2D9BF99-1A77-4E77-BCCB-F05B896ACBD8}" dt="2021-06-03T00:57:36.904" v="450" actId="14100"/>
+          <ac:chgData name="Elizabeth Marks" userId="23c45164968f2109" providerId="LiveId" clId="{A2D9BF99-1A77-4E77-BCCB-F05B896ACBD8}" dt="2021-06-03T02:13:06.172" v="3169" actId="1035"/>
           <ac:spMkLst>
             <pc:docMk/>
             <pc:sldMk cId="4250069135" sldId="256"/>
@@ -176,7 +176,7 @@
           </ac:spMkLst>
         </pc:spChg>
         <pc:spChg chg="add mod">
-          <ac:chgData name="Elizabeth Marks" userId="23c45164968f2109" providerId="LiveId" clId="{A2D9BF99-1A77-4E77-BCCB-F05B896ACBD8}" dt="2021-06-03T00:42:12.398" v="409" actId="207"/>
+          <ac:chgData name="Elizabeth Marks" userId="23c45164968f2109" providerId="LiveId" clId="{A2D9BF99-1A77-4E77-BCCB-F05B896ACBD8}" dt="2021-06-03T04:16:15.794" v="4717" actId="14100"/>
           <ac:spMkLst>
             <pc:docMk/>
             <pc:sldMk cId="4250069135" sldId="256"/>
@@ -184,7 +184,7 @@
           </ac:spMkLst>
         </pc:spChg>
         <pc:spChg chg="add mod">
-          <ac:chgData name="Elizabeth Marks" userId="23c45164968f2109" providerId="LiveId" clId="{A2D9BF99-1A77-4E77-BCCB-F05B896ACBD8}" dt="2021-06-03T00:42:12.398" v="409" actId="207"/>
+          <ac:chgData name="Elizabeth Marks" userId="23c45164968f2109" providerId="LiveId" clId="{A2D9BF99-1A77-4E77-BCCB-F05B896ACBD8}" dt="2021-06-03T04:10:56.254" v="4250" actId="14100"/>
           <ac:spMkLst>
             <pc:docMk/>
             <pc:sldMk cId="4250069135" sldId="256"/>
@@ -224,15 +224,15 @@
           </ac:spMkLst>
         </pc:spChg>
         <pc:spChg chg="add mod">
-          <ac:chgData name="Elizabeth Marks" userId="23c45164968f2109" providerId="LiveId" clId="{A2D9BF99-1A77-4E77-BCCB-F05B896ACBD8}" dt="2021-06-03T00:37:12.430" v="394" actId="1076"/>
+          <ac:chgData name="Elizabeth Marks" userId="23c45164968f2109" providerId="LiveId" clId="{A2D9BF99-1A77-4E77-BCCB-F05B896ACBD8}" dt="2021-06-03T02:13:06.172" v="3169" actId="1035"/>
           <ac:spMkLst>
             <pc:docMk/>
             <pc:sldMk cId="4250069135" sldId="256"/>
             <ac:spMk id="17" creationId="{59BED99F-29C5-46B6-A6CB-419A95B591E3}"/>
           </ac:spMkLst>
         </pc:spChg>
-        <pc:spChg chg="add mod">
-          <ac:chgData name="Elizabeth Marks" userId="23c45164968f2109" providerId="LiveId" clId="{A2D9BF99-1A77-4E77-BCCB-F05B896ACBD8}" dt="2021-06-03T00:15:32.174" v="286" actId="207"/>
+        <pc:spChg chg="add mod topLvl">
+          <ac:chgData name="Elizabeth Marks" userId="23c45164968f2109" providerId="LiveId" clId="{A2D9BF99-1A77-4E77-BCCB-F05B896ACBD8}" dt="2021-06-03T02:13:06.172" v="3169" actId="1035"/>
           <ac:spMkLst>
             <pc:docMk/>
             <pc:sldMk cId="4250069135" sldId="256"/>
@@ -248,7 +248,7 @@
           </ac:spMkLst>
         </pc:spChg>
         <pc:spChg chg="add mod">
-          <ac:chgData name="Elizabeth Marks" userId="23c45164968f2109" providerId="LiveId" clId="{A2D9BF99-1A77-4E77-BCCB-F05B896ACBD8}" dt="2021-06-03T00:15:32.174" v="286" actId="207"/>
+          <ac:chgData name="Elizabeth Marks" userId="23c45164968f2109" providerId="LiveId" clId="{A2D9BF99-1A77-4E77-BCCB-F05B896ACBD8}" dt="2021-06-03T04:23:14.433" v="5292" actId="1038"/>
           <ac:spMkLst>
             <pc:docMk/>
             <pc:sldMk cId="4250069135" sldId="256"/>
@@ -280,7 +280,7 @@
           </ac:spMkLst>
         </pc:spChg>
         <pc:spChg chg="add mod">
-          <ac:chgData name="Elizabeth Marks" userId="23c45164968f2109" providerId="LiveId" clId="{A2D9BF99-1A77-4E77-BCCB-F05B896ACBD8}" dt="2021-06-03T01:37:49.207" v="1911" actId="1076"/>
+          <ac:chgData name="Elizabeth Marks" userId="23c45164968f2109" providerId="LiveId" clId="{A2D9BF99-1A77-4E77-BCCB-F05B896ACBD8}" dt="2021-06-03T04:26:38.766" v="5336" actId="1036"/>
           <ac:spMkLst>
             <pc:docMk/>
             <pc:sldMk cId="4250069135" sldId="256"/>
@@ -288,7 +288,7 @@
           </ac:spMkLst>
         </pc:spChg>
         <pc:spChg chg="add mod">
-          <ac:chgData name="Elizabeth Marks" userId="23c45164968f2109" providerId="LiveId" clId="{A2D9BF99-1A77-4E77-BCCB-F05B896ACBD8}" dt="2021-06-03T01:11:05.784" v="1201" actId="1076"/>
+          <ac:chgData name="Elizabeth Marks" userId="23c45164968f2109" providerId="LiveId" clId="{A2D9BF99-1A77-4E77-BCCB-F05B896ACBD8}" dt="2021-06-03T01:46:17.768" v="2268" actId="164"/>
           <ac:spMkLst>
             <pc:docMk/>
             <pc:sldMk cId="4250069135" sldId="256"/>
@@ -296,7 +296,7 @@
           </ac:spMkLst>
         </pc:spChg>
         <pc:spChg chg="add mod">
-          <ac:chgData name="Elizabeth Marks" userId="23c45164968f2109" providerId="LiveId" clId="{A2D9BF99-1A77-4E77-BCCB-F05B896ACBD8}" dt="2021-06-03T00:56:29.689" v="443" actId="14100"/>
+          <ac:chgData name="Elizabeth Marks" userId="23c45164968f2109" providerId="LiveId" clId="{A2D9BF99-1A77-4E77-BCCB-F05B896ACBD8}" dt="2021-06-03T02:13:06.172" v="3169" actId="1035"/>
           <ac:spMkLst>
             <pc:docMk/>
             <pc:sldMk cId="4250069135" sldId="256"/>
@@ -311,12 +311,36 @@
             <ac:spMk id="27" creationId="{CE161840-F2D5-4EAB-937A-8BFBE23D8562}"/>
           </ac:spMkLst>
         </pc:spChg>
+        <pc:spChg chg="add mod">
+          <ac:chgData name="Elizabeth Marks" userId="23c45164968f2109" providerId="LiveId" clId="{A2D9BF99-1A77-4E77-BCCB-F05B896ACBD8}" dt="2021-06-03T04:39:26.100" v="5509" actId="121"/>
+          <ac:spMkLst>
+            <pc:docMk/>
+            <pc:sldMk cId="4250069135" sldId="256"/>
+            <ac:spMk id="27" creationId="{EA1CBAF5-26A2-4297-BF2D-B5FA31CB3A72}"/>
+          </ac:spMkLst>
+        </pc:spChg>
         <pc:spChg chg="add del mod">
           <ac:chgData name="Elizabeth Marks" userId="23c45164968f2109" providerId="LiveId" clId="{A2D9BF99-1A77-4E77-BCCB-F05B896ACBD8}" dt="2021-06-03T00:20:43.841" v="294"/>
           <ac:spMkLst>
             <pc:docMk/>
             <pc:sldMk cId="4250069135" sldId="256"/>
             <ac:spMk id="28" creationId="{AD0300B6-2404-4E5A-A4A4-4683B885C6BE}"/>
+          </ac:spMkLst>
+        </pc:spChg>
+        <pc:spChg chg="add mod">
+          <ac:chgData name="Elizabeth Marks" userId="23c45164968f2109" providerId="LiveId" clId="{A2D9BF99-1A77-4E77-BCCB-F05B896ACBD8}" dt="2021-06-03T04:38:14.923" v="5501" actId="164"/>
+          <ac:spMkLst>
+            <pc:docMk/>
+            <pc:sldMk cId="4250069135" sldId="256"/>
+            <ac:spMk id="28" creationId="{D83E7403-B3CB-4C91-A101-5621809EB12A}"/>
+          </ac:spMkLst>
+        </pc:spChg>
+        <pc:spChg chg="add del mod">
+          <ac:chgData name="Elizabeth Marks" userId="23c45164968f2109" providerId="LiveId" clId="{A2D9BF99-1A77-4E77-BCCB-F05B896ACBD8}" dt="2021-06-03T04:20:59.460" v="5195" actId="478"/>
+          <ac:spMkLst>
+            <pc:docMk/>
+            <pc:sldMk cId="4250069135" sldId="256"/>
+            <ac:spMk id="29" creationId="{8B4E0F9C-A65D-4F00-B618-17CA36646B85}"/>
           </ac:spMkLst>
         </pc:spChg>
         <pc:spChg chg="add del mod">
@@ -623,48 +647,48 @@
             <ac:spMk id="75" creationId="{A096372A-466B-4C33-9DBB-888B0A048352}"/>
           </ac:spMkLst>
         </pc:spChg>
-        <pc:spChg chg="mod">
-          <ac:chgData name="Elizabeth Marks" userId="23c45164968f2109" providerId="LiveId" clId="{A2D9BF99-1A77-4E77-BCCB-F05B896ACBD8}" dt="2021-06-03T00:39:05.457" v="400"/>
+        <pc:spChg chg="mod topLvl">
+          <ac:chgData name="Elizabeth Marks" userId="23c45164968f2109" providerId="LiveId" clId="{A2D9BF99-1A77-4E77-BCCB-F05B896ACBD8}" dt="2021-06-03T03:44:38.668" v="3947" actId="165"/>
           <ac:spMkLst>
             <pc:docMk/>
             <pc:sldMk cId="4250069135" sldId="256"/>
             <ac:spMk id="77" creationId="{6FD5843F-DD2E-467D-B18A-F0EFDB2EC9F2}"/>
           </ac:spMkLst>
         </pc:spChg>
-        <pc:spChg chg="mod">
-          <ac:chgData name="Elizabeth Marks" userId="23c45164968f2109" providerId="LiveId" clId="{A2D9BF99-1A77-4E77-BCCB-F05B896ACBD8}" dt="2021-06-03T00:39:05.457" v="400"/>
+        <pc:spChg chg="mod topLvl">
+          <ac:chgData name="Elizabeth Marks" userId="23c45164968f2109" providerId="LiveId" clId="{A2D9BF99-1A77-4E77-BCCB-F05B896ACBD8}" dt="2021-06-03T03:44:38.668" v="3947" actId="165"/>
           <ac:spMkLst>
             <pc:docMk/>
             <pc:sldMk cId="4250069135" sldId="256"/>
             <ac:spMk id="78" creationId="{06771736-154D-476D-B69A-666A25D467EF}"/>
           </ac:spMkLst>
         </pc:spChg>
-        <pc:spChg chg="mod">
-          <ac:chgData name="Elizabeth Marks" userId="23c45164968f2109" providerId="LiveId" clId="{A2D9BF99-1A77-4E77-BCCB-F05B896ACBD8}" dt="2021-06-03T00:39:05.457" v="400"/>
+        <pc:spChg chg="mod topLvl">
+          <ac:chgData name="Elizabeth Marks" userId="23c45164968f2109" providerId="LiveId" clId="{A2D9BF99-1A77-4E77-BCCB-F05B896ACBD8}" dt="2021-06-03T03:44:38.668" v="3947" actId="165"/>
           <ac:spMkLst>
             <pc:docMk/>
             <pc:sldMk cId="4250069135" sldId="256"/>
             <ac:spMk id="79" creationId="{264C6006-5D20-4EDB-BCC5-79204A60C5DF}"/>
           </ac:spMkLst>
         </pc:spChg>
-        <pc:spChg chg="mod">
-          <ac:chgData name="Elizabeth Marks" userId="23c45164968f2109" providerId="LiveId" clId="{A2D9BF99-1A77-4E77-BCCB-F05B896ACBD8}" dt="2021-06-03T00:39:05.457" v="400"/>
+        <pc:spChg chg="mod topLvl">
+          <ac:chgData name="Elizabeth Marks" userId="23c45164968f2109" providerId="LiveId" clId="{A2D9BF99-1A77-4E77-BCCB-F05B896ACBD8}" dt="2021-06-03T04:30:47.534" v="5405" actId="1076"/>
           <ac:spMkLst>
             <pc:docMk/>
             <pc:sldMk cId="4250069135" sldId="256"/>
             <ac:spMk id="81" creationId="{D031F755-B0C9-457F-82B2-5D7E4E5D500F}"/>
           </ac:spMkLst>
         </pc:spChg>
-        <pc:spChg chg="mod">
-          <ac:chgData name="Elizabeth Marks" userId="23c45164968f2109" providerId="LiveId" clId="{A2D9BF99-1A77-4E77-BCCB-F05B896ACBD8}" dt="2021-06-03T00:39:05.457" v="400"/>
+        <pc:spChg chg="del mod">
+          <ac:chgData name="Elizabeth Marks" userId="23c45164968f2109" providerId="LiveId" clId="{A2D9BF99-1A77-4E77-BCCB-F05B896ACBD8}" dt="2021-06-03T01:56:25.849" v="2463" actId="478"/>
           <ac:spMkLst>
             <pc:docMk/>
             <pc:sldMk cId="4250069135" sldId="256"/>
             <ac:spMk id="83" creationId="{E0B34811-E565-4C88-A527-4CC619476A6D}"/>
           </ac:spMkLst>
         </pc:spChg>
-        <pc:spChg chg="mod">
-          <ac:chgData name="Elizabeth Marks" userId="23c45164968f2109" providerId="LiveId" clId="{A2D9BF99-1A77-4E77-BCCB-F05B896ACBD8}" dt="2021-06-03T00:59:20.931" v="465" actId="1076"/>
+        <pc:spChg chg="mod ord topLvl">
+          <ac:chgData name="Elizabeth Marks" userId="23c45164968f2109" providerId="LiveId" clId="{A2D9BF99-1A77-4E77-BCCB-F05B896ACBD8}" dt="2021-06-03T04:34:56.740" v="5473" actId="21"/>
           <ac:spMkLst>
             <pc:docMk/>
             <pc:sldMk cId="4250069135" sldId="256"/>
@@ -672,7 +696,7 @@
           </ac:spMkLst>
         </pc:spChg>
         <pc:spChg chg="mod">
-          <ac:chgData name="Elizabeth Marks" userId="23c45164968f2109" providerId="LiveId" clId="{A2D9BF99-1A77-4E77-BCCB-F05B896ACBD8}" dt="2021-06-03T00:39:05.457" v="400"/>
+          <ac:chgData name="Elizabeth Marks" userId="23c45164968f2109" providerId="LiveId" clId="{A2D9BF99-1A77-4E77-BCCB-F05B896ACBD8}" dt="2021-06-03T03:44:38.668" v="3947" actId="165"/>
           <ac:spMkLst>
             <pc:docMk/>
             <pc:sldMk cId="4250069135" sldId="256"/>
@@ -680,7 +704,7 @@
           </ac:spMkLst>
         </pc:spChg>
         <pc:spChg chg="mod">
-          <ac:chgData name="Elizabeth Marks" userId="23c45164968f2109" providerId="LiveId" clId="{A2D9BF99-1A77-4E77-BCCB-F05B896ACBD8}" dt="2021-06-03T00:59:25.819" v="466" actId="14100"/>
+          <ac:chgData name="Elizabeth Marks" userId="23c45164968f2109" providerId="LiveId" clId="{A2D9BF99-1A77-4E77-BCCB-F05B896ACBD8}" dt="2021-06-03T03:44:38.668" v="3947" actId="165"/>
           <ac:spMkLst>
             <pc:docMk/>
             <pc:sldMk cId="4250069135" sldId="256"/>
@@ -688,7 +712,7 @@
           </ac:spMkLst>
         </pc:spChg>
         <pc:spChg chg="mod">
-          <ac:chgData name="Elizabeth Marks" userId="23c45164968f2109" providerId="LiveId" clId="{A2D9BF99-1A77-4E77-BCCB-F05B896ACBD8}" dt="2021-06-03T00:39:05.457" v="400"/>
+          <ac:chgData name="Elizabeth Marks" userId="23c45164968f2109" providerId="LiveId" clId="{A2D9BF99-1A77-4E77-BCCB-F05B896ACBD8}" dt="2021-06-03T03:44:38.668" v="3947" actId="165"/>
           <ac:spMkLst>
             <pc:docMk/>
             <pc:sldMk cId="4250069135" sldId="256"/>
@@ -696,7 +720,7 @@
           </ac:spMkLst>
         </pc:spChg>
         <pc:spChg chg="mod">
-          <ac:chgData name="Elizabeth Marks" userId="23c45164968f2109" providerId="LiveId" clId="{A2D9BF99-1A77-4E77-BCCB-F05B896ACBD8}" dt="2021-06-03T00:39:05.457" v="400"/>
+          <ac:chgData name="Elizabeth Marks" userId="23c45164968f2109" providerId="LiveId" clId="{A2D9BF99-1A77-4E77-BCCB-F05B896ACBD8}" dt="2021-06-03T03:44:38.668" v="3947" actId="165"/>
           <ac:spMkLst>
             <pc:docMk/>
             <pc:sldMk cId="4250069135" sldId="256"/>
@@ -727,12 +751,12 @@
             <ac:spMk id="92" creationId="{D8FF142A-00C4-42AB-BFB6-4035F9F2D315}"/>
           </ac:spMkLst>
         </pc:spChg>
-        <pc:spChg chg="mod">
-          <ac:chgData name="Elizabeth Marks" userId="23c45164968f2109" providerId="LiveId" clId="{A2D9BF99-1A77-4E77-BCCB-F05B896ACBD8}" dt="2021-06-03T00:59:53.988" v="467"/>
+        <pc:spChg chg="add del mod">
+          <ac:chgData name="Elizabeth Marks" userId="23c45164968f2109" providerId="LiveId" clId="{A2D9BF99-1A77-4E77-BCCB-F05B896ACBD8}" dt="2021-06-03T01:50:31.781" v="2288"/>
           <ac:spMkLst>
             <pc:docMk/>
             <pc:sldMk cId="4250069135" sldId="256"/>
-            <ac:spMk id="93" creationId="{A89C4E98-68C8-44B0-A72E-5F7C24324B56}"/>
+            <ac:spMk id="93" creationId="{7E1316C7-904D-4ED4-B4EE-DF9790949C10}"/>
           </ac:spMkLst>
         </pc:spChg>
         <pc:spChg chg="mod">
@@ -740,7 +764,15 @@
           <ac:spMkLst>
             <pc:docMk/>
             <pc:sldMk cId="4250069135" sldId="256"/>
-            <ac:spMk id="95" creationId="{F014E403-C4C7-40A3-9899-A8FF9818DE12}"/>
+            <ac:spMk id="93" creationId="{A89C4E98-68C8-44B0-A72E-5F7C24324B56}"/>
+          </ac:spMkLst>
+        </pc:spChg>
+        <pc:spChg chg="add mod">
+          <ac:chgData name="Elizabeth Marks" userId="23c45164968f2109" providerId="LiveId" clId="{A2D9BF99-1A77-4E77-BCCB-F05B896ACBD8}" dt="2021-06-03T02:13:06.172" v="3169" actId="1035"/>
+          <ac:spMkLst>
+            <pc:docMk/>
+            <pc:sldMk cId="4250069135" sldId="256"/>
+            <ac:spMk id="94" creationId="{D071CEEF-B669-4D5B-8346-3AEF7E3DB4E0}"/>
           </ac:spMkLst>
         </pc:spChg>
         <pc:spChg chg="mod">
@@ -748,7 +780,39 @@
           <ac:spMkLst>
             <pc:docMk/>
             <pc:sldMk cId="4250069135" sldId="256"/>
+            <ac:spMk id="95" creationId="{F014E403-C4C7-40A3-9899-A8FF9818DE12}"/>
+          </ac:spMkLst>
+        </pc:spChg>
+        <pc:spChg chg="add mod">
+          <ac:chgData name="Elizabeth Marks" userId="23c45164968f2109" providerId="LiveId" clId="{A2D9BF99-1A77-4E77-BCCB-F05B896ACBD8}" dt="2021-06-03T02:13:06.172" v="3169" actId="1035"/>
+          <ac:spMkLst>
+            <pc:docMk/>
+            <pc:sldMk cId="4250069135" sldId="256"/>
+            <ac:spMk id="95" creationId="{F601D570-AA6D-4E52-8026-61A6BE42B074}"/>
+          </ac:spMkLst>
+        </pc:spChg>
+        <pc:spChg chg="add mod">
+          <ac:chgData name="Elizabeth Marks" userId="23c45164968f2109" providerId="LiveId" clId="{A2D9BF99-1A77-4E77-BCCB-F05B896ACBD8}" dt="2021-06-03T02:13:06.172" v="3169" actId="1035"/>
+          <ac:spMkLst>
+            <pc:docMk/>
+            <pc:sldMk cId="4250069135" sldId="256"/>
+            <ac:spMk id="96" creationId="{000A86C9-ACB5-40F8-8B04-60B5FAC7EF16}"/>
+          </ac:spMkLst>
+        </pc:spChg>
+        <pc:spChg chg="mod">
+          <ac:chgData name="Elizabeth Marks" userId="23c45164968f2109" providerId="LiveId" clId="{A2D9BF99-1A77-4E77-BCCB-F05B896ACBD8}" dt="2021-06-03T00:59:53.988" v="467"/>
+          <ac:spMkLst>
+            <pc:docMk/>
+            <pc:sldMk cId="4250069135" sldId="256"/>
             <ac:spMk id="97" creationId="{48477755-B7C1-474A-8F29-90B2D174940A}"/>
+          </ac:spMkLst>
+        </pc:spChg>
+        <pc:spChg chg="add del">
+          <ac:chgData name="Elizabeth Marks" userId="23c45164968f2109" providerId="LiveId" clId="{A2D9BF99-1A77-4E77-BCCB-F05B896ACBD8}" dt="2021-06-03T01:57:04.350" v="2483" actId="22"/>
+          <ac:spMkLst>
+            <pc:docMk/>
+            <pc:sldMk cId="4250069135" sldId="256"/>
+            <ac:spMk id="98" creationId="{1021F6C2-96B4-47DF-A0F8-922661672806}"/>
           </ac:spMkLst>
         </pc:spChg>
         <pc:spChg chg="mod">
@@ -767,6 +831,22 @@
             <ac:spMk id="99" creationId="{512CBCC4-D98D-4001-B705-2966C8FEFAE3}"/>
           </ac:spMkLst>
         </pc:spChg>
+        <pc:spChg chg="add mod">
+          <ac:chgData name="Elizabeth Marks" userId="23c45164968f2109" providerId="LiveId" clId="{A2D9BF99-1A77-4E77-BCCB-F05B896ACBD8}" dt="2021-06-03T02:13:06.172" v="3169" actId="1035"/>
+          <ac:spMkLst>
+            <pc:docMk/>
+            <pc:sldMk cId="4250069135" sldId="256"/>
+            <ac:spMk id="99" creationId="{C5AAE713-FFE6-47CD-A0BB-F41714DE45EB}"/>
+          </ac:spMkLst>
+        </pc:spChg>
+        <pc:spChg chg="add mod">
+          <ac:chgData name="Elizabeth Marks" userId="23c45164968f2109" providerId="LiveId" clId="{A2D9BF99-1A77-4E77-BCCB-F05B896ACBD8}" dt="2021-06-03T02:13:06.172" v="3169" actId="1035"/>
+          <ac:spMkLst>
+            <pc:docMk/>
+            <pc:sldMk cId="4250069135" sldId="256"/>
+            <ac:spMk id="100" creationId="{B7717DF8-C73B-4E37-A6E6-D96E6AF2D70A}"/>
+          </ac:spMkLst>
+        </pc:spChg>
         <pc:spChg chg="mod">
           <ac:chgData name="Elizabeth Marks" userId="23c45164968f2109" providerId="LiveId" clId="{A2D9BF99-1A77-4E77-BCCB-F05B896ACBD8}" dt="2021-06-03T00:59:53.988" v="467"/>
           <ac:spMkLst>
@@ -791,48 +871,56 @@
             <ac:spMk id="102" creationId="{93F40D52-1B13-462A-8113-6864E6A3ED42}"/>
           </ac:spMkLst>
         </pc:spChg>
-        <pc:spChg chg="mod">
-          <ac:chgData name="Elizabeth Marks" userId="23c45164968f2109" providerId="LiveId" clId="{A2D9BF99-1A77-4E77-BCCB-F05B896ACBD8}" dt="2021-06-03T01:00:01.387" v="469"/>
+        <pc:spChg chg="add mod">
+          <ac:chgData name="Elizabeth Marks" userId="23c45164968f2109" providerId="LiveId" clId="{A2D9BF99-1A77-4E77-BCCB-F05B896ACBD8}" dt="2021-06-03T04:27:51.014" v="5353" actId="1076"/>
+          <ac:spMkLst>
+            <pc:docMk/>
+            <pc:sldMk cId="4250069135" sldId="256"/>
+            <ac:spMk id="102" creationId="{DA6DB530-E541-42E5-873C-68441D3FAEE6}"/>
+          </ac:spMkLst>
+        </pc:spChg>
+        <pc:spChg chg="mod topLvl">
+          <ac:chgData name="Elizabeth Marks" userId="23c45164968f2109" providerId="LiveId" clId="{A2D9BF99-1A77-4E77-BCCB-F05B896ACBD8}" dt="2021-06-03T04:27:19.229" v="5340" actId="164"/>
           <ac:spMkLst>
             <pc:docMk/>
             <pc:sldMk cId="4250069135" sldId="256"/>
             <ac:spMk id="104" creationId="{45AE423F-2533-4967-A8CA-3142550AF0DC}"/>
           </ac:spMkLst>
         </pc:spChg>
-        <pc:spChg chg="mod">
-          <ac:chgData name="Elizabeth Marks" userId="23c45164968f2109" providerId="LiveId" clId="{A2D9BF99-1A77-4E77-BCCB-F05B896ACBD8}" dt="2021-06-03T01:00:01.387" v="469"/>
+        <pc:spChg chg="mod topLvl">
+          <ac:chgData name="Elizabeth Marks" userId="23c45164968f2109" providerId="LiveId" clId="{A2D9BF99-1A77-4E77-BCCB-F05B896ACBD8}" dt="2021-06-03T04:27:19.229" v="5340" actId="164"/>
           <ac:spMkLst>
             <pc:docMk/>
             <pc:sldMk cId="4250069135" sldId="256"/>
             <ac:spMk id="105" creationId="{0D0313E1-266B-4EEF-A853-0000AFBFC575}"/>
           </ac:spMkLst>
         </pc:spChg>
-        <pc:spChg chg="mod">
-          <ac:chgData name="Elizabeth Marks" userId="23c45164968f2109" providerId="LiveId" clId="{A2D9BF99-1A77-4E77-BCCB-F05B896ACBD8}" dt="2021-06-03T01:00:01.387" v="469"/>
+        <pc:spChg chg="mod topLvl">
+          <ac:chgData name="Elizabeth Marks" userId="23c45164968f2109" providerId="LiveId" clId="{A2D9BF99-1A77-4E77-BCCB-F05B896ACBD8}" dt="2021-06-03T04:27:19.229" v="5340" actId="164"/>
           <ac:spMkLst>
             <pc:docMk/>
             <pc:sldMk cId="4250069135" sldId="256"/>
             <ac:spMk id="106" creationId="{A05C31F1-4074-4E0C-A59F-6F42962ABD8C}"/>
           </ac:spMkLst>
         </pc:spChg>
-        <pc:spChg chg="mod">
-          <ac:chgData name="Elizabeth Marks" userId="23c45164968f2109" providerId="LiveId" clId="{A2D9BF99-1A77-4E77-BCCB-F05B896ACBD8}" dt="2021-06-03T01:00:01.387" v="469"/>
+        <pc:spChg chg="mod topLvl">
+          <ac:chgData name="Elizabeth Marks" userId="23c45164968f2109" providerId="LiveId" clId="{A2D9BF99-1A77-4E77-BCCB-F05B896ACBD8}" dt="2021-06-03T04:31:20.936" v="5414" actId="1076"/>
           <ac:spMkLst>
             <pc:docMk/>
             <pc:sldMk cId="4250069135" sldId="256"/>
             <ac:spMk id="108" creationId="{A8B1B148-5D55-4891-AA27-AC19887B2285}"/>
           </ac:spMkLst>
         </pc:spChg>
-        <pc:spChg chg="mod">
-          <ac:chgData name="Elizabeth Marks" userId="23c45164968f2109" providerId="LiveId" clId="{A2D9BF99-1A77-4E77-BCCB-F05B896ACBD8}" dt="2021-06-03T01:00:01.387" v="469"/>
+        <pc:spChg chg="del mod">
+          <ac:chgData name="Elizabeth Marks" userId="23c45164968f2109" providerId="LiveId" clId="{A2D9BF99-1A77-4E77-BCCB-F05B896ACBD8}" dt="2021-06-03T01:56:50.260" v="2475" actId="478"/>
           <ac:spMkLst>
             <pc:docMk/>
             <pc:sldMk cId="4250069135" sldId="256"/>
             <ac:spMk id="110" creationId="{8A4FD6A5-F5E2-4473-98E5-A12E66BACE8B}"/>
           </ac:spMkLst>
         </pc:spChg>
-        <pc:spChg chg="mod">
-          <ac:chgData name="Elizabeth Marks" userId="23c45164968f2109" providerId="LiveId" clId="{A2D9BF99-1A77-4E77-BCCB-F05B896ACBD8}" dt="2021-06-03T01:01:48.116" v="623" actId="1076"/>
+        <pc:spChg chg="mod ord topLvl">
+          <ac:chgData name="Elizabeth Marks" userId="23c45164968f2109" providerId="LiveId" clId="{A2D9BF99-1A77-4E77-BCCB-F05B896ACBD8}" dt="2021-06-03T04:34:33.549" v="5471" actId="21"/>
           <ac:spMkLst>
             <pc:docMk/>
             <pc:sldMk cId="4250069135" sldId="256"/>
@@ -840,7 +928,7 @@
           </ac:spMkLst>
         </pc:spChg>
         <pc:spChg chg="mod">
-          <ac:chgData name="Elizabeth Marks" userId="23c45164968f2109" providerId="LiveId" clId="{A2D9BF99-1A77-4E77-BCCB-F05B896ACBD8}" dt="2021-06-03T01:00:01.387" v="469"/>
+          <ac:chgData name="Elizabeth Marks" userId="23c45164968f2109" providerId="LiveId" clId="{A2D9BF99-1A77-4E77-BCCB-F05B896ACBD8}" dt="2021-06-03T03:44:23.835" v="3944" actId="165"/>
           <ac:spMkLst>
             <pc:docMk/>
             <pc:sldMk cId="4250069135" sldId="256"/>
@@ -848,7 +936,7 @@
           </ac:spMkLst>
         </pc:spChg>
         <pc:spChg chg="mod">
-          <ac:chgData name="Elizabeth Marks" userId="23c45164968f2109" providerId="LiveId" clId="{A2D9BF99-1A77-4E77-BCCB-F05B896ACBD8}" dt="2021-06-03T01:02:07.624" v="625" actId="14100"/>
+          <ac:chgData name="Elizabeth Marks" userId="23c45164968f2109" providerId="LiveId" clId="{A2D9BF99-1A77-4E77-BCCB-F05B896ACBD8}" dt="2021-06-03T03:44:23.835" v="3944" actId="165"/>
           <ac:spMkLst>
             <pc:docMk/>
             <pc:sldMk cId="4250069135" sldId="256"/>
@@ -856,7 +944,7 @@
           </ac:spMkLst>
         </pc:spChg>
         <pc:spChg chg="mod">
-          <ac:chgData name="Elizabeth Marks" userId="23c45164968f2109" providerId="LiveId" clId="{A2D9BF99-1A77-4E77-BCCB-F05B896ACBD8}" dt="2021-06-03T01:00:01.387" v="469"/>
+          <ac:chgData name="Elizabeth Marks" userId="23c45164968f2109" providerId="LiveId" clId="{A2D9BF99-1A77-4E77-BCCB-F05B896ACBD8}" dt="2021-06-03T03:44:23.835" v="3944" actId="165"/>
           <ac:spMkLst>
             <pc:docMk/>
             <pc:sldMk cId="4250069135" sldId="256"/>
@@ -864,55 +952,55 @@
           </ac:spMkLst>
         </pc:spChg>
         <pc:spChg chg="mod">
-          <ac:chgData name="Elizabeth Marks" userId="23c45164968f2109" providerId="LiveId" clId="{A2D9BF99-1A77-4E77-BCCB-F05B896ACBD8}" dt="2021-06-03T01:00:01.387" v="469"/>
+          <ac:chgData name="Elizabeth Marks" userId="23c45164968f2109" providerId="LiveId" clId="{A2D9BF99-1A77-4E77-BCCB-F05B896ACBD8}" dt="2021-06-03T03:44:23.835" v="3944" actId="165"/>
           <ac:spMkLst>
             <pc:docMk/>
             <pc:sldMk cId="4250069135" sldId="256"/>
             <ac:spMk id="115" creationId="{492F7EF8-A829-404F-9FF5-5447B099E292}"/>
           </ac:spMkLst>
         </pc:spChg>
-        <pc:spChg chg="mod">
-          <ac:chgData name="Elizabeth Marks" userId="23c45164968f2109" providerId="LiveId" clId="{A2D9BF99-1A77-4E77-BCCB-F05B896ACBD8}" dt="2021-06-03T01:00:36.190" v="473"/>
+        <pc:spChg chg="mod topLvl">
+          <ac:chgData name="Elizabeth Marks" userId="23c45164968f2109" providerId="LiveId" clId="{A2D9BF99-1A77-4E77-BCCB-F05B896ACBD8}" dt="2021-06-03T04:27:33.109" v="5351" actId="164"/>
           <ac:spMkLst>
             <pc:docMk/>
             <pc:sldMk cId="4250069135" sldId="256"/>
             <ac:spMk id="117" creationId="{A0E46D71-EF0D-4474-9F80-463B1830BFC0}"/>
           </ac:spMkLst>
         </pc:spChg>
-        <pc:spChg chg="mod">
-          <ac:chgData name="Elizabeth Marks" userId="23c45164968f2109" providerId="LiveId" clId="{A2D9BF99-1A77-4E77-BCCB-F05B896ACBD8}" dt="2021-06-03T01:00:36.190" v="473"/>
+        <pc:spChg chg="mod topLvl">
+          <ac:chgData name="Elizabeth Marks" userId="23c45164968f2109" providerId="LiveId" clId="{A2D9BF99-1A77-4E77-BCCB-F05B896ACBD8}" dt="2021-06-03T04:27:33.109" v="5351" actId="164"/>
           <ac:spMkLst>
             <pc:docMk/>
             <pc:sldMk cId="4250069135" sldId="256"/>
             <ac:spMk id="118" creationId="{3D33A764-DAAA-4DE3-8D55-8CC71CF12F11}"/>
           </ac:spMkLst>
         </pc:spChg>
-        <pc:spChg chg="mod">
-          <ac:chgData name="Elizabeth Marks" userId="23c45164968f2109" providerId="LiveId" clId="{A2D9BF99-1A77-4E77-BCCB-F05B896ACBD8}" dt="2021-06-03T01:00:36.190" v="473"/>
+        <pc:spChg chg="mod topLvl">
+          <ac:chgData name="Elizabeth Marks" userId="23c45164968f2109" providerId="LiveId" clId="{A2D9BF99-1A77-4E77-BCCB-F05B896ACBD8}" dt="2021-06-03T04:27:33.109" v="5351" actId="164"/>
           <ac:spMkLst>
             <pc:docMk/>
             <pc:sldMk cId="4250069135" sldId="256"/>
             <ac:spMk id="119" creationId="{3AA0BDAE-AF41-431B-BFBF-5D88A15F9096}"/>
           </ac:spMkLst>
         </pc:spChg>
-        <pc:spChg chg="mod">
-          <ac:chgData name="Elizabeth Marks" userId="23c45164968f2109" providerId="LiveId" clId="{A2D9BF99-1A77-4E77-BCCB-F05B896ACBD8}" dt="2021-06-03T01:00:36.190" v="473"/>
+        <pc:spChg chg="mod topLvl">
+          <ac:chgData name="Elizabeth Marks" userId="23c45164968f2109" providerId="LiveId" clId="{A2D9BF99-1A77-4E77-BCCB-F05B896ACBD8}" dt="2021-06-03T04:31:30.556" v="5415" actId="1076"/>
           <ac:spMkLst>
             <pc:docMk/>
             <pc:sldMk cId="4250069135" sldId="256"/>
             <ac:spMk id="121" creationId="{E53D64AE-AAEF-4797-8C78-00E68B75F72B}"/>
           </ac:spMkLst>
         </pc:spChg>
-        <pc:spChg chg="mod">
-          <ac:chgData name="Elizabeth Marks" userId="23c45164968f2109" providerId="LiveId" clId="{A2D9BF99-1A77-4E77-BCCB-F05B896ACBD8}" dt="2021-06-03T01:00:36.190" v="473"/>
+        <pc:spChg chg="del mod">
+          <ac:chgData name="Elizabeth Marks" userId="23c45164968f2109" providerId="LiveId" clId="{A2D9BF99-1A77-4E77-BCCB-F05B896ACBD8}" dt="2021-06-03T01:55:01.634" v="2410" actId="478"/>
           <ac:spMkLst>
             <pc:docMk/>
             <pc:sldMk cId="4250069135" sldId="256"/>
             <ac:spMk id="123" creationId="{CED49C49-BBA4-4E2E-9333-C64DEF3CF33A}"/>
           </ac:spMkLst>
         </pc:spChg>
-        <pc:spChg chg="mod">
-          <ac:chgData name="Elizabeth Marks" userId="23c45164968f2109" providerId="LiveId" clId="{A2D9BF99-1A77-4E77-BCCB-F05B896ACBD8}" dt="2021-06-03T01:01:55.204" v="624" actId="1076"/>
+        <pc:spChg chg="del mod ord topLvl">
+          <ac:chgData name="Elizabeth Marks" userId="23c45164968f2109" providerId="LiveId" clId="{A2D9BF99-1A77-4E77-BCCB-F05B896ACBD8}" dt="2021-06-03T04:38:22.804" v="5504"/>
           <ac:spMkLst>
             <pc:docMk/>
             <pc:sldMk cId="4250069135" sldId="256"/>
@@ -920,7 +1008,7 @@
           </ac:spMkLst>
         </pc:spChg>
         <pc:spChg chg="mod">
-          <ac:chgData name="Elizabeth Marks" userId="23c45164968f2109" providerId="LiveId" clId="{A2D9BF99-1A77-4E77-BCCB-F05B896ACBD8}" dt="2021-06-03T01:00:36.190" v="473"/>
+          <ac:chgData name="Elizabeth Marks" userId="23c45164968f2109" providerId="LiveId" clId="{A2D9BF99-1A77-4E77-BCCB-F05B896ACBD8}" dt="2021-06-03T03:44:10.457" v="3939" actId="165"/>
           <ac:spMkLst>
             <pc:docMk/>
             <pc:sldMk cId="4250069135" sldId="256"/>
@@ -928,7 +1016,7 @@
           </ac:spMkLst>
         </pc:spChg>
         <pc:spChg chg="mod">
-          <ac:chgData name="Elizabeth Marks" userId="23c45164968f2109" providerId="LiveId" clId="{A2D9BF99-1A77-4E77-BCCB-F05B896ACBD8}" dt="2021-06-03T01:02:18.654" v="626" actId="14100"/>
+          <ac:chgData name="Elizabeth Marks" userId="23c45164968f2109" providerId="LiveId" clId="{A2D9BF99-1A77-4E77-BCCB-F05B896ACBD8}" dt="2021-06-03T03:44:10.457" v="3939" actId="165"/>
           <ac:spMkLst>
             <pc:docMk/>
             <pc:sldMk cId="4250069135" sldId="256"/>
@@ -936,7 +1024,7 @@
           </ac:spMkLst>
         </pc:spChg>
         <pc:spChg chg="mod">
-          <ac:chgData name="Elizabeth Marks" userId="23c45164968f2109" providerId="LiveId" clId="{A2D9BF99-1A77-4E77-BCCB-F05B896ACBD8}" dt="2021-06-03T01:00:36.190" v="473"/>
+          <ac:chgData name="Elizabeth Marks" userId="23c45164968f2109" providerId="LiveId" clId="{A2D9BF99-1A77-4E77-BCCB-F05B896ACBD8}" dt="2021-06-03T03:44:10.457" v="3939" actId="165"/>
           <ac:spMkLst>
             <pc:docMk/>
             <pc:sldMk cId="4250069135" sldId="256"/>
@@ -944,7 +1032,7 @@
           </ac:spMkLst>
         </pc:spChg>
         <pc:spChg chg="mod">
-          <ac:chgData name="Elizabeth Marks" userId="23c45164968f2109" providerId="LiveId" clId="{A2D9BF99-1A77-4E77-BCCB-F05B896ACBD8}" dt="2021-06-03T01:00:36.190" v="473"/>
+          <ac:chgData name="Elizabeth Marks" userId="23c45164968f2109" providerId="LiveId" clId="{A2D9BF99-1A77-4E77-BCCB-F05B896ACBD8}" dt="2021-06-03T03:44:10.457" v="3939" actId="165"/>
           <ac:spMkLst>
             <pc:docMk/>
             <pc:sldMk cId="4250069135" sldId="256"/>
@@ -952,11 +1040,27 @@
           </ac:spMkLst>
         </pc:spChg>
         <pc:spChg chg="add mod">
-          <ac:chgData name="Elizabeth Marks" userId="23c45164968f2109" providerId="LiveId" clId="{A2D9BF99-1A77-4E77-BCCB-F05B896ACBD8}" dt="2021-06-03T01:40:21.860" v="1923" actId="14100"/>
+          <ac:chgData name="Elizabeth Marks" userId="23c45164968f2109" providerId="LiveId" clId="{A2D9BF99-1A77-4E77-BCCB-F05B896ACBD8}" dt="2021-06-03T04:26:16.871" v="5322" actId="404"/>
           <ac:spMkLst>
             <pc:docMk/>
             <pc:sldMk cId="4250069135" sldId="256"/>
             <ac:spMk id="129" creationId="{6F8DCF07-394A-4A45-AA13-250B179B35E4}"/>
+          </ac:spMkLst>
+        </pc:spChg>
+        <pc:spChg chg="add mod">
+          <ac:chgData name="Elizabeth Marks" userId="23c45164968f2109" providerId="LiveId" clId="{A2D9BF99-1A77-4E77-BCCB-F05B896ACBD8}" dt="2021-06-03T04:38:14.923" v="5501" actId="164"/>
+          <ac:spMkLst>
+            <pc:docMk/>
+            <pc:sldMk cId="4250069135" sldId="256"/>
+            <ac:spMk id="130" creationId="{65D60AD8-C8E8-4656-BE51-A1BD8954F1E9}"/>
+          </ac:spMkLst>
+        </pc:spChg>
+        <pc:spChg chg="add mod">
+          <ac:chgData name="Elizabeth Marks" userId="23c45164968f2109" providerId="LiveId" clId="{A2D9BF99-1A77-4E77-BCCB-F05B896ACBD8}" dt="2021-06-03T04:39:56.796" v="5517" actId="1076"/>
+          <ac:spMkLst>
+            <pc:docMk/>
+            <pc:sldMk cId="4250069135" sldId="256"/>
+            <ac:spMk id="131" creationId="{3C9AFB82-8083-404C-8DC9-7FD9A0EDBB73}"/>
           </ac:spMkLst>
         </pc:spChg>
         <pc:spChg chg="del mod topLvl">
@@ -975,12 +1079,44 @@
             <ac:spMk id="132" creationId="{83C74E3C-1303-44EA-BFCE-C553DD2A9205}"/>
           </ac:spMkLst>
         </pc:spChg>
+        <pc:spChg chg="add mod">
+          <ac:chgData name="Elizabeth Marks" userId="23c45164968f2109" providerId="LiveId" clId="{A2D9BF99-1A77-4E77-BCCB-F05B896ACBD8}" dt="2021-06-03T04:39:02.415" v="5506" actId="14100"/>
+          <ac:spMkLst>
+            <pc:docMk/>
+            <pc:sldMk cId="4250069135" sldId="256"/>
+            <ac:spMk id="132" creationId="{D6C08B0F-B8ED-40F1-8D61-59E3FB1B2CBC}"/>
+          </ac:spMkLst>
+        </pc:spChg>
+        <pc:spChg chg="add del mod">
+          <ac:chgData name="Elizabeth Marks" userId="23c45164968f2109" providerId="LiveId" clId="{A2D9BF99-1A77-4E77-BCCB-F05B896ACBD8}" dt="2021-06-03T03:37:06.650" v="3768"/>
+          <ac:spMkLst>
+            <pc:docMk/>
+            <pc:sldMk cId="4250069135" sldId="256"/>
+            <ac:spMk id="133" creationId="{FBC97475-6A80-4178-83DE-7D29307E963B}"/>
+          </ac:spMkLst>
+        </pc:spChg>
+        <pc:spChg chg="add mod">
+          <ac:chgData name="Elizabeth Marks" userId="23c45164968f2109" providerId="LiveId" clId="{A2D9BF99-1A77-4E77-BCCB-F05B896ACBD8}" dt="2021-06-03T04:37:54.313" v="5499" actId="164"/>
+          <ac:spMkLst>
+            <pc:docMk/>
+            <pc:sldMk cId="4250069135" sldId="256"/>
+            <ac:spMk id="134" creationId="{555B4762-B91C-4C89-BB08-B636A2AF91EE}"/>
+          </ac:spMkLst>
+        </pc:spChg>
         <pc:spChg chg="del mod topLvl">
           <ac:chgData name="Elizabeth Marks" userId="23c45164968f2109" providerId="LiveId" clId="{A2D9BF99-1A77-4E77-BCCB-F05B896ACBD8}" dt="2021-06-03T01:21:21.437" v="1433" actId="478"/>
           <ac:spMkLst>
             <pc:docMk/>
             <pc:sldMk cId="4250069135" sldId="256"/>
             <ac:spMk id="134" creationId="{70AF1CA2-2156-4A65-BE8C-6D929851DC54}"/>
+          </ac:spMkLst>
+        </pc:spChg>
+        <pc:spChg chg="add del mod">
+          <ac:chgData name="Elizabeth Marks" userId="23c45164968f2109" providerId="LiveId" clId="{A2D9BF99-1A77-4E77-BCCB-F05B896ACBD8}" dt="2021-06-03T04:29:41.320" v="5370" actId="478"/>
+          <ac:spMkLst>
+            <pc:docMk/>
+            <pc:sldMk cId="4250069135" sldId="256"/>
+            <ac:spMk id="135" creationId="{2501CB7A-65EA-48FE-9F7E-58AA5C6BB970}"/>
           </ac:spMkLst>
         </pc:spChg>
         <pc:spChg chg="del mod topLvl">
@@ -991,12 +1127,12 @@
             <ac:spMk id="135" creationId="{902D09D0-4891-496B-94C0-CFBA28F0AA7E}"/>
           </ac:spMkLst>
         </pc:spChg>
-        <pc:spChg chg="mod">
-          <ac:chgData name="Elizabeth Marks" userId="23c45164968f2109" providerId="LiveId" clId="{A2D9BF99-1A77-4E77-BCCB-F05B896ACBD8}" dt="2021-06-03T01:10:18.445" v="1193"/>
+        <pc:spChg chg="add mod">
+          <ac:chgData name="Elizabeth Marks" userId="23c45164968f2109" providerId="LiveId" clId="{A2D9BF99-1A77-4E77-BCCB-F05B896ACBD8}" dt="2021-06-03T04:22:34.009" v="5254" actId="14100"/>
           <ac:spMkLst>
             <pc:docMk/>
             <pc:sldMk cId="4250069135" sldId="256"/>
-            <ac:spMk id="137" creationId="{420DFF1A-EF7C-4111-B67A-EE796C9779E3}"/>
+            <ac:spMk id="136" creationId="{4945436F-9BBE-4291-A285-059573B545F4}"/>
           </ac:spMkLst>
         </pc:spChg>
         <pc:spChg chg="mod">
@@ -1004,7 +1140,15 @@
           <ac:spMkLst>
             <pc:docMk/>
             <pc:sldMk cId="4250069135" sldId="256"/>
-            <ac:spMk id="138" creationId="{354BF9B5-3F06-49D4-8460-8A3FF9D3A933}"/>
+            <ac:spMk id="137" creationId="{420DFF1A-EF7C-4111-B67A-EE796C9779E3}"/>
+          </ac:spMkLst>
+        </pc:spChg>
+        <pc:spChg chg="add mod">
+          <ac:chgData name="Elizabeth Marks" userId="23c45164968f2109" providerId="LiveId" clId="{A2D9BF99-1A77-4E77-BCCB-F05B896ACBD8}" dt="2021-06-03T04:22:41.316" v="5255" actId="14100"/>
+          <ac:spMkLst>
+            <pc:docMk/>
+            <pc:sldMk cId="4250069135" sldId="256"/>
+            <ac:spMk id="137" creationId="{86A570EB-DBFF-4CA1-9A68-72387DE55592}"/>
           </ac:spMkLst>
         </pc:spChg>
         <pc:spChg chg="mod">
@@ -1012,7 +1156,15 @@
           <ac:spMkLst>
             <pc:docMk/>
             <pc:sldMk cId="4250069135" sldId="256"/>
-            <ac:spMk id="140" creationId="{C3E4FAE8-46E7-46EB-8FEA-CE96D2EB9FFE}"/>
+            <ac:spMk id="138" creationId="{354BF9B5-3F06-49D4-8460-8A3FF9D3A933}"/>
+          </ac:spMkLst>
+        </pc:spChg>
+        <pc:spChg chg="add mod">
+          <ac:chgData name="Elizabeth Marks" userId="23c45164968f2109" providerId="LiveId" clId="{A2D9BF99-1A77-4E77-BCCB-F05B896ACBD8}" dt="2021-06-03T04:09:55.815" v="4241" actId="14100"/>
+          <ac:spMkLst>
+            <pc:docMk/>
+            <pc:sldMk cId="4250069135" sldId="256"/>
+            <ac:spMk id="140" creationId="{0F348E3A-A2B4-446D-9BE3-AB412D6E9911}"/>
           </ac:spMkLst>
         </pc:spChg>
         <pc:spChg chg="mod">
@@ -1020,7 +1172,31 @@
           <ac:spMkLst>
             <pc:docMk/>
             <pc:sldMk cId="4250069135" sldId="256"/>
+            <ac:spMk id="140" creationId="{C3E4FAE8-46E7-46EB-8FEA-CE96D2EB9FFE}"/>
+          </ac:spMkLst>
+        </pc:spChg>
+        <pc:spChg chg="add del mod">
+          <ac:chgData name="Elizabeth Marks" userId="23c45164968f2109" providerId="LiveId" clId="{A2D9BF99-1A77-4E77-BCCB-F05B896ACBD8}" dt="2021-06-03T03:58:56.772" v="4181" actId="478"/>
+          <ac:spMkLst>
+            <pc:docMk/>
+            <pc:sldMk cId="4250069135" sldId="256"/>
+            <ac:spMk id="141" creationId="{487BDDDA-FC16-444C-94DD-9ECB4385005B}"/>
+          </ac:spMkLst>
+        </pc:spChg>
+        <pc:spChg chg="mod">
+          <ac:chgData name="Elizabeth Marks" userId="23c45164968f2109" providerId="LiveId" clId="{A2D9BF99-1A77-4E77-BCCB-F05B896ACBD8}" dt="2021-06-03T01:10:18.445" v="1193"/>
+          <ac:spMkLst>
+            <pc:docMk/>
+            <pc:sldMk cId="4250069135" sldId="256"/>
             <ac:spMk id="141" creationId="{E0EFF78F-3D6D-4652-8F87-393ED66EC45B}"/>
+          </ac:spMkLst>
+        </pc:spChg>
+        <pc:spChg chg="add mod">
+          <ac:chgData name="Elizabeth Marks" userId="23c45164968f2109" providerId="LiveId" clId="{A2D9BF99-1A77-4E77-BCCB-F05B896ACBD8}" dt="2021-06-03T04:09:16.978" v="4235" actId="1076"/>
+          <ac:spMkLst>
+            <pc:docMk/>
+            <pc:sldMk cId="4250069135" sldId="256"/>
+            <ac:spMk id="142" creationId="{1EDE6648-1C3B-4F28-89FC-32CB8305903C}"/>
           </ac:spMkLst>
         </pc:spChg>
         <pc:spChg chg="mod">
@@ -1031,12 +1207,12 @@
             <ac:spMk id="143" creationId="{00A682AD-79CA-49C4-B455-505D24D0D437}"/>
           </ac:spMkLst>
         </pc:spChg>
-        <pc:spChg chg="mod">
-          <ac:chgData name="Elizabeth Marks" userId="23c45164968f2109" providerId="LiveId" clId="{A2D9BF99-1A77-4E77-BCCB-F05B896ACBD8}" dt="2021-06-03T01:10:21.934" v="1195"/>
+        <pc:spChg chg="add mod">
+          <ac:chgData name="Elizabeth Marks" userId="23c45164968f2109" providerId="LiveId" clId="{A2D9BF99-1A77-4E77-BCCB-F05B896ACBD8}" dt="2021-06-03T04:09:14.205" v="4234" actId="1076"/>
           <ac:spMkLst>
             <pc:docMk/>
             <pc:sldMk cId="4250069135" sldId="256"/>
-            <ac:spMk id="144" creationId="{237ACE2F-2E46-4C52-87DC-2FDF90814CD8}"/>
+            <ac:spMk id="143" creationId="{ACD0852A-4D8B-45F8-B6F8-D84C645F9B6C}"/>
           </ac:spMkLst>
         </pc:spChg>
         <pc:spChg chg="mod">
@@ -1044,7 +1220,31 @@
           <ac:spMkLst>
             <pc:docMk/>
             <pc:sldMk cId="4250069135" sldId="256"/>
-            <ac:spMk id="146" creationId="{3118B604-AD39-4465-B7EE-1D4BABAEA2D3}"/>
+            <ac:spMk id="144" creationId="{237ACE2F-2E46-4C52-87DC-2FDF90814CD8}"/>
+          </ac:spMkLst>
+        </pc:spChg>
+        <pc:spChg chg="add mod">
+          <ac:chgData name="Elizabeth Marks" userId="23c45164968f2109" providerId="LiveId" clId="{A2D9BF99-1A77-4E77-BCCB-F05B896ACBD8}" dt="2021-06-03T04:08:53.074" v="4231" actId="207"/>
+          <ac:spMkLst>
+            <pc:docMk/>
+            <pc:sldMk cId="4250069135" sldId="256"/>
+            <ac:spMk id="144" creationId="{37E75929-2739-4B55-967B-9A8A9EBFAB7F}"/>
+          </ac:spMkLst>
+        </pc:spChg>
+        <pc:spChg chg="add mod">
+          <ac:chgData name="Elizabeth Marks" userId="23c45164968f2109" providerId="LiveId" clId="{A2D9BF99-1A77-4E77-BCCB-F05B896ACBD8}" dt="2021-06-03T04:09:32.846" v="4238" actId="14100"/>
+          <ac:spMkLst>
+            <pc:docMk/>
+            <pc:sldMk cId="4250069135" sldId="256"/>
+            <ac:spMk id="145" creationId="{A0DB4D89-7826-4470-A4AC-BDEBD2702521}"/>
+          </ac:spMkLst>
+        </pc:spChg>
+        <pc:spChg chg="add mod">
+          <ac:chgData name="Elizabeth Marks" userId="23c45164968f2109" providerId="LiveId" clId="{A2D9BF99-1A77-4E77-BCCB-F05B896ACBD8}" dt="2021-06-03T04:22:28.676" v="5253" actId="14100"/>
+          <ac:spMkLst>
+            <pc:docMk/>
+            <pc:sldMk cId="4250069135" sldId="256"/>
+            <ac:spMk id="146" creationId="{16AE954A-A8DD-4EAA-9119-202FA8D77F6E}"/>
           </ac:spMkLst>
         </pc:spChg>
         <pc:spChg chg="mod">
@@ -1052,15 +1252,39 @@
           <ac:spMkLst>
             <pc:docMk/>
             <pc:sldMk cId="4250069135" sldId="256"/>
+            <ac:spMk id="146" creationId="{3118B604-AD39-4465-B7EE-1D4BABAEA2D3}"/>
+          </ac:spMkLst>
+        </pc:spChg>
+        <pc:spChg chg="add del mod">
+          <ac:chgData name="Elizabeth Marks" userId="23c45164968f2109" providerId="LiveId" clId="{A2D9BF99-1A77-4E77-BCCB-F05B896ACBD8}" dt="2021-06-03T04:18:05.342" v="4734" actId="478"/>
+          <ac:spMkLst>
+            <pc:docMk/>
+            <pc:sldMk cId="4250069135" sldId="256"/>
+            <ac:spMk id="147" creationId="{0E80F42B-B1B4-494E-A264-676E1CB546FF}"/>
+          </ac:spMkLst>
+        </pc:spChg>
+        <pc:spChg chg="mod">
+          <ac:chgData name="Elizabeth Marks" userId="23c45164968f2109" providerId="LiveId" clId="{A2D9BF99-1A77-4E77-BCCB-F05B896ACBD8}" dt="2021-06-03T01:10:21.934" v="1195"/>
+          <ac:spMkLst>
+            <pc:docMk/>
+            <pc:sldMk cId="4250069135" sldId="256"/>
             <ac:spMk id="147" creationId="{1AAE87AE-7863-4845-8B02-2D81104F3AC7}"/>
           </ac:spMkLst>
         </pc:spChg>
         <pc:spChg chg="add mod">
-          <ac:chgData name="Elizabeth Marks" userId="23c45164968f2109" providerId="LiveId" clId="{A2D9BF99-1A77-4E77-BCCB-F05B896ACBD8}" dt="2021-06-03T01:11:19.964" v="1203" actId="1076"/>
+          <ac:chgData name="Elizabeth Marks" userId="23c45164968f2109" providerId="LiveId" clId="{A2D9BF99-1A77-4E77-BCCB-F05B896ACBD8}" dt="2021-06-03T02:17:01.352" v="3521" actId="20577"/>
           <ac:spMkLst>
             <pc:docMk/>
             <pc:sldMk cId="4250069135" sldId="256"/>
             <ac:spMk id="148" creationId="{D72997FF-9740-42C1-99D6-01EFBF1BF9BC}"/>
+          </ac:spMkLst>
+        </pc:spChg>
+        <pc:spChg chg="add del mod">
+          <ac:chgData name="Elizabeth Marks" userId="23c45164968f2109" providerId="LiveId" clId="{A2D9BF99-1A77-4E77-BCCB-F05B896ACBD8}" dt="2021-06-03T04:19:04.761" v="4742" actId="478"/>
+          <ac:spMkLst>
+            <pc:docMk/>
+            <pc:sldMk cId="4250069135" sldId="256"/>
+            <ac:spMk id="149" creationId="{1580AB36-4050-4536-83BB-C20AFB22144A}"/>
           </ac:spMkLst>
         </pc:spChg>
         <pc:spChg chg="add del mod">
@@ -1071,12 +1295,52 @@
             <ac:spMk id="150" creationId="{53573FCD-2CDD-4716-8BFB-5162F3990048}"/>
           </ac:spMkLst>
         </pc:spChg>
+        <pc:spChg chg="add mod">
+          <ac:chgData name="Elizabeth Marks" userId="23c45164968f2109" providerId="LiveId" clId="{A2D9BF99-1A77-4E77-BCCB-F05B896ACBD8}" dt="2021-06-03T04:20:43.506" v="5056" actId="14100"/>
+          <ac:spMkLst>
+            <pc:docMk/>
+            <pc:sldMk cId="4250069135" sldId="256"/>
+            <ac:spMk id="150" creationId="{FEFE5BC9-1C2D-43CF-8CC6-55919F3B8EF0}"/>
+          </ac:spMkLst>
+        </pc:spChg>
+        <pc:spChg chg="add mod">
+          <ac:chgData name="Elizabeth Marks" userId="23c45164968f2109" providerId="LiveId" clId="{A2D9BF99-1A77-4E77-BCCB-F05B896ACBD8}" dt="2021-06-03T04:21:21.302" v="5250" actId="1037"/>
+          <ac:spMkLst>
+            <pc:docMk/>
+            <pc:sldMk cId="4250069135" sldId="256"/>
+            <ac:spMk id="151" creationId="{E50E5496-AC8A-4990-82E5-FE88053FDEFD}"/>
+          </ac:spMkLst>
+        </pc:spChg>
+        <pc:spChg chg="add mod">
+          <ac:chgData name="Elizabeth Marks" userId="23c45164968f2109" providerId="LiveId" clId="{A2D9BF99-1A77-4E77-BCCB-F05B896ACBD8}" dt="2021-06-03T04:39:36.268" v="5511" actId="14100"/>
+          <ac:spMkLst>
+            <pc:docMk/>
+            <pc:sldMk cId="4250069135" sldId="256"/>
+            <ac:spMk id="152" creationId="{9F749715-EF65-452C-A3D6-A2BE39E019B0}"/>
+          </ac:spMkLst>
+        </pc:spChg>
         <pc:spChg chg="add del mod">
           <ac:chgData name="Elizabeth Marks" userId="23c45164968f2109" providerId="LiveId" clId="{A2D9BF99-1A77-4E77-BCCB-F05B896ACBD8}" dt="2021-06-03T01:23:59.650" v="1449"/>
           <ac:spMkLst>
             <pc:docMk/>
             <pc:sldMk cId="4250069135" sldId="256"/>
             <ac:spMk id="152" creationId="{EFD99FEC-A3A7-4A29-9D22-2604822477D1}"/>
+          </ac:spMkLst>
+        </pc:spChg>
+        <pc:spChg chg="add mod">
+          <ac:chgData name="Elizabeth Marks" userId="23c45164968f2109" providerId="LiveId" clId="{A2D9BF99-1A77-4E77-BCCB-F05B896ACBD8}" dt="2021-06-03T04:40:11.626" v="5518" actId="1076"/>
+          <ac:spMkLst>
+            <pc:docMk/>
+            <pc:sldMk cId="4250069135" sldId="256"/>
+            <ac:spMk id="153" creationId="{C28A5F98-E95E-4B9E-8804-A3D346AA4B95}"/>
+          </ac:spMkLst>
+        </pc:spChg>
+        <pc:spChg chg="add mod">
+          <ac:chgData name="Elizabeth Marks" userId="23c45164968f2109" providerId="LiveId" clId="{A2D9BF99-1A77-4E77-BCCB-F05B896ACBD8}" dt="2021-06-03T04:37:54.313" v="5499" actId="164"/>
+          <ac:spMkLst>
+            <pc:docMk/>
+            <pc:sldMk cId="4250069135" sldId="256"/>
+            <ac:spMk id="154" creationId="{18762A7A-565D-47DE-B4E5-D656909127F3}"/>
           </ac:spMkLst>
         </pc:spChg>
         <pc:spChg chg="add del mod">
@@ -1095,6 +1359,30 @@
             <ac:spMk id="155" creationId="{67B45E45-C7C2-45F3-BB10-EC7A1057231D}"/>
           </ac:spMkLst>
         </pc:spChg>
+        <pc:spChg chg="add mod">
+          <ac:chgData name="Elizabeth Marks" userId="23c45164968f2109" providerId="LiveId" clId="{A2D9BF99-1A77-4E77-BCCB-F05B896ACBD8}" dt="2021-06-03T04:38:40.180" v="5505" actId="20577"/>
+          <ac:spMkLst>
+            <pc:docMk/>
+            <pc:sldMk cId="4250069135" sldId="256"/>
+            <ac:spMk id="155" creationId="{6EE495C6-0CA2-4126-A5A0-B59CDBEC1FF6}"/>
+          </ac:spMkLst>
+        </pc:spChg>
+        <pc:spChg chg="add mod">
+          <ac:chgData name="Elizabeth Marks" userId="23c45164968f2109" providerId="LiveId" clId="{A2D9BF99-1A77-4E77-BCCB-F05B896ACBD8}" dt="2021-06-03T04:39:47.868" v="5514" actId="121"/>
+          <ac:spMkLst>
+            <pc:docMk/>
+            <pc:sldMk cId="4250069135" sldId="256"/>
+            <ac:spMk id="156" creationId="{9CA48C5D-EB22-4935-B2D4-A0D01FD5AE96}"/>
+          </ac:spMkLst>
+        </pc:spChg>
+        <pc:spChg chg="add mod">
+          <ac:chgData name="Elizabeth Marks" userId="23c45164968f2109" providerId="LiveId" clId="{A2D9BF99-1A77-4E77-BCCB-F05B896ACBD8}" dt="2021-06-03T04:39:50.213" v="5515" actId="121"/>
+          <ac:spMkLst>
+            <pc:docMk/>
+            <pc:sldMk cId="4250069135" sldId="256"/>
+            <ac:spMk id="157" creationId="{01684449-9618-46F1-A932-72AE827CE985}"/>
+          </ac:spMkLst>
+        </pc:spChg>
         <pc:spChg chg="add del mod">
           <ac:chgData name="Elizabeth Marks" userId="23c45164968f2109" providerId="LiveId" clId="{A2D9BF99-1A77-4E77-BCCB-F05B896ACBD8}" dt="2021-06-03T01:23:59.650" v="1449"/>
           <ac:spMkLst>
@@ -1192,7 +1480,7 @@
           </ac:spMkLst>
         </pc:spChg>
         <pc:spChg chg="add mod">
-          <ac:chgData name="Elizabeth Marks" userId="23c45164968f2109" providerId="LiveId" clId="{A2D9BF99-1A77-4E77-BCCB-F05B896ACBD8}" dt="2021-06-03T01:38:13.619" v="1913" actId="164"/>
+          <ac:chgData name="Elizabeth Marks" userId="23c45164968f2109" providerId="LiveId" clId="{A2D9BF99-1A77-4E77-BCCB-F05B896ACBD8}" dt="2021-06-03T02:20:02.046" v="3534" actId="14100"/>
           <ac:spMkLst>
             <pc:docMk/>
             <pc:sldMk cId="4250069135" sldId="256"/>
@@ -1200,7 +1488,7 @@
           </ac:spMkLst>
         </pc:spChg>
         <pc:spChg chg="add mod">
-          <ac:chgData name="Elizabeth Marks" userId="23c45164968f2109" providerId="LiveId" clId="{A2D9BF99-1A77-4E77-BCCB-F05B896ACBD8}" dt="2021-06-03T01:38:13.619" v="1913" actId="164"/>
+          <ac:chgData name="Elizabeth Marks" userId="23c45164968f2109" providerId="LiveId" clId="{A2D9BF99-1A77-4E77-BCCB-F05B896ACBD8}" dt="2021-06-03T02:20:12.499" v="3536" actId="1076"/>
           <ac:spMkLst>
             <pc:docMk/>
             <pc:sldMk cId="4250069135" sldId="256"/>
@@ -1208,7 +1496,7 @@
           </ac:spMkLst>
         </pc:spChg>
         <pc:spChg chg="add mod">
-          <ac:chgData name="Elizabeth Marks" userId="23c45164968f2109" providerId="LiveId" clId="{A2D9BF99-1A77-4E77-BCCB-F05B896ACBD8}" dt="2021-06-03T01:38:13.619" v="1913" actId="164"/>
+          <ac:chgData name="Elizabeth Marks" userId="23c45164968f2109" providerId="LiveId" clId="{A2D9BF99-1A77-4E77-BCCB-F05B896ACBD8}" dt="2021-06-03T02:20:17.625" v="3538" actId="1076"/>
           <ac:spMkLst>
             <pc:docMk/>
             <pc:sldMk cId="4250069135" sldId="256"/>
@@ -1216,7 +1504,7 @@
           </ac:spMkLst>
         </pc:spChg>
         <pc:spChg chg="add mod">
-          <ac:chgData name="Elizabeth Marks" userId="23c45164968f2109" providerId="LiveId" clId="{A2D9BF99-1A77-4E77-BCCB-F05B896ACBD8}" dt="2021-06-03T01:38:13.619" v="1913" actId="164"/>
+          <ac:chgData name="Elizabeth Marks" userId="23c45164968f2109" providerId="LiveId" clId="{A2D9BF99-1A77-4E77-BCCB-F05B896ACBD8}" dt="2021-06-03T02:20:21.277" v="3539" actId="1076"/>
           <ac:spMkLst>
             <pc:docMk/>
             <pc:sldMk cId="4250069135" sldId="256"/>
@@ -1224,7 +1512,7 @@
           </ac:spMkLst>
         </pc:spChg>
         <pc:spChg chg="add mod">
-          <ac:chgData name="Elizabeth Marks" userId="23c45164968f2109" providerId="LiveId" clId="{A2D9BF99-1A77-4E77-BCCB-F05B896ACBD8}" dt="2021-06-03T01:38:13.619" v="1913" actId="164"/>
+          <ac:chgData name="Elizabeth Marks" userId="23c45164968f2109" providerId="LiveId" clId="{A2D9BF99-1A77-4E77-BCCB-F05B896ACBD8}" dt="2021-06-03T02:20:23.897" v="3540" actId="1076"/>
           <ac:spMkLst>
             <pc:docMk/>
             <pc:sldMk cId="4250069135" sldId="256"/>
@@ -1232,7 +1520,7 @@
           </ac:spMkLst>
         </pc:spChg>
         <pc:spChg chg="add mod">
-          <ac:chgData name="Elizabeth Marks" userId="23c45164968f2109" providerId="LiveId" clId="{A2D9BF99-1A77-4E77-BCCB-F05B896ACBD8}" dt="2021-06-03T01:38:13.619" v="1913" actId="164"/>
+          <ac:chgData name="Elizabeth Marks" userId="23c45164968f2109" providerId="LiveId" clId="{A2D9BF99-1A77-4E77-BCCB-F05B896ACBD8}" dt="2021-06-03T02:20:27.574" v="3541" actId="1076"/>
           <ac:spMkLst>
             <pc:docMk/>
             <pc:sldMk cId="4250069135" sldId="256"/>
@@ -1240,7 +1528,7 @@
           </ac:spMkLst>
         </pc:spChg>
         <pc:spChg chg="add mod">
-          <ac:chgData name="Elizabeth Marks" userId="23c45164968f2109" providerId="LiveId" clId="{A2D9BF99-1A77-4E77-BCCB-F05B896ACBD8}" dt="2021-06-03T01:38:13.619" v="1913" actId="164"/>
+          <ac:chgData name="Elizabeth Marks" userId="23c45164968f2109" providerId="LiveId" clId="{A2D9BF99-1A77-4E77-BCCB-F05B896ACBD8}" dt="2021-06-03T02:20:33.279" v="3542" actId="1076"/>
           <ac:spMkLst>
             <pc:docMk/>
             <pc:sldMk cId="4250069135" sldId="256"/>
@@ -1248,7 +1536,7 @@
           </ac:spMkLst>
         </pc:spChg>
         <pc:spChg chg="add mod">
-          <ac:chgData name="Elizabeth Marks" userId="23c45164968f2109" providerId="LiveId" clId="{A2D9BF99-1A77-4E77-BCCB-F05B896ACBD8}" dt="2021-06-03T01:40:11.634" v="1922" actId="207"/>
+          <ac:chgData name="Elizabeth Marks" userId="23c45164968f2109" providerId="LiveId" clId="{A2D9BF99-1A77-4E77-BCCB-F05B896ACBD8}" dt="2021-06-03T02:20:37.347" v="3543" actId="1076"/>
           <ac:spMkLst>
             <pc:docMk/>
             <pc:sldMk cId="4250069135" sldId="256"/>
@@ -1256,11 +1544,59 @@
           </ac:spMkLst>
         </pc:spChg>
         <pc:grpChg chg="add mod">
-          <ac:chgData name="Elizabeth Marks" userId="23c45164968f2109" providerId="LiveId" clId="{A2D9BF99-1A77-4E77-BCCB-F05B896ACBD8}" dt="2021-06-03T00:56:46.617" v="448" actId="113"/>
+          <ac:chgData name="Elizabeth Marks" userId="23c45164968f2109" providerId="LiveId" clId="{A2D9BF99-1A77-4E77-BCCB-F05B896ACBD8}" dt="2021-06-03T02:13:06.172" v="3169" actId="1035"/>
           <ac:grpSpMkLst>
             <pc:docMk/>
             <pc:sldMk cId="4250069135" sldId="256"/>
             <ac:grpSpMk id="2" creationId="{2ECA07AA-DD48-4439-8D09-643F26CD48B5}"/>
+          </ac:grpSpMkLst>
+        </pc:grpChg>
+        <pc:grpChg chg="add del mod">
+          <ac:chgData name="Elizabeth Marks" userId="23c45164968f2109" providerId="LiveId" clId="{A2D9BF99-1A77-4E77-BCCB-F05B896ACBD8}" dt="2021-06-03T01:47:56.124" v="2274" actId="165"/>
+          <ac:grpSpMkLst>
+            <pc:docMk/>
+            <pc:sldMk cId="4250069135" sldId="256"/>
+            <ac:grpSpMk id="3" creationId="{A73C08E5-C4E7-4544-9008-7FD699340A7B}"/>
+          </ac:grpSpMkLst>
+        </pc:grpChg>
+        <pc:grpChg chg="add mod">
+          <ac:chgData name="Elizabeth Marks" userId="23c45164968f2109" providerId="LiveId" clId="{A2D9BF99-1A77-4E77-BCCB-F05B896ACBD8}" dt="2021-06-03T02:15:36.979" v="3459" actId="14100"/>
+          <ac:grpSpMkLst>
+            <pc:docMk/>
+            <pc:sldMk cId="4250069135" sldId="256"/>
+            <ac:grpSpMk id="9" creationId="{AEF9321A-34BC-44E6-AE6C-03744F69A79B}"/>
+          </ac:grpSpMkLst>
+        </pc:grpChg>
+        <pc:grpChg chg="add mod">
+          <ac:chgData name="Elizabeth Marks" userId="23c45164968f2109" providerId="LiveId" clId="{A2D9BF99-1A77-4E77-BCCB-F05B896ACBD8}" dt="2021-06-03T04:27:26.092" v="5350" actId="1035"/>
+          <ac:grpSpMkLst>
+            <pc:docMk/>
+            <pc:sldMk cId="4250069135" sldId="256"/>
+            <ac:grpSpMk id="30" creationId="{E8365BB2-C425-45C7-BFF3-C8EC903A6FB4}"/>
+          </ac:grpSpMkLst>
+        </pc:grpChg>
+        <pc:grpChg chg="add mod">
+          <ac:chgData name="Elizabeth Marks" userId="23c45164968f2109" providerId="LiveId" clId="{A2D9BF99-1A77-4E77-BCCB-F05B896ACBD8}" dt="2021-06-03T04:27:45.438" v="5352" actId="1076"/>
+          <ac:grpSpMkLst>
+            <pc:docMk/>
+            <pc:sldMk cId="4250069135" sldId="256"/>
+            <ac:grpSpMk id="31" creationId="{5D47B790-AB99-4A06-BBC5-041EE7FC74B6}"/>
+          </ac:grpSpMkLst>
+        </pc:grpChg>
+        <pc:grpChg chg="add mod">
+          <ac:chgData name="Elizabeth Marks" userId="23c45164968f2109" providerId="LiveId" clId="{A2D9BF99-1A77-4E77-BCCB-F05B896ACBD8}" dt="2021-06-03T04:38:06.031" v="5500" actId="14100"/>
+          <ac:grpSpMkLst>
+            <pc:docMk/>
+            <pc:sldMk cId="4250069135" sldId="256"/>
+            <ac:grpSpMk id="32" creationId="{E6ED0C77-321A-4E5A-944C-DE96288480FA}"/>
+          </ac:grpSpMkLst>
+        </pc:grpChg>
+        <pc:grpChg chg="add mod">
+          <ac:chgData name="Elizabeth Marks" userId="23c45164968f2109" providerId="LiveId" clId="{A2D9BF99-1A77-4E77-BCCB-F05B896ACBD8}" dt="2021-06-03T04:38:20.813" v="5502" actId="14100"/>
+          <ac:grpSpMkLst>
+            <pc:docMk/>
+            <pc:sldMk cId="4250069135" sldId="256"/>
+            <ac:grpSpMk id="33" creationId="{73F40428-5EB4-4199-915F-8322B9FA8431}"/>
           </ac:grpSpMkLst>
         </pc:grpChg>
         <pc:grpChg chg="add del mod">
@@ -1279,16 +1615,16 @@
             <ac:grpSpMk id="67" creationId="{D578973A-6F46-4D17-89C4-9204C787D6D9}"/>
           </ac:grpSpMkLst>
         </pc:grpChg>
-        <pc:grpChg chg="add mod">
-          <ac:chgData name="Elizabeth Marks" userId="23c45164968f2109" providerId="LiveId" clId="{A2D9BF99-1A77-4E77-BCCB-F05B896ACBD8}" dt="2021-06-03T00:39:24.817" v="403" actId="1076"/>
+        <pc:grpChg chg="add del mod topLvl">
+          <ac:chgData name="Elizabeth Marks" userId="23c45164968f2109" providerId="LiveId" clId="{A2D9BF99-1A77-4E77-BCCB-F05B896ACBD8}" dt="2021-06-03T03:44:38.668" v="3947" actId="165"/>
           <ac:grpSpMkLst>
             <pc:docMk/>
             <pc:sldMk cId="4250069135" sldId="256"/>
             <ac:grpSpMk id="76" creationId="{AD32B919-4F17-41C0-B73B-5C80D509199E}"/>
           </ac:grpSpMkLst>
         </pc:grpChg>
-        <pc:grpChg chg="mod">
-          <ac:chgData name="Elizabeth Marks" userId="23c45164968f2109" providerId="LiveId" clId="{A2D9BF99-1A77-4E77-BCCB-F05B896ACBD8}" dt="2021-06-03T00:39:05.457" v="400"/>
+        <pc:grpChg chg="mod topLvl">
+          <ac:chgData name="Elizabeth Marks" userId="23c45164968f2109" providerId="LiveId" clId="{A2D9BF99-1A77-4E77-BCCB-F05B896ACBD8}" dt="2021-06-03T03:44:38.668" v="3947" actId="165"/>
           <ac:grpSpMkLst>
             <pc:docMk/>
             <pc:sldMk cId="4250069135" sldId="256"/>
@@ -1311,32 +1647,32 @@
             <ac:grpSpMk id="94" creationId="{EC478E18-51C7-464B-9BA0-A985BDF8CB82}"/>
           </ac:grpSpMkLst>
         </pc:grpChg>
-        <pc:grpChg chg="add mod">
-          <ac:chgData name="Elizabeth Marks" userId="23c45164968f2109" providerId="LiveId" clId="{A2D9BF99-1A77-4E77-BCCB-F05B896ACBD8}" dt="2021-06-03T01:00:19.980" v="472" actId="1076"/>
+        <pc:grpChg chg="add del mod topLvl">
+          <ac:chgData name="Elizabeth Marks" userId="23c45164968f2109" providerId="LiveId" clId="{A2D9BF99-1A77-4E77-BCCB-F05B896ACBD8}" dt="2021-06-03T03:44:23.835" v="3944" actId="165"/>
           <ac:grpSpMkLst>
             <pc:docMk/>
             <pc:sldMk cId="4250069135" sldId="256"/>
             <ac:grpSpMk id="103" creationId="{A0387F42-F72E-4277-8B8D-E5B7E59BD697}"/>
           </ac:grpSpMkLst>
         </pc:grpChg>
-        <pc:grpChg chg="mod">
-          <ac:chgData name="Elizabeth Marks" userId="23c45164968f2109" providerId="LiveId" clId="{A2D9BF99-1A77-4E77-BCCB-F05B896ACBD8}" dt="2021-06-03T01:00:01.387" v="469"/>
+        <pc:grpChg chg="mod topLvl">
+          <ac:chgData name="Elizabeth Marks" userId="23c45164968f2109" providerId="LiveId" clId="{A2D9BF99-1A77-4E77-BCCB-F05B896ACBD8}" dt="2021-06-03T04:27:19.229" v="5340" actId="164"/>
           <ac:grpSpMkLst>
             <pc:docMk/>
             <pc:sldMk cId="4250069135" sldId="256"/>
             <ac:grpSpMk id="107" creationId="{2CE241F5-C5AE-44CD-849C-A96E5831760A}"/>
           </ac:grpSpMkLst>
         </pc:grpChg>
-        <pc:grpChg chg="add mod">
-          <ac:chgData name="Elizabeth Marks" userId="23c45164968f2109" providerId="LiveId" clId="{A2D9BF99-1A77-4E77-BCCB-F05B896ACBD8}" dt="2021-06-03T01:01:39.507" v="622" actId="14100"/>
+        <pc:grpChg chg="add del mod topLvl">
+          <ac:chgData name="Elizabeth Marks" userId="23c45164968f2109" providerId="LiveId" clId="{A2D9BF99-1A77-4E77-BCCB-F05B896ACBD8}" dt="2021-06-03T03:44:10.457" v="3939" actId="165"/>
           <ac:grpSpMkLst>
             <pc:docMk/>
             <pc:sldMk cId="4250069135" sldId="256"/>
             <ac:grpSpMk id="116" creationId="{79EC7C8A-4229-4695-994E-4023B7A061D1}"/>
           </ac:grpSpMkLst>
         </pc:grpChg>
-        <pc:grpChg chg="mod">
-          <ac:chgData name="Elizabeth Marks" userId="23c45164968f2109" providerId="LiveId" clId="{A2D9BF99-1A77-4E77-BCCB-F05B896ACBD8}" dt="2021-06-03T01:00:36.190" v="473"/>
+        <pc:grpChg chg="mod topLvl">
+          <ac:chgData name="Elizabeth Marks" userId="23c45164968f2109" providerId="LiveId" clId="{A2D9BF99-1A77-4E77-BCCB-F05B896ACBD8}" dt="2021-06-03T04:27:33.109" v="5351" actId="164"/>
           <ac:grpSpMkLst>
             <pc:docMk/>
             <pc:sldMk cId="4250069135" sldId="256"/>
@@ -1392,7 +1728,7 @@
           </ac:grpSpMkLst>
         </pc:grpChg>
         <pc:grpChg chg="add mod">
-          <ac:chgData name="Elizabeth Marks" userId="23c45164968f2109" providerId="LiveId" clId="{A2D9BF99-1A77-4E77-BCCB-F05B896ACBD8}" dt="2021-06-03T01:40:46.366" v="1925" actId="1076"/>
+          <ac:chgData name="Elizabeth Marks" userId="23c45164968f2109" providerId="LiveId" clId="{A2D9BF99-1A77-4E77-BCCB-F05B896ACBD8}" dt="2021-06-03T04:24:02.498" v="5293" actId="1076"/>
           <ac:grpSpMkLst>
             <pc:docMk/>
             <pc:sldMk cId="4250069135" sldId="256"/>
@@ -1400,13 +1736,21 @@
           </ac:grpSpMkLst>
         </pc:grpChg>
         <pc:grpChg chg="add mod">
-          <ac:chgData name="Elizabeth Marks" userId="23c45164968f2109" providerId="LiveId" clId="{A2D9BF99-1A77-4E77-BCCB-F05B896ACBD8}" dt="2021-06-03T01:38:42.505" v="1917" actId="1076"/>
+          <ac:chgData name="Elizabeth Marks" userId="23c45164968f2109" providerId="LiveId" clId="{A2D9BF99-1A77-4E77-BCCB-F05B896ACBD8}" dt="2021-06-03T04:24:08.627" v="5294" actId="1076"/>
           <ac:grpSpMkLst>
             <pc:docMk/>
             <pc:sldMk cId="4250069135" sldId="256"/>
             <ac:grpSpMk id="189" creationId="{7623E564-5B64-4827-926D-5D7C7ED1B026}"/>
           </ac:grpSpMkLst>
         </pc:grpChg>
+        <pc:graphicFrameChg chg="add mod modGraphic">
+          <ac:chgData name="Elizabeth Marks" userId="23c45164968f2109" providerId="LiveId" clId="{A2D9BF99-1A77-4E77-BCCB-F05B896ACBD8}" dt="2021-06-03T04:07:55.266" v="4227" actId="16037"/>
+          <ac:graphicFrameMkLst>
+            <pc:docMk/>
+            <pc:sldMk cId="4250069135" sldId="256"/>
+            <ac:graphicFrameMk id="101" creationId="{970B7652-CBC3-469F-999E-CEF0D8833299}"/>
+          </ac:graphicFrameMkLst>
+        </pc:graphicFrameChg>
         <pc:graphicFrameChg chg="add del mod">
           <ac:chgData name="Elizabeth Marks" userId="23c45164968f2109" providerId="LiveId" clId="{A2D9BF99-1A77-4E77-BCCB-F05B896ACBD8}" dt="2021-06-03T01:23:59.650" v="1449"/>
           <ac:graphicFrameMkLst>
@@ -1455,8 +1799,24 @@
             <ac:graphicFrameMk id="175" creationId="{4864A11F-FA78-4E68-A523-7154171C1248}"/>
           </ac:graphicFrameMkLst>
         </pc:graphicFrameChg>
+        <pc:picChg chg="add mod">
+          <ac:chgData name="Elizabeth Marks" userId="23c45164968f2109" providerId="LiveId" clId="{A2D9BF99-1A77-4E77-BCCB-F05B896ACBD8}" dt="2021-06-03T04:11:53.701" v="4256" actId="1076"/>
+          <ac:picMkLst>
+            <pc:docMk/>
+            <pc:sldMk cId="4250069135" sldId="256"/>
+            <ac:picMk id="138" creationId="{E2343501-F891-44E4-9510-1E7F111BF341}"/>
+          </ac:picMkLst>
+        </pc:picChg>
+        <pc:picChg chg="add mod">
+          <ac:chgData name="Elizabeth Marks" userId="23c45164968f2109" providerId="LiveId" clId="{A2D9BF99-1A77-4E77-BCCB-F05B896ACBD8}" dt="2021-06-03T04:22:05.324" v="5251" actId="14100"/>
+          <ac:picMkLst>
+            <pc:docMk/>
+            <pc:sldMk cId="4250069135" sldId="256"/>
+            <ac:picMk id="139" creationId="{60FC5245-E443-4226-89A9-F679B6DF4213}"/>
+          </ac:picMkLst>
+        </pc:picChg>
         <pc:cxnChg chg="add mod">
-          <ac:chgData name="Elizabeth Marks" userId="23c45164968f2109" providerId="LiveId" clId="{A2D9BF99-1A77-4E77-BCCB-F05B896ACBD8}" dt="2021-06-03T01:23:35.199" v="1447" actId="1076"/>
+          <ac:chgData name="Elizabeth Marks" userId="23c45164968f2109" providerId="LiveId" clId="{A2D9BF99-1A77-4E77-BCCB-F05B896ACBD8}" dt="2021-06-03T04:24:54.792" v="5304" actId="1076"/>
           <ac:cxnSpMkLst>
             <pc:docMk/>
             <pc:sldMk cId="4250069135" sldId="256"/>
@@ -1519,8 +1879,8 @@
             <ac:cxnSpMk id="69" creationId="{749A94C1-41CE-4CB1-8415-229D9558B49D}"/>
           </ac:cxnSpMkLst>
         </pc:cxnChg>
-        <pc:cxnChg chg="mod">
-          <ac:chgData name="Elizabeth Marks" userId="23c45164968f2109" providerId="LiveId" clId="{A2D9BF99-1A77-4E77-BCCB-F05B896ACBD8}" dt="2021-06-03T00:39:05.457" v="400"/>
+        <pc:cxnChg chg="mod topLvl">
+          <ac:chgData name="Elizabeth Marks" userId="23c45164968f2109" providerId="LiveId" clId="{A2D9BF99-1A77-4E77-BCCB-F05B896ACBD8}" dt="2021-06-03T03:44:38.668" v="3947" actId="165"/>
           <ac:cxnSpMkLst>
             <pc:docMk/>
             <pc:sldMk cId="4250069135" sldId="256"/>
@@ -1535,16 +1895,16 @@
             <ac:cxnSpMk id="96" creationId="{C2DC10DD-E310-48CF-BB3A-BAB862E35B24}"/>
           </ac:cxnSpMkLst>
         </pc:cxnChg>
-        <pc:cxnChg chg="mod">
-          <ac:chgData name="Elizabeth Marks" userId="23c45164968f2109" providerId="LiveId" clId="{A2D9BF99-1A77-4E77-BCCB-F05B896ACBD8}" dt="2021-06-03T01:00:01.387" v="469"/>
+        <pc:cxnChg chg="mod topLvl">
+          <ac:chgData name="Elizabeth Marks" userId="23c45164968f2109" providerId="LiveId" clId="{A2D9BF99-1A77-4E77-BCCB-F05B896ACBD8}" dt="2021-06-03T04:27:19.229" v="5340" actId="164"/>
           <ac:cxnSpMkLst>
             <pc:docMk/>
             <pc:sldMk cId="4250069135" sldId="256"/>
             <ac:cxnSpMk id="109" creationId="{8A05DDCB-6344-4018-9FDB-F9B1026C4DDD}"/>
           </ac:cxnSpMkLst>
         </pc:cxnChg>
-        <pc:cxnChg chg="mod">
-          <ac:chgData name="Elizabeth Marks" userId="23c45164968f2109" providerId="LiveId" clId="{A2D9BF99-1A77-4E77-BCCB-F05B896ACBD8}" dt="2021-06-03T01:00:36.190" v="473"/>
+        <pc:cxnChg chg="mod topLvl">
+          <ac:chgData name="Elizabeth Marks" userId="23c45164968f2109" providerId="LiveId" clId="{A2D9BF99-1A77-4E77-BCCB-F05B896ACBD8}" dt="2021-06-03T04:27:33.109" v="5351" actId="164"/>
           <ac:cxnSpMkLst>
             <pc:docMk/>
             <pc:sldMk cId="4250069135" sldId="256"/>
@@ -4011,6 +4371,3061 @@
     </cs:spPr>
   </cs:wall>
 </cs:chartStyle>
+</file>
+
+<file path=ppt/diagrams/colors1.xml><?xml version="1.0" encoding="utf-8"?>
+<dgm:colorsDef xmlns:dgm="http://schemas.openxmlformats.org/drawingml/2006/diagram" xmlns:a="http://schemas.openxmlformats.org/drawingml/2006/main" uniqueId="urn:microsoft.com/office/officeart/2005/8/colors/accent3_3">
+  <dgm:title val=""/>
+  <dgm:desc val=""/>
+  <dgm:catLst>
+    <dgm:cat type="accent3" pri="11300"/>
+  </dgm:catLst>
+  <dgm:styleLbl name="node0">
+    <dgm:fillClrLst meth="repeat">
+      <a:schemeClr val="accent3">
+        <a:shade val="80000"/>
+      </a:schemeClr>
+    </dgm:fillClrLst>
+    <dgm:linClrLst meth="repeat">
+      <a:schemeClr val="lt1"/>
+    </dgm:linClrLst>
+    <dgm:effectClrLst/>
+    <dgm:txLinClrLst/>
+    <dgm:txFillClrLst/>
+    <dgm:txEffectClrLst/>
+  </dgm:styleLbl>
+  <dgm:styleLbl name="node1">
+    <dgm:fillClrLst>
+      <a:schemeClr val="accent3">
+        <a:shade val="80000"/>
+      </a:schemeClr>
+      <a:schemeClr val="accent3">
+        <a:tint val="70000"/>
+      </a:schemeClr>
+    </dgm:fillClrLst>
+    <dgm:linClrLst meth="repeat">
+      <a:schemeClr val="lt1"/>
+    </dgm:linClrLst>
+    <dgm:effectClrLst/>
+    <dgm:txLinClrLst/>
+    <dgm:txFillClrLst/>
+    <dgm:txEffectClrLst/>
+  </dgm:styleLbl>
+  <dgm:styleLbl name="alignNode1">
+    <dgm:fillClrLst>
+      <a:schemeClr val="accent3">
+        <a:shade val="80000"/>
+      </a:schemeClr>
+      <a:schemeClr val="accent3">
+        <a:tint val="70000"/>
+      </a:schemeClr>
+    </dgm:fillClrLst>
+    <dgm:linClrLst>
+      <a:schemeClr val="accent3">
+        <a:shade val="80000"/>
+      </a:schemeClr>
+      <a:schemeClr val="accent3">
+        <a:tint val="70000"/>
+      </a:schemeClr>
+    </dgm:linClrLst>
+    <dgm:effectClrLst/>
+    <dgm:txLinClrLst/>
+    <dgm:txFillClrLst/>
+    <dgm:txEffectClrLst/>
+  </dgm:styleLbl>
+  <dgm:styleLbl name="lnNode1">
+    <dgm:fillClrLst>
+      <a:schemeClr val="accent3">
+        <a:shade val="80000"/>
+      </a:schemeClr>
+      <a:schemeClr val="accent3">
+        <a:tint val="70000"/>
+      </a:schemeClr>
+    </dgm:fillClrLst>
+    <dgm:linClrLst meth="repeat">
+      <a:schemeClr val="lt1"/>
+    </dgm:linClrLst>
+    <dgm:effectClrLst/>
+    <dgm:txLinClrLst/>
+    <dgm:txFillClrLst/>
+    <dgm:txEffectClrLst/>
+  </dgm:styleLbl>
+  <dgm:styleLbl name="vennNode1">
+    <dgm:fillClrLst>
+      <a:schemeClr val="accent3">
+        <a:shade val="80000"/>
+        <a:alpha val="50000"/>
+      </a:schemeClr>
+      <a:schemeClr val="accent3">
+        <a:tint val="70000"/>
+        <a:alpha val="50000"/>
+      </a:schemeClr>
+    </dgm:fillClrLst>
+    <dgm:linClrLst meth="repeat">
+      <a:schemeClr val="lt1"/>
+    </dgm:linClrLst>
+    <dgm:effectClrLst/>
+    <dgm:txLinClrLst/>
+    <dgm:txFillClrLst/>
+    <dgm:txEffectClrLst/>
+  </dgm:styleLbl>
+  <dgm:styleLbl name="node2">
+    <dgm:fillClrLst>
+      <a:schemeClr val="accent3">
+        <a:tint val="99000"/>
+      </a:schemeClr>
+    </dgm:fillClrLst>
+    <dgm:linClrLst meth="repeat">
+      <a:schemeClr val="lt1"/>
+    </dgm:linClrLst>
+    <dgm:effectClrLst/>
+    <dgm:txLinClrLst/>
+    <dgm:txFillClrLst/>
+    <dgm:txEffectClrLst/>
+  </dgm:styleLbl>
+  <dgm:styleLbl name="node3">
+    <dgm:fillClrLst>
+      <a:schemeClr val="accent3">
+        <a:tint val="80000"/>
+      </a:schemeClr>
+    </dgm:fillClrLst>
+    <dgm:linClrLst meth="repeat">
+      <a:schemeClr val="lt1"/>
+    </dgm:linClrLst>
+    <dgm:effectClrLst/>
+    <dgm:txLinClrLst/>
+    <dgm:txFillClrLst/>
+    <dgm:txEffectClrLst/>
+  </dgm:styleLbl>
+  <dgm:styleLbl name="node4">
+    <dgm:fillClrLst>
+      <a:schemeClr val="accent3">
+        <a:tint val="70000"/>
+      </a:schemeClr>
+    </dgm:fillClrLst>
+    <dgm:linClrLst meth="repeat">
+      <a:schemeClr val="lt1"/>
+    </dgm:linClrLst>
+    <dgm:effectClrLst/>
+    <dgm:txLinClrLst/>
+    <dgm:txFillClrLst/>
+    <dgm:txEffectClrLst/>
+  </dgm:styleLbl>
+  <dgm:styleLbl name="fgImgPlace1">
+    <dgm:fillClrLst>
+      <a:schemeClr val="accent3">
+        <a:tint val="50000"/>
+      </a:schemeClr>
+      <a:schemeClr val="accent3">
+        <a:tint val="20000"/>
+      </a:schemeClr>
+    </dgm:fillClrLst>
+    <dgm:linClrLst meth="repeat">
+      <a:schemeClr val="lt1"/>
+    </dgm:linClrLst>
+    <dgm:effectClrLst/>
+    <dgm:txLinClrLst/>
+    <dgm:txFillClrLst meth="repeat">
+      <a:schemeClr val="lt1"/>
+    </dgm:txFillClrLst>
+    <dgm:txEffectClrLst/>
+  </dgm:styleLbl>
+  <dgm:styleLbl name="alignImgPlace1">
+    <dgm:fillClrLst>
+      <a:schemeClr val="accent3">
+        <a:tint val="50000"/>
+      </a:schemeClr>
+      <a:schemeClr val="accent3">
+        <a:tint val="20000"/>
+      </a:schemeClr>
+    </dgm:fillClrLst>
+    <dgm:linClrLst meth="repeat">
+      <a:schemeClr val="lt1"/>
+    </dgm:linClrLst>
+    <dgm:effectClrLst/>
+    <dgm:txLinClrLst/>
+    <dgm:txFillClrLst meth="repeat">
+      <a:schemeClr val="lt1"/>
+    </dgm:txFillClrLst>
+    <dgm:txEffectClrLst/>
+  </dgm:styleLbl>
+  <dgm:styleLbl name="bgImgPlace1">
+    <dgm:fillClrLst>
+      <a:schemeClr val="accent3">
+        <a:tint val="50000"/>
+      </a:schemeClr>
+      <a:schemeClr val="accent3">
+        <a:tint val="20000"/>
+      </a:schemeClr>
+    </dgm:fillClrLst>
+    <dgm:linClrLst meth="repeat">
+      <a:schemeClr val="lt1"/>
+    </dgm:linClrLst>
+    <dgm:effectClrLst/>
+    <dgm:txLinClrLst/>
+    <dgm:txFillClrLst meth="repeat">
+      <a:schemeClr val="lt1"/>
+    </dgm:txFillClrLst>
+    <dgm:txEffectClrLst/>
+  </dgm:styleLbl>
+  <dgm:styleLbl name="sibTrans2D1">
+    <dgm:fillClrLst>
+      <a:schemeClr val="accent3">
+        <a:shade val="90000"/>
+      </a:schemeClr>
+      <a:schemeClr val="accent3">
+        <a:tint val="70000"/>
+      </a:schemeClr>
+    </dgm:fillClrLst>
+    <dgm:linClrLst>
+      <a:schemeClr val="accent3">
+        <a:shade val="90000"/>
+      </a:schemeClr>
+      <a:schemeClr val="accent3">
+        <a:tint val="70000"/>
+      </a:schemeClr>
+    </dgm:linClrLst>
+    <dgm:effectClrLst/>
+    <dgm:txLinClrLst/>
+    <dgm:txFillClrLst/>
+    <dgm:txEffectClrLst/>
+  </dgm:styleLbl>
+  <dgm:styleLbl name="fgSibTrans2D1">
+    <dgm:fillClrLst>
+      <a:schemeClr val="accent3">
+        <a:shade val="90000"/>
+      </a:schemeClr>
+      <a:schemeClr val="accent3">
+        <a:tint val="70000"/>
+      </a:schemeClr>
+    </dgm:fillClrLst>
+    <dgm:linClrLst>
+      <a:schemeClr val="accent3">
+        <a:shade val="90000"/>
+      </a:schemeClr>
+      <a:schemeClr val="accent3">
+        <a:tint val="70000"/>
+      </a:schemeClr>
+    </dgm:linClrLst>
+    <dgm:effectClrLst/>
+    <dgm:txLinClrLst/>
+    <dgm:txFillClrLst meth="repeat">
+      <a:schemeClr val="lt1"/>
+    </dgm:txFillClrLst>
+    <dgm:txEffectClrLst/>
+  </dgm:styleLbl>
+  <dgm:styleLbl name="bgSibTrans2D1">
+    <dgm:fillClrLst>
+      <a:schemeClr val="accent3">
+        <a:shade val="90000"/>
+      </a:schemeClr>
+      <a:schemeClr val="accent3">
+        <a:tint val="70000"/>
+      </a:schemeClr>
+    </dgm:fillClrLst>
+    <dgm:linClrLst>
+      <a:schemeClr val="accent3">
+        <a:shade val="90000"/>
+      </a:schemeClr>
+      <a:schemeClr val="accent3">
+        <a:tint val="70000"/>
+      </a:schemeClr>
+    </dgm:linClrLst>
+    <dgm:effectClrLst/>
+    <dgm:txLinClrLst/>
+    <dgm:txFillClrLst meth="repeat">
+      <a:schemeClr val="lt1"/>
+    </dgm:txFillClrLst>
+    <dgm:txEffectClrLst/>
+  </dgm:styleLbl>
+  <dgm:styleLbl name="sibTrans1D1">
+    <dgm:fillClrLst>
+      <a:schemeClr val="accent3">
+        <a:shade val="90000"/>
+      </a:schemeClr>
+      <a:schemeClr val="accent3">
+        <a:tint val="70000"/>
+      </a:schemeClr>
+    </dgm:fillClrLst>
+    <dgm:linClrLst>
+      <a:schemeClr val="accent3">
+        <a:shade val="90000"/>
+      </a:schemeClr>
+      <a:schemeClr val="accent3">
+        <a:tint val="70000"/>
+      </a:schemeClr>
+    </dgm:linClrLst>
+    <dgm:effectClrLst/>
+    <dgm:txLinClrLst/>
+    <dgm:txFillClrLst meth="repeat">
+      <a:schemeClr val="tx1"/>
+    </dgm:txFillClrLst>
+    <dgm:txEffectClrLst/>
+  </dgm:styleLbl>
+  <dgm:styleLbl name="callout">
+    <dgm:fillClrLst meth="repeat">
+      <a:schemeClr val="accent3"/>
+    </dgm:fillClrLst>
+    <dgm:linClrLst meth="repeat">
+      <a:schemeClr val="accent3"/>
+    </dgm:linClrLst>
+    <dgm:effectClrLst/>
+    <dgm:txLinClrLst/>
+    <dgm:txFillClrLst meth="repeat">
+      <a:schemeClr val="tx1"/>
+    </dgm:txFillClrLst>
+    <dgm:txEffectClrLst/>
+  </dgm:styleLbl>
+  <dgm:styleLbl name="asst0">
+    <dgm:fillClrLst meth="repeat">
+      <a:schemeClr val="accent3">
+        <a:shade val="80000"/>
+      </a:schemeClr>
+    </dgm:fillClrLst>
+    <dgm:linClrLst meth="repeat">
+      <a:schemeClr val="lt1"/>
+    </dgm:linClrLst>
+    <dgm:effectClrLst/>
+    <dgm:txLinClrLst/>
+    <dgm:txFillClrLst/>
+    <dgm:txEffectClrLst/>
+  </dgm:styleLbl>
+  <dgm:styleLbl name="asst1">
+    <dgm:fillClrLst meth="repeat">
+      <a:schemeClr val="accent3">
+        <a:shade val="80000"/>
+      </a:schemeClr>
+    </dgm:fillClrLst>
+    <dgm:linClrLst meth="repeat">
+      <a:schemeClr val="lt1"/>
+    </dgm:linClrLst>
+    <dgm:effectClrLst/>
+    <dgm:txLinClrLst/>
+    <dgm:txFillClrLst/>
+    <dgm:txEffectClrLst/>
+  </dgm:styleLbl>
+  <dgm:styleLbl name="asst2">
+    <dgm:fillClrLst>
+      <a:schemeClr val="accent3">
+        <a:tint val="99000"/>
+      </a:schemeClr>
+    </dgm:fillClrLst>
+    <dgm:linClrLst meth="repeat">
+      <a:schemeClr val="lt1"/>
+    </dgm:linClrLst>
+    <dgm:effectClrLst/>
+    <dgm:txLinClrLst/>
+    <dgm:txFillClrLst/>
+    <dgm:txEffectClrLst/>
+  </dgm:styleLbl>
+  <dgm:styleLbl name="asst3">
+    <dgm:fillClrLst>
+      <a:schemeClr val="accent3">
+        <a:tint val="80000"/>
+      </a:schemeClr>
+    </dgm:fillClrLst>
+    <dgm:linClrLst meth="repeat">
+      <a:schemeClr val="lt1"/>
+    </dgm:linClrLst>
+    <dgm:effectClrLst/>
+    <dgm:txLinClrLst/>
+    <dgm:txFillClrLst/>
+    <dgm:txEffectClrLst/>
+  </dgm:styleLbl>
+  <dgm:styleLbl name="asst4">
+    <dgm:fillClrLst>
+      <a:schemeClr val="accent3">
+        <a:tint val="70000"/>
+      </a:schemeClr>
+    </dgm:fillClrLst>
+    <dgm:linClrLst meth="repeat">
+      <a:schemeClr val="lt1"/>
+    </dgm:linClrLst>
+    <dgm:effectClrLst/>
+    <dgm:txLinClrLst/>
+    <dgm:txFillClrLst/>
+    <dgm:txEffectClrLst/>
+  </dgm:styleLbl>
+  <dgm:styleLbl name="parChTrans2D1">
+    <dgm:fillClrLst meth="repeat">
+      <a:schemeClr val="accent3">
+        <a:tint val="60000"/>
+      </a:schemeClr>
+    </dgm:fillClrLst>
+    <dgm:linClrLst meth="repeat">
+      <a:schemeClr val="accent3">
+        <a:tint val="60000"/>
+      </a:schemeClr>
+    </dgm:linClrLst>
+    <dgm:effectClrLst/>
+    <dgm:txLinClrLst/>
+    <dgm:txFillClrLst meth="repeat">
+      <a:schemeClr val="lt1"/>
+    </dgm:txFillClrLst>
+    <dgm:txEffectClrLst/>
+  </dgm:styleLbl>
+  <dgm:styleLbl name="parChTrans2D2">
+    <dgm:fillClrLst meth="repeat">
+      <a:schemeClr val="accent3">
+        <a:tint val="90000"/>
+      </a:schemeClr>
+    </dgm:fillClrLst>
+    <dgm:linClrLst meth="repeat">
+      <a:schemeClr val="accent3">
+        <a:tint val="90000"/>
+      </a:schemeClr>
+    </dgm:linClrLst>
+    <dgm:effectClrLst/>
+    <dgm:txLinClrLst/>
+    <dgm:txFillClrLst/>
+    <dgm:txEffectClrLst/>
+  </dgm:styleLbl>
+  <dgm:styleLbl name="parChTrans2D3">
+    <dgm:fillClrLst meth="repeat">
+      <a:schemeClr val="accent3">
+        <a:tint val="70000"/>
+      </a:schemeClr>
+    </dgm:fillClrLst>
+    <dgm:linClrLst meth="repeat">
+      <a:schemeClr val="accent3">
+        <a:tint val="70000"/>
+      </a:schemeClr>
+    </dgm:linClrLst>
+    <dgm:effectClrLst/>
+    <dgm:txLinClrLst/>
+    <dgm:txFillClrLst/>
+    <dgm:txEffectClrLst/>
+  </dgm:styleLbl>
+  <dgm:styleLbl name="parChTrans2D4">
+    <dgm:fillClrLst meth="repeat">
+      <a:schemeClr val="accent3">
+        <a:tint val="50000"/>
+      </a:schemeClr>
+    </dgm:fillClrLst>
+    <dgm:linClrLst meth="repeat">
+      <a:schemeClr val="accent3">
+        <a:tint val="50000"/>
+      </a:schemeClr>
+    </dgm:linClrLst>
+    <dgm:effectClrLst/>
+    <dgm:txLinClrLst/>
+    <dgm:txFillClrLst meth="repeat">
+      <a:schemeClr val="lt1"/>
+    </dgm:txFillClrLst>
+    <dgm:txEffectClrLst/>
+  </dgm:styleLbl>
+  <dgm:styleLbl name="parChTrans1D1">
+    <dgm:fillClrLst meth="repeat">
+      <a:schemeClr val="accent3">
+        <a:shade val="80000"/>
+      </a:schemeClr>
+    </dgm:fillClrLst>
+    <dgm:linClrLst meth="repeat">
+      <a:schemeClr val="accent3">
+        <a:shade val="80000"/>
+      </a:schemeClr>
+    </dgm:linClrLst>
+    <dgm:effectClrLst/>
+    <dgm:txLinClrLst/>
+    <dgm:txFillClrLst meth="repeat">
+      <a:schemeClr val="tx1"/>
+    </dgm:txFillClrLst>
+    <dgm:txEffectClrLst/>
+  </dgm:styleLbl>
+  <dgm:styleLbl name="parChTrans1D2">
+    <dgm:fillClrLst meth="repeat">
+      <a:schemeClr val="accent3">
+        <a:tint val="99000"/>
+      </a:schemeClr>
+    </dgm:fillClrLst>
+    <dgm:linClrLst meth="repeat">
+      <a:schemeClr val="accent3">
+        <a:tint val="99000"/>
+      </a:schemeClr>
+    </dgm:linClrLst>
+    <dgm:effectClrLst/>
+    <dgm:txLinClrLst/>
+    <dgm:txFillClrLst meth="repeat">
+      <a:schemeClr val="tx1"/>
+    </dgm:txFillClrLst>
+    <dgm:txEffectClrLst/>
+  </dgm:styleLbl>
+  <dgm:styleLbl name="parChTrans1D3">
+    <dgm:fillClrLst meth="repeat">
+      <a:schemeClr val="accent3">
+        <a:tint val="80000"/>
+      </a:schemeClr>
+    </dgm:fillClrLst>
+    <dgm:linClrLst meth="repeat">
+      <a:schemeClr val="accent3">
+        <a:tint val="80000"/>
+      </a:schemeClr>
+    </dgm:linClrLst>
+    <dgm:effectClrLst/>
+    <dgm:txLinClrLst/>
+    <dgm:txFillClrLst meth="repeat">
+      <a:schemeClr val="tx1"/>
+    </dgm:txFillClrLst>
+    <dgm:txEffectClrLst/>
+  </dgm:styleLbl>
+  <dgm:styleLbl name="parChTrans1D4">
+    <dgm:fillClrLst meth="repeat">
+      <a:schemeClr val="accent3">
+        <a:tint val="70000"/>
+      </a:schemeClr>
+    </dgm:fillClrLst>
+    <dgm:linClrLst meth="repeat">
+      <a:schemeClr val="accent3">
+        <a:tint val="70000"/>
+      </a:schemeClr>
+    </dgm:linClrLst>
+    <dgm:effectClrLst/>
+    <dgm:txLinClrLst/>
+    <dgm:txFillClrLst meth="repeat">
+      <a:schemeClr val="tx1"/>
+    </dgm:txFillClrLst>
+    <dgm:txEffectClrLst/>
+  </dgm:styleLbl>
+  <dgm:styleLbl name="fgAcc1">
+    <dgm:fillClrLst meth="repeat">
+      <a:schemeClr val="lt1">
+        <a:alpha val="90000"/>
+      </a:schemeClr>
+    </dgm:fillClrLst>
+    <dgm:linClrLst>
+      <a:schemeClr val="accent3">
+        <a:shade val="80000"/>
+      </a:schemeClr>
+      <a:schemeClr val="accent3">
+        <a:tint val="70000"/>
+      </a:schemeClr>
+    </dgm:linClrLst>
+    <dgm:effectClrLst/>
+    <dgm:txLinClrLst/>
+    <dgm:txFillClrLst meth="repeat">
+      <a:schemeClr val="dk1"/>
+    </dgm:txFillClrLst>
+    <dgm:txEffectClrLst/>
+  </dgm:styleLbl>
+  <dgm:styleLbl name="conFgAcc1">
+    <dgm:fillClrLst meth="repeat">
+      <a:schemeClr val="lt1">
+        <a:alpha val="90000"/>
+      </a:schemeClr>
+    </dgm:fillClrLst>
+    <dgm:linClrLst>
+      <a:schemeClr val="accent3">
+        <a:shade val="80000"/>
+      </a:schemeClr>
+      <a:schemeClr val="accent3">
+        <a:tint val="70000"/>
+      </a:schemeClr>
+    </dgm:linClrLst>
+    <dgm:effectClrLst/>
+    <dgm:txLinClrLst/>
+    <dgm:txFillClrLst meth="repeat">
+      <a:schemeClr val="dk1"/>
+    </dgm:txFillClrLst>
+    <dgm:txEffectClrLst/>
+  </dgm:styleLbl>
+  <dgm:styleLbl name="alignAcc1">
+    <dgm:fillClrLst meth="repeat">
+      <a:schemeClr val="lt1">
+        <a:alpha val="90000"/>
+      </a:schemeClr>
+    </dgm:fillClrLst>
+    <dgm:linClrLst>
+      <a:schemeClr val="accent3">
+        <a:shade val="80000"/>
+      </a:schemeClr>
+      <a:schemeClr val="accent3">
+        <a:tint val="70000"/>
+      </a:schemeClr>
+    </dgm:linClrLst>
+    <dgm:effectClrLst/>
+    <dgm:txLinClrLst/>
+    <dgm:txFillClrLst meth="repeat">
+      <a:schemeClr val="dk1"/>
+    </dgm:txFillClrLst>
+    <dgm:txEffectClrLst/>
+  </dgm:styleLbl>
+  <dgm:styleLbl name="trAlignAcc1">
+    <dgm:fillClrLst meth="repeat">
+      <a:schemeClr val="lt1">
+        <a:alpha val="40000"/>
+      </a:schemeClr>
+    </dgm:fillClrLst>
+    <dgm:linClrLst meth="repeat">
+      <a:schemeClr val="accent3"/>
+    </dgm:linClrLst>
+    <dgm:effectClrLst/>
+    <dgm:txLinClrLst/>
+    <dgm:txFillClrLst meth="repeat">
+      <a:schemeClr val="dk1"/>
+    </dgm:txFillClrLst>
+    <dgm:txEffectClrLst/>
+  </dgm:styleLbl>
+  <dgm:styleLbl name="bgAcc1">
+    <dgm:fillClrLst meth="repeat">
+      <a:schemeClr val="lt1">
+        <a:alpha val="90000"/>
+      </a:schemeClr>
+    </dgm:fillClrLst>
+    <dgm:linClrLst>
+      <a:schemeClr val="accent3">
+        <a:shade val="80000"/>
+      </a:schemeClr>
+      <a:schemeClr val="accent3">
+        <a:tint val="70000"/>
+      </a:schemeClr>
+    </dgm:linClrLst>
+    <dgm:effectClrLst/>
+    <dgm:txLinClrLst/>
+    <dgm:txFillClrLst meth="repeat">
+      <a:schemeClr val="dk1"/>
+    </dgm:txFillClrLst>
+    <dgm:txEffectClrLst/>
+  </dgm:styleLbl>
+  <dgm:styleLbl name="solidFgAcc1">
+    <dgm:fillClrLst meth="repeat">
+      <a:schemeClr val="lt1"/>
+    </dgm:fillClrLst>
+    <dgm:linClrLst>
+      <a:schemeClr val="accent3">
+        <a:shade val="80000"/>
+      </a:schemeClr>
+      <a:schemeClr val="accent3">
+        <a:tint val="70000"/>
+      </a:schemeClr>
+    </dgm:linClrLst>
+    <dgm:effectClrLst/>
+    <dgm:txLinClrLst/>
+    <dgm:txFillClrLst meth="repeat">
+      <a:schemeClr val="dk1"/>
+    </dgm:txFillClrLst>
+    <dgm:txEffectClrLst/>
+  </dgm:styleLbl>
+  <dgm:styleLbl name="solidAlignAcc1">
+    <dgm:fillClrLst meth="repeat">
+      <a:schemeClr val="lt1"/>
+    </dgm:fillClrLst>
+    <dgm:linClrLst meth="repeat">
+      <a:schemeClr val="accent3"/>
+    </dgm:linClrLst>
+    <dgm:effectClrLst/>
+    <dgm:txLinClrLst/>
+    <dgm:txFillClrLst meth="repeat">
+      <a:schemeClr val="dk1"/>
+    </dgm:txFillClrLst>
+    <dgm:txEffectClrLst/>
+  </dgm:styleLbl>
+  <dgm:styleLbl name="solidBgAcc1">
+    <dgm:fillClrLst meth="repeat">
+      <a:schemeClr val="lt1"/>
+    </dgm:fillClrLst>
+    <dgm:linClrLst meth="repeat">
+      <a:schemeClr val="accent3"/>
+    </dgm:linClrLst>
+    <dgm:effectClrLst/>
+    <dgm:txLinClrLst/>
+    <dgm:txFillClrLst meth="repeat">
+      <a:schemeClr val="dk1"/>
+    </dgm:txFillClrLst>
+    <dgm:txEffectClrLst/>
+  </dgm:styleLbl>
+  <dgm:styleLbl name="fgAccFollowNode1">
+    <dgm:fillClrLst meth="repeat">
+      <a:schemeClr val="accent3">
+        <a:alpha val="90000"/>
+        <a:tint val="40000"/>
+      </a:schemeClr>
+    </dgm:fillClrLst>
+    <dgm:linClrLst meth="repeat">
+      <a:schemeClr val="accent3">
+        <a:alpha val="90000"/>
+        <a:tint val="40000"/>
+      </a:schemeClr>
+    </dgm:linClrLst>
+    <dgm:effectClrLst/>
+    <dgm:txLinClrLst/>
+    <dgm:txFillClrLst meth="repeat">
+      <a:schemeClr val="dk1"/>
+    </dgm:txFillClrLst>
+    <dgm:txEffectClrLst/>
+  </dgm:styleLbl>
+  <dgm:styleLbl name="alignAccFollowNode1">
+    <dgm:fillClrLst meth="repeat">
+      <a:schemeClr val="accent3">
+        <a:alpha val="90000"/>
+        <a:tint val="40000"/>
+      </a:schemeClr>
+    </dgm:fillClrLst>
+    <dgm:linClrLst meth="repeat">
+      <a:schemeClr val="accent3">
+        <a:alpha val="90000"/>
+        <a:tint val="40000"/>
+      </a:schemeClr>
+    </dgm:linClrLst>
+    <dgm:effectClrLst/>
+    <dgm:txLinClrLst/>
+    <dgm:txFillClrLst meth="repeat">
+      <a:schemeClr val="dk1"/>
+    </dgm:txFillClrLst>
+    <dgm:txEffectClrLst/>
+  </dgm:styleLbl>
+  <dgm:styleLbl name="bgAccFollowNode1">
+    <dgm:fillClrLst meth="repeat">
+      <a:schemeClr val="accent3">
+        <a:alpha val="90000"/>
+        <a:tint val="40000"/>
+      </a:schemeClr>
+    </dgm:fillClrLst>
+    <dgm:linClrLst meth="repeat">
+      <a:schemeClr val="lt1"/>
+    </dgm:linClrLst>
+    <dgm:effectClrLst/>
+    <dgm:txLinClrLst/>
+    <dgm:txFillClrLst meth="repeat">
+      <a:schemeClr val="dk1"/>
+    </dgm:txFillClrLst>
+    <dgm:txEffectClrLst/>
+  </dgm:styleLbl>
+  <dgm:styleLbl name="fgAcc0">
+    <dgm:fillClrLst meth="repeat">
+      <a:schemeClr val="lt1">
+        <a:alpha val="90000"/>
+      </a:schemeClr>
+    </dgm:fillClrLst>
+    <dgm:linClrLst meth="repeat">
+      <a:schemeClr val="accent3">
+        <a:shade val="80000"/>
+      </a:schemeClr>
+    </dgm:linClrLst>
+    <dgm:effectClrLst/>
+    <dgm:txLinClrLst/>
+    <dgm:txFillClrLst meth="repeat">
+      <a:schemeClr val="dk1"/>
+    </dgm:txFillClrLst>
+    <dgm:txEffectClrLst/>
+  </dgm:styleLbl>
+  <dgm:styleLbl name="fgAcc2">
+    <dgm:fillClrLst meth="repeat">
+      <a:schemeClr val="lt1">
+        <a:alpha val="90000"/>
+      </a:schemeClr>
+    </dgm:fillClrLst>
+    <dgm:linClrLst meth="repeat">
+      <a:schemeClr val="accent3">
+        <a:tint val="99000"/>
+      </a:schemeClr>
+    </dgm:linClrLst>
+    <dgm:effectClrLst/>
+    <dgm:txLinClrLst/>
+    <dgm:txFillClrLst meth="repeat">
+      <a:schemeClr val="dk1"/>
+    </dgm:txFillClrLst>
+    <dgm:txEffectClrLst/>
+  </dgm:styleLbl>
+  <dgm:styleLbl name="fgAcc3">
+    <dgm:fillClrLst meth="repeat">
+      <a:schemeClr val="lt1">
+        <a:alpha val="90000"/>
+      </a:schemeClr>
+    </dgm:fillClrLst>
+    <dgm:linClrLst meth="repeat">
+      <a:schemeClr val="accent3">
+        <a:tint val="80000"/>
+      </a:schemeClr>
+    </dgm:linClrLst>
+    <dgm:effectClrLst/>
+    <dgm:txLinClrLst/>
+    <dgm:txFillClrLst meth="repeat">
+      <a:schemeClr val="dk1"/>
+    </dgm:txFillClrLst>
+    <dgm:txEffectClrLst/>
+  </dgm:styleLbl>
+  <dgm:styleLbl name="fgAcc4">
+    <dgm:fillClrLst meth="repeat">
+      <a:schemeClr val="lt1">
+        <a:alpha val="90000"/>
+      </a:schemeClr>
+    </dgm:fillClrLst>
+    <dgm:linClrLst meth="repeat">
+      <a:schemeClr val="accent3">
+        <a:tint val="70000"/>
+      </a:schemeClr>
+    </dgm:linClrLst>
+    <dgm:effectClrLst/>
+    <dgm:txLinClrLst/>
+    <dgm:txFillClrLst meth="repeat">
+      <a:schemeClr val="dk1"/>
+    </dgm:txFillClrLst>
+    <dgm:txEffectClrLst/>
+  </dgm:styleLbl>
+  <dgm:styleLbl name="bgShp">
+    <dgm:fillClrLst meth="repeat">
+      <a:schemeClr val="accent3">
+        <a:tint val="40000"/>
+      </a:schemeClr>
+    </dgm:fillClrLst>
+    <dgm:linClrLst meth="repeat">
+      <a:schemeClr val="dk1"/>
+    </dgm:linClrLst>
+    <dgm:effectClrLst/>
+    <dgm:txLinClrLst/>
+    <dgm:txFillClrLst meth="repeat">
+      <a:schemeClr val="dk1"/>
+    </dgm:txFillClrLst>
+    <dgm:txEffectClrLst/>
+  </dgm:styleLbl>
+  <dgm:styleLbl name="dkBgShp">
+    <dgm:fillClrLst meth="repeat">
+      <a:schemeClr val="accent3">
+        <a:shade val="90000"/>
+      </a:schemeClr>
+    </dgm:fillClrLst>
+    <dgm:linClrLst meth="repeat">
+      <a:schemeClr val="dk1"/>
+    </dgm:linClrLst>
+    <dgm:effectClrLst/>
+    <dgm:txLinClrLst/>
+    <dgm:txFillClrLst meth="repeat">
+      <a:schemeClr val="lt1"/>
+    </dgm:txFillClrLst>
+    <dgm:txEffectClrLst/>
+  </dgm:styleLbl>
+  <dgm:styleLbl name="trBgShp">
+    <dgm:fillClrLst meth="repeat">
+      <a:schemeClr val="accent3">
+        <a:tint val="50000"/>
+        <a:alpha val="40000"/>
+      </a:schemeClr>
+    </dgm:fillClrLst>
+    <dgm:linClrLst meth="repeat">
+      <a:schemeClr val="accent3"/>
+    </dgm:linClrLst>
+    <dgm:effectClrLst/>
+    <dgm:txLinClrLst/>
+    <dgm:txFillClrLst meth="repeat">
+      <a:schemeClr val="lt1"/>
+    </dgm:txFillClrLst>
+    <dgm:txEffectClrLst/>
+  </dgm:styleLbl>
+  <dgm:styleLbl name="fgShp">
+    <dgm:fillClrLst meth="repeat">
+      <a:schemeClr val="accent3">
+        <a:tint val="40000"/>
+      </a:schemeClr>
+    </dgm:fillClrLst>
+    <dgm:linClrLst meth="repeat">
+      <a:schemeClr val="lt1"/>
+    </dgm:linClrLst>
+    <dgm:effectClrLst/>
+    <dgm:txLinClrLst/>
+    <dgm:txFillClrLst meth="repeat">
+      <a:schemeClr val="dk1"/>
+    </dgm:txFillClrLst>
+    <dgm:txEffectClrLst/>
+  </dgm:styleLbl>
+  <dgm:styleLbl name="revTx">
+    <dgm:fillClrLst meth="repeat">
+      <a:schemeClr val="lt1">
+        <a:alpha val="0"/>
+      </a:schemeClr>
+    </dgm:fillClrLst>
+    <dgm:linClrLst meth="repeat">
+      <a:schemeClr val="dk1">
+        <a:alpha val="0"/>
+      </a:schemeClr>
+    </dgm:linClrLst>
+    <dgm:effectClrLst/>
+    <dgm:txLinClrLst/>
+    <dgm:txFillClrLst meth="repeat">
+      <a:schemeClr val="tx1"/>
+    </dgm:txFillClrLst>
+    <dgm:txEffectClrLst/>
+  </dgm:styleLbl>
+</dgm:colorsDef>
+</file>
+
+<file path=ppt/diagrams/data1.xml><?xml version="1.0" encoding="utf-8"?>
+<dgm:dataModel xmlns:dgm="http://schemas.openxmlformats.org/drawingml/2006/diagram" xmlns:a="http://schemas.openxmlformats.org/drawingml/2006/main">
+  <dgm:ptLst>
+    <dgm:pt modelId="{9C140FF5-A4C5-4912-B689-DCBBCDAA3DED}" type="doc">
+      <dgm:prSet loTypeId="urn:microsoft.com/office/officeart/2005/8/layout/process1" loCatId="process" qsTypeId="urn:microsoft.com/office/officeart/2005/8/quickstyle/simple1" qsCatId="simple" csTypeId="urn:microsoft.com/office/officeart/2005/8/colors/accent3_3" csCatId="accent3" phldr="1"/>
+      <dgm:spPr/>
+      <dgm:t>
+        <a:bodyPr/>
+        <a:lstStyle/>
+        <a:p>
+          <a:endParaRPr lang="en-CA"/>
+        </a:p>
+      </dgm:t>
+    </dgm:pt>
+    <dgm:pt modelId="{61F7C9CB-4344-45AD-BF38-D95B1D958BB7}">
+      <dgm:prSet phldrT="[Text]" custT="1"/>
+      <dgm:spPr>
+        <a:xfrm>
+          <a:off x="5178" y="135282"/>
+          <a:ext cx="2264184" cy="1485871"/>
+        </a:xfrm>
+        <a:prstGeom prst="roundRect">
+          <a:avLst>
+            <a:gd name="adj" fmla="val 10000"/>
+          </a:avLst>
+        </a:prstGeom>
+      </dgm:spPr>
+      <dgm:t>
+        <a:bodyPr/>
+        <a:lstStyle/>
+        <a:p>
+          <a:pPr>
+            <a:buFont typeface="+mj-lt"/>
+            <a:buNone/>
+          </a:pPr>
+          <a:r>
+            <a:rPr lang="en-US" sz="2200">
+              <a:latin typeface="Avenir Next LT Pro"/>
+              <a:ea typeface="+mn-ea"/>
+              <a:cs typeface="+mn-cs"/>
+            </a:rPr>
+            <a:t>Exposed to system/social order</a:t>
+          </a:r>
+          <a:endParaRPr lang="en-CA" sz="2200" dirty="0">
+            <a:latin typeface="Avenir Next LT Pro"/>
+            <a:ea typeface="+mn-ea"/>
+            <a:cs typeface="+mn-cs"/>
+          </a:endParaRPr>
+        </a:p>
+      </dgm:t>
+    </dgm:pt>
+    <dgm:pt modelId="{C5B434E0-8855-416E-A71B-5E798F74B299}" type="parTrans" cxnId="{5B0282B7-03F4-44A8-A313-FCD8016844A5}">
+      <dgm:prSet/>
+      <dgm:spPr/>
+      <dgm:t>
+        <a:bodyPr/>
+        <a:lstStyle/>
+        <a:p>
+          <a:endParaRPr lang="en-CA"/>
+        </a:p>
+      </dgm:t>
+    </dgm:pt>
+    <dgm:pt modelId="{8088437C-DE6F-4DF5-8F95-C9313DDDB1F3}" type="sibTrans" cxnId="{5B0282B7-03F4-44A8-A313-FCD8016844A5}">
+      <dgm:prSet/>
+      <dgm:spPr>
+        <a:xfrm>
+          <a:off x="2495781" y="597459"/>
+          <a:ext cx="480007" cy="561517"/>
+        </a:xfrm>
+        <a:prstGeom prst="rightArrow">
+          <a:avLst>
+            <a:gd name="adj1" fmla="val 60000"/>
+            <a:gd name="adj2" fmla="val 50000"/>
+          </a:avLst>
+        </a:prstGeom>
+      </dgm:spPr>
+      <dgm:t>
+        <a:bodyPr/>
+        <a:lstStyle/>
+        <a:p>
+          <a:pPr>
+            <a:buNone/>
+          </a:pPr>
+          <a:endParaRPr lang="en-CA">
+            <a:solidFill>
+              <a:sysClr val="window" lastClr="FFFFFF"/>
+            </a:solidFill>
+            <a:latin typeface="Avenir Next LT Pro"/>
+            <a:ea typeface="+mn-ea"/>
+            <a:cs typeface="+mn-cs"/>
+          </a:endParaRPr>
+        </a:p>
+      </dgm:t>
+    </dgm:pt>
+    <dgm:pt modelId="{522C94AC-2EFE-40C5-9579-527CA801DF7D}">
+      <dgm:prSet custT="1"/>
+      <dgm:spPr>
+        <a:xfrm>
+          <a:off x="3175037" y="135282"/>
+          <a:ext cx="2264184" cy="1485871"/>
+        </a:xfrm>
+        <a:prstGeom prst="roundRect">
+          <a:avLst>
+            <a:gd name="adj" fmla="val 10000"/>
+          </a:avLst>
+        </a:prstGeom>
+      </dgm:spPr>
+      <dgm:t>
+        <a:bodyPr/>
+        <a:lstStyle/>
+        <a:p>
+          <a:pPr>
+            <a:buNone/>
+          </a:pPr>
+          <a:r>
+            <a:rPr lang="en-US" sz="2200">
+              <a:latin typeface="Avenir Next LT Pro"/>
+              <a:ea typeface="+mn-ea"/>
+              <a:cs typeface="+mn-cs"/>
+            </a:rPr>
+            <a:t>Use first evidence to form positive perception of it</a:t>
+          </a:r>
+          <a:endParaRPr lang="en-US" sz="2200" dirty="0">
+            <a:latin typeface="Avenir Next LT Pro"/>
+            <a:ea typeface="+mn-ea"/>
+            <a:cs typeface="+mn-cs"/>
+          </a:endParaRPr>
+        </a:p>
+      </dgm:t>
+    </dgm:pt>
+    <dgm:pt modelId="{AD455ED9-995D-4A6A-9997-646AECB8CB9A}" type="parTrans" cxnId="{3F38124B-E20D-4FC9-BEE8-DBE9157535C9}">
+      <dgm:prSet/>
+      <dgm:spPr/>
+      <dgm:t>
+        <a:bodyPr/>
+        <a:lstStyle/>
+        <a:p>
+          <a:endParaRPr lang="en-CA"/>
+        </a:p>
+      </dgm:t>
+    </dgm:pt>
+    <dgm:pt modelId="{49C8403C-3914-4121-9B36-4D7120A3BAEB}" type="sibTrans" cxnId="{3F38124B-E20D-4FC9-BEE8-DBE9157535C9}">
+      <dgm:prSet/>
+      <dgm:spPr>
+        <a:xfrm>
+          <a:off x="5665640" y="597459"/>
+          <a:ext cx="480007" cy="561517"/>
+        </a:xfrm>
+        <a:prstGeom prst="rightArrow">
+          <a:avLst>
+            <a:gd name="adj1" fmla="val 60000"/>
+            <a:gd name="adj2" fmla="val 50000"/>
+          </a:avLst>
+        </a:prstGeom>
+      </dgm:spPr>
+      <dgm:t>
+        <a:bodyPr/>
+        <a:lstStyle/>
+        <a:p>
+          <a:pPr>
+            <a:buNone/>
+          </a:pPr>
+          <a:endParaRPr lang="en-CA">
+            <a:solidFill>
+              <a:sysClr val="window" lastClr="FFFFFF"/>
+            </a:solidFill>
+            <a:latin typeface="Avenir Next LT Pro"/>
+            <a:ea typeface="+mn-ea"/>
+            <a:cs typeface="+mn-cs"/>
+          </a:endParaRPr>
+        </a:p>
+      </dgm:t>
+    </dgm:pt>
+    <dgm:pt modelId="{8358764F-D22A-4B55-9D27-DC9C9D198309}">
+      <dgm:prSet custT="1"/>
+      <dgm:spPr>
+        <a:xfrm>
+          <a:off x="6344895" y="135282"/>
+          <a:ext cx="2264184" cy="1485871"/>
+        </a:xfrm>
+        <a:prstGeom prst="roundRect">
+          <a:avLst>
+            <a:gd name="adj" fmla="val 10000"/>
+          </a:avLst>
+        </a:prstGeom>
+      </dgm:spPr>
+      <dgm:t>
+        <a:bodyPr/>
+        <a:lstStyle/>
+        <a:p>
+          <a:pPr>
+            <a:buNone/>
+          </a:pPr>
+          <a:r>
+            <a:rPr lang="en-US" sz="2200" dirty="0">
+              <a:latin typeface="Avenir Next LT Pro"/>
+              <a:ea typeface="+mn-ea"/>
+              <a:cs typeface="+mn-cs"/>
+            </a:rPr>
+            <a:t>Want to feel good about the system</a:t>
+          </a:r>
+        </a:p>
+      </dgm:t>
+    </dgm:pt>
+    <dgm:pt modelId="{DB098BCE-9C79-449F-97C5-73C729A9B8BD}" type="parTrans" cxnId="{3C64E6B5-0223-4208-A051-ECFEB17C4080}">
+      <dgm:prSet/>
+      <dgm:spPr/>
+      <dgm:t>
+        <a:bodyPr/>
+        <a:lstStyle/>
+        <a:p>
+          <a:endParaRPr lang="en-CA"/>
+        </a:p>
+      </dgm:t>
+    </dgm:pt>
+    <dgm:pt modelId="{FF559EEB-3BC4-46E7-BB5C-F2792D06D8DD}" type="sibTrans" cxnId="{3C64E6B5-0223-4208-A051-ECFEB17C4080}">
+      <dgm:prSet/>
+      <dgm:spPr>
+        <a:xfrm>
+          <a:off x="8835499" y="597459"/>
+          <a:ext cx="480007" cy="561517"/>
+        </a:xfrm>
+        <a:prstGeom prst="rightArrow">
+          <a:avLst>
+            <a:gd name="adj1" fmla="val 60000"/>
+            <a:gd name="adj2" fmla="val 50000"/>
+          </a:avLst>
+        </a:prstGeom>
+      </dgm:spPr>
+      <dgm:t>
+        <a:bodyPr/>
+        <a:lstStyle/>
+        <a:p>
+          <a:pPr>
+            <a:buNone/>
+          </a:pPr>
+          <a:endParaRPr lang="en-CA">
+            <a:solidFill>
+              <a:sysClr val="window" lastClr="FFFFFF"/>
+            </a:solidFill>
+            <a:latin typeface="Avenir Next LT Pro"/>
+            <a:ea typeface="+mn-ea"/>
+            <a:cs typeface="+mn-cs"/>
+          </a:endParaRPr>
+        </a:p>
+      </dgm:t>
+    </dgm:pt>
+    <dgm:pt modelId="{A3CFF97E-547F-47CA-885D-1F911F93B89F}">
+      <dgm:prSet custT="1"/>
+      <dgm:spPr>
+        <a:xfrm>
+          <a:off x="9514754" y="135282"/>
+          <a:ext cx="2264184" cy="1485871"/>
+        </a:xfrm>
+        <a:prstGeom prst="roundRect">
+          <a:avLst>
+            <a:gd name="adj" fmla="val 10000"/>
+          </a:avLst>
+        </a:prstGeom>
+      </dgm:spPr>
+      <dgm:t>
+        <a:bodyPr/>
+        <a:lstStyle/>
+        <a:p>
+          <a:pPr>
+            <a:buNone/>
+          </a:pPr>
+          <a:r>
+            <a:rPr lang="en-US" sz="2200" dirty="0">
+              <a:latin typeface="Avenir Next LT Pro"/>
+              <a:ea typeface="+mn-ea"/>
+              <a:cs typeface="+mn-cs"/>
+            </a:rPr>
+            <a:t>Defend system in face of threats against positive perception</a:t>
+          </a:r>
+        </a:p>
+      </dgm:t>
+    </dgm:pt>
+    <dgm:pt modelId="{D09CCD1C-772D-44E8-A52C-71DDF29838EE}" type="parTrans" cxnId="{261A5E55-5FA5-4B0E-B942-E17F4F8C7525}">
+      <dgm:prSet/>
+      <dgm:spPr/>
+      <dgm:t>
+        <a:bodyPr/>
+        <a:lstStyle/>
+        <a:p>
+          <a:endParaRPr lang="en-CA"/>
+        </a:p>
+      </dgm:t>
+    </dgm:pt>
+    <dgm:pt modelId="{B09CFD94-948E-4AF9-8278-0A5992A355BE}" type="sibTrans" cxnId="{261A5E55-5FA5-4B0E-B942-E17F4F8C7525}">
+      <dgm:prSet/>
+      <dgm:spPr/>
+      <dgm:t>
+        <a:bodyPr/>
+        <a:lstStyle/>
+        <a:p>
+          <a:endParaRPr lang="en-CA"/>
+        </a:p>
+      </dgm:t>
+    </dgm:pt>
+    <dgm:pt modelId="{3DB2A4D0-B41D-436A-9795-80316F84C133}" type="pres">
+      <dgm:prSet presAssocID="{9C140FF5-A4C5-4912-B689-DCBBCDAA3DED}" presName="Name0" presStyleCnt="0">
+        <dgm:presLayoutVars>
+          <dgm:dir/>
+          <dgm:resizeHandles val="exact"/>
+        </dgm:presLayoutVars>
+      </dgm:prSet>
+      <dgm:spPr/>
+    </dgm:pt>
+    <dgm:pt modelId="{7748B508-942E-4308-94E4-7275D8293E32}" type="pres">
+      <dgm:prSet presAssocID="{61F7C9CB-4344-45AD-BF38-D95B1D958BB7}" presName="node" presStyleLbl="node1" presStyleIdx="0" presStyleCnt="4" custScaleY="146478">
+        <dgm:presLayoutVars>
+          <dgm:bulletEnabled val="1"/>
+        </dgm:presLayoutVars>
+      </dgm:prSet>
+      <dgm:spPr/>
+    </dgm:pt>
+    <dgm:pt modelId="{D91A5F67-1577-478C-B665-D710997C170B}" type="pres">
+      <dgm:prSet presAssocID="{8088437C-DE6F-4DF5-8F95-C9313DDDB1F3}" presName="sibTrans" presStyleLbl="sibTrans2D1" presStyleIdx="0" presStyleCnt="3"/>
+      <dgm:spPr/>
+    </dgm:pt>
+    <dgm:pt modelId="{E711EF29-2195-4475-9197-211EE9D5594A}" type="pres">
+      <dgm:prSet presAssocID="{8088437C-DE6F-4DF5-8F95-C9313DDDB1F3}" presName="connectorText" presStyleLbl="sibTrans2D1" presStyleIdx="0" presStyleCnt="3"/>
+      <dgm:spPr/>
+    </dgm:pt>
+    <dgm:pt modelId="{C180D86E-70F7-4230-BE6E-176D277316B0}" type="pres">
+      <dgm:prSet presAssocID="{522C94AC-2EFE-40C5-9579-527CA801DF7D}" presName="node" presStyleLbl="node1" presStyleIdx="1" presStyleCnt="4" custScaleY="146477">
+        <dgm:presLayoutVars>
+          <dgm:bulletEnabled val="1"/>
+        </dgm:presLayoutVars>
+      </dgm:prSet>
+      <dgm:spPr/>
+    </dgm:pt>
+    <dgm:pt modelId="{6182D49F-FB6A-4F32-8D6B-EE25CA0C6C1E}" type="pres">
+      <dgm:prSet presAssocID="{49C8403C-3914-4121-9B36-4D7120A3BAEB}" presName="sibTrans" presStyleLbl="sibTrans2D1" presStyleIdx="1" presStyleCnt="3"/>
+      <dgm:spPr/>
+    </dgm:pt>
+    <dgm:pt modelId="{EDCCAC8E-666D-42A0-B0C7-C35155940C6C}" type="pres">
+      <dgm:prSet presAssocID="{49C8403C-3914-4121-9B36-4D7120A3BAEB}" presName="connectorText" presStyleLbl="sibTrans2D1" presStyleIdx="1" presStyleCnt="3"/>
+      <dgm:spPr/>
+    </dgm:pt>
+    <dgm:pt modelId="{A6E9C014-F636-48B0-A812-F3E4B44F9219}" type="pres">
+      <dgm:prSet presAssocID="{8358764F-D22A-4B55-9D27-DC9C9D198309}" presName="node" presStyleLbl="node1" presStyleIdx="2" presStyleCnt="4" custScaleY="146639">
+        <dgm:presLayoutVars>
+          <dgm:bulletEnabled val="1"/>
+        </dgm:presLayoutVars>
+      </dgm:prSet>
+      <dgm:spPr/>
+    </dgm:pt>
+    <dgm:pt modelId="{F1B06382-7F0C-4440-A872-DDCA931B10B5}" type="pres">
+      <dgm:prSet presAssocID="{FF559EEB-3BC4-46E7-BB5C-F2792D06D8DD}" presName="sibTrans" presStyleLbl="sibTrans2D1" presStyleIdx="2" presStyleCnt="3"/>
+      <dgm:spPr/>
+    </dgm:pt>
+    <dgm:pt modelId="{08A4C6D8-5E84-4C0A-832A-E0D243F935E1}" type="pres">
+      <dgm:prSet presAssocID="{FF559EEB-3BC4-46E7-BB5C-F2792D06D8DD}" presName="connectorText" presStyleLbl="sibTrans2D1" presStyleIdx="2" presStyleCnt="3"/>
+      <dgm:spPr/>
+    </dgm:pt>
+    <dgm:pt modelId="{497B1029-E871-4615-BE2F-21EB769E6C32}" type="pres">
+      <dgm:prSet presAssocID="{A3CFF97E-547F-47CA-885D-1F911F93B89F}" presName="node" presStyleLbl="node1" presStyleIdx="3" presStyleCnt="4" custScaleY="143891">
+        <dgm:presLayoutVars>
+          <dgm:bulletEnabled val="1"/>
+        </dgm:presLayoutVars>
+      </dgm:prSet>
+      <dgm:spPr/>
+    </dgm:pt>
+  </dgm:ptLst>
+  <dgm:cxnLst>
+    <dgm:cxn modelId="{674DA007-1DDF-4C89-9D25-B6C54C1C2A22}" type="presOf" srcId="{8358764F-D22A-4B55-9D27-DC9C9D198309}" destId="{A6E9C014-F636-48B0-A812-F3E4B44F9219}" srcOrd="0" destOrd="0" presId="urn:microsoft.com/office/officeart/2005/8/layout/process1"/>
+    <dgm:cxn modelId="{AEF8C311-1CE3-4816-9941-E75CC396F1D7}" type="presOf" srcId="{A3CFF97E-547F-47CA-885D-1F911F93B89F}" destId="{497B1029-E871-4615-BE2F-21EB769E6C32}" srcOrd="0" destOrd="0" presId="urn:microsoft.com/office/officeart/2005/8/layout/process1"/>
+    <dgm:cxn modelId="{6D1BB12C-F466-4710-8098-5C993A48B26E}" type="presOf" srcId="{8088437C-DE6F-4DF5-8F95-C9313DDDB1F3}" destId="{D91A5F67-1577-478C-B665-D710997C170B}" srcOrd="0" destOrd="0" presId="urn:microsoft.com/office/officeart/2005/8/layout/process1"/>
+    <dgm:cxn modelId="{DBF94B2D-CD03-41CE-B6EF-4E9C3F7881D5}" type="presOf" srcId="{8088437C-DE6F-4DF5-8F95-C9313DDDB1F3}" destId="{E711EF29-2195-4475-9197-211EE9D5594A}" srcOrd="1" destOrd="0" presId="urn:microsoft.com/office/officeart/2005/8/layout/process1"/>
+    <dgm:cxn modelId="{3F38124B-E20D-4FC9-BEE8-DBE9157535C9}" srcId="{9C140FF5-A4C5-4912-B689-DCBBCDAA3DED}" destId="{522C94AC-2EFE-40C5-9579-527CA801DF7D}" srcOrd="1" destOrd="0" parTransId="{AD455ED9-995D-4A6A-9997-646AECB8CB9A}" sibTransId="{49C8403C-3914-4121-9B36-4D7120A3BAEB}"/>
+    <dgm:cxn modelId="{2787774B-53CD-4DFA-BCF9-D885AC57817A}" type="presOf" srcId="{49C8403C-3914-4121-9B36-4D7120A3BAEB}" destId="{6182D49F-FB6A-4F32-8D6B-EE25CA0C6C1E}" srcOrd="0" destOrd="0" presId="urn:microsoft.com/office/officeart/2005/8/layout/process1"/>
+    <dgm:cxn modelId="{261A5E55-5FA5-4B0E-B942-E17F4F8C7525}" srcId="{9C140FF5-A4C5-4912-B689-DCBBCDAA3DED}" destId="{A3CFF97E-547F-47CA-885D-1F911F93B89F}" srcOrd="3" destOrd="0" parTransId="{D09CCD1C-772D-44E8-A52C-71DDF29838EE}" sibTransId="{B09CFD94-948E-4AF9-8278-0A5992A355BE}"/>
+    <dgm:cxn modelId="{181F1A5A-C723-41D5-8823-8E2392496743}" type="presOf" srcId="{9C140FF5-A4C5-4912-B689-DCBBCDAA3DED}" destId="{3DB2A4D0-B41D-436A-9795-80316F84C133}" srcOrd="0" destOrd="0" presId="urn:microsoft.com/office/officeart/2005/8/layout/process1"/>
+    <dgm:cxn modelId="{04E9BD88-E1BD-44EC-8B3F-9DFA023484D8}" type="presOf" srcId="{FF559EEB-3BC4-46E7-BB5C-F2792D06D8DD}" destId="{F1B06382-7F0C-4440-A872-DDCA931B10B5}" srcOrd="0" destOrd="0" presId="urn:microsoft.com/office/officeart/2005/8/layout/process1"/>
+    <dgm:cxn modelId="{9A25A993-B4BE-4248-854C-BF33F1F9BB5A}" type="presOf" srcId="{522C94AC-2EFE-40C5-9579-527CA801DF7D}" destId="{C180D86E-70F7-4230-BE6E-176D277316B0}" srcOrd="0" destOrd="0" presId="urn:microsoft.com/office/officeart/2005/8/layout/process1"/>
+    <dgm:cxn modelId="{CD07ECAE-8D49-41D3-9898-3A01C5CE86A3}" type="presOf" srcId="{FF559EEB-3BC4-46E7-BB5C-F2792D06D8DD}" destId="{08A4C6D8-5E84-4C0A-832A-E0D243F935E1}" srcOrd="1" destOrd="0" presId="urn:microsoft.com/office/officeart/2005/8/layout/process1"/>
+    <dgm:cxn modelId="{3C64E6B5-0223-4208-A051-ECFEB17C4080}" srcId="{9C140FF5-A4C5-4912-B689-DCBBCDAA3DED}" destId="{8358764F-D22A-4B55-9D27-DC9C9D198309}" srcOrd="2" destOrd="0" parTransId="{DB098BCE-9C79-449F-97C5-73C729A9B8BD}" sibTransId="{FF559EEB-3BC4-46E7-BB5C-F2792D06D8DD}"/>
+    <dgm:cxn modelId="{5B0282B7-03F4-44A8-A313-FCD8016844A5}" srcId="{9C140FF5-A4C5-4912-B689-DCBBCDAA3DED}" destId="{61F7C9CB-4344-45AD-BF38-D95B1D958BB7}" srcOrd="0" destOrd="0" parTransId="{C5B434E0-8855-416E-A71B-5E798F74B299}" sibTransId="{8088437C-DE6F-4DF5-8F95-C9313DDDB1F3}"/>
+    <dgm:cxn modelId="{ECBEDAF0-68F5-40A6-900A-E902FA38DB6D}" type="presOf" srcId="{49C8403C-3914-4121-9B36-4D7120A3BAEB}" destId="{EDCCAC8E-666D-42A0-B0C7-C35155940C6C}" srcOrd="1" destOrd="0" presId="urn:microsoft.com/office/officeart/2005/8/layout/process1"/>
+    <dgm:cxn modelId="{BC6A69F3-EA5D-4F38-A838-5BFA9EA59C6B}" type="presOf" srcId="{61F7C9CB-4344-45AD-BF38-D95B1D958BB7}" destId="{7748B508-942E-4308-94E4-7275D8293E32}" srcOrd="0" destOrd="0" presId="urn:microsoft.com/office/officeart/2005/8/layout/process1"/>
+    <dgm:cxn modelId="{F9A9E363-C12E-417D-81A4-2DF3F30C6705}" type="presParOf" srcId="{3DB2A4D0-B41D-436A-9795-80316F84C133}" destId="{7748B508-942E-4308-94E4-7275D8293E32}" srcOrd="0" destOrd="0" presId="urn:microsoft.com/office/officeart/2005/8/layout/process1"/>
+    <dgm:cxn modelId="{D8A452E4-54F4-498F-BA2E-AD5847EFC681}" type="presParOf" srcId="{3DB2A4D0-B41D-436A-9795-80316F84C133}" destId="{D91A5F67-1577-478C-B665-D710997C170B}" srcOrd="1" destOrd="0" presId="urn:microsoft.com/office/officeart/2005/8/layout/process1"/>
+    <dgm:cxn modelId="{6AB84CD9-751E-4898-9554-E73E3E8964C4}" type="presParOf" srcId="{D91A5F67-1577-478C-B665-D710997C170B}" destId="{E711EF29-2195-4475-9197-211EE9D5594A}" srcOrd="0" destOrd="0" presId="urn:microsoft.com/office/officeart/2005/8/layout/process1"/>
+    <dgm:cxn modelId="{2EFDF9BB-29CD-4880-BB4A-D5E54CABDAE0}" type="presParOf" srcId="{3DB2A4D0-B41D-436A-9795-80316F84C133}" destId="{C180D86E-70F7-4230-BE6E-176D277316B0}" srcOrd="2" destOrd="0" presId="urn:microsoft.com/office/officeart/2005/8/layout/process1"/>
+    <dgm:cxn modelId="{33729938-BD79-40BE-908E-A6DB531F96A5}" type="presParOf" srcId="{3DB2A4D0-B41D-436A-9795-80316F84C133}" destId="{6182D49F-FB6A-4F32-8D6B-EE25CA0C6C1E}" srcOrd="3" destOrd="0" presId="urn:microsoft.com/office/officeart/2005/8/layout/process1"/>
+    <dgm:cxn modelId="{4A48B1E2-73D3-4A58-ADD4-B0F9AABC23BB}" type="presParOf" srcId="{6182D49F-FB6A-4F32-8D6B-EE25CA0C6C1E}" destId="{EDCCAC8E-666D-42A0-B0C7-C35155940C6C}" srcOrd="0" destOrd="0" presId="urn:microsoft.com/office/officeart/2005/8/layout/process1"/>
+    <dgm:cxn modelId="{3E96D153-27EB-4EC0-8B5C-35B88C0B108D}" type="presParOf" srcId="{3DB2A4D0-B41D-436A-9795-80316F84C133}" destId="{A6E9C014-F636-48B0-A812-F3E4B44F9219}" srcOrd="4" destOrd="0" presId="urn:microsoft.com/office/officeart/2005/8/layout/process1"/>
+    <dgm:cxn modelId="{33893578-EB3A-491C-BEBD-95F7E2D59A5E}" type="presParOf" srcId="{3DB2A4D0-B41D-436A-9795-80316F84C133}" destId="{F1B06382-7F0C-4440-A872-DDCA931B10B5}" srcOrd="5" destOrd="0" presId="urn:microsoft.com/office/officeart/2005/8/layout/process1"/>
+    <dgm:cxn modelId="{CF44814A-5076-4CA1-8ADF-EFF3190222DF}" type="presParOf" srcId="{F1B06382-7F0C-4440-A872-DDCA931B10B5}" destId="{08A4C6D8-5E84-4C0A-832A-E0D243F935E1}" srcOrd="0" destOrd="0" presId="urn:microsoft.com/office/officeart/2005/8/layout/process1"/>
+    <dgm:cxn modelId="{D51DF488-5155-4153-BCD6-D698F5F9303F}" type="presParOf" srcId="{3DB2A4D0-B41D-436A-9795-80316F84C133}" destId="{497B1029-E871-4615-BE2F-21EB769E6C32}" srcOrd="6" destOrd="0" presId="urn:microsoft.com/office/officeart/2005/8/layout/process1"/>
+  </dgm:cxnLst>
+  <dgm:bg/>
+  <dgm:whole/>
+  <dgm:extLst>
+    <a:ext uri="http://schemas.microsoft.com/office/drawing/2008/diagram">
+      <dsp:dataModelExt xmlns:dsp="http://schemas.microsoft.com/office/drawing/2008/diagram" relId="rId9" minVer="http://schemas.openxmlformats.org/drawingml/2006/diagram"/>
+    </a:ext>
+    <a:ext uri="{C62137D5-CB1D-491B-B009-E17868A290BF}">
+      <dgm14:recolorImg xmlns:dgm14="http://schemas.microsoft.com/office/drawing/2010/diagram" val="1"/>
+    </a:ext>
+  </dgm:extLst>
+</dgm:dataModel>
+</file>
+
+<file path=ppt/diagrams/drawing1.xml><?xml version="1.0" encoding="utf-8"?>
+<dsp:drawing xmlns:dgm="http://schemas.openxmlformats.org/drawingml/2006/diagram" xmlns:dsp="http://schemas.microsoft.com/office/drawing/2008/diagram" xmlns:a="http://schemas.openxmlformats.org/drawingml/2006/main">
+  <dsp:spTree>
+    <dsp:nvGrpSpPr>
+      <dsp:cNvPr id="0" name=""/>
+      <dsp:cNvGrpSpPr/>
+    </dsp:nvGrpSpPr>
+    <dsp:grpSpPr/>
+    <dsp:sp modelId="{7748B508-942E-4308-94E4-7275D8293E32}">
+      <dsp:nvSpPr>
+        <dsp:cNvPr id="0" name=""/>
+        <dsp:cNvSpPr/>
+      </dsp:nvSpPr>
+      <dsp:spPr>
+        <a:xfrm>
+          <a:off x="10666" y="-6"/>
+          <a:ext cx="2207969" cy="1944561"/>
+        </a:xfrm>
+        <a:prstGeom prst="roundRect">
+          <a:avLst>
+            <a:gd name="adj" fmla="val 10000"/>
+          </a:avLst>
+        </a:prstGeom>
+        <a:solidFill>
+          <a:schemeClr val="accent3">
+            <a:shade val="80000"/>
+            <a:hueOff val="0"/>
+            <a:satOff val="0"/>
+            <a:lumOff val="0"/>
+            <a:alphaOff val="0"/>
+          </a:schemeClr>
+        </a:solidFill>
+        <a:ln w="12700" cap="flat" cmpd="sng" algn="ctr">
+          <a:solidFill>
+            <a:schemeClr val="lt1">
+              <a:hueOff val="0"/>
+              <a:satOff val="0"/>
+              <a:lumOff val="0"/>
+              <a:alphaOff val="0"/>
+            </a:schemeClr>
+          </a:solidFill>
+          <a:prstDash val="solid"/>
+          <a:miter lim="800000"/>
+        </a:ln>
+        <a:effectLst/>
+      </dsp:spPr>
+      <dsp:style>
+        <a:lnRef idx="2">
+          <a:scrgbClr r="0" g="0" b="0"/>
+        </a:lnRef>
+        <a:fillRef idx="1">
+          <a:scrgbClr r="0" g="0" b="0"/>
+        </a:fillRef>
+        <a:effectRef idx="0">
+          <a:scrgbClr r="0" g="0" b="0"/>
+        </a:effectRef>
+        <a:fontRef idx="minor">
+          <a:schemeClr val="lt1"/>
+        </a:fontRef>
+      </dsp:style>
+      <dsp:txBody>
+        <a:bodyPr spcFirstLastPara="0" vert="horz" wrap="square" lIns="83820" tIns="83820" rIns="83820" bIns="83820" numCol="1" spcCol="1270" anchor="ctr" anchorCtr="0">
+          <a:noAutofit/>
+        </a:bodyPr>
+        <a:lstStyle/>
+        <a:p>
+          <a:pPr marL="0" lvl="0" indent="0" algn="ctr" defTabSz="977900">
+            <a:lnSpc>
+              <a:spcPct val="90000"/>
+            </a:lnSpc>
+            <a:spcBef>
+              <a:spcPct val="0"/>
+            </a:spcBef>
+            <a:spcAft>
+              <a:spcPct val="35000"/>
+            </a:spcAft>
+            <a:buFont typeface="+mj-lt"/>
+            <a:buNone/>
+          </a:pPr>
+          <a:r>
+            <a:rPr lang="en-US" sz="2200" kern="1200">
+              <a:latin typeface="Avenir Next LT Pro"/>
+              <a:ea typeface="+mn-ea"/>
+              <a:cs typeface="+mn-cs"/>
+            </a:rPr>
+            <a:t>Exposed to system/social order</a:t>
+          </a:r>
+          <a:endParaRPr lang="en-CA" sz="2200" kern="1200" dirty="0">
+            <a:latin typeface="Avenir Next LT Pro"/>
+            <a:ea typeface="+mn-ea"/>
+            <a:cs typeface="+mn-cs"/>
+          </a:endParaRPr>
+        </a:p>
+      </dsp:txBody>
+      <dsp:txXfrm>
+        <a:off x="67620" y="56948"/>
+        <a:ext cx="2094061" cy="1830653"/>
+      </dsp:txXfrm>
+    </dsp:sp>
+    <dsp:sp modelId="{D91A5F67-1577-478C-B665-D710997C170B}">
+      <dsp:nvSpPr>
+        <dsp:cNvPr id="0" name=""/>
+        <dsp:cNvSpPr/>
+      </dsp:nvSpPr>
+      <dsp:spPr>
+        <a:xfrm>
+          <a:off x="2439433" y="698485"/>
+          <a:ext cx="468089" cy="547576"/>
+        </a:xfrm>
+        <a:prstGeom prst="rightArrow">
+          <a:avLst>
+            <a:gd name="adj1" fmla="val 60000"/>
+            <a:gd name="adj2" fmla="val 50000"/>
+          </a:avLst>
+        </a:prstGeom>
+        <a:solidFill>
+          <a:schemeClr val="accent3">
+            <a:shade val="90000"/>
+            <a:hueOff val="0"/>
+            <a:satOff val="0"/>
+            <a:lumOff val="0"/>
+            <a:alphaOff val="0"/>
+          </a:schemeClr>
+        </a:solidFill>
+        <a:ln>
+          <a:noFill/>
+        </a:ln>
+        <a:effectLst/>
+      </dsp:spPr>
+      <dsp:style>
+        <a:lnRef idx="0">
+          <a:scrgbClr r="0" g="0" b="0"/>
+        </a:lnRef>
+        <a:fillRef idx="1">
+          <a:scrgbClr r="0" g="0" b="0"/>
+        </a:fillRef>
+        <a:effectRef idx="0">
+          <a:scrgbClr r="0" g="0" b="0"/>
+        </a:effectRef>
+        <a:fontRef idx="minor">
+          <a:schemeClr val="lt1"/>
+        </a:fontRef>
+      </dsp:style>
+      <dsp:txBody>
+        <a:bodyPr spcFirstLastPara="0" vert="horz" wrap="square" lIns="0" tIns="0" rIns="0" bIns="0" numCol="1" spcCol="1270" anchor="ctr" anchorCtr="0">
+          <a:noAutofit/>
+        </a:bodyPr>
+        <a:lstStyle/>
+        <a:p>
+          <a:pPr marL="0" lvl="0" indent="0" algn="ctr" defTabSz="1022350">
+            <a:lnSpc>
+              <a:spcPct val="90000"/>
+            </a:lnSpc>
+            <a:spcBef>
+              <a:spcPct val="0"/>
+            </a:spcBef>
+            <a:spcAft>
+              <a:spcPct val="35000"/>
+            </a:spcAft>
+            <a:buNone/>
+          </a:pPr>
+          <a:endParaRPr lang="en-CA" sz="2300" kern="1200">
+            <a:solidFill>
+              <a:sysClr val="window" lastClr="FFFFFF"/>
+            </a:solidFill>
+            <a:latin typeface="Avenir Next LT Pro"/>
+            <a:ea typeface="+mn-ea"/>
+            <a:cs typeface="+mn-cs"/>
+          </a:endParaRPr>
+        </a:p>
+      </dsp:txBody>
+      <dsp:txXfrm>
+        <a:off x="2439433" y="808000"/>
+        <a:ext cx="327662" cy="328546"/>
+      </dsp:txXfrm>
+    </dsp:sp>
+    <dsp:sp modelId="{C180D86E-70F7-4230-BE6E-176D277316B0}">
+      <dsp:nvSpPr>
+        <dsp:cNvPr id="0" name=""/>
+        <dsp:cNvSpPr/>
+      </dsp:nvSpPr>
+      <dsp:spPr>
+        <a:xfrm>
+          <a:off x="3101823" y="0"/>
+          <a:ext cx="2207969" cy="1944548"/>
+        </a:xfrm>
+        <a:prstGeom prst="roundRect">
+          <a:avLst>
+            <a:gd name="adj" fmla="val 10000"/>
+          </a:avLst>
+        </a:prstGeom>
+        <a:solidFill>
+          <a:schemeClr val="accent3">
+            <a:shade val="80000"/>
+            <a:hueOff val="-27725"/>
+            <a:satOff val="6136"/>
+            <a:lumOff val="5569"/>
+            <a:alphaOff val="0"/>
+          </a:schemeClr>
+        </a:solidFill>
+        <a:ln w="12700" cap="flat" cmpd="sng" algn="ctr">
+          <a:solidFill>
+            <a:schemeClr val="lt1">
+              <a:hueOff val="0"/>
+              <a:satOff val="0"/>
+              <a:lumOff val="0"/>
+              <a:alphaOff val="0"/>
+            </a:schemeClr>
+          </a:solidFill>
+          <a:prstDash val="solid"/>
+          <a:miter lim="800000"/>
+        </a:ln>
+        <a:effectLst/>
+      </dsp:spPr>
+      <dsp:style>
+        <a:lnRef idx="2">
+          <a:scrgbClr r="0" g="0" b="0"/>
+        </a:lnRef>
+        <a:fillRef idx="1">
+          <a:scrgbClr r="0" g="0" b="0"/>
+        </a:fillRef>
+        <a:effectRef idx="0">
+          <a:scrgbClr r="0" g="0" b="0"/>
+        </a:effectRef>
+        <a:fontRef idx="minor">
+          <a:schemeClr val="lt1"/>
+        </a:fontRef>
+      </dsp:style>
+      <dsp:txBody>
+        <a:bodyPr spcFirstLastPara="0" vert="horz" wrap="square" lIns="83820" tIns="83820" rIns="83820" bIns="83820" numCol="1" spcCol="1270" anchor="ctr" anchorCtr="0">
+          <a:noAutofit/>
+        </a:bodyPr>
+        <a:lstStyle/>
+        <a:p>
+          <a:pPr marL="0" lvl="0" indent="0" algn="ctr" defTabSz="977900">
+            <a:lnSpc>
+              <a:spcPct val="90000"/>
+            </a:lnSpc>
+            <a:spcBef>
+              <a:spcPct val="0"/>
+            </a:spcBef>
+            <a:spcAft>
+              <a:spcPct val="35000"/>
+            </a:spcAft>
+            <a:buNone/>
+          </a:pPr>
+          <a:r>
+            <a:rPr lang="en-US" sz="2200" kern="1200">
+              <a:latin typeface="Avenir Next LT Pro"/>
+              <a:ea typeface="+mn-ea"/>
+              <a:cs typeface="+mn-cs"/>
+            </a:rPr>
+            <a:t>Use first evidence to form positive perception of it</a:t>
+          </a:r>
+          <a:endParaRPr lang="en-US" sz="2200" kern="1200" dirty="0">
+            <a:latin typeface="Avenir Next LT Pro"/>
+            <a:ea typeface="+mn-ea"/>
+            <a:cs typeface="+mn-cs"/>
+          </a:endParaRPr>
+        </a:p>
+      </dsp:txBody>
+      <dsp:txXfrm>
+        <a:off x="3158777" y="56954"/>
+        <a:ext cx="2094061" cy="1830640"/>
+      </dsp:txXfrm>
+    </dsp:sp>
+    <dsp:sp modelId="{6182D49F-FB6A-4F32-8D6B-EE25CA0C6C1E}">
+      <dsp:nvSpPr>
+        <dsp:cNvPr id="0" name=""/>
+        <dsp:cNvSpPr/>
+      </dsp:nvSpPr>
+      <dsp:spPr>
+        <a:xfrm>
+          <a:off x="5530590" y="698485"/>
+          <a:ext cx="468089" cy="547576"/>
+        </a:xfrm>
+        <a:prstGeom prst="rightArrow">
+          <a:avLst>
+            <a:gd name="adj1" fmla="val 60000"/>
+            <a:gd name="adj2" fmla="val 50000"/>
+          </a:avLst>
+        </a:prstGeom>
+        <a:solidFill>
+          <a:schemeClr val="accent3">
+            <a:shade val="90000"/>
+            <a:hueOff val="-41581"/>
+            <a:satOff val="4377"/>
+            <a:lumOff val="6520"/>
+            <a:alphaOff val="0"/>
+          </a:schemeClr>
+        </a:solidFill>
+        <a:ln>
+          <a:noFill/>
+        </a:ln>
+        <a:effectLst/>
+      </dsp:spPr>
+      <dsp:style>
+        <a:lnRef idx="0">
+          <a:scrgbClr r="0" g="0" b="0"/>
+        </a:lnRef>
+        <a:fillRef idx="1">
+          <a:scrgbClr r="0" g="0" b="0"/>
+        </a:fillRef>
+        <a:effectRef idx="0">
+          <a:scrgbClr r="0" g="0" b="0"/>
+        </a:effectRef>
+        <a:fontRef idx="minor">
+          <a:schemeClr val="lt1"/>
+        </a:fontRef>
+      </dsp:style>
+      <dsp:txBody>
+        <a:bodyPr spcFirstLastPara="0" vert="horz" wrap="square" lIns="0" tIns="0" rIns="0" bIns="0" numCol="1" spcCol="1270" anchor="ctr" anchorCtr="0">
+          <a:noAutofit/>
+        </a:bodyPr>
+        <a:lstStyle/>
+        <a:p>
+          <a:pPr marL="0" lvl="0" indent="0" algn="ctr" defTabSz="1022350">
+            <a:lnSpc>
+              <a:spcPct val="90000"/>
+            </a:lnSpc>
+            <a:spcBef>
+              <a:spcPct val="0"/>
+            </a:spcBef>
+            <a:spcAft>
+              <a:spcPct val="35000"/>
+            </a:spcAft>
+            <a:buNone/>
+          </a:pPr>
+          <a:endParaRPr lang="en-CA" sz="2300" kern="1200">
+            <a:solidFill>
+              <a:sysClr val="window" lastClr="FFFFFF"/>
+            </a:solidFill>
+            <a:latin typeface="Avenir Next LT Pro"/>
+            <a:ea typeface="+mn-ea"/>
+            <a:cs typeface="+mn-cs"/>
+          </a:endParaRPr>
+        </a:p>
+      </dsp:txBody>
+      <dsp:txXfrm>
+        <a:off x="5530590" y="808000"/>
+        <a:ext cx="327662" cy="328546"/>
+      </dsp:txXfrm>
+    </dsp:sp>
+    <dsp:sp modelId="{A6E9C014-F636-48B0-A812-F3E4B44F9219}">
+      <dsp:nvSpPr>
+        <dsp:cNvPr id="0" name=""/>
+        <dsp:cNvSpPr/>
+      </dsp:nvSpPr>
+      <dsp:spPr>
+        <a:xfrm>
+          <a:off x="6192981" y="-1075"/>
+          <a:ext cx="2207969" cy="1946698"/>
+        </a:xfrm>
+        <a:prstGeom prst="roundRect">
+          <a:avLst>
+            <a:gd name="adj" fmla="val 10000"/>
+          </a:avLst>
+        </a:prstGeom>
+        <a:solidFill>
+          <a:schemeClr val="accent3">
+            <a:shade val="80000"/>
+            <a:hueOff val="-55449"/>
+            <a:satOff val="12272"/>
+            <a:lumOff val="11139"/>
+            <a:alphaOff val="0"/>
+          </a:schemeClr>
+        </a:solidFill>
+        <a:ln w="12700" cap="flat" cmpd="sng" algn="ctr">
+          <a:solidFill>
+            <a:schemeClr val="lt1">
+              <a:hueOff val="0"/>
+              <a:satOff val="0"/>
+              <a:lumOff val="0"/>
+              <a:alphaOff val="0"/>
+            </a:schemeClr>
+          </a:solidFill>
+          <a:prstDash val="solid"/>
+          <a:miter lim="800000"/>
+        </a:ln>
+        <a:effectLst/>
+      </dsp:spPr>
+      <dsp:style>
+        <a:lnRef idx="2">
+          <a:scrgbClr r="0" g="0" b="0"/>
+        </a:lnRef>
+        <a:fillRef idx="1">
+          <a:scrgbClr r="0" g="0" b="0"/>
+        </a:fillRef>
+        <a:effectRef idx="0">
+          <a:scrgbClr r="0" g="0" b="0"/>
+        </a:effectRef>
+        <a:fontRef idx="minor">
+          <a:schemeClr val="lt1"/>
+        </a:fontRef>
+      </dsp:style>
+      <dsp:txBody>
+        <a:bodyPr spcFirstLastPara="0" vert="horz" wrap="square" lIns="83820" tIns="83820" rIns="83820" bIns="83820" numCol="1" spcCol="1270" anchor="ctr" anchorCtr="0">
+          <a:noAutofit/>
+        </a:bodyPr>
+        <a:lstStyle/>
+        <a:p>
+          <a:pPr marL="0" lvl="0" indent="0" algn="ctr" defTabSz="977900">
+            <a:lnSpc>
+              <a:spcPct val="90000"/>
+            </a:lnSpc>
+            <a:spcBef>
+              <a:spcPct val="0"/>
+            </a:spcBef>
+            <a:spcAft>
+              <a:spcPct val="35000"/>
+            </a:spcAft>
+            <a:buNone/>
+          </a:pPr>
+          <a:r>
+            <a:rPr lang="en-US" sz="2200" kern="1200" dirty="0">
+              <a:latin typeface="Avenir Next LT Pro"/>
+              <a:ea typeface="+mn-ea"/>
+              <a:cs typeface="+mn-cs"/>
+            </a:rPr>
+            <a:t>Want to feel good about the system</a:t>
+          </a:r>
+        </a:p>
+      </dsp:txBody>
+      <dsp:txXfrm>
+        <a:off x="6249998" y="55942"/>
+        <a:ext cx="2093935" cy="1832664"/>
+      </dsp:txXfrm>
+    </dsp:sp>
+    <dsp:sp modelId="{F1B06382-7F0C-4440-A872-DDCA931B10B5}">
+      <dsp:nvSpPr>
+        <dsp:cNvPr id="0" name=""/>
+        <dsp:cNvSpPr/>
+      </dsp:nvSpPr>
+      <dsp:spPr>
+        <a:xfrm>
+          <a:off x="8621747" y="698485"/>
+          <a:ext cx="468089" cy="547576"/>
+        </a:xfrm>
+        <a:prstGeom prst="rightArrow">
+          <a:avLst>
+            <a:gd name="adj1" fmla="val 60000"/>
+            <a:gd name="adj2" fmla="val 50000"/>
+          </a:avLst>
+        </a:prstGeom>
+        <a:solidFill>
+          <a:schemeClr val="accent3">
+            <a:shade val="90000"/>
+            <a:hueOff val="-83163"/>
+            <a:satOff val="8754"/>
+            <a:lumOff val="13041"/>
+            <a:alphaOff val="0"/>
+          </a:schemeClr>
+        </a:solidFill>
+        <a:ln>
+          <a:noFill/>
+        </a:ln>
+        <a:effectLst/>
+      </dsp:spPr>
+      <dsp:style>
+        <a:lnRef idx="0">
+          <a:scrgbClr r="0" g="0" b="0"/>
+        </a:lnRef>
+        <a:fillRef idx="1">
+          <a:scrgbClr r="0" g="0" b="0"/>
+        </a:fillRef>
+        <a:effectRef idx="0">
+          <a:scrgbClr r="0" g="0" b="0"/>
+        </a:effectRef>
+        <a:fontRef idx="minor">
+          <a:schemeClr val="lt1"/>
+        </a:fontRef>
+      </dsp:style>
+      <dsp:txBody>
+        <a:bodyPr spcFirstLastPara="0" vert="horz" wrap="square" lIns="0" tIns="0" rIns="0" bIns="0" numCol="1" spcCol="1270" anchor="ctr" anchorCtr="0">
+          <a:noAutofit/>
+        </a:bodyPr>
+        <a:lstStyle/>
+        <a:p>
+          <a:pPr marL="0" lvl="0" indent="0" algn="ctr" defTabSz="1022350">
+            <a:lnSpc>
+              <a:spcPct val="90000"/>
+            </a:lnSpc>
+            <a:spcBef>
+              <a:spcPct val="0"/>
+            </a:spcBef>
+            <a:spcAft>
+              <a:spcPct val="35000"/>
+            </a:spcAft>
+            <a:buNone/>
+          </a:pPr>
+          <a:endParaRPr lang="en-CA" sz="2300" kern="1200">
+            <a:solidFill>
+              <a:sysClr val="window" lastClr="FFFFFF"/>
+            </a:solidFill>
+            <a:latin typeface="Avenir Next LT Pro"/>
+            <a:ea typeface="+mn-ea"/>
+            <a:cs typeface="+mn-cs"/>
+          </a:endParaRPr>
+        </a:p>
+      </dsp:txBody>
+      <dsp:txXfrm>
+        <a:off x="8621747" y="808000"/>
+        <a:ext cx="327662" cy="328546"/>
+      </dsp:txXfrm>
+    </dsp:sp>
+    <dsp:sp modelId="{497B1029-E871-4615-BE2F-21EB769E6C32}">
+      <dsp:nvSpPr>
+        <dsp:cNvPr id="0" name=""/>
+        <dsp:cNvSpPr/>
+      </dsp:nvSpPr>
+      <dsp:spPr>
+        <a:xfrm>
+          <a:off x="9284138" y="17165"/>
+          <a:ext cx="2207969" cy="1910217"/>
+        </a:xfrm>
+        <a:prstGeom prst="roundRect">
+          <a:avLst>
+            <a:gd name="adj" fmla="val 10000"/>
+          </a:avLst>
+        </a:prstGeom>
+        <a:solidFill>
+          <a:schemeClr val="accent3">
+            <a:shade val="80000"/>
+            <a:hueOff val="-83174"/>
+            <a:satOff val="18408"/>
+            <a:lumOff val="16708"/>
+            <a:alphaOff val="0"/>
+          </a:schemeClr>
+        </a:solidFill>
+        <a:ln w="12700" cap="flat" cmpd="sng" algn="ctr">
+          <a:solidFill>
+            <a:schemeClr val="lt1">
+              <a:hueOff val="0"/>
+              <a:satOff val="0"/>
+              <a:lumOff val="0"/>
+              <a:alphaOff val="0"/>
+            </a:schemeClr>
+          </a:solidFill>
+          <a:prstDash val="solid"/>
+          <a:miter lim="800000"/>
+        </a:ln>
+        <a:effectLst/>
+      </dsp:spPr>
+      <dsp:style>
+        <a:lnRef idx="2">
+          <a:scrgbClr r="0" g="0" b="0"/>
+        </a:lnRef>
+        <a:fillRef idx="1">
+          <a:scrgbClr r="0" g="0" b="0"/>
+        </a:fillRef>
+        <a:effectRef idx="0">
+          <a:scrgbClr r="0" g="0" b="0"/>
+        </a:effectRef>
+        <a:fontRef idx="minor">
+          <a:schemeClr val="lt1"/>
+        </a:fontRef>
+      </dsp:style>
+      <dsp:txBody>
+        <a:bodyPr spcFirstLastPara="0" vert="horz" wrap="square" lIns="83820" tIns="83820" rIns="83820" bIns="83820" numCol="1" spcCol="1270" anchor="ctr" anchorCtr="0">
+          <a:noAutofit/>
+        </a:bodyPr>
+        <a:lstStyle/>
+        <a:p>
+          <a:pPr marL="0" lvl="0" indent="0" algn="ctr" defTabSz="977900">
+            <a:lnSpc>
+              <a:spcPct val="90000"/>
+            </a:lnSpc>
+            <a:spcBef>
+              <a:spcPct val="0"/>
+            </a:spcBef>
+            <a:spcAft>
+              <a:spcPct val="35000"/>
+            </a:spcAft>
+            <a:buNone/>
+          </a:pPr>
+          <a:r>
+            <a:rPr lang="en-US" sz="2200" kern="1200" dirty="0">
+              <a:latin typeface="Avenir Next LT Pro"/>
+              <a:ea typeface="+mn-ea"/>
+              <a:cs typeface="+mn-cs"/>
+            </a:rPr>
+            <a:t>Defend system in face of threats against positive perception</a:t>
+          </a:r>
+        </a:p>
+      </dsp:txBody>
+      <dsp:txXfrm>
+        <a:off x="9340086" y="73113"/>
+        <a:ext cx="2096073" cy="1798321"/>
+      </dsp:txXfrm>
+    </dsp:sp>
+  </dsp:spTree>
+</dsp:drawing>
+</file>
+
+<file path=ppt/diagrams/layout1.xml><?xml version="1.0" encoding="utf-8"?>
+<dgm:layoutDef xmlns:dgm="http://schemas.openxmlformats.org/drawingml/2006/diagram" xmlns:a="http://schemas.openxmlformats.org/drawingml/2006/main" uniqueId="urn:microsoft.com/office/officeart/2005/8/layout/process1">
+  <dgm:title val=""/>
+  <dgm:desc val=""/>
+  <dgm:catLst>
+    <dgm:cat type="process" pri="1000"/>
+    <dgm:cat type="convert" pri="15000"/>
+  </dgm:catLst>
+  <dgm:sampData useDef="1">
+    <dgm:dataModel>
+      <dgm:ptLst/>
+      <dgm:bg/>
+      <dgm:whole/>
+    </dgm:dataModel>
+  </dgm:sampData>
+  <dgm:styleData>
+    <dgm:dataModel>
+      <dgm:ptLst>
+        <dgm:pt modelId="0" type="doc"/>
+        <dgm:pt modelId="1"/>
+        <dgm:pt modelId="2"/>
+      </dgm:ptLst>
+      <dgm:cxnLst>
+        <dgm:cxn modelId="3" srcId="0" destId="1" srcOrd="0" destOrd="0"/>
+        <dgm:cxn modelId="4" srcId="0" destId="2" srcOrd="1" destOrd="0"/>
+      </dgm:cxnLst>
+      <dgm:bg/>
+      <dgm:whole/>
+    </dgm:dataModel>
+  </dgm:styleData>
+  <dgm:clrData>
+    <dgm:dataModel>
+      <dgm:ptLst>
+        <dgm:pt modelId="0" type="doc"/>
+        <dgm:pt modelId="1"/>
+        <dgm:pt modelId="2"/>
+        <dgm:pt modelId="3"/>
+        <dgm:pt modelId="4"/>
+      </dgm:ptLst>
+      <dgm:cxnLst>
+        <dgm:cxn modelId="5" srcId="0" destId="1" srcOrd="0" destOrd="0"/>
+        <dgm:cxn modelId="6" srcId="0" destId="2" srcOrd="1" destOrd="0"/>
+        <dgm:cxn modelId="7" srcId="0" destId="3" srcOrd="2" destOrd="0"/>
+        <dgm:cxn modelId="8" srcId="0" destId="4" srcOrd="3" destOrd="0"/>
+      </dgm:cxnLst>
+      <dgm:bg/>
+      <dgm:whole/>
+    </dgm:dataModel>
+  </dgm:clrData>
+  <dgm:layoutNode name="Name0">
+    <dgm:varLst>
+      <dgm:dir/>
+      <dgm:resizeHandles val="exact"/>
+    </dgm:varLst>
+    <dgm:choose name="Name1">
+      <dgm:if name="Name2" func="var" arg="dir" op="equ" val="norm">
+        <dgm:alg type="lin"/>
+      </dgm:if>
+      <dgm:else name="Name3">
+        <dgm:alg type="lin">
+          <dgm:param type="linDir" val="fromR"/>
+        </dgm:alg>
+      </dgm:else>
+    </dgm:choose>
+    <dgm:shape xmlns:r="http://schemas.openxmlformats.org/officeDocument/2006/relationships" r:blip="">
+      <dgm:adjLst/>
+    </dgm:shape>
+    <dgm:presOf/>
+    <dgm:constrLst>
+      <dgm:constr type="w" for="ch" ptType="node" refType="w"/>
+      <dgm:constr type="h" for="ch" ptType="node" op="equ"/>
+      <dgm:constr type="primFontSz" for="ch" ptType="node" op="equ" val="65"/>
+      <dgm:constr type="w" for="ch" ptType="sibTrans" refType="w" refFor="ch" refPtType="node" op="equ" fact="0.4"/>
+      <dgm:constr type="h" for="ch" ptType="sibTrans" op="equ"/>
+      <dgm:constr type="primFontSz" for="des" forName="connectorText" op="equ" val="55"/>
+      <dgm:constr type="primFontSz" for="des" forName="connectorText" refType="primFontSz" refFor="ch" refPtType="node" op="lte" fact="0.8"/>
+    </dgm:constrLst>
+    <dgm:ruleLst/>
+    <dgm:forEach name="nodesForEach" axis="ch" ptType="node">
+      <dgm:layoutNode name="node">
+        <dgm:varLst>
+          <dgm:bulletEnabled val="1"/>
+        </dgm:varLst>
+        <dgm:alg type="tx"/>
+        <dgm:shape xmlns:r="http://schemas.openxmlformats.org/officeDocument/2006/relationships" type="roundRect" r:blip="">
+          <dgm:adjLst>
+            <dgm:adj idx="1" val="0.1"/>
+          </dgm:adjLst>
+        </dgm:shape>
+        <dgm:presOf axis="desOrSelf" ptType="node"/>
+        <dgm:constrLst>
+          <dgm:constr type="h" refType="w" fact="0.6"/>
+          <dgm:constr type="tMarg" refType="primFontSz" fact="0.3"/>
+          <dgm:constr type="bMarg" refType="primFontSz" fact="0.3"/>
+          <dgm:constr type="lMarg" refType="primFontSz" fact="0.3"/>
+          <dgm:constr type="rMarg" refType="primFontSz" fact="0.3"/>
+        </dgm:constrLst>
+        <dgm:ruleLst>
+          <dgm:rule type="primFontSz" val="18" fact="NaN" max="NaN"/>
+          <dgm:rule type="h" val="NaN" fact="1.5" max="NaN"/>
+          <dgm:rule type="primFontSz" val="5" fact="NaN" max="NaN"/>
+          <dgm:rule type="h" val="INF" fact="NaN" max="NaN"/>
+        </dgm:ruleLst>
+      </dgm:layoutNode>
+      <dgm:forEach name="sibTransForEach" axis="followSib" ptType="sibTrans" cnt="1">
+        <dgm:layoutNode name="sibTrans">
+          <dgm:alg type="conn">
+            <dgm:param type="begPts" val="auto"/>
+            <dgm:param type="endPts" val="auto"/>
+          </dgm:alg>
+          <dgm:shape xmlns:r="http://schemas.openxmlformats.org/officeDocument/2006/relationships" type="conn" r:blip="">
+            <dgm:adjLst/>
+          </dgm:shape>
+          <dgm:presOf axis="self"/>
+          <dgm:constrLst>
+            <dgm:constr type="h" refType="w" fact="0.62"/>
+            <dgm:constr type="connDist"/>
+            <dgm:constr type="begPad" refType="connDist" fact="0.25"/>
+            <dgm:constr type="endPad" refType="connDist" fact="0.22"/>
+          </dgm:constrLst>
+          <dgm:ruleLst/>
+          <dgm:layoutNode name="connectorText">
+            <dgm:alg type="tx">
+              <dgm:param type="autoTxRot" val="grav"/>
+            </dgm:alg>
+            <dgm:shape xmlns:r="http://schemas.openxmlformats.org/officeDocument/2006/relationships" type="conn" r:blip="" hideGeom="1">
+              <dgm:adjLst/>
+            </dgm:shape>
+            <dgm:presOf axis="self"/>
+            <dgm:constrLst>
+              <dgm:constr type="lMarg"/>
+              <dgm:constr type="rMarg"/>
+              <dgm:constr type="tMarg"/>
+              <dgm:constr type="bMarg"/>
+            </dgm:constrLst>
+            <dgm:ruleLst>
+              <dgm:rule type="primFontSz" val="5" fact="NaN" max="NaN"/>
+            </dgm:ruleLst>
+          </dgm:layoutNode>
+        </dgm:layoutNode>
+      </dgm:forEach>
+    </dgm:forEach>
+  </dgm:layoutNode>
+</dgm:layoutDef>
+</file>
+
+<file path=ppt/diagrams/quickStyle1.xml><?xml version="1.0" encoding="utf-8"?>
+<dgm:styleDef xmlns:dgm="http://schemas.openxmlformats.org/drawingml/2006/diagram" xmlns:a="http://schemas.openxmlformats.org/drawingml/2006/main" uniqueId="urn:microsoft.com/office/officeart/2005/8/quickstyle/simple1">
+  <dgm:title val=""/>
+  <dgm:desc val=""/>
+  <dgm:catLst>
+    <dgm:cat type="simple" pri="10100"/>
+  </dgm:catLst>
+  <dgm:scene3d>
+    <a:camera prst="orthographicFront"/>
+    <a:lightRig rig="threePt" dir="t"/>
+  </dgm:scene3d>
+  <dgm:styleLbl name="node0">
+    <dgm:scene3d>
+      <a:camera prst="orthographicFront"/>
+      <a:lightRig rig="threePt" dir="t"/>
+    </dgm:scene3d>
+    <dgm:sp3d/>
+    <dgm:txPr/>
+    <dgm:style>
+      <a:lnRef idx="2">
+        <a:scrgbClr r="0" g="0" b="0"/>
+      </a:lnRef>
+      <a:fillRef idx="1">
+        <a:scrgbClr r="0" g="0" b="0"/>
+      </a:fillRef>
+      <a:effectRef idx="0">
+        <a:scrgbClr r="0" g="0" b="0"/>
+      </a:effectRef>
+      <a:fontRef idx="minor">
+        <a:schemeClr val="lt1"/>
+      </a:fontRef>
+    </dgm:style>
+  </dgm:styleLbl>
+  <dgm:styleLbl name="lnNode1">
+    <dgm:scene3d>
+      <a:camera prst="orthographicFront"/>
+      <a:lightRig rig="threePt" dir="t"/>
+    </dgm:scene3d>
+    <dgm:sp3d/>
+    <dgm:txPr/>
+    <dgm:style>
+      <a:lnRef idx="2">
+        <a:scrgbClr r="0" g="0" b="0"/>
+      </a:lnRef>
+      <a:fillRef idx="1">
+        <a:scrgbClr r="0" g="0" b="0"/>
+      </a:fillRef>
+      <a:effectRef idx="0">
+        <a:scrgbClr r="0" g="0" b="0"/>
+      </a:effectRef>
+      <a:fontRef idx="minor">
+        <a:schemeClr val="lt1"/>
+      </a:fontRef>
+    </dgm:style>
+  </dgm:styleLbl>
+  <dgm:styleLbl name="vennNode1">
+    <dgm:scene3d>
+      <a:camera prst="orthographicFront"/>
+      <a:lightRig rig="threePt" dir="t"/>
+    </dgm:scene3d>
+    <dgm:sp3d/>
+    <dgm:txPr/>
+    <dgm:style>
+      <a:lnRef idx="2">
+        <a:scrgbClr r="0" g="0" b="0"/>
+      </a:lnRef>
+      <a:fillRef idx="1">
+        <a:scrgbClr r="0" g="0" b="0"/>
+      </a:fillRef>
+      <a:effectRef idx="0">
+        <a:scrgbClr r="0" g="0" b="0"/>
+      </a:effectRef>
+      <a:fontRef idx="minor">
+        <a:schemeClr val="tx1"/>
+      </a:fontRef>
+    </dgm:style>
+  </dgm:styleLbl>
+  <dgm:styleLbl name="alignNode1">
+    <dgm:scene3d>
+      <a:camera prst="orthographicFront"/>
+      <a:lightRig rig="threePt" dir="t"/>
+    </dgm:scene3d>
+    <dgm:sp3d/>
+    <dgm:txPr/>
+    <dgm:style>
+      <a:lnRef idx="2">
+        <a:scrgbClr r="0" g="0" b="0"/>
+      </a:lnRef>
+      <a:fillRef idx="1">
+        <a:scrgbClr r="0" g="0" b="0"/>
+      </a:fillRef>
+      <a:effectRef idx="0">
+        <a:scrgbClr r="0" g="0" b="0"/>
+      </a:effectRef>
+      <a:fontRef idx="minor">
+        <a:schemeClr val="lt1"/>
+      </a:fontRef>
+    </dgm:style>
+  </dgm:styleLbl>
+  <dgm:styleLbl name="node1">
+    <dgm:scene3d>
+      <a:camera prst="orthographicFront"/>
+      <a:lightRig rig="threePt" dir="t"/>
+    </dgm:scene3d>
+    <dgm:sp3d/>
+    <dgm:txPr/>
+    <dgm:style>
+      <a:lnRef idx="2">
+        <a:scrgbClr r="0" g="0" b="0"/>
+      </a:lnRef>
+      <a:fillRef idx="1">
+        <a:scrgbClr r="0" g="0" b="0"/>
+      </a:fillRef>
+      <a:effectRef idx="0">
+        <a:scrgbClr r="0" g="0" b="0"/>
+      </a:effectRef>
+      <a:fontRef idx="minor">
+        <a:schemeClr val="lt1"/>
+      </a:fontRef>
+    </dgm:style>
+  </dgm:styleLbl>
+  <dgm:styleLbl name="node2">
+    <dgm:scene3d>
+      <a:camera prst="orthographicFront"/>
+      <a:lightRig rig="threePt" dir="t"/>
+    </dgm:scene3d>
+    <dgm:sp3d/>
+    <dgm:txPr/>
+    <dgm:style>
+      <a:lnRef idx="2">
+        <a:scrgbClr r="0" g="0" b="0"/>
+      </a:lnRef>
+      <a:fillRef idx="1">
+        <a:scrgbClr r="0" g="0" b="0"/>
+      </a:fillRef>
+      <a:effectRef idx="0">
+        <a:scrgbClr r="0" g="0" b="0"/>
+      </a:effectRef>
+      <a:fontRef idx="minor">
+        <a:schemeClr val="lt1"/>
+      </a:fontRef>
+    </dgm:style>
+  </dgm:styleLbl>
+  <dgm:styleLbl name="node3">
+    <dgm:scene3d>
+      <a:camera prst="orthographicFront"/>
+      <a:lightRig rig="threePt" dir="t"/>
+    </dgm:scene3d>
+    <dgm:sp3d/>
+    <dgm:txPr/>
+    <dgm:style>
+      <a:lnRef idx="2">
+        <a:scrgbClr r="0" g="0" b="0"/>
+      </a:lnRef>
+      <a:fillRef idx="1">
+        <a:scrgbClr r="0" g="0" b="0"/>
+      </a:fillRef>
+      <a:effectRef idx="0">
+        <a:scrgbClr r="0" g="0" b="0"/>
+      </a:effectRef>
+      <a:fontRef idx="minor">
+        <a:schemeClr val="lt1"/>
+      </a:fontRef>
+    </dgm:style>
+  </dgm:styleLbl>
+  <dgm:styleLbl name="node4">
+    <dgm:scene3d>
+      <a:camera prst="orthographicFront"/>
+      <a:lightRig rig="threePt" dir="t"/>
+    </dgm:scene3d>
+    <dgm:sp3d/>
+    <dgm:txPr/>
+    <dgm:style>
+      <a:lnRef idx="2">
+        <a:scrgbClr r="0" g="0" b="0"/>
+      </a:lnRef>
+      <a:fillRef idx="1">
+        <a:scrgbClr r="0" g="0" b="0"/>
+      </a:fillRef>
+      <a:effectRef idx="0">
+        <a:scrgbClr r="0" g="0" b="0"/>
+      </a:effectRef>
+      <a:fontRef idx="minor">
+        <a:schemeClr val="lt1"/>
+      </a:fontRef>
+    </dgm:style>
+  </dgm:styleLbl>
+  <dgm:styleLbl name="fgImgPlace1">
+    <dgm:scene3d>
+      <a:camera prst="orthographicFront"/>
+      <a:lightRig rig="threePt" dir="t"/>
+    </dgm:scene3d>
+    <dgm:sp3d/>
+    <dgm:txPr/>
+    <dgm:style>
+      <a:lnRef idx="2">
+        <a:scrgbClr r="0" g="0" b="0"/>
+      </a:lnRef>
+      <a:fillRef idx="1">
+        <a:scrgbClr r="0" g="0" b="0"/>
+      </a:fillRef>
+      <a:effectRef idx="0">
+        <a:scrgbClr r="0" g="0" b="0"/>
+      </a:effectRef>
+      <a:fontRef idx="minor"/>
+    </dgm:style>
+  </dgm:styleLbl>
+  <dgm:styleLbl name="alignImgPlace1">
+    <dgm:scene3d>
+      <a:camera prst="orthographicFront"/>
+      <a:lightRig rig="threePt" dir="t"/>
+    </dgm:scene3d>
+    <dgm:sp3d/>
+    <dgm:txPr/>
+    <dgm:style>
+      <a:lnRef idx="2">
+        <a:scrgbClr r="0" g="0" b="0"/>
+      </a:lnRef>
+      <a:fillRef idx="1">
+        <a:scrgbClr r="0" g="0" b="0"/>
+      </a:fillRef>
+      <a:effectRef idx="0">
+        <a:scrgbClr r="0" g="0" b="0"/>
+      </a:effectRef>
+      <a:fontRef idx="minor"/>
+    </dgm:style>
+  </dgm:styleLbl>
+  <dgm:styleLbl name="bgImgPlace1">
+    <dgm:scene3d>
+      <a:camera prst="orthographicFront"/>
+      <a:lightRig rig="threePt" dir="t"/>
+    </dgm:scene3d>
+    <dgm:sp3d/>
+    <dgm:txPr/>
+    <dgm:style>
+      <a:lnRef idx="2">
+        <a:scrgbClr r="0" g="0" b="0"/>
+      </a:lnRef>
+      <a:fillRef idx="1">
+        <a:scrgbClr r="0" g="0" b="0"/>
+      </a:fillRef>
+      <a:effectRef idx="0">
+        <a:scrgbClr r="0" g="0" b="0"/>
+      </a:effectRef>
+      <a:fontRef idx="minor"/>
+    </dgm:style>
+  </dgm:styleLbl>
+  <dgm:styleLbl name="sibTrans2D1">
+    <dgm:scene3d>
+      <a:camera prst="orthographicFront"/>
+      <a:lightRig rig="threePt" dir="t"/>
+    </dgm:scene3d>
+    <dgm:sp3d/>
+    <dgm:txPr/>
+    <dgm:style>
+      <a:lnRef idx="0">
+        <a:scrgbClr r="0" g="0" b="0"/>
+      </a:lnRef>
+      <a:fillRef idx="1">
+        <a:scrgbClr r="0" g="0" b="0"/>
+      </a:fillRef>
+      <a:effectRef idx="0">
+        <a:scrgbClr r="0" g="0" b="0"/>
+      </a:effectRef>
+      <a:fontRef idx="minor">
+        <a:schemeClr val="lt1"/>
+      </a:fontRef>
+    </dgm:style>
+  </dgm:styleLbl>
+  <dgm:styleLbl name="fgSibTrans2D1">
+    <dgm:scene3d>
+      <a:camera prst="orthographicFront"/>
+      <a:lightRig rig="threePt" dir="t"/>
+    </dgm:scene3d>
+    <dgm:sp3d/>
+    <dgm:txPr/>
+    <dgm:style>
+      <a:lnRef idx="0">
+        <a:scrgbClr r="0" g="0" b="0"/>
+      </a:lnRef>
+      <a:fillRef idx="1">
+        <a:scrgbClr r="0" g="0" b="0"/>
+      </a:fillRef>
+      <a:effectRef idx="0">
+        <a:scrgbClr r="0" g="0" b="0"/>
+      </a:effectRef>
+      <a:fontRef idx="minor">
+        <a:schemeClr val="lt1"/>
+      </a:fontRef>
+    </dgm:style>
+  </dgm:styleLbl>
+  <dgm:styleLbl name="bgSibTrans2D1">
+    <dgm:scene3d>
+      <a:camera prst="orthographicFront"/>
+      <a:lightRig rig="threePt" dir="t"/>
+    </dgm:scene3d>
+    <dgm:sp3d/>
+    <dgm:txPr/>
+    <dgm:style>
+      <a:lnRef idx="0">
+        <a:scrgbClr r="0" g="0" b="0"/>
+      </a:lnRef>
+      <a:fillRef idx="1">
+        <a:scrgbClr r="0" g="0" b="0"/>
+      </a:fillRef>
+      <a:effectRef idx="0">
+        <a:scrgbClr r="0" g="0" b="0"/>
+      </a:effectRef>
+      <a:fontRef idx="minor">
+        <a:schemeClr val="lt1"/>
+      </a:fontRef>
+    </dgm:style>
+  </dgm:styleLbl>
+  <dgm:styleLbl name="sibTrans1D1">
+    <dgm:scene3d>
+      <a:camera prst="orthographicFront"/>
+      <a:lightRig rig="threePt" dir="t"/>
+    </dgm:scene3d>
+    <dgm:sp3d/>
+    <dgm:txPr/>
+    <dgm:style>
+      <a:lnRef idx="1">
+        <a:scrgbClr r="0" g="0" b="0"/>
+      </a:lnRef>
+      <a:fillRef idx="0">
+        <a:scrgbClr r="0" g="0" b="0"/>
+      </a:fillRef>
+      <a:effectRef idx="0">
+        <a:scrgbClr r="0" g="0" b="0"/>
+      </a:effectRef>
+      <a:fontRef idx="minor"/>
+    </dgm:style>
+  </dgm:styleLbl>
+  <dgm:styleLbl name="callout">
+    <dgm:scene3d>
+      <a:camera prst="orthographicFront"/>
+      <a:lightRig rig="threePt" dir="t"/>
+    </dgm:scene3d>
+    <dgm:sp3d/>
+    <dgm:txPr/>
+    <dgm:style>
+      <a:lnRef idx="2">
+        <a:scrgbClr r="0" g="0" b="0"/>
+      </a:lnRef>
+      <a:fillRef idx="1">
+        <a:scrgbClr r="0" g="0" b="0"/>
+      </a:fillRef>
+      <a:effectRef idx="0">
+        <a:scrgbClr r="0" g="0" b="0"/>
+      </a:effectRef>
+      <a:fontRef idx="minor"/>
+    </dgm:style>
+  </dgm:styleLbl>
+  <dgm:styleLbl name="asst0">
+    <dgm:scene3d>
+      <a:camera prst="orthographicFront"/>
+      <a:lightRig rig="threePt" dir="t"/>
+    </dgm:scene3d>
+    <dgm:sp3d/>
+    <dgm:txPr/>
+    <dgm:style>
+      <a:lnRef idx="2">
+        <a:scrgbClr r="0" g="0" b="0"/>
+      </a:lnRef>
+      <a:fillRef idx="1">
+        <a:scrgbClr r="0" g="0" b="0"/>
+      </a:fillRef>
+      <a:effectRef idx="0">
+        <a:scrgbClr r="0" g="0" b="0"/>
+      </a:effectRef>
+      <a:fontRef idx="minor">
+        <a:schemeClr val="lt1"/>
+      </a:fontRef>
+    </dgm:style>
+  </dgm:styleLbl>
+  <dgm:styleLbl name="asst1">
+    <dgm:scene3d>
+      <a:camera prst="orthographicFront"/>
+      <a:lightRig rig="threePt" dir="t"/>
+    </dgm:scene3d>
+    <dgm:sp3d/>
+    <dgm:txPr/>
+    <dgm:style>
+      <a:lnRef idx="2">
+        <a:scrgbClr r="0" g="0" b="0"/>
+      </a:lnRef>
+      <a:fillRef idx="1">
+        <a:scrgbClr r="0" g="0" b="0"/>
+      </a:fillRef>
+      <a:effectRef idx="0">
+        <a:scrgbClr r="0" g="0" b="0"/>
+      </a:effectRef>
+      <a:fontRef idx="minor">
+        <a:schemeClr val="lt1"/>
+      </a:fontRef>
+    </dgm:style>
+  </dgm:styleLbl>
+  <dgm:styleLbl name="asst2">
+    <dgm:scene3d>
+      <a:camera prst="orthographicFront"/>
+      <a:lightRig rig="threePt" dir="t"/>
+    </dgm:scene3d>
+    <dgm:sp3d/>
+    <dgm:txPr/>
+    <dgm:style>
+      <a:lnRef idx="2">
+        <a:scrgbClr r="0" g="0" b="0"/>
+      </a:lnRef>
+      <a:fillRef idx="1">
+        <a:scrgbClr r="0" g="0" b="0"/>
+      </a:fillRef>
+      <a:effectRef idx="0">
+        <a:scrgbClr r="0" g="0" b="0"/>
+      </a:effectRef>
+      <a:fontRef idx="minor">
+        <a:schemeClr val="lt1"/>
+      </a:fontRef>
+    </dgm:style>
+  </dgm:styleLbl>
+  <dgm:styleLbl name="asst3">
+    <dgm:scene3d>
+      <a:camera prst="orthographicFront"/>
+      <a:lightRig rig="threePt" dir="t"/>
+    </dgm:scene3d>
+    <dgm:sp3d/>
+    <dgm:txPr/>
+    <dgm:style>
+      <a:lnRef idx="2">
+        <a:scrgbClr r="0" g="0" b="0"/>
+      </a:lnRef>
+      <a:fillRef idx="1">
+        <a:scrgbClr r="0" g="0" b="0"/>
+      </a:fillRef>
+      <a:effectRef idx="0">
+        <a:scrgbClr r="0" g="0" b="0"/>
+      </a:effectRef>
+      <a:fontRef idx="minor">
+        <a:schemeClr val="lt1"/>
+      </a:fontRef>
+    </dgm:style>
+  </dgm:styleLbl>
+  <dgm:styleLbl name="asst4">
+    <dgm:scene3d>
+      <a:camera prst="orthographicFront"/>
+      <a:lightRig rig="threePt" dir="t"/>
+    </dgm:scene3d>
+    <dgm:sp3d/>
+    <dgm:txPr/>
+    <dgm:style>
+      <a:lnRef idx="2">
+        <a:scrgbClr r="0" g="0" b="0"/>
+      </a:lnRef>
+      <a:fillRef idx="1">
+        <a:scrgbClr r="0" g="0" b="0"/>
+      </a:fillRef>
+      <a:effectRef idx="0">
+        <a:scrgbClr r="0" g="0" b="0"/>
+      </a:effectRef>
+      <a:fontRef idx="minor">
+        <a:schemeClr val="lt1"/>
+      </a:fontRef>
+    </dgm:style>
+  </dgm:styleLbl>
+  <dgm:styleLbl name="parChTrans2D1">
+    <dgm:scene3d>
+      <a:camera prst="orthographicFront"/>
+      <a:lightRig rig="threePt" dir="t"/>
+    </dgm:scene3d>
+    <dgm:sp3d/>
+    <dgm:txPr/>
+    <dgm:style>
+      <a:lnRef idx="2">
+        <a:scrgbClr r="0" g="0" b="0"/>
+      </a:lnRef>
+      <a:fillRef idx="1">
+        <a:scrgbClr r="0" g="0" b="0"/>
+      </a:fillRef>
+      <a:effectRef idx="0">
+        <a:scrgbClr r="0" g="0" b="0"/>
+      </a:effectRef>
+      <a:fontRef idx="minor">
+        <a:schemeClr val="lt1"/>
+      </a:fontRef>
+    </dgm:style>
+  </dgm:styleLbl>
+  <dgm:styleLbl name="parChTrans2D2">
+    <dgm:scene3d>
+      <a:camera prst="orthographicFront"/>
+      <a:lightRig rig="threePt" dir="t"/>
+    </dgm:scene3d>
+    <dgm:sp3d/>
+    <dgm:txPr/>
+    <dgm:style>
+      <a:lnRef idx="2">
+        <a:scrgbClr r="0" g="0" b="0"/>
+      </a:lnRef>
+      <a:fillRef idx="1">
+        <a:scrgbClr r="0" g="0" b="0"/>
+      </a:fillRef>
+      <a:effectRef idx="0">
+        <a:scrgbClr r="0" g="0" b="0"/>
+      </a:effectRef>
+      <a:fontRef idx="minor">
+        <a:schemeClr val="lt1"/>
+      </a:fontRef>
+    </dgm:style>
+  </dgm:styleLbl>
+  <dgm:styleLbl name="parChTrans2D3">
+    <dgm:scene3d>
+      <a:camera prst="orthographicFront"/>
+      <a:lightRig rig="threePt" dir="t"/>
+    </dgm:scene3d>
+    <dgm:sp3d/>
+    <dgm:txPr/>
+    <dgm:style>
+      <a:lnRef idx="2">
+        <a:scrgbClr r="0" g="0" b="0"/>
+      </a:lnRef>
+      <a:fillRef idx="1">
+        <a:scrgbClr r="0" g="0" b="0"/>
+      </a:fillRef>
+      <a:effectRef idx="0">
+        <a:scrgbClr r="0" g="0" b="0"/>
+      </a:effectRef>
+      <a:fontRef idx="minor">
+        <a:schemeClr val="lt1"/>
+      </a:fontRef>
+    </dgm:style>
+  </dgm:styleLbl>
+  <dgm:styleLbl name="parChTrans2D4">
+    <dgm:scene3d>
+      <a:camera prst="orthographicFront"/>
+      <a:lightRig rig="threePt" dir="t"/>
+    </dgm:scene3d>
+    <dgm:sp3d/>
+    <dgm:txPr/>
+    <dgm:style>
+      <a:lnRef idx="2">
+        <a:scrgbClr r="0" g="0" b="0"/>
+      </a:lnRef>
+      <a:fillRef idx="1">
+        <a:scrgbClr r="0" g="0" b="0"/>
+      </a:fillRef>
+      <a:effectRef idx="0">
+        <a:scrgbClr r="0" g="0" b="0"/>
+      </a:effectRef>
+      <a:fontRef idx="minor">
+        <a:schemeClr val="lt1"/>
+      </a:fontRef>
+    </dgm:style>
+  </dgm:styleLbl>
+  <dgm:styleLbl name="parChTrans1D1">
+    <dgm:scene3d>
+      <a:camera prst="orthographicFront"/>
+      <a:lightRig rig="threePt" dir="t"/>
+    </dgm:scene3d>
+    <dgm:sp3d/>
+    <dgm:txPr/>
+    <dgm:style>
+      <a:lnRef idx="2">
+        <a:scrgbClr r="0" g="0" b="0"/>
+      </a:lnRef>
+      <a:fillRef idx="0">
+        <a:scrgbClr r="0" g="0" b="0"/>
+      </a:fillRef>
+      <a:effectRef idx="0">
+        <a:scrgbClr r="0" g="0" b="0"/>
+      </a:effectRef>
+      <a:fontRef idx="minor"/>
+    </dgm:style>
+  </dgm:styleLbl>
+  <dgm:styleLbl name="parChTrans1D2">
+    <dgm:scene3d>
+      <a:camera prst="orthographicFront"/>
+      <a:lightRig rig="threePt" dir="t"/>
+    </dgm:scene3d>
+    <dgm:sp3d/>
+    <dgm:txPr/>
+    <dgm:style>
+      <a:lnRef idx="2">
+        <a:scrgbClr r="0" g="0" b="0"/>
+      </a:lnRef>
+      <a:fillRef idx="0">
+        <a:scrgbClr r="0" g="0" b="0"/>
+      </a:fillRef>
+      <a:effectRef idx="0">
+        <a:scrgbClr r="0" g="0" b="0"/>
+      </a:effectRef>
+      <a:fontRef idx="minor"/>
+    </dgm:style>
+  </dgm:styleLbl>
+  <dgm:styleLbl name="parChTrans1D3">
+    <dgm:scene3d>
+      <a:camera prst="orthographicFront"/>
+      <a:lightRig rig="threePt" dir="t"/>
+    </dgm:scene3d>
+    <dgm:sp3d/>
+    <dgm:txPr/>
+    <dgm:style>
+      <a:lnRef idx="2">
+        <a:scrgbClr r="0" g="0" b="0"/>
+      </a:lnRef>
+      <a:fillRef idx="0">
+        <a:scrgbClr r="0" g="0" b="0"/>
+      </a:fillRef>
+      <a:effectRef idx="0">
+        <a:scrgbClr r="0" g="0" b="0"/>
+      </a:effectRef>
+      <a:fontRef idx="minor"/>
+    </dgm:style>
+  </dgm:styleLbl>
+  <dgm:styleLbl name="parChTrans1D4">
+    <dgm:scene3d>
+      <a:camera prst="orthographicFront"/>
+      <a:lightRig rig="threePt" dir="t"/>
+    </dgm:scene3d>
+    <dgm:sp3d/>
+    <dgm:txPr/>
+    <dgm:style>
+      <a:lnRef idx="2">
+        <a:scrgbClr r="0" g="0" b="0"/>
+      </a:lnRef>
+      <a:fillRef idx="0">
+        <a:scrgbClr r="0" g="0" b="0"/>
+      </a:fillRef>
+      <a:effectRef idx="0">
+        <a:scrgbClr r="0" g="0" b="0"/>
+      </a:effectRef>
+      <a:fontRef idx="minor"/>
+    </dgm:style>
+  </dgm:styleLbl>
+  <dgm:styleLbl name="fgAcc1">
+    <dgm:scene3d>
+      <a:camera prst="orthographicFront"/>
+      <a:lightRig rig="threePt" dir="t"/>
+    </dgm:scene3d>
+    <dgm:sp3d/>
+    <dgm:txPr/>
+    <dgm:style>
+      <a:lnRef idx="2">
+        <a:scrgbClr r="0" g="0" b="0"/>
+      </a:lnRef>
+      <a:fillRef idx="1">
+        <a:scrgbClr r="0" g="0" b="0"/>
+      </a:fillRef>
+      <a:effectRef idx="0">
+        <a:scrgbClr r="0" g="0" b="0"/>
+      </a:effectRef>
+      <a:fontRef idx="minor"/>
+    </dgm:style>
+  </dgm:styleLbl>
+  <dgm:styleLbl name="conFgAcc1">
+    <dgm:scene3d>
+      <a:camera prst="orthographicFront"/>
+      <a:lightRig rig="threePt" dir="t"/>
+    </dgm:scene3d>
+    <dgm:sp3d/>
+    <dgm:txPr/>
+    <dgm:style>
+      <a:lnRef idx="2">
+        <a:scrgbClr r="0" g="0" b="0"/>
+      </a:lnRef>
+      <a:fillRef idx="1">
+        <a:scrgbClr r="0" g="0" b="0"/>
+      </a:fillRef>
+      <a:effectRef idx="0">
+        <a:scrgbClr r="0" g="0" b="0"/>
+      </a:effectRef>
+      <a:fontRef idx="minor"/>
+    </dgm:style>
+  </dgm:styleLbl>
+  <dgm:styleLbl name="alignAcc1">
+    <dgm:scene3d>
+      <a:camera prst="orthographicFront"/>
+      <a:lightRig rig="threePt" dir="t"/>
+    </dgm:scene3d>
+    <dgm:sp3d/>
+    <dgm:txPr/>
+    <dgm:style>
+      <a:lnRef idx="2">
+        <a:scrgbClr r="0" g="0" b="0"/>
+      </a:lnRef>
+      <a:fillRef idx="1">
+        <a:scrgbClr r="0" g="0" b="0"/>
+      </a:fillRef>
+      <a:effectRef idx="0">
+        <a:scrgbClr r="0" g="0" b="0"/>
+      </a:effectRef>
+      <a:fontRef idx="minor"/>
+    </dgm:style>
+  </dgm:styleLbl>
+  <dgm:styleLbl name="trAlignAcc1">
+    <dgm:scene3d>
+      <a:camera prst="orthographicFront"/>
+      <a:lightRig rig="threePt" dir="t"/>
+    </dgm:scene3d>
+    <dgm:sp3d/>
+    <dgm:txPr/>
+    <dgm:style>
+      <a:lnRef idx="1">
+        <a:scrgbClr r="0" g="0" b="0"/>
+      </a:lnRef>
+      <a:fillRef idx="1">
+        <a:scrgbClr r="0" g="0" b="0"/>
+      </a:fillRef>
+      <a:effectRef idx="0">
+        <a:scrgbClr r="0" g="0" b="0"/>
+      </a:effectRef>
+      <a:fontRef idx="minor"/>
+    </dgm:style>
+  </dgm:styleLbl>
+  <dgm:styleLbl name="bgAcc1">
+    <dgm:scene3d>
+      <a:camera prst="orthographicFront"/>
+      <a:lightRig rig="threePt" dir="t"/>
+    </dgm:scene3d>
+    <dgm:sp3d/>
+    <dgm:txPr/>
+    <dgm:style>
+      <a:lnRef idx="2">
+        <a:scrgbClr r="0" g="0" b="0"/>
+      </a:lnRef>
+      <a:fillRef idx="1">
+        <a:scrgbClr r="0" g="0" b="0"/>
+      </a:fillRef>
+      <a:effectRef idx="0">
+        <a:scrgbClr r="0" g="0" b="0"/>
+      </a:effectRef>
+      <a:fontRef idx="minor"/>
+    </dgm:style>
+  </dgm:styleLbl>
+  <dgm:styleLbl name="solidFgAcc1">
+    <dgm:scene3d>
+      <a:camera prst="orthographicFront"/>
+      <a:lightRig rig="threePt" dir="t"/>
+    </dgm:scene3d>
+    <dgm:sp3d/>
+    <dgm:txPr/>
+    <dgm:style>
+      <a:lnRef idx="2">
+        <a:scrgbClr r="0" g="0" b="0"/>
+      </a:lnRef>
+      <a:fillRef idx="1">
+        <a:scrgbClr r="0" g="0" b="0"/>
+      </a:fillRef>
+      <a:effectRef idx="0">
+        <a:scrgbClr r="0" g="0" b="0"/>
+      </a:effectRef>
+      <a:fontRef idx="minor"/>
+    </dgm:style>
+  </dgm:styleLbl>
+  <dgm:styleLbl name="solidAlignAcc1">
+    <dgm:scene3d>
+      <a:camera prst="orthographicFront"/>
+      <a:lightRig rig="threePt" dir="t"/>
+    </dgm:scene3d>
+    <dgm:sp3d/>
+    <dgm:txPr/>
+    <dgm:style>
+      <a:lnRef idx="2">
+        <a:scrgbClr r="0" g="0" b="0"/>
+      </a:lnRef>
+      <a:fillRef idx="1">
+        <a:scrgbClr r="0" g="0" b="0"/>
+      </a:fillRef>
+      <a:effectRef idx="0">
+        <a:scrgbClr r="0" g="0" b="0"/>
+      </a:effectRef>
+      <a:fontRef idx="minor"/>
+    </dgm:style>
+  </dgm:styleLbl>
+  <dgm:styleLbl name="solidBgAcc1">
+    <dgm:scene3d>
+      <a:camera prst="orthographicFront"/>
+      <a:lightRig rig="threePt" dir="t"/>
+    </dgm:scene3d>
+    <dgm:sp3d/>
+    <dgm:txPr/>
+    <dgm:style>
+      <a:lnRef idx="2">
+        <a:scrgbClr r="0" g="0" b="0"/>
+      </a:lnRef>
+      <a:fillRef idx="1">
+        <a:scrgbClr r="0" g="0" b="0"/>
+      </a:fillRef>
+      <a:effectRef idx="0">
+        <a:scrgbClr r="0" g="0" b="0"/>
+      </a:effectRef>
+      <a:fontRef idx="minor"/>
+    </dgm:style>
+  </dgm:styleLbl>
+  <dgm:styleLbl name="fgAccFollowNode1">
+    <dgm:scene3d>
+      <a:camera prst="orthographicFront"/>
+      <a:lightRig rig="threePt" dir="t"/>
+    </dgm:scene3d>
+    <dgm:sp3d/>
+    <dgm:txPr/>
+    <dgm:style>
+      <a:lnRef idx="2">
+        <a:scrgbClr r="0" g="0" b="0"/>
+      </a:lnRef>
+      <a:fillRef idx="1">
+        <a:scrgbClr r="0" g="0" b="0"/>
+      </a:fillRef>
+      <a:effectRef idx="0">
+        <a:scrgbClr r="0" g="0" b="0"/>
+      </a:effectRef>
+      <a:fontRef idx="minor"/>
+    </dgm:style>
+  </dgm:styleLbl>
+  <dgm:styleLbl name="alignAccFollowNode1">
+    <dgm:scene3d>
+      <a:camera prst="orthographicFront"/>
+      <a:lightRig rig="threePt" dir="t"/>
+    </dgm:scene3d>
+    <dgm:sp3d/>
+    <dgm:txPr/>
+    <dgm:style>
+      <a:lnRef idx="2">
+        <a:scrgbClr r="0" g="0" b="0"/>
+      </a:lnRef>
+      <a:fillRef idx="1">
+        <a:scrgbClr r="0" g="0" b="0"/>
+      </a:fillRef>
+      <a:effectRef idx="0">
+        <a:scrgbClr r="0" g="0" b="0"/>
+      </a:effectRef>
+      <a:fontRef idx="minor"/>
+    </dgm:style>
+  </dgm:styleLbl>
+  <dgm:styleLbl name="bgAccFollowNode1">
+    <dgm:scene3d>
+      <a:camera prst="orthographicFront"/>
+      <a:lightRig rig="threePt" dir="t"/>
+    </dgm:scene3d>
+    <dgm:sp3d/>
+    <dgm:txPr/>
+    <dgm:style>
+      <a:lnRef idx="2">
+        <a:scrgbClr r="0" g="0" b="0"/>
+      </a:lnRef>
+      <a:fillRef idx="1">
+        <a:scrgbClr r="0" g="0" b="0"/>
+      </a:fillRef>
+      <a:effectRef idx="0">
+        <a:scrgbClr r="0" g="0" b="0"/>
+      </a:effectRef>
+      <a:fontRef idx="minor"/>
+    </dgm:style>
+  </dgm:styleLbl>
+  <dgm:styleLbl name="fgAcc0">
+    <dgm:scene3d>
+      <a:camera prst="orthographicFront"/>
+      <a:lightRig rig="threePt" dir="t"/>
+    </dgm:scene3d>
+    <dgm:sp3d/>
+    <dgm:txPr/>
+    <dgm:style>
+      <a:lnRef idx="2">
+        <a:scrgbClr r="0" g="0" b="0"/>
+      </a:lnRef>
+      <a:fillRef idx="1">
+        <a:scrgbClr r="0" g="0" b="0"/>
+      </a:fillRef>
+      <a:effectRef idx="0">
+        <a:scrgbClr r="0" g="0" b="0"/>
+      </a:effectRef>
+      <a:fontRef idx="minor"/>
+    </dgm:style>
+  </dgm:styleLbl>
+  <dgm:styleLbl name="fgAcc2">
+    <dgm:scene3d>
+      <a:camera prst="orthographicFront"/>
+      <a:lightRig rig="threePt" dir="t"/>
+    </dgm:scene3d>
+    <dgm:sp3d/>
+    <dgm:txPr/>
+    <dgm:style>
+      <a:lnRef idx="2">
+        <a:scrgbClr r="0" g="0" b="0"/>
+      </a:lnRef>
+      <a:fillRef idx="1">
+        <a:scrgbClr r="0" g="0" b="0"/>
+      </a:fillRef>
+      <a:effectRef idx="0">
+        <a:scrgbClr r="0" g="0" b="0"/>
+      </a:effectRef>
+      <a:fontRef idx="minor"/>
+    </dgm:style>
+  </dgm:styleLbl>
+  <dgm:styleLbl name="fgAcc3">
+    <dgm:scene3d>
+      <a:camera prst="orthographicFront"/>
+      <a:lightRig rig="threePt" dir="t"/>
+    </dgm:scene3d>
+    <dgm:sp3d/>
+    <dgm:txPr/>
+    <dgm:style>
+      <a:lnRef idx="2">
+        <a:scrgbClr r="0" g="0" b="0"/>
+      </a:lnRef>
+      <a:fillRef idx="1">
+        <a:scrgbClr r="0" g="0" b="0"/>
+      </a:fillRef>
+      <a:effectRef idx="0">
+        <a:scrgbClr r="0" g="0" b="0"/>
+      </a:effectRef>
+      <a:fontRef idx="minor"/>
+    </dgm:style>
+  </dgm:styleLbl>
+  <dgm:styleLbl name="fgAcc4">
+    <dgm:scene3d>
+      <a:camera prst="orthographicFront"/>
+      <a:lightRig rig="threePt" dir="t"/>
+    </dgm:scene3d>
+    <dgm:sp3d/>
+    <dgm:txPr/>
+    <dgm:style>
+      <a:lnRef idx="2">
+        <a:scrgbClr r="0" g="0" b="0"/>
+      </a:lnRef>
+      <a:fillRef idx="1">
+        <a:scrgbClr r="0" g="0" b="0"/>
+      </a:fillRef>
+      <a:effectRef idx="0">
+        <a:scrgbClr r="0" g="0" b="0"/>
+      </a:effectRef>
+      <a:fontRef idx="minor"/>
+    </dgm:style>
+  </dgm:styleLbl>
+  <dgm:styleLbl name="bgShp">
+    <dgm:scene3d>
+      <a:camera prst="orthographicFront"/>
+      <a:lightRig rig="threePt" dir="t"/>
+    </dgm:scene3d>
+    <dgm:sp3d/>
+    <dgm:txPr/>
+    <dgm:style>
+      <a:lnRef idx="0">
+        <a:scrgbClr r="0" g="0" b="0"/>
+      </a:lnRef>
+      <a:fillRef idx="1">
+        <a:scrgbClr r="0" g="0" b="0"/>
+      </a:fillRef>
+      <a:effectRef idx="0">
+        <a:scrgbClr r="0" g="0" b="0"/>
+      </a:effectRef>
+      <a:fontRef idx="minor"/>
+    </dgm:style>
+  </dgm:styleLbl>
+  <dgm:styleLbl name="dkBgShp">
+    <dgm:scene3d>
+      <a:camera prst="orthographicFront"/>
+      <a:lightRig rig="threePt" dir="t"/>
+    </dgm:scene3d>
+    <dgm:sp3d/>
+    <dgm:txPr/>
+    <dgm:style>
+      <a:lnRef idx="0">
+        <a:scrgbClr r="0" g="0" b="0"/>
+      </a:lnRef>
+      <a:fillRef idx="1">
+        <a:scrgbClr r="0" g="0" b="0"/>
+      </a:fillRef>
+      <a:effectRef idx="0">
+        <a:scrgbClr r="0" g="0" b="0"/>
+      </a:effectRef>
+      <a:fontRef idx="minor"/>
+    </dgm:style>
+  </dgm:styleLbl>
+  <dgm:styleLbl name="trBgShp">
+    <dgm:scene3d>
+      <a:camera prst="orthographicFront"/>
+      <a:lightRig rig="threePt" dir="t"/>
+    </dgm:scene3d>
+    <dgm:sp3d/>
+    <dgm:txPr/>
+    <dgm:style>
+      <a:lnRef idx="0">
+        <a:scrgbClr r="0" g="0" b="0"/>
+      </a:lnRef>
+      <a:fillRef idx="1">
+        <a:scrgbClr r="0" g="0" b="0"/>
+      </a:fillRef>
+      <a:effectRef idx="0">
+        <a:scrgbClr r="0" g="0" b="0"/>
+      </a:effectRef>
+      <a:fontRef idx="minor"/>
+    </dgm:style>
+  </dgm:styleLbl>
+  <dgm:styleLbl name="fgShp">
+    <dgm:scene3d>
+      <a:camera prst="orthographicFront"/>
+      <a:lightRig rig="threePt" dir="t"/>
+    </dgm:scene3d>
+    <dgm:sp3d/>
+    <dgm:txPr/>
+    <dgm:style>
+      <a:lnRef idx="2">
+        <a:scrgbClr r="0" g="0" b="0"/>
+      </a:lnRef>
+      <a:fillRef idx="1">
+        <a:scrgbClr r="0" g="0" b="0"/>
+      </a:fillRef>
+      <a:effectRef idx="0">
+        <a:scrgbClr r="0" g="0" b="0"/>
+      </a:effectRef>
+      <a:fontRef idx="minor"/>
+    </dgm:style>
+  </dgm:styleLbl>
+  <dgm:styleLbl name="revTx">
+    <dgm:scene3d>
+      <a:camera prst="orthographicFront"/>
+      <a:lightRig rig="threePt" dir="t"/>
+    </dgm:scene3d>
+    <dgm:sp3d/>
+    <dgm:txPr/>
+    <dgm:style>
+      <a:lnRef idx="0">
+        <a:scrgbClr r="0" g="0" b="0"/>
+      </a:lnRef>
+      <a:fillRef idx="0">
+        <a:scrgbClr r="0" g="0" b="0"/>
+      </a:fillRef>
+      <a:effectRef idx="0">
+        <a:scrgbClr r="0" g="0" b="0"/>
+      </a:effectRef>
+      <a:fontRef idx="minor"/>
+    </dgm:style>
+  </dgm:styleLbl>
+</dgm:styleDef>
 </file>
 
 <file path=ppt/drawings/drawing1.xml><?xml version="1.0" encoding="utf-8"?>
@@ -7005,7 +10420,7 @@
         <p:spPr>
           <a:xfrm>
             <a:off x="0" y="0"/>
-            <a:ext cx="43891200" cy="2816352"/>
+            <a:ext cx="43891200" cy="2739028"/>
           </a:xfrm>
           <a:prstGeom prst="rect">
             <a:avLst/>
@@ -7052,7 +10467,7 @@
               <a:defRPr/>
             </a:pPr>
             <a:r>
-              <a:rPr kumimoji="0" lang="en-US" sz="8800" b="1" i="0" u="none" strike="noStrike" kern="1200" cap="none" spc="0" normalizeH="0" baseline="0" noProof="0" dirty="0">
+              <a:rPr kumimoji="0" lang="en-US" sz="8000" b="1" i="0" u="none" strike="noStrike" kern="1200" cap="none" spc="0" normalizeH="0" baseline="0" noProof="0" dirty="0">
                 <a:ln>
                   <a:noFill/>
                 </a:ln>
@@ -7069,7 +10484,7 @@
               <a:t>Culture Signaling at Work: System Justification in High Tec</a:t>
             </a:r>
             <a:r>
-              <a:rPr kumimoji="0" lang="en-US" sz="9600" b="1" i="0" u="none" strike="noStrike" kern="1200" cap="none" spc="0" normalizeH="0" baseline="0" noProof="0" dirty="0">
+              <a:rPr kumimoji="0" lang="en-US" sz="8800" b="1" i="0" u="none" strike="noStrike" kern="1200" cap="none" spc="0" normalizeH="0" baseline="0" noProof="0" dirty="0">
                 <a:ln>
                   <a:noFill/>
                 </a:ln>
@@ -7180,7 +10595,7 @@
         <p:spPr>
           <a:xfrm>
             <a:off x="256032" y="3652464"/>
-            <a:ext cx="11484864" cy="2028458"/>
+            <a:ext cx="11484864" cy="1208680"/>
           </a:xfrm>
           <a:prstGeom prst="rect">
             <a:avLst/>
@@ -7214,14 +10629,17 @@
           <a:p>
             <a:pPr algn="ctr"/>
             <a:r>
-              <a:rPr lang="en-US" sz="3600" dirty="0">
+              <a:rPr lang="en-US" sz="2600" dirty="0">
                 <a:solidFill>
                   <a:srgbClr val="2E344C"/>
                 </a:solidFill>
+                <a:latin typeface="Avenir Next LT Pro" panose="020B0504020202020204" pitchFamily="34" charset="0"/>
               </a:rPr>
               <a:t>When an outsider thinks a company is more fun to work at, they are more likely to justify unfair treatment of employees within that company</a:t>
             </a:r>
-            <a:endParaRPr lang="en-CA" sz="2000" dirty="0"/>
+            <a:endParaRPr lang="en-CA" sz="2600" dirty="0">
+              <a:latin typeface="Avenir Next LT Pro" panose="020B0504020202020204" pitchFamily="34" charset="0"/>
+            </a:endParaRPr>
           </a:p>
         </p:txBody>
       </p:sp>
@@ -7239,8 +10657,8 @@
         </p:nvSpPr>
         <p:spPr>
           <a:xfrm>
-            <a:off x="256032" y="6602577"/>
-            <a:ext cx="5557310" cy="5225477"/>
+            <a:off x="257239" y="6222601"/>
+            <a:ext cx="6164686" cy="2044849"/>
           </a:xfrm>
           <a:prstGeom prst="rect">
             <a:avLst/>
@@ -7272,8 +10690,116 @@
           <a:bodyPr rtlCol="0" anchor="ctr"/>
           <a:lstStyle/>
           <a:p>
-            <a:pPr algn="ctr"/>
-            <a:endParaRPr lang="en-CA" dirty="0"/>
+            <a:pPr marL="0" marR="0" lvl="0" indent="0" algn="l" defTabSz="914400" rtl="0" eaLnBrk="1" fontAlgn="auto" latinLnBrk="0" hangingPunct="1">
+              <a:lnSpc>
+                <a:spcPct val="100000"/>
+              </a:lnSpc>
+              <a:spcBef>
+                <a:spcPts val="0"/>
+              </a:spcBef>
+              <a:spcAft>
+                <a:spcPts val="1200"/>
+              </a:spcAft>
+              <a:buClrTx/>
+              <a:buSzTx/>
+              <a:buFontTx/>
+              <a:buNone/>
+              <a:tabLst/>
+              <a:defRPr/>
+            </a:pPr>
+            <a:r>
+              <a:rPr kumimoji="0" lang="en-US" sz="2400" b="0" i="0" u="none" strike="noStrike" kern="1200" cap="none" spc="0" normalizeH="0" baseline="0" noProof="0" dirty="0">
+                <a:ln>
+                  <a:noFill/>
+                </a:ln>
+                <a:solidFill>
+                  <a:srgbClr val="8F99BB">
+                    <a:lumMod val="75000"/>
+                  </a:srgbClr>
+                </a:solidFill>
+                <a:effectLst/>
+                <a:uLnTx/>
+                <a:uFillTx/>
+                <a:latin typeface="Avenir Next LT Pro"/>
+                <a:ea typeface="+mn-ea"/>
+                <a:cs typeface="+mn-cs"/>
+              </a:rPr>
+              <a:t>Shared beliefs, values and assumptions </a:t>
+            </a:r>
+          </a:p>
+          <a:p>
+            <a:pPr marL="0" marR="0" lvl="0" indent="0" algn="l" defTabSz="914400" rtl="0" eaLnBrk="1" fontAlgn="auto" latinLnBrk="0" hangingPunct="1">
+              <a:lnSpc>
+                <a:spcPct val="100000"/>
+              </a:lnSpc>
+              <a:spcBef>
+                <a:spcPts val="0"/>
+              </a:spcBef>
+              <a:spcAft>
+                <a:spcPts val="1200"/>
+              </a:spcAft>
+              <a:buClrTx/>
+              <a:buSzTx/>
+              <a:buFontTx/>
+              <a:buNone/>
+              <a:tabLst/>
+              <a:defRPr/>
+            </a:pPr>
+            <a:r>
+              <a:rPr kumimoji="0" lang="en-US" sz="2400" b="0" i="0" u="none" strike="noStrike" kern="1200" cap="none" spc="0" normalizeH="0" baseline="0" noProof="0" dirty="0">
+                <a:ln>
+                  <a:noFill/>
+                </a:ln>
+                <a:solidFill>
+                  <a:srgbClr val="8F99BB">
+                    <a:lumMod val="75000"/>
+                  </a:srgbClr>
+                </a:solidFill>
+                <a:effectLst/>
+                <a:uLnTx/>
+                <a:uFillTx/>
+                <a:latin typeface="Avenir Next LT Pro"/>
+                <a:ea typeface="+mn-ea"/>
+                <a:cs typeface="+mn-cs"/>
+              </a:rPr>
+              <a:t>Determine the norms and patterns of behaviour that develop in an organizations (</a:t>
+            </a:r>
+            <a:r>
+              <a:rPr kumimoji="0" lang="en-US" sz="2400" b="0" i="0" u="none" strike="noStrike" kern="1200" cap="none" spc="0" normalizeH="0" baseline="0" noProof="0" dirty="0">
+                <a:ln>
+                  <a:noFill/>
+                </a:ln>
+                <a:solidFill>
+                  <a:srgbClr val="8F99BB">
+                    <a:lumMod val="75000"/>
+                  </a:srgbClr>
+                </a:solidFill>
+                <a:effectLst/>
+                <a:uLnTx/>
+                <a:uFillTx/>
+                <a:latin typeface="Avenir Next LT Pro"/>
+                <a:ea typeface="+mn-ea"/>
+                <a:cs typeface="+mn-cs"/>
+                <a:sym typeface="Wingdings" panose="05000000000000000000" pitchFamily="2" charset="2"/>
+              </a:rPr>
+              <a:t>Johns &amp; Saks, 2020)</a:t>
+            </a:r>
+            <a:endParaRPr kumimoji="0" lang="en-US" sz="2400" b="0" i="0" u="none" strike="noStrike" kern="1200" cap="none" spc="0" normalizeH="0" baseline="0" noProof="0" dirty="0">
+              <a:ln>
+                <a:noFill/>
+              </a:ln>
+              <a:solidFill>
+                <a:srgbClr val="8F99BB">
+                  <a:lumMod val="75000"/>
+                </a:srgbClr>
+              </a:solidFill>
+              <a:effectLst/>
+              <a:uLnTx/>
+              <a:uFillTx/>
+              <a:latin typeface="Avenir Next LT Pro"/>
+              <a:ea typeface="+mn-ea"/>
+              <a:cs typeface="+mn-cs"/>
+            </a:endParaRPr>
           </a:p>
         </p:txBody>
       </p:sp>
@@ -7291,8 +10817,8 @@
         </p:nvSpPr>
         <p:spPr>
           <a:xfrm>
-            <a:off x="12076176" y="3108960"/>
-            <a:ext cx="31558992" cy="8193024"/>
+            <a:off x="12076177" y="5529886"/>
+            <a:ext cx="4992701" cy="5772098"/>
           </a:xfrm>
           <a:prstGeom prst="rect">
             <a:avLst/>
@@ -7324,8 +10850,80 @@
           <a:bodyPr rtlCol="0" anchor="ctr"/>
           <a:lstStyle/>
           <a:p>
-            <a:pPr algn="ctr"/>
-            <a:endParaRPr lang="en-CA"/>
+            <a:pPr marL="0" marR="0" lvl="0" indent="0" algn="ctr" defTabSz="914400" rtl="0" eaLnBrk="1" fontAlgn="auto" latinLnBrk="0" hangingPunct="1">
+              <a:lnSpc>
+                <a:spcPct val="100000"/>
+              </a:lnSpc>
+              <a:spcBef>
+                <a:spcPts val="0"/>
+              </a:spcBef>
+              <a:spcAft>
+                <a:spcPts val="0"/>
+              </a:spcAft>
+              <a:buClrTx/>
+              <a:buSzTx/>
+              <a:buFontTx/>
+              <a:buNone/>
+              <a:tabLst/>
+              <a:defRPr/>
+            </a:pPr>
+            <a:r>
+              <a:rPr kumimoji="0" lang="en-US" sz="3200" b="0" i="1" u="none" strike="noStrike" kern="1200" cap="none" spc="0" normalizeH="0" baseline="0" noProof="0" dirty="0">
+                <a:ln>
+                  <a:noFill/>
+                </a:ln>
+                <a:solidFill>
+                  <a:srgbClr val="A3A3C1">
+                    <a:lumMod val="75000"/>
+                  </a:srgbClr>
+                </a:solidFill>
+                <a:effectLst/>
+                <a:uLnTx/>
+                <a:uFillTx/>
+                <a:latin typeface="Book Antiqua" panose="02040602050305030304" pitchFamily="18" charset="0"/>
+                <a:ea typeface="+mn-ea"/>
+                <a:cs typeface="+mn-cs"/>
+              </a:rPr>
+              <a:t>“John works as a software developer for a San Francisco based tech company called CCM as a software developer…”</a:t>
+            </a:r>
+          </a:p>
+          <a:p>
+            <a:pPr marL="0" marR="0" lvl="0" indent="0" algn="ctr" defTabSz="914400" rtl="0" eaLnBrk="1" fontAlgn="auto" latinLnBrk="0" hangingPunct="1">
+              <a:lnSpc>
+                <a:spcPct val="100000"/>
+              </a:lnSpc>
+              <a:spcBef>
+                <a:spcPts val="0"/>
+              </a:spcBef>
+              <a:spcAft>
+                <a:spcPts val="0"/>
+              </a:spcAft>
+              <a:buClrTx/>
+              <a:buSzTx/>
+              <a:buFontTx/>
+              <a:buNone/>
+              <a:tabLst/>
+              <a:defRPr/>
+            </a:pPr>
+            <a:r>
+              <a:rPr kumimoji="0" lang="en-US" sz="3200" b="0" i="1" u="none" strike="noStrike" kern="1200" cap="none" spc="0" normalizeH="0" baseline="0" noProof="0" dirty="0">
+                <a:ln>
+                  <a:noFill/>
+                </a:ln>
+                <a:solidFill>
+                  <a:srgbClr val="A3A3C1">
+                    <a:lumMod val="75000"/>
+                  </a:srgbClr>
+                </a:solidFill>
+                <a:effectLst/>
+                <a:uLnTx/>
+                <a:uFillTx/>
+                <a:latin typeface="Book Antiqua" panose="02040602050305030304" pitchFamily="18" charset="0"/>
+                <a:ea typeface="+mn-ea"/>
+                <a:cs typeface="+mn-cs"/>
+              </a:rPr>
+              <a:t>“The following two pages briefly describe some of the perks and benefits offered to employees of CCM…”</a:t>
+            </a:r>
           </a:p>
         </p:txBody>
       </p:sp>
@@ -7343,8 +10941,8 @@
         </p:nvSpPr>
         <p:spPr>
           <a:xfrm>
-            <a:off x="12076176" y="11594592"/>
-            <a:ext cx="16635984" cy="20890992"/>
+            <a:off x="12076176" y="12186067"/>
+            <a:ext cx="16635984" cy="20299517"/>
           </a:xfrm>
           <a:prstGeom prst="rect">
             <a:avLst/>
@@ -7607,7 +11205,7 @@
         </p:nvSpPr>
         <p:spPr>
           <a:xfrm>
-            <a:off x="256032" y="5983600"/>
+            <a:off x="256032" y="5170800"/>
             <a:ext cx="11484864" cy="618978"/>
           </a:xfrm>
           <a:prstGeom prst="rect">
@@ -7644,62 +11242,6 @@
             <a:r>
               <a:rPr lang="en-US" sz="4000" b="1" dirty="0"/>
               <a:t>Theoretical Foundations</a:t>
-            </a:r>
-            <a:endParaRPr lang="en-CA" sz="4000" b="1" dirty="0"/>
-          </a:p>
-        </p:txBody>
-      </p:sp>
-      <p:sp>
-        <p:nvSpPr>
-          <p:cNvPr id="18" name="Rectangle 17">
-            <a:extLst>
-              <a:ext uri="{FF2B5EF4-FFF2-40B4-BE49-F238E27FC236}">
-                <a16:creationId xmlns:a16="http://schemas.microsoft.com/office/drawing/2014/main" id="{78A0EAD6-45FB-4FC5-8280-ACADECBA37F0}"/>
-              </a:ext>
-            </a:extLst>
-          </p:cNvPr>
-          <p:cNvSpPr/>
-          <p:nvPr/>
-        </p:nvSpPr>
-        <p:spPr>
-          <a:xfrm>
-            <a:off x="256032" y="16939404"/>
-            <a:ext cx="11484864" cy="618978"/>
-          </a:xfrm>
-          <a:prstGeom prst="rect">
-            <a:avLst/>
-          </a:prstGeom>
-          <a:solidFill>
-            <a:srgbClr val="515C85"/>
-          </a:solidFill>
-          <a:ln>
-            <a:noFill/>
-          </a:ln>
-        </p:spPr>
-        <p:style>
-          <a:lnRef idx="2">
-            <a:schemeClr val="accent1">
-              <a:shade val="50000"/>
-            </a:schemeClr>
-          </a:lnRef>
-          <a:fillRef idx="1">
-            <a:schemeClr val="accent1"/>
-          </a:fillRef>
-          <a:effectRef idx="0">
-            <a:schemeClr val="accent1"/>
-          </a:effectRef>
-          <a:fontRef idx="minor">
-            <a:schemeClr val="lt1"/>
-          </a:fontRef>
-        </p:style>
-        <p:txBody>
-          <a:bodyPr rtlCol="0" anchor="ctr"/>
-          <a:lstStyle/>
-          <a:p>
-            <a:pPr algn="ctr"/>
-            <a:r>
-              <a:rPr lang="en-US" sz="4000" b="1" dirty="0"/>
-              <a:t>Hypotheses</a:t>
             </a:r>
             <a:endParaRPr lang="en-CA" sz="4000" b="1" dirty="0"/>
           </a:p>
@@ -7775,7 +11317,7 @@
         </p:nvSpPr>
         <p:spPr>
           <a:xfrm>
-            <a:off x="12076176" y="11594592"/>
+            <a:off x="12067580" y="11585195"/>
             <a:ext cx="16635984" cy="618978"/>
           </a:xfrm>
           <a:prstGeom prst="rect">
@@ -7999,7 +11541,7 @@
         </p:nvSpPr>
         <p:spPr>
           <a:xfrm>
-            <a:off x="256032" y="25357489"/>
+            <a:off x="256032" y="26662694"/>
             <a:ext cx="11484864" cy="618978"/>
           </a:xfrm>
           <a:prstGeom prst="rect">
@@ -8043,62 +11585,6 @@
       </p:sp>
       <p:sp>
         <p:nvSpPr>
-          <p:cNvPr id="25" name="Rectangle 24">
-            <a:extLst>
-              <a:ext uri="{FF2B5EF4-FFF2-40B4-BE49-F238E27FC236}">
-                <a16:creationId xmlns:a16="http://schemas.microsoft.com/office/drawing/2014/main" id="{F72BEBA2-F451-4C22-9346-323BC19F1C86}"/>
-              </a:ext>
-            </a:extLst>
-          </p:cNvPr>
-          <p:cNvSpPr/>
-          <p:nvPr/>
-        </p:nvSpPr>
-        <p:spPr>
-          <a:xfrm>
-            <a:off x="256032" y="22506564"/>
-            <a:ext cx="11484864" cy="618978"/>
-          </a:xfrm>
-          <a:prstGeom prst="rect">
-            <a:avLst/>
-          </a:prstGeom>
-          <a:solidFill>
-            <a:srgbClr val="515C85"/>
-          </a:solidFill>
-          <a:ln>
-            <a:noFill/>
-          </a:ln>
-        </p:spPr>
-        <p:style>
-          <a:lnRef idx="2">
-            <a:schemeClr val="accent1">
-              <a:shade val="50000"/>
-            </a:schemeClr>
-          </a:lnRef>
-          <a:fillRef idx="1">
-            <a:schemeClr val="accent1"/>
-          </a:fillRef>
-          <a:effectRef idx="0">
-            <a:schemeClr val="accent1"/>
-          </a:effectRef>
-          <a:fontRef idx="minor">
-            <a:schemeClr val="lt1"/>
-          </a:fontRef>
-        </p:style>
-        <p:txBody>
-          <a:bodyPr rtlCol="0" anchor="ctr"/>
-          <a:lstStyle/>
-          <a:p>
-            <a:pPr algn="ctr"/>
-            <a:r>
-              <a:rPr lang="en-US" sz="4000" b="1" dirty="0"/>
-              <a:t>Research Question</a:t>
-            </a:r>
-            <a:endParaRPr lang="en-CA" sz="4000" b="1" dirty="0"/>
-          </a:p>
-        </p:txBody>
-      </p:sp>
-      <p:sp>
-        <p:nvSpPr>
           <p:cNvPr id="26" name="Rectangle 25">
             <a:extLst>
               <a:ext uri="{FF2B5EF4-FFF2-40B4-BE49-F238E27FC236}">
@@ -8111,8 +11597,8 @@
         </p:nvSpPr>
         <p:spPr>
           <a:xfrm>
-            <a:off x="256032" y="12477132"/>
-            <a:ext cx="11484864" cy="4169664"/>
+            <a:off x="256032" y="12186067"/>
+            <a:ext cx="11484864" cy="575780"/>
           </a:xfrm>
           <a:prstGeom prst="rect">
             <a:avLst/>
@@ -8144,8 +11630,60 @@
           <a:bodyPr rtlCol="0" anchor="ctr"/>
           <a:lstStyle/>
           <a:p>
-            <a:pPr algn="ctr"/>
-            <a:endParaRPr lang="en-CA"/>
+            <a:pPr marL="0" marR="0" lvl="0" indent="0" algn="ctr" defTabSz="914400" rtl="0" eaLnBrk="1" fontAlgn="auto" latinLnBrk="0" hangingPunct="1">
+              <a:lnSpc>
+                <a:spcPct val="110000"/>
+              </a:lnSpc>
+              <a:spcBef>
+                <a:spcPts val="1000"/>
+              </a:spcBef>
+              <a:spcAft>
+                <a:spcPts val="0"/>
+              </a:spcAft>
+              <a:buClr>
+                <a:prstClr val="white"/>
+              </a:buClr>
+              <a:buSzPct val="75000"/>
+              <a:buFont typeface="+mj-lt"/>
+              <a:buNone/>
+              <a:tabLst/>
+              <a:defRPr/>
+            </a:pPr>
+            <a:r>
+              <a:rPr kumimoji="0" lang="en-US" sz="2400" b="0" i="0" u="none" strike="noStrike" kern="1200" cap="none" spc="0" normalizeH="0" baseline="0" noProof="0" dirty="0">
+                <a:ln>
+                  <a:noFill/>
+                </a:ln>
+                <a:solidFill>
+                  <a:srgbClr val="8F99BB">
+                    <a:lumMod val="75000"/>
+                  </a:srgbClr>
+                </a:solidFill>
+                <a:effectLst/>
+                <a:uLnTx/>
+                <a:uFillTx/>
+                <a:latin typeface="Avenir Next LT Pro"/>
+                <a:ea typeface="+mn-ea"/>
+                <a:cs typeface="+mn-cs"/>
+              </a:rPr>
+              <a:t>The social and psychological tendency to defend the status quo</a:t>
+            </a:r>
+            <a:endParaRPr kumimoji="0" lang="en-CA" sz="2400" b="0" i="0" u="none" strike="noStrike" kern="1200" cap="none" spc="0" normalizeH="0" baseline="0" noProof="0" dirty="0">
+              <a:ln>
+                <a:noFill/>
+              </a:ln>
+              <a:solidFill>
+                <a:srgbClr val="8F99BB">
+                  <a:lumMod val="75000"/>
+                </a:srgbClr>
+              </a:solidFill>
+              <a:effectLst/>
+              <a:uLnTx/>
+              <a:uFillTx/>
+              <a:latin typeface="Avenir Next LT Pro"/>
+              <a:ea typeface="+mn-ea"/>
+              <a:cs typeface="+mn-cs"/>
+            </a:endParaRPr>
           </a:p>
         </p:txBody>
       </p:sp>
@@ -8163,7 +11701,7 @@
         </p:nvGrpSpPr>
         <p:grpSpPr>
           <a:xfrm>
-            <a:off x="6417234" y="6805949"/>
+            <a:off x="6556934" y="5993149"/>
             <a:ext cx="5055049" cy="5022106"/>
             <a:chOff x="6428491" y="1555634"/>
             <a:chExt cx="5055049" cy="5022106"/>
@@ -8761,12 +12299,314 @@
           </p:txBody>
         </p:sp>
       </p:grpSp>
+      <p:sp>
+        <p:nvSpPr>
+          <p:cNvPr id="18" name="Rectangle 17">
+            <a:extLst>
+              <a:ext uri="{FF2B5EF4-FFF2-40B4-BE49-F238E27FC236}">
+                <a16:creationId xmlns:a16="http://schemas.microsoft.com/office/drawing/2014/main" id="{78A0EAD6-45FB-4FC5-8280-ACADECBA37F0}"/>
+              </a:ext>
+            </a:extLst>
+          </p:cNvPr>
+          <p:cNvSpPr/>
+          <p:nvPr/>
+        </p:nvSpPr>
+        <p:spPr>
+          <a:xfrm>
+            <a:off x="257966" y="18246056"/>
+            <a:ext cx="11484864" cy="618978"/>
+          </a:xfrm>
+          <a:prstGeom prst="rect">
+            <a:avLst/>
+          </a:prstGeom>
+          <a:solidFill>
+            <a:srgbClr val="515C85"/>
+          </a:solidFill>
+          <a:ln>
+            <a:noFill/>
+          </a:ln>
+        </p:spPr>
+        <p:style>
+          <a:lnRef idx="2">
+            <a:schemeClr val="accent1">
+              <a:shade val="50000"/>
+            </a:schemeClr>
+          </a:lnRef>
+          <a:fillRef idx="1">
+            <a:schemeClr val="accent1"/>
+          </a:fillRef>
+          <a:effectRef idx="0">
+            <a:schemeClr val="accent1"/>
+          </a:effectRef>
+          <a:fontRef idx="minor">
+            <a:schemeClr val="lt1"/>
+          </a:fontRef>
+        </p:style>
+        <p:txBody>
+          <a:bodyPr rtlCol="0" anchor="ctr"/>
+          <a:lstStyle/>
+          <a:p>
+            <a:pPr algn="ctr"/>
+            <a:r>
+              <a:rPr lang="en-US" sz="4000" b="1" dirty="0"/>
+              <a:t>Hypotheses</a:t>
+            </a:r>
+            <a:endParaRPr lang="en-CA" sz="4000" b="1" dirty="0"/>
+          </a:p>
+        </p:txBody>
+      </p:sp>
+      <p:sp>
+        <p:nvSpPr>
+          <p:cNvPr id="77" name="Arrow: Chevron 76">
+            <a:extLst>
+              <a:ext uri="{FF2B5EF4-FFF2-40B4-BE49-F238E27FC236}">
+                <a16:creationId xmlns:a16="http://schemas.microsoft.com/office/drawing/2014/main" id="{6FD5843F-DD2E-467D-B18A-F0EFDB2EC9F2}"/>
+              </a:ext>
+            </a:extLst>
+          </p:cNvPr>
+          <p:cNvSpPr/>
+          <p:nvPr/>
+        </p:nvSpPr>
+        <p:spPr>
+          <a:xfrm>
+            <a:off x="5359019" y="19023547"/>
+            <a:ext cx="1065867" cy="860608"/>
+          </a:xfrm>
+          <a:prstGeom prst="chevron">
+            <a:avLst/>
+          </a:prstGeom>
+          <a:solidFill>
+            <a:srgbClr val="8F99BB">
+              <a:lumMod val="60000"/>
+              <a:lumOff val="40000"/>
+            </a:srgbClr>
+          </a:solidFill>
+          <a:ln w="12700" cap="flat" cmpd="sng" algn="ctr">
+            <a:noFill/>
+            <a:prstDash val="solid"/>
+            <a:miter lim="800000"/>
+          </a:ln>
+          <a:effectLst/>
+        </p:spPr>
+        <p:txBody>
+          <a:bodyPr rtlCol="0" anchor="ctr"/>
+          <a:lstStyle/>
+          <a:p>
+            <a:pPr marL="0" marR="0" lvl="0" indent="0" algn="ctr" defTabSz="914400" eaLnBrk="1" fontAlgn="auto" latinLnBrk="0" hangingPunct="1">
+              <a:lnSpc>
+                <a:spcPct val="100000"/>
+              </a:lnSpc>
+              <a:spcBef>
+                <a:spcPts val="0"/>
+              </a:spcBef>
+              <a:spcAft>
+                <a:spcPts val="0"/>
+              </a:spcAft>
+              <a:buClrTx/>
+              <a:buSzTx/>
+              <a:buFontTx/>
+              <a:buNone/>
+              <a:tabLst/>
+              <a:defRPr/>
+            </a:pPr>
+            <a:endParaRPr kumimoji="0" lang="en-CA" sz="1800" b="0" i="0" u="none" strike="noStrike" kern="0" cap="none" spc="0" normalizeH="0" baseline="0" noProof="0">
+              <a:ln>
+                <a:noFill/>
+              </a:ln>
+              <a:solidFill>
+                <a:prstClr val="black"/>
+              </a:solidFill>
+              <a:effectLst/>
+              <a:uLnTx/>
+              <a:uFillTx/>
+              <a:latin typeface="Avenir Next LT Pro"/>
+              <a:ea typeface="+mn-ea"/>
+              <a:cs typeface="+mn-cs"/>
+            </a:endParaRPr>
+          </a:p>
+        </p:txBody>
+      </p:sp>
+      <p:sp>
+        <p:nvSpPr>
+          <p:cNvPr id="78" name="Rectangle 77">
+            <a:extLst>
+              <a:ext uri="{FF2B5EF4-FFF2-40B4-BE49-F238E27FC236}">
+                <a16:creationId xmlns:a16="http://schemas.microsoft.com/office/drawing/2014/main" id="{06771736-154D-476D-B69A-666A25D467EF}"/>
+              </a:ext>
+            </a:extLst>
+          </p:cNvPr>
+          <p:cNvSpPr/>
+          <p:nvPr/>
+        </p:nvSpPr>
+        <p:spPr>
+          <a:xfrm>
+            <a:off x="256032" y="19021171"/>
+            <a:ext cx="806559" cy="860611"/>
+          </a:xfrm>
+          <a:prstGeom prst="rect">
+            <a:avLst/>
+          </a:prstGeom>
+          <a:solidFill>
+            <a:srgbClr val="8F99BB">
+              <a:lumMod val="75000"/>
+            </a:srgbClr>
+          </a:solidFill>
+          <a:ln w="12700" cap="flat" cmpd="sng" algn="ctr">
+            <a:noFill/>
+            <a:prstDash val="solid"/>
+            <a:miter lim="800000"/>
+          </a:ln>
+          <a:effectLst/>
+        </p:spPr>
+        <p:txBody>
+          <a:bodyPr rtlCol="0" anchor="ctr"/>
+          <a:lstStyle/>
+          <a:p>
+            <a:pPr marL="0" marR="0" lvl="0" indent="0" algn="ctr" defTabSz="914400" eaLnBrk="1" fontAlgn="auto" latinLnBrk="0" hangingPunct="1">
+              <a:lnSpc>
+                <a:spcPct val="100000"/>
+              </a:lnSpc>
+              <a:spcBef>
+                <a:spcPts val="0"/>
+              </a:spcBef>
+              <a:spcAft>
+                <a:spcPts val="0"/>
+              </a:spcAft>
+              <a:buClrTx/>
+              <a:buSzTx/>
+              <a:buFontTx/>
+              <a:buNone/>
+              <a:tabLst/>
+              <a:defRPr/>
+            </a:pPr>
+            <a:r>
+              <a:rPr kumimoji="0" lang="en-US" sz="3200" b="1" i="0" u="none" strike="noStrike" kern="0" cap="none" spc="0" normalizeH="0" baseline="0" noProof="0" dirty="0">
+                <a:ln>
+                  <a:noFill/>
+                </a:ln>
+                <a:solidFill>
+                  <a:prstClr val="white"/>
+                </a:solidFill>
+                <a:effectLst/>
+                <a:uLnTx/>
+                <a:uFillTx/>
+                <a:latin typeface="Avenir Next LT Pro"/>
+                <a:ea typeface="+mn-ea"/>
+                <a:cs typeface="+mn-cs"/>
+              </a:rPr>
+              <a:t>H1</a:t>
+            </a:r>
+            <a:endParaRPr kumimoji="0" lang="en-CA" sz="3200" b="1" i="0" u="none" strike="noStrike" kern="0" cap="none" spc="0" normalizeH="0" baseline="0" noProof="0" dirty="0">
+              <a:ln>
+                <a:noFill/>
+              </a:ln>
+              <a:solidFill>
+                <a:prstClr val="white"/>
+              </a:solidFill>
+              <a:effectLst/>
+              <a:uLnTx/>
+              <a:uFillTx/>
+              <a:latin typeface="Avenir Next LT Pro"/>
+              <a:ea typeface="+mn-ea"/>
+              <a:cs typeface="+mn-cs"/>
+            </a:endParaRPr>
+          </a:p>
+        </p:txBody>
+      </p:sp>
+      <p:sp>
+        <p:nvSpPr>
+          <p:cNvPr id="79" name="Arrow: Pentagon 78">
+            <a:extLst>
+              <a:ext uri="{FF2B5EF4-FFF2-40B4-BE49-F238E27FC236}">
+                <a16:creationId xmlns:a16="http://schemas.microsoft.com/office/drawing/2014/main" id="{264C6006-5D20-4EDB-BCC5-79204A60C5DF}"/>
+              </a:ext>
+            </a:extLst>
+          </p:cNvPr>
+          <p:cNvSpPr/>
+          <p:nvPr/>
+        </p:nvSpPr>
+        <p:spPr>
+          <a:xfrm>
+            <a:off x="1062591" y="19021173"/>
+            <a:ext cx="5232361" cy="862982"/>
+          </a:xfrm>
+          <a:prstGeom prst="homePlate">
+            <a:avLst/>
+          </a:prstGeom>
+          <a:solidFill>
+            <a:srgbClr val="8F99BB">
+              <a:lumMod val="20000"/>
+              <a:lumOff val="80000"/>
+            </a:srgbClr>
+          </a:solidFill>
+          <a:ln w="12700" cap="flat" cmpd="sng" algn="ctr">
+            <a:noFill/>
+            <a:prstDash val="solid"/>
+            <a:miter lim="800000"/>
+          </a:ln>
+          <a:effectLst/>
+        </p:spPr>
+        <p:txBody>
+          <a:bodyPr rtlCol="0" anchor="ctr"/>
+          <a:lstStyle/>
+          <a:p>
+            <a:pPr marL="0" marR="0" lvl="0" indent="0" algn="ctr" defTabSz="914400" eaLnBrk="1" fontAlgn="auto" latinLnBrk="0" hangingPunct="1">
+              <a:lnSpc>
+                <a:spcPct val="100000"/>
+              </a:lnSpc>
+              <a:spcBef>
+                <a:spcPts val="0"/>
+              </a:spcBef>
+              <a:spcAft>
+                <a:spcPts val="0"/>
+              </a:spcAft>
+              <a:buClrTx/>
+              <a:buSzTx/>
+              <a:buFontTx/>
+              <a:buNone/>
+              <a:tabLst/>
+              <a:defRPr/>
+            </a:pPr>
+            <a:r>
+              <a:rPr kumimoji="0" lang="en-US" sz="2600" i="0" u="none" strike="noStrike" kern="0" cap="none" spc="0" normalizeH="0" baseline="0" noProof="0" dirty="0">
+                <a:ln>
+                  <a:noFill/>
+                </a:ln>
+                <a:solidFill>
+                  <a:srgbClr val="8F99BB">
+                    <a:lumMod val="75000"/>
+                  </a:srgbClr>
+                </a:solidFill>
+                <a:effectLst/>
+                <a:uLnTx/>
+                <a:uFillTx/>
+                <a:latin typeface="Posterama"/>
+              </a:rPr>
+              <a:t>Presence of clan culture perks</a:t>
+            </a:r>
+            <a:endParaRPr kumimoji="0" lang="en-CA" sz="2600" i="0" u="none" strike="noStrike" kern="0" cap="none" spc="0" normalizeH="0" baseline="0" noProof="0" dirty="0">
+              <a:ln>
+                <a:noFill/>
+              </a:ln>
+              <a:solidFill>
+                <a:srgbClr val="8F99BB">
+                  <a:lumMod val="75000"/>
+                </a:srgbClr>
+              </a:solidFill>
+              <a:effectLst/>
+              <a:uLnTx/>
+              <a:uFillTx/>
+              <a:latin typeface="Posterama"/>
+            </a:endParaRPr>
+          </a:p>
+        </p:txBody>
+      </p:sp>
       <p:grpSp>
         <p:nvGrpSpPr>
-          <p:cNvPr id="76" name="Group 75">
+          <p:cNvPr id="80" name="Group 79">
             <a:extLst>
               <a:ext uri="{FF2B5EF4-FFF2-40B4-BE49-F238E27FC236}">
-                <a16:creationId xmlns:a16="http://schemas.microsoft.com/office/drawing/2014/main" id="{AD32B919-4F17-41C0-B73B-5C80D509199E}"/>
+                <a16:creationId xmlns:a16="http://schemas.microsoft.com/office/drawing/2014/main" id="{C95138E5-60D4-4159-862A-4129D7CB6ED3}"/>
               </a:ext>
             </a:extLst>
           </p:cNvPr>
@@ -8774,19 +12614,19 @@
           <p:nvPr/>
         </p:nvGrpSpPr>
         <p:grpSpPr>
-          <a:xfrm>
-            <a:off x="211687" y="17752117"/>
-            <a:ext cx="18367495" cy="1008239"/>
-            <a:chOff x="575336" y="1773674"/>
-            <a:chExt cx="18367495" cy="1008239"/>
+          <a:xfrm rot="16200000">
+            <a:off x="8578096" y="16686632"/>
+            <a:ext cx="868506" cy="5545779"/>
+            <a:chOff x="-2326483" y="4824607"/>
+            <a:chExt cx="2650453" cy="1900219"/>
           </a:xfrm>
         </p:grpSpPr>
         <p:sp>
           <p:nvSpPr>
-            <p:cNvPr id="77" name="Arrow: Chevron 76">
+            <p:cNvPr id="85" name="Arrow: Chevron 84">
               <a:extLst>
                 <a:ext uri="{FF2B5EF4-FFF2-40B4-BE49-F238E27FC236}">
-                  <a16:creationId xmlns:a16="http://schemas.microsoft.com/office/drawing/2014/main" id="{6FD5843F-DD2E-467D-B18A-F0EFDB2EC9F2}"/>
+                  <a16:creationId xmlns:a16="http://schemas.microsoft.com/office/drawing/2014/main" id="{16B6F3D1-686F-44AA-9A78-9E44ABB89099}"/>
                 </a:ext>
               </a:extLst>
             </p:cNvPr>
@@ -8794,17 +12634,19 @@
             <p:nvPr/>
           </p:nvSpPr>
           <p:spPr>
-            <a:xfrm>
-              <a:off x="5678323" y="1793582"/>
-              <a:ext cx="1065867" cy="978437"/>
+            <a:xfrm rot="5400000">
+              <a:off x="-1859155" y="4357279"/>
+              <a:ext cx="1712728" cy="2647383"/>
             </a:xfrm>
             <a:prstGeom prst="chevron">
-              <a:avLst/>
+              <a:avLst>
+                <a:gd name="adj" fmla="val 51037"/>
+              </a:avLst>
             </a:prstGeom>
             <a:solidFill>
               <a:srgbClr val="8F99BB">
-                <a:lumMod val="60000"/>
-                <a:lumOff val="40000"/>
+                <a:lumMod val="20000"/>
+                <a:lumOff val="80000"/>
               </a:srgbClr>
             </a:solidFill>
             <a:ln w="12700" cap="flat" cmpd="sng" algn="ctr">
@@ -8835,7 +12677,7 @@
                 <a:tabLst/>
                 <a:defRPr/>
               </a:pPr>
-              <a:endParaRPr kumimoji="0" lang="en-CA" sz="1800" b="0" i="0" u="none" strike="noStrike" kern="0" cap="none" spc="0" normalizeH="0" baseline="0" noProof="0">
+              <a:endParaRPr kumimoji="0" lang="en-CA" sz="1800" b="0" i="0" u="none" strike="noStrike" kern="0" cap="none" spc="0" normalizeH="0" baseline="0" noProof="0" dirty="0">
                 <a:ln>
                   <a:noFill/>
                 </a:ln>
@@ -8854,10 +12696,10 @@
         </p:sp>
         <p:sp>
           <p:nvSpPr>
-            <p:cNvPr id="78" name="Rectangle 77">
+            <p:cNvPr id="86" name="Rectangle 85">
               <a:extLst>
                 <a:ext uri="{FF2B5EF4-FFF2-40B4-BE49-F238E27FC236}">
-                  <a16:creationId xmlns:a16="http://schemas.microsoft.com/office/drawing/2014/main" id="{06771736-154D-476D-B69A-666A25D467EF}"/>
+                  <a16:creationId xmlns:a16="http://schemas.microsoft.com/office/drawing/2014/main" id="{2C364B84-41B2-41E1-8728-6C46B9EA54AF}"/>
                 </a:ext>
               </a:extLst>
             </p:cNvPr>
@@ -8866,97 +12708,10 @@
           </p:nvSpPr>
           <p:spPr>
             <a:xfrm>
-              <a:off x="575336" y="1790881"/>
-              <a:ext cx="1309051" cy="978441"/>
+              <a:off x="-2323679" y="5743614"/>
+              <a:ext cx="2647649" cy="981212"/>
             </a:xfrm>
             <a:prstGeom prst="rect">
-              <a:avLst/>
-            </a:prstGeom>
-            <a:solidFill>
-              <a:srgbClr val="8F99BB">
-                <a:lumMod val="75000"/>
-              </a:srgbClr>
-            </a:solidFill>
-            <a:ln w="12700" cap="flat" cmpd="sng" algn="ctr">
-              <a:noFill/>
-              <a:prstDash val="solid"/>
-              <a:miter lim="800000"/>
-            </a:ln>
-            <a:effectLst/>
-          </p:spPr>
-          <p:txBody>
-            <a:bodyPr rtlCol="0" anchor="ctr"/>
-            <a:lstStyle/>
-            <a:p>
-              <a:pPr marL="0" marR="0" lvl="0" indent="0" algn="ctr" defTabSz="914400" eaLnBrk="1" fontAlgn="auto" latinLnBrk="0" hangingPunct="1">
-                <a:lnSpc>
-                  <a:spcPct val="100000"/>
-                </a:lnSpc>
-                <a:spcBef>
-                  <a:spcPts val="0"/>
-                </a:spcBef>
-                <a:spcAft>
-                  <a:spcPts val="0"/>
-                </a:spcAft>
-                <a:buClrTx/>
-                <a:buSzTx/>
-                <a:buFontTx/>
-                <a:buNone/>
-                <a:tabLst/>
-                <a:defRPr/>
-              </a:pPr>
-              <a:r>
-                <a:rPr kumimoji="0" lang="en-US" sz="2800" b="1" i="0" u="none" strike="noStrike" kern="0" cap="none" spc="0" normalizeH="0" baseline="0" noProof="0" dirty="0">
-                  <a:ln>
-                    <a:noFill/>
-                  </a:ln>
-                  <a:solidFill>
-                    <a:prstClr val="white"/>
-                  </a:solidFill>
-                  <a:effectLst/>
-                  <a:uLnTx/>
-                  <a:uFillTx/>
-                  <a:latin typeface="Avenir Next LT Pro"/>
-                  <a:ea typeface="+mn-ea"/>
-                  <a:cs typeface="+mn-cs"/>
-                </a:rPr>
-                <a:t>H1</a:t>
-              </a:r>
-              <a:endParaRPr kumimoji="0" lang="en-CA" sz="2800" b="1" i="0" u="none" strike="noStrike" kern="0" cap="none" spc="0" normalizeH="0" baseline="0" noProof="0" dirty="0">
-                <a:ln>
-                  <a:noFill/>
-                </a:ln>
-                <a:solidFill>
-                  <a:prstClr val="white"/>
-                </a:solidFill>
-                <a:effectLst/>
-                <a:uLnTx/>
-                <a:uFillTx/>
-                <a:latin typeface="Avenir Next LT Pro"/>
-                <a:ea typeface="+mn-ea"/>
-                <a:cs typeface="+mn-cs"/>
-              </a:endParaRPr>
-            </a:p>
-          </p:txBody>
-        </p:sp>
-        <p:sp>
-          <p:nvSpPr>
-            <p:cNvPr id="79" name="Arrow: Pentagon 78">
-              <a:extLst>
-                <a:ext uri="{FF2B5EF4-FFF2-40B4-BE49-F238E27FC236}">
-                  <a16:creationId xmlns:a16="http://schemas.microsoft.com/office/drawing/2014/main" id="{264C6006-5D20-4EDB-BCC5-79204A60C5DF}"/>
-                </a:ext>
-              </a:extLst>
-            </p:cNvPr>
-            <p:cNvSpPr/>
-            <p:nvPr/>
-          </p:nvSpPr>
-          <p:spPr>
-            <a:xfrm>
-              <a:off x="1869918" y="1790883"/>
-              <a:ext cx="4744338" cy="981136"/>
-            </a:xfrm>
-            <a:prstGeom prst="homePlate">
               <a:avLst/>
             </a:prstGeom>
             <a:solidFill>
@@ -8993,377 +12748,58 @@
                 <a:tabLst/>
                 <a:defRPr/>
               </a:pPr>
-              <a:r>
-                <a:rPr kumimoji="0" lang="en-US" sz="2400" b="0" i="0" u="none" strike="noStrike" kern="0" cap="none" spc="0" normalizeH="0" baseline="0" noProof="0" dirty="0">
-                  <a:ln>
-                    <a:noFill/>
-                  </a:ln>
-                  <a:solidFill>
-                    <a:srgbClr val="8F99BB">
-                      <a:lumMod val="75000"/>
-                    </a:srgbClr>
-                  </a:solidFill>
-                  <a:effectLst/>
-                  <a:uLnTx/>
-                  <a:uFillTx/>
-                  <a:latin typeface="Posterama"/>
-                  <a:ea typeface="+mn-ea"/>
-                  <a:cs typeface="+mn-cs"/>
-                </a:rPr>
-                <a:t>Presence of clan culture perks</a:t>
-              </a:r>
-              <a:endParaRPr kumimoji="0" lang="en-CA" sz="2400" b="0" i="0" u="none" strike="noStrike" kern="0" cap="none" spc="0" normalizeH="0" baseline="0" noProof="0" dirty="0">
+              <a:endParaRPr kumimoji="0" lang="en-CA" sz="1800" b="0" i="0" u="none" strike="noStrike" kern="0" cap="none" spc="0" normalizeH="0" baseline="0" noProof="0" dirty="0">
                 <a:ln>
                   <a:noFill/>
                 </a:ln>
                 <a:solidFill>
-                  <a:srgbClr val="8F99BB">
-                    <a:lumMod val="75000"/>
-                  </a:srgbClr>
+                  <a:prstClr val="white"/>
                 </a:solidFill>
                 <a:effectLst/>
                 <a:uLnTx/>
                 <a:uFillTx/>
-                <a:latin typeface="Posterama"/>
+                <a:latin typeface="Avenir Next LT Pro"/>
                 <a:ea typeface="+mn-ea"/>
                 <a:cs typeface="+mn-cs"/>
               </a:endParaRPr>
             </a:p>
           </p:txBody>
         </p:sp>
-        <p:grpSp>
-          <p:nvGrpSpPr>
-            <p:cNvPr id="80" name="Group 79">
+        <p:sp>
+          <p:nvSpPr>
+            <p:cNvPr id="87" name="Rectangle 86">
               <a:extLst>
                 <a:ext uri="{FF2B5EF4-FFF2-40B4-BE49-F238E27FC236}">
-                  <a16:creationId xmlns:a16="http://schemas.microsoft.com/office/drawing/2014/main" id="{C95138E5-60D4-4159-862A-4129D7CB6ED3}"/>
+                  <a16:creationId xmlns:a16="http://schemas.microsoft.com/office/drawing/2014/main" id="{E63198CF-B6C9-48DD-9F6C-ECB6A5B58215}"/>
                 </a:ext>
               </a:extLst>
             </p:cNvPr>
-            <p:cNvGrpSpPr/>
-            <p:nvPr/>
-          </p:nvGrpSpPr>
-          <p:grpSpPr>
-            <a:xfrm rot="16200000">
-              <a:off x="8736330" y="-586300"/>
-              <a:ext cx="986372" cy="5750053"/>
-              <a:chOff x="-2323679" y="4754614"/>
-              <a:chExt cx="2647649" cy="1970212"/>
-            </a:xfrm>
-          </p:grpSpPr>
-          <p:sp>
-            <p:nvSpPr>
-              <p:cNvPr id="85" name="Arrow: Chevron 84">
-                <a:extLst>
-                  <a:ext uri="{FF2B5EF4-FFF2-40B4-BE49-F238E27FC236}">
-                    <a16:creationId xmlns:a16="http://schemas.microsoft.com/office/drawing/2014/main" id="{16B6F3D1-686F-44AA-9A78-9E44ABB89099}"/>
-                  </a:ext>
-                </a:extLst>
-              </p:cNvPr>
-              <p:cNvSpPr/>
-              <p:nvPr/>
-            </p:nvSpPr>
-            <p:spPr>
-              <a:xfrm rot="5400000">
-                <a:off x="-1856350" y="4287286"/>
-                <a:ext cx="1712728" cy="2647383"/>
-              </a:xfrm>
-              <a:prstGeom prst="chevron">
-                <a:avLst>
-                  <a:gd name="adj" fmla="val 51037"/>
-                </a:avLst>
-              </a:prstGeom>
-              <a:solidFill>
-                <a:srgbClr val="8F99BB">
-                  <a:lumMod val="20000"/>
-                  <a:lumOff val="80000"/>
-                </a:srgbClr>
-              </a:solidFill>
-              <a:ln w="12700" cap="flat" cmpd="sng" algn="ctr">
-                <a:noFill/>
-                <a:prstDash val="solid"/>
-                <a:miter lim="800000"/>
-              </a:ln>
-              <a:effectLst/>
-            </p:spPr>
-            <p:txBody>
-              <a:bodyPr rtlCol="0" anchor="ctr"/>
-              <a:lstStyle/>
-              <a:p>
-                <a:pPr marL="0" marR="0" lvl="0" indent="0" algn="ctr" defTabSz="914400" eaLnBrk="1" fontAlgn="auto" latinLnBrk="0" hangingPunct="1">
-                  <a:lnSpc>
-                    <a:spcPct val="100000"/>
-                  </a:lnSpc>
-                  <a:spcBef>
-                    <a:spcPts val="0"/>
-                  </a:spcBef>
-                  <a:spcAft>
-                    <a:spcPts val="0"/>
-                  </a:spcAft>
-                  <a:buClrTx/>
-                  <a:buSzTx/>
-                  <a:buFontTx/>
-                  <a:buNone/>
-                  <a:tabLst/>
-                  <a:defRPr/>
-                </a:pPr>
-                <a:endParaRPr kumimoji="0" lang="en-CA" sz="1800" b="0" i="0" u="none" strike="noStrike" kern="0" cap="none" spc="0" normalizeH="0" baseline="0" noProof="0" dirty="0">
-                  <a:ln>
-                    <a:noFill/>
-                  </a:ln>
-                  <a:solidFill>
-                    <a:prstClr val="black"/>
-                  </a:solidFill>
-                  <a:effectLst/>
-                  <a:uLnTx/>
-                  <a:uFillTx/>
-                  <a:latin typeface="Avenir Next LT Pro"/>
-                  <a:ea typeface="+mn-ea"/>
-                  <a:cs typeface="+mn-cs"/>
-                </a:endParaRPr>
-              </a:p>
-            </p:txBody>
-          </p:sp>
-          <p:sp>
-            <p:nvSpPr>
-              <p:cNvPr id="86" name="Rectangle 85">
-                <a:extLst>
-                  <a:ext uri="{FF2B5EF4-FFF2-40B4-BE49-F238E27FC236}">
-                    <a16:creationId xmlns:a16="http://schemas.microsoft.com/office/drawing/2014/main" id="{2C364B84-41B2-41E1-8728-6C46B9EA54AF}"/>
-                  </a:ext>
-                </a:extLst>
-              </p:cNvPr>
-              <p:cNvSpPr/>
-              <p:nvPr/>
-            </p:nvSpPr>
-            <p:spPr>
-              <a:xfrm>
-                <a:off x="-2323679" y="5743614"/>
-                <a:ext cx="2647649" cy="981212"/>
-              </a:xfrm>
-              <a:prstGeom prst="rect">
-                <a:avLst/>
-              </a:prstGeom>
-              <a:solidFill>
-                <a:srgbClr val="8F99BB">
-                  <a:lumMod val="20000"/>
-                  <a:lumOff val="80000"/>
-                </a:srgbClr>
-              </a:solidFill>
-              <a:ln w="12700" cap="flat" cmpd="sng" algn="ctr">
-                <a:noFill/>
-                <a:prstDash val="solid"/>
-                <a:miter lim="800000"/>
-              </a:ln>
-              <a:effectLst/>
-            </p:spPr>
-            <p:txBody>
-              <a:bodyPr rtlCol="0" anchor="ctr"/>
-              <a:lstStyle/>
-              <a:p>
-                <a:pPr marL="0" marR="0" lvl="0" indent="0" algn="ctr" defTabSz="914400" eaLnBrk="1" fontAlgn="auto" latinLnBrk="0" hangingPunct="1">
-                  <a:lnSpc>
-                    <a:spcPct val="100000"/>
-                  </a:lnSpc>
-                  <a:spcBef>
-                    <a:spcPts val="0"/>
-                  </a:spcBef>
-                  <a:spcAft>
-                    <a:spcPts val="0"/>
-                  </a:spcAft>
-                  <a:buClrTx/>
-                  <a:buSzTx/>
-                  <a:buFontTx/>
-                  <a:buNone/>
-                  <a:tabLst/>
-                  <a:defRPr/>
-                </a:pPr>
-                <a:endParaRPr kumimoji="0" lang="en-CA" sz="1800" b="0" i="0" u="none" strike="noStrike" kern="0" cap="none" spc="0" normalizeH="0" baseline="0" noProof="0" dirty="0">
-                  <a:ln>
-                    <a:noFill/>
-                  </a:ln>
-                  <a:solidFill>
-                    <a:prstClr val="white"/>
-                  </a:solidFill>
-                  <a:effectLst/>
-                  <a:uLnTx/>
-                  <a:uFillTx/>
-                  <a:latin typeface="Avenir Next LT Pro"/>
-                  <a:ea typeface="+mn-ea"/>
-                  <a:cs typeface="+mn-cs"/>
-                </a:endParaRPr>
-              </a:p>
-            </p:txBody>
-          </p:sp>
-          <p:sp>
-            <p:nvSpPr>
-              <p:cNvPr id="87" name="Rectangle 86">
-                <a:extLst>
-                  <a:ext uri="{FF2B5EF4-FFF2-40B4-BE49-F238E27FC236}">
-                    <a16:creationId xmlns:a16="http://schemas.microsoft.com/office/drawing/2014/main" id="{E63198CF-B6C9-48DD-9F6C-ECB6A5B58215}"/>
-                  </a:ext>
-                </a:extLst>
-              </p:cNvPr>
-              <p:cNvSpPr/>
-              <p:nvPr/>
-            </p:nvSpPr>
-            <p:spPr>
-              <a:xfrm>
-                <a:off x="-2322750" y="5471802"/>
-                <a:ext cx="616201" cy="1085807"/>
-              </a:xfrm>
-              <a:prstGeom prst="rect">
-                <a:avLst/>
-              </a:prstGeom>
-              <a:solidFill>
-                <a:srgbClr val="8F99BB">
-                  <a:lumMod val="20000"/>
-                  <a:lumOff val="80000"/>
-                </a:srgbClr>
-              </a:solidFill>
-              <a:ln w="12700" cap="flat" cmpd="sng" algn="ctr">
-                <a:noFill/>
-                <a:prstDash val="solid"/>
-                <a:miter lim="800000"/>
-              </a:ln>
-              <a:effectLst/>
-            </p:spPr>
-            <p:txBody>
-              <a:bodyPr rtlCol="0" anchor="ctr"/>
-              <a:lstStyle/>
-              <a:p>
-                <a:pPr marL="0" marR="0" lvl="0" indent="0" algn="ctr" defTabSz="914400" eaLnBrk="1" fontAlgn="auto" latinLnBrk="0" hangingPunct="1">
-                  <a:lnSpc>
-                    <a:spcPct val="100000"/>
-                  </a:lnSpc>
-                  <a:spcBef>
-                    <a:spcPts val="0"/>
-                  </a:spcBef>
-                  <a:spcAft>
-                    <a:spcPts val="0"/>
-                  </a:spcAft>
-                  <a:buClrTx/>
-                  <a:buSzTx/>
-                  <a:buFontTx/>
-                  <a:buNone/>
-                  <a:tabLst/>
-                  <a:defRPr/>
-                </a:pPr>
-                <a:endParaRPr kumimoji="0" lang="en-CA" sz="1800" b="0" i="0" u="none" strike="noStrike" kern="0" cap="none" spc="0" normalizeH="0" baseline="0" noProof="0">
-                  <a:ln>
-                    <a:noFill/>
-                  </a:ln>
-                  <a:solidFill>
-                    <a:prstClr val="white"/>
-                  </a:solidFill>
-                  <a:effectLst/>
-                  <a:uLnTx/>
-                  <a:uFillTx/>
-                  <a:latin typeface="Avenir Next LT Pro"/>
-                  <a:ea typeface="+mn-ea"/>
-                  <a:cs typeface="+mn-cs"/>
-                </a:endParaRPr>
-              </a:p>
-            </p:txBody>
-          </p:sp>
-          <p:sp>
-            <p:nvSpPr>
-              <p:cNvPr id="88" name="Rectangle 87">
-                <a:extLst>
-                  <a:ext uri="{FF2B5EF4-FFF2-40B4-BE49-F238E27FC236}">
-                    <a16:creationId xmlns:a16="http://schemas.microsoft.com/office/drawing/2014/main" id="{68E1BA0B-C739-4CCE-918B-DACABB8BC656}"/>
-                  </a:ext>
-                </a:extLst>
-              </p:cNvPr>
-              <p:cNvSpPr/>
-              <p:nvPr/>
-            </p:nvSpPr>
-            <p:spPr>
-              <a:xfrm>
-                <a:off x="-298706" y="5439513"/>
-                <a:ext cx="622048" cy="1085807"/>
-              </a:xfrm>
-              <a:prstGeom prst="rect">
-                <a:avLst/>
-              </a:prstGeom>
-              <a:solidFill>
-                <a:srgbClr val="8F99BB">
-                  <a:lumMod val="20000"/>
-                  <a:lumOff val="80000"/>
-                </a:srgbClr>
-              </a:solidFill>
-              <a:ln w="12700" cap="flat" cmpd="sng" algn="ctr">
-                <a:noFill/>
-                <a:prstDash val="solid"/>
-                <a:miter lim="800000"/>
-              </a:ln>
-              <a:effectLst/>
-            </p:spPr>
-            <p:txBody>
-              <a:bodyPr rtlCol="0" anchor="ctr"/>
-              <a:lstStyle/>
-              <a:p>
-                <a:pPr marL="0" marR="0" lvl="0" indent="0" algn="ctr" defTabSz="914400" eaLnBrk="1" fontAlgn="auto" latinLnBrk="0" hangingPunct="1">
-                  <a:lnSpc>
-                    <a:spcPct val="100000"/>
-                  </a:lnSpc>
-                  <a:spcBef>
-                    <a:spcPts val="0"/>
-                  </a:spcBef>
-                  <a:spcAft>
-                    <a:spcPts val="0"/>
-                  </a:spcAft>
-                  <a:buClrTx/>
-                  <a:buSzTx/>
-                  <a:buFontTx/>
-                  <a:buNone/>
-                  <a:tabLst/>
-                  <a:defRPr/>
-                </a:pPr>
-                <a:endParaRPr kumimoji="0" lang="en-CA" sz="1800" b="0" i="0" u="none" strike="noStrike" kern="0" cap="none" spc="0" normalizeH="0" baseline="0" noProof="0">
-                  <a:ln>
-                    <a:noFill/>
-                  </a:ln>
-                  <a:solidFill>
-                    <a:prstClr val="white"/>
-                  </a:solidFill>
-                  <a:effectLst/>
-                  <a:uLnTx/>
-                  <a:uFillTx/>
-                  <a:latin typeface="Avenir Next LT Pro"/>
-                  <a:ea typeface="+mn-ea"/>
-                  <a:cs typeface="+mn-cs"/>
-                </a:endParaRPr>
-              </a:p>
-            </p:txBody>
-          </p:sp>
-        </p:grpSp>
-        <p:sp>
-          <p:nvSpPr>
-            <p:cNvPr id="81" name="TextBox 80">
-              <a:extLst>
-                <a:ext uri="{FF2B5EF4-FFF2-40B4-BE49-F238E27FC236}">
-                  <a16:creationId xmlns:a16="http://schemas.microsoft.com/office/drawing/2014/main" id="{D031F755-B0C9-457F-82B2-5D7E4E5D500F}"/>
-                </a:ext>
-              </a:extLst>
-            </p:cNvPr>
-            <p:cNvSpPr txBox="1"/>
+            <p:cNvSpPr/>
             <p:nvPr/>
           </p:nvSpPr>
           <p:spPr>
             <a:xfrm>
-              <a:off x="6751584" y="2040475"/>
-              <a:ext cx="3101091" cy="461665"/>
+              <a:off x="-2322750" y="5471802"/>
+              <a:ext cx="616201" cy="1085807"/>
             </a:xfrm>
             <a:prstGeom prst="rect">
               <a:avLst/>
             </a:prstGeom>
-            <a:noFill/>
+            <a:solidFill>
+              <a:srgbClr val="8F99BB">
+                <a:lumMod val="20000"/>
+                <a:lumOff val="80000"/>
+              </a:srgbClr>
+            </a:solidFill>
+            <a:ln w="12700" cap="flat" cmpd="sng" algn="ctr">
+              <a:noFill/>
+              <a:prstDash val="solid"/>
+              <a:miter lim="800000"/>
+            </a:ln>
+            <a:effectLst/>
           </p:spPr>
           <p:txBody>
-            <a:bodyPr wrap="square" rtlCol="0">
-              <a:spAutoFit/>
-            </a:bodyPr>
+            <a:bodyPr rtlCol="0" anchor="ctr"/>
             <a:lstStyle/>
             <a:p>
               <a:pPr marL="0" marR="0" lvl="0" indent="0" algn="ctr" defTabSz="914400" eaLnBrk="1" fontAlgn="auto" latinLnBrk="0" hangingPunct="1">
@@ -9383,118 +12819,58 @@
                 <a:tabLst/>
                 <a:defRPr/>
               </a:pPr>
-              <a:r>
-                <a:rPr kumimoji="0" lang="en-US" sz="1800" b="0" i="0" u="none" strike="noStrike" kern="0" cap="none" spc="0" normalizeH="0" baseline="0" noProof="0" dirty="0">
-                  <a:ln>
-                    <a:noFill/>
-                  </a:ln>
-                  <a:solidFill>
-                    <a:srgbClr val="8F99BB">
-                      <a:lumMod val="75000"/>
-                    </a:srgbClr>
-                  </a:solidFill>
-                  <a:effectLst/>
-                  <a:uLnTx/>
-                  <a:uFillTx/>
-                  <a:latin typeface="Avenir Next LT Pro"/>
-                </a:rPr>
-                <a:t>     </a:t>
-              </a:r>
-              <a:r>
-                <a:rPr kumimoji="0" lang="en-US" sz="2400" b="0" i="0" u="none" strike="noStrike" kern="0" cap="none" spc="0" normalizeH="0" baseline="0" noProof="0" dirty="0">
-                  <a:ln>
-                    <a:noFill/>
-                  </a:ln>
-                  <a:solidFill>
-                    <a:srgbClr val="8F99BB">
-                      <a:lumMod val="75000"/>
-                    </a:srgbClr>
-                  </a:solidFill>
-                  <a:effectLst/>
-                  <a:uLnTx/>
-                  <a:uFillTx/>
-                  <a:latin typeface="Posterama"/>
-                </a:rPr>
-                <a:t>Exploitation</a:t>
-              </a:r>
-              <a:endParaRPr kumimoji="0" lang="en-CA" sz="1800" b="0" i="0" u="none" strike="noStrike" kern="0" cap="none" spc="0" normalizeH="0" baseline="0" noProof="0" dirty="0">
+              <a:endParaRPr kumimoji="0" lang="en-CA" sz="1800" b="0" i="0" u="none" strike="noStrike" kern="0" cap="none" spc="0" normalizeH="0" baseline="0" noProof="0">
                 <a:ln>
                   <a:noFill/>
                 </a:ln>
                 <a:solidFill>
-                  <a:srgbClr val="8F99BB">
-                    <a:lumMod val="75000"/>
-                  </a:srgbClr>
+                  <a:prstClr val="white"/>
                 </a:solidFill>
                 <a:effectLst/>
                 <a:uLnTx/>
                 <a:uFillTx/>
-                <a:latin typeface="Posterama"/>
+                <a:latin typeface="Avenir Next LT Pro"/>
+                <a:ea typeface="+mn-ea"/>
+                <a:cs typeface="+mn-cs"/>
               </a:endParaRPr>
             </a:p>
           </p:txBody>
         </p:sp>
-        <p:cxnSp>
-          <p:nvCxnSpPr>
-            <p:cNvPr id="82" name="Straight Arrow Connector 81">
+        <p:sp>
+          <p:nvSpPr>
+            <p:cNvPr id="88" name="Rectangle 87">
               <a:extLst>
                 <a:ext uri="{FF2B5EF4-FFF2-40B4-BE49-F238E27FC236}">
-                  <a16:creationId xmlns:a16="http://schemas.microsoft.com/office/drawing/2014/main" id="{8BF75C01-7025-47F5-BDD0-290BE8D4797C}"/>
+                  <a16:creationId xmlns:a16="http://schemas.microsoft.com/office/drawing/2014/main" id="{68E1BA0B-C739-4CCE-918B-DACABB8BC656}"/>
                 </a:ext>
               </a:extLst>
             </p:cNvPr>
-            <p:cNvCxnSpPr/>
-            <p:nvPr/>
-          </p:nvCxnSpPr>
-          <p:spPr>
-            <a:xfrm flipV="1">
-              <a:off x="7462703" y="2027516"/>
-              <a:ext cx="0" cy="413902"/>
-            </a:xfrm>
-            <a:prstGeom prst="straightConnector1">
-              <a:avLst/>
-            </a:prstGeom>
-            <a:noFill/>
-            <a:ln w="38100" cap="flat" cmpd="sng" algn="ctr">
-              <a:solidFill>
-                <a:srgbClr val="8F99BB">
-                  <a:lumMod val="75000"/>
-                </a:srgbClr>
-              </a:solidFill>
-              <a:prstDash val="solid"/>
-              <a:miter lim="800000"/>
-              <a:headEnd type="none" w="med" len="med"/>
-              <a:tailEnd type="arrow" w="med" len="med"/>
-            </a:ln>
-            <a:effectLst/>
-          </p:spPr>
-        </p:cxnSp>
-        <p:sp>
-          <p:nvSpPr>
-            <p:cNvPr id="83" name="TextBox 82">
-              <a:extLst>
-                <a:ext uri="{FF2B5EF4-FFF2-40B4-BE49-F238E27FC236}">
-                  <a16:creationId xmlns:a16="http://schemas.microsoft.com/office/drawing/2014/main" id="{E0B34811-E565-4C88-A527-4CC619476A6D}"/>
-                </a:ext>
-              </a:extLst>
-            </p:cNvPr>
-            <p:cNvSpPr txBox="1"/>
+            <p:cNvSpPr/>
             <p:nvPr/>
           </p:nvSpPr>
           <p:spPr>
             <a:xfrm>
-              <a:off x="8909773" y="2035691"/>
-              <a:ext cx="2475510" cy="461665"/>
+              <a:off x="-298706" y="5439513"/>
+              <a:ext cx="622048" cy="1085807"/>
             </a:xfrm>
             <a:prstGeom prst="rect">
               <a:avLst/>
             </a:prstGeom>
-            <a:noFill/>
+            <a:solidFill>
+              <a:srgbClr val="8F99BB">
+                <a:lumMod val="20000"/>
+                <a:lumOff val="80000"/>
+              </a:srgbClr>
+            </a:solidFill>
+            <a:ln w="12700" cap="flat" cmpd="sng" algn="ctr">
+              <a:noFill/>
+              <a:prstDash val="solid"/>
+              <a:miter lim="800000"/>
+            </a:ln>
+            <a:effectLst/>
           </p:spPr>
           <p:txBody>
-            <a:bodyPr wrap="square" rtlCol="0">
-              <a:spAutoFit/>
-            </a:bodyPr>
+            <a:bodyPr rtlCol="0" anchor="ctr"/>
             <a:lstStyle/>
             <a:p>
               <a:pPr marL="0" marR="0" lvl="0" indent="0" algn="ctr" defTabSz="914400" eaLnBrk="1" fontAlgn="auto" latinLnBrk="0" hangingPunct="1">
@@ -9514,41 +12890,57 @@
                 <a:tabLst/>
                 <a:defRPr/>
               </a:pPr>
-              <a:r>
-                <a:rPr kumimoji="0" lang="en-US" sz="1800" b="0" i="0" u="none" strike="noStrike" kern="0" cap="none" spc="0" normalizeH="0" baseline="0" noProof="0" dirty="0">
-                  <a:ln>
-                    <a:noFill/>
-                  </a:ln>
-                  <a:solidFill>
-                    <a:srgbClr val="8F99BB">
-                      <a:lumMod val="75000"/>
-                    </a:srgbClr>
-                  </a:solidFill>
-                  <a:effectLst/>
-                  <a:uLnTx/>
-                  <a:uFillTx/>
-                  <a:latin typeface="Avenir Next LT Pro"/>
-                </a:rPr>
-                <a:t> </a:t>
-              </a:r>
-              <a:r>
-                <a:rPr kumimoji="0" lang="en-US" sz="2400" b="0" i="0" u="none" strike="noStrike" kern="0" cap="none" spc="0" normalizeH="0" baseline="0" noProof="0" dirty="0">
-                  <a:ln>
-                    <a:noFill/>
-                  </a:ln>
-                  <a:solidFill>
-                    <a:srgbClr val="8F99BB">
-                      <a:lumMod val="75000"/>
-                    </a:srgbClr>
-                  </a:solidFill>
-                  <a:effectLst/>
-                  <a:uLnTx/>
-                  <a:uFillTx/>
-                  <a:latin typeface="Posterama"/>
-                </a:rPr>
-                <a:t>Justification</a:t>
-              </a:r>
-              <a:endParaRPr kumimoji="0" lang="en-CA" sz="1800" b="0" i="0" u="none" strike="noStrike" kern="0" cap="none" spc="0" normalizeH="0" baseline="0" noProof="0" dirty="0">
+              <a:endParaRPr kumimoji="0" lang="en-CA" sz="1800" b="0" i="0" u="none" strike="noStrike" kern="0" cap="none" spc="0" normalizeH="0" baseline="0" noProof="0">
+                <a:ln>
+                  <a:noFill/>
+                </a:ln>
+                <a:solidFill>
+                  <a:prstClr val="white"/>
+                </a:solidFill>
+                <a:effectLst/>
+                <a:uLnTx/>
+                <a:uFillTx/>
+                <a:latin typeface="Avenir Next LT Pro"/>
+                <a:ea typeface="+mn-ea"/>
+                <a:cs typeface="+mn-cs"/>
+              </a:endParaRPr>
+            </a:p>
+          </p:txBody>
+        </p:sp>
+      </p:grpSp>
+      <p:sp>
+        <p:nvSpPr>
+          <p:cNvPr id="81" name="TextBox 80">
+            <a:extLst>
+              <a:ext uri="{FF2B5EF4-FFF2-40B4-BE49-F238E27FC236}">
+                <a16:creationId xmlns:a16="http://schemas.microsoft.com/office/drawing/2014/main" id="{D031F755-B0C9-457F-82B2-5D7E4E5D500F}"/>
+              </a:ext>
+            </a:extLst>
+          </p:cNvPr>
+          <p:cNvSpPr txBox="1"/>
+          <p:nvPr/>
+        </p:nvSpPr>
+        <p:spPr>
+          <a:xfrm>
+            <a:off x="6853413" y="19240157"/>
+            <a:ext cx="4693931" cy="492443"/>
+          </a:xfrm>
+          <a:prstGeom prst="rect">
+            <a:avLst/>
+          </a:prstGeom>
+          <a:noFill/>
+        </p:spPr>
+        <p:txBody>
+          <a:bodyPr wrap="square" rtlCol="0">
+            <a:spAutoFit/>
+          </a:bodyPr>
+          <a:lstStyle/>
+          <a:p>
+            <a:pPr algn="ctr" defTabSz="914400">
+              <a:defRPr/>
+            </a:pPr>
+            <a:r>
+              <a:rPr kumimoji="0" lang="en-US" sz="2600" b="0" i="0" u="none" strike="noStrike" kern="0" cap="none" spc="0" normalizeH="0" baseline="0" noProof="0" dirty="0">
                 <a:ln>
                   <a:noFill/>
                 </a:ln>
@@ -9561,113 +12953,67 @@
                 <a:uLnTx/>
                 <a:uFillTx/>
                 <a:latin typeface="Posterama"/>
-              </a:endParaRPr>
-            </a:p>
-          </p:txBody>
-        </p:sp>
-        <p:sp>
-          <p:nvSpPr>
-            <p:cNvPr id="84" name="TextBox 83">
-              <a:extLst>
-                <a:ext uri="{FF2B5EF4-FFF2-40B4-BE49-F238E27FC236}">
-                  <a16:creationId xmlns:a16="http://schemas.microsoft.com/office/drawing/2014/main" id="{E75BD494-D2CF-49DF-B5FF-FDA4B8FB30D1}"/>
-                </a:ext>
-              </a:extLst>
-            </p:cNvPr>
-            <p:cNvSpPr txBox="1"/>
-            <p:nvPr/>
-          </p:nvSpPr>
-          <p:spPr>
-            <a:xfrm>
-              <a:off x="14786463" y="1773674"/>
-              <a:ext cx="4156368" cy="830997"/>
-            </a:xfrm>
-            <a:prstGeom prst="rect">
-              <a:avLst/>
-            </a:prstGeom>
-            <a:noFill/>
-          </p:spPr>
-          <p:txBody>
-            <a:bodyPr wrap="square" rtlCol="0">
-              <a:spAutoFit/>
-            </a:bodyPr>
-            <a:lstStyle/>
-            <a:p>
-              <a:pPr marL="0" marR="0" lvl="0" indent="0" algn="ctr" defTabSz="914400" eaLnBrk="1" fontAlgn="auto" latinLnBrk="0" hangingPunct="1">
-                <a:lnSpc>
-                  <a:spcPct val="100000"/>
-                </a:lnSpc>
-                <a:spcBef>
-                  <a:spcPts val="0"/>
-                </a:spcBef>
-                <a:spcAft>
-                  <a:spcPts val="0"/>
-                </a:spcAft>
-                <a:buClrTx/>
-                <a:buSzTx/>
-                <a:buFontTx/>
-                <a:buNone/>
-                <a:tabLst/>
-                <a:defRPr/>
-              </a:pPr>
-              <a:r>
-                <a:rPr kumimoji="0" lang="en-US" sz="1800" b="0" i="0" u="none" strike="noStrike" kern="0" cap="none" spc="0" normalizeH="0" baseline="0" noProof="0" dirty="0">
-                  <a:ln>
-                    <a:noFill/>
-                  </a:ln>
-                  <a:solidFill>
-                    <a:srgbClr val="8F99BB">
-                      <a:lumMod val="75000"/>
-                    </a:srgbClr>
-                  </a:solidFill>
-                  <a:effectLst/>
-                  <a:uLnTx/>
-                  <a:uFillTx/>
-                  <a:latin typeface="Avenir Next LT Pro"/>
-                </a:rPr>
-                <a:t> </a:t>
-              </a:r>
-              <a:r>
-                <a:rPr kumimoji="0" lang="en-US" sz="2400" b="0" i="0" u="none" strike="noStrike" kern="0" cap="none" spc="0" normalizeH="0" baseline="0" noProof="0" dirty="0">
-                  <a:ln>
-                    <a:noFill/>
-                  </a:ln>
-                  <a:solidFill>
-                    <a:srgbClr val="8F99BB">
-                      <a:lumMod val="75000"/>
-                    </a:srgbClr>
-                  </a:solidFill>
-                  <a:effectLst/>
-                  <a:uLnTx/>
-                  <a:uFillTx/>
-                  <a:latin typeface="Posterama"/>
-                </a:rPr>
-                <a:t>Unfairly compensated tasks and/or beyond job scope</a:t>
-              </a:r>
-              <a:endParaRPr kumimoji="0" lang="en-CA" sz="1800" b="0" i="0" u="none" strike="noStrike" kern="0" cap="none" spc="0" normalizeH="0" baseline="0" noProof="0" dirty="0">
-                <a:ln>
-                  <a:noFill/>
-                </a:ln>
-                <a:solidFill>
-                  <a:srgbClr val="8F99BB">
-                    <a:lumMod val="75000"/>
-                  </a:srgbClr>
-                </a:solidFill>
-                <a:effectLst/>
-                <a:uLnTx/>
-                <a:uFillTx/>
-                <a:latin typeface="Posterama"/>
-              </a:endParaRPr>
-            </a:p>
-          </p:txBody>
-        </p:sp>
-      </p:grpSp>
+              </a:rPr>
+              <a:t>Justification of Exploitation </a:t>
+            </a:r>
+            <a:endParaRPr kumimoji="0" lang="en-CA" sz="2600" b="0" i="0" u="none" strike="noStrike" kern="0" cap="none" spc="0" normalizeH="0" baseline="0" noProof="0" dirty="0">
+              <a:ln>
+                <a:noFill/>
+              </a:ln>
+              <a:solidFill>
+                <a:srgbClr val="8F99BB">
+                  <a:lumMod val="75000"/>
+                </a:srgbClr>
+              </a:solidFill>
+              <a:effectLst/>
+              <a:uLnTx/>
+              <a:uFillTx/>
+              <a:latin typeface="Posterama"/>
+            </a:endParaRPr>
+          </a:p>
+        </p:txBody>
+      </p:sp>
+      <p:cxnSp>
+        <p:nvCxnSpPr>
+          <p:cNvPr id="82" name="Straight Arrow Connector 81">
+            <a:extLst>
+              <a:ext uri="{FF2B5EF4-FFF2-40B4-BE49-F238E27FC236}">
+                <a16:creationId xmlns:a16="http://schemas.microsoft.com/office/drawing/2014/main" id="{8BF75C01-7025-47F5-BDD0-290BE8D4797C}"/>
+              </a:ext>
+            </a:extLst>
+          </p:cNvPr>
+          <p:cNvCxnSpPr/>
+          <p:nvPr/>
+        </p:nvCxnSpPr>
+        <p:spPr>
+          <a:xfrm flipV="1">
+            <a:off x="6925943" y="19229309"/>
+            <a:ext cx="0" cy="364057"/>
+          </a:xfrm>
+          <a:prstGeom prst="straightConnector1">
+            <a:avLst/>
+          </a:prstGeom>
+          <a:noFill/>
+          <a:ln w="38100" cap="flat" cmpd="sng" algn="ctr">
+            <a:solidFill>
+              <a:srgbClr val="8F99BB">
+                <a:lumMod val="75000"/>
+              </a:srgbClr>
+            </a:solidFill>
+            <a:prstDash val="solid"/>
+            <a:miter lim="800000"/>
+            <a:headEnd type="none" w="med" len="med"/>
+            <a:tailEnd type="arrow" w="med" len="med"/>
+          </a:ln>
+          <a:effectLst/>
+        </p:spPr>
+      </p:cxnSp>
       <p:grpSp>
         <p:nvGrpSpPr>
-          <p:cNvPr id="103" name="Group 102">
+          <p:cNvPr id="30" name="Group 29">
             <a:extLst>
               <a:ext uri="{FF2B5EF4-FFF2-40B4-BE49-F238E27FC236}">
-                <a16:creationId xmlns:a16="http://schemas.microsoft.com/office/drawing/2014/main" id="{A0387F42-F72E-4277-8B8D-E5B7E59BD697}"/>
+                <a16:creationId xmlns:a16="http://schemas.microsoft.com/office/drawing/2014/main" id="{E8365BB2-C425-45C7-BFF3-C8EC903A6FB4}"/>
               </a:ext>
             </a:extLst>
           </p:cNvPr>
@@ -9676,10 +13022,10 @@
         </p:nvGrpSpPr>
         <p:grpSpPr>
           <a:xfrm>
-            <a:off x="211687" y="19017372"/>
-            <a:ext cx="16915789" cy="1067632"/>
-            <a:chOff x="575336" y="3057332"/>
-            <a:chExt cx="16915789" cy="1067632"/>
+            <a:off x="256032" y="20011362"/>
+            <a:ext cx="11596488" cy="823889"/>
+            <a:chOff x="256032" y="20103722"/>
+            <a:chExt cx="11596488" cy="823889"/>
           </a:xfrm>
         </p:grpSpPr>
         <p:sp>
@@ -9696,8 +13042,8 @@
           </p:nvSpPr>
           <p:spPr>
             <a:xfrm>
-              <a:off x="5685715" y="3066361"/>
-              <a:ext cx="1065867" cy="978437"/>
+              <a:off x="5366411" y="20111223"/>
+              <a:ext cx="1065867" cy="812867"/>
             </a:xfrm>
             <a:prstGeom prst="chevron">
               <a:avLst/>
@@ -9767,8 +13113,8 @@
           </p:nvSpPr>
           <p:spPr>
             <a:xfrm>
-              <a:off x="575336" y="3057332"/>
-              <a:ext cx="1309051" cy="978441"/>
+              <a:off x="256032" y="20103722"/>
+              <a:ext cx="806559" cy="812870"/>
             </a:xfrm>
             <a:prstGeom prst="rect">
               <a:avLst/>
@@ -9807,7 +13153,7 @@
                 <a:defRPr/>
               </a:pPr>
               <a:r>
-                <a:rPr kumimoji="0" lang="en-US" sz="2800" b="1" i="0" u="none" strike="noStrike" kern="0" cap="none" spc="0" normalizeH="0" baseline="0" noProof="0" dirty="0">
+                <a:rPr kumimoji="0" lang="en-US" sz="3200" b="1" i="0" u="none" strike="noStrike" kern="0" cap="none" spc="0" normalizeH="0" baseline="0" noProof="0" dirty="0">
                   <a:ln>
                     <a:noFill/>
                   </a:ln>
@@ -9823,7 +13169,7 @@
                 </a:rPr>
                 <a:t>H2</a:t>
               </a:r>
-              <a:endParaRPr kumimoji="0" lang="en-CA" sz="2800" b="1" i="0" u="none" strike="noStrike" kern="0" cap="none" spc="0" normalizeH="0" baseline="0" noProof="0" dirty="0">
+              <a:endParaRPr kumimoji="0" lang="en-CA" sz="3200" b="1" i="0" u="none" strike="noStrike" kern="0" cap="none" spc="0" normalizeH="0" baseline="0" noProof="0" dirty="0">
                 <a:ln>
                   <a:noFill/>
                 </a:ln>
@@ -9854,8 +13200,8 @@
           </p:nvSpPr>
           <p:spPr>
             <a:xfrm>
-              <a:off x="1869918" y="3057334"/>
-              <a:ext cx="4744338" cy="991030"/>
+              <a:off x="1062591" y="20103724"/>
+              <a:ext cx="5232361" cy="823329"/>
             </a:xfrm>
             <a:prstGeom prst="homePlate">
               <a:avLst/>
@@ -9895,7 +13241,7 @@
                 <a:defRPr/>
               </a:pPr>
               <a:r>
-                <a:rPr kumimoji="0" lang="en-US" sz="2400" b="0" i="0" u="none" strike="noStrike" kern="0" cap="none" spc="0" normalizeH="0" baseline="0" noProof="0" dirty="0">
+                <a:rPr kumimoji="0" lang="en-US" sz="2600" b="0" i="0" u="none" strike="noStrike" kern="0" cap="none" spc="0" normalizeH="0" baseline="0" noProof="0" dirty="0">
                   <a:ln>
                     <a:noFill/>
                   </a:ln>
@@ -9913,7 +13259,7 @@
                 </a:rPr>
                 <a:t>Presence of clan culture perks</a:t>
               </a:r>
-              <a:endParaRPr kumimoji="0" lang="en-CA" sz="2400" b="0" i="0" u="none" strike="noStrike" kern="0" cap="none" spc="0" normalizeH="0" baseline="0" noProof="0" dirty="0">
+              <a:endParaRPr kumimoji="0" lang="en-CA" sz="2600" b="0" i="0" u="none" strike="noStrike" kern="0" cap="none" spc="0" normalizeH="0" baseline="0" noProof="0" dirty="0">
                 <a:ln>
                   <a:noFill/>
                 </a:ln>
@@ -9946,10 +13292,10 @@
           </p:nvGrpSpPr>
           <p:grpSpPr>
             <a:xfrm rot="16200000">
-              <a:off x="8736329" y="680153"/>
-              <a:ext cx="986372" cy="5750050"/>
-              <a:chOff x="-2323680" y="4754614"/>
-              <a:chExt cx="2647649" cy="1970211"/>
+              <a:off x="8601248" y="17743623"/>
+              <a:ext cx="820017" cy="5547959"/>
+              <a:chOff x="-2325483" y="4823859"/>
+              <a:chExt cx="2649452" cy="1900966"/>
             </a:xfrm>
           </p:grpSpPr>
           <p:sp>
@@ -9966,8 +13312,8 @@
             </p:nvSpPr>
             <p:spPr>
               <a:xfrm rot="5400000">
-                <a:off x="-1856350" y="4287286"/>
-                <a:ext cx="1712728" cy="2647383"/>
+                <a:off x="-1858530" y="4356906"/>
+                <a:ext cx="1713475" cy="2647382"/>
               </a:xfrm>
               <a:prstGeom prst="chevron">
                 <a:avLst>
@@ -10257,8 +13603,8 @@
           </p:nvSpPr>
           <p:spPr>
             <a:xfrm>
-              <a:off x="6751585" y="3306926"/>
-              <a:ext cx="3101094" cy="461665"/>
+              <a:off x="6713409" y="20286713"/>
+              <a:ext cx="5139111" cy="492443"/>
             </a:xfrm>
             <a:prstGeom prst="rect">
               <a:avLst/>
@@ -10271,21 +13617,7 @@
             </a:bodyPr>
             <a:lstStyle/>
             <a:p>
-              <a:pPr marL="0" marR="0" lvl="0" indent="0" algn="ctr" defTabSz="914400" eaLnBrk="1" fontAlgn="auto" latinLnBrk="0" hangingPunct="1">
-                <a:lnSpc>
-                  <a:spcPct val="100000"/>
-                </a:lnSpc>
-                <a:spcBef>
-                  <a:spcPts val="0"/>
-                </a:spcBef>
-                <a:spcAft>
-                  <a:spcPts val="0"/>
-                </a:spcAft>
-                <a:buClrTx/>
-                <a:buSzTx/>
-                <a:buFontTx/>
-                <a:buNone/>
-                <a:tabLst/>
+              <a:pPr algn="ctr" defTabSz="914400">
                 <a:defRPr/>
               </a:pPr>
               <a:r>
@@ -10303,10 +13635,44 @@
                   <a:uFillTx/>
                   <a:latin typeface="Avenir Next LT Pro"/>
                 </a:rPr>
-                <a:t>     </a:t>
+                <a:t> </a:t>
               </a:r>
               <a:r>
-                <a:rPr kumimoji="0" lang="en-US" sz="2400" b="0" i="0" u="none" strike="noStrike" kern="0" cap="none" spc="0" normalizeH="0" baseline="0" noProof="0" dirty="0">
+                <a:rPr kumimoji="0" lang="en-US" sz="2600" b="0" i="0" u="none" strike="noStrike" kern="0" cap="none" spc="0" normalizeH="0" baseline="0" noProof="0" dirty="0">
+                  <a:ln>
+                    <a:noFill/>
+                  </a:ln>
+                  <a:solidFill>
+                    <a:srgbClr val="8F99BB">
+                      <a:lumMod val="75000"/>
+                    </a:srgbClr>
+                  </a:solidFill>
+                  <a:effectLst/>
+                  <a:uLnTx/>
+                  <a:uFillTx/>
+                  <a:latin typeface="Posterama"/>
+                </a:rPr>
+                <a:t>Justification of</a:t>
+              </a:r>
+              <a:r>
+                <a:rPr kumimoji="0" lang="en-US" sz="1800" b="0" i="0" u="none" strike="noStrike" kern="0" cap="none" spc="0" normalizeH="0" baseline="0" noProof="0" dirty="0">
+                  <a:ln>
+                    <a:noFill/>
+                  </a:ln>
+                  <a:solidFill>
+                    <a:srgbClr val="8F99BB">
+                      <a:lumMod val="75000"/>
+                    </a:srgbClr>
+                  </a:solidFill>
+                  <a:effectLst/>
+                  <a:uLnTx/>
+                  <a:uFillTx/>
+                  <a:latin typeface="Posterama"/>
+                </a:rPr>
+                <a:t> </a:t>
+              </a:r>
+              <a:r>
+                <a:rPr kumimoji="0" lang="en-US" sz="2600" b="0" i="0" u="none" strike="noStrike" kern="0" cap="none" spc="0" normalizeH="0" baseline="0" noProof="0" dirty="0">
                   <a:ln>
                     <a:noFill/>
                   </a:ln>
@@ -10322,7 +13688,7 @@
                 </a:rPr>
                 <a:t>Mistreatment</a:t>
               </a:r>
-              <a:endParaRPr kumimoji="0" lang="en-CA" sz="1800" b="0" i="0" u="none" strike="noStrike" kern="0" cap="none" spc="0" normalizeH="0" baseline="0" noProof="0" dirty="0">
+              <a:endParaRPr kumimoji="0" lang="en-CA" sz="2600" b="0" i="0" u="none" strike="noStrike" kern="0" cap="none" spc="0" normalizeH="0" baseline="0" noProof="0" dirty="0">
                 <a:ln>
                   <a:noFill/>
                 </a:ln>
@@ -10353,8 +13719,8 @@
           </p:nvCxnSpPr>
           <p:spPr>
             <a:xfrm flipV="1">
-              <a:off x="7340706" y="3306926"/>
-              <a:ext cx="0" cy="413902"/>
+              <a:off x="6911674" y="20311080"/>
+              <a:ext cx="0" cy="343862"/>
             </a:xfrm>
             <a:prstGeom prst="straightConnector1">
               <a:avLst/>
@@ -10374,205 +13740,13 @@
             <a:effectLst/>
           </p:spPr>
         </p:cxnSp>
-        <p:sp>
-          <p:nvSpPr>
-            <p:cNvPr id="110" name="TextBox 109">
-              <a:extLst>
-                <a:ext uri="{FF2B5EF4-FFF2-40B4-BE49-F238E27FC236}">
-                  <a16:creationId xmlns:a16="http://schemas.microsoft.com/office/drawing/2014/main" id="{8A4FD6A5-F5E2-4473-98E5-A12E66BACE8B}"/>
-                </a:ext>
-              </a:extLst>
-            </p:cNvPr>
-            <p:cNvSpPr txBox="1"/>
-            <p:nvPr/>
-          </p:nvSpPr>
-          <p:spPr>
-            <a:xfrm>
-              <a:off x="9041694" y="3307970"/>
-              <a:ext cx="2475510" cy="461665"/>
-            </a:xfrm>
-            <a:prstGeom prst="rect">
-              <a:avLst/>
-            </a:prstGeom>
-            <a:noFill/>
-          </p:spPr>
-          <p:txBody>
-            <a:bodyPr wrap="square" rtlCol="0">
-              <a:spAutoFit/>
-            </a:bodyPr>
-            <a:lstStyle/>
-            <a:p>
-              <a:pPr marL="0" marR="0" lvl="0" indent="0" algn="ctr" defTabSz="914400" eaLnBrk="1" fontAlgn="auto" latinLnBrk="0" hangingPunct="1">
-                <a:lnSpc>
-                  <a:spcPct val="100000"/>
-                </a:lnSpc>
-                <a:spcBef>
-                  <a:spcPts val="0"/>
-                </a:spcBef>
-                <a:spcAft>
-                  <a:spcPts val="0"/>
-                </a:spcAft>
-                <a:buClrTx/>
-                <a:buSzTx/>
-                <a:buFontTx/>
-                <a:buNone/>
-                <a:tabLst/>
-                <a:defRPr/>
-              </a:pPr>
-              <a:r>
-                <a:rPr kumimoji="0" lang="en-US" sz="1800" b="0" i="0" u="none" strike="noStrike" kern="0" cap="none" spc="0" normalizeH="0" baseline="0" noProof="0" dirty="0">
-                  <a:ln>
-                    <a:noFill/>
-                  </a:ln>
-                  <a:solidFill>
-                    <a:srgbClr val="8F99BB">
-                      <a:lumMod val="75000"/>
-                    </a:srgbClr>
-                  </a:solidFill>
-                  <a:effectLst/>
-                  <a:uLnTx/>
-                  <a:uFillTx/>
-                  <a:latin typeface="Avenir Next LT Pro"/>
-                </a:rPr>
-                <a:t> </a:t>
-              </a:r>
-              <a:r>
-                <a:rPr kumimoji="0" lang="en-US" sz="2400" b="0" i="0" u="none" strike="noStrike" kern="0" cap="none" spc="0" normalizeH="0" baseline="0" noProof="0" dirty="0">
-                  <a:ln>
-                    <a:noFill/>
-                  </a:ln>
-                  <a:solidFill>
-                    <a:srgbClr val="8F99BB">
-                      <a:lumMod val="75000"/>
-                    </a:srgbClr>
-                  </a:solidFill>
-                  <a:effectLst/>
-                  <a:uLnTx/>
-                  <a:uFillTx/>
-                  <a:latin typeface="Posterama"/>
-                </a:rPr>
-                <a:t>Justification</a:t>
-              </a:r>
-              <a:endParaRPr kumimoji="0" lang="en-CA" sz="1800" b="0" i="0" u="none" strike="noStrike" kern="0" cap="none" spc="0" normalizeH="0" baseline="0" noProof="0" dirty="0">
-                <a:ln>
-                  <a:noFill/>
-                </a:ln>
-                <a:solidFill>
-                  <a:srgbClr val="8F99BB">
-                    <a:lumMod val="75000"/>
-                  </a:srgbClr>
-                </a:solidFill>
-                <a:effectLst/>
-                <a:uLnTx/>
-                <a:uFillTx/>
-                <a:latin typeface="Posterama"/>
-              </a:endParaRPr>
-            </a:p>
-          </p:txBody>
-        </p:sp>
-        <p:sp>
-          <p:nvSpPr>
-            <p:cNvPr id="111" name="TextBox 110">
-              <a:extLst>
-                <a:ext uri="{FF2B5EF4-FFF2-40B4-BE49-F238E27FC236}">
-                  <a16:creationId xmlns:a16="http://schemas.microsoft.com/office/drawing/2014/main" id="{B85B4EA9-D433-429B-B23A-88FC528F00BF}"/>
-                </a:ext>
-              </a:extLst>
-            </p:cNvPr>
-            <p:cNvSpPr txBox="1"/>
-            <p:nvPr/>
-          </p:nvSpPr>
-          <p:spPr>
-            <a:xfrm>
-              <a:off x="13727112" y="3293967"/>
-              <a:ext cx="3764013" cy="830997"/>
-            </a:xfrm>
-            <a:prstGeom prst="rect">
-              <a:avLst/>
-            </a:prstGeom>
-            <a:noFill/>
-          </p:spPr>
-          <p:txBody>
-            <a:bodyPr wrap="square" rtlCol="0">
-              <a:spAutoFit/>
-            </a:bodyPr>
-            <a:lstStyle/>
-            <a:p>
-              <a:pPr marL="0" marR="0" lvl="0" indent="0" algn="ctr" defTabSz="914400" eaLnBrk="1" fontAlgn="auto" latinLnBrk="0" hangingPunct="1">
-                <a:lnSpc>
-                  <a:spcPct val="100000"/>
-                </a:lnSpc>
-                <a:spcBef>
-                  <a:spcPts val="0"/>
-                </a:spcBef>
-                <a:spcAft>
-                  <a:spcPts val="0"/>
-                </a:spcAft>
-                <a:buClrTx/>
-                <a:buSzTx/>
-                <a:buFontTx/>
-                <a:buNone/>
-                <a:tabLst/>
-                <a:defRPr/>
-              </a:pPr>
-              <a:r>
-                <a:rPr kumimoji="0" lang="en-US" sz="1800" b="0" i="0" u="none" strike="noStrike" kern="0" cap="none" spc="0" normalizeH="0" baseline="0" noProof="0" dirty="0">
-                  <a:ln>
-                    <a:noFill/>
-                  </a:ln>
-                  <a:solidFill>
-                    <a:srgbClr val="8F99BB">
-                      <a:lumMod val="75000"/>
-                    </a:srgbClr>
-                  </a:solidFill>
-                  <a:effectLst/>
-                  <a:uLnTx/>
-                  <a:uFillTx/>
-                  <a:latin typeface="Avenir Next LT Pro"/>
-                </a:rPr>
-                <a:t> </a:t>
-              </a:r>
-              <a:r>
-                <a:rPr kumimoji="0" lang="en-US" sz="2400" b="0" i="0" u="none" strike="noStrike" kern="0" cap="none" spc="0" normalizeH="0" baseline="0" noProof="0" dirty="0">
-                  <a:ln>
-                    <a:noFill/>
-                  </a:ln>
-                  <a:solidFill>
-                    <a:srgbClr val="8F99BB">
-                      <a:lumMod val="75000"/>
-                    </a:srgbClr>
-                  </a:solidFill>
-                  <a:effectLst/>
-                  <a:uLnTx/>
-                  <a:uFillTx/>
-                  <a:latin typeface="Posterama"/>
-                </a:rPr>
-                <a:t>Unfair or demeaning treatment from superior</a:t>
-              </a:r>
-              <a:endParaRPr kumimoji="0" lang="en-CA" sz="1800" b="0" i="0" u="none" strike="noStrike" kern="0" cap="none" spc="0" normalizeH="0" baseline="0" noProof="0" dirty="0">
-                <a:ln>
-                  <a:noFill/>
-                </a:ln>
-                <a:solidFill>
-                  <a:srgbClr val="8F99BB">
-                    <a:lumMod val="75000"/>
-                  </a:srgbClr>
-                </a:solidFill>
-                <a:effectLst/>
-                <a:uLnTx/>
-                <a:uFillTx/>
-                <a:latin typeface="Posterama"/>
-              </a:endParaRPr>
-            </a:p>
-          </p:txBody>
-        </p:sp>
       </p:grpSp>
       <p:grpSp>
         <p:nvGrpSpPr>
-          <p:cNvPr id="116" name="Group 115">
+          <p:cNvPr id="31" name="Group 30">
             <a:extLst>
               <a:ext uri="{FF2B5EF4-FFF2-40B4-BE49-F238E27FC236}">
-                <a16:creationId xmlns:a16="http://schemas.microsoft.com/office/drawing/2014/main" id="{79EC7C8A-4229-4695-994E-4023B7A061D1}"/>
+                <a16:creationId xmlns:a16="http://schemas.microsoft.com/office/drawing/2014/main" id="{5D47B790-AB99-4A06-BBC5-041EE7FC74B6}"/>
               </a:ext>
             </a:extLst>
           </p:cNvPr>
@@ -10581,10 +13755,10 @@
         </p:nvGrpSpPr>
         <p:grpSpPr>
           <a:xfrm>
-            <a:off x="211687" y="20914817"/>
-            <a:ext cx="16289311" cy="1006299"/>
-            <a:chOff x="586055" y="4353342"/>
-            <a:chExt cx="16289311" cy="1006299"/>
+            <a:off x="265839" y="20976698"/>
+            <a:ext cx="11571087" cy="873512"/>
+            <a:chOff x="265839" y="21170267"/>
+            <a:chExt cx="11571087" cy="873512"/>
           </a:xfrm>
         </p:grpSpPr>
         <p:sp>
@@ -10601,8 +13775,8 @@
           </p:nvSpPr>
           <p:spPr>
             <a:xfrm>
-              <a:off x="5682293" y="4368609"/>
-              <a:ext cx="1065867" cy="978437"/>
+              <a:off x="5362076" y="21170267"/>
+              <a:ext cx="1065867" cy="862410"/>
             </a:xfrm>
             <a:prstGeom prst="chevron">
               <a:avLst/>
@@ -10672,8 +13846,8 @@
           </p:nvSpPr>
           <p:spPr>
             <a:xfrm>
-              <a:off x="586055" y="4368609"/>
-              <a:ext cx="1309051" cy="978441"/>
+              <a:off x="265839" y="21170267"/>
+              <a:ext cx="806560" cy="862414"/>
             </a:xfrm>
             <a:prstGeom prst="rect">
               <a:avLst/>
@@ -10712,7 +13886,7 @@
                 <a:defRPr/>
               </a:pPr>
               <a:r>
-                <a:rPr kumimoji="0" lang="en-US" sz="2800" b="1" i="0" u="none" strike="noStrike" kern="0" cap="none" spc="0" normalizeH="0" baseline="0" noProof="0" dirty="0">
+                <a:rPr kumimoji="0" lang="en-US" sz="3200" b="1" i="0" u="none" strike="noStrike" kern="0" cap="none" spc="0" normalizeH="0" baseline="0" noProof="0" dirty="0">
                   <a:ln>
                     <a:noFill/>
                   </a:ln>
@@ -10728,7 +13902,7 @@
                 </a:rPr>
                 <a:t>H3</a:t>
               </a:r>
-              <a:endParaRPr kumimoji="0" lang="en-CA" sz="2800" b="1" i="0" u="none" strike="noStrike" kern="0" cap="none" spc="0" normalizeH="0" baseline="0" noProof="0" dirty="0">
+              <a:endParaRPr kumimoji="0" lang="en-CA" sz="3200" b="1" i="0" u="none" strike="noStrike" kern="0" cap="none" spc="0" normalizeH="0" baseline="0" noProof="0" dirty="0">
                 <a:ln>
                   <a:noFill/>
                 </a:ln>
@@ -10759,8 +13933,8 @@
           </p:nvSpPr>
           <p:spPr>
             <a:xfrm>
-              <a:off x="1880637" y="4368611"/>
-              <a:ext cx="4744338" cy="991030"/>
+              <a:off x="1072398" y="21170268"/>
+              <a:ext cx="5232360" cy="873510"/>
             </a:xfrm>
             <a:prstGeom prst="homePlate">
               <a:avLst/>
@@ -10800,7 +13974,7 @@
                 <a:defRPr/>
               </a:pPr>
               <a:r>
-                <a:rPr kumimoji="0" lang="en-US" sz="2400" b="0" i="0" u="none" strike="noStrike" kern="0" cap="none" spc="0" normalizeH="0" baseline="0" noProof="0" dirty="0">
+                <a:rPr kumimoji="0" lang="en-US" sz="2600" b="0" i="0" u="none" strike="noStrike" kern="0" cap="none" spc="0" normalizeH="0" baseline="0" noProof="0" dirty="0">
                   <a:ln>
                     <a:noFill/>
                   </a:ln>
@@ -10818,7 +13992,7 @@
                 </a:rPr>
                 <a:t>Presence of clan culture perks</a:t>
               </a:r>
-              <a:endParaRPr kumimoji="0" lang="en-CA" sz="2400" b="0" i="0" u="none" strike="noStrike" kern="0" cap="none" spc="0" normalizeH="0" baseline="0" noProof="0" dirty="0">
+              <a:endParaRPr kumimoji="0" lang="en-CA" sz="2600" b="0" i="0" u="none" strike="noStrike" kern="0" cap="none" spc="0" normalizeH="0" baseline="0" noProof="0" dirty="0">
                 <a:ln>
                   <a:noFill/>
                 </a:ln>
@@ -10851,10 +14025,10 @@
           </p:nvGrpSpPr>
           <p:grpSpPr>
             <a:xfrm rot="16200000">
-              <a:off x="8745956" y="1990338"/>
-              <a:ext cx="986372" cy="5752233"/>
-              <a:chOff x="-2323679" y="4753866"/>
-              <a:chExt cx="2647649" cy="1970959"/>
+              <a:off x="8584353" y="18833088"/>
+              <a:ext cx="869622" cy="5551759"/>
+              <a:chOff x="-2323679" y="4822557"/>
+              <a:chExt cx="2648311" cy="1902268"/>
             </a:xfrm>
           </p:grpSpPr>
           <p:sp>
@@ -10871,7 +14045,7 @@
             </p:nvSpPr>
             <p:spPr>
               <a:xfrm rot="5400000">
-                <a:off x="-1856724" y="4286912"/>
+                <a:off x="-1855797" y="4355603"/>
                 <a:ext cx="1713475" cy="2647383"/>
               </a:xfrm>
               <a:prstGeom prst="chevron">
@@ -11166,8 +14340,8 @@
           </p:nvSpPr>
           <p:spPr>
             <a:xfrm>
-              <a:off x="6762303" y="4618203"/>
-              <a:ext cx="2768195" cy="461665"/>
+              <a:off x="6648634" y="21376912"/>
+              <a:ext cx="5188292" cy="434047"/>
             </a:xfrm>
             <a:prstGeom prst="rect">
               <a:avLst/>
@@ -11198,7 +14372,7 @@
                 <a:defRPr/>
               </a:pPr>
               <a:r>
-                <a:rPr kumimoji="0" lang="en-US" sz="1800" b="0" i="0" u="none" strike="noStrike" kern="0" cap="none" spc="0" normalizeH="0" baseline="0" noProof="0" dirty="0">
+                <a:rPr kumimoji="0" lang="en-US" sz="1800" i="0" u="none" strike="noStrike" kern="0" cap="none" spc="0" normalizeH="0" baseline="0" noProof="0" dirty="0">
                   <a:ln>
                     <a:noFill/>
                   </a:ln>
@@ -11215,7 +14389,7 @@
                 <a:t>     </a:t>
               </a:r>
               <a:r>
-                <a:rPr kumimoji="0" lang="en-US" sz="2400" b="0" i="0" u="none" strike="noStrike" kern="0" cap="none" spc="0" normalizeH="0" baseline="0" noProof="0" dirty="0">
+                <a:rPr kumimoji="0" lang="en-US" sz="2600" i="0" u="none" strike="noStrike" kern="0" cap="none" spc="0" normalizeH="0" baseline="0" noProof="0" dirty="0">
                   <a:ln>
                     <a:noFill/>
                   </a:ln>
@@ -11229,9 +14403,9 @@
                   <a:uFillTx/>
                   <a:latin typeface="Posterama"/>
                 </a:rPr>
-                <a:t>Expectations of</a:t>
+                <a:t>Expectations of Perfectionism</a:t>
               </a:r>
-              <a:endParaRPr kumimoji="0" lang="en-CA" sz="1800" b="0" i="0" u="none" strike="noStrike" kern="0" cap="none" spc="0" normalizeH="0" baseline="0" noProof="0" dirty="0">
+              <a:endParaRPr kumimoji="0" lang="en-CA" sz="2600" i="0" u="none" strike="noStrike" kern="0" cap="none" spc="0" normalizeH="0" baseline="0" noProof="0" dirty="0">
                 <a:ln>
                   <a:noFill/>
                 </a:ln>
@@ -11264,8 +14438,8 @@
           </p:nvCxnSpPr>
           <p:spPr>
             <a:xfrm flipV="1">
-              <a:off x="7072827" y="4657498"/>
-              <a:ext cx="0" cy="413902"/>
+              <a:off x="6900735" y="21424898"/>
+              <a:ext cx="0" cy="364820"/>
             </a:xfrm>
             <a:prstGeom prst="straightConnector1">
               <a:avLst/>
@@ -11285,181 +14459,6 @@
             <a:effectLst/>
           </p:spPr>
         </p:cxnSp>
-        <p:sp>
-          <p:nvSpPr>
-            <p:cNvPr id="123" name="TextBox 122">
-              <a:extLst>
-                <a:ext uri="{FF2B5EF4-FFF2-40B4-BE49-F238E27FC236}">
-                  <a16:creationId xmlns:a16="http://schemas.microsoft.com/office/drawing/2014/main" id="{CED49C49-BBA4-4E2E-9333-C64DEF3CF33A}"/>
-                </a:ext>
-              </a:extLst>
-            </p:cNvPr>
-            <p:cNvSpPr txBox="1"/>
-            <p:nvPr/>
-          </p:nvSpPr>
-          <p:spPr>
-            <a:xfrm>
-              <a:off x="9185703" y="4618203"/>
-              <a:ext cx="2544699" cy="461665"/>
-            </a:xfrm>
-            <a:prstGeom prst="rect">
-              <a:avLst/>
-            </a:prstGeom>
-            <a:noFill/>
-          </p:spPr>
-          <p:txBody>
-            <a:bodyPr wrap="square" rtlCol="0">
-              <a:spAutoFit/>
-            </a:bodyPr>
-            <a:lstStyle/>
-            <a:p>
-              <a:pPr marL="0" marR="0" lvl="0" indent="0" algn="ctr" defTabSz="914400" eaLnBrk="1" fontAlgn="auto" latinLnBrk="0" hangingPunct="1">
-                <a:lnSpc>
-                  <a:spcPct val="100000"/>
-                </a:lnSpc>
-                <a:spcBef>
-                  <a:spcPts val="0"/>
-                </a:spcBef>
-                <a:spcAft>
-                  <a:spcPts val="0"/>
-                </a:spcAft>
-                <a:buClrTx/>
-                <a:buSzTx/>
-                <a:buFontTx/>
-                <a:buNone/>
-                <a:tabLst/>
-                <a:defRPr/>
-              </a:pPr>
-              <a:r>
-                <a:rPr kumimoji="0" lang="en-US" sz="2400" b="0" i="0" u="none" strike="noStrike" kern="0" cap="none" spc="0" normalizeH="0" baseline="0" noProof="0" dirty="0">
-                  <a:ln>
-                    <a:noFill/>
-                  </a:ln>
-                  <a:solidFill>
-                    <a:srgbClr val="8F99BB">
-                      <a:lumMod val="75000"/>
-                    </a:srgbClr>
-                  </a:solidFill>
-                  <a:effectLst/>
-                  <a:uLnTx/>
-                  <a:uFillTx/>
-                  <a:latin typeface="Posterama"/>
-                </a:rPr>
-                <a:t>Perfectionism</a:t>
-              </a:r>
-              <a:endParaRPr kumimoji="0" lang="en-CA" sz="1800" b="0" i="0" u="none" strike="noStrike" kern="0" cap="none" spc="0" normalizeH="0" baseline="0" noProof="0" dirty="0">
-                <a:ln>
-                  <a:noFill/>
-                </a:ln>
-                <a:solidFill>
-                  <a:srgbClr val="8F99BB">
-                    <a:lumMod val="75000"/>
-                  </a:srgbClr>
-                </a:solidFill>
-                <a:effectLst/>
-                <a:uLnTx/>
-                <a:uFillTx/>
-                <a:latin typeface="Posterama"/>
-              </a:endParaRPr>
-            </a:p>
-          </p:txBody>
-        </p:sp>
-        <p:sp>
-          <p:nvSpPr>
-            <p:cNvPr id="124" name="TextBox 123">
-              <a:extLst>
-                <a:ext uri="{FF2B5EF4-FFF2-40B4-BE49-F238E27FC236}">
-                  <a16:creationId xmlns:a16="http://schemas.microsoft.com/office/drawing/2014/main" id="{71939A8D-BF7F-4D4C-A179-295E6EE9DF4E}"/>
-                </a:ext>
-              </a:extLst>
-            </p:cNvPr>
-            <p:cNvSpPr txBox="1"/>
-            <p:nvPr/>
-          </p:nvSpPr>
-          <p:spPr>
-            <a:xfrm>
-              <a:off x="13111353" y="4353342"/>
-              <a:ext cx="3764013" cy="830997"/>
-            </a:xfrm>
-            <a:prstGeom prst="rect">
-              <a:avLst/>
-            </a:prstGeom>
-            <a:noFill/>
-          </p:spPr>
-          <p:txBody>
-            <a:bodyPr wrap="square" rtlCol="0">
-              <a:spAutoFit/>
-            </a:bodyPr>
-            <a:lstStyle/>
-            <a:p>
-              <a:pPr marL="0" marR="0" lvl="0" indent="0" algn="ctr" defTabSz="914400" eaLnBrk="1" fontAlgn="auto" latinLnBrk="0" hangingPunct="1">
-                <a:lnSpc>
-                  <a:spcPct val="100000"/>
-                </a:lnSpc>
-                <a:spcBef>
-                  <a:spcPts val="0"/>
-                </a:spcBef>
-                <a:spcAft>
-                  <a:spcPts val="0"/>
-                </a:spcAft>
-                <a:buClrTx/>
-                <a:buSzTx/>
-                <a:buFontTx/>
-                <a:buNone/>
-                <a:tabLst/>
-                <a:defRPr/>
-              </a:pPr>
-              <a:r>
-                <a:rPr kumimoji="0" lang="en-US" sz="1800" b="0" i="0" u="none" strike="noStrike" kern="0" cap="none" spc="0" normalizeH="0" baseline="0" noProof="0" dirty="0">
-                  <a:ln>
-                    <a:noFill/>
-                  </a:ln>
-                  <a:solidFill>
-                    <a:srgbClr val="8F99BB">
-                      <a:lumMod val="75000"/>
-                    </a:srgbClr>
-                  </a:solidFill>
-                  <a:effectLst/>
-                  <a:uLnTx/>
-                  <a:uFillTx/>
-                  <a:latin typeface="Avenir Next LT Pro"/>
-                </a:rPr>
-                <a:t> </a:t>
-              </a:r>
-              <a:r>
-                <a:rPr kumimoji="0" lang="en-US" sz="2400" b="0" i="0" u="none" strike="noStrike" kern="0" cap="none" spc="0" normalizeH="0" baseline="0" noProof="0" dirty="0">
-                  <a:ln>
-                    <a:noFill/>
-                  </a:ln>
-                  <a:solidFill>
-                    <a:srgbClr val="8F99BB">
-                      <a:lumMod val="75000"/>
-                    </a:srgbClr>
-                  </a:solidFill>
-                  <a:effectLst/>
-                  <a:uLnTx/>
-                  <a:uFillTx/>
-                  <a:latin typeface="Posterama"/>
-                </a:rPr>
-                <a:t>Unreasonably high work standards</a:t>
-              </a:r>
-              <a:endParaRPr kumimoji="0" lang="en-CA" sz="1800" b="0" i="0" u="none" strike="noStrike" kern="0" cap="none" spc="0" normalizeH="0" baseline="0" noProof="0" dirty="0">
-                <a:ln>
-                  <a:noFill/>
-                </a:ln>
-                <a:solidFill>
-                  <a:srgbClr val="8F99BB">
-                    <a:lumMod val="75000"/>
-                  </a:srgbClr>
-                </a:solidFill>
-                <a:effectLst/>
-                <a:uLnTx/>
-                <a:uFillTx/>
-                <a:latin typeface="Posterama"/>
-              </a:endParaRPr>
-            </a:p>
-          </p:txBody>
-        </p:sp>
       </p:grpSp>
       <p:sp>
         <p:nvSpPr>
@@ -11475,8 +14474,8 @@
         </p:nvSpPr>
         <p:spPr>
           <a:xfrm>
-            <a:off x="256032" y="26007743"/>
-            <a:ext cx="4104749" cy="6477841"/>
+            <a:off x="256033" y="27292506"/>
+            <a:ext cx="4093832" cy="5174546"/>
           </a:xfrm>
           <a:prstGeom prst="rect">
             <a:avLst/>
@@ -11510,7 +14509,20 @@
           <a:p>
             <a:pPr algn="ctr">
               <a:spcAft>
-                <a:spcPts val="600"/>
+                <a:spcPts val="1800"/>
+              </a:spcAft>
+            </a:pPr>
+            <a:endParaRPr lang="en-US" sz="1050" dirty="0">
+              <a:solidFill>
+                <a:srgbClr val="2E344C"/>
+              </a:solidFill>
+              <a:latin typeface="+mj-lt"/>
+            </a:endParaRPr>
+          </a:p>
+          <a:p>
+            <a:pPr algn="ctr">
+              <a:spcAft>
+                <a:spcPts val="1800"/>
               </a:spcAft>
             </a:pPr>
             <a:r>
@@ -11518,7 +14530,7 @@
                 <a:solidFill>
                   <a:srgbClr val="2E344C"/>
                 </a:solidFill>
-                <a:latin typeface="Avenir Next LT Pro" panose="020B0504020202020204" pitchFamily="34" charset="0"/>
+                <a:latin typeface="+mj-lt"/>
               </a:rPr>
               <a:t>165 Brock University students (M</a:t>
             </a:r>
@@ -11527,7 +14539,7 @@
                 <a:solidFill>
                   <a:srgbClr val="2E344C"/>
                 </a:solidFill>
-                <a:latin typeface="Avenir Next LT Pro" panose="020B0504020202020204" pitchFamily="34" charset="0"/>
+                <a:latin typeface="+mj-lt"/>
               </a:rPr>
               <a:t>age</a:t>
             </a:r>
@@ -11536,7 +14548,7 @@
                 <a:solidFill>
                   <a:srgbClr val="2E344C"/>
                 </a:solidFill>
-                <a:latin typeface="Avenir Next LT Pro" panose="020B0504020202020204" pitchFamily="34" charset="0"/>
+                <a:latin typeface="+mj-lt"/>
               </a:rPr>
               <a:t> = 19.36, SD</a:t>
             </a:r>
@@ -11545,7 +14557,7 @@
                 <a:solidFill>
                   <a:srgbClr val="2E344C"/>
                 </a:solidFill>
-                <a:latin typeface="Avenir Next LT Pro" panose="020B0504020202020204" pitchFamily="34" charset="0"/>
+                <a:latin typeface="+mj-lt"/>
               </a:rPr>
               <a:t>age</a:t>
             </a:r>
@@ -11554,28 +14566,21 @@
                 <a:solidFill>
                   <a:srgbClr val="2E344C"/>
                 </a:solidFill>
-                <a:latin typeface="Avenir Next LT Pro" panose="020B0504020202020204" pitchFamily="34" charset="0"/>
+                <a:latin typeface="+mj-lt"/>
               </a:rPr>
-              <a:t> = 1.99, 82.6% Female), were recruited over SONA and compensated with class credit. The majority of this sample studied Social Science (35%) and Health Science (32%)  </a:t>
+              <a:t> = 1.99, 82.6% Female), were recruited over SONA and compensated with class credit. The majority of this sample studied Social Science (35%) and Health Science (32%).</a:t>
             </a:r>
-          </a:p>
-          <a:p>
-            <a:pPr algn="ctr">
-              <a:spcAft>
-                <a:spcPts val="600"/>
-              </a:spcAft>
-            </a:pPr>
-            <a:endParaRPr lang="en-US" sz="2600" dirty="0">
+            <a:endParaRPr lang="en-US" sz="1400" dirty="0">
               <a:solidFill>
                 <a:srgbClr val="2E344C"/>
               </a:solidFill>
-              <a:latin typeface="Avenir Next LT Pro" panose="020B0504020202020204" pitchFamily="34" charset="0"/>
+              <a:latin typeface="+mj-lt"/>
             </a:endParaRPr>
           </a:p>
           <a:p>
             <a:pPr algn="ctr">
               <a:spcAft>
-                <a:spcPts val="600"/>
+                <a:spcPts val="1800"/>
               </a:spcAft>
             </a:pPr>
             <a:r>
@@ -11583,31 +14588,15 @@
                 <a:solidFill>
                   <a:srgbClr val="2E344C"/>
                 </a:solidFill>
-                <a:latin typeface="Avenir Next LT Pro" panose="020B0504020202020204" pitchFamily="34" charset="0"/>
+                <a:latin typeface="+mj-lt"/>
               </a:rPr>
-              <a:t>Control: n=82</a:t>
-            </a:r>
-          </a:p>
-          <a:p>
-            <a:pPr algn="ctr">
-              <a:spcAft>
-                <a:spcPts val="600"/>
-              </a:spcAft>
-            </a:pPr>
-            <a:r>
-              <a:rPr lang="en-US" sz="2600" dirty="0">
-                <a:solidFill>
-                  <a:srgbClr val="2E344C"/>
-                </a:solidFill>
-                <a:latin typeface="Avenir Next LT Pro" panose="020B0504020202020204" pitchFamily="34" charset="0"/>
-              </a:rPr>
-              <a:t>Experimental: n=83</a:t>
+              <a:t>Control: n=82    Experimental: n=83</a:t>
             </a:r>
             <a:endParaRPr lang="en-US" sz="2600" b="1" dirty="0">
               <a:solidFill>
                 <a:srgbClr val="2E344C"/>
               </a:solidFill>
-              <a:latin typeface="Avenir Next LT Pro" panose="020B0504020202020204" pitchFamily="34" charset="0"/>
+              <a:latin typeface="+mj-lt"/>
             </a:endParaRPr>
           </a:p>
           <a:p>
@@ -11625,66 +14614,146 @@
           </a:p>
         </p:txBody>
       </p:sp>
-      <p:sp>
-        <p:nvSpPr>
-          <p:cNvPr id="148" name="Rectangle 147">
+      <p:grpSp>
+        <p:nvGrpSpPr>
+          <p:cNvPr id="9" name="Group 8">
             <a:extLst>
               <a:ext uri="{FF2B5EF4-FFF2-40B4-BE49-F238E27FC236}">
-                <a16:creationId xmlns:a16="http://schemas.microsoft.com/office/drawing/2014/main" id="{D72997FF-9740-42C1-99D6-01EFBF1BF9BC}"/>
+                <a16:creationId xmlns:a16="http://schemas.microsoft.com/office/drawing/2014/main" id="{AEF9321A-34BC-44E6-AE6C-03744F69A79B}"/>
               </a:ext>
             </a:extLst>
           </p:cNvPr>
-          <p:cNvSpPr/>
+          <p:cNvGrpSpPr/>
           <p:nvPr/>
-        </p:nvSpPr>
-        <p:spPr>
+        </p:nvGrpSpPr>
+        <p:grpSpPr>
           <a:xfrm>
-            <a:off x="246225" y="23131803"/>
-            <a:ext cx="11484864" cy="2028458"/>
+            <a:off x="256032" y="15711362"/>
+            <a:ext cx="11494671" cy="2310705"/>
+            <a:chOff x="246225" y="22506564"/>
+            <a:chExt cx="11494671" cy="2310705"/>
           </a:xfrm>
-          <a:prstGeom prst="rect">
-            <a:avLst/>
-          </a:prstGeom>
-          <a:solidFill>
-            <a:srgbClr val="E9EBF1"/>
-          </a:solidFill>
-          <a:ln>
-            <a:noFill/>
-          </a:ln>
-        </p:spPr>
-        <p:style>
-          <a:lnRef idx="2">
-            <a:schemeClr val="accent1">
-              <a:shade val="50000"/>
-            </a:schemeClr>
-          </a:lnRef>
-          <a:fillRef idx="1">
-            <a:schemeClr val="accent1"/>
-          </a:fillRef>
-          <a:effectRef idx="0">
-            <a:schemeClr val="accent1"/>
-          </a:effectRef>
-          <a:fontRef idx="minor">
-            <a:schemeClr val="lt1"/>
-          </a:fontRef>
-        </p:style>
-        <p:txBody>
-          <a:bodyPr rtlCol="0" anchor="ctr"/>
-          <a:lstStyle/>
-          <a:p>
-            <a:pPr algn="ctr"/>
-            <a:r>
-              <a:rPr lang="en-US" sz="3600" dirty="0">
-                <a:solidFill>
-                  <a:srgbClr val="2E344C"/>
-                </a:solidFill>
-              </a:rPr>
-              <a:t>When an outsider thinks a company is more fun to work at, they are more likely to justify unfair treatment of employees within that company</a:t>
-            </a:r>
-            <a:endParaRPr lang="en-CA" sz="2000" dirty="0"/>
-          </a:p>
-        </p:txBody>
-      </p:sp>
+        </p:grpSpPr>
+        <p:sp>
+          <p:nvSpPr>
+            <p:cNvPr id="25" name="Rectangle 24">
+              <a:extLst>
+                <a:ext uri="{FF2B5EF4-FFF2-40B4-BE49-F238E27FC236}">
+                  <a16:creationId xmlns:a16="http://schemas.microsoft.com/office/drawing/2014/main" id="{F72BEBA2-F451-4C22-9346-323BC19F1C86}"/>
+                </a:ext>
+              </a:extLst>
+            </p:cNvPr>
+            <p:cNvSpPr/>
+            <p:nvPr/>
+          </p:nvSpPr>
+          <p:spPr>
+            <a:xfrm>
+              <a:off x="256032" y="22506564"/>
+              <a:ext cx="11484864" cy="618978"/>
+            </a:xfrm>
+            <a:prstGeom prst="rect">
+              <a:avLst/>
+            </a:prstGeom>
+            <a:solidFill>
+              <a:srgbClr val="515C85"/>
+            </a:solidFill>
+            <a:ln>
+              <a:noFill/>
+            </a:ln>
+          </p:spPr>
+          <p:style>
+            <a:lnRef idx="2">
+              <a:schemeClr val="accent1">
+                <a:shade val="50000"/>
+              </a:schemeClr>
+            </a:lnRef>
+            <a:fillRef idx="1">
+              <a:schemeClr val="accent1"/>
+            </a:fillRef>
+            <a:effectRef idx="0">
+              <a:schemeClr val="accent1"/>
+            </a:effectRef>
+            <a:fontRef idx="minor">
+              <a:schemeClr val="lt1"/>
+            </a:fontRef>
+          </p:style>
+          <p:txBody>
+            <a:bodyPr rtlCol="0" anchor="ctr"/>
+            <a:lstStyle/>
+            <a:p>
+              <a:pPr algn="ctr"/>
+              <a:r>
+                <a:rPr lang="en-US" sz="4000" b="1" dirty="0"/>
+                <a:t>Research Question</a:t>
+              </a:r>
+              <a:endParaRPr lang="en-CA" sz="4000" b="1" dirty="0"/>
+            </a:p>
+          </p:txBody>
+        </p:sp>
+        <p:sp>
+          <p:nvSpPr>
+            <p:cNvPr id="148" name="Rectangle 147">
+              <a:extLst>
+                <a:ext uri="{FF2B5EF4-FFF2-40B4-BE49-F238E27FC236}">
+                  <a16:creationId xmlns:a16="http://schemas.microsoft.com/office/drawing/2014/main" id="{D72997FF-9740-42C1-99D6-01EFBF1BF9BC}"/>
+                </a:ext>
+              </a:extLst>
+            </p:cNvPr>
+            <p:cNvSpPr/>
+            <p:nvPr/>
+          </p:nvSpPr>
+          <p:spPr>
+            <a:xfrm>
+              <a:off x="246225" y="23131803"/>
+              <a:ext cx="11475056" cy="1685466"/>
+            </a:xfrm>
+            <a:prstGeom prst="rect">
+              <a:avLst/>
+            </a:prstGeom>
+            <a:solidFill>
+              <a:srgbClr val="E9EBF1"/>
+            </a:solidFill>
+            <a:ln>
+              <a:noFill/>
+            </a:ln>
+          </p:spPr>
+          <p:style>
+            <a:lnRef idx="2">
+              <a:schemeClr val="accent1">
+                <a:shade val="50000"/>
+              </a:schemeClr>
+            </a:lnRef>
+            <a:fillRef idx="1">
+              <a:schemeClr val="accent1"/>
+            </a:fillRef>
+            <a:effectRef idx="0">
+              <a:schemeClr val="accent1"/>
+            </a:effectRef>
+            <a:fontRef idx="minor">
+              <a:schemeClr val="lt1"/>
+            </a:fontRef>
+          </p:style>
+          <p:txBody>
+            <a:bodyPr rtlCol="0" anchor="ctr"/>
+            <a:lstStyle/>
+            <a:p>
+              <a:pPr algn="ctr"/>
+              <a:r>
+                <a:rPr lang="en-US" sz="2600" dirty="0">
+                  <a:solidFill>
+                    <a:srgbClr val="2E344C"/>
+                  </a:solidFill>
+                  <a:latin typeface="Avenir Next LT Pro" panose="020B0504020202020204" pitchFamily="34" charset="0"/>
+                </a:rPr>
+                <a:t>When people see the novel perks offered at modern technology companies, do they use this as evidence that the company prioritizes its employee's well-being and ignore instances of employee exploitation (e.g., unpaid overtime) as they challenge this positive perception?</a:t>
+              </a:r>
+              <a:endParaRPr lang="en-CA" sz="2600" dirty="0">
+                <a:latin typeface="Avenir Next LT Pro" panose="020B0504020202020204" pitchFamily="34" charset="0"/>
+              </a:endParaRPr>
+            </a:p>
+          </p:txBody>
+        </p:sp>
+      </p:grpSp>
       <p:cxnSp>
         <p:nvCxnSpPr>
           <p:cNvPr id="6" name="Straight Connector 5">
@@ -11699,7 +14768,7 @@
         </p:nvCxnSpPr>
         <p:spPr>
           <a:xfrm>
-            <a:off x="646989" y="30753235"/>
+            <a:off x="602435" y="31284035"/>
             <a:ext cx="3411940" cy="0"/>
           </a:xfrm>
           <a:prstGeom prst="line">
@@ -11740,7 +14809,7 @@
         </p:nvGrpSpPr>
         <p:grpSpPr>
           <a:xfrm>
-            <a:off x="5988657" y="26835452"/>
+            <a:off x="5988656" y="27437768"/>
             <a:ext cx="6769099" cy="5063454"/>
             <a:chOff x="5331598" y="26921757"/>
             <a:chExt cx="5959408" cy="4457785"/>
@@ -11885,10 +14954,10 @@
         </p:nvGrpSpPr>
         <p:grpSpPr>
           <a:xfrm>
-            <a:off x="4351910" y="25976467"/>
-            <a:ext cx="2490717" cy="6509117"/>
-            <a:chOff x="9240370" y="25976467"/>
-            <a:chExt cx="2490717" cy="6509117"/>
+            <a:off x="4348340" y="27292505"/>
+            <a:ext cx="2490717" cy="5174546"/>
+            <a:chOff x="9240369" y="25976467"/>
+            <a:chExt cx="2490717" cy="5174546"/>
           </a:xfrm>
         </p:grpSpPr>
         <p:sp>
@@ -11906,7 +14975,7 @@
           <p:spPr>
             <a:xfrm>
               <a:off x="9249241" y="25976467"/>
-              <a:ext cx="2481845" cy="795528"/>
+              <a:ext cx="2481845" cy="676656"/>
             </a:xfrm>
             <a:prstGeom prst="rect">
               <a:avLst/>
@@ -11940,7 +15009,7 @@
             <a:p>
               <a:pPr defTabSz="914400"/>
               <a:r>
-                <a:rPr lang="en-US" sz="2400" dirty="0">
+                <a:rPr lang="en-US" sz="2000" dirty="0">
                   <a:solidFill>
                     <a:prstClr val="black"/>
                   </a:solidFill>
@@ -11948,7 +15017,7 @@
                 </a:rPr>
                 <a:t>Social Sciences (35%)</a:t>
               </a:r>
-              <a:endParaRPr lang="en-CA" sz="2400" dirty="0">
+              <a:endParaRPr lang="en-CA" sz="2000" dirty="0">
                 <a:solidFill>
                   <a:prstClr val="black"/>
                 </a:solidFill>
@@ -11971,8 +15040,8 @@
           </p:nvSpPr>
           <p:spPr>
             <a:xfrm>
-              <a:off x="9249241" y="26876789"/>
-              <a:ext cx="2481845" cy="795528"/>
+              <a:off x="9249241" y="26757903"/>
+              <a:ext cx="2481845" cy="676656"/>
             </a:xfrm>
             <a:prstGeom prst="rect">
               <a:avLst/>
@@ -12006,7 +15075,7 @@
             <a:p>
               <a:pPr defTabSz="914400"/>
               <a:r>
-                <a:rPr lang="en-US" sz="2400" dirty="0">
+                <a:rPr lang="en-US" sz="2000" dirty="0">
                   <a:solidFill>
                     <a:prstClr val="black"/>
                   </a:solidFill>
@@ -12014,7 +15083,7 @@
                 </a:rPr>
                 <a:t>Health Sciences (32%)</a:t>
               </a:r>
-              <a:endParaRPr lang="en-CA" sz="2400" dirty="0">
+              <a:endParaRPr lang="en-CA" sz="2000" dirty="0">
                 <a:solidFill>
                   <a:prstClr val="black"/>
                 </a:solidFill>
@@ -12037,8 +15106,8 @@
           </p:nvSpPr>
           <p:spPr>
             <a:xfrm>
-              <a:off x="9249241" y="27777346"/>
-              <a:ext cx="2481845" cy="466344"/>
+              <a:off x="9249241" y="27542312"/>
+              <a:ext cx="2481845" cy="365760"/>
             </a:xfrm>
             <a:prstGeom prst="rect">
               <a:avLst/>
@@ -12072,7 +15141,7 @@
             <a:p>
               <a:pPr defTabSz="914400"/>
               <a:r>
-                <a:rPr lang="en-US" sz="2400" dirty="0">
+                <a:rPr lang="en-US" sz="2000" dirty="0">
                   <a:solidFill>
                     <a:prstClr val="black"/>
                   </a:solidFill>
@@ -12080,7 +15149,7 @@
                 </a:rPr>
                 <a:t>Education (18%)</a:t>
               </a:r>
-              <a:endParaRPr lang="en-CA" sz="2400" dirty="0">
+              <a:endParaRPr lang="en-CA" sz="2000" dirty="0">
                 <a:solidFill>
                   <a:prstClr val="black"/>
                 </a:solidFill>
@@ -12103,8 +15172,8 @@
           </p:nvSpPr>
           <p:spPr>
             <a:xfrm>
-              <a:off x="9249241" y="28352566"/>
-              <a:ext cx="2481845" cy="1150673"/>
+              <a:off x="9240369" y="28010829"/>
+              <a:ext cx="2481845" cy="676656"/>
             </a:xfrm>
             <a:prstGeom prst="rect">
               <a:avLst/>
@@ -12138,7 +15207,7 @@
             <a:p>
               <a:pPr defTabSz="914400"/>
               <a:r>
-                <a:rPr lang="en-US" sz="2400" dirty="0">
+                <a:rPr lang="en-US" sz="2000" dirty="0">
                   <a:solidFill>
                     <a:prstClr val="black"/>
                   </a:solidFill>
@@ -12146,7 +15215,7 @@
                 </a:rPr>
                 <a:t>Mathematics and Science (5%)</a:t>
               </a:r>
-              <a:endParaRPr lang="en-CA" sz="2400" dirty="0">
+              <a:endParaRPr lang="en-CA" sz="2000" dirty="0">
                 <a:solidFill>
                   <a:prstClr val="black"/>
                 </a:solidFill>
@@ -12169,8 +15238,8 @@
           </p:nvSpPr>
           <p:spPr>
             <a:xfrm>
-              <a:off x="9249241" y="29623125"/>
-              <a:ext cx="2481845" cy="795528"/>
+              <a:off x="9249241" y="28789905"/>
+              <a:ext cx="2481845" cy="676656"/>
             </a:xfrm>
             <a:prstGeom prst="rect">
               <a:avLst/>
@@ -12204,7 +15273,7 @@
             <a:p>
               <a:pPr defTabSz="914400"/>
               <a:r>
-                <a:rPr lang="en-US" sz="2400" dirty="0">
+                <a:rPr lang="en-US" sz="2000" dirty="0">
                   <a:solidFill>
                     <a:prstClr val="black"/>
                   </a:solidFill>
@@ -12212,7 +15281,7 @@
                 </a:rPr>
                 <a:t>&gt;20 years old (69%)</a:t>
               </a:r>
-              <a:endParaRPr lang="en-CA" sz="2400" dirty="0">
+              <a:endParaRPr lang="en-CA" sz="2000" dirty="0">
                 <a:solidFill>
                   <a:prstClr val="black"/>
                 </a:solidFill>
@@ -12235,8 +15304,8 @@
           </p:nvSpPr>
           <p:spPr>
             <a:xfrm>
-              <a:off x="9249242" y="30538539"/>
-              <a:ext cx="2481845" cy="792684"/>
+              <a:off x="9249241" y="29555741"/>
+              <a:ext cx="2481845" cy="675642"/>
             </a:xfrm>
             <a:prstGeom prst="rect">
               <a:avLst/>
@@ -12270,7 +15339,7 @@
             <a:p>
               <a:pPr defTabSz="914400"/>
               <a:r>
-                <a:rPr lang="en-US" sz="2400" dirty="0">
+                <a:rPr lang="en-US" sz="2000" dirty="0">
                   <a:solidFill>
                     <a:prstClr val="black"/>
                   </a:solidFill>
@@ -12278,7 +15347,7 @@
                 </a:rPr>
                 <a:t>20-25 years old (31%)</a:t>
               </a:r>
-              <a:endParaRPr lang="en-CA" sz="2400" dirty="0">
+              <a:endParaRPr lang="en-CA" sz="2000" dirty="0">
                 <a:solidFill>
                   <a:prstClr val="black"/>
                 </a:solidFill>
@@ -12301,8 +15370,8 @@
           </p:nvSpPr>
           <p:spPr>
             <a:xfrm>
-              <a:off x="9240370" y="31451109"/>
-              <a:ext cx="2481845" cy="469471"/>
+              <a:off x="9240369" y="30333747"/>
+              <a:ext cx="2481845" cy="365760"/>
             </a:xfrm>
             <a:prstGeom prst="rect">
               <a:avLst/>
@@ -12336,7 +15405,7 @@
             <a:p>
               <a:pPr defTabSz="914400"/>
               <a:r>
-                <a:rPr lang="en-US" sz="2400" dirty="0">
+                <a:rPr lang="en-US" sz="2000" dirty="0">
                   <a:solidFill>
                     <a:prstClr val="black"/>
                   </a:solidFill>
@@ -12344,7 +15413,7 @@
                 </a:rPr>
                 <a:t>Female (83%)</a:t>
               </a:r>
-              <a:endParaRPr lang="en-CA" sz="2400" dirty="0">
+              <a:endParaRPr lang="en-CA" sz="2000" dirty="0">
                 <a:solidFill>
                   <a:prstClr val="black"/>
                 </a:solidFill>
@@ -12367,8 +15436,8 @@
           </p:nvSpPr>
           <p:spPr>
             <a:xfrm>
-              <a:off x="9246396" y="32016113"/>
-              <a:ext cx="2481845" cy="469471"/>
+              <a:off x="9249240" y="30785253"/>
+              <a:ext cx="2481845" cy="365760"/>
             </a:xfrm>
             <a:prstGeom prst="rect">
               <a:avLst/>
@@ -12402,7 +15471,7 @@
             <a:p>
               <a:pPr defTabSz="914400"/>
               <a:r>
-                <a:rPr lang="en-US" sz="2400" dirty="0">
+                <a:rPr lang="en-US" sz="2000" dirty="0">
                   <a:solidFill>
                     <a:prstClr val="black"/>
                   </a:solidFill>
@@ -12410,12 +15479,1984 @@
                 </a:rPr>
                 <a:t>Male (17%)</a:t>
               </a:r>
-              <a:endParaRPr lang="en-CA" sz="2400" dirty="0">
+              <a:endParaRPr lang="en-CA" sz="2000" dirty="0">
                 <a:solidFill>
                   <a:prstClr val="black"/>
                 </a:solidFill>
                 <a:latin typeface="Avenir Next LT Pro"/>
               </a:endParaRPr>
+            </a:p>
+          </p:txBody>
+        </p:sp>
+      </p:grpSp>
+      <p:sp>
+        <p:nvSpPr>
+          <p:cNvPr id="94" name="Rectangle 93">
+            <a:extLst>
+              <a:ext uri="{FF2B5EF4-FFF2-40B4-BE49-F238E27FC236}">
+                <a16:creationId xmlns:a16="http://schemas.microsoft.com/office/drawing/2014/main" id="{D071CEEF-B669-4D5B-8346-3AEF7E3DB4E0}"/>
+              </a:ext>
+            </a:extLst>
+          </p:cNvPr>
+          <p:cNvSpPr/>
+          <p:nvPr/>
+        </p:nvSpPr>
+        <p:spPr>
+          <a:xfrm>
+            <a:off x="256032" y="5793937"/>
+            <a:ext cx="6168854" cy="413565"/>
+          </a:xfrm>
+          <a:prstGeom prst="rect">
+            <a:avLst/>
+          </a:prstGeom>
+          <a:solidFill>
+            <a:srgbClr val="8D96B9"/>
+          </a:solidFill>
+          <a:ln>
+            <a:noFill/>
+          </a:ln>
+        </p:spPr>
+        <p:style>
+          <a:lnRef idx="2">
+            <a:schemeClr val="accent1">
+              <a:shade val="50000"/>
+            </a:schemeClr>
+          </a:lnRef>
+          <a:fillRef idx="1">
+            <a:schemeClr val="accent1"/>
+          </a:fillRef>
+          <a:effectRef idx="0">
+            <a:schemeClr val="accent1"/>
+          </a:effectRef>
+          <a:fontRef idx="minor">
+            <a:schemeClr val="lt1"/>
+          </a:fontRef>
+        </p:style>
+        <p:txBody>
+          <a:bodyPr rtlCol="0" anchor="ctr"/>
+          <a:lstStyle/>
+          <a:p>
+            <a:pPr algn="ctr"/>
+            <a:r>
+              <a:rPr lang="en-US" sz="2800" b="1" dirty="0"/>
+              <a:t>Organizational Culture</a:t>
+            </a:r>
+            <a:endParaRPr lang="en-CA" sz="2800" b="1" dirty="0"/>
+          </a:p>
+        </p:txBody>
+      </p:sp>
+      <p:sp>
+        <p:nvSpPr>
+          <p:cNvPr id="95" name="Rectangle 94">
+            <a:extLst>
+              <a:ext uri="{FF2B5EF4-FFF2-40B4-BE49-F238E27FC236}">
+                <a16:creationId xmlns:a16="http://schemas.microsoft.com/office/drawing/2014/main" id="{F601D570-AA6D-4E52-8026-61A6BE42B074}"/>
+              </a:ext>
+            </a:extLst>
+          </p:cNvPr>
+          <p:cNvSpPr/>
+          <p:nvPr/>
+        </p:nvSpPr>
+        <p:spPr>
+          <a:xfrm>
+            <a:off x="265839" y="8256591"/>
+            <a:ext cx="6168854" cy="413565"/>
+          </a:xfrm>
+          <a:prstGeom prst="rect">
+            <a:avLst/>
+          </a:prstGeom>
+          <a:solidFill>
+            <a:srgbClr val="8D96B9"/>
+          </a:solidFill>
+          <a:ln>
+            <a:noFill/>
+          </a:ln>
+        </p:spPr>
+        <p:style>
+          <a:lnRef idx="2">
+            <a:schemeClr val="accent1">
+              <a:shade val="50000"/>
+            </a:schemeClr>
+          </a:lnRef>
+          <a:fillRef idx="1">
+            <a:schemeClr val="accent1"/>
+          </a:fillRef>
+          <a:effectRef idx="0">
+            <a:schemeClr val="accent1"/>
+          </a:effectRef>
+          <a:fontRef idx="minor">
+            <a:schemeClr val="lt1"/>
+          </a:fontRef>
+        </p:style>
+        <p:txBody>
+          <a:bodyPr rtlCol="0" anchor="ctr"/>
+          <a:lstStyle/>
+          <a:p>
+            <a:pPr algn="ctr"/>
+            <a:r>
+              <a:rPr lang="en-US" sz="2800" b="1" dirty="0"/>
+              <a:t>The Competing Values Framework</a:t>
+            </a:r>
+            <a:endParaRPr lang="en-CA" sz="2800" b="1" dirty="0"/>
+          </a:p>
+        </p:txBody>
+      </p:sp>
+      <p:sp>
+        <p:nvSpPr>
+          <p:cNvPr id="96" name="Rectangle 95">
+            <a:extLst>
+              <a:ext uri="{FF2B5EF4-FFF2-40B4-BE49-F238E27FC236}">
+                <a16:creationId xmlns:a16="http://schemas.microsoft.com/office/drawing/2014/main" id="{000A86C9-ACB5-40F8-8B04-60B5FAC7EF16}"/>
+              </a:ext>
+            </a:extLst>
+          </p:cNvPr>
+          <p:cNvSpPr/>
+          <p:nvPr/>
+        </p:nvSpPr>
+        <p:spPr>
+          <a:xfrm>
+            <a:off x="247906" y="11799517"/>
+            <a:ext cx="11484863" cy="413565"/>
+          </a:xfrm>
+          <a:prstGeom prst="rect">
+            <a:avLst/>
+          </a:prstGeom>
+          <a:solidFill>
+            <a:srgbClr val="8D96B9"/>
+          </a:solidFill>
+          <a:ln>
+            <a:noFill/>
+          </a:ln>
+        </p:spPr>
+        <p:style>
+          <a:lnRef idx="2">
+            <a:schemeClr val="accent1">
+              <a:shade val="50000"/>
+            </a:schemeClr>
+          </a:lnRef>
+          <a:fillRef idx="1">
+            <a:schemeClr val="accent1"/>
+          </a:fillRef>
+          <a:effectRef idx="0">
+            <a:schemeClr val="accent1"/>
+          </a:effectRef>
+          <a:fontRef idx="minor">
+            <a:schemeClr val="lt1"/>
+          </a:fontRef>
+        </p:style>
+        <p:txBody>
+          <a:bodyPr rtlCol="0" anchor="ctr"/>
+          <a:lstStyle/>
+          <a:p>
+            <a:pPr algn="ctr"/>
+            <a:r>
+              <a:rPr lang="en-US" sz="2800" b="1" dirty="0"/>
+              <a:t>System Justification</a:t>
+            </a:r>
+            <a:endParaRPr lang="en-CA" sz="2800" b="1" dirty="0"/>
+          </a:p>
+        </p:txBody>
+      </p:sp>
+      <p:sp>
+        <p:nvSpPr>
+          <p:cNvPr id="99" name="Rectangle 98">
+            <a:extLst>
+              <a:ext uri="{FF2B5EF4-FFF2-40B4-BE49-F238E27FC236}">
+                <a16:creationId xmlns:a16="http://schemas.microsoft.com/office/drawing/2014/main" id="{C5AAE713-FFE6-47CD-A0BB-F41714DE45EB}"/>
+              </a:ext>
+            </a:extLst>
+          </p:cNvPr>
+          <p:cNvSpPr/>
+          <p:nvPr/>
+        </p:nvSpPr>
+        <p:spPr>
+          <a:xfrm>
+            <a:off x="265839" y="8665722"/>
+            <a:ext cx="6166439" cy="2786290"/>
+          </a:xfrm>
+          <a:prstGeom prst="rect">
+            <a:avLst/>
+          </a:prstGeom>
+          <a:solidFill>
+            <a:srgbClr val="E9EBF1"/>
+          </a:solidFill>
+          <a:ln>
+            <a:noFill/>
+          </a:ln>
+        </p:spPr>
+        <p:style>
+          <a:lnRef idx="2">
+            <a:schemeClr val="accent1">
+              <a:shade val="50000"/>
+            </a:schemeClr>
+          </a:lnRef>
+          <a:fillRef idx="1">
+            <a:schemeClr val="accent1"/>
+          </a:fillRef>
+          <a:effectRef idx="0">
+            <a:schemeClr val="accent1"/>
+          </a:effectRef>
+          <a:fontRef idx="minor">
+            <a:schemeClr val="lt1"/>
+          </a:fontRef>
+        </p:style>
+        <p:txBody>
+          <a:bodyPr rtlCol="0" anchor="ctr"/>
+          <a:lstStyle/>
+          <a:p>
+            <a:pPr marL="0" marR="0" lvl="0" indent="0" algn="l" defTabSz="914400" rtl="0" eaLnBrk="1" fontAlgn="auto" latinLnBrk="0" hangingPunct="1">
+              <a:lnSpc>
+                <a:spcPct val="100000"/>
+              </a:lnSpc>
+              <a:spcBef>
+                <a:spcPts val="0"/>
+              </a:spcBef>
+              <a:spcAft>
+                <a:spcPts val="1200"/>
+              </a:spcAft>
+              <a:buClrTx/>
+              <a:buSzTx/>
+              <a:buFontTx/>
+              <a:buNone/>
+              <a:tabLst/>
+              <a:defRPr/>
+            </a:pPr>
+            <a:r>
+              <a:rPr kumimoji="0" lang="en-US" sz="2400" b="0" i="0" u="none" strike="noStrike" kern="1200" cap="none" spc="0" normalizeH="0" baseline="0" noProof="0" dirty="0">
+                <a:ln>
+                  <a:noFill/>
+                </a:ln>
+                <a:solidFill>
+                  <a:srgbClr val="8F99BB">
+                    <a:lumMod val="75000"/>
+                  </a:srgbClr>
+                </a:solidFill>
+                <a:effectLst/>
+                <a:uLnTx/>
+                <a:uFillTx/>
+                <a:latin typeface="Avenir Next LT Pro"/>
+                <a:ea typeface="+mn-ea"/>
+                <a:cs typeface="+mn-cs"/>
+              </a:rPr>
+              <a:t>Measures where an organizations values lay along two dimensions to diagnose its primary culture as one of four styles.</a:t>
+            </a:r>
+          </a:p>
+          <a:p>
+            <a:pPr marL="0" marR="0" lvl="0" indent="0" algn="l" defTabSz="914400" rtl="0" eaLnBrk="1" fontAlgn="auto" latinLnBrk="0" hangingPunct="1">
+              <a:lnSpc>
+                <a:spcPct val="100000"/>
+              </a:lnSpc>
+              <a:spcBef>
+                <a:spcPts val="0"/>
+              </a:spcBef>
+              <a:spcAft>
+                <a:spcPts val="1200"/>
+              </a:spcAft>
+              <a:buClrTx/>
+              <a:buSzTx/>
+              <a:buFontTx/>
+              <a:buNone/>
+              <a:tabLst/>
+              <a:defRPr/>
+            </a:pPr>
+            <a:r>
+              <a:rPr lang="en-US" sz="2400" dirty="0">
+                <a:solidFill>
+                  <a:srgbClr val="8F99BB">
+                    <a:lumMod val="75000"/>
+                  </a:srgbClr>
+                </a:solidFill>
+                <a:latin typeface="Avenir Next LT Pro"/>
+              </a:rPr>
+              <a:t>Clan culture is focused on its employee's well-being, while Adhocracy culture prioritizes flexibility and rapid innovation to stay ahead of the competition.</a:t>
+            </a:r>
+            <a:endParaRPr kumimoji="0" lang="en-US" sz="2400" b="0" i="0" u="none" strike="noStrike" kern="1200" cap="none" spc="0" normalizeH="0" baseline="0" noProof="0" dirty="0">
+              <a:ln>
+                <a:noFill/>
+              </a:ln>
+              <a:solidFill>
+                <a:srgbClr val="8F99BB">
+                  <a:lumMod val="75000"/>
+                </a:srgbClr>
+              </a:solidFill>
+              <a:effectLst/>
+              <a:uLnTx/>
+              <a:uFillTx/>
+              <a:latin typeface="Avenir Next LT Pro"/>
+              <a:ea typeface="+mn-ea"/>
+              <a:cs typeface="+mn-cs"/>
+            </a:endParaRPr>
+          </a:p>
+        </p:txBody>
+      </p:sp>
+      <p:sp>
+        <p:nvSpPr>
+          <p:cNvPr id="100" name="Rectangle 99">
+            <a:extLst>
+              <a:ext uri="{FF2B5EF4-FFF2-40B4-BE49-F238E27FC236}">
+                <a16:creationId xmlns:a16="http://schemas.microsoft.com/office/drawing/2014/main" id="{B7717DF8-C73B-4E37-A6E6-D96E6AF2D70A}"/>
+              </a:ext>
+            </a:extLst>
+          </p:cNvPr>
+          <p:cNvSpPr/>
+          <p:nvPr/>
+        </p:nvSpPr>
+        <p:spPr>
+          <a:xfrm>
+            <a:off x="246225" y="12783301"/>
+            <a:ext cx="11484863" cy="413565"/>
+          </a:xfrm>
+          <a:prstGeom prst="rect">
+            <a:avLst/>
+          </a:prstGeom>
+          <a:solidFill>
+            <a:srgbClr val="8D96B9"/>
+          </a:solidFill>
+          <a:ln>
+            <a:noFill/>
+          </a:ln>
+        </p:spPr>
+        <p:style>
+          <a:lnRef idx="2">
+            <a:schemeClr val="accent1">
+              <a:shade val="50000"/>
+            </a:schemeClr>
+          </a:lnRef>
+          <a:fillRef idx="1">
+            <a:schemeClr val="accent1"/>
+          </a:fillRef>
+          <a:effectRef idx="0">
+            <a:schemeClr val="accent1"/>
+          </a:effectRef>
+          <a:fontRef idx="minor">
+            <a:schemeClr val="lt1"/>
+          </a:fontRef>
+        </p:style>
+        <p:txBody>
+          <a:bodyPr rtlCol="0" anchor="ctr"/>
+          <a:lstStyle/>
+          <a:p>
+            <a:pPr algn="ctr"/>
+            <a:r>
+              <a:rPr lang="en-US" sz="2800" b="1" dirty="0"/>
+              <a:t>System Justification Theory</a:t>
+            </a:r>
+            <a:endParaRPr lang="en-CA" sz="2800" b="1" dirty="0"/>
+          </a:p>
+        </p:txBody>
+      </p:sp>
+      <p:graphicFrame>
+        <p:nvGraphicFramePr>
+          <p:cNvPr id="101" name="Diagram 100">
+            <a:extLst>
+              <a:ext uri="{FF2B5EF4-FFF2-40B4-BE49-F238E27FC236}">
+                <a16:creationId xmlns:a16="http://schemas.microsoft.com/office/drawing/2014/main" id="{970B7652-CBC3-469F-999E-CEF0D8833299}"/>
+              </a:ext>
+            </a:extLst>
+          </p:cNvPr>
+          <p:cNvGraphicFramePr/>
+          <p:nvPr>
+            <p:extLst>
+              <p:ext uri="{D42A27DB-BD31-4B8C-83A1-F6EECF244321}">
+                <p14:modId xmlns:p14="http://schemas.microsoft.com/office/powerpoint/2010/main" val="2244350480"/>
+              </p:ext>
+            </p:extLst>
+          </p:nvPr>
+        </p:nvGraphicFramePr>
+        <p:xfrm>
+          <a:off x="238121" y="13394645"/>
+          <a:ext cx="11502775" cy="1944548"/>
+        </p:xfrm>
+        <a:graphic>
+          <a:graphicData uri="http://schemas.openxmlformats.org/drawingml/2006/diagram">
+            <dgm:relIds xmlns:dgm="http://schemas.openxmlformats.org/drawingml/2006/diagram" xmlns:r="http://schemas.openxmlformats.org/officeDocument/2006/relationships" r:dm="rId5" r:lo="rId6" r:qs="rId7" r:cs="rId8"/>
+          </a:graphicData>
+        </a:graphic>
+      </p:graphicFrame>
+      <p:sp>
+        <p:nvSpPr>
+          <p:cNvPr id="102" name="Rectangle 101">
+            <a:extLst>
+              <a:ext uri="{FF2B5EF4-FFF2-40B4-BE49-F238E27FC236}">
+                <a16:creationId xmlns:a16="http://schemas.microsoft.com/office/drawing/2014/main" id="{DA6DB530-E541-42E5-873C-68441D3FAEE6}"/>
+              </a:ext>
+            </a:extLst>
+          </p:cNvPr>
+          <p:cNvSpPr/>
+          <p:nvPr/>
+        </p:nvSpPr>
+        <p:spPr>
+          <a:xfrm>
+            <a:off x="256032" y="22132000"/>
+            <a:ext cx="11484864" cy="618978"/>
+          </a:xfrm>
+          <a:prstGeom prst="rect">
+            <a:avLst/>
+          </a:prstGeom>
+          <a:solidFill>
+            <a:srgbClr val="515C85"/>
+          </a:solidFill>
+          <a:ln>
+            <a:noFill/>
+          </a:ln>
+        </p:spPr>
+        <p:style>
+          <a:lnRef idx="2">
+            <a:schemeClr val="accent1">
+              <a:shade val="50000"/>
+            </a:schemeClr>
+          </a:lnRef>
+          <a:fillRef idx="1">
+            <a:schemeClr val="accent1"/>
+          </a:fillRef>
+          <a:effectRef idx="0">
+            <a:schemeClr val="accent1"/>
+          </a:effectRef>
+          <a:fontRef idx="minor">
+            <a:schemeClr val="lt1"/>
+          </a:fontRef>
+        </p:style>
+        <p:txBody>
+          <a:bodyPr rtlCol="0" anchor="ctr"/>
+          <a:lstStyle/>
+          <a:p>
+            <a:pPr algn="ctr"/>
+            <a:r>
+              <a:rPr lang="en-US" sz="4000" b="1" dirty="0"/>
+              <a:t>Key Variable Definitions</a:t>
+            </a:r>
+            <a:endParaRPr lang="en-CA" sz="4000" b="1" dirty="0"/>
+          </a:p>
+        </p:txBody>
+      </p:sp>
+      <p:grpSp>
+        <p:nvGrpSpPr>
+          <p:cNvPr id="33" name="Group 32">
+            <a:extLst>
+              <a:ext uri="{FF2B5EF4-FFF2-40B4-BE49-F238E27FC236}">
+                <a16:creationId xmlns:a16="http://schemas.microsoft.com/office/drawing/2014/main" id="{73F40428-5EB4-4199-915F-8322B9FA8431}"/>
+              </a:ext>
+            </a:extLst>
+          </p:cNvPr>
+          <p:cNvGrpSpPr/>
+          <p:nvPr/>
+        </p:nvGrpSpPr>
+        <p:grpSpPr>
+          <a:xfrm>
+            <a:off x="246224" y="22885752"/>
+            <a:ext cx="11484862" cy="1060543"/>
+            <a:chOff x="246224" y="22885753"/>
+            <a:chExt cx="11484862" cy="914588"/>
+          </a:xfrm>
+        </p:grpSpPr>
+        <p:sp>
+          <p:nvSpPr>
+            <p:cNvPr id="130" name="Rectangle 129">
+              <a:extLst>
+                <a:ext uri="{FF2B5EF4-FFF2-40B4-BE49-F238E27FC236}">
+                  <a16:creationId xmlns:a16="http://schemas.microsoft.com/office/drawing/2014/main" id="{65D60AD8-C8E8-4656-BE51-A1BD8954F1E9}"/>
+                </a:ext>
+              </a:extLst>
+            </p:cNvPr>
+            <p:cNvSpPr/>
+            <p:nvPr/>
+          </p:nvSpPr>
+          <p:spPr>
+            <a:xfrm>
+              <a:off x="1062590" y="22887088"/>
+              <a:ext cx="10668496" cy="843050"/>
+            </a:xfrm>
+            <a:prstGeom prst="rect">
+              <a:avLst/>
+            </a:prstGeom>
+            <a:solidFill>
+              <a:srgbClr val="E9EBF1"/>
+            </a:solidFill>
+            <a:ln>
+              <a:noFill/>
+            </a:ln>
+          </p:spPr>
+          <p:style>
+            <a:lnRef idx="2">
+              <a:schemeClr val="accent1">
+                <a:shade val="50000"/>
+              </a:schemeClr>
+            </a:lnRef>
+            <a:fillRef idx="1">
+              <a:schemeClr val="accent1"/>
+            </a:fillRef>
+            <a:effectRef idx="0">
+              <a:schemeClr val="accent1"/>
+            </a:effectRef>
+            <a:fontRef idx="minor">
+              <a:schemeClr val="lt1"/>
+            </a:fontRef>
+          </p:style>
+          <p:txBody>
+            <a:bodyPr rtlCol="0" anchor="ctr"/>
+            <a:lstStyle/>
+            <a:p>
+              <a:pPr algn="ctr"/>
+              <a:endParaRPr lang="en-CA" sz="2600" dirty="0">
+                <a:latin typeface="Avenir Next LT Pro" panose="020B0504020202020204" pitchFamily="34" charset="0"/>
+              </a:endParaRPr>
+            </a:p>
+          </p:txBody>
+        </p:sp>
+        <p:sp>
+          <p:nvSpPr>
+            <p:cNvPr id="132" name="Rectangle 131">
+              <a:extLst>
+                <a:ext uri="{FF2B5EF4-FFF2-40B4-BE49-F238E27FC236}">
+                  <a16:creationId xmlns:a16="http://schemas.microsoft.com/office/drawing/2014/main" id="{D6C08B0F-B8ED-40F1-8D61-59E3FB1B2CBC}"/>
+                </a:ext>
+              </a:extLst>
+            </p:cNvPr>
+            <p:cNvSpPr/>
+            <p:nvPr/>
+          </p:nvSpPr>
+          <p:spPr>
+            <a:xfrm>
+              <a:off x="246224" y="22885753"/>
+              <a:ext cx="862169" cy="843049"/>
+            </a:xfrm>
+            <a:prstGeom prst="rect">
+              <a:avLst/>
+            </a:prstGeom>
+            <a:solidFill>
+              <a:srgbClr val="8F99BB">
+                <a:lumMod val="75000"/>
+              </a:srgbClr>
+            </a:solidFill>
+            <a:ln w="12700" cap="flat" cmpd="sng" algn="ctr">
+              <a:noFill/>
+              <a:prstDash val="solid"/>
+              <a:miter lim="800000"/>
+            </a:ln>
+            <a:effectLst/>
+          </p:spPr>
+          <p:txBody>
+            <a:bodyPr rtlCol="0" anchor="ctr"/>
+            <a:lstStyle/>
+            <a:p>
+              <a:pPr marL="0" marR="0" lvl="0" indent="0" algn="ctr" defTabSz="914400" eaLnBrk="1" fontAlgn="auto" latinLnBrk="0" hangingPunct="1">
+                <a:lnSpc>
+                  <a:spcPct val="100000"/>
+                </a:lnSpc>
+                <a:spcBef>
+                  <a:spcPts val="0"/>
+                </a:spcBef>
+                <a:spcAft>
+                  <a:spcPts val="0"/>
+                </a:spcAft>
+                <a:buClrTx/>
+                <a:buSzTx/>
+                <a:buFontTx/>
+                <a:buNone/>
+                <a:tabLst/>
+                <a:defRPr/>
+              </a:pPr>
+              <a:r>
+                <a:rPr kumimoji="0" lang="en-US" sz="3400" b="1" i="0" u="none" strike="noStrike" kern="0" cap="none" spc="0" normalizeH="0" baseline="0" noProof="0" dirty="0">
+                  <a:ln>
+                    <a:noFill/>
+                  </a:ln>
+                  <a:solidFill>
+                    <a:prstClr val="white"/>
+                  </a:solidFill>
+                  <a:effectLst/>
+                  <a:uLnTx/>
+                  <a:uFillTx/>
+                  <a:latin typeface="Avenir Next LT Pro"/>
+                  <a:ea typeface="+mn-ea"/>
+                  <a:cs typeface="+mn-cs"/>
+                </a:rPr>
+                <a:t>IV</a:t>
+              </a:r>
+              <a:endParaRPr kumimoji="0" lang="en-CA" sz="3400" b="1" i="0" u="none" strike="noStrike" kern="0" cap="none" spc="0" normalizeH="0" baseline="0" noProof="0" dirty="0">
+                <a:ln>
+                  <a:noFill/>
+                </a:ln>
+                <a:solidFill>
+                  <a:prstClr val="white"/>
+                </a:solidFill>
+                <a:effectLst/>
+                <a:uLnTx/>
+                <a:uFillTx/>
+                <a:latin typeface="Avenir Next LT Pro"/>
+                <a:ea typeface="+mn-ea"/>
+                <a:cs typeface="+mn-cs"/>
+              </a:endParaRPr>
+            </a:p>
+          </p:txBody>
+        </p:sp>
+        <p:sp>
+          <p:nvSpPr>
+            <p:cNvPr id="27" name="TextBox 26">
+              <a:extLst>
+                <a:ext uri="{FF2B5EF4-FFF2-40B4-BE49-F238E27FC236}">
+                  <a16:creationId xmlns:a16="http://schemas.microsoft.com/office/drawing/2014/main" id="{EA1CBAF5-26A2-4297-BF2D-B5FA31CB3A72}"/>
+                </a:ext>
+              </a:extLst>
+            </p:cNvPr>
+            <p:cNvSpPr txBox="1"/>
+            <p:nvPr/>
+          </p:nvSpPr>
+          <p:spPr>
+            <a:xfrm>
+              <a:off x="1112693" y="22927144"/>
+              <a:ext cx="2591090" cy="424672"/>
+            </a:xfrm>
+            <a:prstGeom prst="rect">
+              <a:avLst/>
+            </a:prstGeom>
+            <a:noFill/>
+          </p:spPr>
+          <p:txBody>
+            <a:bodyPr wrap="square" rtlCol="0">
+              <a:spAutoFit/>
+            </a:bodyPr>
+            <a:lstStyle/>
+            <a:p>
+              <a:pPr algn="r"/>
+              <a:r>
+                <a:rPr lang="en-US" sz="2600" b="1" dirty="0">
+                  <a:solidFill>
+                    <a:srgbClr val="2E344C"/>
+                  </a:solidFill>
+                  <a:latin typeface="+mj-lt"/>
+                </a:rPr>
+                <a:t>Clan culture perk </a:t>
+              </a:r>
+              <a:r>
+                <a:rPr lang="en-US" sz="2600" b="1" dirty="0">
+                  <a:solidFill>
+                    <a:srgbClr val="2E344C"/>
+                  </a:solidFill>
+                  <a:latin typeface="Avenir Next LT Pro" panose="020B0504020202020204" pitchFamily="34" charset="0"/>
+                </a:rPr>
+                <a:t>:</a:t>
+              </a:r>
+              <a:endParaRPr lang="en-CA" sz="2600" b="1" dirty="0"/>
+            </a:p>
+          </p:txBody>
+        </p:sp>
+        <p:sp>
+          <p:nvSpPr>
+            <p:cNvPr id="28" name="TextBox 27">
+              <a:extLst>
+                <a:ext uri="{FF2B5EF4-FFF2-40B4-BE49-F238E27FC236}">
+                  <a16:creationId xmlns:a16="http://schemas.microsoft.com/office/drawing/2014/main" id="{D83E7403-B3CB-4C91-A101-5621809EB12A}"/>
+                </a:ext>
+              </a:extLst>
+            </p:cNvPr>
+            <p:cNvSpPr txBox="1"/>
+            <p:nvPr/>
+          </p:nvSpPr>
+          <p:spPr>
+            <a:xfrm>
+              <a:off x="3703782" y="22907789"/>
+              <a:ext cx="8027304" cy="892552"/>
+            </a:xfrm>
+            <a:prstGeom prst="rect">
+              <a:avLst/>
+            </a:prstGeom>
+            <a:noFill/>
+          </p:spPr>
+          <p:txBody>
+            <a:bodyPr wrap="square" rtlCol="0">
+              <a:spAutoFit/>
+            </a:bodyPr>
+            <a:lstStyle/>
+            <a:p>
+              <a:r>
+                <a:rPr lang="en-US" sz="2600" dirty="0">
+                  <a:solidFill>
+                    <a:srgbClr val="2E344C"/>
+                  </a:solidFill>
+                  <a:latin typeface="+mj-lt"/>
+                </a:rPr>
+                <a:t>A perk offered by a company that is novel and fun (e.g., staff gym)</a:t>
+              </a:r>
+              <a:endParaRPr lang="en-CA" sz="2600" dirty="0">
+                <a:latin typeface="+mj-lt"/>
+              </a:endParaRPr>
+            </a:p>
+          </p:txBody>
+        </p:sp>
+      </p:grpSp>
+      <p:sp>
+        <p:nvSpPr>
+          <p:cNvPr id="111" name="TextBox 110">
+            <a:extLst>
+              <a:ext uri="{FF2B5EF4-FFF2-40B4-BE49-F238E27FC236}">
+                <a16:creationId xmlns:a16="http://schemas.microsoft.com/office/drawing/2014/main" id="{B85B4EA9-D433-429B-B23A-88FC528F00BF}"/>
+              </a:ext>
+            </a:extLst>
+          </p:cNvPr>
+          <p:cNvSpPr txBox="1"/>
+          <p:nvPr/>
+        </p:nvSpPr>
+        <p:spPr>
+          <a:xfrm>
+            <a:off x="12113329" y="22441489"/>
+            <a:ext cx="3764013" cy="369332"/>
+          </a:xfrm>
+          <a:prstGeom prst="rect">
+            <a:avLst/>
+          </a:prstGeom>
+          <a:noFill/>
+        </p:spPr>
+        <p:txBody>
+          <a:bodyPr wrap="square" rtlCol="0">
+            <a:spAutoFit/>
+          </a:bodyPr>
+          <a:lstStyle/>
+          <a:p>
+            <a:pPr marL="0" marR="0" lvl="0" indent="0" algn="ctr" defTabSz="914400" eaLnBrk="1" fontAlgn="auto" latinLnBrk="0" hangingPunct="1">
+              <a:lnSpc>
+                <a:spcPct val="100000"/>
+              </a:lnSpc>
+              <a:spcBef>
+                <a:spcPts val="0"/>
+              </a:spcBef>
+              <a:spcAft>
+                <a:spcPts val="0"/>
+              </a:spcAft>
+              <a:buClrTx/>
+              <a:buSzTx/>
+              <a:buFontTx/>
+              <a:buNone/>
+              <a:tabLst/>
+              <a:defRPr/>
+            </a:pPr>
+            <a:r>
+              <a:rPr kumimoji="0" lang="en-US" sz="1800" b="0" i="0" u="none" strike="noStrike" kern="0" cap="none" spc="0" normalizeH="0" baseline="0" noProof="0" dirty="0">
+                <a:ln>
+                  <a:noFill/>
+                </a:ln>
+                <a:solidFill>
+                  <a:srgbClr val="8F99BB">
+                    <a:lumMod val="75000"/>
+                  </a:srgbClr>
+                </a:solidFill>
+                <a:effectLst/>
+                <a:uLnTx/>
+                <a:uFillTx/>
+                <a:latin typeface="Avenir Next LT Pro"/>
+              </a:rPr>
+              <a:t> </a:t>
+            </a:r>
+            <a:endParaRPr kumimoji="0" lang="en-CA" sz="1800" b="0" i="0" u="none" strike="noStrike" kern="0" cap="none" spc="0" normalizeH="0" baseline="0" noProof="0" dirty="0">
+              <a:ln>
+                <a:noFill/>
+              </a:ln>
+              <a:solidFill>
+                <a:srgbClr val="8F99BB">
+                  <a:lumMod val="75000"/>
+                </a:srgbClr>
+              </a:solidFill>
+              <a:effectLst/>
+              <a:uLnTx/>
+              <a:uFillTx/>
+              <a:latin typeface="Posterama"/>
+            </a:endParaRPr>
+          </a:p>
+        </p:txBody>
+      </p:sp>
+      <p:sp>
+        <p:nvSpPr>
+          <p:cNvPr id="84" name="TextBox 83">
+            <a:extLst>
+              <a:ext uri="{FF2B5EF4-FFF2-40B4-BE49-F238E27FC236}">
+                <a16:creationId xmlns:a16="http://schemas.microsoft.com/office/drawing/2014/main" id="{E75BD494-D2CF-49DF-B5FF-FDA4B8FB30D1}"/>
+              </a:ext>
+            </a:extLst>
+          </p:cNvPr>
+          <p:cNvSpPr txBox="1"/>
+          <p:nvPr/>
+        </p:nvSpPr>
+        <p:spPr>
+          <a:xfrm>
+            <a:off x="12620463" y="23946296"/>
+            <a:ext cx="3203158" cy="369332"/>
+          </a:xfrm>
+          <a:prstGeom prst="rect">
+            <a:avLst/>
+          </a:prstGeom>
+          <a:noFill/>
+        </p:spPr>
+        <p:txBody>
+          <a:bodyPr wrap="square" rtlCol="0">
+            <a:spAutoFit/>
+          </a:bodyPr>
+          <a:lstStyle/>
+          <a:p>
+            <a:pPr marL="0" marR="0" lvl="0" indent="0" algn="ctr" defTabSz="914400" eaLnBrk="1" fontAlgn="auto" latinLnBrk="0" hangingPunct="1">
+              <a:lnSpc>
+                <a:spcPct val="100000"/>
+              </a:lnSpc>
+              <a:spcBef>
+                <a:spcPts val="0"/>
+              </a:spcBef>
+              <a:spcAft>
+                <a:spcPts val="0"/>
+              </a:spcAft>
+              <a:buClrTx/>
+              <a:buSzTx/>
+              <a:buFontTx/>
+              <a:buNone/>
+              <a:tabLst/>
+              <a:defRPr/>
+            </a:pPr>
+            <a:r>
+              <a:rPr kumimoji="0" lang="en-US" sz="1800" b="0" i="0" u="none" strike="noStrike" kern="0" cap="none" spc="0" normalizeH="0" baseline="0" noProof="0" dirty="0">
+                <a:ln>
+                  <a:noFill/>
+                </a:ln>
+                <a:solidFill>
+                  <a:srgbClr val="8F99BB">
+                    <a:lumMod val="75000"/>
+                  </a:srgbClr>
+                </a:solidFill>
+                <a:effectLst/>
+                <a:uLnTx/>
+                <a:uFillTx/>
+                <a:latin typeface="Avenir Next LT Pro"/>
+              </a:rPr>
+              <a:t> </a:t>
+            </a:r>
+            <a:endParaRPr kumimoji="0" lang="en-CA" sz="1800" b="0" i="0" u="none" strike="noStrike" kern="0" cap="none" spc="0" normalizeH="0" baseline="0" noProof="0" dirty="0">
+              <a:ln>
+                <a:noFill/>
+              </a:ln>
+              <a:solidFill>
+                <a:srgbClr val="8F99BB">
+                  <a:lumMod val="75000"/>
+                </a:srgbClr>
+              </a:solidFill>
+              <a:effectLst/>
+              <a:uLnTx/>
+              <a:uFillTx/>
+              <a:latin typeface="Posterama"/>
+            </a:endParaRPr>
+          </a:p>
+        </p:txBody>
+      </p:sp>
+      <p:sp>
+        <p:nvSpPr>
+          <p:cNvPr id="136" name="Rectangle 135">
+            <a:extLst>
+              <a:ext uri="{FF2B5EF4-FFF2-40B4-BE49-F238E27FC236}">
+                <a16:creationId xmlns:a16="http://schemas.microsoft.com/office/drawing/2014/main" id="{4945436F-9BBE-4291-A285-059573B545F4}"/>
+              </a:ext>
+            </a:extLst>
+          </p:cNvPr>
+          <p:cNvSpPr/>
+          <p:nvPr/>
+        </p:nvSpPr>
+        <p:spPr>
+          <a:xfrm>
+            <a:off x="26619036" y="5529885"/>
+            <a:ext cx="8214652" cy="659488"/>
+          </a:xfrm>
+          <a:prstGeom prst="rect">
+            <a:avLst/>
+          </a:prstGeom>
+          <a:solidFill>
+            <a:srgbClr val="6979A1"/>
+          </a:solidFill>
+          <a:ln>
+            <a:noFill/>
+          </a:ln>
+        </p:spPr>
+        <p:style>
+          <a:lnRef idx="2">
+            <a:schemeClr val="accent1">
+              <a:shade val="50000"/>
+            </a:schemeClr>
+          </a:lnRef>
+          <a:fillRef idx="1">
+            <a:schemeClr val="accent1"/>
+          </a:fillRef>
+          <a:effectRef idx="0">
+            <a:schemeClr val="accent1"/>
+          </a:effectRef>
+          <a:fontRef idx="minor">
+            <a:schemeClr val="lt1"/>
+          </a:fontRef>
+        </p:style>
+        <p:txBody>
+          <a:bodyPr rtlCol="0" anchor="ctr"/>
+          <a:lstStyle/>
+          <a:p>
+            <a:pPr algn="ctr"/>
+            <a:r>
+              <a:rPr lang="en-US" sz="3200" b="1" dirty="0"/>
+              <a:t>Experimental</a:t>
+            </a:r>
+            <a:endParaRPr lang="en-CA" sz="3200" b="1" dirty="0"/>
+          </a:p>
+        </p:txBody>
+      </p:sp>
+      <p:sp>
+        <p:nvSpPr>
+          <p:cNvPr id="137" name="Rectangle 136">
+            <a:extLst>
+              <a:ext uri="{FF2B5EF4-FFF2-40B4-BE49-F238E27FC236}">
+                <a16:creationId xmlns:a16="http://schemas.microsoft.com/office/drawing/2014/main" id="{86A570EB-DBFF-4CA1-9A68-72387DE55592}"/>
+              </a:ext>
+            </a:extLst>
+          </p:cNvPr>
+          <p:cNvSpPr/>
+          <p:nvPr/>
+        </p:nvSpPr>
+        <p:spPr>
+          <a:xfrm>
+            <a:off x="18153753" y="5529885"/>
+            <a:ext cx="8214651" cy="660309"/>
+          </a:xfrm>
+          <a:prstGeom prst="rect">
+            <a:avLst/>
+          </a:prstGeom>
+          <a:solidFill>
+            <a:srgbClr val="6979A1"/>
+          </a:solidFill>
+          <a:ln>
+            <a:noFill/>
+          </a:ln>
+        </p:spPr>
+        <p:style>
+          <a:lnRef idx="2">
+            <a:schemeClr val="accent1">
+              <a:shade val="50000"/>
+            </a:schemeClr>
+          </a:lnRef>
+          <a:fillRef idx="1">
+            <a:schemeClr val="accent1"/>
+          </a:fillRef>
+          <a:effectRef idx="0">
+            <a:schemeClr val="accent1"/>
+          </a:effectRef>
+          <a:fontRef idx="minor">
+            <a:schemeClr val="lt1"/>
+          </a:fontRef>
+        </p:style>
+        <p:txBody>
+          <a:bodyPr rtlCol="0" anchor="ctr"/>
+          <a:lstStyle/>
+          <a:p>
+            <a:pPr algn="ctr"/>
+            <a:r>
+              <a:rPr lang="en-US" sz="3200" b="1" dirty="0"/>
+              <a:t>Control</a:t>
+            </a:r>
+            <a:endParaRPr lang="en-CA" sz="3200" b="1" dirty="0"/>
+          </a:p>
+        </p:txBody>
+      </p:sp>
+      <p:pic>
+        <p:nvPicPr>
+          <p:cNvPr id="138" name="Picture 137" descr="Graphical user interface, application&#10;&#10;Description automatically generated">
+            <a:extLst>
+              <a:ext uri="{FF2B5EF4-FFF2-40B4-BE49-F238E27FC236}">
+                <a16:creationId xmlns:a16="http://schemas.microsoft.com/office/drawing/2014/main" id="{E2343501-F891-44E4-9510-1E7F111BF341}"/>
+              </a:ext>
+            </a:extLst>
+          </p:cNvPr>
+          <p:cNvPicPr>
+            <a:picLocks noChangeAspect="1"/>
+          </p:cNvPicPr>
+          <p:nvPr/>
+        </p:nvPicPr>
+        <p:blipFill>
+          <a:blip r:embed="rId10">
+            <a:extLst>
+              <a:ext uri="{28A0092B-C50C-407E-A947-70E740481C1C}">
+                <a14:useLocalDpi xmlns:a14="http://schemas.microsoft.com/office/drawing/2010/main" val="0"/>
+              </a:ext>
+            </a:extLst>
+          </a:blip>
+          <a:stretch>
+            <a:fillRect/>
+          </a:stretch>
+        </p:blipFill>
+        <p:spPr>
+          <a:xfrm>
+            <a:off x="18153753" y="6248435"/>
+            <a:ext cx="8214651" cy="5108486"/>
+          </a:xfrm>
+          <a:prstGeom prst="rect">
+            <a:avLst/>
+          </a:prstGeom>
+        </p:spPr>
+      </p:pic>
+      <p:pic>
+        <p:nvPicPr>
+          <p:cNvPr id="139" name="Picture 138" descr="Graphical user interface, application&#10;&#10;Description automatically generated">
+            <a:extLst>
+              <a:ext uri="{FF2B5EF4-FFF2-40B4-BE49-F238E27FC236}">
+                <a16:creationId xmlns:a16="http://schemas.microsoft.com/office/drawing/2014/main" id="{60FC5245-E443-4226-89A9-F679B6DF4213}"/>
+              </a:ext>
+            </a:extLst>
+          </p:cNvPr>
+          <p:cNvPicPr>
+            <a:picLocks noChangeAspect="1"/>
+          </p:cNvPicPr>
+          <p:nvPr/>
+        </p:nvPicPr>
+        <p:blipFill>
+          <a:blip r:embed="rId11">
+            <a:extLst>
+              <a:ext uri="{28A0092B-C50C-407E-A947-70E740481C1C}">
+                <a14:useLocalDpi xmlns:a14="http://schemas.microsoft.com/office/drawing/2010/main" val="0"/>
+              </a:ext>
+            </a:extLst>
+          </a:blip>
+          <a:stretch>
+            <a:fillRect/>
+          </a:stretch>
+        </p:blipFill>
+        <p:spPr>
+          <a:xfrm>
+            <a:off x="26619036" y="6193497"/>
+            <a:ext cx="8214652" cy="5163423"/>
+          </a:xfrm>
+          <a:prstGeom prst="rect">
+            <a:avLst/>
+          </a:prstGeom>
+        </p:spPr>
+      </p:pic>
+      <p:sp>
+        <p:nvSpPr>
+          <p:cNvPr id="140" name="Rectangle 139">
+            <a:extLst>
+              <a:ext uri="{FF2B5EF4-FFF2-40B4-BE49-F238E27FC236}">
+                <a16:creationId xmlns:a16="http://schemas.microsoft.com/office/drawing/2014/main" id="{0F348E3A-A2B4-446D-9BE3-AB412D6E9911}"/>
+              </a:ext>
+            </a:extLst>
+          </p:cNvPr>
+          <p:cNvSpPr/>
+          <p:nvPr/>
+        </p:nvSpPr>
+        <p:spPr>
+          <a:xfrm>
+            <a:off x="12076176" y="3715082"/>
+            <a:ext cx="4995665" cy="1814803"/>
+          </a:xfrm>
+          <a:prstGeom prst="rect">
+            <a:avLst/>
+          </a:prstGeom>
+          <a:solidFill>
+            <a:srgbClr val="8D96B9"/>
+          </a:solidFill>
+          <a:ln>
+            <a:noFill/>
+          </a:ln>
+        </p:spPr>
+        <p:style>
+          <a:lnRef idx="2">
+            <a:schemeClr val="accent1">
+              <a:shade val="50000"/>
+            </a:schemeClr>
+          </a:lnRef>
+          <a:fillRef idx="1">
+            <a:schemeClr val="accent1"/>
+          </a:fillRef>
+          <a:effectRef idx="0">
+            <a:schemeClr val="accent1"/>
+          </a:effectRef>
+          <a:fontRef idx="minor">
+            <a:schemeClr val="lt1"/>
+          </a:fontRef>
+        </p:style>
+        <p:txBody>
+          <a:bodyPr rtlCol="0" anchor="ctr"/>
+          <a:lstStyle/>
+          <a:p>
+            <a:pPr algn="ctr"/>
+            <a:r>
+              <a:rPr lang="en-US" sz="2800" b="1" dirty="0"/>
+              <a:t>Introduce Participants to a fake tech company and employee</a:t>
+            </a:r>
+            <a:endParaRPr lang="en-CA" sz="2800" b="1" dirty="0"/>
+          </a:p>
+        </p:txBody>
+      </p:sp>
+      <p:sp>
+        <p:nvSpPr>
+          <p:cNvPr id="142" name="Rectangle 141">
+            <a:extLst>
+              <a:ext uri="{FF2B5EF4-FFF2-40B4-BE49-F238E27FC236}">
+                <a16:creationId xmlns:a16="http://schemas.microsoft.com/office/drawing/2014/main" id="{1EDE6648-1C3B-4F28-89FC-32CB8305903C}"/>
+              </a:ext>
+            </a:extLst>
+          </p:cNvPr>
+          <p:cNvSpPr/>
+          <p:nvPr/>
+        </p:nvSpPr>
+        <p:spPr>
+          <a:xfrm>
+            <a:off x="35915600" y="4596549"/>
+            <a:ext cx="7719566" cy="3242376"/>
+          </a:xfrm>
+          <a:prstGeom prst="rect">
+            <a:avLst/>
+          </a:prstGeom>
+          <a:solidFill>
+            <a:srgbClr val="E9EBF1"/>
+          </a:solidFill>
+          <a:ln>
+            <a:noFill/>
+          </a:ln>
+        </p:spPr>
+        <p:style>
+          <a:lnRef idx="2">
+            <a:schemeClr val="accent1">
+              <a:shade val="50000"/>
+            </a:schemeClr>
+          </a:lnRef>
+          <a:fillRef idx="1">
+            <a:schemeClr val="accent1"/>
+          </a:fillRef>
+          <a:effectRef idx="0">
+            <a:schemeClr val="accent1"/>
+          </a:effectRef>
+          <a:fontRef idx="minor">
+            <a:schemeClr val="lt1"/>
+          </a:fontRef>
+        </p:style>
+        <p:txBody>
+          <a:bodyPr rtlCol="0" anchor="ctr"/>
+          <a:lstStyle/>
+          <a:p>
+            <a:pPr algn="ctr">
+              <a:spcAft>
+                <a:spcPts val="600"/>
+              </a:spcAft>
+            </a:pPr>
+            <a:r>
+              <a:rPr lang="en-US" sz="3200" dirty="0">
+                <a:solidFill>
+                  <a:srgbClr val="5E6B9A"/>
+                </a:solidFill>
+              </a:rPr>
+              <a:t>“A manager at CCM is sick, and no one from management can fill in. John is asked to take over the manager's duties until they come back... without compensation”</a:t>
+            </a:r>
+          </a:p>
+        </p:txBody>
+      </p:sp>
+      <p:sp>
+        <p:nvSpPr>
+          <p:cNvPr id="143" name="Rectangle 142">
+            <a:extLst>
+              <a:ext uri="{FF2B5EF4-FFF2-40B4-BE49-F238E27FC236}">
+                <a16:creationId xmlns:a16="http://schemas.microsoft.com/office/drawing/2014/main" id="{ACD0852A-4D8B-45F8-B6F8-D84C645F9B6C}"/>
+              </a:ext>
+            </a:extLst>
+          </p:cNvPr>
+          <p:cNvSpPr/>
+          <p:nvPr/>
+        </p:nvSpPr>
+        <p:spPr>
+          <a:xfrm>
+            <a:off x="35915600" y="3715083"/>
+            <a:ext cx="7709761" cy="911586"/>
+          </a:xfrm>
+          <a:prstGeom prst="rect">
+            <a:avLst/>
+          </a:prstGeom>
+          <a:solidFill>
+            <a:srgbClr val="8D96B9"/>
+          </a:solidFill>
+          <a:ln>
+            <a:noFill/>
+          </a:ln>
+        </p:spPr>
+        <p:style>
+          <a:lnRef idx="2">
+            <a:schemeClr val="accent1">
+              <a:shade val="50000"/>
+            </a:schemeClr>
+          </a:lnRef>
+          <a:fillRef idx="1">
+            <a:schemeClr val="accent1"/>
+          </a:fillRef>
+          <a:effectRef idx="0">
+            <a:schemeClr val="accent1"/>
+          </a:effectRef>
+          <a:fontRef idx="minor">
+            <a:schemeClr val="lt1"/>
+          </a:fontRef>
+        </p:style>
+        <p:txBody>
+          <a:bodyPr rtlCol="0" anchor="ctr"/>
+          <a:lstStyle/>
+          <a:p>
+            <a:pPr algn="ctr"/>
+            <a:r>
+              <a:rPr lang="en-US" sz="2800" b="1" dirty="0"/>
+              <a:t>Stories involving employee mistreatment at the company are presented</a:t>
+            </a:r>
+            <a:endParaRPr lang="en-CA" sz="2800" b="1" dirty="0"/>
+          </a:p>
+        </p:txBody>
+      </p:sp>
+      <p:sp>
+        <p:nvSpPr>
+          <p:cNvPr id="144" name="Rectangle 143">
+            <a:extLst>
+              <a:ext uri="{FF2B5EF4-FFF2-40B4-BE49-F238E27FC236}">
+                <a16:creationId xmlns:a16="http://schemas.microsoft.com/office/drawing/2014/main" id="{37E75929-2739-4B55-967B-9A8A9EBFAB7F}"/>
+              </a:ext>
+            </a:extLst>
+          </p:cNvPr>
+          <p:cNvSpPr/>
+          <p:nvPr/>
+        </p:nvSpPr>
+        <p:spPr>
+          <a:xfrm>
+            <a:off x="35915600" y="8665722"/>
+            <a:ext cx="7718361" cy="2636262"/>
+          </a:xfrm>
+          <a:prstGeom prst="rect">
+            <a:avLst/>
+          </a:prstGeom>
+          <a:solidFill>
+            <a:srgbClr val="E9EBF1"/>
+          </a:solidFill>
+          <a:ln>
+            <a:noFill/>
+          </a:ln>
+        </p:spPr>
+        <p:style>
+          <a:lnRef idx="2">
+            <a:schemeClr val="accent1">
+              <a:shade val="50000"/>
+            </a:schemeClr>
+          </a:lnRef>
+          <a:fillRef idx="1">
+            <a:schemeClr val="accent1"/>
+          </a:fillRef>
+          <a:effectRef idx="0">
+            <a:schemeClr val="accent1"/>
+          </a:effectRef>
+          <a:fontRef idx="minor">
+            <a:schemeClr val="lt1"/>
+          </a:fontRef>
+        </p:style>
+        <p:txBody>
+          <a:bodyPr rtlCol="0" anchor="ctr"/>
+          <a:lstStyle/>
+          <a:p>
+            <a:pPr algn="ctr"/>
+            <a:r>
+              <a:rPr lang="en-US" sz="3200" dirty="0">
+                <a:solidFill>
+                  <a:srgbClr val="5E6B9A"/>
+                </a:solidFill>
+              </a:rPr>
+              <a:t>“CCM is behaving reasonably in asking John to take over these duties.” </a:t>
+            </a:r>
+          </a:p>
+          <a:p>
+            <a:pPr algn="ctr"/>
+            <a:endParaRPr lang="en-US" sz="3200" dirty="0">
+              <a:solidFill>
+                <a:srgbClr val="5E6B9A"/>
+              </a:solidFill>
+            </a:endParaRPr>
+          </a:p>
+          <a:p>
+            <a:pPr algn="ctr"/>
+            <a:r>
+              <a:rPr lang="en-US" sz="3200" dirty="0">
+                <a:solidFill>
+                  <a:srgbClr val="5E6B9A"/>
+                </a:solidFill>
+              </a:rPr>
+              <a:t>Please rank how strongly you agree: </a:t>
+            </a:r>
+          </a:p>
+          <a:p>
+            <a:pPr algn="ctr"/>
+            <a:r>
+              <a:rPr lang="en-US" sz="3200" dirty="0">
+                <a:solidFill>
+                  <a:srgbClr val="5E6B9A"/>
+                </a:solidFill>
+              </a:rPr>
+              <a:t> 1= Strongly disagree –  7 = Strongly Agree</a:t>
+            </a:r>
+          </a:p>
+        </p:txBody>
+      </p:sp>
+      <p:sp>
+        <p:nvSpPr>
+          <p:cNvPr id="145" name="Rectangle 144">
+            <a:extLst>
+              <a:ext uri="{FF2B5EF4-FFF2-40B4-BE49-F238E27FC236}">
+                <a16:creationId xmlns:a16="http://schemas.microsoft.com/office/drawing/2014/main" id="{A0DB4D89-7826-4470-A4AC-BDEBD2702521}"/>
+              </a:ext>
+            </a:extLst>
+          </p:cNvPr>
+          <p:cNvSpPr/>
+          <p:nvPr/>
+        </p:nvSpPr>
+        <p:spPr>
+          <a:xfrm>
+            <a:off x="35915600" y="8121295"/>
+            <a:ext cx="7709761" cy="586241"/>
+          </a:xfrm>
+          <a:prstGeom prst="rect">
+            <a:avLst/>
+          </a:prstGeom>
+          <a:solidFill>
+            <a:srgbClr val="8D96B9"/>
+          </a:solidFill>
+          <a:ln>
+            <a:noFill/>
+          </a:ln>
+        </p:spPr>
+        <p:style>
+          <a:lnRef idx="2">
+            <a:schemeClr val="accent1">
+              <a:shade val="50000"/>
+            </a:schemeClr>
+          </a:lnRef>
+          <a:fillRef idx="1">
+            <a:schemeClr val="accent1"/>
+          </a:fillRef>
+          <a:effectRef idx="0">
+            <a:schemeClr val="accent1"/>
+          </a:effectRef>
+          <a:fontRef idx="minor">
+            <a:schemeClr val="lt1"/>
+          </a:fontRef>
+        </p:style>
+        <p:txBody>
+          <a:bodyPr rtlCol="0" anchor="ctr"/>
+          <a:lstStyle/>
+          <a:p>
+            <a:pPr algn="ctr"/>
+            <a:r>
+              <a:rPr lang="en-US" sz="2800" b="1" dirty="0"/>
+              <a:t>Measures are scored on 7-point Likert Scales</a:t>
+            </a:r>
+            <a:endParaRPr lang="en-CA" sz="2800" b="1" dirty="0"/>
+          </a:p>
+        </p:txBody>
+      </p:sp>
+      <p:sp>
+        <p:nvSpPr>
+          <p:cNvPr id="146" name="Rectangle 145">
+            <a:extLst>
+              <a:ext uri="{FF2B5EF4-FFF2-40B4-BE49-F238E27FC236}">
+                <a16:creationId xmlns:a16="http://schemas.microsoft.com/office/drawing/2014/main" id="{16AE954A-A8DD-4EAA-9119-202FA8D77F6E}"/>
+              </a:ext>
+            </a:extLst>
+          </p:cNvPr>
+          <p:cNvSpPr/>
+          <p:nvPr/>
+        </p:nvSpPr>
+        <p:spPr>
+          <a:xfrm>
+            <a:off x="18153753" y="3718727"/>
+            <a:ext cx="16679935" cy="1847544"/>
+          </a:xfrm>
+          <a:prstGeom prst="rect">
+            <a:avLst/>
+          </a:prstGeom>
+          <a:solidFill>
+            <a:srgbClr val="8D96B9"/>
+          </a:solidFill>
+          <a:ln>
+            <a:noFill/>
+          </a:ln>
+        </p:spPr>
+        <p:style>
+          <a:lnRef idx="2">
+            <a:schemeClr val="accent1">
+              <a:shade val="50000"/>
+            </a:schemeClr>
+          </a:lnRef>
+          <a:fillRef idx="1">
+            <a:schemeClr val="accent1"/>
+          </a:fillRef>
+          <a:effectRef idx="0">
+            <a:schemeClr val="accent1"/>
+          </a:effectRef>
+          <a:fontRef idx="minor">
+            <a:schemeClr val="lt1"/>
+          </a:fontRef>
+        </p:style>
+        <p:txBody>
+          <a:bodyPr rtlCol="0" anchor="ctr"/>
+          <a:lstStyle/>
+          <a:p>
+            <a:pPr algn="ctr"/>
+            <a:r>
+              <a:rPr lang="en-US" sz="2800" b="1" dirty="0"/>
+              <a:t>Participants in the control condition are taught about the company's standard employee benefits (e.g., dental) while those in the experimental condition are shown that the company provides its employees with exciting perks such as an in-house pub, a games room, an on-site staff gym and an employee nap room.</a:t>
+            </a:r>
+            <a:endParaRPr lang="en-CA" sz="2800" b="1" dirty="0"/>
+          </a:p>
+        </p:txBody>
+      </p:sp>
+      <p:sp>
+        <p:nvSpPr>
+          <p:cNvPr id="150" name="Isosceles Triangle 149">
+            <a:extLst>
+              <a:ext uri="{FF2B5EF4-FFF2-40B4-BE49-F238E27FC236}">
+                <a16:creationId xmlns:a16="http://schemas.microsoft.com/office/drawing/2014/main" id="{FEFE5BC9-1C2D-43CF-8CC6-55919F3B8EF0}"/>
+              </a:ext>
+            </a:extLst>
+          </p:cNvPr>
+          <p:cNvSpPr/>
+          <p:nvPr/>
+        </p:nvSpPr>
+        <p:spPr>
+          <a:xfrm rot="5400000">
+            <a:off x="31447539" y="7110465"/>
+            <a:ext cx="7577417" cy="805625"/>
+          </a:xfrm>
+          <a:prstGeom prst="triangle">
+            <a:avLst>
+              <a:gd name="adj" fmla="val 50000"/>
+            </a:avLst>
+          </a:prstGeom>
+          <a:solidFill>
+            <a:srgbClr val="8D96B9"/>
+          </a:solidFill>
+          <a:ln>
+            <a:noFill/>
+          </a:ln>
+        </p:spPr>
+        <p:style>
+          <a:lnRef idx="2">
+            <a:schemeClr val="accent1">
+              <a:shade val="50000"/>
+            </a:schemeClr>
+          </a:lnRef>
+          <a:fillRef idx="1">
+            <a:schemeClr val="accent1"/>
+          </a:fillRef>
+          <a:effectRef idx="0">
+            <a:schemeClr val="accent1"/>
+          </a:effectRef>
+          <a:fontRef idx="minor">
+            <a:schemeClr val="lt1"/>
+          </a:fontRef>
+        </p:style>
+        <p:txBody>
+          <a:bodyPr rtlCol="0" anchor="ctr"/>
+          <a:lstStyle/>
+          <a:p>
+            <a:pPr algn="ctr"/>
+            <a:endParaRPr lang="en-CA"/>
+          </a:p>
+        </p:txBody>
+      </p:sp>
+      <p:sp>
+        <p:nvSpPr>
+          <p:cNvPr id="151" name="Isosceles Triangle 150">
+            <a:extLst>
+              <a:ext uri="{FF2B5EF4-FFF2-40B4-BE49-F238E27FC236}">
+                <a16:creationId xmlns:a16="http://schemas.microsoft.com/office/drawing/2014/main" id="{E50E5496-AC8A-4990-82E5-FE88053FDEFD}"/>
+              </a:ext>
+            </a:extLst>
+          </p:cNvPr>
+          <p:cNvSpPr/>
+          <p:nvPr/>
+        </p:nvSpPr>
+        <p:spPr>
+          <a:xfrm rot="5400000">
+            <a:off x="13667652" y="7117093"/>
+            <a:ext cx="7577417" cy="805625"/>
+          </a:xfrm>
+          <a:prstGeom prst="triangle">
+            <a:avLst>
+              <a:gd name="adj" fmla="val 50000"/>
+            </a:avLst>
+          </a:prstGeom>
+          <a:solidFill>
+            <a:srgbClr val="8D96B9"/>
+          </a:solidFill>
+          <a:ln>
+            <a:noFill/>
+          </a:ln>
+        </p:spPr>
+        <p:style>
+          <a:lnRef idx="2">
+            <a:schemeClr val="accent1">
+              <a:shade val="50000"/>
+            </a:schemeClr>
+          </a:lnRef>
+          <a:fillRef idx="1">
+            <a:schemeClr val="accent1"/>
+          </a:fillRef>
+          <a:effectRef idx="0">
+            <a:schemeClr val="accent1"/>
+          </a:effectRef>
+          <a:fontRef idx="minor">
+            <a:schemeClr val="lt1"/>
+          </a:fontRef>
+        </p:style>
+        <p:txBody>
+          <a:bodyPr rtlCol="0" anchor="ctr"/>
+          <a:lstStyle/>
+          <a:p>
+            <a:pPr algn="ctr"/>
+            <a:endParaRPr lang="en-CA"/>
+          </a:p>
+        </p:txBody>
+      </p:sp>
+      <p:grpSp>
+        <p:nvGrpSpPr>
+          <p:cNvPr id="32" name="Group 31">
+            <a:extLst>
+              <a:ext uri="{FF2B5EF4-FFF2-40B4-BE49-F238E27FC236}">
+                <a16:creationId xmlns:a16="http://schemas.microsoft.com/office/drawing/2014/main" id="{E6ED0C77-321A-4E5A-944C-DE96288480FA}"/>
+              </a:ext>
+            </a:extLst>
+          </p:cNvPr>
+          <p:cNvGrpSpPr/>
+          <p:nvPr/>
+        </p:nvGrpSpPr>
+        <p:grpSpPr>
+          <a:xfrm>
+            <a:off x="246225" y="24058746"/>
+            <a:ext cx="11514065" cy="2301837"/>
+            <a:chOff x="246225" y="23886925"/>
+            <a:chExt cx="11514065" cy="2473657"/>
+          </a:xfrm>
+        </p:grpSpPr>
+        <p:sp>
+          <p:nvSpPr>
+            <p:cNvPr id="131" name="Rectangle 130">
+              <a:extLst>
+                <a:ext uri="{FF2B5EF4-FFF2-40B4-BE49-F238E27FC236}">
+                  <a16:creationId xmlns:a16="http://schemas.microsoft.com/office/drawing/2014/main" id="{3C9AFB82-8083-404C-8DC9-7FD9A0EDBB73}"/>
+                </a:ext>
+              </a:extLst>
+            </p:cNvPr>
+            <p:cNvSpPr/>
+            <p:nvPr/>
+          </p:nvSpPr>
+          <p:spPr>
+            <a:xfrm>
+              <a:off x="1072397" y="23886925"/>
+              <a:ext cx="10687893" cy="2473655"/>
+            </a:xfrm>
+            <a:prstGeom prst="rect">
+              <a:avLst/>
+            </a:prstGeom>
+            <a:solidFill>
+              <a:srgbClr val="E9EBF1"/>
+            </a:solidFill>
+            <a:ln>
+              <a:noFill/>
+            </a:ln>
+          </p:spPr>
+          <p:style>
+            <a:lnRef idx="2">
+              <a:schemeClr val="accent1">
+                <a:shade val="50000"/>
+              </a:schemeClr>
+            </a:lnRef>
+            <a:fillRef idx="1">
+              <a:schemeClr val="accent1"/>
+            </a:fillRef>
+            <a:effectRef idx="0">
+              <a:schemeClr val="accent1"/>
+            </a:effectRef>
+            <a:fontRef idx="minor">
+              <a:schemeClr val="lt1"/>
+            </a:fontRef>
+          </p:style>
+          <p:txBody>
+            <a:bodyPr rtlCol="0" anchor="ctr"/>
+            <a:lstStyle/>
+            <a:p>
+              <a:pPr algn="ctr"/>
+              <a:endParaRPr lang="en-CA" sz="2600" dirty="0">
+                <a:latin typeface="Avenir Next LT Pro" panose="020B0504020202020204" pitchFamily="34" charset="0"/>
+              </a:endParaRPr>
+            </a:p>
+          </p:txBody>
+        </p:sp>
+        <p:sp>
+          <p:nvSpPr>
+            <p:cNvPr id="134" name="Rectangle 133">
+              <a:extLst>
+                <a:ext uri="{FF2B5EF4-FFF2-40B4-BE49-F238E27FC236}">
+                  <a16:creationId xmlns:a16="http://schemas.microsoft.com/office/drawing/2014/main" id="{555B4762-B91C-4C89-BB08-B636A2AF91EE}"/>
+                </a:ext>
+              </a:extLst>
+            </p:cNvPr>
+            <p:cNvSpPr/>
+            <p:nvPr/>
+          </p:nvSpPr>
+          <p:spPr>
+            <a:xfrm>
+              <a:off x="246225" y="23886926"/>
+              <a:ext cx="828470" cy="2473656"/>
+            </a:xfrm>
+            <a:prstGeom prst="rect">
+              <a:avLst/>
+            </a:prstGeom>
+            <a:solidFill>
+              <a:srgbClr val="8F99BB">
+                <a:lumMod val="75000"/>
+              </a:srgbClr>
+            </a:solidFill>
+            <a:ln w="12700" cap="flat" cmpd="sng" algn="ctr">
+              <a:noFill/>
+              <a:prstDash val="solid"/>
+              <a:miter lim="800000"/>
+            </a:ln>
+            <a:effectLst/>
+          </p:spPr>
+          <p:txBody>
+            <a:bodyPr rtlCol="0" anchor="ctr"/>
+            <a:lstStyle/>
+            <a:p>
+              <a:pPr marL="0" marR="0" lvl="0" indent="0" algn="ctr" defTabSz="914400" eaLnBrk="1" fontAlgn="auto" latinLnBrk="0" hangingPunct="1">
+                <a:lnSpc>
+                  <a:spcPct val="100000"/>
+                </a:lnSpc>
+                <a:spcBef>
+                  <a:spcPts val="0"/>
+                </a:spcBef>
+                <a:spcAft>
+                  <a:spcPts val="0"/>
+                </a:spcAft>
+                <a:buClrTx/>
+                <a:buSzTx/>
+                <a:buFontTx/>
+                <a:buNone/>
+                <a:tabLst/>
+                <a:defRPr/>
+              </a:pPr>
+              <a:r>
+                <a:rPr lang="en-US" sz="3400" b="1" kern="0" dirty="0">
+                  <a:solidFill>
+                    <a:prstClr val="white"/>
+                  </a:solidFill>
+                  <a:latin typeface="Avenir Next LT Pro"/>
+                </a:rPr>
+                <a:t>D</a:t>
+              </a:r>
+              <a:r>
+                <a:rPr kumimoji="0" lang="en-US" sz="3400" b="1" i="0" u="none" strike="noStrike" kern="0" cap="none" spc="0" normalizeH="0" baseline="0" noProof="0" dirty="0">
+                  <a:ln>
+                    <a:noFill/>
+                  </a:ln>
+                  <a:solidFill>
+                    <a:prstClr val="white"/>
+                  </a:solidFill>
+                  <a:effectLst/>
+                  <a:uLnTx/>
+                  <a:uFillTx/>
+                  <a:latin typeface="Avenir Next LT Pro"/>
+                  <a:ea typeface="+mn-ea"/>
+                  <a:cs typeface="+mn-cs"/>
+                </a:rPr>
+                <a:t>V</a:t>
+              </a:r>
+              <a:endParaRPr kumimoji="0" lang="en-CA" sz="3400" b="1" i="0" u="none" strike="noStrike" kern="0" cap="none" spc="0" normalizeH="0" baseline="0" noProof="0" dirty="0">
+                <a:ln>
+                  <a:noFill/>
+                </a:ln>
+                <a:solidFill>
+                  <a:prstClr val="white"/>
+                </a:solidFill>
+                <a:effectLst/>
+                <a:uLnTx/>
+                <a:uFillTx/>
+                <a:latin typeface="Avenir Next LT Pro"/>
+                <a:ea typeface="+mn-ea"/>
+                <a:cs typeface="+mn-cs"/>
+              </a:endParaRPr>
+            </a:p>
+          </p:txBody>
+        </p:sp>
+        <p:sp>
+          <p:nvSpPr>
+            <p:cNvPr id="152" name="TextBox 151">
+              <a:extLst>
+                <a:ext uri="{FF2B5EF4-FFF2-40B4-BE49-F238E27FC236}">
+                  <a16:creationId xmlns:a16="http://schemas.microsoft.com/office/drawing/2014/main" id="{9F749715-EF65-452C-A3D6-A2BE39E019B0}"/>
+                </a:ext>
+              </a:extLst>
+            </p:cNvPr>
+            <p:cNvSpPr txBox="1"/>
+            <p:nvPr/>
+          </p:nvSpPr>
+          <p:spPr>
+            <a:xfrm>
+              <a:off x="1112692" y="24024659"/>
+              <a:ext cx="2581359" cy="529201"/>
+            </a:xfrm>
+            <a:prstGeom prst="rect">
+              <a:avLst/>
+            </a:prstGeom>
+            <a:noFill/>
+          </p:spPr>
+          <p:txBody>
+            <a:bodyPr wrap="square" rtlCol="0">
+              <a:spAutoFit/>
+            </a:bodyPr>
+            <a:lstStyle/>
+            <a:p>
+              <a:pPr algn="r"/>
+              <a:r>
+                <a:rPr lang="en-US" sz="2600" b="1" dirty="0">
+                  <a:solidFill>
+                    <a:srgbClr val="2E344C"/>
+                  </a:solidFill>
+                  <a:latin typeface="+mj-lt"/>
+                </a:rPr>
+                <a:t>Exploitation </a:t>
+              </a:r>
+              <a:r>
+                <a:rPr lang="en-US" sz="2600" b="1" dirty="0">
+                  <a:solidFill>
+                    <a:srgbClr val="2E344C"/>
+                  </a:solidFill>
+                  <a:latin typeface="Avenir Next LT Pro" panose="020B0504020202020204" pitchFamily="34" charset="0"/>
+                </a:rPr>
+                <a:t>:</a:t>
+              </a:r>
+              <a:endParaRPr lang="en-CA" sz="2600" b="1" dirty="0"/>
+            </a:p>
+          </p:txBody>
+        </p:sp>
+        <p:sp>
+          <p:nvSpPr>
+            <p:cNvPr id="153" name="TextBox 152">
+              <a:extLst>
+                <a:ext uri="{FF2B5EF4-FFF2-40B4-BE49-F238E27FC236}">
+                  <a16:creationId xmlns:a16="http://schemas.microsoft.com/office/drawing/2014/main" id="{C28A5F98-E95E-4B9E-8804-A3D346AA4B95}"/>
+                </a:ext>
+              </a:extLst>
+            </p:cNvPr>
+            <p:cNvSpPr txBox="1"/>
+            <p:nvPr/>
+          </p:nvSpPr>
+          <p:spPr>
+            <a:xfrm>
+              <a:off x="3709806" y="24023082"/>
+              <a:ext cx="8031090" cy="492443"/>
+            </a:xfrm>
+            <a:prstGeom prst="rect">
+              <a:avLst/>
+            </a:prstGeom>
+            <a:noFill/>
+          </p:spPr>
+          <p:txBody>
+            <a:bodyPr wrap="square" rtlCol="0">
+              <a:spAutoFit/>
+            </a:bodyPr>
+            <a:lstStyle/>
+            <a:p>
+              <a:r>
+                <a:rPr lang="en-US" sz="2600" dirty="0">
+                  <a:solidFill>
+                    <a:srgbClr val="2E344C"/>
+                  </a:solidFill>
+                  <a:latin typeface="+mj-lt"/>
+                </a:rPr>
+                <a:t>Unfairly compensated tasks and/or beyond job scope</a:t>
+              </a:r>
+              <a:endParaRPr lang="en-CA" sz="2600" dirty="0">
+                <a:latin typeface="+mj-lt"/>
+              </a:endParaRPr>
+            </a:p>
+          </p:txBody>
+        </p:sp>
+        <p:sp>
+          <p:nvSpPr>
+            <p:cNvPr id="154" name="TextBox 153">
+              <a:extLst>
+                <a:ext uri="{FF2B5EF4-FFF2-40B4-BE49-F238E27FC236}">
+                  <a16:creationId xmlns:a16="http://schemas.microsoft.com/office/drawing/2014/main" id="{18762A7A-565D-47DE-B4E5-D656909127F3}"/>
+                </a:ext>
+              </a:extLst>
+            </p:cNvPr>
+            <p:cNvSpPr txBox="1"/>
+            <p:nvPr/>
+          </p:nvSpPr>
+          <p:spPr>
+            <a:xfrm>
+              <a:off x="3694052" y="24764348"/>
+              <a:ext cx="8031090" cy="492443"/>
+            </a:xfrm>
+            <a:prstGeom prst="rect">
+              <a:avLst/>
+            </a:prstGeom>
+            <a:noFill/>
+          </p:spPr>
+          <p:txBody>
+            <a:bodyPr wrap="square" rtlCol="0">
+              <a:spAutoFit/>
+            </a:bodyPr>
+            <a:lstStyle/>
+            <a:p>
+              <a:r>
+                <a:rPr lang="en-US" sz="2600" dirty="0">
+                  <a:solidFill>
+                    <a:srgbClr val="2E344C"/>
+                  </a:solidFill>
+                  <a:latin typeface="+mj-lt"/>
+                </a:rPr>
+                <a:t>Unfair or demeaning treatment from superior</a:t>
+              </a:r>
+              <a:endParaRPr lang="en-CA" sz="2600" dirty="0">
+                <a:latin typeface="+mj-lt"/>
+              </a:endParaRPr>
+            </a:p>
+          </p:txBody>
+        </p:sp>
+        <p:sp>
+          <p:nvSpPr>
+            <p:cNvPr id="155" name="TextBox 154">
+              <a:extLst>
+                <a:ext uri="{FF2B5EF4-FFF2-40B4-BE49-F238E27FC236}">
+                  <a16:creationId xmlns:a16="http://schemas.microsoft.com/office/drawing/2014/main" id="{6EE495C6-0CA2-4126-A5A0-B59CDBEC1FF6}"/>
+                </a:ext>
+              </a:extLst>
+            </p:cNvPr>
+            <p:cNvSpPr txBox="1"/>
+            <p:nvPr/>
+          </p:nvSpPr>
+          <p:spPr>
+            <a:xfrm>
+              <a:off x="3694051" y="25572201"/>
+              <a:ext cx="8031090" cy="529201"/>
+            </a:xfrm>
+            <a:prstGeom prst="rect">
+              <a:avLst/>
+            </a:prstGeom>
+            <a:noFill/>
+          </p:spPr>
+          <p:txBody>
+            <a:bodyPr wrap="square" rtlCol="0">
+              <a:spAutoFit/>
+            </a:bodyPr>
+            <a:lstStyle/>
+            <a:p>
+              <a:r>
+                <a:rPr lang="en-US" sz="2600" dirty="0">
+                  <a:solidFill>
+                    <a:srgbClr val="2E344C"/>
+                  </a:solidFill>
+                  <a:latin typeface="+mj-lt"/>
+                </a:rPr>
+                <a:t>Unreasonably high work standards</a:t>
+              </a:r>
+            </a:p>
+          </p:txBody>
+        </p:sp>
+        <p:sp>
+          <p:nvSpPr>
+            <p:cNvPr id="156" name="TextBox 155">
+              <a:extLst>
+                <a:ext uri="{FF2B5EF4-FFF2-40B4-BE49-F238E27FC236}">
+                  <a16:creationId xmlns:a16="http://schemas.microsoft.com/office/drawing/2014/main" id="{9CA48C5D-EB22-4935-B2D4-A0D01FD5AE96}"/>
+                </a:ext>
+              </a:extLst>
+            </p:cNvPr>
+            <p:cNvSpPr txBox="1"/>
+            <p:nvPr/>
+          </p:nvSpPr>
+          <p:spPr>
+            <a:xfrm>
+              <a:off x="1108394" y="24805633"/>
+              <a:ext cx="2581358" cy="529201"/>
+            </a:xfrm>
+            <a:prstGeom prst="rect">
+              <a:avLst/>
+            </a:prstGeom>
+            <a:noFill/>
+          </p:spPr>
+          <p:txBody>
+            <a:bodyPr wrap="square" rtlCol="0">
+              <a:spAutoFit/>
+            </a:bodyPr>
+            <a:lstStyle/>
+            <a:p>
+              <a:pPr algn="r"/>
+              <a:r>
+                <a:rPr lang="en-US" sz="2600" b="1" dirty="0">
+                  <a:solidFill>
+                    <a:srgbClr val="2E344C"/>
+                  </a:solidFill>
+                  <a:latin typeface="+mj-lt"/>
+                </a:rPr>
+                <a:t>Mistreatment </a:t>
+              </a:r>
+              <a:r>
+                <a:rPr lang="en-US" sz="2600" b="1" dirty="0">
+                  <a:solidFill>
+                    <a:srgbClr val="2E344C"/>
+                  </a:solidFill>
+                  <a:latin typeface="Avenir Next LT Pro" panose="020B0504020202020204" pitchFamily="34" charset="0"/>
+                </a:rPr>
+                <a:t>:</a:t>
+              </a:r>
+              <a:endParaRPr lang="en-CA" sz="2600" b="1" dirty="0"/>
+            </a:p>
+          </p:txBody>
+        </p:sp>
+        <p:sp>
+          <p:nvSpPr>
+            <p:cNvPr id="157" name="TextBox 156">
+              <a:extLst>
+                <a:ext uri="{FF2B5EF4-FFF2-40B4-BE49-F238E27FC236}">
+                  <a16:creationId xmlns:a16="http://schemas.microsoft.com/office/drawing/2014/main" id="{01684449-9618-46F1-A932-72AE827CE985}"/>
+                </a:ext>
+              </a:extLst>
+            </p:cNvPr>
+            <p:cNvSpPr txBox="1"/>
+            <p:nvPr/>
+          </p:nvSpPr>
+          <p:spPr>
+            <a:xfrm>
+              <a:off x="1108393" y="25587814"/>
+              <a:ext cx="2591427" cy="529201"/>
+            </a:xfrm>
+            <a:prstGeom prst="rect">
+              <a:avLst/>
+            </a:prstGeom>
+            <a:noFill/>
+          </p:spPr>
+          <p:txBody>
+            <a:bodyPr wrap="square" rtlCol="0">
+              <a:spAutoFit/>
+            </a:bodyPr>
+            <a:lstStyle/>
+            <a:p>
+              <a:pPr algn="r"/>
+              <a:r>
+                <a:rPr lang="en-US" sz="2600" b="1" dirty="0">
+                  <a:solidFill>
+                    <a:srgbClr val="2E344C"/>
+                  </a:solidFill>
+                  <a:latin typeface="+mj-lt"/>
+                </a:rPr>
+                <a:t>Perfectionism </a:t>
+              </a:r>
+              <a:r>
+                <a:rPr lang="en-US" sz="2600" b="1" dirty="0">
+                  <a:solidFill>
+                    <a:srgbClr val="2E344C"/>
+                  </a:solidFill>
+                  <a:latin typeface="Avenir Next LT Pro" panose="020B0504020202020204" pitchFamily="34" charset="0"/>
+                </a:rPr>
+                <a:t>:</a:t>
+              </a:r>
+              <a:endParaRPr lang="en-CA" sz="2600" b="1" dirty="0"/>
             </a:p>
           </p:txBody>
         </p:sp>
@@ -12430,13 +17471,229 @@
   <p:clrMapOvr>
     <a:masterClrMapping/>
   </p:clrMapOvr>
+  <p:timing>
+    <p:tnLst>
+      <p:par>
+        <p:cTn id="1" dur="indefinite" restart="never" nodeType="tmRoot">
+          <p:childTnLst>
+            <p:seq concurrent="1" nextAc="seek">
+              <p:cTn id="2" dur="indefinite" nodeType="mainSeq">
+                <p:childTnLst>
+                  <p:par>
+                    <p:cTn id="3" fill="hold">
+                      <p:stCondLst>
+                        <p:cond delay="indefinite"/>
+                      </p:stCondLst>
+                      <p:childTnLst>
+                        <p:par>
+                          <p:cTn id="4" fill="hold">
+                            <p:stCondLst>
+                              <p:cond delay="0"/>
+                            </p:stCondLst>
+                            <p:childTnLst>
+                              <p:par>
+                                <p:cTn id="5" presetID="1" presetClass="entr" presetSubtype="0" fill="hold" grpId="0" nodeType="clickEffect">
+                                  <p:stCondLst>
+                                    <p:cond delay="0"/>
+                                  </p:stCondLst>
+                                  <p:childTnLst>
+                                    <p:set>
+                                      <p:cBhvr>
+                                        <p:cTn id="6" dur="1" fill="hold">
+                                          <p:stCondLst>
+                                            <p:cond delay="0"/>
+                                          </p:stCondLst>
+                                        </p:cTn>
+                                        <p:tgtEl>
+                                          <p:spTgt spid="136"/>
+                                        </p:tgtEl>
+                                        <p:attrNameLst>
+                                          <p:attrName>style.visibility</p:attrName>
+                                        </p:attrNameLst>
+                                      </p:cBhvr>
+                                      <p:to>
+                                        <p:strVal val="visible"/>
+                                      </p:to>
+                                    </p:set>
+                                  </p:childTnLst>
+                                </p:cTn>
+                              </p:par>
+                              <p:par>
+                                <p:cTn id="7" presetID="1" presetClass="entr" presetSubtype="0" fill="hold" grpId="0" nodeType="withEffect">
+                                  <p:stCondLst>
+                                    <p:cond delay="0"/>
+                                  </p:stCondLst>
+                                  <p:childTnLst>
+                                    <p:set>
+                                      <p:cBhvr>
+                                        <p:cTn id="8" dur="1" fill="hold">
+                                          <p:stCondLst>
+                                            <p:cond delay="0"/>
+                                          </p:stCondLst>
+                                        </p:cTn>
+                                        <p:tgtEl>
+                                          <p:spTgt spid="137"/>
+                                        </p:tgtEl>
+                                        <p:attrNameLst>
+                                          <p:attrName>style.visibility</p:attrName>
+                                        </p:attrNameLst>
+                                      </p:cBhvr>
+                                      <p:to>
+                                        <p:strVal val="visible"/>
+                                      </p:to>
+                                    </p:set>
+                                  </p:childTnLst>
+                                </p:cTn>
+                              </p:par>
+                              <p:par>
+                                <p:cTn id="9" presetID="1" presetClass="entr" presetSubtype="0" fill="hold" nodeType="withEffect">
+                                  <p:stCondLst>
+                                    <p:cond delay="0"/>
+                                  </p:stCondLst>
+                                  <p:childTnLst>
+                                    <p:set>
+                                      <p:cBhvr>
+                                        <p:cTn id="10" dur="1" fill="hold">
+                                          <p:stCondLst>
+                                            <p:cond delay="0"/>
+                                          </p:stCondLst>
+                                        </p:cTn>
+                                        <p:tgtEl>
+                                          <p:spTgt spid="138"/>
+                                        </p:tgtEl>
+                                        <p:attrNameLst>
+                                          <p:attrName>style.visibility</p:attrName>
+                                        </p:attrNameLst>
+                                      </p:cBhvr>
+                                      <p:to>
+                                        <p:strVal val="visible"/>
+                                      </p:to>
+                                    </p:set>
+                                  </p:childTnLst>
+                                </p:cTn>
+                              </p:par>
+                              <p:par>
+                                <p:cTn id="11" presetID="1" presetClass="entr" presetSubtype="0" fill="hold" nodeType="withEffect">
+                                  <p:stCondLst>
+                                    <p:cond delay="0"/>
+                                  </p:stCondLst>
+                                  <p:childTnLst>
+                                    <p:set>
+                                      <p:cBhvr>
+                                        <p:cTn id="12" dur="1" fill="hold">
+                                          <p:stCondLst>
+                                            <p:cond delay="0"/>
+                                          </p:stCondLst>
+                                        </p:cTn>
+                                        <p:tgtEl>
+                                          <p:spTgt spid="139"/>
+                                        </p:tgtEl>
+                                        <p:attrNameLst>
+                                          <p:attrName>style.visibility</p:attrName>
+                                        </p:attrNameLst>
+                                      </p:cBhvr>
+                                      <p:to>
+                                        <p:strVal val="visible"/>
+                                      </p:to>
+                                    </p:set>
+                                  </p:childTnLst>
+                                </p:cTn>
+                              </p:par>
+                              <p:par>
+                                <p:cTn id="13" presetID="1" presetClass="entr" presetSubtype="0" fill="hold" grpId="0" nodeType="withEffect">
+                                  <p:stCondLst>
+                                    <p:cond delay="0"/>
+                                  </p:stCondLst>
+                                  <p:childTnLst>
+                                    <p:set>
+                                      <p:cBhvr>
+                                        <p:cTn id="14" dur="1" fill="hold">
+                                          <p:stCondLst>
+                                            <p:cond delay="0"/>
+                                          </p:stCondLst>
+                                        </p:cTn>
+                                        <p:tgtEl>
+                                          <p:spTgt spid="140"/>
+                                        </p:tgtEl>
+                                        <p:attrNameLst>
+                                          <p:attrName>style.visibility</p:attrName>
+                                        </p:attrNameLst>
+                                      </p:cBhvr>
+                                      <p:to>
+                                        <p:strVal val="visible"/>
+                                      </p:to>
+                                    </p:set>
+                                  </p:childTnLst>
+                                </p:cTn>
+                              </p:par>
+                              <p:par>
+                                <p:cTn id="15" presetID="1" presetClass="entr" presetSubtype="0" fill="hold" grpId="0" nodeType="withEffect">
+                                  <p:stCondLst>
+                                    <p:cond delay="0"/>
+                                  </p:stCondLst>
+                                  <p:childTnLst>
+                                    <p:set>
+                                      <p:cBhvr>
+                                        <p:cTn id="16" dur="1" fill="hold">
+                                          <p:stCondLst>
+                                            <p:cond delay="0"/>
+                                          </p:stCondLst>
+                                        </p:cTn>
+                                        <p:tgtEl>
+                                          <p:spTgt spid="146"/>
+                                        </p:tgtEl>
+                                        <p:attrNameLst>
+                                          <p:attrName>style.visibility</p:attrName>
+                                        </p:attrNameLst>
+                                      </p:cBhvr>
+                                      <p:to>
+                                        <p:strVal val="visible"/>
+                                      </p:to>
+                                    </p:set>
+                                  </p:childTnLst>
+                                </p:cTn>
+                              </p:par>
+                            </p:childTnLst>
+                          </p:cTn>
+                        </p:par>
+                      </p:childTnLst>
+                    </p:cTn>
+                  </p:par>
+                </p:childTnLst>
+              </p:cTn>
+              <p:prevCondLst>
+                <p:cond evt="onPrev" delay="0">
+                  <p:tgtEl>
+                    <p:sldTgt/>
+                  </p:tgtEl>
+                </p:cond>
+              </p:prevCondLst>
+              <p:nextCondLst>
+                <p:cond evt="onNext" delay="0">
+                  <p:tgtEl>
+                    <p:sldTgt/>
+                  </p:tgtEl>
+                </p:cond>
+              </p:nextCondLst>
+            </p:seq>
+          </p:childTnLst>
+        </p:cTn>
+      </p:par>
+    </p:tnLst>
+    <p:bldLst>
+      <p:bldP spid="136" grpId="0" animBg="1"/>
+      <p:bldP spid="137" grpId="0" animBg="1"/>
+      <p:bldP spid="140" grpId="0" animBg="1"/>
+      <p:bldP spid="146" grpId="0" animBg="1"/>
+    </p:bldLst>
+  </p:timing>
 </p:sld>
 </file>
 
 <file path=ppt/theme/theme1.xml><?xml version="1.0" encoding="utf-8"?>
 <a:theme xmlns:a="http://schemas.openxmlformats.org/drawingml/2006/main" name="Office Theme">
   <a:themeElements>
-    <a:clrScheme name="Office Theme">
+    <a:clrScheme name="Custom 3">
       <a:dk1>
         <a:sysClr val="windowText" lastClr="000000"/>
       </a:dk1>
@@ -12453,10 +17710,10 @@
         <a:srgbClr val="4472C4"/>
       </a:accent1>
       <a:accent2>
-        <a:srgbClr val="ED7D31"/>
+        <a:srgbClr val="A4A4D0"/>
       </a:accent2>
       <a:accent3>
-        <a:srgbClr val="A5A5A5"/>
+        <a:srgbClr val="EE9E8E"/>
       </a:accent3>
       <a:accent4>
         <a:srgbClr val="FFC000"/>
